--- a/liceu/3semestre/projeto integrador/tcc slide.pptx
+++ b/liceu/3semestre/projeto integrador/tcc slide.pptx
@@ -5,7 +5,7 @@
     <p:sldMasterId id="2147483648" r:id="rId1"/>
   </p:sldMasterIdLst>
   <p:notesMasterIdLst>
-    <p:notesMasterId r:id="rId21"/>
+    <p:notesMasterId r:id="rId22"/>
   </p:notesMasterIdLst>
   <p:sldIdLst>
     <p:sldId id="256" r:id="rId2"/>
@@ -25,8 +25,9 @@
     <p:sldId id="272" r:id="rId16"/>
     <p:sldId id="264" r:id="rId17"/>
     <p:sldId id="265" r:id="rId18"/>
-    <p:sldId id="266" r:id="rId19"/>
-    <p:sldId id="267" r:id="rId20"/>
+    <p:sldId id="276" r:id="rId19"/>
+    <p:sldId id="266" r:id="rId20"/>
+    <p:sldId id="267" r:id="rId21"/>
   </p:sldIdLst>
   <p:sldSz cx="12192000" cy="6858000"/>
   <p:notesSz cx="6858000" cy="9144000"/>
@@ -215,7 +216,7 @@
           <a:p>
             <a:fld id="{18320935-7879-4FC8-A6C9-17BE08BC5BEB}" type="datetimeFigureOut">
               <a:rPr lang="pt-BR" smtClean="0"/>
-              <a:t>20/05/2025</a:t>
+              <a:t>21/05/2025</a:t>
             </a:fld>
             <a:endParaRPr lang="pt-BR"/>
           </a:p>
@@ -629,7 +630,7 @@
           <a:p>
             <a:fld id="{055D9AF5-8B02-462A-998E-086C6BD146E3}" type="datetime1">
               <a:rPr lang="pt-BR" smtClean="0"/>
-              <a:t>20/05/2025</a:t>
+              <a:t>21/05/2025</a:t>
             </a:fld>
             <a:endParaRPr lang="pt-BR"/>
           </a:p>
@@ -827,7 +828,7 @@
           <a:p>
             <a:fld id="{258448AC-78A4-411F-B30C-72E16663FB27}" type="datetime1">
               <a:rPr lang="pt-BR" smtClean="0"/>
-              <a:t>20/05/2025</a:t>
+              <a:t>21/05/2025</a:t>
             </a:fld>
             <a:endParaRPr lang="pt-BR"/>
           </a:p>
@@ -1035,7 +1036,7 @@
           <a:p>
             <a:fld id="{9F1F3115-DB14-4321-8D36-A5960E5A90C2}" type="datetime1">
               <a:rPr lang="pt-BR" smtClean="0"/>
-              <a:t>20/05/2025</a:t>
+              <a:t>21/05/2025</a:t>
             </a:fld>
             <a:endParaRPr lang="pt-BR"/>
           </a:p>
@@ -1233,7 +1234,7 @@
           <a:p>
             <a:fld id="{D8C6E8C3-9067-43B2-BEF6-C1F5787FC74D}" type="datetime1">
               <a:rPr lang="pt-BR" smtClean="0"/>
-              <a:t>20/05/2025</a:t>
+              <a:t>21/05/2025</a:t>
             </a:fld>
             <a:endParaRPr lang="pt-BR"/>
           </a:p>
@@ -1508,7 +1509,7 @@
           <a:p>
             <a:fld id="{AEDAA854-EDC2-459C-AF0A-0D60AE43886D}" type="datetime1">
               <a:rPr lang="pt-BR" smtClean="0"/>
-              <a:t>20/05/2025</a:t>
+              <a:t>21/05/2025</a:t>
             </a:fld>
             <a:endParaRPr lang="pt-BR"/>
           </a:p>
@@ -1773,7 +1774,7 @@
           <a:p>
             <a:fld id="{5D91D852-DAA6-48D5-92B2-C187B4D9E703}" type="datetime1">
               <a:rPr lang="pt-BR" smtClean="0"/>
-              <a:t>20/05/2025</a:t>
+              <a:t>21/05/2025</a:t>
             </a:fld>
             <a:endParaRPr lang="pt-BR"/>
           </a:p>
@@ -2185,7 +2186,7 @@
           <a:p>
             <a:fld id="{CDC3A4EE-7EB3-49B0-B009-2BF3B4DB4BF7}" type="datetime1">
               <a:rPr lang="pt-BR" smtClean="0"/>
-              <a:t>20/05/2025</a:t>
+              <a:t>21/05/2025</a:t>
             </a:fld>
             <a:endParaRPr lang="pt-BR"/>
           </a:p>
@@ -2326,7 +2327,7 @@
           <a:p>
             <a:fld id="{224C9A1C-CA50-4622-B615-0639F6347B1D}" type="datetime1">
               <a:rPr lang="pt-BR" smtClean="0"/>
-              <a:t>20/05/2025</a:t>
+              <a:t>21/05/2025</a:t>
             </a:fld>
             <a:endParaRPr lang="pt-BR"/>
           </a:p>
@@ -2439,7 +2440,7 @@
           <a:p>
             <a:fld id="{3D6C1E11-059F-430B-ACAB-308983ADDB72}" type="datetime1">
               <a:rPr lang="pt-BR" smtClean="0"/>
-              <a:t>20/05/2025</a:t>
+              <a:t>21/05/2025</a:t>
             </a:fld>
             <a:endParaRPr lang="pt-BR"/>
           </a:p>
@@ -2750,7 +2751,7 @@
           <a:p>
             <a:fld id="{D818A351-4929-4117-9E02-9240FA4BEF66}" type="datetime1">
               <a:rPr lang="pt-BR" smtClean="0"/>
-              <a:t>20/05/2025</a:t>
+              <a:t>21/05/2025</a:t>
             </a:fld>
             <a:endParaRPr lang="pt-BR"/>
           </a:p>
@@ -3038,7 +3039,7 @@
           <a:p>
             <a:fld id="{0717CE0E-0A9C-4DE7-9D3C-C334C624287A}" type="datetime1">
               <a:rPr lang="pt-BR" smtClean="0"/>
-              <a:t>20/05/2025</a:t>
+              <a:t>21/05/2025</a:t>
             </a:fld>
             <a:endParaRPr lang="pt-BR"/>
           </a:p>
@@ -3279,7 +3280,7 @@
           <a:p>
             <a:fld id="{8DEF6C12-3CCD-4BA5-AA5A-B9FCBFB668F7}" type="datetime1">
               <a:rPr lang="pt-BR" smtClean="0"/>
-              <a:t>20/05/2025</a:t>
+              <a:t>21/05/2025</a:t>
             </a:fld>
             <a:endParaRPr lang="pt-BR"/>
           </a:p>
@@ -3921,7 +3922,7 @@
         </p:nvSpPr>
         <p:spPr>
           <a:xfrm>
-            <a:off x="1580113" y="1339195"/>
+            <a:off x="1580112" y="942458"/>
             <a:ext cx="9144000" cy="852211"/>
           </a:xfrm>
         </p:spPr>
@@ -3956,8 +3957,8 @@
         </p:nvSpPr>
         <p:spPr>
           <a:xfrm>
-            <a:off x="1276865" y="2345670"/>
-            <a:ext cx="9750495" cy="1896681"/>
+            <a:off x="901148" y="1696191"/>
+            <a:ext cx="9750495" cy="696632"/>
           </a:xfrm>
         </p:spPr>
         <p:txBody>
@@ -3972,7 +3973,7 @@
             </a:pPr>
             <a:r>
               <a:rPr lang="pt-BR" sz="2800" dirty="0"/>
-              <a:t>Diagrama de Caso de Uso</a:t>
+              <a:t>Diagramas de Caso de Uso</a:t>
             </a:r>
           </a:p>
         </p:txBody>
@@ -4044,6 +4045,134 @@
           <a:xfrm>
             <a:off x="8481392" y="273982"/>
             <a:ext cx="3142076" cy="852210"/>
+          </a:xfrm>
+          <a:prstGeom prst="rect">
+            <a:avLst/>
+          </a:prstGeom>
+        </p:spPr>
+      </p:pic>
+      <p:pic>
+        <p:nvPicPr>
+          <p:cNvPr id="6" name="Imagem 5" descr="Gráfico, Diagrama, Gráfico de bolhas&#10;&#10;O conteúdo gerado por IA pode estar incorreto.">
+            <a:extLst>
+              <a:ext uri="{FF2B5EF4-FFF2-40B4-BE49-F238E27FC236}">
+                <a16:creationId xmlns:a16="http://schemas.microsoft.com/office/drawing/2014/main" id="{EF4226C0-624E-EC78-CD63-CA5E34E06278}"/>
+              </a:ext>
+            </a:extLst>
+          </p:cNvPr>
+          <p:cNvPicPr>
+            <a:picLocks noChangeAspect="1"/>
+          </p:cNvPicPr>
+          <p:nvPr/>
+        </p:nvPicPr>
+        <p:blipFill>
+          <a:blip r:embed="rId4"/>
+          <a:stretch>
+            <a:fillRect/>
+          </a:stretch>
+        </p:blipFill>
+        <p:spPr>
+          <a:xfrm>
+            <a:off x="177985" y="3042257"/>
+            <a:ext cx="2927645" cy="2405413"/>
+          </a:xfrm>
+          <a:prstGeom prst="rect">
+            <a:avLst/>
+          </a:prstGeom>
+        </p:spPr>
+      </p:pic>
+      <p:pic>
+        <p:nvPicPr>
+          <p:cNvPr id="8" name="Imagem 7">
+            <a:extLst>
+              <a:ext uri="{FF2B5EF4-FFF2-40B4-BE49-F238E27FC236}">
+                <a16:creationId xmlns:a16="http://schemas.microsoft.com/office/drawing/2014/main" id="{388C6919-CB7A-556C-34D1-5732F9BC55A9}"/>
+              </a:ext>
+            </a:extLst>
+          </p:cNvPr>
+          <p:cNvPicPr>
+            <a:picLocks noChangeAspect="1"/>
+          </p:cNvPicPr>
+          <p:nvPr/>
+        </p:nvPicPr>
+        <p:blipFill>
+          <a:blip r:embed="rId5">
+            <a:extLst>
+              <a:ext uri="{28A0092B-C50C-407E-A947-70E740481C1C}">
+                <a14:useLocalDpi xmlns:a14="http://schemas.microsoft.com/office/drawing/2010/main" val="0"/>
+              </a:ext>
+            </a:extLst>
+          </a:blip>
+          <a:srcRect/>
+          <a:stretch>
+            <a:fillRect/>
+          </a:stretch>
+        </p:blipFill>
+        <p:spPr bwMode="auto">
+          <a:xfrm>
+            <a:off x="8938830" y="3094405"/>
+            <a:ext cx="3237610" cy="2512597"/>
+          </a:xfrm>
+          <a:prstGeom prst="rect">
+            <a:avLst/>
+          </a:prstGeom>
+          <a:noFill/>
+        </p:spPr>
+      </p:pic>
+      <p:pic>
+        <p:nvPicPr>
+          <p:cNvPr id="9" name="Imagem 8" descr="Gráfico, Gráfico de bolhas&#10;&#10;O conteúdo gerado por IA pode estar incorreto.">
+            <a:extLst>
+              <a:ext uri="{FF2B5EF4-FFF2-40B4-BE49-F238E27FC236}">
+                <a16:creationId xmlns:a16="http://schemas.microsoft.com/office/drawing/2014/main" id="{39A0BDB0-91D7-6B29-682F-D7976F7DA7EB}"/>
+              </a:ext>
+            </a:extLst>
+          </p:cNvPr>
+          <p:cNvPicPr>
+            <a:picLocks noChangeAspect="1"/>
+          </p:cNvPicPr>
+          <p:nvPr/>
+        </p:nvPicPr>
+        <p:blipFill>
+          <a:blip r:embed="rId6"/>
+          <a:stretch>
+            <a:fillRect/>
+          </a:stretch>
+        </p:blipFill>
+        <p:spPr>
+          <a:xfrm>
+            <a:off x="5776395" y="3042257"/>
+            <a:ext cx="3162435" cy="2616896"/>
+          </a:xfrm>
+          <a:prstGeom prst="rect">
+            <a:avLst/>
+          </a:prstGeom>
+        </p:spPr>
+      </p:pic>
+      <p:pic>
+        <p:nvPicPr>
+          <p:cNvPr id="11" name="Imagem 10">
+            <a:extLst>
+              <a:ext uri="{FF2B5EF4-FFF2-40B4-BE49-F238E27FC236}">
+                <a16:creationId xmlns:a16="http://schemas.microsoft.com/office/drawing/2014/main" id="{D1413A69-7077-7094-0BAF-AD4CDB6891BE}"/>
+              </a:ext>
+            </a:extLst>
+          </p:cNvPr>
+          <p:cNvPicPr>
+            <a:picLocks noChangeAspect="1"/>
+          </p:cNvPicPr>
+          <p:nvPr/>
+        </p:nvPicPr>
+        <p:blipFill>
+          <a:blip r:embed="rId7"/>
+          <a:stretch>
+            <a:fillRect/>
+          </a:stretch>
+        </p:blipFill>
+        <p:spPr>
+          <a:xfrm>
+            <a:off x="2875644" y="3099210"/>
+            <a:ext cx="2900751" cy="2502989"/>
           </a:xfrm>
           <a:prstGeom prst="rect">
             <a:avLst/>
@@ -4139,7 +4268,7 @@
         </p:spPr>
         <p:txBody>
           <a:bodyPr>
-            <a:normAutofit/>
+            <a:normAutofit lnSpcReduction="10000"/>
           </a:bodyPr>
           <a:lstStyle/>
           <a:p>
@@ -4202,16 +4331,22 @@
             </a:pPr>
             <a:r>
               <a:rPr lang="pt-BR" sz="2800" dirty="0"/>
-              <a:t>Banco de dados </a:t>
+              <a:t>Banco de dados MySql</a:t>
+            </a:r>
+          </a:p>
+          <a:p>
+            <a:pPr marL="457200" indent="-457200" algn="l">
+              <a:buFontTx/>
+              <a:buChar char="-"/>
+            </a:pPr>
+            <a:r>
+              <a:rPr lang="pt-BR" sz="2800" dirty="0"/>
+              <a:t>Comunicação com </a:t>
             </a:r>
             <a:r>
               <a:rPr lang="pt-BR" sz="2800" dirty="0" err="1"/>
-              <a:t>mySql</a:t>
-            </a:r>
-            <a:endParaRPr lang="pt-BR" sz="2800" dirty="0"/>
-          </a:p>
-          <a:p>
-            <a:pPr algn="l"/>
+              <a:t>socketIO</a:t>
+            </a:r>
             <a:endParaRPr lang="pt-BR" sz="2800" dirty="0"/>
           </a:p>
         </p:txBody>
@@ -4318,7 +4453,7 @@
         </p:blipFill>
         <p:spPr bwMode="auto">
           <a:xfrm>
-            <a:off x="7938053" y="4396615"/>
+            <a:off x="5992442" y="4489929"/>
             <a:ext cx="3431810" cy="1943799"/>
           </a:xfrm>
           <a:prstGeom prst="rect">
@@ -4365,8 +4500,8 @@
         </p:blipFill>
         <p:spPr bwMode="auto">
           <a:xfrm>
-            <a:off x="4732119" y="3816626"/>
-            <a:ext cx="2798565" cy="2798565"/>
+            <a:off x="3855247" y="4396615"/>
+            <a:ext cx="2137195" cy="2137195"/>
           </a:xfrm>
           <a:prstGeom prst="rect">
             <a:avLst/>
@@ -4412,8 +4547,55 @@
         </p:blipFill>
         <p:spPr bwMode="auto">
           <a:xfrm>
-            <a:off x="1045994" y="4396615"/>
-            <a:ext cx="3030715" cy="1298878"/>
+            <a:off x="734938" y="4715902"/>
+            <a:ext cx="2505051" cy="1073593"/>
+          </a:xfrm>
+          <a:prstGeom prst="rect">
+            <a:avLst/>
+          </a:prstGeom>
+          <a:noFill/>
+          <a:extLst>
+            <a:ext uri="{909E8E84-426E-40DD-AFC4-6F175D3DCCD1}">
+              <a14:hiddenFill xmlns:a14="http://schemas.microsoft.com/office/drawing/2010/main">
+                <a:solidFill>
+                  <a:srgbClr val="FFFFFF"/>
+                </a:solidFill>
+              </a14:hiddenFill>
+            </a:ext>
+          </a:extLst>
+        </p:spPr>
+      </p:pic>
+      <p:pic>
+        <p:nvPicPr>
+          <p:cNvPr id="6" name="Picture 4" descr="What's new in SocketIO 4?">
+            <a:extLst>
+              <a:ext uri="{FF2B5EF4-FFF2-40B4-BE49-F238E27FC236}">
+                <a16:creationId xmlns:a16="http://schemas.microsoft.com/office/drawing/2014/main" id="{3891E9E6-EF9A-72D5-B20A-BD05D125CDEC}"/>
+              </a:ext>
+            </a:extLst>
+          </p:cNvPr>
+          <p:cNvPicPr>
+            <a:picLocks noChangeAspect="1" noChangeArrowheads="1"/>
+          </p:cNvPicPr>
+          <p:nvPr/>
+        </p:nvPicPr>
+        <p:blipFill>
+          <a:blip r:embed="rId7">
+            <a:extLst>
+              <a:ext uri="{28A0092B-C50C-407E-A947-70E740481C1C}">
+                <a14:useLocalDpi xmlns:a14="http://schemas.microsoft.com/office/drawing/2010/main" val="0"/>
+              </a:ext>
+            </a:extLst>
+          </a:blip>
+          <a:srcRect/>
+          <a:stretch>
+            <a:fillRect/>
+          </a:stretch>
+        </p:blipFill>
+        <p:spPr bwMode="auto">
+          <a:xfrm>
+            <a:off x="8988417" y="4788052"/>
+            <a:ext cx="2767748" cy="1298823"/>
           </a:xfrm>
           <a:prstGeom prst="rect">
             <a:avLst/>
@@ -4659,7 +4841,7 @@
         </p:nvSpPr>
         <p:spPr>
           <a:xfrm>
-            <a:off x="1580113" y="1339195"/>
+            <a:off x="1524000" y="1120679"/>
             <a:ext cx="9144000" cy="852211"/>
           </a:xfrm>
         </p:spPr>
@@ -4694,8 +4876,8 @@
         </p:nvSpPr>
         <p:spPr>
           <a:xfrm>
-            <a:off x="1276865" y="2345670"/>
-            <a:ext cx="9750495" cy="1896681"/>
+            <a:off x="301935" y="2006425"/>
+            <a:ext cx="9750495" cy="540868"/>
           </a:xfrm>
         </p:spPr>
         <p:txBody>
@@ -4786,6 +4968,42 @@
           <a:xfrm>
             <a:off x="8481392" y="273982"/>
             <a:ext cx="3142076" cy="852210"/>
+          </a:xfrm>
+          <a:prstGeom prst="rect">
+            <a:avLst/>
+          </a:prstGeom>
+        </p:spPr>
+      </p:pic>
+      <p:pic>
+        <p:nvPicPr>
+          <p:cNvPr id="7" name="Imagem 6" descr="Forma, Polígono&#10;&#10;O conteúdo gerado por IA pode estar incorreto.">
+            <a:extLst>
+              <a:ext uri="{FF2B5EF4-FFF2-40B4-BE49-F238E27FC236}">
+                <a16:creationId xmlns:a16="http://schemas.microsoft.com/office/drawing/2014/main" id="{B84E8023-3A70-574E-B2D2-931FC3EA51D5}"/>
+              </a:ext>
+            </a:extLst>
+          </p:cNvPr>
+          <p:cNvPicPr>
+            <a:picLocks noChangeAspect="1"/>
+          </p:cNvPicPr>
+          <p:nvPr/>
+        </p:nvPicPr>
+        <p:blipFill>
+          <a:blip r:embed="rId4">
+            <a:extLst>
+              <a:ext uri="{28A0092B-C50C-407E-A947-70E740481C1C}">
+                <a14:useLocalDpi xmlns:a14="http://schemas.microsoft.com/office/drawing/2010/main" val="0"/>
+              </a:ext>
+            </a:extLst>
+          </a:blip>
+          <a:stretch>
+            <a:fillRect/>
+          </a:stretch>
+        </p:blipFill>
+        <p:spPr>
+          <a:xfrm>
+            <a:off x="2266899" y="2443839"/>
+            <a:ext cx="7482994" cy="4207130"/>
           </a:xfrm>
           <a:prstGeom prst="rect">
             <a:avLst/>
@@ -5453,16 +5671,6 @@
               <a:t>CONSIDERAÇÕES FINAIS</a:t>
             </a:r>
           </a:p>
-          <a:p>
-            <a:pPr marL="457200" indent="-457200" algn="l">
-              <a:buFontTx/>
-              <a:buChar char="-"/>
-            </a:pPr>
-            <a:r>
-              <a:rPr lang="pt-BR" sz="3200" dirty="0"/>
-              <a:t>SUGESTÕES PARA TRABALHOS FUTUROS</a:t>
-            </a:r>
-          </a:p>
         </p:txBody>
       </p:sp>
       <p:pic>
@@ -5556,7 +5764,13 @@
   <p:cSld>
     <p:spTree>
       <p:nvGrpSpPr>
-        <p:cNvPr id="1" name=""/>
+        <p:cNvPr id="1" name="">
+          <a:extLst>
+            <a:ext uri="{FF2B5EF4-FFF2-40B4-BE49-F238E27FC236}">
+              <a16:creationId xmlns:a16="http://schemas.microsoft.com/office/drawing/2014/main" id="{DC9C449D-B2EE-73E6-9FE8-B2F4AD054168}"/>
+            </a:ext>
+          </a:extLst>
+        </p:cNvPr>
         <p:cNvGrpSpPr/>
         <p:nvPr/>
       </p:nvGrpSpPr>
@@ -5573,7 +5787,7 @@
           <p:cNvPr id="2" name="Título 1">
             <a:extLst>
               <a:ext uri="{FF2B5EF4-FFF2-40B4-BE49-F238E27FC236}">
-                <a16:creationId xmlns:a16="http://schemas.microsoft.com/office/drawing/2014/main" id="{5E447ACB-E7DF-4BBE-AC44-A1AC9F22CAC8}"/>
+                <a16:creationId xmlns:a16="http://schemas.microsoft.com/office/drawing/2014/main" id="{9E212F2F-EF2E-4668-E430-6AE92ED06C11}"/>
               </a:ext>
             </a:extLst>
           </p:cNvPr>
@@ -5586,7 +5800,7 @@
         </p:nvSpPr>
         <p:spPr>
           <a:xfrm>
-            <a:off x="1580113" y="2024615"/>
+            <a:off x="1648479" y="1411357"/>
             <a:ext cx="9144000" cy="852211"/>
           </a:xfrm>
         </p:spPr>
@@ -5598,7 +5812,7 @@
           <a:p>
             <a:r>
               <a:rPr lang="pt-BR" sz="4800" dirty="0"/>
-              <a:t>REFERÊNCIAS</a:t>
+              <a:t>TRABALHOS FUTUROS</a:t>
             </a:r>
           </a:p>
         </p:txBody>
@@ -5608,7 +5822,7 @@
           <p:cNvPr id="3" name="Subtítulo 2">
             <a:extLst>
               <a:ext uri="{FF2B5EF4-FFF2-40B4-BE49-F238E27FC236}">
-                <a16:creationId xmlns:a16="http://schemas.microsoft.com/office/drawing/2014/main" id="{D925F25B-ABDD-439F-B7AE-9A79A3FDC1CE}"/>
+                <a16:creationId xmlns:a16="http://schemas.microsoft.com/office/drawing/2014/main" id="{F0FD4423-35C9-AC93-1655-A586ED74B7AB}"/>
               </a:ext>
             </a:extLst>
           </p:cNvPr>
@@ -5621,8 +5835,8 @@
         </p:nvSpPr>
         <p:spPr>
           <a:xfrm>
-            <a:off x="1580113" y="3139144"/>
-            <a:ext cx="9750495" cy="1644891"/>
+            <a:off x="1345231" y="2548733"/>
+            <a:ext cx="9750495" cy="2307499"/>
           </a:xfrm>
         </p:spPr>
         <p:txBody>
@@ -5636,8 +5850,36 @@
               <a:buChar char="-"/>
             </a:pPr>
             <a:r>
-              <a:rPr lang="pt-BR" sz="3200" dirty="0"/>
-              <a:t>PRINCIPAIS FONTES UTILIZADAS (FORMATO ABNT)</a:t>
+              <a:rPr lang="pt-BR" sz="3600" dirty="0"/>
+              <a:t>Expansão para outras escolas e séries</a:t>
+            </a:r>
+          </a:p>
+          <a:p>
+            <a:pPr marL="457200" indent="-457200" algn="l">
+              <a:buFontTx/>
+              <a:buChar char="-"/>
+            </a:pPr>
+            <a:r>
+              <a:rPr lang="pt-BR" sz="3600" dirty="0"/>
+              <a:t>Testes de longo prazo</a:t>
+            </a:r>
+          </a:p>
+          <a:p>
+            <a:pPr marL="457200" indent="-457200" algn="l">
+              <a:buFontTx/>
+              <a:buChar char="-"/>
+            </a:pPr>
+            <a:r>
+              <a:rPr lang="pt-BR" sz="3600" dirty="0"/>
+              <a:t>Integração de </a:t>
+            </a:r>
+            <a:r>
+              <a:rPr lang="pt-BR" sz="3600" dirty="0" err="1"/>
+              <a:t>analytics</a:t>
+            </a:r>
+            <a:r>
+              <a:rPr lang="pt-BR" sz="3600" dirty="0"/>
+              <a:t> avançados e AI</a:t>
             </a:r>
           </a:p>
         </p:txBody>
@@ -5647,7 +5889,7 @@
           <p:cNvPr id="4" name="Imagem 3">
             <a:extLst>
               <a:ext uri="{FF2B5EF4-FFF2-40B4-BE49-F238E27FC236}">
-                <a16:creationId xmlns:a16="http://schemas.microsoft.com/office/drawing/2014/main" id="{4DE49855-8442-4D60-81FD-DFE2DB045AC2}"/>
+                <a16:creationId xmlns:a16="http://schemas.microsoft.com/office/drawing/2014/main" id="{493A8972-D029-D532-6E31-0E0FB637787E}"/>
               </a:ext>
             </a:extLst>
           </p:cNvPr>
@@ -5686,7 +5928,7 @@
           <p:cNvPr id="5" name="Imagem 4">
             <a:extLst>
               <a:ext uri="{FF2B5EF4-FFF2-40B4-BE49-F238E27FC236}">
-                <a16:creationId xmlns:a16="http://schemas.microsoft.com/office/drawing/2014/main" id="{00EB44F1-66E6-49A0-94D9-09FA009430BD}"/>
+                <a16:creationId xmlns:a16="http://schemas.microsoft.com/office/drawing/2014/main" id="{3CA44AA8-F467-9730-06C7-AAB4DB61E516}"/>
               </a:ext>
             </a:extLst>
           </p:cNvPr>
@@ -5718,7 +5960,7 @@
     </p:spTree>
     <p:extLst>
       <p:ext uri="{BB962C8B-B14F-4D97-AF65-F5344CB8AC3E}">
-        <p14:creationId xmlns:p14="http://schemas.microsoft.com/office/powerpoint/2010/main" val="3994031553"/>
+        <p14:creationId xmlns:p14="http://schemas.microsoft.com/office/powerpoint/2010/main" val="3658637"/>
       </p:ext>
     </p:extLst>
   </p:cSld>
@@ -5775,7 +6017,7 @@
           <a:p>
             <a:r>
               <a:rPr lang="pt-BR" sz="4800" dirty="0"/>
-              <a:t>AGRADECIMENTOS (OPCIONAL)</a:t>
+              <a:t>REFERÊNCIAS</a:t>
             </a:r>
           </a:p>
         </p:txBody>
@@ -5813,10 +6055,9 @@
               <a:buChar char="-"/>
             </a:pPr>
             <a:r>
-              <a:rPr lang="pt-BR" sz="3200"/>
-              <a:t>AGRADECIMENTOS À FAMÍLIA, PROFESSORES, COLEGAS, ETC)</a:t>
-            </a:r>
-            <a:endParaRPr lang="pt-BR" sz="3200" dirty="0"/>
+              <a:rPr lang="pt-BR" sz="3200" dirty="0"/>
+              <a:t>PRINCIPAIS FONTES UTILIZADAS (FORMATO ABNT)</a:t>
+            </a:r>
           </a:p>
         </p:txBody>
       </p:sp>
@@ -5896,7 +6137,7 @@
     </p:spTree>
     <p:extLst>
       <p:ext uri="{BB962C8B-B14F-4D97-AF65-F5344CB8AC3E}">
-        <p14:creationId xmlns:p14="http://schemas.microsoft.com/office/powerpoint/2010/main" val="3923686523"/>
+        <p14:creationId xmlns:p14="http://schemas.microsoft.com/office/powerpoint/2010/main" val="3994031553"/>
       </p:ext>
     </p:extLst>
   </p:cSld>
@@ -6002,7 +6243,7 @@
             </a:pPr>
             <a:r>
               <a:rPr lang="pt-BR" sz="3200" dirty="0"/>
-              <a:t>A falta atrativos no ensino atual impacta no aprendizado da nova geração.</a:t>
+              <a:t>A falta atrativos impacta no aprendizado.</a:t>
             </a:r>
           </a:p>
           <a:p>
@@ -6095,6 +6336,184 @@
     <p:extLst>
       <p:ext uri="{BB962C8B-B14F-4D97-AF65-F5344CB8AC3E}">
         <p14:creationId xmlns:p14="http://schemas.microsoft.com/office/powerpoint/2010/main" val="284917026"/>
+      </p:ext>
+    </p:extLst>
+  </p:cSld>
+  <p:clrMapOvr>
+    <a:masterClrMapping/>
+  </p:clrMapOvr>
+</p:sld>
+</file>
+
+<file path=ppt/slides/slide20.xml><?xml version="1.0" encoding="utf-8"?>
+<p:sld xmlns:a="http://schemas.openxmlformats.org/drawingml/2006/main" xmlns:r="http://schemas.openxmlformats.org/officeDocument/2006/relationships" xmlns:p="http://schemas.openxmlformats.org/presentationml/2006/main">
+  <p:cSld>
+    <p:spTree>
+      <p:nvGrpSpPr>
+        <p:cNvPr id="1" name=""/>
+        <p:cNvGrpSpPr/>
+        <p:nvPr/>
+      </p:nvGrpSpPr>
+      <p:grpSpPr>
+        <a:xfrm>
+          <a:off x="0" y="0"/>
+          <a:ext cx="0" cy="0"/>
+          <a:chOff x="0" y="0"/>
+          <a:chExt cx="0" cy="0"/>
+        </a:xfrm>
+      </p:grpSpPr>
+      <p:sp>
+        <p:nvSpPr>
+          <p:cNvPr id="2" name="Título 1">
+            <a:extLst>
+              <a:ext uri="{FF2B5EF4-FFF2-40B4-BE49-F238E27FC236}">
+                <a16:creationId xmlns:a16="http://schemas.microsoft.com/office/drawing/2014/main" id="{5E447ACB-E7DF-4BBE-AC44-A1AC9F22CAC8}"/>
+              </a:ext>
+            </a:extLst>
+          </p:cNvPr>
+          <p:cNvSpPr>
+            <a:spLocks noGrp="1"/>
+          </p:cNvSpPr>
+          <p:nvPr>
+            <p:ph type="ctrTitle"/>
+          </p:nvPr>
+        </p:nvSpPr>
+        <p:spPr>
+          <a:xfrm>
+            <a:off x="1580113" y="2024615"/>
+            <a:ext cx="9144000" cy="852211"/>
+          </a:xfrm>
+        </p:spPr>
+        <p:txBody>
+          <a:bodyPr>
+            <a:noAutofit/>
+          </a:bodyPr>
+          <a:lstStyle/>
+          <a:p>
+            <a:r>
+              <a:rPr lang="pt-BR" sz="4800" dirty="0"/>
+              <a:t>AGRADECIMENTOS (OPCIONAL)</a:t>
+            </a:r>
+          </a:p>
+        </p:txBody>
+      </p:sp>
+      <p:sp>
+        <p:nvSpPr>
+          <p:cNvPr id="3" name="Subtítulo 2">
+            <a:extLst>
+              <a:ext uri="{FF2B5EF4-FFF2-40B4-BE49-F238E27FC236}">
+                <a16:creationId xmlns:a16="http://schemas.microsoft.com/office/drawing/2014/main" id="{D925F25B-ABDD-439F-B7AE-9A79A3FDC1CE}"/>
+              </a:ext>
+            </a:extLst>
+          </p:cNvPr>
+          <p:cNvSpPr>
+            <a:spLocks noGrp="1"/>
+          </p:cNvSpPr>
+          <p:nvPr>
+            <p:ph type="subTitle" idx="1"/>
+          </p:nvPr>
+        </p:nvSpPr>
+        <p:spPr>
+          <a:xfrm>
+            <a:off x="1580113" y="3139144"/>
+            <a:ext cx="9750495" cy="1644891"/>
+          </a:xfrm>
+        </p:spPr>
+        <p:txBody>
+          <a:bodyPr>
+            <a:normAutofit/>
+          </a:bodyPr>
+          <a:lstStyle/>
+          <a:p>
+            <a:pPr marL="457200" indent="-457200" algn="l">
+              <a:buFontTx/>
+              <a:buChar char="-"/>
+            </a:pPr>
+            <a:r>
+              <a:rPr lang="pt-BR" sz="3200"/>
+              <a:t>AGRADECIMENTOS À FAMÍLIA, PROFESSORES, COLEGAS, ETC)</a:t>
+            </a:r>
+            <a:endParaRPr lang="pt-BR" sz="3200" dirty="0"/>
+          </a:p>
+        </p:txBody>
+      </p:sp>
+      <p:pic>
+        <p:nvPicPr>
+          <p:cNvPr id="4" name="Imagem 3">
+            <a:extLst>
+              <a:ext uri="{FF2B5EF4-FFF2-40B4-BE49-F238E27FC236}">
+                <a16:creationId xmlns:a16="http://schemas.microsoft.com/office/drawing/2014/main" id="{4DE49855-8442-4D60-81FD-DFE2DB045AC2}"/>
+              </a:ext>
+            </a:extLst>
+          </p:cNvPr>
+          <p:cNvPicPr/>
+          <p:nvPr/>
+        </p:nvPicPr>
+        <p:blipFill>
+          <a:blip r:embed="rId2">
+            <a:extLst>
+              <a:ext uri="{28A0092B-C50C-407E-A947-70E740481C1C}">
+                <a14:useLocalDpi xmlns:a14="http://schemas.microsoft.com/office/drawing/2010/main" val="0"/>
+              </a:ext>
+            </a:extLst>
+          </a:blip>
+          <a:srcRect/>
+          <a:stretch>
+            <a:fillRect/>
+          </a:stretch>
+        </p:blipFill>
+        <p:spPr bwMode="auto">
+          <a:xfrm>
+            <a:off x="901148" y="207031"/>
+            <a:ext cx="1958215" cy="977900"/>
+          </a:xfrm>
+          <a:prstGeom prst="rect">
+            <a:avLst/>
+          </a:prstGeom>
+          <a:noFill/>
+          <a:ln>
+            <a:noFill/>
+          </a:ln>
+        </p:spPr>
+      </p:pic>
+      <p:pic>
+        <p:nvPicPr>
+          <p:cNvPr id="5" name="Imagem 4">
+            <a:extLst>
+              <a:ext uri="{FF2B5EF4-FFF2-40B4-BE49-F238E27FC236}">
+                <a16:creationId xmlns:a16="http://schemas.microsoft.com/office/drawing/2014/main" id="{00EB44F1-66E6-49A0-94D9-09FA009430BD}"/>
+              </a:ext>
+            </a:extLst>
+          </p:cNvPr>
+          <p:cNvPicPr/>
+          <p:nvPr/>
+        </p:nvPicPr>
+        <p:blipFill>
+          <a:blip r:embed="rId3">
+            <a:extLst>
+              <a:ext uri="{28A0092B-C50C-407E-A947-70E740481C1C}">
+                <a14:useLocalDpi xmlns:a14="http://schemas.microsoft.com/office/drawing/2010/main" val="0"/>
+              </a:ext>
+            </a:extLst>
+          </a:blip>
+          <a:stretch>
+            <a:fillRect/>
+          </a:stretch>
+        </p:blipFill>
+        <p:spPr>
+          <a:xfrm>
+            <a:off x="8481392" y="273982"/>
+            <a:ext cx="3142076" cy="852210"/>
+          </a:xfrm>
+          <a:prstGeom prst="rect">
+            <a:avLst/>
+          </a:prstGeom>
+        </p:spPr>
+      </p:pic>
+    </p:spTree>
+    <p:extLst>
+      <p:ext uri="{BB962C8B-B14F-4D97-AF65-F5344CB8AC3E}">
+        <p14:creationId xmlns:p14="http://schemas.microsoft.com/office/powerpoint/2010/main" val="3923686523"/>
       </p:ext>
     </p:extLst>
   </p:cSld>
@@ -6190,7 +6609,7 @@
             </a:pPr>
             <a:r>
               <a:rPr lang="pt-BR" sz="3200" dirty="0"/>
-              <a:t>Me formei no Ensino Médio em 2023, e não conheci nenhuma ferramenta de auxilio atraente.</a:t>
+              <a:t>Motivação pessoal: experiência de 2023 sem ferramentas atrativas</a:t>
             </a:r>
           </a:p>
           <a:p>
@@ -6200,7 +6619,7 @@
             </a:pPr>
             <a:r>
               <a:rPr lang="pt-BR" sz="3200" dirty="0"/>
-              <a:t>Creio que com plataformas atrativas o ensino consegue ser mais leve e eficaz.</a:t>
+              <a:t>Com plataformas atrativas o ensino consegue ser mais leve e eficaz.</a:t>
             </a:r>
             <a:endParaRPr lang="pt-BR" sz="2800" dirty="0"/>
           </a:p>
@@ -6367,12 +6786,12 @@
         <p:spPr>
           <a:xfrm>
             <a:off x="1580114" y="2949713"/>
-            <a:ext cx="9144000" cy="2311399"/>
+            <a:ext cx="9144000" cy="2869973"/>
           </a:xfrm>
         </p:spPr>
         <p:txBody>
           <a:bodyPr>
-            <a:normAutofit lnSpcReduction="10000"/>
+            <a:noAutofit/>
           </a:bodyPr>
           <a:lstStyle/>
           <a:p>
@@ -6382,7 +6801,7 @@
             </a:pPr>
             <a:r>
               <a:rPr lang="pt-BR" sz="3200" dirty="0"/>
-              <a:t>Este trabalho busca resolver o problema da evasão escolar no Brasil, focando no Ensino Médio.</a:t>
+              <a:t>Queda de engajamento e aumento da evasão no Ensino Médio</a:t>
             </a:r>
           </a:p>
           <a:p>
@@ -6392,8 +6811,39 @@
             </a:pPr>
             <a:r>
               <a:rPr lang="pt-BR" sz="3200" dirty="0"/>
-              <a:t>Também serve para facilitar o processo de ensino dos estudantes e fomentar uma disputa saudável entre colegas de turma.</a:t>
-            </a:r>
+              <a:t>Como tornar o estudo mais atrativo e competitivo?</a:t>
+            </a:r>
+          </a:p>
+          <a:p>
+            <a:pPr marL="457200" indent="-457200" algn="l">
+              <a:buFontTx/>
+              <a:buChar char="-"/>
+            </a:pPr>
+            <a:r>
+              <a:rPr lang="pt-BR" sz="3200" dirty="0"/>
+              <a:t>Pesquisa foca em: </a:t>
+            </a:r>
+            <a:r>
+              <a:rPr lang="pt-BR" sz="3200" b="1" dirty="0"/>
+              <a:t>disputa saudável</a:t>
+            </a:r>
+            <a:r>
+              <a:rPr lang="pt-BR" sz="3200" dirty="0"/>
+              <a:t>, </a:t>
+            </a:r>
+            <a:r>
+              <a:rPr lang="pt-BR" sz="3200" b="1" dirty="0"/>
+              <a:t>interação em tempo real</a:t>
+            </a:r>
+            <a:r>
+              <a:rPr lang="pt-BR" sz="3200" dirty="0"/>
+              <a:t>, </a:t>
+            </a:r>
+            <a:r>
+              <a:rPr lang="pt-BR" sz="3200" b="1" dirty="0"/>
+              <a:t>feedback imediato</a:t>
+            </a:r>
+            <a:endParaRPr lang="pt-BR" sz="3200" dirty="0"/>
           </a:p>
         </p:txBody>
       </p:sp>
@@ -6559,7 +7009,7 @@
         </p:spPr>
         <p:txBody>
           <a:bodyPr>
-            <a:normAutofit fontScale="92500"/>
+            <a:normAutofit/>
           </a:bodyPr>
           <a:lstStyle/>
           <a:p>
@@ -6568,8 +7018,12 @@
               <a:buChar char="-"/>
             </a:pPr>
             <a:r>
+              <a:rPr lang="pt-BR" sz="3200" b="1" dirty="0"/>
+              <a:t>Geral:</a:t>
+            </a:r>
+            <a:r>
               <a:rPr lang="pt-BR" sz="3200" dirty="0"/>
-              <a:t>Criar uma plataforma de ensino atrativa e eficaz, capaz de entreter o aluno no processo de aprendizado.</a:t>
+              <a:t> Desenvolver a plataforma web Play2Learn</a:t>
             </a:r>
           </a:p>
           <a:p>
@@ -6578,36 +7032,42 @@
               <a:buChar char="-"/>
             </a:pPr>
             <a:r>
+              <a:rPr lang="pt-BR" sz="3200" b="1" dirty="0"/>
+              <a:t>Específicos</a:t>
+            </a:r>
+            <a:r>
               <a:rPr lang="pt-BR" sz="3200" dirty="0"/>
-              <a:t>Fazer uma plataforma com sistema de </a:t>
-            </a:r>
-            <a:r>
-              <a:rPr lang="pt-BR" sz="3200" dirty="0" err="1"/>
-              <a:t>raking</a:t>
-            </a:r>
+              <a:t>:</a:t>
+            </a:r>
+          </a:p>
+          <a:p>
+            <a:pPr marL="914400" lvl="1" indent="-457200" algn="l">
+              <a:buFont typeface="+mj-lt"/>
+              <a:buAutoNum type="arabicPeriod"/>
+            </a:pPr>
             <a:r>
               <a:rPr lang="pt-BR" sz="3200" dirty="0"/>
-              <a:t> de sala.</a:t>
-            </a:r>
-          </a:p>
-          <a:p>
-            <a:pPr marL="457200" indent="-457200" algn="l">
-              <a:buFontTx/>
-              <a:buChar char="-"/>
+              <a:t>Sistema de ranking por sala</a:t>
+            </a:r>
+          </a:p>
+          <a:p>
+            <a:pPr marL="914400" lvl="1" indent="-457200" algn="l">
+              <a:buFont typeface="+mj-lt"/>
+              <a:buAutoNum type="arabicPeriod"/>
             </a:pPr>
             <a:r>
               <a:rPr lang="pt-BR" sz="3200" dirty="0"/>
-              <a:t>Fazer uma plataforma com sistema de divisões dentro de cada disciplina.</a:t>
-            </a:r>
-          </a:p>
-          <a:p>
-            <a:pPr marL="457200" indent="-457200" algn="l">
-              <a:buFontTx/>
-              <a:buChar char="-"/>
+              <a:t>Divisões de elos por disciplina</a:t>
+            </a:r>
+          </a:p>
+          <a:p>
+            <a:pPr marL="914400" lvl="1" indent="-457200" algn="l">
+              <a:buFont typeface="+mj-lt"/>
+              <a:buAutoNum type="arabicPeriod"/>
             </a:pPr>
             <a:r>
               <a:rPr lang="pt-BR" sz="3200" dirty="0"/>
-              <a:t>Fazer uma plataforma com interação em tempo real entre alunos.</a:t>
+              <a:t>Modo multiplayer em tempo real</a:t>
             </a:r>
           </a:p>
         </p:txBody>
@@ -6856,11 +7316,11 @@
               <a:buChar char="•"/>
             </a:pPr>
             <a:r>
-              <a:rPr lang="pt-BR" sz="2200" b="1" dirty="0"/>
+              <a:rPr lang="pt-BR" sz="1800" b="1" dirty="0"/>
               <a:t>Freire (1996) - </a:t>
             </a:r>
             <a:r>
-              <a:rPr lang="pt-BR" sz="2200" dirty="0"/>
+              <a:rPr lang="pt-BR" sz="1800" dirty="0"/>
               <a:t>Educação libertadora; protagonismo do estudante</a:t>
             </a:r>
           </a:p>
@@ -6870,11 +7330,11 @@
               <a:buChar char="•"/>
             </a:pPr>
             <a:r>
-              <a:rPr lang="pt-BR" sz="2200" b="1" dirty="0"/>
+              <a:rPr lang="pt-BR" sz="1800" b="1" dirty="0"/>
               <a:t>Moran (2015) - </a:t>
             </a:r>
             <a:r>
-              <a:rPr lang="pt-BR" sz="2200" dirty="0"/>
+              <a:rPr lang="pt-BR" sz="1800" dirty="0"/>
               <a:t>Ambiente digital; dinamicidade e hipermídia</a:t>
             </a:r>
           </a:p>
@@ -6884,15 +7344,15 @@
               <a:buChar char="•"/>
             </a:pPr>
             <a:r>
-              <a:rPr lang="pt-BR" sz="2200" b="1" dirty="0" err="1"/>
+              <a:rPr lang="pt-BR" sz="1800" b="1" dirty="0" err="1"/>
               <a:t>Deci</a:t>
             </a:r>
             <a:r>
-              <a:rPr lang="pt-BR" sz="2200" b="1" dirty="0"/>
+              <a:rPr lang="pt-BR" sz="1800" b="1" dirty="0"/>
               <a:t> &amp; Ryan (2000) - </a:t>
             </a:r>
             <a:r>
-              <a:rPr lang="pt-BR" sz="2200" dirty="0"/>
+              <a:rPr lang="pt-BR" sz="1800" dirty="0"/>
               <a:t>Teoria da autodeterminação (autonomia, competência)</a:t>
             </a:r>
           </a:p>
@@ -6902,14 +7362,14 @@
               <a:buChar char="•"/>
             </a:pPr>
             <a:r>
-              <a:rPr lang="pt-BR" sz="2200" b="1" dirty="0"/>
+              <a:rPr lang="pt-BR" sz="1800" b="1" dirty="0"/>
               <a:t>Skinner (1938) - </a:t>
             </a:r>
             <a:r>
-              <a:rPr lang="pt-BR" sz="2200" dirty="0"/>
+              <a:rPr lang="pt-BR" sz="1800" dirty="0"/>
               <a:t>Condicionamento operante; reforços positivos</a:t>
             </a:r>
-            <a:endParaRPr lang="pt-BR" sz="2200" b="1" dirty="0"/>
+            <a:endParaRPr lang="pt-BR" sz="1800" b="1" dirty="0"/>
           </a:p>
           <a:p>
             <a:pPr algn="l">
@@ -6917,14 +7377,14 @@
               <a:buChar char="•"/>
             </a:pPr>
             <a:r>
-              <a:rPr lang="pt-BR" sz="2200" b="1" dirty="0"/>
+              <a:rPr lang="pt-BR" sz="1800" b="1" dirty="0"/>
               <a:t>Piaget (1972) &amp; Vygotsky (1978) - </a:t>
             </a:r>
             <a:r>
-              <a:rPr lang="pt-BR" sz="2200" dirty="0"/>
+              <a:rPr lang="pt-BR" sz="1800" dirty="0"/>
               <a:t>Construtivismo; Zona de Desenvolvimento Proximal</a:t>
             </a:r>
-            <a:endParaRPr lang="pt-BR" sz="2200" b="1" dirty="0"/>
+            <a:endParaRPr lang="pt-BR" sz="1800" b="1" dirty="0"/>
           </a:p>
           <a:p>
             <a:pPr algn="l">
@@ -6932,30 +7392,30 @@
               <a:buChar char="•"/>
             </a:pPr>
             <a:r>
-              <a:rPr lang="pt-BR" sz="2200" b="1" dirty="0"/>
+              <a:rPr lang="pt-BR" sz="1800" b="1" dirty="0"/>
               <a:t>Garris, </a:t>
             </a:r>
             <a:r>
-              <a:rPr lang="pt-BR" sz="2200" b="1" dirty="0" err="1"/>
+              <a:rPr lang="pt-BR" sz="1800" b="1" dirty="0" err="1"/>
               <a:t>Ahlers</a:t>
             </a:r>
             <a:r>
-              <a:rPr lang="pt-BR" sz="2200" b="1" dirty="0"/>
+              <a:rPr lang="pt-BR" sz="1800" b="1" dirty="0"/>
               <a:t> &amp; </a:t>
             </a:r>
             <a:r>
-              <a:rPr lang="pt-BR" sz="2200" b="1" dirty="0" err="1"/>
+              <a:rPr lang="pt-BR" sz="1800" b="1" dirty="0" err="1"/>
               <a:t>Driskell</a:t>
             </a:r>
             <a:r>
-              <a:rPr lang="pt-BR" sz="2200" b="1" dirty="0"/>
+              <a:rPr lang="pt-BR" sz="1800" b="1" dirty="0"/>
               <a:t> (2002) - </a:t>
             </a:r>
             <a:r>
-              <a:rPr lang="pt-BR" sz="2200" dirty="0"/>
+              <a:rPr lang="pt-BR" sz="1800" dirty="0"/>
               <a:t>Modelo CARPE (Feedback em jogos)</a:t>
             </a:r>
-            <a:endParaRPr lang="pt-BR" sz="2200" b="1" dirty="0"/>
+            <a:endParaRPr lang="pt-BR" sz="1800" b="1" dirty="0"/>
           </a:p>
           <a:p>
             <a:pPr algn="l">
@@ -6963,30 +7423,30 @@
               <a:buChar char="•"/>
             </a:pPr>
             <a:r>
-              <a:rPr lang="pt-BR" sz="2200" b="1" dirty="0"/>
+              <a:rPr lang="pt-BR" sz="1800" b="1" dirty="0"/>
               <a:t>Bittencourt, </a:t>
             </a:r>
             <a:r>
-              <a:rPr lang="pt-BR" sz="2200" b="1" dirty="0" err="1"/>
+              <a:rPr lang="pt-BR" sz="1800" b="1" dirty="0" err="1"/>
               <a:t>Cazella</a:t>
             </a:r>
             <a:r>
-              <a:rPr lang="pt-BR" sz="2200" b="1" dirty="0"/>
+              <a:rPr lang="pt-BR" sz="1800" b="1" dirty="0"/>
               <a:t> &amp; </a:t>
             </a:r>
             <a:r>
-              <a:rPr lang="pt-BR" sz="2200" b="1" dirty="0" err="1"/>
+              <a:rPr lang="pt-BR" sz="1800" b="1" dirty="0" err="1"/>
               <a:t>Isotani</a:t>
             </a:r>
             <a:r>
-              <a:rPr lang="pt-BR" sz="2200" b="1" dirty="0"/>
+              <a:rPr lang="pt-BR" sz="1800" b="1" dirty="0"/>
               <a:t> (2016) - </a:t>
             </a:r>
             <a:r>
-              <a:rPr lang="pt-BR" sz="2200" dirty="0"/>
+              <a:rPr lang="pt-BR" sz="1800" dirty="0"/>
               <a:t>Ambientes flexíveis e interativos</a:t>
             </a:r>
-            <a:endParaRPr lang="pt-BR" sz="2200" b="1" dirty="0"/>
+            <a:endParaRPr lang="pt-BR" sz="1800" b="1" dirty="0"/>
           </a:p>
           <a:p>
             <a:pPr algn="l">
@@ -6994,14 +7454,14 @@
               <a:buChar char="•"/>
             </a:pPr>
             <a:r>
-              <a:rPr lang="pt-BR" sz="2200" b="1" dirty="0"/>
+              <a:rPr lang="pt-BR" sz="1800" b="1" dirty="0"/>
               <a:t>UNESCO (2021) - </a:t>
             </a:r>
             <a:r>
-              <a:rPr lang="pt-BR" sz="2200" dirty="0"/>
+              <a:rPr lang="pt-BR" sz="1800" dirty="0"/>
               <a:t>Integração de ferramentas digitais</a:t>
             </a:r>
-            <a:endParaRPr lang="pt-BR" sz="2200" b="1" dirty="0"/>
+            <a:endParaRPr lang="pt-BR" sz="1800" b="1" dirty="0"/>
           </a:p>
           <a:p>
             <a:pPr algn="l">
@@ -7009,18 +7469,18 @@
               <a:buChar char="•"/>
             </a:pPr>
             <a:r>
-              <a:rPr lang="pt-BR" sz="2200" b="1" dirty="0" err="1"/>
+              <a:rPr lang="pt-BR" sz="1800" b="1" dirty="0" err="1"/>
               <a:t>Metaari</a:t>
             </a:r>
             <a:r>
-              <a:rPr lang="pt-BR" sz="2200" b="1" dirty="0"/>
+              <a:rPr lang="pt-BR" sz="1800" b="1" dirty="0"/>
               <a:t> (2019–2024) - </a:t>
             </a:r>
             <a:r>
-              <a:rPr lang="pt-BR" sz="2200" dirty="0"/>
+              <a:rPr lang="pt-BR" sz="1800" dirty="0"/>
               <a:t>Crescimento do mercado de gamificação</a:t>
             </a:r>
-            <a:endParaRPr lang="pt-BR" sz="2200" b="1" dirty="0"/>
+            <a:endParaRPr lang="pt-BR" sz="1800" b="1" dirty="0"/>
           </a:p>
           <a:p>
             <a:pPr algn="l">
@@ -7028,22 +7488,22 @@
               <a:buChar char="•"/>
             </a:pPr>
             <a:r>
-              <a:rPr lang="pt-BR" sz="2200" b="1" dirty="0"/>
+              <a:rPr lang="pt-BR" sz="1800" b="1" dirty="0"/>
               <a:t>Carvalho &amp; </a:t>
             </a:r>
             <a:r>
-              <a:rPr lang="pt-BR" sz="2200" b="1" dirty="0" err="1"/>
+              <a:rPr lang="pt-BR" sz="1800" b="1" dirty="0" err="1"/>
               <a:t>Ishitani</a:t>
             </a:r>
             <a:r>
-              <a:rPr lang="pt-BR" sz="2200" b="1" dirty="0"/>
+              <a:rPr lang="pt-BR" sz="1800" b="1" dirty="0"/>
               <a:t> (2012) - </a:t>
             </a:r>
             <a:r>
-              <a:rPr lang="pt-BR" sz="2200" dirty="0"/>
+              <a:rPr lang="pt-BR" sz="1800" dirty="0"/>
               <a:t>Estudos de gamificação no contexto brasileiro</a:t>
             </a:r>
-            <a:endParaRPr lang="pt-BR" sz="2200" b="1" dirty="0"/>
+            <a:endParaRPr lang="pt-BR" sz="1800" b="1" dirty="0"/>
           </a:p>
           <a:p>
             <a:pPr algn="l">
@@ -7345,7 +7805,7 @@
         <p:spPr>
           <a:xfrm>
             <a:off x="1276865" y="2345670"/>
-            <a:ext cx="9750495" cy="1896681"/>
+            <a:ext cx="9750495" cy="3525291"/>
           </a:xfrm>
         </p:spPr>
         <p:txBody>
@@ -7359,9 +7819,71 @@
               <a:buChar char="-"/>
             </a:pPr>
             <a:r>
-              <a:rPr lang="pt-BR" sz="2800" dirty="0"/>
+              <a:rPr lang="pt-BR" sz="2800" b="1" dirty="0"/>
               <a:t>Atores</a:t>
             </a:r>
+            <a:endParaRPr lang="pt-BR" b="1" dirty="0"/>
+          </a:p>
+          <a:p>
+            <a:pPr marL="914400" lvl="1" indent="-457200" algn="l">
+              <a:buFontTx/>
+              <a:buChar char="-"/>
+            </a:pPr>
+            <a:r>
+              <a:rPr lang="pt-BR" sz="2400" dirty="0">
+                <a:effectLst/>
+                <a:latin typeface="Arial" panose="020B0604020202020204" pitchFamily="34" charset="0"/>
+                <a:ea typeface="Calibri" panose="020F0502020204030204" pitchFamily="34" charset="0"/>
+              </a:rPr>
+              <a:t>Aluno</a:t>
+            </a:r>
+          </a:p>
+          <a:p>
+            <a:pPr marL="914400" lvl="1" indent="-457200" algn="l">
+              <a:buFontTx/>
+              <a:buChar char="-"/>
+            </a:pPr>
+            <a:r>
+              <a:rPr lang="pt-BR" sz="2400" dirty="0">
+                <a:effectLst/>
+                <a:latin typeface="Arial" panose="020B0604020202020204" pitchFamily="34" charset="0"/>
+                <a:ea typeface="Calibri" panose="020F0502020204030204" pitchFamily="34" charset="0"/>
+              </a:rPr>
+              <a:t>Professor</a:t>
+            </a:r>
+            <a:endParaRPr lang="pt-BR" sz="2400" dirty="0">
+              <a:latin typeface="Arial" panose="020B0604020202020204" pitchFamily="34" charset="0"/>
+              <a:ea typeface="Calibri" panose="020F0502020204030204" pitchFamily="34" charset="0"/>
+            </a:endParaRPr>
+          </a:p>
+          <a:p>
+            <a:pPr marL="914400" lvl="1" indent="-457200" algn="l">
+              <a:buFontTx/>
+              <a:buChar char="-"/>
+            </a:pPr>
+            <a:r>
+              <a:rPr lang="pt-BR" sz="2400" dirty="0">
+                <a:effectLst/>
+                <a:latin typeface="Arial" panose="020B0604020202020204" pitchFamily="34" charset="0"/>
+                <a:ea typeface="Calibri" panose="020F0502020204030204" pitchFamily="34" charset="0"/>
+              </a:rPr>
+              <a:t>Diretor</a:t>
+            </a:r>
+          </a:p>
+          <a:p>
+            <a:pPr marL="914400" lvl="1" indent="-457200" algn="l">
+              <a:buFontTx/>
+              <a:buChar char="-"/>
+            </a:pPr>
+            <a:r>
+              <a:rPr lang="pt-BR" sz="2400" dirty="0">
+                <a:effectLst/>
+                <a:latin typeface="Arial" panose="020B0604020202020204" pitchFamily="34" charset="0"/>
+                <a:ea typeface="Calibri" panose="020F0502020204030204" pitchFamily="34" charset="0"/>
+              </a:rPr>
+              <a:t>Administrador</a:t>
+            </a:r>
+            <a:endParaRPr lang="pt-BR" sz="2400" dirty="0"/>
           </a:p>
           <a:p>
             <a:pPr algn="l"/>
@@ -7490,7 +8012,7 @@
         </p:nvSpPr>
         <p:spPr>
           <a:xfrm>
-            <a:off x="1580113" y="1339195"/>
+            <a:off x="1417743" y="942458"/>
             <a:ext cx="9144000" cy="852211"/>
           </a:xfrm>
         </p:spPr>
@@ -7525,7 +8047,7 @@
         </p:nvSpPr>
         <p:spPr>
           <a:xfrm>
-            <a:off x="1276865" y="2345670"/>
+            <a:off x="1220752" y="1920358"/>
             <a:ext cx="9750495" cy="1896681"/>
           </a:xfrm>
         </p:spPr>
@@ -7541,13 +8063,8 @@
             </a:pPr>
             <a:r>
               <a:rPr lang="pt-BR" sz="2800" dirty="0"/>
-              <a:t>Diagrama </a:t>
-            </a:r>
-            <a:r>
-              <a:rPr lang="pt-BR" sz="2800"/>
-              <a:t>de Classe</a:t>
-            </a:r>
-            <a:endParaRPr lang="pt-BR" sz="2800" dirty="0"/>
+              <a:t>Diagrama de Classe</a:t>
+            </a:r>
           </a:p>
         </p:txBody>
       </p:sp>
@@ -7624,6 +8141,103 @@
           </a:prstGeom>
         </p:spPr>
       </p:pic>
+      <p:pic>
+        <p:nvPicPr>
+          <p:cNvPr id="6" name="Imagem 5" descr="Diagrama, Desenho técnico&#10;&#10;O conteúdo gerado por IA pode estar incorreto.">
+            <a:extLst>
+              <a:ext uri="{FF2B5EF4-FFF2-40B4-BE49-F238E27FC236}">
+                <a16:creationId xmlns:a16="http://schemas.microsoft.com/office/drawing/2014/main" id="{B550CFC9-D36F-B621-311A-377D52F54910}"/>
+              </a:ext>
+            </a:extLst>
+          </p:cNvPr>
+          <p:cNvPicPr>
+            <a:picLocks noChangeAspect="1"/>
+          </p:cNvPicPr>
+          <p:nvPr/>
+        </p:nvPicPr>
+        <p:blipFill>
+          <a:blip r:embed="rId4">
+            <a:extLst>
+              <a:ext uri="{28A0092B-C50C-407E-A947-70E740481C1C}">
+                <a14:useLocalDpi xmlns:a14="http://schemas.microsoft.com/office/drawing/2010/main" val="0"/>
+              </a:ext>
+            </a:extLst>
+          </a:blip>
+          <a:srcRect/>
+          <a:stretch>
+            <a:fillRect/>
+          </a:stretch>
+        </p:blipFill>
+        <p:spPr bwMode="auto">
+          <a:xfrm>
+            <a:off x="5798459" y="1794668"/>
+            <a:ext cx="4823105" cy="4755586"/>
+          </a:xfrm>
+          <a:prstGeom prst="rect">
+            <a:avLst/>
+          </a:prstGeom>
+          <a:noFill/>
+          <a:ln>
+            <a:noFill/>
+          </a:ln>
+        </p:spPr>
+      </p:pic>
+      <p:sp>
+        <p:nvSpPr>
+          <p:cNvPr id="8" name="CaixaDeTexto 7">
+            <a:extLst>
+              <a:ext uri="{FF2B5EF4-FFF2-40B4-BE49-F238E27FC236}">
+                <a16:creationId xmlns:a16="http://schemas.microsoft.com/office/drawing/2014/main" id="{726E5CC1-EEC2-CA63-0847-2348B81DF330}"/>
+              </a:ext>
+            </a:extLst>
+          </p:cNvPr>
+          <p:cNvSpPr txBox="1"/>
+          <p:nvPr/>
+        </p:nvSpPr>
+        <p:spPr>
+          <a:xfrm>
+            <a:off x="5716827" y="6537443"/>
+            <a:ext cx="6097424" cy="276999"/>
+          </a:xfrm>
+          <a:prstGeom prst="rect">
+            <a:avLst/>
+          </a:prstGeom>
+          <a:noFill/>
+        </p:spPr>
+        <p:txBody>
+          <a:bodyPr wrap="square">
+            <a:spAutoFit/>
+          </a:bodyPr>
+          <a:lstStyle/>
+          <a:p>
+            <a:pPr algn="just"/>
+            <a:r>
+              <a:rPr lang="pt-BR" sz="1200" dirty="0">
+                <a:effectLst/>
+                <a:latin typeface="Arial" panose="020B0604020202020204" pitchFamily="34" charset="0"/>
+                <a:ea typeface="Calibri" panose="020F0502020204030204" pitchFamily="34" charset="0"/>
+                <a:cs typeface="Times New Roman" panose="02020603050405020304" pitchFamily="18" charset="0"/>
+              </a:rPr>
+              <a:t>Fonte: Elaborado pelo autor com </a:t>
+            </a:r>
+            <a:r>
+              <a:rPr lang="pt-BR" sz="1200" dirty="0" err="1">
+                <a:effectLst/>
+                <a:latin typeface="Arial" panose="020B0604020202020204" pitchFamily="34" charset="0"/>
+                <a:ea typeface="Calibri" panose="020F0502020204030204" pitchFamily="34" charset="0"/>
+                <a:cs typeface="Times New Roman" panose="02020603050405020304" pitchFamily="18" charset="0"/>
+              </a:rPr>
+              <a:t>PlantUML</a:t>
+            </a:r>
+            <a:endParaRPr lang="pt-BR" sz="1200" dirty="0">
+              <a:effectLst/>
+              <a:latin typeface="Calibri" panose="020F0502020204030204" pitchFamily="34" charset="0"/>
+              <a:ea typeface="Calibri" panose="020F0502020204030204" pitchFamily="34" charset="0"/>
+              <a:cs typeface="Times New Roman" panose="02020603050405020304" pitchFamily="18" charset="0"/>
+            </a:endParaRPr>
+          </a:p>
+        </p:txBody>
+      </p:sp>
     </p:spTree>
     <p:extLst>
       <p:ext uri="{BB962C8B-B14F-4D97-AF65-F5344CB8AC3E}">

--- a/liceu/3semestre/projeto integrador/tcc slide.pptx
+++ b/liceu/3semestre/projeto integrador/tcc slide.pptx
@@ -216,7 +216,7 @@
           <a:p>
             <a:fld id="{18320935-7879-4FC8-A6C9-17BE08BC5BEB}" type="datetimeFigureOut">
               <a:rPr lang="pt-BR" smtClean="0"/>
-              <a:t>21/05/2025</a:t>
+              <a:t>22/05/2025</a:t>
             </a:fld>
             <a:endParaRPr lang="pt-BR"/>
           </a:p>
@@ -630,7 +630,7 @@
           <a:p>
             <a:fld id="{055D9AF5-8B02-462A-998E-086C6BD146E3}" type="datetime1">
               <a:rPr lang="pt-BR" smtClean="0"/>
-              <a:t>21/05/2025</a:t>
+              <a:t>22/05/2025</a:t>
             </a:fld>
             <a:endParaRPr lang="pt-BR"/>
           </a:p>
@@ -828,7 +828,7 @@
           <a:p>
             <a:fld id="{258448AC-78A4-411F-B30C-72E16663FB27}" type="datetime1">
               <a:rPr lang="pt-BR" smtClean="0"/>
-              <a:t>21/05/2025</a:t>
+              <a:t>22/05/2025</a:t>
             </a:fld>
             <a:endParaRPr lang="pt-BR"/>
           </a:p>
@@ -1036,7 +1036,7 @@
           <a:p>
             <a:fld id="{9F1F3115-DB14-4321-8D36-A5960E5A90C2}" type="datetime1">
               <a:rPr lang="pt-BR" smtClean="0"/>
-              <a:t>21/05/2025</a:t>
+              <a:t>22/05/2025</a:t>
             </a:fld>
             <a:endParaRPr lang="pt-BR"/>
           </a:p>
@@ -1234,7 +1234,7 @@
           <a:p>
             <a:fld id="{D8C6E8C3-9067-43B2-BEF6-C1F5787FC74D}" type="datetime1">
               <a:rPr lang="pt-BR" smtClean="0"/>
-              <a:t>21/05/2025</a:t>
+              <a:t>22/05/2025</a:t>
             </a:fld>
             <a:endParaRPr lang="pt-BR"/>
           </a:p>
@@ -1509,7 +1509,7 @@
           <a:p>
             <a:fld id="{AEDAA854-EDC2-459C-AF0A-0D60AE43886D}" type="datetime1">
               <a:rPr lang="pt-BR" smtClean="0"/>
-              <a:t>21/05/2025</a:t>
+              <a:t>22/05/2025</a:t>
             </a:fld>
             <a:endParaRPr lang="pt-BR"/>
           </a:p>
@@ -1774,7 +1774,7 @@
           <a:p>
             <a:fld id="{5D91D852-DAA6-48D5-92B2-C187B4D9E703}" type="datetime1">
               <a:rPr lang="pt-BR" smtClean="0"/>
-              <a:t>21/05/2025</a:t>
+              <a:t>22/05/2025</a:t>
             </a:fld>
             <a:endParaRPr lang="pt-BR"/>
           </a:p>
@@ -2186,7 +2186,7 @@
           <a:p>
             <a:fld id="{CDC3A4EE-7EB3-49B0-B009-2BF3B4DB4BF7}" type="datetime1">
               <a:rPr lang="pt-BR" smtClean="0"/>
-              <a:t>21/05/2025</a:t>
+              <a:t>22/05/2025</a:t>
             </a:fld>
             <a:endParaRPr lang="pt-BR"/>
           </a:p>
@@ -2327,7 +2327,7 @@
           <a:p>
             <a:fld id="{224C9A1C-CA50-4622-B615-0639F6347B1D}" type="datetime1">
               <a:rPr lang="pt-BR" smtClean="0"/>
-              <a:t>21/05/2025</a:t>
+              <a:t>22/05/2025</a:t>
             </a:fld>
             <a:endParaRPr lang="pt-BR"/>
           </a:p>
@@ -2440,7 +2440,7 @@
           <a:p>
             <a:fld id="{3D6C1E11-059F-430B-ACAB-308983ADDB72}" type="datetime1">
               <a:rPr lang="pt-BR" smtClean="0"/>
-              <a:t>21/05/2025</a:t>
+              <a:t>22/05/2025</a:t>
             </a:fld>
             <a:endParaRPr lang="pt-BR"/>
           </a:p>
@@ -2751,7 +2751,7 @@
           <a:p>
             <a:fld id="{D818A351-4929-4117-9E02-9240FA4BEF66}" type="datetime1">
               <a:rPr lang="pt-BR" smtClean="0"/>
-              <a:t>21/05/2025</a:t>
+              <a:t>22/05/2025</a:t>
             </a:fld>
             <a:endParaRPr lang="pt-BR"/>
           </a:p>
@@ -3039,7 +3039,7 @@
           <a:p>
             <a:fld id="{0717CE0E-0A9C-4DE7-9D3C-C334C624287A}" type="datetime1">
               <a:rPr lang="pt-BR" smtClean="0"/>
-              <a:t>21/05/2025</a:t>
+              <a:t>22/05/2025</a:t>
             </a:fld>
             <a:endParaRPr lang="pt-BR"/>
           </a:p>
@@ -3280,7 +3280,7 @@
           <a:p>
             <a:fld id="{8DEF6C12-3CCD-4BA5-AA5A-B9FCBFB668F7}" type="datetime1">
               <a:rPr lang="pt-BR" smtClean="0"/>
-              <a:t>21/05/2025</a:t>
+              <a:t>22/05/2025</a:t>
             </a:fld>
             <a:endParaRPr lang="pt-BR"/>
           </a:p>
@@ -4695,8 +4695,8 @@
         </p:nvSpPr>
         <p:spPr>
           <a:xfrm>
-            <a:off x="1276865" y="2345670"/>
-            <a:ext cx="9750495" cy="1896681"/>
+            <a:off x="729934" y="2345670"/>
+            <a:ext cx="9750495" cy="2969814"/>
           </a:xfrm>
         </p:spPr>
         <p:txBody>
@@ -4712,6 +4712,34 @@
             <a:r>
               <a:rPr lang="pt-BR" sz="2800" dirty="0"/>
               <a:t>Gamificação na plataforma</a:t>
+            </a:r>
+          </a:p>
+          <a:p>
+            <a:pPr algn="l"/>
+            <a:r>
+              <a:rPr lang="pt-BR" sz="2800" dirty="0"/>
+              <a:t>	- Sistema de níveis</a:t>
+            </a:r>
+          </a:p>
+          <a:p>
+            <a:pPr algn="l"/>
+            <a:r>
+              <a:rPr lang="pt-BR" sz="2800" dirty="0"/>
+              <a:t>	- Sistema de ranking</a:t>
+            </a:r>
+          </a:p>
+          <a:p>
+            <a:pPr algn="l"/>
+            <a:r>
+              <a:rPr lang="pt-BR" sz="2800" dirty="0"/>
+              <a:t>	- Sistema de modo online</a:t>
+            </a:r>
+          </a:p>
+          <a:p>
+            <a:pPr algn="l"/>
+            <a:r>
+              <a:rPr lang="pt-BR" sz="2800" dirty="0"/>
+              <a:t>	- Sistema de elos</a:t>
             </a:r>
           </a:p>
           <a:p>
@@ -4787,6 +4815,66 @@
           <a:xfrm>
             <a:off x="8481392" y="273982"/>
             <a:ext cx="3142076" cy="852210"/>
+          </a:xfrm>
+          <a:prstGeom prst="rect">
+            <a:avLst/>
+          </a:prstGeom>
+        </p:spPr>
+      </p:pic>
+      <p:pic>
+        <p:nvPicPr>
+          <p:cNvPr id="7" name="Imagem 6">
+            <a:extLst>
+              <a:ext uri="{FF2B5EF4-FFF2-40B4-BE49-F238E27FC236}">
+                <a16:creationId xmlns:a16="http://schemas.microsoft.com/office/drawing/2014/main" id="{AA5F8965-BC7D-F142-E5C3-4D6DD5A1E2C5}"/>
+              </a:ext>
+            </a:extLst>
+          </p:cNvPr>
+          <p:cNvPicPr>
+            <a:picLocks noChangeAspect="1"/>
+          </p:cNvPicPr>
+          <p:nvPr/>
+        </p:nvPicPr>
+        <p:blipFill>
+          <a:blip r:embed="rId4"/>
+          <a:stretch>
+            <a:fillRect/>
+          </a:stretch>
+        </p:blipFill>
+        <p:spPr>
+          <a:xfrm>
+            <a:off x="6298729" y="2363741"/>
+            <a:ext cx="2897733" cy="3447711"/>
+          </a:xfrm>
+          <a:prstGeom prst="rect">
+            <a:avLst/>
+          </a:prstGeom>
+        </p:spPr>
+      </p:pic>
+      <p:pic>
+        <p:nvPicPr>
+          <p:cNvPr id="9" name="Imagem 8">
+            <a:extLst>
+              <a:ext uri="{FF2B5EF4-FFF2-40B4-BE49-F238E27FC236}">
+                <a16:creationId xmlns:a16="http://schemas.microsoft.com/office/drawing/2014/main" id="{908862AE-8C22-3188-C1B2-ECEC6B6D5643}"/>
+              </a:ext>
+            </a:extLst>
+          </p:cNvPr>
+          <p:cNvPicPr>
+            <a:picLocks noChangeAspect="1"/>
+          </p:cNvPicPr>
+          <p:nvPr/>
+        </p:nvPicPr>
+        <p:blipFill>
+          <a:blip r:embed="rId5"/>
+          <a:stretch>
+            <a:fillRect/>
+          </a:stretch>
+        </p:blipFill>
+        <p:spPr>
+          <a:xfrm>
+            <a:off x="9338236" y="2390630"/>
+            <a:ext cx="2591162" cy="1038370"/>
           </a:xfrm>
           <a:prstGeom prst="rect">
             <a:avLst/>
@@ -5191,6 +5279,113 @@
           </a:prstGeom>
         </p:spPr>
       </p:pic>
+      <p:pic>
+        <p:nvPicPr>
+          <p:cNvPr id="7" name="Imagem 6">
+            <a:extLst>
+              <a:ext uri="{FF2B5EF4-FFF2-40B4-BE49-F238E27FC236}">
+                <a16:creationId xmlns:a16="http://schemas.microsoft.com/office/drawing/2014/main" id="{5E41090B-8C68-8B19-E122-8F014F26238B}"/>
+              </a:ext>
+            </a:extLst>
+          </p:cNvPr>
+          <p:cNvPicPr>
+            <a:picLocks noChangeAspect="1"/>
+          </p:cNvPicPr>
+          <p:nvPr/>
+        </p:nvPicPr>
+        <p:blipFill>
+          <a:blip r:embed="rId4"/>
+          <a:stretch>
+            <a:fillRect/>
+          </a:stretch>
+        </p:blipFill>
+        <p:spPr>
+          <a:xfrm>
+            <a:off x="6207351" y="3026068"/>
+            <a:ext cx="5779433" cy="2953449"/>
+          </a:xfrm>
+          <a:prstGeom prst="rect">
+            <a:avLst/>
+          </a:prstGeom>
+        </p:spPr>
+      </p:pic>
+      <p:pic>
+        <p:nvPicPr>
+          <p:cNvPr id="9" name="Imagem 8">
+            <a:extLst>
+              <a:ext uri="{FF2B5EF4-FFF2-40B4-BE49-F238E27FC236}">
+                <a16:creationId xmlns:a16="http://schemas.microsoft.com/office/drawing/2014/main" id="{EBAF35C5-B46C-C58B-A08C-1B3130234E0A}"/>
+              </a:ext>
+            </a:extLst>
+          </p:cNvPr>
+          <p:cNvPicPr>
+            <a:picLocks noChangeAspect="1"/>
+          </p:cNvPicPr>
+          <p:nvPr/>
+        </p:nvPicPr>
+        <p:blipFill>
+          <a:blip r:embed="rId5"/>
+          <a:stretch>
+            <a:fillRect/>
+          </a:stretch>
+        </p:blipFill>
+        <p:spPr>
+          <a:xfrm>
+            <a:off x="429487" y="2977573"/>
+            <a:ext cx="5518396" cy="1785660"/>
+          </a:xfrm>
+          <a:prstGeom prst="rect">
+            <a:avLst/>
+          </a:prstGeom>
+        </p:spPr>
+      </p:pic>
+      <p:pic>
+        <p:nvPicPr>
+          <p:cNvPr id="1034" name="Picture 10" descr="15 melhores ideias de Thumbnail Youtube | thumbnail youtube, photoshop, no  photoshop">
+            <a:extLst>
+              <a:ext uri="{FF2B5EF4-FFF2-40B4-BE49-F238E27FC236}">
+                <a16:creationId xmlns:a16="http://schemas.microsoft.com/office/drawing/2014/main" id="{55CA89A2-4BC4-4610-CFE8-14DB08D355C9}"/>
+              </a:ext>
+            </a:extLst>
+          </p:cNvPr>
+          <p:cNvPicPr>
+            <a:picLocks noChangeAspect="1" noChangeArrowheads="1"/>
+          </p:cNvPicPr>
+          <p:nvPr/>
+        </p:nvPicPr>
+        <p:blipFill>
+          <a:blip r:embed="rId6">
+            <a:extLst>
+              <a:ext uri="{28A0092B-C50C-407E-A947-70E740481C1C}">
+                <a14:useLocalDpi xmlns:a14="http://schemas.microsoft.com/office/drawing/2010/main" val="0"/>
+              </a:ext>
+            </a:extLst>
+          </a:blip>
+          <a:srcRect/>
+          <a:stretch>
+            <a:fillRect/>
+          </a:stretch>
+        </p:blipFill>
+        <p:spPr bwMode="auto">
+          <a:xfrm flipV="1">
+            <a:off x="4119072" y="4874254"/>
+            <a:ext cx="1618004" cy="847711"/>
+          </a:xfrm>
+          <a:prstGeom prst="rect">
+            <a:avLst/>
+          </a:prstGeom>
+          <a:noFill/>
+          <a:extLst>
+            <a:ext uri="{909E8E84-426E-40DD-AFC4-6F175D3DCCD1}">
+              <a14:hiddenFill xmlns:a14="http://schemas.microsoft.com/office/drawing/2010/main">
+                <a:solidFill>
+                  <a:srgbClr val="FFFFFF"/>
+                </a:solidFill>
+              </a14:hiddenFill>
+            </a:ext>
+          </a:extLst>
+        </p:spPr>
+      </p:pic>
     </p:spTree>
     <p:extLst>
       <p:ext uri="{BB962C8B-B14F-4D97-AF65-F5344CB8AC3E}">
@@ -5366,6 +5561,113 @@
           <a:xfrm>
             <a:off x="8481392" y="273982"/>
             <a:ext cx="3142076" cy="852210"/>
+          </a:xfrm>
+          <a:prstGeom prst="rect">
+            <a:avLst/>
+          </a:prstGeom>
+        </p:spPr>
+      </p:pic>
+      <p:pic>
+        <p:nvPicPr>
+          <p:cNvPr id="7" name="Imagem 6">
+            <a:extLst>
+              <a:ext uri="{FF2B5EF4-FFF2-40B4-BE49-F238E27FC236}">
+                <a16:creationId xmlns:a16="http://schemas.microsoft.com/office/drawing/2014/main" id="{889CAA86-2F84-A08E-E60D-7B87109B27D8}"/>
+              </a:ext>
+            </a:extLst>
+          </p:cNvPr>
+          <p:cNvPicPr>
+            <a:picLocks noChangeAspect="1"/>
+          </p:cNvPicPr>
+          <p:nvPr/>
+        </p:nvPicPr>
+        <p:blipFill>
+          <a:blip r:embed="rId4"/>
+          <a:stretch>
+            <a:fillRect/>
+          </a:stretch>
+        </p:blipFill>
+        <p:spPr>
+          <a:xfrm>
+            <a:off x="1212437" y="3059393"/>
+            <a:ext cx="2340780" cy="2065711"/>
+          </a:xfrm>
+          <a:prstGeom prst="rect">
+            <a:avLst/>
+          </a:prstGeom>
+        </p:spPr>
+      </p:pic>
+      <p:pic>
+        <p:nvPicPr>
+          <p:cNvPr id="2052" name="Picture 4" descr="15 melhores ideias de Thumbnail Youtube | thumbnail youtube, photoshop, no  photoshop">
+            <a:extLst>
+              <a:ext uri="{FF2B5EF4-FFF2-40B4-BE49-F238E27FC236}">
+                <a16:creationId xmlns:a16="http://schemas.microsoft.com/office/drawing/2014/main" id="{841EB090-B6F1-FCF3-CFA4-5530B231E7F4}"/>
+              </a:ext>
+            </a:extLst>
+          </p:cNvPr>
+          <p:cNvPicPr>
+            <a:picLocks noChangeAspect="1" noChangeArrowheads="1"/>
+          </p:cNvPicPr>
+          <p:nvPr/>
+        </p:nvPicPr>
+        <p:blipFill>
+          <a:blip r:embed="rId5">
+            <a:extLst>
+              <a:ext uri="{28A0092B-C50C-407E-A947-70E740481C1C}">
+                <a14:useLocalDpi xmlns:a14="http://schemas.microsoft.com/office/drawing/2010/main" val="0"/>
+              </a:ext>
+            </a:extLst>
+          </a:blip>
+          <a:srcRect/>
+          <a:stretch>
+            <a:fillRect/>
+          </a:stretch>
+        </p:blipFill>
+        <p:spPr bwMode="auto">
+          <a:xfrm flipV="1">
+            <a:off x="2859363" y="5250724"/>
+            <a:ext cx="1846603" cy="1080666"/>
+          </a:xfrm>
+          <a:prstGeom prst="rect">
+            <a:avLst/>
+          </a:prstGeom>
+          <a:noFill/>
+          <a:extLst>
+            <a:ext uri="{909E8E84-426E-40DD-AFC4-6F175D3DCCD1}">
+              <a14:hiddenFill xmlns:a14="http://schemas.microsoft.com/office/drawing/2010/main">
+                <a:solidFill>
+                  <a:srgbClr val="FFFFFF"/>
+                </a:solidFill>
+              </a14:hiddenFill>
+            </a:ext>
+          </a:extLst>
+        </p:spPr>
+      </p:pic>
+      <p:pic>
+        <p:nvPicPr>
+          <p:cNvPr id="11" name="Imagem 10">
+            <a:extLst>
+              <a:ext uri="{FF2B5EF4-FFF2-40B4-BE49-F238E27FC236}">
+                <a16:creationId xmlns:a16="http://schemas.microsoft.com/office/drawing/2014/main" id="{661B5F1A-F41C-84FC-7200-C5148D52E426}"/>
+              </a:ext>
+            </a:extLst>
+          </p:cNvPr>
+          <p:cNvPicPr>
+            <a:picLocks noChangeAspect="1"/>
+          </p:cNvPicPr>
+          <p:nvPr/>
+        </p:nvPicPr>
+        <p:blipFill>
+          <a:blip r:embed="rId6"/>
+          <a:stretch>
+            <a:fillRect/>
+          </a:stretch>
+        </p:blipFill>
+        <p:spPr>
+          <a:xfrm>
+            <a:off x="4965106" y="2888477"/>
+            <a:ext cx="6831375" cy="3506402"/>
           </a:xfrm>
           <a:prstGeom prst="rect">
             <a:avLst/>
@@ -7355,36 +7657,6 @@
               <a:rPr lang="pt-BR" sz="1800" dirty="0"/>
               <a:t>Teoria da autodeterminação (autonomia, competência)</a:t>
             </a:r>
-          </a:p>
-          <a:p>
-            <a:pPr algn="l">
-              <a:buFont typeface="Arial" panose="020B0604020202020204" pitchFamily="34" charset="0"/>
-              <a:buChar char="•"/>
-            </a:pPr>
-            <a:r>
-              <a:rPr lang="pt-BR" sz="1800" b="1" dirty="0"/>
-              <a:t>Skinner (1938) - </a:t>
-            </a:r>
-            <a:r>
-              <a:rPr lang="pt-BR" sz="1800" dirty="0"/>
-              <a:t>Condicionamento operante; reforços positivos</a:t>
-            </a:r>
-            <a:endParaRPr lang="pt-BR" sz="1800" b="1" dirty="0"/>
-          </a:p>
-          <a:p>
-            <a:pPr algn="l">
-              <a:buFont typeface="Arial" panose="020B0604020202020204" pitchFamily="34" charset="0"/>
-              <a:buChar char="•"/>
-            </a:pPr>
-            <a:r>
-              <a:rPr lang="pt-BR" sz="1800" b="1" dirty="0"/>
-              <a:t>Piaget (1972) &amp; Vygotsky (1978) - </a:t>
-            </a:r>
-            <a:r>
-              <a:rPr lang="pt-BR" sz="1800" dirty="0"/>
-              <a:t>Construtivismo; Zona de Desenvolvimento Proximal</a:t>
-            </a:r>
-            <a:endParaRPr lang="pt-BR" sz="1800" b="1" dirty="0"/>
           </a:p>
           <a:p>
             <a:pPr algn="l">

--- a/liceu/3semestre/projeto integrador/tcc slide.pptx
+++ b/liceu/3semestre/projeto integrador/tcc slide.pptx
@@ -5,7 +5,7 @@
     <p:sldMasterId id="2147483648" r:id="rId1"/>
   </p:sldMasterIdLst>
   <p:notesMasterIdLst>
-    <p:notesMasterId r:id="rId22"/>
+    <p:notesMasterId r:id="rId25"/>
   </p:notesMasterIdLst>
   <p:sldIdLst>
     <p:sldId id="256" r:id="rId2"/>
@@ -15,19 +15,22 @@
     <p:sldId id="260" r:id="rId6"/>
     <p:sldId id="261" r:id="rId7"/>
     <p:sldId id="262" r:id="rId8"/>
-    <p:sldId id="273" r:id="rId9"/>
-    <p:sldId id="274" r:id="rId10"/>
-    <p:sldId id="275" r:id="rId11"/>
-    <p:sldId id="263" r:id="rId12"/>
-    <p:sldId id="269" r:id="rId13"/>
-    <p:sldId id="270" r:id="rId14"/>
-    <p:sldId id="271" r:id="rId15"/>
-    <p:sldId id="272" r:id="rId16"/>
-    <p:sldId id="264" r:id="rId17"/>
-    <p:sldId id="265" r:id="rId18"/>
-    <p:sldId id="276" r:id="rId19"/>
-    <p:sldId id="266" r:id="rId20"/>
-    <p:sldId id="267" r:id="rId21"/>
+    <p:sldId id="279" r:id="rId9"/>
+    <p:sldId id="278" r:id="rId10"/>
+    <p:sldId id="273" r:id="rId11"/>
+    <p:sldId id="274" r:id="rId12"/>
+    <p:sldId id="275" r:id="rId13"/>
+    <p:sldId id="277" r:id="rId14"/>
+    <p:sldId id="263" r:id="rId15"/>
+    <p:sldId id="269" r:id="rId16"/>
+    <p:sldId id="270" r:id="rId17"/>
+    <p:sldId id="271" r:id="rId18"/>
+    <p:sldId id="272" r:id="rId19"/>
+    <p:sldId id="264" r:id="rId20"/>
+    <p:sldId id="265" r:id="rId21"/>
+    <p:sldId id="276" r:id="rId22"/>
+    <p:sldId id="266" r:id="rId23"/>
+    <p:sldId id="267" r:id="rId24"/>
   </p:sldIdLst>
   <p:sldSz cx="12192000" cy="6858000"/>
   <p:notesSz cx="6858000" cy="9144000"/>
@@ -3922,7 +3925,7 @@
         </p:nvSpPr>
         <p:spPr>
           <a:xfrm>
-            <a:off x="1580112" y="942458"/>
+            <a:off x="1580113" y="1339195"/>
             <a:ext cx="9144000" cy="852211"/>
           </a:xfrm>
         </p:spPr>
@@ -3957,8 +3960,8 @@
         </p:nvSpPr>
         <p:spPr>
           <a:xfrm>
-            <a:off x="901148" y="1696191"/>
-            <a:ext cx="9750495" cy="696632"/>
+            <a:off x="1276865" y="2345670"/>
+            <a:ext cx="9750495" cy="3525291"/>
           </a:xfrm>
         </p:spPr>
         <p:txBody>
@@ -3972,9 +3975,75 @@
               <a:buChar char="-"/>
             </a:pPr>
             <a:r>
-              <a:rPr lang="pt-BR" sz="2800" dirty="0"/>
-              <a:t>Diagramas de Caso de Uso</a:t>
-            </a:r>
+              <a:rPr lang="pt-BR" sz="2800" b="1" dirty="0"/>
+              <a:t>Atores</a:t>
+            </a:r>
+            <a:endParaRPr lang="pt-BR" b="1" dirty="0"/>
+          </a:p>
+          <a:p>
+            <a:pPr marL="914400" lvl="1" indent="-457200" algn="l">
+              <a:buFontTx/>
+              <a:buChar char="-"/>
+            </a:pPr>
+            <a:r>
+              <a:rPr lang="pt-BR" sz="2400" dirty="0">
+                <a:effectLst/>
+                <a:latin typeface="Arial" panose="020B0604020202020204" pitchFamily="34" charset="0"/>
+                <a:ea typeface="Calibri" panose="020F0502020204030204" pitchFamily="34" charset="0"/>
+              </a:rPr>
+              <a:t>Aluno</a:t>
+            </a:r>
+          </a:p>
+          <a:p>
+            <a:pPr marL="914400" lvl="1" indent="-457200" algn="l">
+              <a:buFontTx/>
+              <a:buChar char="-"/>
+            </a:pPr>
+            <a:r>
+              <a:rPr lang="pt-BR" sz="2400" dirty="0">
+                <a:effectLst/>
+                <a:latin typeface="Arial" panose="020B0604020202020204" pitchFamily="34" charset="0"/>
+                <a:ea typeface="Calibri" panose="020F0502020204030204" pitchFamily="34" charset="0"/>
+              </a:rPr>
+              <a:t>Professor</a:t>
+            </a:r>
+            <a:endParaRPr lang="pt-BR" sz="2400" dirty="0">
+              <a:latin typeface="Arial" panose="020B0604020202020204" pitchFamily="34" charset="0"/>
+              <a:ea typeface="Calibri" panose="020F0502020204030204" pitchFamily="34" charset="0"/>
+            </a:endParaRPr>
+          </a:p>
+          <a:p>
+            <a:pPr marL="914400" lvl="1" indent="-457200" algn="l">
+              <a:buFontTx/>
+              <a:buChar char="-"/>
+            </a:pPr>
+            <a:r>
+              <a:rPr lang="pt-BR" sz="2400" dirty="0">
+                <a:effectLst/>
+                <a:latin typeface="Arial" panose="020B0604020202020204" pitchFamily="34" charset="0"/>
+                <a:ea typeface="Calibri" panose="020F0502020204030204" pitchFamily="34" charset="0"/>
+              </a:rPr>
+              <a:t>Diretor</a:t>
+            </a:r>
+          </a:p>
+          <a:p>
+            <a:pPr marL="914400" lvl="1" indent="-457200" algn="l">
+              <a:buFontTx/>
+              <a:buChar char="-"/>
+            </a:pPr>
+            <a:r>
+              <a:rPr lang="pt-BR" sz="2400" dirty="0">
+                <a:effectLst/>
+                <a:latin typeface="Arial" panose="020B0604020202020204" pitchFamily="34" charset="0"/>
+                <a:ea typeface="Calibri" panose="020F0502020204030204" pitchFamily="34" charset="0"/>
+              </a:rPr>
+              <a:t>Administrador</a:t>
+            </a:r>
+            <a:endParaRPr lang="pt-BR" sz="2400" dirty="0"/>
+          </a:p>
+          <a:p>
+            <a:pPr algn="l"/>
+            <a:endParaRPr lang="pt-BR" sz="2800" dirty="0"/>
           </a:p>
         </p:txBody>
       </p:sp>
@@ -4051,138 +4120,10 @@
           </a:prstGeom>
         </p:spPr>
       </p:pic>
-      <p:pic>
-        <p:nvPicPr>
-          <p:cNvPr id="6" name="Imagem 5" descr="Gráfico, Diagrama, Gráfico de bolhas&#10;&#10;O conteúdo gerado por IA pode estar incorreto.">
-            <a:extLst>
-              <a:ext uri="{FF2B5EF4-FFF2-40B4-BE49-F238E27FC236}">
-                <a16:creationId xmlns:a16="http://schemas.microsoft.com/office/drawing/2014/main" id="{EF4226C0-624E-EC78-CD63-CA5E34E06278}"/>
-              </a:ext>
-            </a:extLst>
-          </p:cNvPr>
-          <p:cNvPicPr>
-            <a:picLocks noChangeAspect="1"/>
-          </p:cNvPicPr>
-          <p:nvPr/>
-        </p:nvPicPr>
-        <p:blipFill>
-          <a:blip r:embed="rId4"/>
-          <a:stretch>
-            <a:fillRect/>
-          </a:stretch>
-        </p:blipFill>
-        <p:spPr>
-          <a:xfrm>
-            <a:off x="177985" y="3042257"/>
-            <a:ext cx="2927645" cy="2405413"/>
-          </a:xfrm>
-          <a:prstGeom prst="rect">
-            <a:avLst/>
-          </a:prstGeom>
-        </p:spPr>
-      </p:pic>
-      <p:pic>
-        <p:nvPicPr>
-          <p:cNvPr id="8" name="Imagem 7">
-            <a:extLst>
-              <a:ext uri="{FF2B5EF4-FFF2-40B4-BE49-F238E27FC236}">
-                <a16:creationId xmlns:a16="http://schemas.microsoft.com/office/drawing/2014/main" id="{388C6919-CB7A-556C-34D1-5732F9BC55A9}"/>
-              </a:ext>
-            </a:extLst>
-          </p:cNvPr>
-          <p:cNvPicPr>
-            <a:picLocks noChangeAspect="1"/>
-          </p:cNvPicPr>
-          <p:nvPr/>
-        </p:nvPicPr>
-        <p:blipFill>
-          <a:blip r:embed="rId5">
-            <a:extLst>
-              <a:ext uri="{28A0092B-C50C-407E-A947-70E740481C1C}">
-                <a14:useLocalDpi xmlns:a14="http://schemas.microsoft.com/office/drawing/2010/main" val="0"/>
-              </a:ext>
-            </a:extLst>
-          </a:blip>
-          <a:srcRect/>
-          <a:stretch>
-            <a:fillRect/>
-          </a:stretch>
-        </p:blipFill>
-        <p:spPr bwMode="auto">
-          <a:xfrm>
-            <a:off x="8938830" y="3094405"/>
-            <a:ext cx="3237610" cy="2512597"/>
-          </a:xfrm>
-          <a:prstGeom prst="rect">
-            <a:avLst/>
-          </a:prstGeom>
-          <a:noFill/>
-        </p:spPr>
-      </p:pic>
-      <p:pic>
-        <p:nvPicPr>
-          <p:cNvPr id="9" name="Imagem 8" descr="Gráfico, Gráfico de bolhas&#10;&#10;O conteúdo gerado por IA pode estar incorreto.">
-            <a:extLst>
-              <a:ext uri="{FF2B5EF4-FFF2-40B4-BE49-F238E27FC236}">
-                <a16:creationId xmlns:a16="http://schemas.microsoft.com/office/drawing/2014/main" id="{39A0BDB0-91D7-6B29-682F-D7976F7DA7EB}"/>
-              </a:ext>
-            </a:extLst>
-          </p:cNvPr>
-          <p:cNvPicPr>
-            <a:picLocks noChangeAspect="1"/>
-          </p:cNvPicPr>
-          <p:nvPr/>
-        </p:nvPicPr>
-        <p:blipFill>
-          <a:blip r:embed="rId6"/>
-          <a:stretch>
-            <a:fillRect/>
-          </a:stretch>
-        </p:blipFill>
-        <p:spPr>
-          <a:xfrm>
-            <a:off x="5776395" y="3042257"/>
-            <a:ext cx="3162435" cy="2616896"/>
-          </a:xfrm>
-          <a:prstGeom prst="rect">
-            <a:avLst/>
-          </a:prstGeom>
-        </p:spPr>
-      </p:pic>
-      <p:pic>
-        <p:nvPicPr>
-          <p:cNvPr id="11" name="Imagem 10">
-            <a:extLst>
-              <a:ext uri="{FF2B5EF4-FFF2-40B4-BE49-F238E27FC236}">
-                <a16:creationId xmlns:a16="http://schemas.microsoft.com/office/drawing/2014/main" id="{D1413A69-7077-7094-0BAF-AD4CDB6891BE}"/>
-              </a:ext>
-            </a:extLst>
-          </p:cNvPr>
-          <p:cNvPicPr>
-            <a:picLocks noChangeAspect="1"/>
-          </p:cNvPicPr>
-          <p:nvPr/>
-        </p:nvPicPr>
-        <p:blipFill>
-          <a:blip r:embed="rId7"/>
-          <a:stretch>
-            <a:fillRect/>
-          </a:stretch>
-        </p:blipFill>
-        <p:spPr>
-          <a:xfrm>
-            <a:off x="2875644" y="3099210"/>
-            <a:ext cx="2900751" cy="2502989"/>
-          </a:xfrm>
-          <a:prstGeom prst="rect">
-            <a:avLst/>
-          </a:prstGeom>
-        </p:spPr>
-      </p:pic>
     </p:spTree>
     <p:extLst>
       <p:ext uri="{BB962C8B-B14F-4D97-AF65-F5344CB8AC3E}">
-        <p14:creationId xmlns:p14="http://schemas.microsoft.com/office/powerpoint/2010/main" val="1084600439"/>
+        <p14:creationId xmlns:p14="http://schemas.microsoft.com/office/powerpoint/2010/main" val="1917091790"/>
       </p:ext>
     </p:extLst>
   </p:cSld>
@@ -4227,7 +4168,7 @@
         </p:nvSpPr>
         <p:spPr>
           <a:xfrm>
-            <a:off x="1580113" y="1339195"/>
+            <a:off x="1417743" y="942458"/>
             <a:ext cx="9144000" cy="852211"/>
           </a:xfrm>
         </p:spPr>
@@ -4262,13 +4203,13 @@
         </p:nvSpPr>
         <p:spPr>
           <a:xfrm>
-            <a:off x="1276865" y="2345670"/>
+            <a:off x="1220752" y="1920358"/>
             <a:ext cx="9750495" cy="1896681"/>
           </a:xfrm>
         </p:spPr>
         <p:txBody>
           <a:bodyPr>
-            <a:normAutofit lnSpcReduction="10000"/>
+            <a:normAutofit/>
           </a:bodyPr>
           <a:lstStyle/>
           <a:p>
@@ -4277,77 +4218,9 @@
               <a:buChar char="-"/>
             </a:pPr>
             <a:r>
-              <a:rPr lang="pt-BR" sz="2800" dirty="0" err="1"/>
-              <a:t>React</a:t>
-            </a:r>
-            <a:r>
               <a:rPr lang="pt-BR" sz="2800" dirty="0"/>
-              <a:t> em </a:t>
-            </a:r>
-            <a:r>
-              <a:rPr lang="pt-BR" sz="2800" dirty="0" err="1"/>
-              <a:t>Typescript</a:t>
-            </a:r>
-            <a:r>
-              <a:rPr lang="pt-BR" sz="2800" dirty="0"/>
-              <a:t> para o front-</a:t>
-            </a:r>
-            <a:r>
-              <a:rPr lang="pt-BR" sz="2800" dirty="0" err="1"/>
-              <a:t>end</a:t>
-            </a:r>
-            <a:endParaRPr lang="pt-BR" sz="2800" dirty="0"/>
-          </a:p>
-          <a:p>
-            <a:pPr marL="457200" indent="-457200" algn="l">
-              <a:buFontTx/>
-              <a:buChar char="-"/>
-            </a:pPr>
-            <a:r>
-              <a:rPr lang="pt-BR" sz="2800" dirty="0"/>
-              <a:t>Back-</a:t>
-            </a:r>
-            <a:r>
-              <a:rPr lang="pt-BR" sz="2800" dirty="0" err="1"/>
-              <a:t>end</a:t>
-            </a:r>
-            <a:r>
-              <a:rPr lang="pt-BR" sz="2800" dirty="0"/>
-              <a:t>  </a:t>
-            </a:r>
-            <a:r>
-              <a:rPr lang="pt-BR" sz="2800" dirty="0" err="1"/>
-              <a:t>nodejs</a:t>
-            </a:r>
-            <a:r>
-              <a:rPr lang="pt-BR" sz="2800" dirty="0"/>
-              <a:t> </a:t>
-            </a:r>
-          </a:p>
-          <a:p>
-            <a:pPr marL="457200" indent="-457200" algn="l">
-              <a:buFontTx/>
-              <a:buChar char="-"/>
-            </a:pPr>
-            <a:r>
-              <a:rPr lang="pt-BR" sz="2800" dirty="0"/>
-              <a:t>Banco de dados MySql</a:t>
-            </a:r>
-          </a:p>
-          <a:p>
-            <a:pPr marL="457200" indent="-457200" algn="l">
-              <a:buFontTx/>
-              <a:buChar char="-"/>
-            </a:pPr>
-            <a:r>
-              <a:rPr lang="pt-BR" sz="2800" dirty="0"/>
-              <a:t>Comunicação com </a:t>
-            </a:r>
-            <a:r>
-              <a:rPr lang="pt-BR" sz="2800" dirty="0" err="1"/>
-              <a:t>socketIO</a:t>
-            </a:r>
-            <a:endParaRPr lang="pt-BR" sz="2800" dirty="0"/>
+              <a:t>Diagrama de Classe</a:t>
+            </a:r>
           </a:p>
         </p:txBody>
       </p:sp>
@@ -4426,15 +4299,15 @@
       </p:pic>
       <p:pic>
         <p:nvPicPr>
-          <p:cNvPr id="2052" name="Picture 4" descr="Como criar e configurar um servidor Nodejs">
-            <a:extLst>
-              <a:ext uri="{FF2B5EF4-FFF2-40B4-BE49-F238E27FC236}">
-                <a16:creationId xmlns:a16="http://schemas.microsoft.com/office/drawing/2014/main" id="{08BB1752-B497-471B-A58B-9CB5D07115A3}"/>
+          <p:cNvPr id="6" name="Imagem 5" descr="Diagrama, Desenho técnico&#10;&#10;O conteúdo gerado por IA pode estar incorreto.">
+            <a:extLst>
+              <a:ext uri="{FF2B5EF4-FFF2-40B4-BE49-F238E27FC236}">
+                <a16:creationId xmlns:a16="http://schemas.microsoft.com/office/drawing/2014/main" id="{B550CFC9-D36F-B621-311A-377D52F54910}"/>
               </a:ext>
             </a:extLst>
           </p:cNvPr>
           <p:cNvPicPr>
-            <a:picLocks noChangeAspect="1" noChangeArrowheads="1"/>
+            <a:picLocks noChangeAspect="1"/>
           </p:cNvPicPr>
           <p:nvPr/>
         </p:nvPicPr>
@@ -4453,169 +4326,78 @@
         </p:blipFill>
         <p:spPr bwMode="auto">
           <a:xfrm>
-            <a:off x="5992442" y="4489929"/>
-            <a:ext cx="3431810" cy="1943799"/>
+            <a:off x="5798459" y="1794668"/>
+            <a:ext cx="4823105" cy="4755586"/>
           </a:xfrm>
           <a:prstGeom prst="rect">
             <a:avLst/>
           </a:prstGeom>
           <a:noFill/>
-          <a:extLst>
-            <a:ext uri="{909E8E84-426E-40DD-AFC4-6F175D3DCCD1}">
-              <a14:hiddenFill xmlns:a14="http://schemas.microsoft.com/office/drawing/2010/main">
-                <a:solidFill>
-                  <a:srgbClr val="FFFFFF"/>
-                </a:solidFill>
-              </a14:hiddenFill>
-            </a:ext>
-          </a:extLst>
+          <a:ln>
+            <a:noFill/>
+          </a:ln>
         </p:spPr>
       </p:pic>
-      <p:pic>
-        <p:nvPicPr>
-          <p:cNvPr id="2054" name="Picture 6" descr="React adesivo sticker">
-            <a:extLst>
-              <a:ext uri="{FF2B5EF4-FFF2-40B4-BE49-F238E27FC236}">
-                <a16:creationId xmlns:a16="http://schemas.microsoft.com/office/drawing/2014/main" id="{CE6CE7CE-777F-4441-884A-F6970DBF3AFF}"/>
-              </a:ext>
-            </a:extLst>
-          </p:cNvPr>
-          <p:cNvPicPr>
-            <a:picLocks noChangeAspect="1" noChangeArrowheads="1"/>
-          </p:cNvPicPr>
+      <p:sp>
+        <p:nvSpPr>
+          <p:cNvPr id="8" name="CaixaDeTexto 7">
+            <a:extLst>
+              <a:ext uri="{FF2B5EF4-FFF2-40B4-BE49-F238E27FC236}">
+                <a16:creationId xmlns:a16="http://schemas.microsoft.com/office/drawing/2014/main" id="{726E5CC1-EEC2-CA63-0847-2348B81DF330}"/>
+              </a:ext>
+            </a:extLst>
+          </p:cNvPr>
+          <p:cNvSpPr txBox="1"/>
           <p:nvPr/>
-        </p:nvPicPr>
-        <p:blipFill>
-          <a:blip r:embed="rId5">
-            <a:extLst>
-              <a:ext uri="{28A0092B-C50C-407E-A947-70E740481C1C}">
-                <a14:useLocalDpi xmlns:a14="http://schemas.microsoft.com/office/drawing/2010/main" val="0"/>
-              </a:ext>
-            </a:extLst>
-          </a:blip>
-          <a:srcRect/>
-          <a:stretch>
-            <a:fillRect/>
-          </a:stretch>
-        </p:blipFill>
-        <p:spPr bwMode="auto">
-          <a:xfrm>
-            <a:off x="3855247" y="4396615"/>
-            <a:ext cx="2137195" cy="2137195"/>
+        </p:nvSpPr>
+        <p:spPr>
+          <a:xfrm>
+            <a:off x="5716827" y="6537443"/>
+            <a:ext cx="6097424" cy="276999"/>
           </a:xfrm>
           <a:prstGeom prst="rect">
             <a:avLst/>
           </a:prstGeom>
           <a:noFill/>
-          <a:extLst>
-            <a:ext uri="{909E8E84-426E-40DD-AFC4-6F175D3DCCD1}">
-              <a14:hiddenFill xmlns:a14="http://schemas.microsoft.com/office/drawing/2010/main">
-                <a:solidFill>
-                  <a:srgbClr val="FFFFFF"/>
-                </a:solidFill>
-              </a14:hiddenFill>
-            </a:ext>
-          </a:extLst>
-        </p:spPr>
-      </p:pic>
-      <p:pic>
-        <p:nvPicPr>
-          <p:cNvPr id="2056" name="Picture 8" descr="O que é o MySQL? | OVHcloud Portugal">
-            <a:extLst>
-              <a:ext uri="{FF2B5EF4-FFF2-40B4-BE49-F238E27FC236}">
-                <a16:creationId xmlns:a16="http://schemas.microsoft.com/office/drawing/2014/main" id="{04805C8F-9653-4549-A79D-2C6A344034D9}"/>
-              </a:ext>
-            </a:extLst>
-          </p:cNvPr>
-          <p:cNvPicPr>
-            <a:picLocks noChangeAspect="1" noChangeArrowheads="1"/>
-          </p:cNvPicPr>
-          <p:nvPr/>
-        </p:nvPicPr>
-        <p:blipFill>
-          <a:blip r:embed="rId6">
-            <a:extLst>
-              <a:ext uri="{28A0092B-C50C-407E-A947-70E740481C1C}">
-                <a14:useLocalDpi xmlns:a14="http://schemas.microsoft.com/office/drawing/2010/main" val="0"/>
-              </a:ext>
-            </a:extLst>
-          </a:blip>
-          <a:srcRect/>
-          <a:stretch>
-            <a:fillRect/>
-          </a:stretch>
-        </p:blipFill>
-        <p:spPr bwMode="auto">
-          <a:xfrm>
-            <a:off x="734938" y="4715902"/>
-            <a:ext cx="2505051" cy="1073593"/>
-          </a:xfrm>
-          <a:prstGeom prst="rect">
-            <a:avLst/>
-          </a:prstGeom>
-          <a:noFill/>
-          <a:extLst>
-            <a:ext uri="{909E8E84-426E-40DD-AFC4-6F175D3DCCD1}">
-              <a14:hiddenFill xmlns:a14="http://schemas.microsoft.com/office/drawing/2010/main">
-                <a:solidFill>
-                  <a:srgbClr val="FFFFFF"/>
-                </a:solidFill>
-              </a14:hiddenFill>
-            </a:ext>
-          </a:extLst>
-        </p:spPr>
-      </p:pic>
-      <p:pic>
-        <p:nvPicPr>
-          <p:cNvPr id="6" name="Picture 4" descr="What's new in SocketIO 4?">
-            <a:extLst>
-              <a:ext uri="{FF2B5EF4-FFF2-40B4-BE49-F238E27FC236}">
-                <a16:creationId xmlns:a16="http://schemas.microsoft.com/office/drawing/2014/main" id="{3891E9E6-EF9A-72D5-B20A-BD05D125CDEC}"/>
-              </a:ext>
-            </a:extLst>
-          </p:cNvPr>
-          <p:cNvPicPr>
-            <a:picLocks noChangeAspect="1" noChangeArrowheads="1"/>
-          </p:cNvPicPr>
-          <p:nvPr/>
-        </p:nvPicPr>
-        <p:blipFill>
-          <a:blip r:embed="rId7">
-            <a:extLst>
-              <a:ext uri="{28A0092B-C50C-407E-A947-70E740481C1C}">
-                <a14:useLocalDpi xmlns:a14="http://schemas.microsoft.com/office/drawing/2010/main" val="0"/>
-              </a:ext>
-            </a:extLst>
-          </a:blip>
-          <a:srcRect/>
-          <a:stretch>
-            <a:fillRect/>
-          </a:stretch>
-        </p:blipFill>
-        <p:spPr bwMode="auto">
-          <a:xfrm>
-            <a:off x="8988417" y="4788052"/>
-            <a:ext cx="2767748" cy="1298823"/>
-          </a:xfrm>
-          <a:prstGeom prst="rect">
-            <a:avLst/>
-          </a:prstGeom>
-          <a:noFill/>
-          <a:extLst>
-            <a:ext uri="{909E8E84-426E-40DD-AFC4-6F175D3DCCD1}">
-              <a14:hiddenFill xmlns:a14="http://schemas.microsoft.com/office/drawing/2010/main">
-                <a:solidFill>
-                  <a:srgbClr val="FFFFFF"/>
-                </a:solidFill>
-              </a14:hiddenFill>
-            </a:ext>
-          </a:extLst>
-        </p:spPr>
-      </p:pic>
+        </p:spPr>
+        <p:txBody>
+          <a:bodyPr wrap="square">
+            <a:spAutoFit/>
+          </a:bodyPr>
+          <a:lstStyle/>
+          <a:p>
+            <a:pPr algn="just"/>
+            <a:r>
+              <a:rPr lang="pt-BR" sz="1200" dirty="0">
+                <a:effectLst/>
+                <a:latin typeface="Arial" panose="020B0604020202020204" pitchFamily="34" charset="0"/>
+                <a:ea typeface="Calibri" panose="020F0502020204030204" pitchFamily="34" charset="0"/>
+                <a:cs typeface="Times New Roman" panose="02020603050405020304" pitchFamily="18" charset="0"/>
+              </a:rPr>
+              <a:t>Fonte: Elaborado pelo autor com </a:t>
+            </a:r>
+            <a:r>
+              <a:rPr lang="pt-BR" sz="1200" dirty="0" err="1">
+                <a:effectLst/>
+                <a:latin typeface="Arial" panose="020B0604020202020204" pitchFamily="34" charset="0"/>
+                <a:ea typeface="Calibri" panose="020F0502020204030204" pitchFamily="34" charset="0"/>
+                <a:cs typeface="Times New Roman" panose="02020603050405020304" pitchFamily="18" charset="0"/>
+              </a:rPr>
+              <a:t>PlantUML</a:t>
+            </a:r>
+            <a:endParaRPr lang="pt-BR" sz="1200" dirty="0">
+              <a:effectLst/>
+              <a:latin typeface="Calibri" panose="020F0502020204030204" pitchFamily="34" charset="0"/>
+              <a:ea typeface="Calibri" panose="020F0502020204030204" pitchFamily="34" charset="0"/>
+              <a:cs typeface="Times New Roman" panose="02020603050405020304" pitchFamily="18" charset="0"/>
+            </a:endParaRPr>
+          </a:p>
+        </p:txBody>
+      </p:sp>
     </p:spTree>
     <p:extLst>
       <p:ext uri="{BB962C8B-B14F-4D97-AF65-F5344CB8AC3E}">
-        <p14:creationId xmlns:p14="http://schemas.microsoft.com/office/powerpoint/2010/main" val="580873634"/>
+        <p14:creationId xmlns:p14="http://schemas.microsoft.com/office/powerpoint/2010/main" val="686589215"/>
       </p:ext>
     </p:extLst>
   </p:cSld>
@@ -4660,7 +4442,7 @@
         </p:nvSpPr>
         <p:spPr>
           <a:xfrm>
-            <a:off x="1580113" y="1339195"/>
+            <a:off x="1580112" y="942458"/>
             <a:ext cx="9144000" cy="852211"/>
           </a:xfrm>
         </p:spPr>
@@ -4672,7 +4454,7 @@
           <a:p>
             <a:r>
               <a:rPr lang="pt-BR" sz="4800" dirty="0"/>
-              <a:t>DESENVOLVIMENTO / RESULTADOS</a:t>
+              <a:t>DESENVOLVIMENTO</a:t>
             </a:r>
           </a:p>
         </p:txBody>
@@ -4695,8 +4477,8 @@
         </p:nvSpPr>
         <p:spPr>
           <a:xfrm>
-            <a:off x="729934" y="2345670"/>
-            <a:ext cx="9750495" cy="2969814"/>
+            <a:off x="680756" y="1766513"/>
+            <a:ext cx="9750495" cy="696632"/>
           </a:xfrm>
         </p:spPr>
         <p:txBody>
@@ -4711,40 +4493,8 @@
             </a:pPr>
             <a:r>
               <a:rPr lang="pt-BR" sz="2800" dirty="0"/>
-              <a:t>Gamificação na plataforma</a:t>
-            </a:r>
-          </a:p>
-          <a:p>
-            <a:pPr algn="l"/>
-            <a:r>
-              <a:rPr lang="pt-BR" sz="2800" dirty="0"/>
-              <a:t>	- Sistema de níveis</a:t>
-            </a:r>
-          </a:p>
-          <a:p>
-            <a:pPr algn="l"/>
-            <a:r>
-              <a:rPr lang="pt-BR" sz="2800" dirty="0"/>
-              <a:t>	- Sistema de ranking</a:t>
-            </a:r>
-          </a:p>
-          <a:p>
-            <a:pPr algn="l"/>
-            <a:r>
-              <a:rPr lang="pt-BR" sz="2800" dirty="0"/>
-              <a:t>	- Sistema de modo online</a:t>
-            </a:r>
-          </a:p>
-          <a:p>
-            <a:pPr algn="l"/>
-            <a:r>
-              <a:rPr lang="pt-BR" sz="2800" dirty="0"/>
-              <a:t>	- Sistema de elos</a:t>
-            </a:r>
-          </a:p>
-          <a:p>
-            <a:pPr algn="l"/>
-            <a:endParaRPr lang="pt-BR" sz="2800" dirty="0"/>
+              <a:t>Diagramas de Caso de Uso</a:t>
+            </a:r>
           </a:p>
         </p:txBody>
       </p:sp>
@@ -4823,10 +4573,10 @@
       </p:pic>
       <p:pic>
         <p:nvPicPr>
-          <p:cNvPr id="7" name="Imagem 6">
-            <a:extLst>
-              <a:ext uri="{FF2B5EF4-FFF2-40B4-BE49-F238E27FC236}">
-                <a16:creationId xmlns:a16="http://schemas.microsoft.com/office/drawing/2014/main" id="{AA5F8965-BC7D-F142-E5C3-4D6DD5A1E2C5}"/>
+          <p:cNvPr id="6" name="Imagem 5" descr="Gráfico, Diagrama, Gráfico de bolhas&#10;&#10;O conteúdo gerado por IA pode estar incorreto.">
+            <a:extLst>
+              <a:ext uri="{FF2B5EF4-FFF2-40B4-BE49-F238E27FC236}">
+                <a16:creationId xmlns:a16="http://schemas.microsoft.com/office/drawing/2014/main" id="{EF4226C0-624E-EC78-CD63-CA5E34E06278}"/>
               </a:ext>
             </a:extLst>
           </p:cNvPr>
@@ -4843,8 +4593,8 @@
         </p:blipFill>
         <p:spPr>
           <a:xfrm>
-            <a:off x="6298729" y="2363741"/>
-            <a:ext cx="2897733" cy="3447711"/>
+            <a:off x="1187865" y="2442869"/>
+            <a:ext cx="4964247" cy="4078727"/>
           </a:xfrm>
           <a:prstGeom prst="rect">
             <a:avLst/>
@@ -4853,10 +4603,10 @@
       </p:pic>
       <p:pic>
         <p:nvPicPr>
-          <p:cNvPr id="9" name="Imagem 8">
-            <a:extLst>
-              <a:ext uri="{FF2B5EF4-FFF2-40B4-BE49-F238E27FC236}">
-                <a16:creationId xmlns:a16="http://schemas.microsoft.com/office/drawing/2014/main" id="{908862AE-8C22-3188-C1B2-ECEC6B6D5643}"/>
+          <p:cNvPr id="11" name="Imagem 10">
+            <a:extLst>
+              <a:ext uri="{FF2B5EF4-FFF2-40B4-BE49-F238E27FC236}">
+                <a16:creationId xmlns:a16="http://schemas.microsoft.com/office/drawing/2014/main" id="{D1413A69-7077-7094-0BAF-AD4CDB6891BE}"/>
               </a:ext>
             </a:extLst>
           </p:cNvPr>
@@ -4873,8 +4623,8 @@
         </p:blipFill>
         <p:spPr>
           <a:xfrm>
-            <a:off x="9338236" y="2390630"/>
-            <a:ext cx="2591162" cy="1038370"/>
+            <a:off x="6659221" y="2287936"/>
+            <a:ext cx="4964247" cy="4283531"/>
           </a:xfrm>
           <a:prstGeom prst="rect">
             <a:avLst/>
@@ -4884,7 +4634,7 @@
     </p:spTree>
     <p:extLst>
       <p:ext uri="{BB962C8B-B14F-4D97-AF65-F5344CB8AC3E}">
-        <p14:creationId xmlns:p14="http://schemas.microsoft.com/office/powerpoint/2010/main" val="541942102"/>
+        <p14:creationId xmlns:p14="http://schemas.microsoft.com/office/powerpoint/2010/main" val="1084600439"/>
       </p:ext>
     </p:extLst>
   </p:cSld>
@@ -4899,7 +4649,13 @@
   <p:cSld>
     <p:spTree>
       <p:nvGrpSpPr>
-        <p:cNvPr id="1" name=""/>
+        <p:cNvPr id="1" name="">
+          <a:extLst>
+            <a:ext uri="{FF2B5EF4-FFF2-40B4-BE49-F238E27FC236}">
+              <a16:creationId xmlns:a16="http://schemas.microsoft.com/office/drawing/2014/main" id="{158DF9D0-4270-E14B-EA02-3189CF1BC0F1}"/>
+            </a:ext>
+          </a:extLst>
+        </p:cNvPr>
         <p:cNvGrpSpPr/>
         <p:nvPr/>
       </p:nvGrpSpPr>
@@ -4916,7 +4672,7 @@
           <p:cNvPr id="2" name="Título 1">
             <a:extLst>
               <a:ext uri="{FF2B5EF4-FFF2-40B4-BE49-F238E27FC236}">
-                <a16:creationId xmlns:a16="http://schemas.microsoft.com/office/drawing/2014/main" id="{5E447ACB-E7DF-4BBE-AC44-A1AC9F22CAC8}"/>
+                <a16:creationId xmlns:a16="http://schemas.microsoft.com/office/drawing/2014/main" id="{99DD4DF6-0716-E63E-71E6-75F67311777A}"/>
               </a:ext>
             </a:extLst>
           </p:cNvPr>
@@ -4929,7 +4685,7 @@
         </p:nvSpPr>
         <p:spPr>
           <a:xfrm>
-            <a:off x="1524000" y="1120679"/>
+            <a:off x="1580112" y="942458"/>
             <a:ext cx="9144000" cy="852211"/>
           </a:xfrm>
         </p:spPr>
@@ -4941,7 +4697,7 @@
           <a:p>
             <a:r>
               <a:rPr lang="pt-BR" sz="4800" dirty="0"/>
-              <a:t>DESENVOLVIMENTO / RESULTADOS</a:t>
+              <a:t>DESENVOLVIMENTO</a:t>
             </a:r>
           </a:p>
         </p:txBody>
@@ -4951,7 +4707,7 @@
           <p:cNvPr id="3" name="Subtítulo 2">
             <a:extLst>
               <a:ext uri="{FF2B5EF4-FFF2-40B4-BE49-F238E27FC236}">
-                <a16:creationId xmlns:a16="http://schemas.microsoft.com/office/drawing/2014/main" id="{D925F25B-ABDD-439F-B7AE-9A79A3FDC1CE}"/>
+                <a16:creationId xmlns:a16="http://schemas.microsoft.com/office/drawing/2014/main" id="{A0FC7E30-115A-4DEA-7820-4750948A6AD0}"/>
               </a:ext>
             </a:extLst>
           </p:cNvPr>
@@ -4964,8 +4720,8 @@
         </p:nvSpPr>
         <p:spPr>
           <a:xfrm>
-            <a:off x="301935" y="2006425"/>
-            <a:ext cx="9750495" cy="540868"/>
+            <a:off x="891793" y="1833464"/>
+            <a:ext cx="9750495" cy="696632"/>
           </a:xfrm>
         </p:spPr>
         <p:txBody>
@@ -4980,12 +4736,8 @@
             </a:pPr>
             <a:r>
               <a:rPr lang="pt-BR" sz="2800" dirty="0"/>
-              <a:t>Sistema de elos</a:t>
-            </a:r>
-          </a:p>
-          <a:p>
-            <a:pPr algn="l"/>
-            <a:endParaRPr lang="pt-BR" sz="2800" dirty="0"/>
+              <a:t>Diagramas de Caso de Uso</a:t>
+            </a:r>
           </a:p>
         </p:txBody>
       </p:sp>
@@ -4994,7 +4746,7 @@
           <p:cNvPr id="4" name="Imagem 3">
             <a:extLst>
               <a:ext uri="{FF2B5EF4-FFF2-40B4-BE49-F238E27FC236}">
-                <a16:creationId xmlns:a16="http://schemas.microsoft.com/office/drawing/2014/main" id="{4DE49855-8442-4D60-81FD-DFE2DB045AC2}"/>
+                <a16:creationId xmlns:a16="http://schemas.microsoft.com/office/drawing/2014/main" id="{08BE3665-8B1F-BF4E-0EBC-87FC0C295C03}"/>
               </a:ext>
             </a:extLst>
           </p:cNvPr>
@@ -5033,7 +4785,7 @@
           <p:cNvPr id="5" name="Imagem 4">
             <a:extLst>
               <a:ext uri="{FF2B5EF4-FFF2-40B4-BE49-F238E27FC236}">
-                <a16:creationId xmlns:a16="http://schemas.microsoft.com/office/drawing/2014/main" id="{00EB44F1-66E6-49A0-94D9-09FA009430BD}"/>
+                <a16:creationId xmlns:a16="http://schemas.microsoft.com/office/drawing/2014/main" id="{1F9B3220-5CF8-2760-15B0-3EFF0417D1E0}"/>
               </a:ext>
             </a:extLst>
           </p:cNvPr>
@@ -5064,10 +4816,10 @@
       </p:pic>
       <p:pic>
         <p:nvPicPr>
-          <p:cNvPr id="7" name="Imagem 6" descr="Forma, Polígono&#10;&#10;O conteúdo gerado por IA pode estar incorreto.">
-            <a:extLst>
-              <a:ext uri="{FF2B5EF4-FFF2-40B4-BE49-F238E27FC236}">
-                <a16:creationId xmlns:a16="http://schemas.microsoft.com/office/drawing/2014/main" id="{B84E8023-3A70-574E-B2D2-931FC3EA51D5}"/>
+          <p:cNvPr id="8" name="Imagem 7">
+            <a:extLst>
+              <a:ext uri="{FF2B5EF4-FFF2-40B4-BE49-F238E27FC236}">
+                <a16:creationId xmlns:a16="http://schemas.microsoft.com/office/drawing/2014/main" id="{CF4DB96C-4279-4852-F5EB-C058AEBB3C6F}"/>
               </a:ext>
             </a:extLst>
           </p:cNvPr>
@@ -5084,14 +4836,46 @@
               </a:ext>
             </a:extLst>
           </a:blip>
+          <a:srcRect/>
           <a:stretch>
             <a:fillRect/>
           </a:stretch>
         </p:blipFill>
-        <p:spPr>
-          <a:xfrm>
-            <a:off x="2266899" y="2443839"/>
-            <a:ext cx="7482994" cy="4207130"/>
+        <p:spPr bwMode="auto">
+          <a:xfrm>
+            <a:off x="6323028" y="2446643"/>
+            <a:ext cx="5023610" cy="3898650"/>
+          </a:xfrm>
+          <a:prstGeom prst="rect">
+            <a:avLst/>
+          </a:prstGeom>
+          <a:noFill/>
+        </p:spPr>
+      </p:pic>
+      <p:pic>
+        <p:nvPicPr>
+          <p:cNvPr id="9" name="Imagem 8" descr="Gráfico, Gráfico de bolhas&#10;&#10;O conteúdo gerado por IA pode estar incorreto.">
+            <a:extLst>
+              <a:ext uri="{FF2B5EF4-FFF2-40B4-BE49-F238E27FC236}">
+                <a16:creationId xmlns:a16="http://schemas.microsoft.com/office/drawing/2014/main" id="{1E05BC3F-3755-9D57-D042-F6EA44627C0D}"/>
+              </a:ext>
+            </a:extLst>
+          </p:cNvPr>
+          <p:cNvPicPr>
+            <a:picLocks noChangeAspect="1"/>
+          </p:cNvPicPr>
+          <p:nvPr/>
+        </p:nvPicPr>
+        <p:blipFill>
+          <a:blip r:embed="rId5"/>
+          <a:stretch>
+            <a:fillRect/>
+          </a:stretch>
+        </p:blipFill>
+        <p:spPr>
+          <a:xfrm>
+            <a:off x="770101" y="2446643"/>
+            <a:ext cx="4878670" cy="4037070"/>
           </a:xfrm>
           <a:prstGeom prst="rect">
             <a:avLst/>
@@ -5101,7 +4885,7 @@
     </p:spTree>
     <p:extLst>
       <p:ext uri="{BB962C8B-B14F-4D97-AF65-F5344CB8AC3E}">
-        <p14:creationId xmlns:p14="http://schemas.microsoft.com/office/powerpoint/2010/main" val="2689894874"/>
+        <p14:creationId xmlns:p14="http://schemas.microsoft.com/office/powerpoint/2010/main" val="4153711746"/>
       </p:ext>
     </p:extLst>
   </p:cSld>
@@ -5158,7 +4942,7 @@
           <a:p>
             <a:r>
               <a:rPr lang="pt-BR" sz="4800" dirty="0"/>
-              <a:t>DESENVOLVIMENTO / RESULTADOS</a:t>
+              <a:t>DESENVOLVIMENTO</a:t>
             </a:r>
           </a:p>
         </p:txBody>
@@ -5187,7 +4971,7 @@
         </p:spPr>
         <p:txBody>
           <a:bodyPr>
-            <a:normAutofit/>
+            <a:normAutofit lnSpcReduction="10000"/>
           </a:bodyPr>
           <a:lstStyle/>
           <a:p>
@@ -5196,12 +4980,76 @@
               <a:buChar char="-"/>
             </a:pPr>
             <a:r>
+              <a:rPr lang="pt-BR" sz="2800" dirty="0" err="1"/>
+              <a:t>React</a:t>
+            </a:r>
+            <a:r>
               <a:rPr lang="pt-BR" sz="2800" dirty="0"/>
-              <a:t>Sistema de salas (offline)</a:t>
-            </a:r>
-          </a:p>
-          <a:p>
-            <a:pPr algn="l"/>
+              <a:t> em </a:t>
+            </a:r>
+            <a:r>
+              <a:rPr lang="pt-BR" sz="2800" dirty="0" err="1"/>
+              <a:t>Typescript</a:t>
+            </a:r>
+            <a:r>
+              <a:rPr lang="pt-BR" sz="2800" dirty="0"/>
+              <a:t> para o front-</a:t>
+            </a:r>
+            <a:r>
+              <a:rPr lang="pt-BR" sz="2800" dirty="0" err="1"/>
+              <a:t>end</a:t>
+            </a:r>
+            <a:endParaRPr lang="pt-BR" sz="2800" dirty="0"/>
+          </a:p>
+          <a:p>
+            <a:pPr marL="457200" indent="-457200" algn="l">
+              <a:buFontTx/>
+              <a:buChar char="-"/>
+            </a:pPr>
+            <a:r>
+              <a:rPr lang="pt-BR" sz="2800" dirty="0"/>
+              <a:t>Back-</a:t>
+            </a:r>
+            <a:r>
+              <a:rPr lang="pt-BR" sz="2800" dirty="0" err="1"/>
+              <a:t>end</a:t>
+            </a:r>
+            <a:r>
+              <a:rPr lang="pt-BR" sz="2800" dirty="0"/>
+              <a:t>  </a:t>
+            </a:r>
+            <a:r>
+              <a:rPr lang="pt-BR" sz="2800" dirty="0" err="1"/>
+              <a:t>nodejs</a:t>
+            </a:r>
+            <a:r>
+              <a:rPr lang="pt-BR" sz="2800" dirty="0"/>
+              <a:t> </a:t>
+            </a:r>
+          </a:p>
+          <a:p>
+            <a:pPr marL="457200" indent="-457200" algn="l">
+              <a:buFontTx/>
+              <a:buChar char="-"/>
+            </a:pPr>
+            <a:r>
+              <a:rPr lang="pt-BR" sz="2800" dirty="0"/>
+              <a:t>Banco de dados MySql</a:t>
+            </a:r>
+          </a:p>
+          <a:p>
+            <a:pPr marL="457200" indent="-457200" algn="l">
+              <a:buFontTx/>
+              <a:buChar char="-"/>
+            </a:pPr>
+            <a:r>
+              <a:rPr lang="pt-BR" sz="2800" dirty="0"/>
+              <a:t>Comunicação com </a:t>
+            </a:r>
+            <a:r>
+              <a:rPr lang="pt-BR" sz="2800" dirty="0" err="1"/>
+              <a:t>socketIO</a:t>
+            </a:r>
             <a:endParaRPr lang="pt-BR" sz="2800" dirty="0"/>
           </a:p>
         </p:txBody>
@@ -5281,70 +5129,10 @@
       </p:pic>
       <p:pic>
         <p:nvPicPr>
-          <p:cNvPr id="7" name="Imagem 6">
-            <a:extLst>
-              <a:ext uri="{FF2B5EF4-FFF2-40B4-BE49-F238E27FC236}">
-                <a16:creationId xmlns:a16="http://schemas.microsoft.com/office/drawing/2014/main" id="{5E41090B-8C68-8B19-E122-8F014F26238B}"/>
-              </a:ext>
-            </a:extLst>
-          </p:cNvPr>
-          <p:cNvPicPr>
-            <a:picLocks noChangeAspect="1"/>
-          </p:cNvPicPr>
-          <p:nvPr/>
-        </p:nvPicPr>
-        <p:blipFill>
-          <a:blip r:embed="rId4"/>
-          <a:stretch>
-            <a:fillRect/>
-          </a:stretch>
-        </p:blipFill>
-        <p:spPr>
-          <a:xfrm>
-            <a:off x="6207351" y="3026068"/>
-            <a:ext cx="5779433" cy="2953449"/>
-          </a:xfrm>
-          <a:prstGeom prst="rect">
-            <a:avLst/>
-          </a:prstGeom>
-        </p:spPr>
-      </p:pic>
-      <p:pic>
-        <p:nvPicPr>
-          <p:cNvPr id="9" name="Imagem 8">
-            <a:extLst>
-              <a:ext uri="{FF2B5EF4-FFF2-40B4-BE49-F238E27FC236}">
-                <a16:creationId xmlns:a16="http://schemas.microsoft.com/office/drawing/2014/main" id="{EBAF35C5-B46C-C58B-A08C-1B3130234E0A}"/>
-              </a:ext>
-            </a:extLst>
-          </p:cNvPr>
-          <p:cNvPicPr>
-            <a:picLocks noChangeAspect="1"/>
-          </p:cNvPicPr>
-          <p:nvPr/>
-        </p:nvPicPr>
-        <p:blipFill>
-          <a:blip r:embed="rId5"/>
-          <a:stretch>
-            <a:fillRect/>
-          </a:stretch>
-        </p:blipFill>
-        <p:spPr>
-          <a:xfrm>
-            <a:off x="429487" y="2977573"/>
-            <a:ext cx="5518396" cy="1785660"/>
-          </a:xfrm>
-          <a:prstGeom prst="rect">
-            <a:avLst/>
-          </a:prstGeom>
-        </p:spPr>
-      </p:pic>
-      <p:pic>
-        <p:nvPicPr>
-          <p:cNvPr id="1034" name="Picture 10" descr="15 melhores ideias de Thumbnail Youtube | thumbnail youtube, photoshop, no  photoshop">
-            <a:extLst>
-              <a:ext uri="{FF2B5EF4-FFF2-40B4-BE49-F238E27FC236}">
-                <a16:creationId xmlns:a16="http://schemas.microsoft.com/office/drawing/2014/main" id="{55CA89A2-4BC4-4610-CFE8-14DB08D355C9}"/>
+          <p:cNvPr id="2052" name="Picture 4" descr="Como criar e configurar um servidor Nodejs">
+            <a:extLst>
+              <a:ext uri="{FF2B5EF4-FFF2-40B4-BE49-F238E27FC236}">
+                <a16:creationId xmlns:a16="http://schemas.microsoft.com/office/drawing/2014/main" id="{08BB1752-B497-471B-A58B-9CB5D07115A3}"/>
               </a:ext>
             </a:extLst>
           </p:cNvPr>
@@ -5354,7 +5142,7 @@
           <p:nvPr/>
         </p:nvPicPr>
         <p:blipFill>
-          <a:blip r:embed="rId6">
+          <a:blip r:embed="rId4">
             <a:extLst>
               <a:ext uri="{28A0092B-C50C-407E-A947-70E740481C1C}">
                 <a14:useLocalDpi xmlns:a14="http://schemas.microsoft.com/office/drawing/2010/main" val="0"/>
@@ -5367,9 +5155,9 @@
           </a:stretch>
         </p:blipFill>
         <p:spPr bwMode="auto">
-          <a:xfrm flipV="1">
-            <a:off x="4119072" y="4874254"/>
-            <a:ext cx="1618004" cy="847711"/>
+          <a:xfrm>
+            <a:off x="5992442" y="4489929"/>
+            <a:ext cx="3431810" cy="1943799"/>
           </a:xfrm>
           <a:prstGeom prst="rect">
             <a:avLst/>
@@ -5386,10 +5174,151 @@
           </a:extLst>
         </p:spPr>
       </p:pic>
+      <p:pic>
+        <p:nvPicPr>
+          <p:cNvPr id="2054" name="Picture 6" descr="React adesivo sticker">
+            <a:extLst>
+              <a:ext uri="{FF2B5EF4-FFF2-40B4-BE49-F238E27FC236}">
+                <a16:creationId xmlns:a16="http://schemas.microsoft.com/office/drawing/2014/main" id="{CE6CE7CE-777F-4441-884A-F6970DBF3AFF}"/>
+              </a:ext>
+            </a:extLst>
+          </p:cNvPr>
+          <p:cNvPicPr>
+            <a:picLocks noChangeAspect="1" noChangeArrowheads="1"/>
+          </p:cNvPicPr>
+          <p:nvPr/>
+        </p:nvPicPr>
+        <p:blipFill>
+          <a:blip r:embed="rId5">
+            <a:extLst>
+              <a:ext uri="{28A0092B-C50C-407E-A947-70E740481C1C}">
+                <a14:useLocalDpi xmlns:a14="http://schemas.microsoft.com/office/drawing/2010/main" val="0"/>
+              </a:ext>
+            </a:extLst>
+          </a:blip>
+          <a:srcRect/>
+          <a:stretch>
+            <a:fillRect/>
+          </a:stretch>
+        </p:blipFill>
+        <p:spPr bwMode="auto">
+          <a:xfrm>
+            <a:off x="3855247" y="4396615"/>
+            <a:ext cx="2137195" cy="2137195"/>
+          </a:xfrm>
+          <a:prstGeom prst="rect">
+            <a:avLst/>
+          </a:prstGeom>
+          <a:noFill/>
+          <a:extLst>
+            <a:ext uri="{909E8E84-426E-40DD-AFC4-6F175D3DCCD1}">
+              <a14:hiddenFill xmlns:a14="http://schemas.microsoft.com/office/drawing/2010/main">
+                <a:solidFill>
+                  <a:srgbClr val="FFFFFF"/>
+                </a:solidFill>
+              </a14:hiddenFill>
+            </a:ext>
+          </a:extLst>
+        </p:spPr>
+      </p:pic>
+      <p:pic>
+        <p:nvPicPr>
+          <p:cNvPr id="2056" name="Picture 8" descr="O que é o MySQL? | OVHcloud Portugal">
+            <a:extLst>
+              <a:ext uri="{FF2B5EF4-FFF2-40B4-BE49-F238E27FC236}">
+                <a16:creationId xmlns:a16="http://schemas.microsoft.com/office/drawing/2014/main" id="{04805C8F-9653-4549-A79D-2C6A344034D9}"/>
+              </a:ext>
+            </a:extLst>
+          </p:cNvPr>
+          <p:cNvPicPr>
+            <a:picLocks noChangeAspect="1" noChangeArrowheads="1"/>
+          </p:cNvPicPr>
+          <p:nvPr/>
+        </p:nvPicPr>
+        <p:blipFill>
+          <a:blip r:embed="rId6">
+            <a:extLst>
+              <a:ext uri="{28A0092B-C50C-407E-A947-70E740481C1C}">
+                <a14:useLocalDpi xmlns:a14="http://schemas.microsoft.com/office/drawing/2010/main" val="0"/>
+              </a:ext>
+            </a:extLst>
+          </a:blip>
+          <a:srcRect/>
+          <a:stretch>
+            <a:fillRect/>
+          </a:stretch>
+        </p:blipFill>
+        <p:spPr bwMode="auto">
+          <a:xfrm>
+            <a:off x="734938" y="4715902"/>
+            <a:ext cx="2505051" cy="1073593"/>
+          </a:xfrm>
+          <a:prstGeom prst="rect">
+            <a:avLst/>
+          </a:prstGeom>
+          <a:noFill/>
+          <a:extLst>
+            <a:ext uri="{909E8E84-426E-40DD-AFC4-6F175D3DCCD1}">
+              <a14:hiddenFill xmlns:a14="http://schemas.microsoft.com/office/drawing/2010/main">
+                <a:solidFill>
+                  <a:srgbClr val="FFFFFF"/>
+                </a:solidFill>
+              </a14:hiddenFill>
+            </a:ext>
+          </a:extLst>
+        </p:spPr>
+      </p:pic>
+      <p:pic>
+        <p:nvPicPr>
+          <p:cNvPr id="6" name="Picture 4" descr="What's new in SocketIO 4?">
+            <a:extLst>
+              <a:ext uri="{FF2B5EF4-FFF2-40B4-BE49-F238E27FC236}">
+                <a16:creationId xmlns:a16="http://schemas.microsoft.com/office/drawing/2014/main" id="{3891E9E6-EF9A-72D5-B20A-BD05D125CDEC}"/>
+              </a:ext>
+            </a:extLst>
+          </p:cNvPr>
+          <p:cNvPicPr>
+            <a:picLocks noChangeAspect="1" noChangeArrowheads="1"/>
+          </p:cNvPicPr>
+          <p:nvPr/>
+        </p:nvPicPr>
+        <p:blipFill>
+          <a:blip r:embed="rId7">
+            <a:extLst>
+              <a:ext uri="{28A0092B-C50C-407E-A947-70E740481C1C}">
+                <a14:useLocalDpi xmlns:a14="http://schemas.microsoft.com/office/drawing/2010/main" val="0"/>
+              </a:ext>
+            </a:extLst>
+          </a:blip>
+          <a:srcRect/>
+          <a:stretch>
+            <a:fillRect/>
+          </a:stretch>
+        </p:blipFill>
+        <p:spPr bwMode="auto">
+          <a:xfrm>
+            <a:off x="8988417" y="4788052"/>
+            <a:ext cx="2767748" cy="1298823"/>
+          </a:xfrm>
+          <a:prstGeom prst="rect">
+            <a:avLst/>
+          </a:prstGeom>
+          <a:noFill/>
+          <a:extLst>
+            <a:ext uri="{909E8E84-426E-40DD-AFC4-6F175D3DCCD1}">
+              <a14:hiddenFill xmlns:a14="http://schemas.microsoft.com/office/drawing/2010/main">
+                <a:solidFill>
+                  <a:srgbClr val="FFFFFF"/>
+                </a:solidFill>
+              </a14:hiddenFill>
+            </a:ext>
+          </a:extLst>
+        </p:spPr>
+      </p:pic>
     </p:spTree>
     <p:extLst>
       <p:ext uri="{BB962C8B-B14F-4D97-AF65-F5344CB8AC3E}">
-        <p14:creationId xmlns:p14="http://schemas.microsoft.com/office/powerpoint/2010/main" val="2841758471"/>
+        <p14:creationId xmlns:p14="http://schemas.microsoft.com/office/powerpoint/2010/main" val="580873634"/>
       </p:ext>
     </p:extLst>
   </p:cSld>
@@ -5469,8 +5398,8 @@
         </p:nvSpPr>
         <p:spPr>
           <a:xfrm>
-            <a:off x="1276865" y="2345670"/>
-            <a:ext cx="9750495" cy="1896681"/>
+            <a:off x="729934" y="2345670"/>
+            <a:ext cx="9750495" cy="2969814"/>
           </a:xfrm>
         </p:spPr>
         <p:txBody>
@@ -5485,7 +5414,35 @@
             </a:pPr>
             <a:r>
               <a:rPr lang="pt-BR" sz="2800" dirty="0"/>
-              <a:t>Sistema de salas (online)</a:t>
+              <a:t>Gamificação na plataforma</a:t>
+            </a:r>
+          </a:p>
+          <a:p>
+            <a:pPr algn="l"/>
+            <a:r>
+              <a:rPr lang="pt-BR" sz="2800" dirty="0"/>
+              <a:t>	- Sistema de níveis</a:t>
+            </a:r>
+          </a:p>
+          <a:p>
+            <a:pPr algn="l"/>
+            <a:r>
+              <a:rPr lang="pt-BR" sz="2800" dirty="0"/>
+              <a:t>	- Sistema de ranking</a:t>
+            </a:r>
+          </a:p>
+          <a:p>
+            <a:pPr algn="l"/>
+            <a:r>
+              <a:rPr lang="pt-BR" sz="2800" dirty="0"/>
+              <a:t>	- Sistema de modo online</a:t>
+            </a:r>
+          </a:p>
+          <a:p>
+            <a:pPr algn="l"/>
+            <a:r>
+              <a:rPr lang="pt-BR" sz="2800" dirty="0"/>
+              <a:t>	- Sistema de elos</a:t>
             </a:r>
           </a:p>
           <a:p>
@@ -5572,7 +5529,7 @@
           <p:cNvPr id="7" name="Imagem 6">
             <a:extLst>
               <a:ext uri="{FF2B5EF4-FFF2-40B4-BE49-F238E27FC236}">
-                <a16:creationId xmlns:a16="http://schemas.microsoft.com/office/drawing/2014/main" id="{889CAA86-2F84-A08E-E60D-7B87109B27D8}"/>
+                <a16:creationId xmlns:a16="http://schemas.microsoft.com/office/drawing/2014/main" id="{AA5F8965-BC7D-F142-E5C3-4D6DD5A1E2C5}"/>
               </a:ext>
             </a:extLst>
           </p:cNvPr>
@@ -5589,8 +5546,8 @@
         </p:blipFill>
         <p:spPr>
           <a:xfrm>
-            <a:off x="1212437" y="3059393"/>
-            <a:ext cx="2340780" cy="2065711"/>
+            <a:off x="6298729" y="2363741"/>
+            <a:ext cx="2897733" cy="3447711"/>
           </a:xfrm>
           <a:prstGeom prst="rect">
             <a:avLst/>
@@ -5599,57 +5556,10 @@
       </p:pic>
       <p:pic>
         <p:nvPicPr>
-          <p:cNvPr id="2052" name="Picture 4" descr="15 melhores ideias de Thumbnail Youtube | thumbnail youtube, photoshop, no  photoshop">
-            <a:extLst>
-              <a:ext uri="{FF2B5EF4-FFF2-40B4-BE49-F238E27FC236}">
-                <a16:creationId xmlns:a16="http://schemas.microsoft.com/office/drawing/2014/main" id="{841EB090-B6F1-FCF3-CFA4-5530B231E7F4}"/>
-              </a:ext>
-            </a:extLst>
-          </p:cNvPr>
-          <p:cNvPicPr>
-            <a:picLocks noChangeAspect="1" noChangeArrowheads="1"/>
-          </p:cNvPicPr>
-          <p:nvPr/>
-        </p:nvPicPr>
-        <p:blipFill>
-          <a:blip r:embed="rId5">
-            <a:extLst>
-              <a:ext uri="{28A0092B-C50C-407E-A947-70E740481C1C}">
-                <a14:useLocalDpi xmlns:a14="http://schemas.microsoft.com/office/drawing/2010/main" val="0"/>
-              </a:ext>
-            </a:extLst>
-          </a:blip>
-          <a:srcRect/>
-          <a:stretch>
-            <a:fillRect/>
-          </a:stretch>
-        </p:blipFill>
-        <p:spPr bwMode="auto">
-          <a:xfrm flipV="1">
-            <a:off x="2859363" y="5250724"/>
-            <a:ext cx="1846603" cy="1080666"/>
-          </a:xfrm>
-          <a:prstGeom prst="rect">
-            <a:avLst/>
-          </a:prstGeom>
-          <a:noFill/>
-          <a:extLst>
-            <a:ext uri="{909E8E84-426E-40DD-AFC4-6F175D3DCCD1}">
-              <a14:hiddenFill xmlns:a14="http://schemas.microsoft.com/office/drawing/2010/main">
-                <a:solidFill>
-                  <a:srgbClr val="FFFFFF"/>
-                </a:solidFill>
-              </a14:hiddenFill>
-            </a:ext>
-          </a:extLst>
-        </p:spPr>
-      </p:pic>
-      <p:pic>
-        <p:nvPicPr>
-          <p:cNvPr id="11" name="Imagem 10">
-            <a:extLst>
-              <a:ext uri="{FF2B5EF4-FFF2-40B4-BE49-F238E27FC236}">
-                <a16:creationId xmlns:a16="http://schemas.microsoft.com/office/drawing/2014/main" id="{661B5F1A-F41C-84FC-7200-C5148D52E426}"/>
+          <p:cNvPr id="9" name="Imagem 8">
+            <a:extLst>
+              <a:ext uri="{FF2B5EF4-FFF2-40B4-BE49-F238E27FC236}">
+                <a16:creationId xmlns:a16="http://schemas.microsoft.com/office/drawing/2014/main" id="{908862AE-8C22-3188-C1B2-ECEC6B6D5643}"/>
               </a:ext>
             </a:extLst>
           </p:cNvPr>
@@ -5659,15 +5569,15 @@
           <p:nvPr/>
         </p:nvPicPr>
         <p:blipFill>
-          <a:blip r:embed="rId6"/>
+          <a:blip r:embed="rId5"/>
           <a:stretch>
             <a:fillRect/>
           </a:stretch>
         </p:blipFill>
         <p:spPr>
           <a:xfrm>
-            <a:off x="4965106" y="2888477"/>
-            <a:ext cx="6831375" cy="3506402"/>
+            <a:off x="9338236" y="2390630"/>
+            <a:ext cx="2591162" cy="1038370"/>
           </a:xfrm>
           <a:prstGeom prst="rect">
             <a:avLst/>
@@ -5677,7 +5587,7 @@
     </p:spTree>
     <p:extLst>
       <p:ext uri="{BB962C8B-B14F-4D97-AF65-F5344CB8AC3E}">
-        <p14:creationId xmlns:p14="http://schemas.microsoft.com/office/powerpoint/2010/main" val="1958081894"/>
+        <p14:creationId xmlns:p14="http://schemas.microsoft.com/office/powerpoint/2010/main" val="541942102"/>
       </p:ext>
     </p:extLst>
   </p:cSld>
@@ -5722,7 +5632,7 @@
         </p:nvSpPr>
         <p:spPr>
           <a:xfrm>
-            <a:off x="1580113" y="2024615"/>
+            <a:off x="1524000" y="1120679"/>
             <a:ext cx="9144000" cy="852211"/>
           </a:xfrm>
         </p:spPr>
@@ -5734,7 +5644,7 @@
           <a:p>
             <a:r>
               <a:rPr lang="pt-BR" sz="4800" dirty="0"/>
-              <a:t>DISCUSSÃO</a:t>
+              <a:t>DESENVOLVIMENTO / RESULTADOS</a:t>
             </a:r>
           </a:p>
         </p:txBody>
@@ -5757,8 +5667,8 @@
         </p:nvSpPr>
         <p:spPr>
           <a:xfrm>
-            <a:off x="1580113" y="3139144"/>
-            <a:ext cx="9750495" cy="1896681"/>
+            <a:off x="301935" y="2006425"/>
+            <a:ext cx="9750495" cy="540868"/>
           </a:xfrm>
         </p:spPr>
         <p:txBody>
@@ -5772,19 +5682,13 @@
               <a:buChar char="-"/>
             </a:pPr>
             <a:r>
-              <a:rPr lang="pt-BR" sz="3200" dirty="0"/>
-              <a:t>COMPARAÇÃO DOS RESULTADOS COM A TEORIA</a:t>
-            </a:r>
-          </a:p>
-          <a:p>
-            <a:pPr marL="457200" indent="-457200" algn="l">
-              <a:buFontTx/>
-              <a:buChar char="-"/>
-            </a:pPr>
-            <a:r>
-              <a:rPr lang="pt-BR" sz="3200" dirty="0"/>
-              <a:t>O QUE FOI DESCOBERTO OU CONSTRUÍDO</a:t>
-            </a:r>
+              <a:rPr lang="pt-BR" sz="2800" dirty="0"/>
+              <a:t>Sistema de elos</a:t>
+            </a:r>
+          </a:p>
+          <a:p>
+            <a:pPr algn="l"/>
+            <a:endParaRPr lang="pt-BR" sz="2800" dirty="0"/>
           </a:p>
         </p:txBody>
       </p:sp>
@@ -5861,10 +5765,46 @@
           </a:prstGeom>
         </p:spPr>
       </p:pic>
+      <p:pic>
+        <p:nvPicPr>
+          <p:cNvPr id="7" name="Imagem 6" descr="Forma, Polígono&#10;&#10;O conteúdo gerado por IA pode estar incorreto.">
+            <a:extLst>
+              <a:ext uri="{FF2B5EF4-FFF2-40B4-BE49-F238E27FC236}">
+                <a16:creationId xmlns:a16="http://schemas.microsoft.com/office/drawing/2014/main" id="{B84E8023-3A70-574E-B2D2-931FC3EA51D5}"/>
+              </a:ext>
+            </a:extLst>
+          </p:cNvPr>
+          <p:cNvPicPr>
+            <a:picLocks noChangeAspect="1"/>
+          </p:cNvPicPr>
+          <p:nvPr/>
+        </p:nvPicPr>
+        <p:blipFill>
+          <a:blip r:embed="rId4">
+            <a:extLst>
+              <a:ext uri="{28A0092B-C50C-407E-A947-70E740481C1C}">
+                <a14:useLocalDpi xmlns:a14="http://schemas.microsoft.com/office/drawing/2010/main" val="0"/>
+              </a:ext>
+            </a:extLst>
+          </a:blip>
+          <a:stretch>
+            <a:fillRect/>
+          </a:stretch>
+        </p:blipFill>
+        <p:spPr>
+          <a:xfrm>
+            <a:off x="2266899" y="2443839"/>
+            <a:ext cx="7482994" cy="4207130"/>
+          </a:xfrm>
+          <a:prstGeom prst="rect">
+            <a:avLst/>
+          </a:prstGeom>
+        </p:spPr>
+      </p:pic>
     </p:spTree>
     <p:extLst>
       <p:ext uri="{BB962C8B-B14F-4D97-AF65-F5344CB8AC3E}">
-        <p14:creationId xmlns:p14="http://schemas.microsoft.com/office/powerpoint/2010/main" val="4104907513"/>
+        <p14:creationId xmlns:p14="http://schemas.microsoft.com/office/powerpoint/2010/main" val="2689894874"/>
       </p:ext>
     </p:extLst>
   </p:cSld>
@@ -5909,7 +5849,7 @@
         </p:nvSpPr>
         <p:spPr>
           <a:xfrm>
-            <a:off x="1580113" y="2024615"/>
+            <a:off x="1580113" y="1339195"/>
             <a:ext cx="9144000" cy="852211"/>
           </a:xfrm>
         </p:spPr>
@@ -5921,7 +5861,7 @@
           <a:p>
             <a:r>
               <a:rPr lang="pt-BR" sz="4800" dirty="0"/>
-              <a:t>CONCLUSÃO</a:t>
+              <a:t>DESENVOLVIMENTO / RESULTADOS</a:t>
             </a:r>
           </a:p>
         </p:txBody>
@@ -5944,8 +5884,8 @@
         </p:nvSpPr>
         <p:spPr>
           <a:xfrm>
-            <a:off x="1580113" y="3139144"/>
-            <a:ext cx="9750495" cy="2307499"/>
+            <a:off x="1276865" y="2345670"/>
+            <a:ext cx="9750495" cy="1896681"/>
           </a:xfrm>
         </p:spPr>
         <p:txBody>
@@ -5959,19 +5899,13 @@
               <a:buChar char="-"/>
             </a:pPr>
             <a:r>
-              <a:rPr lang="pt-BR" sz="3200" dirty="0"/>
-              <a:t>RETOMADA DOS OBJETIVOS E SE FORAM ALCANÇADOS</a:t>
-            </a:r>
-          </a:p>
-          <a:p>
-            <a:pPr marL="457200" indent="-457200" algn="l">
-              <a:buFontTx/>
-              <a:buChar char="-"/>
-            </a:pPr>
-            <a:r>
-              <a:rPr lang="pt-BR" sz="3200" dirty="0"/>
-              <a:t>CONSIDERAÇÕES FINAIS</a:t>
-            </a:r>
+              <a:rPr lang="pt-BR" sz="2800" dirty="0"/>
+              <a:t>Sistema de salas (offline)</a:t>
+            </a:r>
+          </a:p>
+          <a:p>
+            <a:pPr algn="l"/>
+            <a:endParaRPr lang="pt-BR" sz="2800" dirty="0"/>
           </a:p>
         </p:txBody>
       </p:sp>
@@ -6048,10 +5982,117 @@
           </a:prstGeom>
         </p:spPr>
       </p:pic>
+      <p:pic>
+        <p:nvPicPr>
+          <p:cNvPr id="7" name="Imagem 6">
+            <a:extLst>
+              <a:ext uri="{FF2B5EF4-FFF2-40B4-BE49-F238E27FC236}">
+                <a16:creationId xmlns:a16="http://schemas.microsoft.com/office/drawing/2014/main" id="{5E41090B-8C68-8B19-E122-8F014F26238B}"/>
+              </a:ext>
+            </a:extLst>
+          </p:cNvPr>
+          <p:cNvPicPr>
+            <a:picLocks noChangeAspect="1"/>
+          </p:cNvPicPr>
+          <p:nvPr/>
+        </p:nvPicPr>
+        <p:blipFill>
+          <a:blip r:embed="rId4"/>
+          <a:stretch>
+            <a:fillRect/>
+          </a:stretch>
+        </p:blipFill>
+        <p:spPr>
+          <a:xfrm>
+            <a:off x="6207351" y="3026068"/>
+            <a:ext cx="5779433" cy="2953449"/>
+          </a:xfrm>
+          <a:prstGeom prst="rect">
+            <a:avLst/>
+          </a:prstGeom>
+        </p:spPr>
+      </p:pic>
+      <p:pic>
+        <p:nvPicPr>
+          <p:cNvPr id="9" name="Imagem 8">
+            <a:extLst>
+              <a:ext uri="{FF2B5EF4-FFF2-40B4-BE49-F238E27FC236}">
+                <a16:creationId xmlns:a16="http://schemas.microsoft.com/office/drawing/2014/main" id="{EBAF35C5-B46C-C58B-A08C-1B3130234E0A}"/>
+              </a:ext>
+            </a:extLst>
+          </p:cNvPr>
+          <p:cNvPicPr>
+            <a:picLocks noChangeAspect="1"/>
+          </p:cNvPicPr>
+          <p:nvPr/>
+        </p:nvPicPr>
+        <p:blipFill>
+          <a:blip r:embed="rId5"/>
+          <a:stretch>
+            <a:fillRect/>
+          </a:stretch>
+        </p:blipFill>
+        <p:spPr>
+          <a:xfrm>
+            <a:off x="429487" y="2977573"/>
+            <a:ext cx="5518396" cy="1785660"/>
+          </a:xfrm>
+          <a:prstGeom prst="rect">
+            <a:avLst/>
+          </a:prstGeom>
+        </p:spPr>
+      </p:pic>
+      <p:pic>
+        <p:nvPicPr>
+          <p:cNvPr id="1034" name="Picture 10" descr="15 melhores ideias de Thumbnail Youtube | thumbnail youtube, photoshop, no  photoshop">
+            <a:extLst>
+              <a:ext uri="{FF2B5EF4-FFF2-40B4-BE49-F238E27FC236}">
+                <a16:creationId xmlns:a16="http://schemas.microsoft.com/office/drawing/2014/main" id="{55CA89A2-4BC4-4610-CFE8-14DB08D355C9}"/>
+              </a:ext>
+            </a:extLst>
+          </p:cNvPr>
+          <p:cNvPicPr>
+            <a:picLocks noChangeAspect="1" noChangeArrowheads="1"/>
+          </p:cNvPicPr>
+          <p:nvPr/>
+        </p:nvPicPr>
+        <p:blipFill>
+          <a:blip r:embed="rId6">
+            <a:extLst>
+              <a:ext uri="{28A0092B-C50C-407E-A947-70E740481C1C}">
+                <a14:useLocalDpi xmlns:a14="http://schemas.microsoft.com/office/drawing/2010/main" val="0"/>
+              </a:ext>
+            </a:extLst>
+          </a:blip>
+          <a:srcRect/>
+          <a:stretch>
+            <a:fillRect/>
+          </a:stretch>
+        </p:blipFill>
+        <p:spPr bwMode="auto">
+          <a:xfrm flipV="1">
+            <a:off x="4119072" y="4874254"/>
+            <a:ext cx="1618004" cy="847711"/>
+          </a:xfrm>
+          <a:prstGeom prst="rect">
+            <a:avLst/>
+          </a:prstGeom>
+          <a:noFill/>
+          <a:extLst>
+            <a:ext uri="{909E8E84-426E-40DD-AFC4-6F175D3DCCD1}">
+              <a14:hiddenFill xmlns:a14="http://schemas.microsoft.com/office/drawing/2010/main">
+                <a:solidFill>
+                  <a:srgbClr val="FFFFFF"/>
+                </a:solidFill>
+              </a14:hiddenFill>
+            </a:ext>
+          </a:extLst>
+        </p:spPr>
+      </p:pic>
     </p:spTree>
     <p:extLst>
       <p:ext uri="{BB962C8B-B14F-4D97-AF65-F5344CB8AC3E}">
-        <p14:creationId xmlns:p14="http://schemas.microsoft.com/office/powerpoint/2010/main" val="1325944170"/>
+        <p14:creationId xmlns:p14="http://schemas.microsoft.com/office/powerpoint/2010/main" val="2841758471"/>
       </p:ext>
     </p:extLst>
   </p:cSld>
@@ -6066,13 +6107,7 @@
   <p:cSld>
     <p:spTree>
       <p:nvGrpSpPr>
-        <p:cNvPr id="1" name="">
-          <a:extLst>
-            <a:ext uri="{FF2B5EF4-FFF2-40B4-BE49-F238E27FC236}">
-              <a16:creationId xmlns:a16="http://schemas.microsoft.com/office/drawing/2014/main" id="{DC9C449D-B2EE-73E6-9FE8-B2F4AD054168}"/>
-            </a:ext>
-          </a:extLst>
-        </p:cNvPr>
+        <p:cNvPr id="1" name=""/>
         <p:cNvGrpSpPr/>
         <p:nvPr/>
       </p:nvGrpSpPr>
@@ -6089,7 +6124,7 @@
           <p:cNvPr id="2" name="Título 1">
             <a:extLst>
               <a:ext uri="{FF2B5EF4-FFF2-40B4-BE49-F238E27FC236}">
-                <a16:creationId xmlns:a16="http://schemas.microsoft.com/office/drawing/2014/main" id="{9E212F2F-EF2E-4668-E430-6AE92ED06C11}"/>
+                <a16:creationId xmlns:a16="http://schemas.microsoft.com/office/drawing/2014/main" id="{5E447ACB-E7DF-4BBE-AC44-A1AC9F22CAC8}"/>
               </a:ext>
             </a:extLst>
           </p:cNvPr>
@@ -6102,7 +6137,7 @@
         </p:nvSpPr>
         <p:spPr>
           <a:xfrm>
-            <a:off x="1648479" y="1411357"/>
+            <a:off x="1580113" y="1339195"/>
             <a:ext cx="9144000" cy="852211"/>
           </a:xfrm>
         </p:spPr>
@@ -6114,7 +6149,7 @@
           <a:p>
             <a:r>
               <a:rPr lang="pt-BR" sz="4800" dirty="0"/>
-              <a:t>TRABALHOS FUTUROS</a:t>
+              <a:t>DESENVOLVIMENTO / RESULTADOS</a:t>
             </a:r>
           </a:p>
         </p:txBody>
@@ -6124,7 +6159,7 @@
           <p:cNvPr id="3" name="Subtítulo 2">
             <a:extLst>
               <a:ext uri="{FF2B5EF4-FFF2-40B4-BE49-F238E27FC236}">
-                <a16:creationId xmlns:a16="http://schemas.microsoft.com/office/drawing/2014/main" id="{F0FD4423-35C9-AC93-1655-A586ED74B7AB}"/>
+                <a16:creationId xmlns:a16="http://schemas.microsoft.com/office/drawing/2014/main" id="{D925F25B-ABDD-439F-B7AE-9A79A3FDC1CE}"/>
               </a:ext>
             </a:extLst>
           </p:cNvPr>
@@ -6137,8 +6172,8 @@
         </p:nvSpPr>
         <p:spPr>
           <a:xfrm>
-            <a:off x="1345231" y="2548733"/>
-            <a:ext cx="9750495" cy="2307499"/>
+            <a:off x="1276865" y="2345670"/>
+            <a:ext cx="9750495" cy="1896681"/>
           </a:xfrm>
         </p:spPr>
         <p:txBody>
@@ -6152,37 +6187,13 @@
               <a:buChar char="-"/>
             </a:pPr>
             <a:r>
-              <a:rPr lang="pt-BR" sz="3600" dirty="0"/>
-              <a:t>Expansão para outras escolas e séries</a:t>
-            </a:r>
-          </a:p>
-          <a:p>
-            <a:pPr marL="457200" indent="-457200" algn="l">
-              <a:buFontTx/>
-              <a:buChar char="-"/>
-            </a:pPr>
-            <a:r>
-              <a:rPr lang="pt-BR" sz="3600" dirty="0"/>
-              <a:t>Testes de longo prazo</a:t>
-            </a:r>
-          </a:p>
-          <a:p>
-            <a:pPr marL="457200" indent="-457200" algn="l">
-              <a:buFontTx/>
-              <a:buChar char="-"/>
-            </a:pPr>
-            <a:r>
-              <a:rPr lang="pt-BR" sz="3600" dirty="0"/>
-              <a:t>Integração de </a:t>
-            </a:r>
-            <a:r>
-              <a:rPr lang="pt-BR" sz="3600" dirty="0" err="1"/>
-              <a:t>analytics</a:t>
-            </a:r>
-            <a:r>
-              <a:rPr lang="pt-BR" sz="3600" dirty="0"/>
-              <a:t> avançados e AI</a:t>
-            </a:r>
+              <a:rPr lang="pt-BR" sz="2800" dirty="0"/>
+              <a:t>Sistema de salas (online)</a:t>
+            </a:r>
+          </a:p>
+          <a:p>
+            <a:pPr algn="l"/>
+            <a:endParaRPr lang="pt-BR" sz="2800" dirty="0"/>
           </a:p>
         </p:txBody>
       </p:sp>
@@ -6191,7 +6202,7 @@
           <p:cNvPr id="4" name="Imagem 3">
             <a:extLst>
               <a:ext uri="{FF2B5EF4-FFF2-40B4-BE49-F238E27FC236}">
-                <a16:creationId xmlns:a16="http://schemas.microsoft.com/office/drawing/2014/main" id="{493A8972-D029-D532-6E31-0E0FB637787E}"/>
+                <a16:creationId xmlns:a16="http://schemas.microsoft.com/office/drawing/2014/main" id="{4DE49855-8442-4D60-81FD-DFE2DB045AC2}"/>
               </a:ext>
             </a:extLst>
           </p:cNvPr>
@@ -6230,7 +6241,7 @@
           <p:cNvPr id="5" name="Imagem 4">
             <a:extLst>
               <a:ext uri="{FF2B5EF4-FFF2-40B4-BE49-F238E27FC236}">
-                <a16:creationId xmlns:a16="http://schemas.microsoft.com/office/drawing/2014/main" id="{3CA44AA8-F467-9730-06C7-AAB4DB61E516}"/>
+                <a16:creationId xmlns:a16="http://schemas.microsoft.com/office/drawing/2014/main" id="{00EB44F1-66E6-49A0-94D9-09FA009430BD}"/>
               </a:ext>
             </a:extLst>
           </p:cNvPr>
@@ -6259,10 +6270,117 @@
           </a:prstGeom>
         </p:spPr>
       </p:pic>
+      <p:pic>
+        <p:nvPicPr>
+          <p:cNvPr id="7" name="Imagem 6">
+            <a:extLst>
+              <a:ext uri="{FF2B5EF4-FFF2-40B4-BE49-F238E27FC236}">
+                <a16:creationId xmlns:a16="http://schemas.microsoft.com/office/drawing/2014/main" id="{889CAA86-2F84-A08E-E60D-7B87109B27D8}"/>
+              </a:ext>
+            </a:extLst>
+          </p:cNvPr>
+          <p:cNvPicPr>
+            <a:picLocks noChangeAspect="1"/>
+          </p:cNvPicPr>
+          <p:nvPr/>
+        </p:nvPicPr>
+        <p:blipFill>
+          <a:blip r:embed="rId4"/>
+          <a:stretch>
+            <a:fillRect/>
+          </a:stretch>
+        </p:blipFill>
+        <p:spPr>
+          <a:xfrm>
+            <a:off x="1212437" y="3059393"/>
+            <a:ext cx="2340780" cy="2065711"/>
+          </a:xfrm>
+          <a:prstGeom prst="rect">
+            <a:avLst/>
+          </a:prstGeom>
+        </p:spPr>
+      </p:pic>
+      <p:pic>
+        <p:nvPicPr>
+          <p:cNvPr id="2052" name="Picture 4" descr="15 melhores ideias de Thumbnail Youtube | thumbnail youtube, photoshop, no  photoshop">
+            <a:extLst>
+              <a:ext uri="{FF2B5EF4-FFF2-40B4-BE49-F238E27FC236}">
+                <a16:creationId xmlns:a16="http://schemas.microsoft.com/office/drawing/2014/main" id="{841EB090-B6F1-FCF3-CFA4-5530B231E7F4}"/>
+              </a:ext>
+            </a:extLst>
+          </p:cNvPr>
+          <p:cNvPicPr>
+            <a:picLocks noChangeAspect="1" noChangeArrowheads="1"/>
+          </p:cNvPicPr>
+          <p:nvPr/>
+        </p:nvPicPr>
+        <p:blipFill>
+          <a:blip r:embed="rId5">
+            <a:extLst>
+              <a:ext uri="{28A0092B-C50C-407E-A947-70E740481C1C}">
+                <a14:useLocalDpi xmlns:a14="http://schemas.microsoft.com/office/drawing/2010/main" val="0"/>
+              </a:ext>
+            </a:extLst>
+          </a:blip>
+          <a:srcRect/>
+          <a:stretch>
+            <a:fillRect/>
+          </a:stretch>
+        </p:blipFill>
+        <p:spPr bwMode="auto">
+          <a:xfrm flipV="1">
+            <a:off x="2859363" y="5250724"/>
+            <a:ext cx="1846603" cy="1080666"/>
+          </a:xfrm>
+          <a:prstGeom prst="rect">
+            <a:avLst/>
+          </a:prstGeom>
+          <a:noFill/>
+          <a:extLst>
+            <a:ext uri="{909E8E84-426E-40DD-AFC4-6F175D3DCCD1}">
+              <a14:hiddenFill xmlns:a14="http://schemas.microsoft.com/office/drawing/2010/main">
+                <a:solidFill>
+                  <a:srgbClr val="FFFFFF"/>
+                </a:solidFill>
+              </a14:hiddenFill>
+            </a:ext>
+          </a:extLst>
+        </p:spPr>
+      </p:pic>
+      <p:pic>
+        <p:nvPicPr>
+          <p:cNvPr id="11" name="Imagem 10">
+            <a:extLst>
+              <a:ext uri="{FF2B5EF4-FFF2-40B4-BE49-F238E27FC236}">
+                <a16:creationId xmlns:a16="http://schemas.microsoft.com/office/drawing/2014/main" id="{661B5F1A-F41C-84FC-7200-C5148D52E426}"/>
+              </a:ext>
+            </a:extLst>
+          </p:cNvPr>
+          <p:cNvPicPr>
+            <a:picLocks noChangeAspect="1"/>
+          </p:cNvPicPr>
+          <p:nvPr/>
+        </p:nvPicPr>
+        <p:blipFill>
+          <a:blip r:embed="rId6"/>
+          <a:stretch>
+            <a:fillRect/>
+          </a:stretch>
+        </p:blipFill>
+        <p:spPr>
+          <a:xfrm>
+            <a:off x="4965106" y="2888477"/>
+            <a:ext cx="6831375" cy="3506402"/>
+          </a:xfrm>
+          <a:prstGeom prst="rect">
+            <a:avLst/>
+          </a:prstGeom>
+        </p:spPr>
+      </p:pic>
     </p:spTree>
     <p:extLst>
       <p:ext uri="{BB962C8B-B14F-4D97-AF65-F5344CB8AC3E}">
-        <p14:creationId xmlns:p14="http://schemas.microsoft.com/office/powerpoint/2010/main" val="3658637"/>
+        <p14:creationId xmlns:p14="http://schemas.microsoft.com/office/powerpoint/2010/main" val="1958081894"/>
       </p:ext>
     </p:extLst>
   </p:cSld>
@@ -6319,7 +6437,7 @@
           <a:p>
             <a:r>
               <a:rPr lang="pt-BR" sz="4800" dirty="0"/>
-              <a:t>REFERÊNCIAS</a:t>
+              <a:t>DISCUSSÃO</a:t>
             </a:r>
           </a:p>
         </p:txBody>
@@ -6343,7 +6461,7 @@
         <p:spPr>
           <a:xfrm>
             <a:off x="1580113" y="3139144"/>
-            <a:ext cx="9750495" cy="1644891"/>
+            <a:ext cx="9750495" cy="1896681"/>
           </a:xfrm>
         </p:spPr>
         <p:txBody>
@@ -6358,7 +6476,17 @@
             </a:pPr>
             <a:r>
               <a:rPr lang="pt-BR" sz="3200" dirty="0"/>
-              <a:t>PRINCIPAIS FONTES UTILIZADAS (FORMATO ABNT)</a:t>
+              <a:t>COMPARAÇÃO DOS RESULTADOS COM A TEORIA</a:t>
+            </a:r>
+          </a:p>
+          <a:p>
+            <a:pPr marL="457200" indent="-457200" algn="l">
+              <a:buFontTx/>
+              <a:buChar char="-"/>
+            </a:pPr>
+            <a:r>
+              <a:rPr lang="pt-BR" sz="3200" dirty="0"/>
+              <a:t>O QUE FOI DESCOBERTO OU CONSTRUÍDO</a:t>
             </a:r>
           </a:p>
         </p:txBody>
@@ -6439,7 +6567,7 @@
     </p:spTree>
     <p:extLst>
       <p:ext uri="{BB962C8B-B14F-4D97-AF65-F5344CB8AC3E}">
-        <p14:creationId xmlns:p14="http://schemas.microsoft.com/office/powerpoint/2010/main" val="3994031553"/>
+        <p14:creationId xmlns:p14="http://schemas.microsoft.com/office/powerpoint/2010/main" val="4104907513"/>
       </p:ext>
     </p:extLst>
   </p:cSld>
@@ -6694,6 +6822,581 @@
           <a:p>
             <a:r>
               <a:rPr lang="pt-BR" sz="4800" dirty="0"/>
+              <a:t>CONCLUSÃO</a:t>
+            </a:r>
+          </a:p>
+        </p:txBody>
+      </p:sp>
+      <p:sp>
+        <p:nvSpPr>
+          <p:cNvPr id="3" name="Subtítulo 2">
+            <a:extLst>
+              <a:ext uri="{FF2B5EF4-FFF2-40B4-BE49-F238E27FC236}">
+                <a16:creationId xmlns:a16="http://schemas.microsoft.com/office/drawing/2014/main" id="{D925F25B-ABDD-439F-B7AE-9A79A3FDC1CE}"/>
+              </a:ext>
+            </a:extLst>
+          </p:cNvPr>
+          <p:cNvSpPr>
+            <a:spLocks noGrp="1"/>
+          </p:cNvSpPr>
+          <p:nvPr>
+            <p:ph type="subTitle" idx="1"/>
+          </p:nvPr>
+        </p:nvSpPr>
+        <p:spPr>
+          <a:xfrm>
+            <a:off x="1580113" y="3139144"/>
+            <a:ext cx="9750495" cy="2307499"/>
+          </a:xfrm>
+        </p:spPr>
+        <p:txBody>
+          <a:bodyPr>
+            <a:normAutofit/>
+          </a:bodyPr>
+          <a:lstStyle/>
+          <a:p>
+            <a:pPr marL="457200" indent="-457200" algn="l">
+              <a:buFontTx/>
+              <a:buChar char="-"/>
+            </a:pPr>
+            <a:r>
+              <a:rPr lang="pt-BR" sz="3200" dirty="0"/>
+              <a:t>RETOMADA DOS OBJETIVOS E SE FORAM ALCANÇADOS</a:t>
+            </a:r>
+          </a:p>
+          <a:p>
+            <a:pPr marL="457200" indent="-457200" algn="l">
+              <a:buFontTx/>
+              <a:buChar char="-"/>
+            </a:pPr>
+            <a:r>
+              <a:rPr lang="pt-BR" sz="3200" dirty="0"/>
+              <a:t>CONSIDERAÇÕES FINAIS</a:t>
+            </a:r>
+          </a:p>
+        </p:txBody>
+      </p:sp>
+      <p:pic>
+        <p:nvPicPr>
+          <p:cNvPr id="4" name="Imagem 3">
+            <a:extLst>
+              <a:ext uri="{FF2B5EF4-FFF2-40B4-BE49-F238E27FC236}">
+                <a16:creationId xmlns:a16="http://schemas.microsoft.com/office/drawing/2014/main" id="{4DE49855-8442-4D60-81FD-DFE2DB045AC2}"/>
+              </a:ext>
+            </a:extLst>
+          </p:cNvPr>
+          <p:cNvPicPr/>
+          <p:nvPr/>
+        </p:nvPicPr>
+        <p:blipFill>
+          <a:blip r:embed="rId2">
+            <a:extLst>
+              <a:ext uri="{28A0092B-C50C-407E-A947-70E740481C1C}">
+                <a14:useLocalDpi xmlns:a14="http://schemas.microsoft.com/office/drawing/2010/main" val="0"/>
+              </a:ext>
+            </a:extLst>
+          </a:blip>
+          <a:srcRect/>
+          <a:stretch>
+            <a:fillRect/>
+          </a:stretch>
+        </p:blipFill>
+        <p:spPr bwMode="auto">
+          <a:xfrm>
+            <a:off x="901148" y="207031"/>
+            <a:ext cx="1958215" cy="977900"/>
+          </a:xfrm>
+          <a:prstGeom prst="rect">
+            <a:avLst/>
+          </a:prstGeom>
+          <a:noFill/>
+          <a:ln>
+            <a:noFill/>
+          </a:ln>
+        </p:spPr>
+      </p:pic>
+      <p:pic>
+        <p:nvPicPr>
+          <p:cNvPr id="5" name="Imagem 4">
+            <a:extLst>
+              <a:ext uri="{FF2B5EF4-FFF2-40B4-BE49-F238E27FC236}">
+                <a16:creationId xmlns:a16="http://schemas.microsoft.com/office/drawing/2014/main" id="{00EB44F1-66E6-49A0-94D9-09FA009430BD}"/>
+              </a:ext>
+            </a:extLst>
+          </p:cNvPr>
+          <p:cNvPicPr/>
+          <p:nvPr/>
+        </p:nvPicPr>
+        <p:blipFill>
+          <a:blip r:embed="rId3">
+            <a:extLst>
+              <a:ext uri="{28A0092B-C50C-407E-A947-70E740481C1C}">
+                <a14:useLocalDpi xmlns:a14="http://schemas.microsoft.com/office/drawing/2010/main" val="0"/>
+              </a:ext>
+            </a:extLst>
+          </a:blip>
+          <a:stretch>
+            <a:fillRect/>
+          </a:stretch>
+        </p:blipFill>
+        <p:spPr>
+          <a:xfrm>
+            <a:off x="8481392" y="273982"/>
+            <a:ext cx="3142076" cy="852210"/>
+          </a:xfrm>
+          <a:prstGeom prst="rect">
+            <a:avLst/>
+          </a:prstGeom>
+        </p:spPr>
+      </p:pic>
+    </p:spTree>
+    <p:extLst>
+      <p:ext uri="{BB962C8B-B14F-4D97-AF65-F5344CB8AC3E}">
+        <p14:creationId xmlns:p14="http://schemas.microsoft.com/office/powerpoint/2010/main" val="1325944170"/>
+      </p:ext>
+    </p:extLst>
+  </p:cSld>
+  <p:clrMapOvr>
+    <a:masterClrMapping/>
+  </p:clrMapOvr>
+</p:sld>
+</file>
+
+<file path=ppt/slides/slide21.xml><?xml version="1.0" encoding="utf-8"?>
+<p:sld xmlns:a="http://schemas.openxmlformats.org/drawingml/2006/main" xmlns:r="http://schemas.openxmlformats.org/officeDocument/2006/relationships" xmlns:p="http://schemas.openxmlformats.org/presentationml/2006/main">
+  <p:cSld>
+    <p:spTree>
+      <p:nvGrpSpPr>
+        <p:cNvPr id="1" name="">
+          <a:extLst>
+            <a:ext uri="{FF2B5EF4-FFF2-40B4-BE49-F238E27FC236}">
+              <a16:creationId xmlns:a16="http://schemas.microsoft.com/office/drawing/2014/main" id="{DC9C449D-B2EE-73E6-9FE8-B2F4AD054168}"/>
+            </a:ext>
+          </a:extLst>
+        </p:cNvPr>
+        <p:cNvGrpSpPr/>
+        <p:nvPr/>
+      </p:nvGrpSpPr>
+      <p:grpSpPr>
+        <a:xfrm>
+          <a:off x="0" y="0"/>
+          <a:ext cx="0" cy="0"/>
+          <a:chOff x="0" y="0"/>
+          <a:chExt cx="0" cy="0"/>
+        </a:xfrm>
+      </p:grpSpPr>
+      <p:sp>
+        <p:nvSpPr>
+          <p:cNvPr id="2" name="Título 1">
+            <a:extLst>
+              <a:ext uri="{FF2B5EF4-FFF2-40B4-BE49-F238E27FC236}">
+                <a16:creationId xmlns:a16="http://schemas.microsoft.com/office/drawing/2014/main" id="{9E212F2F-EF2E-4668-E430-6AE92ED06C11}"/>
+              </a:ext>
+            </a:extLst>
+          </p:cNvPr>
+          <p:cNvSpPr>
+            <a:spLocks noGrp="1"/>
+          </p:cNvSpPr>
+          <p:nvPr>
+            <p:ph type="ctrTitle"/>
+          </p:nvPr>
+        </p:nvSpPr>
+        <p:spPr>
+          <a:xfrm>
+            <a:off x="1648479" y="1411357"/>
+            <a:ext cx="9144000" cy="852211"/>
+          </a:xfrm>
+        </p:spPr>
+        <p:txBody>
+          <a:bodyPr>
+            <a:noAutofit/>
+          </a:bodyPr>
+          <a:lstStyle/>
+          <a:p>
+            <a:r>
+              <a:rPr lang="pt-BR" sz="4800" dirty="0"/>
+              <a:t>TRABALHOS FUTUROS</a:t>
+            </a:r>
+          </a:p>
+        </p:txBody>
+      </p:sp>
+      <p:sp>
+        <p:nvSpPr>
+          <p:cNvPr id="3" name="Subtítulo 2">
+            <a:extLst>
+              <a:ext uri="{FF2B5EF4-FFF2-40B4-BE49-F238E27FC236}">
+                <a16:creationId xmlns:a16="http://schemas.microsoft.com/office/drawing/2014/main" id="{F0FD4423-35C9-AC93-1655-A586ED74B7AB}"/>
+              </a:ext>
+            </a:extLst>
+          </p:cNvPr>
+          <p:cNvSpPr>
+            <a:spLocks noGrp="1"/>
+          </p:cNvSpPr>
+          <p:nvPr>
+            <p:ph type="subTitle" idx="1"/>
+          </p:nvPr>
+        </p:nvSpPr>
+        <p:spPr>
+          <a:xfrm>
+            <a:off x="1345231" y="2548733"/>
+            <a:ext cx="9750495" cy="2307499"/>
+          </a:xfrm>
+        </p:spPr>
+        <p:txBody>
+          <a:bodyPr>
+            <a:normAutofit/>
+          </a:bodyPr>
+          <a:lstStyle/>
+          <a:p>
+            <a:pPr marL="457200" indent="-457200" algn="l">
+              <a:buFontTx/>
+              <a:buChar char="-"/>
+            </a:pPr>
+            <a:r>
+              <a:rPr lang="pt-BR" sz="3600" dirty="0"/>
+              <a:t>Expansão para outras escolas e séries</a:t>
+            </a:r>
+          </a:p>
+          <a:p>
+            <a:pPr marL="457200" indent="-457200" algn="l">
+              <a:buFontTx/>
+              <a:buChar char="-"/>
+            </a:pPr>
+            <a:r>
+              <a:rPr lang="pt-BR" sz="3600" dirty="0"/>
+              <a:t>Testes de longo prazo</a:t>
+            </a:r>
+          </a:p>
+          <a:p>
+            <a:pPr marL="457200" indent="-457200" algn="l">
+              <a:buFontTx/>
+              <a:buChar char="-"/>
+            </a:pPr>
+            <a:r>
+              <a:rPr lang="pt-BR" sz="3600" dirty="0"/>
+              <a:t>Integração de </a:t>
+            </a:r>
+            <a:r>
+              <a:rPr lang="pt-BR" sz="3600" dirty="0" err="1"/>
+              <a:t>analytics</a:t>
+            </a:r>
+            <a:r>
+              <a:rPr lang="pt-BR" sz="3600" dirty="0"/>
+              <a:t> avançados e AI</a:t>
+            </a:r>
+          </a:p>
+        </p:txBody>
+      </p:sp>
+      <p:pic>
+        <p:nvPicPr>
+          <p:cNvPr id="4" name="Imagem 3">
+            <a:extLst>
+              <a:ext uri="{FF2B5EF4-FFF2-40B4-BE49-F238E27FC236}">
+                <a16:creationId xmlns:a16="http://schemas.microsoft.com/office/drawing/2014/main" id="{493A8972-D029-D532-6E31-0E0FB637787E}"/>
+              </a:ext>
+            </a:extLst>
+          </p:cNvPr>
+          <p:cNvPicPr/>
+          <p:nvPr/>
+        </p:nvPicPr>
+        <p:blipFill>
+          <a:blip r:embed="rId2">
+            <a:extLst>
+              <a:ext uri="{28A0092B-C50C-407E-A947-70E740481C1C}">
+                <a14:useLocalDpi xmlns:a14="http://schemas.microsoft.com/office/drawing/2010/main" val="0"/>
+              </a:ext>
+            </a:extLst>
+          </a:blip>
+          <a:srcRect/>
+          <a:stretch>
+            <a:fillRect/>
+          </a:stretch>
+        </p:blipFill>
+        <p:spPr bwMode="auto">
+          <a:xfrm>
+            <a:off x="901148" y="207031"/>
+            <a:ext cx="1958215" cy="977900"/>
+          </a:xfrm>
+          <a:prstGeom prst="rect">
+            <a:avLst/>
+          </a:prstGeom>
+          <a:noFill/>
+          <a:ln>
+            <a:noFill/>
+          </a:ln>
+        </p:spPr>
+      </p:pic>
+      <p:pic>
+        <p:nvPicPr>
+          <p:cNvPr id="5" name="Imagem 4">
+            <a:extLst>
+              <a:ext uri="{FF2B5EF4-FFF2-40B4-BE49-F238E27FC236}">
+                <a16:creationId xmlns:a16="http://schemas.microsoft.com/office/drawing/2014/main" id="{3CA44AA8-F467-9730-06C7-AAB4DB61E516}"/>
+              </a:ext>
+            </a:extLst>
+          </p:cNvPr>
+          <p:cNvPicPr/>
+          <p:nvPr/>
+        </p:nvPicPr>
+        <p:blipFill>
+          <a:blip r:embed="rId3">
+            <a:extLst>
+              <a:ext uri="{28A0092B-C50C-407E-A947-70E740481C1C}">
+                <a14:useLocalDpi xmlns:a14="http://schemas.microsoft.com/office/drawing/2010/main" val="0"/>
+              </a:ext>
+            </a:extLst>
+          </a:blip>
+          <a:stretch>
+            <a:fillRect/>
+          </a:stretch>
+        </p:blipFill>
+        <p:spPr>
+          <a:xfrm>
+            <a:off x="8481392" y="273982"/>
+            <a:ext cx="3142076" cy="852210"/>
+          </a:xfrm>
+          <a:prstGeom prst="rect">
+            <a:avLst/>
+          </a:prstGeom>
+        </p:spPr>
+      </p:pic>
+    </p:spTree>
+    <p:extLst>
+      <p:ext uri="{BB962C8B-B14F-4D97-AF65-F5344CB8AC3E}">
+        <p14:creationId xmlns:p14="http://schemas.microsoft.com/office/powerpoint/2010/main" val="3658637"/>
+      </p:ext>
+    </p:extLst>
+  </p:cSld>
+  <p:clrMapOvr>
+    <a:masterClrMapping/>
+  </p:clrMapOvr>
+</p:sld>
+</file>
+
+<file path=ppt/slides/slide22.xml><?xml version="1.0" encoding="utf-8"?>
+<p:sld xmlns:a="http://schemas.openxmlformats.org/drawingml/2006/main" xmlns:r="http://schemas.openxmlformats.org/officeDocument/2006/relationships" xmlns:p="http://schemas.openxmlformats.org/presentationml/2006/main">
+  <p:cSld>
+    <p:spTree>
+      <p:nvGrpSpPr>
+        <p:cNvPr id="1" name=""/>
+        <p:cNvGrpSpPr/>
+        <p:nvPr/>
+      </p:nvGrpSpPr>
+      <p:grpSpPr>
+        <a:xfrm>
+          <a:off x="0" y="0"/>
+          <a:ext cx="0" cy="0"/>
+          <a:chOff x="0" y="0"/>
+          <a:chExt cx="0" cy="0"/>
+        </a:xfrm>
+      </p:grpSpPr>
+      <p:sp>
+        <p:nvSpPr>
+          <p:cNvPr id="2" name="Título 1">
+            <a:extLst>
+              <a:ext uri="{FF2B5EF4-FFF2-40B4-BE49-F238E27FC236}">
+                <a16:creationId xmlns:a16="http://schemas.microsoft.com/office/drawing/2014/main" id="{5E447ACB-E7DF-4BBE-AC44-A1AC9F22CAC8}"/>
+              </a:ext>
+            </a:extLst>
+          </p:cNvPr>
+          <p:cNvSpPr>
+            <a:spLocks noGrp="1"/>
+          </p:cNvSpPr>
+          <p:nvPr>
+            <p:ph type="ctrTitle"/>
+          </p:nvPr>
+        </p:nvSpPr>
+        <p:spPr>
+          <a:xfrm>
+            <a:off x="1580113" y="2024615"/>
+            <a:ext cx="9144000" cy="852211"/>
+          </a:xfrm>
+        </p:spPr>
+        <p:txBody>
+          <a:bodyPr>
+            <a:noAutofit/>
+          </a:bodyPr>
+          <a:lstStyle/>
+          <a:p>
+            <a:r>
+              <a:rPr lang="pt-BR" sz="4800" dirty="0"/>
+              <a:t>REFERÊNCIAS</a:t>
+            </a:r>
+          </a:p>
+        </p:txBody>
+      </p:sp>
+      <p:sp>
+        <p:nvSpPr>
+          <p:cNvPr id="3" name="Subtítulo 2">
+            <a:extLst>
+              <a:ext uri="{FF2B5EF4-FFF2-40B4-BE49-F238E27FC236}">
+                <a16:creationId xmlns:a16="http://schemas.microsoft.com/office/drawing/2014/main" id="{D925F25B-ABDD-439F-B7AE-9A79A3FDC1CE}"/>
+              </a:ext>
+            </a:extLst>
+          </p:cNvPr>
+          <p:cNvSpPr>
+            <a:spLocks noGrp="1"/>
+          </p:cNvSpPr>
+          <p:nvPr>
+            <p:ph type="subTitle" idx="1"/>
+          </p:nvPr>
+        </p:nvSpPr>
+        <p:spPr>
+          <a:xfrm>
+            <a:off x="1580113" y="3139144"/>
+            <a:ext cx="9750495" cy="1644891"/>
+          </a:xfrm>
+        </p:spPr>
+        <p:txBody>
+          <a:bodyPr>
+            <a:normAutofit/>
+          </a:bodyPr>
+          <a:lstStyle/>
+          <a:p>
+            <a:pPr marL="457200" indent="-457200" algn="l">
+              <a:buFontTx/>
+              <a:buChar char="-"/>
+            </a:pPr>
+            <a:r>
+              <a:rPr lang="pt-BR" sz="3200" dirty="0"/>
+              <a:t>PRINCIPAIS FONTES UTILIZADAS (FORMATO ABNT)</a:t>
+            </a:r>
+          </a:p>
+        </p:txBody>
+      </p:sp>
+      <p:pic>
+        <p:nvPicPr>
+          <p:cNvPr id="4" name="Imagem 3">
+            <a:extLst>
+              <a:ext uri="{FF2B5EF4-FFF2-40B4-BE49-F238E27FC236}">
+                <a16:creationId xmlns:a16="http://schemas.microsoft.com/office/drawing/2014/main" id="{4DE49855-8442-4D60-81FD-DFE2DB045AC2}"/>
+              </a:ext>
+            </a:extLst>
+          </p:cNvPr>
+          <p:cNvPicPr/>
+          <p:nvPr/>
+        </p:nvPicPr>
+        <p:blipFill>
+          <a:blip r:embed="rId2">
+            <a:extLst>
+              <a:ext uri="{28A0092B-C50C-407E-A947-70E740481C1C}">
+                <a14:useLocalDpi xmlns:a14="http://schemas.microsoft.com/office/drawing/2010/main" val="0"/>
+              </a:ext>
+            </a:extLst>
+          </a:blip>
+          <a:srcRect/>
+          <a:stretch>
+            <a:fillRect/>
+          </a:stretch>
+        </p:blipFill>
+        <p:spPr bwMode="auto">
+          <a:xfrm>
+            <a:off x="901148" y="207031"/>
+            <a:ext cx="1958215" cy="977900"/>
+          </a:xfrm>
+          <a:prstGeom prst="rect">
+            <a:avLst/>
+          </a:prstGeom>
+          <a:noFill/>
+          <a:ln>
+            <a:noFill/>
+          </a:ln>
+        </p:spPr>
+      </p:pic>
+      <p:pic>
+        <p:nvPicPr>
+          <p:cNvPr id="5" name="Imagem 4">
+            <a:extLst>
+              <a:ext uri="{FF2B5EF4-FFF2-40B4-BE49-F238E27FC236}">
+                <a16:creationId xmlns:a16="http://schemas.microsoft.com/office/drawing/2014/main" id="{00EB44F1-66E6-49A0-94D9-09FA009430BD}"/>
+              </a:ext>
+            </a:extLst>
+          </p:cNvPr>
+          <p:cNvPicPr/>
+          <p:nvPr/>
+        </p:nvPicPr>
+        <p:blipFill>
+          <a:blip r:embed="rId3">
+            <a:extLst>
+              <a:ext uri="{28A0092B-C50C-407E-A947-70E740481C1C}">
+                <a14:useLocalDpi xmlns:a14="http://schemas.microsoft.com/office/drawing/2010/main" val="0"/>
+              </a:ext>
+            </a:extLst>
+          </a:blip>
+          <a:stretch>
+            <a:fillRect/>
+          </a:stretch>
+        </p:blipFill>
+        <p:spPr>
+          <a:xfrm>
+            <a:off x="8481392" y="273982"/>
+            <a:ext cx="3142076" cy="852210"/>
+          </a:xfrm>
+          <a:prstGeom prst="rect">
+            <a:avLst/>
+          </a:prstGeom>
+        </p:spPr>
+      </p:pic>
+    </p:spTree>
+    <p:extLst>
+      <p:ext uri="{BB962C8B-B14F-4D97-AF65-F5344CB8AC3E}">
+        <p14:creationId xmlns:p14="http://schemas.microsoft.com/office/powerpoint/2010/main" val="3994031553"/>
+      </p:ext>
+    </p:extLst>
+  </p:cSld>
+  <p:clrMapOvr>
+    <a:masterClrMapping/>
+  </p:clrMapOvr>
+</p:sld>
+</file>
+
+<file path=ppt/slides/slide23.xml><?xml version="1.0" encoding="utf-8"?>
+<p:sld xmlns:a="http://schemas.openxmlformats.org/drawingml/2006/main" xmlns:r="http://schemas.openxmlformats.org/officeDocument/2006/relationships" xmlns:p="http://schemas.openxmlformats.org/presentationml/2006/main">
+  <p:cSld>
+    <p:spTree>
+      <p:nvGrpSpPr>
+        <p:cNvPr id="1" name=""/>
+        <p:cNvGrpSpPr/>
+        <p:nvPr/>
+      </p:nvGrpSpPr>
+      <p:grpSpPr>
+        <a:xfrm>
+          <a:off x="0" y="0"/>
+          <a:ext cx="0" cy="0"/>
+          <a:chOff x="0" y="0"/>
+          <a:chExt cx="0" cy="0"/>
+        </a:xfrm>
+      </p:grpSpPr>
+      <p:sp>
+        <p:nvSpPr>
+          <p:cNvPr id="2" name="Título 1">
+            <a:extLst>
+              <a:ext uri="{FF2B5EF4-FFF2-40B4-BE49-F238E27FC236}">
+                <a16:creationId xmlns:a16="http://schemas.microsoft.com/office/drawing/2014/main" id="{5E447ACB-E7DF-4BBE-AC44-A1AC9F22CAC8}"/>
+              </a:ext>
+            </a:extLst>
+          </p:cNvPr>
+          <p:cNvSpPr>
+            <a:spLocks noGrp="1"/>
+          </p:cNvSpPr>
+          <p:nvPr>
+            <p:ph type="ctrTitle"/>
+          </p:nvPr>
+        </p:nvSpPr>
+        <p:spPr>
+          <a:xfrm>
+            <a:off x="1580113" y="2024615"/>
+            <a:ext cx="9144000" cy="852211"/>
+          </a:xfrm>
+        </p:spPr>
+        <p:txBody>
+          <a:bodyPr>
+            <a:noAutofit/>
+          </a:bodyPr>
+          <a:lstStyle/>
+          <a:p>
+            <a:r>
+              <a:rPr lang="pt-BR" sz="4800" dirty="0"/>
               <a:t>AGRADECIMENTOS (OPCIONAL)</a:t>
             </a:r>
           </a:p>
@@ -7844,8 +8547,8 @@
         </p:nvSpPr>
         <p:spPr>
           <a:xfrm>
-            <a:off x="1580114" y="1706563"/>
-            <a:ext cx="9144000" cy="852211"/>
+            <a:off x="1523999" y="1329337"/>
+            <a:ext cx="9995731" cy="852211"/>
           </a:xfrm>
         </p:spPr>
         <p:txBody>
@@ -7856,7 +8559,7 @@
           <a:p>
             <a:r>
               <a:rPr lang="pt-BR" dirty="0"/>
-              <a:t>METODOLOGIA</a:t>
+              <a:t>METODOLOGIA (Tipo de Pesquisa)</a:t>
             </a:r>
           </a:p>
         </p:txBody>
@@ -7879,13 +8582,13 @@
         </p:nvSpPr>
         <p:spPr>
           <a:xfrm>
-            <a:off x="1580113" y="3139144"/>
-            <a:ext cx="9750495" cy="1896681"/>
+            <a:off x="1469018" y="2384694"/>
+            <a:ext cx="9750495" cy="3347114"/>
           </a:xfrm>
         </p:spPr>
         <p:txBody>
           <a:bodyPr>
-            <a:normAutofit fontScale="92500"/>
+            <a:normAutofit fontScale="77500" lnSpcReduction="20000"/>
           </a:bodyPr>
           <a:lstStyle/>
           <a:p>
@@ -7894,8 +8597,15 @@
               <a:buChar char="-"/>
             </a:pPr>
             <a:r>
+              <a:rPr lang="pt-BR" sz="2800" b="1" dirty="0"/>
+              <a:t>Revisão Bibliográfica</a:t>
+            </a:r>
+            <a:br>
               <a:rPr lang="pt-BR" sz="2800" dirty="0"/>
-              <a:t>TIPO DE PESQUISA: PESQUISA EXPLORATÓRIA, DESCRITIVA, EXPERIMENTAL, DE REVISÃO BIBLIOGRÁFICA E O ESTUDO DE CASO</a:t>
+            </a:br>
+            <a:r>
+              <a:rPr lang="pt-BR" sz="2800" dirty="0"/>
+              <a:t>Levantamento sistemático de artigos e livros sobre gamificação na educação (Google Acadêmico, bases científicas).</a:t>
             </a:r>
           </a:p>
           <a:p>
@@ -7904,8 +8614,15 @@
               <a:buChar char="-"/>
             </a:pPr>
             <a:r>
+              <a:rPr lang="pt-BR" sz="2800" b="1" dirty="0"/>
+              <a:t>Pesquisa Descritiva</a:t>
+            </a:r>
+            <a:br>
               <a:rPr lang="pt-BR" sz="2800" dirty="0"/>
-              <a:t>COMO VOCÊ COLETOU OS DADOS?</a:t>
+            </a:br>
+            <a:r>
+              <a:rPr lang="pt-BR" sz="2800" dirty="0"/>
+              <a:t>Mapeamento das características da plataforma (funcionalidades, tecnologia, fluxo de usuário).</a:t>
             </a:r>
           </a:p>
           <a:p>
@@ -7914,8 +8631,32 @@
               <a:buChar char="-"/>
             </a:pPr>
             <a:r>
+              <a:rPr lang="pt-BR" sz="2800" b="1" dirty="0"/>
+              <a:t>Estudo de Caso</a:t>
+            </a:r>
+            <a:br>
               <a:rPr lang="pt-BR" sz="2800" dirty="0"/>
-              <a:t>ONDE E COM QUEM FOI REALIZADA A PESQUISA?</a:t>
+            </a:br>
+            <a:r>
+              <a:rPr lang="pt-BR" sz="2800" dirty="0"/>
+              <a:t>Exame do projeto-piloto Play2Learn como um caso de aplicação de gamificação no Ensino Médio.</a:t>
+            </a:r>
+          </a:p>
+          <a:p>
+            <a:pPr marL="457200" indent="-457200" algn="l">
+              <a:buFontTx/>
+              <a:buChar char="-"/>
+            </a:pPr>
+            <a:r>
+              <a:rPr lang="pt-BR" sz="2800" b="1" dirty="0"/>
+              <a:t>Pesquisa Exploratória</a:t>
+            </a:r>
+            <a:br>
+              <a:rPr lang="pt-BR" sz="2800" dirty="0"/>
+            </a:br>
+            <a:r>
+              <a:rPr lang="pt-BR" sz="2800" dirty="0"/>
+              <a:t>Investigação inicial para identificar problemas de evasão e engajamento em materiais teóricos e relatórios do IBGE e Instituto Ayrton Senna.</a:t>
             </a:r>
           </a:p>
         </p:txBody>
@@ -8011,7 +8752,13 @@
   <p:cSld>
     <p:spTree>
       <p:nvGrpSpPr>
-        <p:cNvPr id="1" name=""/>
+        <p:cNvPr id="1" name="">
+          <a:extLst>
+            <a:ext uri="{FF2B5EF4-FFF2-40B4-BE49-F238E27FC236}">
+              <a16:creationId xmlns:a16="http://schemas.microsoft.com/office/drawing/2014/main" id="{946AF235-DE9F-259C-30CA-319465FE720B}"/>
+            </a:ext>
+          </a:extLst>
+        </p:cNvPr>
         <p:cNvGrpSpPr/>
         <p:nvPr/>
       </p:nvGrpSpPr>
@@ -8028,7 +8775,7 @@
           <p:cNvPr id="2" name="Título 1">
             <a:extLst>
               <a:ext uri="{FF2B5EF4-FFF2-40B4-BE49-F238E27FC236}">
-                <a16:creationId xmlns:a16="http://schemas.microsoft.com/office/drawing/2014/main" id="{5E447ACB-E7DF-4BBE-AC44-A1AC9F22CAC8}"/>
+                <a16:creationId xmlns:a16="http://schemas.microsoft.com/office/drawing/2014/main" id="{8FAD09A0-52C1-CBDE-4D7B-B86452663256}"/>
               </a:ext>
             </a:extLst>
           </p:cNvPr>
@@ -8041,19 +8788,19 @@
         </p:nvSpPr>
         <p:spPr>
           <a:xfrm>
-            <a:off x="1580113" y="1339195"/>
-            <a:ext cx="9144000" cy="852211"/>
+            <a:off x="1580113" y="1304910"/>
+            <a:ext cx="9750495" cy="852211"/>
           </a:xfrm>
         </p:spPr>
         <p:txBody>
           <a:bodyPr>
-            <a:noAutofit/>
+            <a:normAutofit fontScale="90000"/>
           </a:bodyPr>
           <a:lstStyle/>
           <a:p>
             <a:r>
-              <a:rPr lang="pt-BR" sz="4800" dirty="0"/>
-              <a:t>DESENVOLVIMENTO</a:t>
+              <a:rPr lang="pt-BR" dirty="0"/>
+              <a:t>METODOLOGIA (Coleta de Dados)</a:t>
             </a:r>
           </a:p>
         </p:txBody>
@@ -8063,7 +8810,7 @@
           <p:cNvPr id="3" name="Subtítulo 2">
             <a:extLst>
               <a:ext uri="{FF2B5EF4-FFF2-40B4-BE49-F238E27FC236}">
-                <a16:creationId xmlns:a16="http://schemas.microsoft.com/office/drawing/2014/main" id="{D925F25B-ABDD-439F-B7AE-9A79A3FDC1CE}"/>
+                <a16:creationId xmlns:a16="http://schemas.microsoft.com/office/drawing/2014/main" id="{837E3163-D9C6-5887-3A44-B81034BFCB99}"/>
               </a:ext>
             </a:extLst>
           </p:cNvPr>
@@ -8076,8 +8823,8 @@
         </p:nvSpPr>
         <p:spPr>
           <a:xfrm>
-            <a:off x="1276865" y="2345670"/>
-            <a:ext cx="9750495" cy="3525291"/>
+            <a:off x="1580114" y="2404207"/>
+            <a:ext cx="9750495" cy="3321477"/>
           </a:xfrm>
         </p:spPr>
         <p:txBody>
@@ -8092,73 +8839,55 @@
             </a:pPr>
             <a:r>
               <a:rPr lang="pt-BR" sz="2800" b="1" dirty="0"/>
-              <a:t>Atores</a:t>
-            </a:r>
-            <a:endParaRPr lang="pt-BR" b="1" dirty="0"/>
-          </a:p>
-          <a:p>
-            <a:pPr marL="914400" lvl="1" indent="-457200" algn="l">
+              <a:t>Revisão de Literatura</a:t>
+            </a:r>
+            <a:br>
+              <a:rPr lang="pt-BR" sz="1600" dirty="0"/>
+            </a:br>
+            <a:r>
+              <a:rPr lang="pt-BR" sz="2000" dirty="0"/>
+              <a:t>Seleção de artigos, teses e relatórios sobre gamificação e engajamento escolar.</a:t>
+            </a:r>
+          </a:p>
+          <a:p>
+            <a:pPr marL="457200" indent="-457200" algn="l">
               <a:buFontTx/>
               <a:buChar char="-"/>
             </a:pPr>
             <a:r>
-              <a:rPr lang="pt-BR" sz="2400" dirty="0">
-                <a:effectLst/>
-                <a:latin typeface="Arial" panose="020B0604020202020204" pitchFamily="34" charset="0"/>
-                <a:ea typeface="Calibri" panose="020F0502020204030204" pitchFamily="34" charset="0"/>
-              </a:rPr>
-              <a:t>Aluno</a:t>
-            </a:r>
-          </a:p>
-          <a:p>
-            <a:pPr marL="914400" lvl="1" indent="-457200" algn="l">
+              <a:rPr lang="pt-BR" sz="2800" b="1" dirty="0"/>
+              <a:t>Entrevistas pessoais</a:t>
+            </a:r>
+            <a:br>
+              <a:rPr lang="pt-BR" sz="2000" dirty="0"/>
+            </a:br>
+            <a:r>
+              <a:rPr lang="pt-BR" sz="2000" dirty="0"/>
+              <a:t>Foram realizadas entrevistas informais com conhecidos que ainda fazem pare do Ensino Médio, para mapear hábitos de estudo e motivação</a:t>
+            </a:r>
+          </a:p>
+          <a:p>
+            <a:pPr marL="457200" indent="-457200" algn="l">
               <a:buFontTx/>
               <a:buChar char="-"/>
             </a:pPr>
             <a:r>
-              <a:rPr lang="pt-BR" sz="2400" dirty="0">
-                <a:effectLst/>
-                <a:latin typeface="Arial" panose="020B0604020202020204" pitchFamily="34" charset="0"/>
-                <a:ea typeface="Calibri" panose="020F0502020204030204" pitchFamily="34" charset="0"/>
-              </a:rPr>
-              <a:t>Professor</a:t>
-            </a:r>
-            <a:endParaRPr lang="pt-BR" sz="2400" dirty="0">
-              <a:latin typeface="Arial" panose="020B0604020202020204" pitchFamily="34" charset="0"/>
-              <a:ea typeface="Calibri" panose="020F0502020204030204" pitchFamily="34" charset="0"/>
-            </a:endParaRPr>
-          </a:p>
-          <a:p>
-            <a:pPr marL="914400" lvl="1" indent="-457200" algn="l">
+              <a:rPr lang="pt-BR" sz="2800" b="1" dirty="0"/>
+              <a:t>Fontes Secundárias</a:t>
+            </a:r>
+            <a:br>
+              <a:rPr lang="pt-BR" sz="1600" dirty="0"/>
+            </a:br>
+            <a:r>
+              <a:rPr lang="pt-BR" sz="2000" dirty="0"/>
+              <a:t>Estatísticas de evasão e desempenho (IBGE, INEP, publicações institucionais)</a:t>
+            </a:r>
+          </a:p>
+          <a:p>
+            <a:pPr marL="457200" indent="-457200" algn="l">
               <a:buFontTx/>
               <a:buChar char="-"/>
             </a:pPr>
-            <a:r>
-              <a:rPr lang="pt-BR" sz="2400" dirty="0">
-                <a:effectLst/>
-                <a:latin typeface="Arial" panose="020B0604020202020204" pitchFamily="34" charset="0"/>
-                <a:ea typeface="Calibri" panose="020F0502020204030204" pitchFamily="34" charset="0"/>
-              </a:rPr>
-              <a:t>Diretor</a:t>
-            </a:r>
-          </a:p>
-          <a:p>
-            <a:pPr marL="914400" lvl="1" indent="-457200" algn="l">
-              <a:buFontTx/>
-              <a:buChar char="-"/>
-            </a:pPr>
-            <a:r>
-              <a:rPr lang="pt-BR" sz="2400" dirty="0">
-                <a:effectLst/>
-                <a:latin typeface="Arial" panose="020B0604020202020204" pitchFamily="34" charset="0"/>
-                <a:ea typeface="Calibri" panose="020F0502020204030204" pitchFamily="34" charset="0"/>
-              </a:rPr>
-              <a:t>Administrador</a:t>
-            </a:r>
-            <a:endParaRPr lang="pt-BR" sz="2400" dirty="0"/>
-          </a:p>
-          <a:p>
-            <a:pPr algn="l"/>
             <a:endParaRPr lang="pt-BR" sz="2800" dirty="0"/>
           </a:p>
         </p:txBody>
@@ -8168,7 +8897,7 @@
           <p:cNvPr id="4" name="Imagem 3">
             <a:extLst>
               <a:ext uri="{FF2B5EF4-FFF2-40B4-BE49-F238E27FC236}">
-                <a16:creationId xmlns:a16="http://schemas.microsoft.com/office/drawing/2014/main" id="{4DE49855-8442-4D60-81FD-DFE2DB045AC2}"/>
+                <a16:creationId xmlns:a16="http://schemas.microsoft.com/office/drawing/2014/main" id="{928A2235-C52E-3735-872A-B40D7924CE6F}"/>
               </a:ext>
             </a:extLst>
           </p:cNvPr>
@@ -8207,7 +8936,7 @@
           <p:cNvPr id="5" name="Imagem 4">
             <a:extLst>
               <a:ext uri="{FF2B5EF4-FFF2-40B4-BE49-F238E27FC236}">
-                <a16:creationId xmlns:a16="http://schemas.microsoft.com/office/drawing/2014/main" id="{00EB44F1-66E6-49A0-94D9-09FA009430BD}"/>
+                <a16:creationId xmlns:a16="http://schemas.microsoft.com/office/drawing/2014/main" id="{1689A014-497A-87BA-B1B2-8A829855F4E1}"/>
               </a:ext>
             </a:extLst>
           </p:cNvPr>
@@ -8239,7 +8968,7 @@
     </p:spTree>
     <p:extLst>
       <p:ext uri="{BB962C8B-B14F-4D97-AF65-F5344CB8AC3E}">
-        <p14:creationId xmlns:p14="http://schemas.microsoft.com/office/powerpoint/2010/main" val="1917091790"/>
+        <p14:creationId xmlns:p14="http://schemas.microsoft.com/office/powerpoint/2010/main" val="3620024156"/>
       </p:ext>
     </p:extLst>
   </p:cSld>
@@ -8254,7 +8983,13 @@
   <p:cSld>
     <p:spTree>
       <p:nvGrpSpPr>
-        <p:cNvPr id="1" name=""/>
+        <p:cNvPr id="1" name="">
+          <a:extLst>
+            <a:ext uri="{FF2B5EF4-FFF2-40B4-BE49-F238E27FC236}">
+              <a16:creationId xmlns:a16="http://schemas.microsoft.com/office/drawing/2014/main" id="{0A850B17-B98A-1D8C-C610-E88FFA6D4CF6}"/>
+            </a:ext>
+          </a:extLst>
+        </p:cNvPr>
         <p:cNvGrpSpPr/>
         <p:nvPr/>
       </p:nvGrpSpPr>
@@ -8271,7 +9006,7 @@
           <p:cNvPr id="2" name="Título 1">
             <a:extLst>
               <a:ext uri="{FF2B5EF4-FFF2-40B4-BE49-F238E27FC236}">
-                <a16:creationId xmlns:a16="http://schemas.microsoft.com/office/drawing/2014/main" id="{5E447ACB-E7DF-4BBE-AC44-A1AC9F22CAC8}"/>
+                <a16:creationId xmlns:a16="http://schemas.microsoft.com/office/drawing/2014/main" id="{28DE7EB5-C947-3A8E-EC23-1FED5749F638}"/>
               </a:ext>
             </a:extLst>
           </p:cNvPr>
@@ -8284,19 +9019,19 @@
         </p:nvSpPr>
         <p:spPr>
           <a:xfrm>
-            <a:off x="1417743" y="942458"/>
-            <a:ext cx="9144000" cy="852211"/>
+            <a:off x="1066807" y="1638197"/>
+            <a:ext cx="10777105" cy="852211"/>
           </a:xfrm>
         </p:spPr>
         <p:txBody>
           <a:bodyPr>
-            <a:noAutofit/>
+            <a:normAutofit fontScale="90000"/>
           </a:bodyPr>
           <a:lstStyle/>
           <a:p>
             <a:r>
-              <a:rPr lang="pt-BR" sz="4800" dirty="0"/>
-              <a:t>DESENVOLVIMENTO</a:t>
+              <a:rPr lang="pt-BR" dirty="0"/>
+              <a:t>METODOLOGIA (Local e Participantes)</a:t>
             </a:r>
           </a:p>
         </p:txBody>
@@ -8306,7 +9041,7 @@
           <p:cNvPr id="3" name="Subtítulo 2">
             <a:extLst>
               <a:ext uri="{FF2B5EF4-FFF2-40B4-BE49-F238E27FC236}">
-                <a16:creationId xmlns:a16="http://schemas.microsoft.com/office/drawing/2014/main" id="{D925F25B-ABDD-439F-B7AE-9A79A3FDC1CE}"/>
+                <a16:creationId xmlns:a16="http://schemas.microsoft.com/office/drawing/2014/main" id="{D2CF158D-A03D-2A3A-60A0-023DB6C50F98}"/>
               </a:ext>
             </a:extLst>
           </p:cNvPr>
@@ -8319,13 +9054,13 @@
         </p:nvSpPr>
         <p:spPr>
           <a:xfrm>
-            <a:off x="1220752" y="1920358"/>
-            <a:ext cx="9750495" cy="1896681"/>
+            <a:off x="1580113" y="3139144"/>
+            <a:ext cx="9750495" cy="2766000"/>
           </a:xfrm>
         </p:spPr>
         <p:txBody>
           <a:bodyPr>
-            <a:normAutofit/>
+            <a:normAutofit lnSpcReduction="10000"/>
           </a:bodyPr>
           <a:lstStyle/>
           <a:p>
@@ -8334,9 +9069,62 @@
               <a:buChar char="-"/>
             </a:pPr>
             <a:r>
+              <a:rPr lang="pt-BR" sz="2800" b="1" dirty="0"/>
+              <a:t>Local</a:t>
+            </a:r>
+            <a:r>
               <a:rPr lang="pt-BR" sz="2800" dirty="0"/>
-              <a:t>Diagrama de Classe</a:t>
-            </a:r>
+              <a:t>:</a:t>
+            </a:r>
+            <a:br>
+              <a:rPr lang="pt-BR" sz="2000" dirty="0"/>
+            </a:br>
+            <a:r>
+              <a:rPr lang="pt-BR" sz="2000" dirty="0"/>
+              <a:t>Liceu Santista (Santos/SP) — laboratórios de informática e salas de aula.</a:t>
+            </a:r>
+          </a:p>
+          <a:p>
+            <a:pPr marL="457200" indent="-457200" algn="l">
+              <a:buFontTx/>
+              <a:buChar char="-"/>
+            </a:pPr>
+            <a:r>
+              <a:rPr lang="pt-BR" sz="2800" b="1" dirty="0"/>
+              <a:t>Participantes:</a:t>
+            </a:r>
+            <a:br>
+              <a:rPr lang="pt-BR" sz="2800" dirty="0"/>
+            </a:br>
+            <a:r>
+              <a:rPr lang="pt-BR" sz="2000" dirty="0"/>
+              <a:t>Alunos: turma-piloto de 2ª série (n≈10), selecionados por conveniência.</a:t>
+            </a:r>
+          </a:p>
+          <a:p>
+            <a:pPr marL="457200" indent="-457200" algn="l">
+              <a:buFontTx/>
+              <a:buChar char="-"/>
+            </a:pPr>
+            <a:r>
+              <a:rPr lang="pt-BR" sz="3000" b="1" dirty="0"/>
+              <a:t>Período:</a:t>
+            </a:r>
+            <a:br>
+              <a:rPr lang="pt-BR" sz="2000" dirty="0"/>
+            </a:br>
+            <a:r>
+              <a:rPr lang="pt-BR" sz="2000" dirty="0"/>
+              <a:t>Dia 28 de maio de 2025, durante o período da tarde, teste em laboratório de informática</a:t>
+            </a:r>
+          </a:p>
+          <a:p>
+            <a:pPr algn="l"/>
+            <a:r>
+              <a:rPr lang="pt-BR" sz="2000" dirty="0"/>
+              <a:t>	</a:t>
+            </a:r>
+            <a:endParaRPr lang="pt-BR" sz="2800" dirty="0"/>
           </a:p>
         </p:txBody>
       </p:sp>
@@ -8345,7 +9133,7 @@
           <p:cNvPr id="4" name="Imagem 3">
             <a:extLst>
               <a:ext uri="{FF2B5EF4-FFF2-40B4-BE49-F238E27FC236}">
-                <a16:creationId xmlns:a16="http://schemas.microsoft.com/office/drawing/2014/main" id="{4DE49855-8442-4D60-81FD-DFE2DB045AC2}"/>
+                <a16:creationId xmlns:a16="http://schemas.microsoft.com/office/drawing/2014/main" id="{5A2928C0-B3A7-E388-2948-1D0702AC38AF}"/>
               </a:ext>
             </a:extLst>
           </p:cNvPr>
@@ -8384,7 +9172,7 @@
           <p:cNvPr id="5" name="Imagem 4">
             <a:extLst>
               <a:ext uri="{FF2B5EF4-FFF2-40B4-BE49-F238E27FC236}">
-                <a16:creationId xmlns:a16="http://schemas.microsoft.com/office/drawing/2014/main" id="{00EB44F1-66E6-49A0-94D9-09FA009430BD}"/>
+                <a16:creationId xmlns:a16="http://schemas.microsoft.com/office/drawing/2014/main" id="{7396E38A-7803-6EC0-67C0-4E8ED4C1CFFF}"/>
               </a:ext>
             </a:extLst>
           </p:cNvPr>
@@ -8413,107 +9201,10 @@
           </a:prstGeom>
         </p:spPr>
       </p:pic>
-      <p:pic>
-        <p:nvPicPr>
-          <p:cNvPr id="6" name="Imagem 5" descr="Diagrama, Desenho técnico&#10;&#10;O conteúdo gerado por IA pode estar incorreto.">
-            <a:extLst>
-              <a:ext uri="{FF2B5EF4-FFF2-40B4-BE49-F238E27FC236}">
-                <a16:creationId xmlns:a16="http://schemas.microsoft.com/office/drawing/2014/main" id="{B550CFC9-D36F-B621-311A-377D52F54910}"/>
-              </a:ext>
-            </a:extLst>
-          </p:cNvPr>
-          <p:cNvPicPr>
-            <a:picLocks noChangeAspect="1"/>
-          </p:cNvPicPr>
-          <p:nvPr/>
-        </p:nvPicPr>
-        <p:blipFill>
-          <a:blip r:embed="rId4">
-            <a:extLst>
-              <a:ext uri="{28A0092B-C50C-407E-A947-70E740481C1C}">
-                <a14:useLocalDpi xmlns:a14="http://schemas.microsoft.com/office/drawing/2010/main" val="0"/>
-              </a:ext>
-            </a:extLst>
-          </a:blip>
-          <a:srcRect/>
-          <a:stretch>
-            <a:fillRect/>
-          </a:stretch>
-        </p:blipFill>
-        <p:spPr bwMode="auto">
-          <a:xfrm>
-            <a:off x="5798459" y="1794668"/>
-            <a:ext cx="4823105" cy="4755586"/>
-          </a:xfrm>
-          <a:prstGeom prst="rect">
-            <a:avLst/>
-          </a:prstGeom>
-          <a:noFill/>
-          <a:ln>
-            <a:noFill/>
-          </a:ln>
-        </p:spPr>
-      </p:pic>
-      <p:sp>
-        <p:nvSpPr>
-          <p:cNvPr id="8" name="CaixaDeTexto 7">
-            <a:extLst>
-              <a:ext uri="{FF2B5EF4-FFF2-40B4-BE49-F238E27FC236}">
-                <a16:creationId xmlns:a16="http://schemas.microsoft.com/office/drawing/2014/main" id="{726E5CC1-EEC2-CA63-0847-2348B81DF330}"/>
-              </a:ext>
-            </a:extLst>
-          </p:cNvPr>
-          <p:cNvSpPr txBox="1"/>
-          <p:nvPr/>
-        </p:nvSpPr>
-        <p:spPr>
-          <a:xfrm>
-            <a:off x="5716827" y="6537443"/>
-            <a:ext cx="6097424" cy="276999"/>
-          </a:xfrm>
-          <a:prstGeom prst="rect">
-            <a:avLst/>
-          </a:prstGeom>
-          <a:noFill/>
-        </p:spPr>
-        <p:txBody>
-          <a:bodyPr wrap="square">
-            <a:spAutoFit/>
-          </a:bodyPr>
-          <a:lstStyle/>
-          <a:p>
-            <a:pPr algn="just"/>
-            <a:r>
-              <a:rPr lang="pt-BR" sz="1200" dirty="0">
-                <a:effectLst/>
-                <a:latin typeface="Arial" panose="020B0604020202020204" pitchFamily="34" charset="0"/>
-                <a:ea typeface="Calibri" panose="020F0502020204030204" pitchFamily="34" charset="0"/>
-                <a:cs typeface="Times New Roman" panose="02020603050405020304" pitchFamily="18" charset="0"/>
-              </a:rPr>
-              <a:t>Fonte: Elaborado pelo autor com </a:t>
-            </a:r>
-            <a:r>
-              <a:rPr lang="pt-BR" sz="1200" dirty="0" err="1">
-                <a:effectLst/>
-                <a:latin typeface="Arial" panose="020B0604020202020204" pitchFamily="34" charset="0"/>
-                <a:ea typeface="Calibri" panose="020F0502020204030204" pitchFamily="34" charset="0"/>
-                <a:cs typeface="Times New Roman" panose="02020603050405020304" pitchFamily="18" charset="0"/>
-              </a:rPr>
-              <a:t>PlantUML</a:t>
-            </a:r>
-            <a:endParaRPr lang="pt-BR" sz="1200" dirty="0">
-              <a:effectLst/>
-              <a:latin typeface="Calibri" panose="020F0502020204030204" pitchFamily="34" charset="0"/>
-              <a:ea typeface="Calibri" panose="020F0502020204030204" pitchFamily="34" charset="0"/>
-              <a:cs typeface="Times New Roman" panose="02020603050405020304" pitchFamily="18" charset="0"/>
-            </a:endParaRPr>
-          </a:p>
-        </p:txBody>
-      </p:sp>
     </p:spTree>
     <p:extLst>
       <p:ext uri="{BB962C8B-B14F-4D97-AF65-F5344CB8AC3E}">
-        <p14:creationId xmlns:p14="http://schemas.microsoft.com/office/powerpoint/2010/main" val="686589215"/>
+        <p14:creationId xmlns:p14="http://schemas.microsoft.com/office/powerpoint/2010/main" val="221259457"/>
       </p:ext>
     </p:extLst>
   </p:cSld>

--- a/liceu/3semestre/projeto integrador/tcc slide.pptx
+++ b/liceu/3semestre/projeto integrador/tcc slide.pptx
@@ -5,32 +5,33 @@
     <p:sldMasterId id="2147483648" r:id="rId1"/>
   </p:sldMasterIdLst>
   <p:notesMasterIdLst>
-    <p:notesMasterId r:id="rId25"/>
+    <p:notesMasterId r:id="rId26"/>
   </p:notesMasterIdLst>
   <p:sldIdLst>
     <p:sldId id="256" r:id="rId2"/>
-    <p:sldId id="258" r:id="rId3"/>
-    <p:sldId id="280" r:id="rId4"/>
-    <p:sldId id="259" r:id="rId5"/>
-    <p:sldId id="260" r:id="rId6"/>
-    <p:sldId id="261" r:id="rId7"/>
-    <p:sldId id="262" r:id="rId8"/>
-    <p:sldId id="279" r:id="rId9"/>
-    <p:sldId id="278" r:id="rId10"/>
-    <p:sldId id="273" r:id="rId11"/>
-    <p:sldId id="274" r:id="rId12"/>
-    <p:sldId id="275" r:id="rId13"/>
-    <p:sldId id="277" r:id="rId14"/>
-    <p:sldId id="263" r:id="rId15"/>
-    <p:sldId id="269" r:id="rId16"/>
-    <p:sldId id="270" r:id="rId17"/>
-    <p:sldId id="271" r:id="rId18"/>
-    <p:sldId id="272" r:id="rId19"/>
-    <p:sldId id="264" r:id="rId20"/>
-    <p:sldId id="265" r:id="rId21"/>
-    <p:sldId id="276" r:id="rId22"/>
-    <p:sldId id="266" r:id="rId23"/>
-    <p:sldId id="267" r:id="rId24"/>
+    <p:sldId id="281" r:id="rId3"/>
+    <p:sldId id="258" r:id="rId4"/>
+    <p:sldId id="280" r:id="rId5"/>
+    <p:sldId id="259" r:id="rId6"/>
+    <p:sldId id="260" r:id="rId7"/>
+    <p:sldId id="261" r:id="rId8"/>
+    <p:sldId id="262" r:id="rId9"/>
+    <p:sldId id="279" r:id="rId10"/>
+    <p:sldId id="278" r:id="rId11"/>
+    <p:sldId id="273" r:id="rId12"/>
+    <p:sldId id="274" r:id="rId13"/>
+    <p:sldId id="275" r:id="rId14"/>
+    <p:sldId id="277" r:id="rId15"/>
+    <p:sldId id="263" r:id="rId16"/>
+    <p:sldId id="269" r:id="rId17"/>
+    <p:sldId id="270" r:id="rId18"/>
+    <p:sldId id="271" r:id="rId19"/>
+    <p:sldId id="272" r:id="rId20"/>
+    <p:sldId id="264" r:id="rId21"/>
+    <p:sldId id="265" r:id="rId22"/>
+    <p:sldId id="276" r:id="rId23"/>
+    <p:sldId id="266" r:id="rId24"/>
+    <p:sldId id="267" r:id="rId25"/>
   </p:sldIdLst>
   <p:sldSz cx="12192000" cy="6858000"/>
   <p:notesSz cx="6858000" cy="9144000"/>
@@ -2391,6 +2392,753 @@
 </file>
 
 <file path=ppt/diagrams/colors4.xml><?xml version="1.0" encoding="utf-8"?>
+<dgm:colorsDef xmlns:dgm="http://schemas.openxmlformats.org/drawingml/2006/diagram" xmlns:a="http://schemas.openxmlformats.org/drawingml/2006/main" uniqueId="urn:microsoft.com/office/officeart/2005/8/colors/accent1_2">
+  <dgm:title val=""/>
+  <dgm:desc val=""/>
+  <dgm:catLst>
+    <dgm:cat type="accent1" pri="11200"/>
+  </dgm:catLst>
+  <dgm:styleLbl name="node0">
+    <dgm:fillClrLst meth="repeat">
+      <a:schemeClr val="accent1"/>
+    </dgm:fillClrLst>
+    <dgm:linClrLst meth="repeat">
+      <a:schemeClr val="lt1"/>
+    </dgm:linClrLst>
+    <dgm:effectClrLst/>
+    <dgm:txLinClrLst/>
+    <dgm:txFillClrLst/>
+    <dgm:txEffectClrLst/>
+  </dgm:styleLbl>
+  <dgm:styleLbl name="alignNode1">
+    <dgm:fillClrLst meth="repeat">
+      <a:schemeClr val="accent1"/>
+    </dgm:fillClrLst>
+    <dgm:linClrLst meth="repeat">
+      <a:schemeClr val="accent1"/>
+    </dgm:linClrLst>
+    <dgm:effectClrLst/>
+    <dgm:txLinClrLst/>
+    <dgm:txFillClrLst/>
+    <dgm:txEffectClrLst/>
+  </dgm:styleLbl>
+  <dgm:styleLbl name="node1">
+    <dgm:fillClrLst meth="repeat">
+      <a:schemeClr val="accent1"/>
+    </dgm:fillClrLst>
+    <dgm:linClrLst meth="repeat">
+      <a:schemeClr val="lt1"/>
+    </dgm:linClrLst>
+    <dgm:effectClrLst/>
+    <dgm:txLinClrLst/>
+    <dgm:txFillClrLst/>
+    <dgm:txEffectClrLst/>
+  </dgm:styleLbl>
+  <dgm:styleLbl name="lnNode1">
+    <dgm:fillClrLst meth="repeat">
+      <a:schemeClr val="accent1"/>
+    </dgm:fillClrLst>
+    <dgm:linClrLst meth="repeat">
+      <a:schemeClr val="lt1"/>
+    </dgm:linClrLst>
+    <dgm:effectClrLst/>
+    <dgm:txLinClrLst/>
+    <dgm:txFillClrLst/>
+    <dgm:txEffectClrLst/>
+  </dgm:styleLbl>
+  <dgm:styleLbl name="vennNode1">
+    <dgm:fillClrLst meth="repeat">
+      <a:schemeClr val="accent1">
+        <a:alpha val="50000"/>
+      </a:schemeClr>
+    </dgm:fillClrLst>
+    <dgm:linClrLst meth="repeat">
+      <a:schemeClr val="lt1"/>
+    </dgm:linClrLst>
+    <dgm:effectClrLst/>
+    <dgm:txLinClrLst/>
+    <dgm:txFillClrLst/>
+    <dgm:txEffectClrLst/>
+  </dgm:styleLbl>
+  <dgm:styleLbl name="node2">
+    <dgm:fillClrLst meth="repeat">
+      <a:schemeClr val="accent1"/>
+    </dgm:fillClrLst>
+    <dgm:linClrLst meth="repeat">
+      <a:schemeClr val="lt1"/>
+    </dgm:linClrLst>
+    <dgm:effectClrLst/>
+    <dgm:txLinClrLst/>
+    <dgm:txFillClrLst/>
+    <dgm:txEffectClrLst/>
+  </dgm:styleLbl>
+  <dgm:styleLbl name="node3">
+    <dgm:fillClrLst meth="repeat">
+      <a:schemeClr val="accent1"/>
+    </dgm:fillClrLst>
+    <dgm:linClrLst meth="repeat">
+      <a:schemeClr val="lt1"/>
+    </dgm:linClrLst>
+    <dgm:effectClrLst/>
+    <dgm:txLinClrLst/>
+    <dgm:txFillClrLst/>
+    <dgm:txEffectClrLst/>
+  </dgm:styleLbl>
+  <dgm:styleLbl name="node4">
+    <dgm:fillClrLst meth="repeat">
+      <a:schemeClr val="accent1"/>
+    </dgm:fillClrLst>
+    <dgm:linClrLst meth="repeat">
+      <a:schemeClr val="lt1"/>
+    </dgm:linClrLst>
+    <dgm:effectClrLst/>
+    <dgm:txLinClrLst/>
+    <dgm:txFillClrLst/>
+    <dgm:txEffectClrLst/>
+  </dgm:styleLbl>
+  <dgm:styleLbl name="fgImgPlace1">
+    <dgm:fillClrLst meth="repeat">
+      <a:schemeClr val="accent1">
+        <a:tint val="50000"/>
+      </a:schemeClr>
+    </dgm:fillClrLst>
+    <dgm:linClrLst meth="repeat">
+      <a:schemeClr val="lt1"/>
+    </dgm:linClrLst>
+    <dgm:effectClrLst/>
+    <dgm:txLinClrLst/>
+    <dgm:txFillClrLst meth="repeat">
+      <a:schemeClr val="lt1"/>
+    </dgm:txFillClrLst>
+    <dgm:txEffectClrLst/>
+  </dgm:styleLbl>
+  <dgm:styleLbl name="alignImgPlace1">
+    <dgm:fillClrLst meth="repeat">
+      <a:schemeClr val="accent1">
+        <a:tint val="50000"/>
+      </a:schemeClr>
+    </dgm:fillClrLst>
+    <dgm:linClrLst meth="repeat">
+      <a:schemeClr val="lt1"/>
+    </dgm:linClrLst>
+    <dgm:effectClrLst/>
+    <dgm:txLinClrLst/>
+    <dgm:txFillClrLst meth="repeat">
+      <a:schemeClr val="lt1"/>
+    </dgm:txFillClrLst>
+    <dgm:txEffectClrLst/>
+  </dgm:styleLbl>
+  <dgm:styleLbl name="bgImgPlace1">
+    <dgm:fillClrLst meth="repeat">
+      <a:schemeClr val="accent1">
+        <a:tint val="50000"/>
+      </a:schemeClr>
+    </dgm:fillClrLst>
+    <dgm:linClrLst meth="repeat">
+      <a:schemeClr val="lt1"/>
+    </dgm:linClrLst>
+    <dgm:effectClrLst/>
+    <dgm:txLinClrLst/>
+    <dgm:txFillClrLst meth="repeat">
+      <a:schemeClr val="lt1"/>
+    </dgm:txFillClrLst>
+    <dgm:txEffectClrLst/>
+  </dgm:styleLbl>
+  <dgm:styleLbl name="sibTrans2D1">
+    <dgm:fillClrLst meth="repeat">
+      <a:schemeClr val="accent1">
+        <a:tint val="60000"/>
+      </a:schemeClr>
+    </dgm:fillClrLst>
+    <dgm:linClrLst meth="repeat">
+      <a:schemeClr val="accent1">
+        <a:tint val="60000"/>
+      </a:schemeClr>
+    </dgm:linClrLst>
+    <dgm:effectClrLst/>
+    <dgm:txLinClrLst/>
+    <dgm:txFillClrLst/>
+    <dgm:txEffectClrLst/>
+  </dgm:styleLbl>
+  <dgm:styleLbl name="fgSibTrans2D1">
+    <dgm:fillClrLst meth="repeat">
+      <a:schemeClr val="accent1">
+        <a:tint val="60000"/>
+      </a:schemeClr>
+    </dgm:fillClrLst>
+    <dgm:linClrLst meth="repeat">
+      <a:schemeClr val="accent1">
+        <a:tint val="60000"/>
+      </a:schemeClr>
+    </dgm:linClrLst>
+    <dgm:effectClrLst/>
+    <dgm:txLinClrLst/>
+    <dgm:txFillClrLst/>
+    <dgm:txEffectClrLst/>
+  </dgm:styleLbl>
+  <dgm:styleLbl name="bgSibTrans2D1">
+    <dgm:fillClrLst meth="repeat">
+      <a:schemeClr val="accent1">
+        <a:tint val="60000"/>
+      </a:schemeClr>
+    </dgm:fillClrLst>
+    <dgm:linClrLst meth="repeat">
+      <a:schemeClr val="accent1">
+        <a:tint val="60000"/>
+      </a:schemeClr>
+    </dgm:linClrLst>
+    <dgm:effectClrLst/>
+    <dgm:txLinClrLst/>
+    <dgm:txFillClrLst/>
+    <dgm:txEffectClrLst/>
+  </dgm:styleLbl>
+  <dgm:styleLbl name="sibTrans1D1">
+    <dgm:fillClrLst meth="repeat">
+      <a:schemeClr val="accent1"/>
+    </dgm:fillClrLst>
+    <dgm:linClrLst meth="repeat">
+      <a:schemeClr val="accent1"/>
+    </dgm:linClrLst>
+    <dgm:effectClrLst/>
+    <dgm:txLinClrLst/>
+    <dgm:txFillClrLst meth="repeat">
+      <a:schemeClr val="tx1"/>
+    </dgm:txFillClrLst>
+    <dgm:txEffectClrLst/>
+  </dgm:styleLbl>
+  <dgm:styleLbl name="callout">
+    <dgm:fillClrLst meth="repeat">
+      <a:schemeClr val="accent1"/>
+    </dgm:fillClrLst>
+    <dgm:linClrLst meth="repeat">
+      <a:schemeClr val="accent1">
+        <a:tint val="50000"/>
+      </a:schemeClr>
+    </dgm:linClrLst>
+    <dgm:effectClrLst/>
+    <dgm:txLinClrLst/>
+    <dgm:txFillClrLst meth="repeat">
+      <a:schemeClr val="tx1"/>
+    </dgm:txFillClrLst>
+    <dgm:txEffectClrLst/>
+  </dgm:styleLbl>
+  <dgm:styleLbl name="asst0">
+    <dgm:fillClrLst meth="repeat">
+      <a:schemeClr val="accent1"/>
+    </dgm:fillClrLst>
+    <dgm:linClrLst meth="repeat">
+      <a:schemeClr val="lt1"/>
+    </dgm:linClrLst>
+    <dgm:effectClrLst/>
+    <dgm:txLinClrLst/>
+    <dgm:txFillClrLst/>
+    <dgm:txEffectClrLst/>
+  </dgm:styleLbl>
+  <dgm:styleLbl name="asst1">
+    <dgm:fillClrLst meth="repeat">
+      <a:schemeClr val="accent1"/>
+    </dgm:fillClrLst>
+    <dgm:linClrLst meth="repeat">
+      <a:schemeClr val="lt1"/>
+    </dgm:linClrLst>
+    <dgm:effectClrLst/>
+    <dgm:txLinClrLst/>
+    <dgm:txFillClrLst/>
+    <dgm:txEffectClrLst/>
+  </dgm:styleLbl>
+  <dgm:styleLbl name="asst2">
+    <dgm:fillClrLst meth="repeat">
+      <a:schemeClr val="accent1"/>
+    </dgm:fillClrLst>
+    <dgm:linClrLst meth="repeat">
+      <a:schemeClr val="lt1"/>
+    </dgm:linClrLst>
+    <dgm:effectClrLst/>
+    <dgm:txLinClrLst/>
+    <dgm:txFillClrLst/>
+    <dgm:txEffectClrLst/>
+  </dgm:styleLbl>
+  <dgm:styleLbl name="asst3">
+    <dgm:fillClrLst meth="repeat">
+      <a:schemeClr val="accent1"/>
+    </dgm:fillClrLst>
+    <dgm:linClrLst meth="repeat">
+      <a:schemeClr val="lt1"/>
+    </dgm:linClrLst>
+    <dgm:effectClrLst/>
+    <dgm:txLinClrLst/>
+    <dgm:txFillClrLst/>
+    <dgm:txEffectClrLst/>
+  </dgm:styleLbl>
+  <dgm:styleLbl name="asst4">
+    <dgm:fillClrLst meth="repeat">
+      <a:schemeClr val="accent1"/>
+    </dgm:fillClrLst>
+    <dgm:linClrLst meth="repeat">
+      <a:schemeClr val="lt1"/>
+    </dgm:linClrLst>
+    <dgm:effectClrLst/>
+    <dgm:txLinClrLst/>
+    <dgm:txFillClrLst/>
+    <dgm:txEffectClrLst/>
+  </dgm:styleLbl>
+  <dgm:styleLbl name="parChTrans2D1">
+    <dgm:fillClrLst meth="repeat">
+      <a:schemeClr val="accent1">
+        <a:tint val="60000"/>
+      </a:schemeClr>
+    </dgm:fillClrLst>
+    <dgm:linClrLst meth="repeat">
+      <a:schemeClr val="accent1">
+        <a:tint val="60000"/>
+      </a:schemeClr>
+    </dgm:linClrLst>
+    <dgm:effectClrLst/>
+    <dgm:txLinClrLst/>
+    <dgm:txFillClrLst meth="repeat">
+      <a:schemeClr val="lt1"/>
+    </dgm:txFillClrLst>
+    <dgm:txEffectClrLst/>
+  </dgm:styleLbl>
+  <dgm:styleLbl name="parChTrans2D2">
+    <dgm:fillClrLst meth="repeat">
+      <a:schemeClr val="accent1"/>
+    </dgm:fillClrLst>
+    <dgm:linClrLst meth="repeat">
+      <a:schemeClr val="accent1"/>
+    </dgm:linClrLst>
+    <dgm:effectClrLst/>
+    <dgm:txLinClrLst/>
+    <dgm:txFillClrLst meth="repeat">
+      <a:schemeClr val="lt1"/>
+    </dgm:txFillClrLst>
+    <dgm:txEffectClrLst/>
+  </dgm:styleLbl>
+  <dgm:styleLbl name="parChTrans2D3">
+    <dgm:fillClrLst meth="repeat">
+      <a:schemeClr val="accent1"/>
+    </dgm:fillClrLst>
+    <dgm:linClrLst meth="repeat">
+      <a:schemeClr val="accent1"/>
+    </dgm:linClrLst>
+    <dgm:effectClrLst/>
+    <dgm:txLinClrLst/>
+    <dgm:txFillClrLst meth="repeat">
+      <a:schemeClr val="lt1"/>
+    </dgm:txFillClrLst>
+    <dgm:txEffectClrLst/>
+  </dgm:styleLbl>
+  <dgm:styleLbl name="parChTrans2D4">
+    <dgm:fillClrLst meth="repeat">
+      <a:schemeClr val="accent1"/>
+    </dgm:fillClrLst>
+    <dgm:linClrLst meth="repeat">
+      <a:schemeClr val="accent1"/>
+    </dgm:linClrLst>
+    <dgm:effectClrLst/>
+    <dgm:txLinClrLst/>
+    <dgm:txFillClrLst meth="repeat">
+      <a:schemeClr val="lt1"/>
+    </dgm:txFillClrLst>
+    <dgm:txEffectClrLst/>
+  </dgm:styleLbl>
+  <dgm:styleLbl name="parChTrans1D1">
+    <dgm:fillClrLst meth="repeat">
+      <a:schemeClr val="accent1"/>
+    </dgm:fillClrLst>
+    <dgm:linClrLst meth="repeat">
+      <a:schemeClr val="accent1">
+        <a:shade val="60000"/>
+      </a:schemeClr>
+    </dgm:linClrLst>
+    <dgm:effectClrLst/>
+    <dgm:txLinClrLst/>
+    <dgm:txFillClrLst meth="repeat">
+      <a:schemeClr val="tx1"/>
+    </dgm:txFillClrLst>
+    <dgm:txEffectClrLst/>
+  </dgm:styleLbl>
+  <dgm:styleLbl name="parChTrans1D2">
+    <dgm:fillClrLst meth="repeat">
+      <a:schemeClr val="accent1"/>
+    </dgm:fillClrLst>
+    <dgm:linClrLst meth="repeat">
+      <a:schemeClr val="accent1">
+        <a:shade val="60000"/>
+      </a:schemeClr>
+    </dgm:linClrLst>
+    <dgm:effectClrLst/>
+    <dgm:txLinClrLst/>
+    <dgm:txFillClrLst meth="repeat">
+      <a:schemeClr val="tx1"/>
+    </dgm:txFillClrLst>
+    <dgm:txEffectClrLst/>
+  </dgm:styleLbl>
+  <dgm:styleLbl name="parChTrans1D3">
+    <dgm:fillClrLst meth="repeat">
+      <a:schemeClr val="accent1"/>
+    </dgm:fillClrLst>
+    <dgm:linClrLst meth="repeat">
+      <a:schemeClr val="accent1">
+        <a:shade val="80000"/>
+      </a:schemeClr>
+    </dgm:linClrLst>
+    <dgm:effectClrLst/>
+    <dgm:txLinClrLst/>
+    <dgm:txFillClrLst meth="repeat">
+      <a:schemeClr val="tx1"/>
+    </dgm:txFillClrLst>
+    <dgm:txEffectClrLst/>
+  </dgm:styleLbl>
+  <dgm:styleLbl name="parChTrans1D4">
+    <dgm:fillClrLst meth="repeat">
+      <a:schemeClr val="accent1"/>
+    </dgm:fillClrLst>
+    <dgm:linClrLst meth="repeat">
+      <a:schemeClr val="accent1">
+        <a:shade val="80000"/>
+      </a:schemeClr>
+    </dgm:linClrLst>
+    <dgm:effectClrLst/>
+    <dgm:txLinClrLst/>
+    <dgm:txFillClrLst meth="repeat">
+      <a:schemeClr val="tx1"/>
+    </dgm:txFillClrLst>
+    <dgm:txEffectClrLst/>
+  </dgm:styleLbl>
+  <dgm:styleLbl name="fgAcc1">
+    <dgm:fillClrLst meth="repeat">
+      <a:schemeClr val="lt1">
+        <a:alpha val="90000"/>
+      </a:schemeClr>
+    </dgm:fillClrLst>
+    <dgm:linClrLst meth="repeat">
+      <a:schemeClr val="accent1"/>
+    </dgm:linClrLst>
+    <dgm:effectClrLst/>
+    <dgm:txLinClrLst/>
+    <dgm:txFillClrLst meth="repeat">
+      <a:schemeClr val="dk1"/>
+    </dgm:txFillClrLst>
+    <dgm:txEffectClrLst/>
+  </dgm:styleLbl>
+  <dgm:styleLbl name="conFgAcc1">
+    <dgm:fillClrLst meth="repeat">
+      <a:schemeClr val="lt1">
+        <a:alpha val="90000"/>
+      </a:schemeClr>
+    </dgm:fillClrLst>
+    <dgm:linClrLst meth="repeat">
+      <a:schemeClr val="accent1"/>
+    </dgm:linClrLst>
+    <dgm:effectClrLst/>
+    <dgm:txLinClrLst/>
+    <dgm:txFillClrLst meth="repeat">
+      <a:schemeClr val="dk1"/>
+    </dgm:txFillClrLst>
+    <dgm:txEffectClrLst/>
+  </dgm:styleLbl>
+  <dgm:styleLbl name="alignAcc1">
+    <dgm:fillClrLst meth="repeat">
+      <a:schemeClr val="lt1">
+        <a:alpha val="90000"/>
+      </a:schemeClr>
+    </dgm:fillClrLst>
+    <dgm:linClrLst meth="repeat">
+      <a:schemeClr val="accent1"/>
+    </dgm:linClrLst>
+    <dgm:effectClrLst/>
+    <dgm:txLinClrLst/>
+    <dgm:txFillClrLst meth="repeat">
+      <a:schemeClr val="dk1"/>
+    </dgm:txFillClrLst>
+    <dgm:txEffectClrLst/>
+  </dgm:styleLbl>
+  <dgm:styleLbl name="trAlignAcc1">
+    <dgm:fillClrLst meth="repeat">
+      <a:schemeClr val="lt1">
+        <a:alpha val="40000"/>
+      </a:schemeClr>
+    </dgm:fillClrLst>
+    <dgm:linClrLst meth="repeat">
+      <a:schemeClr val="accent1"/>
+    </dgm:linClrLst>
+    <dgm:effectClrLst/>
+    <dgm:txLinClrLst/>
+    <dgm:txFillClrLst meth="repeat">
+      <a:schemeClr val="dk1"/>
+    </dgm:txFillClrLst>
+    <dgm:txEffectClrLst/>
+  </dgm:styleLbl>
+  <dgm:styleLbl name="bgAcc1">
+    <dgm:fillClrLst meth="repeat">
+      <a:schemeClr val="lt1">
+        <a:alpha val="90000"/>
+      </a:schemeClr>
+    </dgm:fillClrLst>
+    <dgm:linClrLst meth="repeat">
+      <a:schemeClr val="accent1"/>
+    </dgm:linClrLst>
+    <dgm:effectClrLst/>
+    <dgm:txLinClrLst/>
+    <dgm:txFillClrLst meth="repeat">
+      <a:schemeClr val="dk1"/>
+    </dgm:txFillClrLst>
+    <dgm:txEffectClrLst/>
+  </dgm:styleLbl>
+  <dgm:styleLbl name="solidFgAcc1">
+    <dgm:fillClrLst meth="repeat">
+      <a:schemeClr val="lt1"/>
+    </dgm:fillClrLst>
+    <dgm:linClrLst meth="repeat">
+      <a:schemeClr val="accent1"/>
+    </dgm:linClrLst>
+    <dgm:effectClrLst/>
+    <dgm:txLinClrLst/>
+    <dgm:txFillClrLst meth="repeat">
+      <a:schemeClr val="dk1"/>
+    </dgm:txFillClrLst>
+    <dgm:txEffectClrLst/>
+  </dgm:styleLbl>
+  <dgm:styleLbl name="solidAlignAcc1">
+    <dgm:fillClrLst meth="repeat">
+      <a:schemeClr val="lt1"/>
+    </dgm:fillClrLst>
+    <dgm:linClrLst meth="repeat">
+      <a:schemeClr val="accent1"/>
+    </dgm:linClrLst>
+    <dgm:effectClrLst/>
+    <dgm:txLinClrLst/>
+    <dgm:txFillClrLst meth="repeat">
+      <a:schemeClr val="dk1"/>
+    </dgm:txFillClrLst>
+    <dgm:txEffectClrLst/>
+  </dgm:styleLbl>
+  <dgm:styleLbl name="solidBgAcc1">
+    <dgm:fillClrLst meth="repeat">
+      <a:schemeClr val="lt1"/>
+    </dgm:fillClrLst>
+    <dgm:linClrLst meth="repeat">
+      <a:schemeClr val="accent1"/>
+    </dgm:linClrLst>
+    <dgm:effectClrLst/>
+    <dgm:txLinClrLst/>
+    <dgm:txFillClrLst meth="repeat">
+      <a:schemeClr val="dk1"/>
+    </dgm:txFillClrLst>
+    <dgm:txEffectClrLst/>
+  </dgm:styleLbl>
+  <dgm:styleLbl name="fgAccFollowNode1">
+    <dgm:fillClrLst meth="repeat">
+      <a:schemeClr val="accent1">
+        <a:alpha val="90000"/>
+        <a:tint val="40000"/>
+      </a:schemeClr>
+    </dgm:fillClrLst>
+    <dgm:linClrLst meth="repeat">
+      <a:schemeClr val="accent1">
+        <a:alpha val="90000"/>
+        <a:tint val="40000"/>
+      </a:schemeClr>
+    </dgm:linClrLst>
+    <dgm:effectClrLst/>
+    <dgm:txLinClrLst/>
+    <dgm:txFillClrLst meth="repeat">
+      <a:schemeClr val="dk1"/>
+    </dgm:txFillClrLst>
+    <dgm:txEffectClrLst/>
+  </dgm:styleLbl>
+  <dgm:styleLbl name="alignAccFollowNode1">
+    <dgm:fillClrLst meth="repeat">
+      <a:schemeClr val="accent1">
+        <a:alpha val="90000"/>
+        <a:tint val="40000"/>
+      </a:schemeClr>
+    </dgm:fillClrLst>
+    <dgm:linClrLst meth="repeat">
+      <a:schemeClr val="accent1">
+        <a:alpha val="90000"/>
+        <a:tint val="40000"/>
+      </a:schemeClr>
+    </dgm:linClrLst>
+    <dgm:effectClrLst/>
+    <dgm:txLinClrLst/>
+    <dgm:txFillClrLst meth="repeat">
+      <a:schemeClr val="dk1"/>
+    </dgm:txFillClrLst>
+    <dgm:txEffectClrLst/>
+  </dgm:styleLbl>
+  <dgm:styleLbl name="bgAccFollowNode1">
+    <dgm:fillClrLst meth="repeat">
+      <a:schemeClr val="accent1">
+        <a:alpha val="90000"/>
+        <a:tint val="40000"/>
+      </a:schemeClr>
+    </dgm:fillClrLst>
+    <dgm:linClrLst meth="repeat">
+      <a:schemeClr val="accent1">
+        <a:alpha val="90000"/>
+        <a:tint val="40000"/>
+      </a:schemeClr>
+    </dgm:linClrLst>
+    <dgm:effectClrLst/>
+    <dgm:txLinClrLst/>
+    <dgm:txFillClrLst meth="repeat">
+      <a:schemeClr val="dk1"/>
+    </dgm:txFillClrLst>
+    <dgm:txEffectClrLst/>
+  </dgm:styleLbl>
+  <dgm:styleLbl name="fgAcc0">
+    <dgm:fillClrLst meth="repeat">
+      <a:schemeClr val="lt1">
+        <a:alpha val="90000"/>
+      </a:schemeClr>
+    </dgm:fillClrLst>
+    <dgm:linClrLst meth="repeat">
+      <a:schemeClr val="accent1"/>
+    </dgm:linClrLst>
+    <dgm:effectClrLst/>
+    <dgm:txLinClrLst/>
+    <dgm:txFillClrLst meth="repeat">
+      <a:schemeClr val="dk1"/>
+    </dgm:txFillClrLst>
+    <dgm:txEffectClrLst/>
+  </dgm:styleLbl>
+  <dgm:styleLbl name="fgAcc2">
+    <dgm:fillClrLst meth="repeat">
+      <a:schemeClr val="lt1">
+        <a:alpha val="90000"/>
+      </a:schemeClr>
+    </dgm:fillClrLst>
+    <dgm:linClrLst meth="repeat">
+      <a:schemeClr val="accent1"/>
+    </dgm:linClrLst>
+    <dgm:effectClrLst/>
+    <dgm:txLinClrLst/>
+    <dgm:txFillClrLst meth="repeat">
+      <a:schemeClr val="dk1"/>
+    </dgm:txFillClrLst>
+    <dgm:txEffectClrLst/>
+  </dgm:styleLbl>
+  <dgm:styleLbl name="fgAcc3">
+    <dgm:fillClrLst meth="repeat">
+      <a:schemeClr val="lt1">
+        <a:alpha val="90000"/>
+      </a:schemeClr>
+    </dgm:fillClrLst>
+    <dgm:linClrLst meth="repeat">
+      <a:schemeClr val="accent1"/>
+    </dgm:linClrLst>
+    <dgm:effectClrLst/>
+    <dgm:txLinClrLst/>
+    <dgm:txFillClrLst meth="repeat">
+      <a:schemeClr val="dk1"/>
+    </dgm:txFillClrLst>
+    <dgm:txEffectClrLst/>
+  </dgm:styleLbl>
+  <dgm:styleLbl name="fgAcc4">
+    <dgm:fillClrLst meth="repeat">
+      <a:schemeClr val="lt1">
+        <a:alpha val="90000"/>
+      </a:schemeClr>
+    </dgm:fillClrLst>
+    <dgm:linClrLst meth="repeat">
+      <a:schemeClr val="accent1"/>
+    </dgm:linClrLst>
+    <dgm:effectClrLst/>
+    <dgm:txLinClrLst/>
+    <dgm:txFillClrLst meth="repeat">
+      <a:schemeClr val="dk1"/>
+    </dgm:txFillClrLst>
+    <dgm:txEffectClrLst/>
+  </dgm:styleLbl>
+  <dgm:styleLbl name="bgShp">
+    <dgm:fillClrLst meth="repeat">
+      <a:schemeClr val="accent1">
+        <a:tint val="40000"/>
+      </a:schemeClr>
+    </dgm:fillClrLst>
+    <dgm:linClrLst meth="repeat">
+      <a:schemeClr val="accent1"/>
+    </dgm:linClrLst>
+    <dgm:effectClrLst/>
+    <dgm:txLinClrLst/>
+    <dgm:txFillClrLst meth="repeat">
+      <a:schemeClr val="dk1"/>
+    </dgm:txFillClrLst>
+    <dgm:txEffectClrLst/>
+  </dgm:styleLbl>
+  <dgm:styleLbl name="dkBgShp">
+    <dgm:fillClrLst meth="repeat">
+      <a:schemeClr val="accent1">
+        <a:shade val="80000"/>
+      </a:schemeClr>
+    </dgm:fillClrLst>
+    <dgm:linClrLst meth="repeat">
+      <a:schemeClr val="accent1"/>
+    </dgm:linClrLst>
+    <dgm:effectClrLst/>
+    <dgm:txLinClrLst/>
+    <dgm:txFillClrLst meth="repeat">
+      <a:schemeClr val="lt1"/>
+    </dgm:txFillClrLst>
+    <dgm:txEffectClrLst/>
+  </dgm:styleLbl>
+  <dgm:styleLbl name="trBgShp">
+    <dgm:fillClrLst meth="repeat">
+      <a:schemeClr val="accent1">
+        <a:tint val="50000"/>
+        <a:alpha val="40000"/>
+      </a:schemeClr>
+    </dgm:fillClrLst>
+    <dgm:linClrLst meth="repeat">
+      <a:schemeClr val="accent1"/>
+    </dgm:linClrLst>
+    <dgm:effectClrLst/>
+    <dgm:txLinClrLst/>
+    <dgm:txFillClrLst meth="repeat">
+      <a:schemeClr val="lt1"/>
+    </dgm:txFillClrLst>
+    <dgm:txEffectClrLst/>
+  </dgm:styleLbl>
+  <dgm:styleLbl name="fgShp">
+    <dgm:fillClrLst meth="repeat">
+      <a:schemeClr val="accent1">
+        <a:tint val="60000"/>
+      </a:schemeClr>
+    </dgm:fillClrLst>
+    <dgm:linClrLst meth="repeat">
+      <a:schemeClr val="lt1"/>
+    </dgm:linClrLst>
+    <dgm:effectClrLst/>
+    <dgm:txLinClrLst/>
+    <dgm:txFillClrLst meth="repeat">
+      <a:schemeClr val="dk1"/>
+    </dgm:txFillClrLst>
+    <dgm:txEffectClrLst/>
+  </dgm:styleLbl>
+  <dgm:styleLbl name="revTx">
+    <dgm:fillClrLst meth="repeat">
+      <a:schemeClr val="lt1">
+        <a:alpha val="0"/>
+      </a:schemeClr>
+    </dgm:fillClrLst>
+    <dgm:linClrLst meth="repeat">
+      <a:schemeClr val="dk1">
+        <a:alpha val="0"/>
+      </a:schemeClr>
+    </dgm:linClrLst>
+    <dgm:effectClrLst/>
+    <dgm:txLinClrLst/>
+    <dgm:txFillClrLst meth="repeat">
+      <a:schemeClr val="tx1"/>
+    </dgm:txFillClrLst>
+    <dgm:txEffectClrLst/>
+  </dgm:styleLbl>
+</dgm:colorsDef>
+</file>
+
+<file path=ppt/diagrams/colors5.xml><?xml version="1.0" encoding="utf-8"?>
 <dgm:colorsDef xmlns:dgm="http://schemas.openxmlformats.org/drawingml/2006/diagram" xmlns:a="http://schemas.openxmlformats.org/drawingml/2006/main" uniqueId="urn:microsoft.com/office/officeart/2005/8/colors/accent1_2">
   <dgm:title val=""/>
   <dgm:desc val=""/>
@@ -3670,7 +4418,7 @@
       <dgm:spPr/>
     </dgm:pt>
     <dgm:pt modelId="{CA5BEB74-ADF9-4F91-B631-7C212854F7F1}" type="pres">
-      <dgm:prSet presAssocID="{9984BCBF-F926-4F65-B09A-82601A77A264}" presName="visible" presStyleLbl="node1" presStyleIdx="0" presStyleCnt="4" custScaleX="102732" custScaleY="96084" custLinFactNeighborX="-16122" custLinFactNeighborY="-3636"/>
+      <dgm:prSet presAssocID="{9984BCBF-F926-4F65-B09A-82601A77A264}" presName="visible" presStyleLbl="node1" presStyleIdx="0" presStyleCnt="4" custScaleX="102732" custScaleY="96084" custLinFactNeighborX="-15516" custLinFactNeighborY="-3636"/>
       <dgm:spPr>
         <a:blipFill>
           <a:blip xmlns:r="http://schemas.openxmlformats.org/officeDocument/2006/relationships" r:embed="rId1">
@@ -4941,6 +5689,220 @@
 </dgm:dataModel>
 </file>
 
+<file path=ppt/diagrams/data5.xml><?xml version="1.0" encoding="utf-8"?>
+<dgm:dataModel xmlns:dgm="http://schemas.openxmlformats.org/drawingml/2006/diagram" xmlns:a="http://schemas.openxmlformats.org/drawingml/2006/main">
+  <dgm:ptLst>
+    <dgm:pt modelId="{C8EED160-62A1-4D69-968C-DBF59FEDCD71}" type="doc">
+      <dgm:prSet loTypeId="urn:microsoft.com/office/officeart/2005/8/layout/vList5" loCatId="list" qsTypeId="urn:microsoft.com/office/officeart/2005/8/quickstyle/simple1" qsCatId="simple" csTypeId="urn:microsoft.com/office/officeart/2005/8/colors/accent1_2" csCatId="accent1"/>
+      <dgm:spPr/>
+      <dgm:t>
+        <a:bodyPr/>
+        <a:lstStyle/>
+        <a:p>
+          <a:endParaRPr lang="pt-BR"/>
+        </a:p>
+      </dgm:t>
+    </dgm:pt>
+    <dgm:pt modelId="{7603B033-9D77-4AEA-BD62-925E988AB9E5}">
+      <dgm:prSet/>
+      <dgm:spPr/>
+      <dgm:t>
+        <a:bodyPr/>
+        <a:lstStyle/>
+        <a:p>
+          <a:r>
+            <a:rPr lang="pt-BR" dirty="0"/>
+            <a:t>Resultados positivos</a:t>
+          </a:r>
+        </a:p>
+      </dgm:t>
+    </dgm:pt>
+    <dgm:pt modelId="{EE6C9569-94CF-4146-9241-A09A1CBFB1EF}" type="parTrans" cxnId="{72C41537-4C6A-4F54-9ADE-D5210CCC1E89}">
+      <dgm:prSet/>
+      <dgm:spPr/>
+      <dgm:t>
+        <a:bodyPr/>
+        <a:lstStyle/>
+        <a:p>
+          <a:endParaRPr lang="pt-BR"/>
+        </a:p>
+      </dgm:t>
+    </dgm:pt>
+    <dgm:pt modelId="{0F1B5C17-C8CB-44EC-BCA8-2C2485E69B56}" type="sibTrans" cxnId="{72C41537-4C6A-4F54-9ADE-D5210CCC1E89}">
+      <dgm:prSet/>
+      <dgm:spPr/>
+      <dgm:t>
+        <a:bodyPr/>
+        <a:lstStyle/>
+        <a:p>
+          <a:endParaRPr lang="pt-BR"/>
+        </a:p>
+      </dgm:t>
+    </dgm:pt>
+    <dgm:pt modelId="{28053ADD-2AD3-4362-A832-084154B8A3C4}">
+      <dgm:prSet/>
+      <dgm:spPr/>
+      <dgm:t>
+        <a:bodyPr/>
+        <a:lstStyle/>
+        <a:p>
+          <a:r>
+            <a:rPr lang="pt-BR"/>
+            <a:t>Os alunos acharam a abordagem interessante .</a:t>
+          </a:r>
+        </a:p>
+      </dgm:t>
+    </dgm:pt>
+    <dgm:pt modelId="{EAA0F32D-691E-41E4-AC6E-86E02ACAD7DA}" type="parTrans" cxnId="{51BD4FC1-4E56-40BA-90CF-97F951FDB8F5}">
+      <dgm:prSet/>
+      <dgm:spPr/>
+      <dgm:t>
+        <a:bodyPr/>
+        <a:lstStyle/>
+        <a:p>
+          <a:endParaRPr lang="pt-BR"/>
+        </a:p>
+      </dgm:t>
+    </dgm:pt>
+    <dgm:pt modelId="{9E43AA78-FDCC-4B92-8B06-69F5995E8892}" type="sibTrans" cxnId="{51BD4FC1-4E56-40BA-90CF-97F951FDB8F5}">
+      <dgm:prSet/>
+      <dgm:spPr/>
+      <dgm:t>
+        <a:bodyPr/>
+        <a:lstStyle/>
+        <a:p>
+          <a:endParaRPr lang="pt-BR"/>
+        </a:p>
+      </dgm:t>
+    </dgm:pt>
+    <dgm:pt modelId="{A3DB265C-649D-48AA-8455-67A813773858}">
+      <dgm:prSet/>
+      <dgm:spPr/>
+      <dgm:t>
+        <a:bodyPr/>
+        <a:lstStyle/>
+        <a:p>
+          <a:r>
+            <a:rPr lang="pt-BR"/>
+            <a:t>Conseguiram se concentrar mais na matéria.</a:t>
+          </a:r>
+        </a:p>
+      </dgm:t>
+    </dgm:pt>
+    <dgm:pt modelId="{0B5753DA-AA5B-4BAA-A5F6-9B29CF522AA7}" type="parTrans" cxnId="{E2A8DBA7-6752-494B-A2A6-7DC902DECE14}">
+      <dgm:prSet/>
+      <dgm:spPr/>
+      <dgm:t>
+        <a:bodyPr/>
+        <a:lstStyle/>
+        <a:p>
+          <a:endParaRPr lang="pt-BR"/>
+        </a:p>
+      </dgm:t>
+    </dgm:pt>
+    <dgm:pt modelId="{084B549E-F700-4F4B-B5A1-14A47BA1680F}" type="sibTrans" cxnId="{E2A8DBA7-6752-494B-A2A6-7DC902DECE14}">
+      <dgm:prSet/>
+      <dgm:spPr/>
+      <dgm:t>
+        <a:bodyPr/>
+        <a:lstStyle/>
+        <a:p>
+          <a:endParaRPr lang="pt-BR"/>
+        </a:p>
+      </dgm:t>
+    </dgm:pt>
+    <dgm:pt modelId="{EFD1EB6B-26EF-496F-98EC-7944EF07FAEE}">
+      <dgm:prSet/>
+      <dgm:spPr/>
+      <dgm:t>
+        <a:bodyPr/>
+        <a:lstStyle/>
+        <a:p>
+          <a:r>
+            <a:rPr lang="pt-BR" dirty="0"/>
+            <a:t>Absorveram mais a matéria.  </a:t>
+          </a:r>
+        </a:p>
+      </dgm:t>
+    </dgm:pt>
+    <dgm:pt modelId="{8C1C88A9-4F7C-40CC-B663-108C1A439A00}" type="parTrans" cxnId="{4C4CE2DF-2044-471B-8B25-CD25B79B9210}">
+      <dgm:prSet/>
+      <dgm:spPr/>
+      <dgm:t>
+        <a:bodyPr/>
+        <a:lstStyle/>
+        <a:p>
+          <a:endParaRPr lang="pt-BR"/>
+        </a:p>
+      </dgm:t>
+    </dgm:pt>
+    <dgm:pt modelId="{903957E1-DC7B-4DAF-9E48-D6314A94FE8D}" type="sibTrans" cxnId="{4C4CE2DF-2044-471B-8B25-CD25B79B9210}">
+      <dgm:prSet/>
+      <dgm:spPr/>
+      <dgm:t>
+        <a:bodyPr/>
+        <a:lstStyle/>
+        <a:p>
+          <a:endParaRPr lang="pt-BR"/>
+        </a:p>
+      </dgm:t>
+    </dgm:pt>
+    <dgm:pt modelId="{D647DA8B-0F20-4857-B003-64AEB1543319}" type="pres">
+      <dgm:prSet presAssocID="{C8EED160-62A1-4D69-968C-DBF59FEDCD71}" presName="Name0" presStyleCnt="0">
+        <dgm:presLayoutVars>
+          <dgm:dir/>
+          <dgm:animLvl val="lvl"/>
+          <dgm:resizeHandles val="exact"/>
+        </dgm:presLayoutVars>
+      </dgm:prSet>
+      <dgm:spPr/>
+    </dgm:pt>
+    <dgm:pt modelId="{8C13F9D4-0CB1-41B5-B19B-9062FEB49773}" type="pres">
+      <dgm:prSet presAssocID="{7603B033-9D77-4AEA-BD62-925E988AB9E5}" presName="linNode" presStyleCnt="0"/>
+      <dgm:spPr/>
+    </dgm:pt>
+    <dgm:pt modelId="{419BC2E5-1BB7-4BBA-8869-B3876C65181A}" type="pres">
+      <dgm:prSet presAssocID="{7603B033-9D77-4AEA-BD62-925E988AB9E5}" presName="parentText" presStyleLbl="node1" presStyleIdx="0" presStyleCnt="1">
+        <dgm:presLayoutVars>
+          <dgm:chMax val="1"/>
+          <dgm:bulletEnabled val="1"/>
+        </dgm:presLayoutVars>
+      </dgm:prSet>
+      <dgm:spPr/>
+    </dgm:pt>
+    <dgm:pt modelId="{AC80C281-3CC9-44E7-A2F1-6D9F78A37490}" type="pres">
+      <dgm:prSet presAssocID="{7603B033-9D77-4AEA-BD62-925E988AB9E5}" presName="descendantText" presStyleLbl="alignAccFollowNode1" presStyleIdx="0" presStyleCnt="1">
+        <dgm:presLayoutVars>
+          <dgm:bulletEnabled val="1"/>
+        </dgm:presLayoutVars>
+      </dgm:prSet>
+      <dgm:spPr/>
+    </dgm:pt>
+  </dgm:ptLst>
+  <dgm:cxnLst>
+    <dgm:cxn modelId="{1BB6821F-8EAD-4201-B939-93B019545ADE}" type="presOf" srcId="{A3DB265C-649D-48AA-8455-67A813773858}" destId="{AC80C281-3CC9-44E7-A2F1-6D9F78A37490}" srcOrd="0" destOrd="1" presId="urn:microsoft.com/office/officeart/2005/8/layout/vList5"/>
+    <dgm:cxn modelId="{72C41537-4C6A-4F54-9ADE-D5210CCC1E89}" srcId="{C8EED160-62A1-4D69-968C-DBF59FEDCD71}" destId="{7603B033-9D77-4AEA-BD62-925E988AB9E5}" srcOrd="0" destOrd="0" parTransId="{EE6C9569-94CF-4146-9241-A09A1CBFB1EF}" sibTransId="{0F1B5C17-C8CB-44EC-BCA8-2C2485E69B56}"/>
+    <dgm:cxn modelId="{1D448658-1A75-420C-9367-4EE90AF28745}" type="presOf" srcId="{28053ADD-2AD3-4362-A832-084154B8A3C4}" destId="{AC80C281-3CC9-44E7-A2F1-6D9F78A37490}" srcOrd="0" destOrd="0" presId="urn:microsoft.com/office/officeart/2005/8/layout/vList5"/>
+    <dgm:cxn modelId="{FF35A67F-01AC-4026-ACDC-51E00A99ED78}" type="presOf" srcId="{C8EED160-62A1-4D69-968C-DBF59FEDCD71}" destId="{D647DA8B-0F20-4857-B003-64AEB1543319}" srcOrd="0" destOrd="0" presId="urn:microsoft.com/office/officeart/2005/8/layout/vList5"/>
+    <dgm:cxn modelId="{AC8C93A1-48B8-4DBE-9844-E6B41198B8F6}" type="presOf" srcId="{EFD1EB6B-26EF-496F-98EC-7944EF07FAEE}" destId="{AC80C281-3CC9-44E7-A2F1-6D9F78A37490}" srcOrd="0" destOrd="2" presId="urn:microsoft.com/office/officeart/2005/8/layout/vList5"/>
+    <dgm:cxn modelId="{E2A8DBA7-6752-494B-A2A6-7DC902DECE14}" srcId="{7603B033-9D77-4AEA-BD62-925E988AB9E5}" destId="{A3DB265C-649D-48AA-8455-67A813773858}" srcOrd="1" destOrd="0" parTransId="{0B5753DA-AA5B-4BAA-A5F6-9B29CF522AA7}" sibTransId="{084B549E-F700-4F4B-B5A1-14A47BA1680F}"/>
+    <dgm:cxn modelId="{51BD4FC1-4E56-40BA-90CF-97F951FDB8F5}" srcId="{7603B033-9D77-4AEA-BD62-925E988AB9E5}" destId="{28053ADD-2AD3-4362-A832-084154B8A3C4}" srcOrd="0" destOrd="0" parTransId="{EAA0F32D-691E-41E4-AC6E-86E02ACAD7DA}" sibTransId="{9E43AA78-FDCC-4B92-8B06-69F5995E8892}"/>
+    <dgm:cxn modelId="{2A8606D1-76A6-4466-9F28-6F89FB240BFD}" type="presOf" srcId="{7603B033-9D77-4AEA-BD62-925E988AB9E5}" destId="{419BC2E5-1BB7-4BBA-8869-B3876C65181A}" srcOrd="0" destOrd="0" presId="urn:microsoft.com/office/officeart/2005/8/layout/vList5"/>
+    <dgm:cxn modelId="{4C4CE2DF-2044-471B-8B25-CD25B79B9210}" srcId="{7603B033-9D77-4AEA-BD62-925E988AB9E5}" destId="{EFD1EB6B-26EF-496F-98EC-7944EF07FAEE}" srcOrd="2" destOrd="0" parTransId="{8C1C88A9-4F7C-40CC-B663-108C1A439A00}" sibTransId="{903957E1-DC7B-4DAF-9E48-D6314A94FE8D}"/>
+    <dgm:cxn modelId="{FE977470-8AA8-41B0-A0E3-BEDCC03AF2B5}" type="presParOf" srcId="{D647DA8B-0F20-4857-B003-64AEB1543319}" destId="{8C13F9D4-0CB1-41B5-B19B-9062FEB49773}" srcOrd="0" destOrd="0" presId="urn:microsoft.com/office/officeart/2005/8/layout/vList5"/>
+    <dgm:cxn modelId="{7ED95D90-DCF1-42D3-9A1C-EDC2A68A9B53}" type="presParOf" srcId="{8C13F9D4-0CB1-41B5-B19B-9062FEB49773}" destId="{419BC2E5-1BB7-4BBA-8869-B3876C65181A}" srcOrd="0" destOrd="0" presId="urn:microsoft.com/office/officeart/2005/8/layout/vList5"/>
+    <dgm:cxn modelId="{DA742EBB-9C7F-429C-910A-252F53D4AB9D}" type="presParOf" srcId="{8C13F9D4-0CB1-41B5-B19B-9062FEB49773}" destId="{AC80C281-3CC9-44E7-A2F1-6D9F78A37490}" srcOrd="1" destOrd="0" presId="urn:microsoft.com/office/officeart/2005/8/layout/vList5"/>
+  </dgm:cxnLst>
+  <dgm:bg/>
+  <dgm:whole/>
+  <dgm:extLst>
+    <a:ext uri="http://schemas.microsoft.com/office/drawing/2008/diagram">
+      <dsp:dataModelExt xmlns:dsp="http://schemas.microsoft.com/office/drawing/2008/diagram" relId="rId6" minVer="http://schemas.openxmlformats.org/drawingml/2006/diagram"/>
+    </a:ext>
+  </dgm:extLst>
+</dgm:dataModel>
+</file>
+
 <file path=ppt/diagrams/drawing1.xml><?xml version="1.0" encoding="utf-8"?>
 <dsp:drawing xmlns:dgm="http://schemas.openxmlformats.org/drawingml/2006/diagram" xmlns:dsp="http://schemas.microsoft.com/office/drawing/2008/diagram" xmlns:a="http://schemas.openxmlformats.org/drawingml/2006/main">
   <dsp:spTree>
@@ -5808,7 +6770,7 @@
       </dsp:nvSpPr>
       <dsp:spPr>
         <a:xfrm>
-          <a:off x="614357" y="1152248"/>
+          <a:off x="627610" y="1152248"/>
           <a:ext cx="2246705" cy="2101316"/>
         </a:xfrm>
         <a:prstGeom prst="ellipse">
@@ -7950,6 +8912,212 @@
 </dsp:drawing>
 </file>
 
+<file path=ppt/diagrams/drawing5.xml><?xml version="1.0" encoding="utf-8"?>
+<dsp:drawing xmlns:dgm="http://schemas.openxmlformats.org/drawingml/2006/diagram" xmlns:dsp="http://schemas.microsoft.com/office/drawing/2008/diagram" xmlns:a="http://schemas.openxmlformats.org/drawingml/2006/main">
+  <dsp:spTree>
+    <dsp:nvGrpSpPr>
+      <dsp:cNvPr id="0" name=""/>
+      <dsp:cNvGrpSpPr/>
+    </dsp:nvGrpSpPr>
+    <dsp:grpSpPr/>
+    <dsp:sp modelId="{AC80C281-3CC9-44E7-A2F1-6D9F78A37490}">
+      <dsp:nvSpPr>
+        <dsp:cNvPr id="0" name=""/>
+        <dsp:cNvSpPr/>
+      </dsp:nvSpPr>
+      <dsp:spPr>
+        <a:xfrm rot="5400000">
+          <a:off x="5871664" y="-2171817"/>
+          <a:ext cx="1517344" cy="6240316"/>
+        </a:xfrm>
+        <a:prstGeom prst="round2SameRect">
+          <a:avLst/>
+        </a:prstGeom>
+        <a:solidFill>
+          <a:schemeClr val="accent1">
+            <a:alpha val="90000"/>
+            <a:tint val="40000"/>
+            <a:hueOff val="0"/>
+            <a:satOff val="0"/>
+            <a:lumOff val="0"/>
+            <a:alphaOff val="0"/>
+          </a:schemeClr>
+        </a:solidFill>
+        <a:ln w="12700" cap="flat" cmpd="sng" algn="ctr">
+          <a:solidFill>
+            <a:schemeClr val="accent1">
+              <a:alpha val="90000"/>
+              <a:tint val="40000"/>
+              <a:hueOff val="0"/>
+              <a:satOff val="0"/>
+              <a:lumOff val="0"/>
+              <a:alphaOff val="0"/>
+            </a:schemeClr>
+          </a:solidFill>
+          <a:prstDash val="solid"/>
+          <a:miter lim="800000"/>
+        </a:ln>
+        <a:effectLst/>
+      </dsp:spPr>
+      <dsp:style>
+        <a:lnRef idx="2">
+          <a:scrgbClr r="0" g="0" b="0"/>
+        </a:lnRef>
+        <a:fillRef idx="1">
+          <a:scrgbClr r="0" g="0" b="0"/>
+        </a:fillRef>
+        <a:effectRef idx="0">
+          <a:scrgbClr r="0" g="0" b="0"/>
+        </a:effectRef>
+        <a:fontRef idx="minor"/>
+      </dsp:style>
+      <dsp:txBody>
+        <a:bodyPr spcFirstLastPara="0" vert="horz" wrap="square" lIns="87630" tIns="43815" rIns="87630" bIns="43815" numCol="1" spcCol="1270" anchor="ctr" anchorCtr="0">
+          <a:noAutofit/>
+        </a:bodyPr>
+        <a:lstStyle/>
+        <a:p>
+          <a:pPr marL="228600" lvl="1" indent="-228600" algn="l" defTabSz="1022350">
+            <a:lnSpc>
+              <a:spcPct val="90000"/>
+            </a:lnSpc>
+            <a:spcBef>
+              <a:spcPct val="0"/>
+            </a:spcBef>
+            <a:spcAft>
+              <a:spcPct val="15000"/>
+            </a:spcAft>
+            <a:buChar char="•"/>
+          </a:pPr>
+          <a:r>
+            <a:rPr lang="pt-BR" sz="2300" kern="1200"/>
+            <a:t>Os alunos acharam a abordagem interessante .</a:t>
+          </a:r>
+        </a:p>
+        <a:p>
+          <a:pPr marL="228600" lvl="1" indent="-228600" algn="l" defTabSz="1022350">
+            <a:lnSpc>
+              <a:spcPct val="90000"/>
+            </a:lnSpc>
+            <a:spcBef>
+              <a:spcPct val="0"/>
+            </a:spcBef>
+            <a:spcAft>
+              <a:spcPct val="15000"/>
+            </a:spcAft>
+            <a:buChar char="•"/>
+          </a:pPr>
+          <a:r>
+            <a:rPr lang="pt-BR" sz="2300" kern="1200"/>
+            <a:t>Conseguiram se concentrar mais na matéria.</a:t>
+          </a:r>
+        </a:p>
+        <a:p>
+          <a:pPr marL="228600" lvl="1" indent="-228600" algn="l" defTabSz="1022350">
+            <a:lnSpc>
+              <a:spcPct val="90000"/>
+            </a:lnSpc>
+            <a:spcBef>
+              <a:spcPct val="0"/>
+            </a:spcBef>
+            <a:spcAft>
+              <a:spcPct val="15000"/>
+            </a:spcAft>
+            <a:buChar char="•"/>
+          </a:pPr>
+          <a:r>
+            <a:rPr lang="pt-BR" sz="2300" kern="1200" dirty="0"/>
+            <a:t>Absorveram mais a matéria.  </a:t>
+          </a:r>
+        </a:p>
+      </dsp:txBody>
+      <dsp:txXfrm rot="-5400000">
+        <a:off x="3510179" y="263739"/>
+        <a:ext cx="6166245" cy="1369202"/>
+      </dsp:txXfrm>
+    </dsp:sp>
+    <dsp:sp modelId="{419BC2E5-1BB7-4BBA-8869-B3876C65181A}">
+      <dsp:nvSpPr>
+        <dsp:cNvPr id="0" name=""/>
+        <dsp:cNvSpPr/>
+      </dsp:nvSpPr>
+      <dsp:spPr>
+        <a:xfrm>
+          <a:off x="0" y="0"/>
+          <a:ext cx="3510178" cy="1896681"/>
+        </a:xfrm>
+        <a:prstGeom prst="roundRect">
+          <a:avLst/>
+        </a:prstGeom>
+        <a:solidFill>
+          <a:schemeClr val="accent1">
+            <a:hueOff val="0"/>
+            <a:satOff val="0"/>
+            <a:lumOff val="0"/>
+            <a:alphaOff val="0"/>
+          </a:schemeClr>
+        </a:solidFill>
+        <a:ln w="12700" cap="flat" cmpd="sng" algn="ctr">
+          <a:solidFill>
+            <a:schemeClr val="lt1">
+              <a:hueOff val="0"/>
+              <a:satOff val="0"/>
+              <a:lumOff val="0"/>
+              <a:alphaOff val="0"/>
+            </a:schemeClr>
+          </a:solidFill>
+          <a:prstDash val="solid"/>
+          <a:miter lim="800000"/>
+        </a:ln>
+        <a:effectLst/>
+      </dsp:spPr>
+      <dsp:style>
+        <a:lnRef idx="2">
+          <a:scrgbClr r="0" g="0" b="0"/>
+        </a:lnRef>
+        <a:fillRef idx="1">
+          <a:scrgbClr r="0" g="0" b="0"/>
+        </a:fillRef>
+        <a:effectRef idx="0">
+          <a:scrgbClr r="0" g="0" b="0"/>
+        </a:effectRef>
+        <a:fontRef idx="minor">
+          <a:schemeClr val="lt1"/>
+        </a:fontRef>
+      </dsp:style>
+      <dsp:txBody>
+        <a:bodyPr spcFirstLastPara="0" vert="horz" wrap="square" lIns="198120" tIns="99060" rIns="198120" bIns="99060" numCol="1" spcCol="1270" anchor="ctr" anchorCtr="0">
+          <a:noAutofit/>
+        </a:bodyPr>
+        <a:lstStyle/>
+        <a:p>
+          <a:pPr marL="0" lvl="0" indent="0" algn="ctr" defTabSz="2311400">
+            <a:lnSpc>
+              <a:spcPct val="90000"/>
+            </a:lnSpc>
+            <a:spcBef>
+              <a:spcPct val="0"/>
+            </a:spcBef>
+            <a:spcAft>
+              <a:spcPct val="35000"/>
+            </a:spcAft>
+            <a:buNone/>
+          </a:pPr>
+          <a:r>
+            <a:rPr lang="pt-BR" sz="5200" kern="1200" dirty="0"/>
+            <a:t>Resultados positivos</a:t>
+          </a:r>
+        </a:p>
+      </dsp:txBody>
+      <dsp:txXfrm>
+        <a:off x="92588" y="92588"/>
+        <a:ext cx="3325002" cy="1711505"/>
+      </dsp:txXfrm>
+    </dsp:sp>
+  </dsp:spTree>
+</dsp:drawing>
+</file>
+
 <file path=ppt/diagrams/layout1.xml><?xml version="1.0" encoding="utf-8"?>
 <dgm:layoutDef xmlns:dgm="http://schemas.openxmlformats.org/drawingml/2006/diagram" xmlns:a="http://schemas.openxmlformats.org/drawingml/2006/main" uniqueId="urn:microsoft.com/office/officeart/2005/8/layout/orgChart1">
   <dgm:title val=""/>
@@ -9771,6 +10939,239 @@
 </dgm:layoutDef>
 </file>
 
+<file path=ppt/diagrams/layout5.xml><?xml version="1.0" encoding="utf-8"?>
+<dgm:layoutDef xmlns:dgm="http://schemas.openxmlformats.org/drawingml/2006/diagram" xmlns:a="http://schemas.openxmlformats.org/drawingml/2006/main" uniqueId="urn:microsoft.com/office/officeart/2005/8/layout/vList5">
+  <dgm:title val=""/>
+  <dgm:desc val=""/>
+  <dgm:catLst>
+    <dgm:cat type="list" pri="15000"/>
+    <dgm:cat type="convert" pri="2000"/>
+  </dgm:catLst>
+  <dgm:sampData>
+    <dgm:dataModel>
+      <dgm:ptLst>
+        <dgm:pt modelId="0" type="doc"/>
+        <dgm:pt modelId="1">
+          <dgm:prSet phldr="1"/>
+        </dgm:pt>
+        <dgm:pt modelId="11">
+          <dgm:prSet phldr="1"/>
+        </dgm:pt>
+        <dgm:pt modelId="12">
+          <dgm:prSet phldr="1"/>
+        </dgm:pt>
+        <dgm:pt modelId="2">
+          <dgm:prSet phldr="1"/>
+        </dgm:pt>
+        <dgm:pt modelId="21">
+          <dgm:prSet phldr="1"/>
+        </dgm:pt>
+        <dgm:pt modelId="22">
+          <dgm:prSet phldr="1"/>
+        </dgm:pt>
+        <dgm:pt modelId="3">
+          <dgm:prSet phldr="1"/>
+        </dgm:pt>
+        <dgm:pt modelId="31">
+          <dgm:prSet phldr="1"/>
+        </dgm:pt>
+        <dgm:pt modelId="32">
+          <dgm:prSet phldr="1"/>
+        </dgm:pt>
+      </dgm:ptLst>
+      <dgm:cxnLst>
+        <dgm:cxn modelId="4" srcId="0" destId="1" srcOrd="0" destOrd="0"/>
+        <dgm:cxn modelId="5" srcId="0" destId="2" srcOrd="1" destOrd="0"/>
+        <dgm:cxn modelId="6" srcId="0" destId="3" srcOrd="2" destOrd="0"/>
+        <dgm:cxn modelId="13" srcId="1" destId="11" srcOrd="0" destOrd="0"/>
+        <dgm:cxn modelId="14" srcId="1" destId="12" srcOrd="1" destOrd="0"/>
+        <dgm:cxn modelId="23" srcId="2" destId="21" srcOrd="0" destOrd="0"/>
+        <dgm:cxn modelId="24" srcId="2" destId="22" srcOrd="1" destOrd="0"/>
+        <dgm:cxn modelId="33" srcId="3" destId="31" srcOrd="0" destOrd="0"/>
+        <dgm:cxn modelId="34" srcId="3" destId="32" srcOrd="1" destOrd="0"/>
+      </dgm:cxnLst>
+      <dgm:bg/>
+      <dgm:whole/>
+    </dgm:dataModel>
+  </dgm:sampData>
+  <dgm:styleData>
+    <dgm:dataModel>
+      <dgm:ptLst>
+        <dgm:pt modelId="0" type="doc"/>
+        <dgm:pt modelId="1"/>
+        <dgm:pt modelId="11"/>
+        <dgm:pt modelId="2"/>
+        <dgm:pt modelId="21"/>
+      </dgm:ptLst>
+      <dgm:cxnLst>
+        <dgm:cxn modelId="4" srcId="0" destId="1" srcOrd="0" destOrd="0"/>
+        <dgm:cxn modelId="5" srcId="0" destId="2" srcOrd="1" destOrd="0"/>
+        <dgm:cxn modelId="13" srcId="1" destId="11" srcOrd="0" destOrd="0"/>
+        <dgm:cxn modelId="23" srcId="2" destId="21" srcOrd="0" destOrd="0"/>
+      </dgm:cxnLst>
+      <dgm:bg/>
+      <dgm:whole/>
+    </dgm:dataModel>
+  </dgm:styleData>
+  <dgm:clrData>
+    <dgm:dataModel>
+      <dgm:ptLst>
+        <dgm:pt modelId="0" type="doc"/>
+        <dgm:pt modelId="1"/>
+        <dgm:pt modelId="11"/>
+        <dgm:pt modelId="2"/>
+        <dgm:pt modelId="21"/>
+        <dgm:pt modelId="3"/>
+        <dgm:pt modelId="31"/>
+        <dgm:pt modelId="4"/>
+        <dgm:pt modelId="41"/>
+      </dgm:ptLst>
+      <dgm:cxnLst>
+        <dgm:cxn modelId="5" srcId="0" destId="1" srcOrd="0" destOrd="0"/>
+        <dgm:cxn modelId="6" srcId="0" destId="2" srcOrd="1" destOrd="0"/>
+        <dgm:cxn modelId="7" srcId="0" destId="3" srcOrd="2" destOrd="0"/>
+        <dgm:cxn modelId="8" srcId="0" destId="4" srcOrd="3" destOrd="0"/>
+        <dgm:cxn modelId="13" srcId="1" destId="11" srcOrd="0" destOrd="0"/>
+        <dgm:cxn modelId="23" srcId="2" destId="21" srcOrd="0" destOrd="0"/>
+        <dgm:cxn modelId="33" srcId="3" destId="31" srcOrd="0" destOrd="0"/>
+        <dgm:cxn modelId="43" srcId="4" destId="41" srcOrd="0" destOrd="0"/>
+      </dgm:cxnLst>
+      <dgm:bg/>
+      <dgm:whole/>
+    </dgm:dataModel>
+  </dgm:clrData>
+  <dgm:layoutNode name="Name0">
+    <dgm:varLst>
+      <dgm:dir/>
+      <dgm:animLvl val="lvl"/>
+      <dgm:resizeHandles val="exact"/>
+    </dgm:varLst>
+    <dgm:choose name="Name1">
+      <dgm:if name="Name2" func="var" arg="dir" op="equ" val="norm">
+        <dgm:alg type="lin">
+          <dgm:param type="linDir" val="fromT"/>
+          <dgm:param type="nodeHorzAlign" val="l"/>
+        </dgm:alg>
+      </dgm:if>
+      <dgm:else name="Name3">
+        <dgm:alg type="lin">
+          <dgm:param type="linDir" val="fromT"/>
+          <dgm:param type="nodeHorzAlign" val="r"/>
+        </dgm:alg>
+      </dgm:else>
+    </dgm:choose>
+    <dgm:shape xmlns:r="http://schemas.openxmlformats.org/officeDocument/2006/relationships" r:blip="">
+      <dgm:adjLst/>
+    </dgm:shape>
+    <dgm:presOf/>
+    <dgm:constrLst>
+      <dgm:constr type="h" for="ch" forName="linNode" refType="h"/>
+      <dgm:constr type="w" for="ch" forName="linNode" refType="w"/>
+      <dgm:constr type="h" for="ch" forName="sp" refType="h" fact="0.05"/>
+      <dgm:constr type="primFontSz" for="des" forName="parentText" op="equ" val="65"/>
+      <dgm:constr type="secFontSz" for="des" forName="descendantText" op="equ"/>
+    </dgm:constrLst>
+    <dgm:ruleLst/>
+    <dgm:forEach name="Name4" axis="ch" ptType="node">
+      <dgm:layoutNode name="linNode">
+        <dgm:choose name="Name5">
+          <dgm:if name="Name6" func="var" arg="dir" op="equ" val="norm">
+            <dgm:alg type="lin">
+              <dgm:param type="linDir" val="fromL"/>
+            </dgm:alg>
+          </dgm:if>
+          <dgm:else name="Name7">
+            <dgm:alg type="lin">
+              <dgm:param type="linDir" val="fromR"/>
+            </dgm:alg>
+          </dgm:else>
+        </dgm:choose>
+        <dgm:shape xmlns:r="http://schemas.openxmlformats.org/officeDocument/2006/relationships" r:blip="">
+          <dgm:adjLst/>
+        </dgm:shape>
+        <dgm:presOf/>
+        <dgm:constrLst>
+          <dgm:constr type="w" for="ch" forName="parentText" refType="w" fact="0.36"/>
+          <dgm:constr type="w" for="ch" forName="descendantText" refType="w" fact="0.64"/>
+          <dgm:constr type="h" for="ch" forName="parentText" refType="h"/>
+          <dgm:constr type="h" for="ch" forName="descendantText" refType="h" refFor="ch" refForName="parentText" fact="0.8"/>
+        </dgm:constrLst>
+        <dgm:ruleLst/>
+        <dgm:layoutNode name="parentText">
+          <dgm:varLst>
+            <dgm:chMax val="1"/>
+            <dgm:bulletEnabled val="1"/>
+          </dgm:varLst>
+          <dgm:alg type="tx"/>
+          <dgm:shape xmlns:r="http://schemas.openxmlformats.org/officeDocument/2006/relationships" type="roundRect" r:blip="" zOrderOff="3">
+            <dgm:adjLst/>
+          </dgm:shape>
+          <dgm:presOf axis="self" ptType="node"/>
+          <dgm:constrLst>
+            <dgm:constr type="tMarg" refType="primFontSz" fact="0.15"/>
+            <dgm:constr type="bMarg" refType="primFontSz" fact="0.15"/>
+            <dgm:constr type="lMarg" refType="primFontSz" fact="0.3"/>
+            <dgm:constr type="rMarg" refType="primFontSz" fact="0.3"/>
+          </dgm:constrLst>
+          <dgm:ruleLst>
+            <dgm:rule type="primFontSz" val="5" fact="NaN" max="NaN"/>
+          </dgm:ruleLst>
+        </dgm:layoutNode>
+        <dgm:choose name="Name8">
+          <dgm:if name="Name9" axis="ch" ptType="node" func="cnt" op="gte" val="1">
+            <dgm:layoutNode name="descendantText" styleLbl="alignAccFollowNode1">
+              <dgm:varLst>
+                <dgm:bulletEnabled val="1"/>
+              </dgm:varLst>
+              <dgm:alg type="tx">
+                <dgm:param type="stBulletLvl" val="1"/>
+                <dgm:param type="txAnchorVertCh" val="mid"/>
+              </dgm:alg>
+              <dgm:choose name="Name10">
+                <dgm:if name="Name11" func="var" arg="dir" op="equ" val="norm">
+                  <dgm:shape xmlns:r="http://schemas.openxmlformats.org/officeDocument/2006/relationships" rot="90" type="round2SameRect" r:blip="">
+                    <dgm:adjLst/>
+                  </dgm:shape>
+                </dgm:if>
+                <dgm:else name="Name12">
+                  <dgm:shape xmlns:r="http://schemas.openxmlformats.org/officeDocument/2006/relationships" rot="-90" type="round2SameRect" r:blip="">
+                    <dgm:adjLst/>
+                  </dgm:shape>
+                </dgm:else>
+              </dgm:choose>
+              <dgm:presOf axis="des" ptType="node"/>
+              <dgm:constrLst>
+                <dgm:constr type="secFontSz" val="65"/>
+                <dgm:constr type="primFontSz" refType="secFontSz"/>
+                <dgm:constr type="lMarg" refType="secFontSz" fact="0.3"/>
+                <dgm:constr type="rMarg" refType="secFontSz" fact="0.3"/>
+                <dgm:constr type="tMarg" refType="secFontSz" fact="0.15"/>
+                <dgm:constr type="bMarg" refType="secFontSz" fact="0.15"/>
+              </dgm:constrLst>
+              <dgm:ruleLst>
+                <dgm:rule type="secFontSz" val="5" fact="NaN" max="NaN"/>
+              </dgm:ruleLst>
+            </dgm:layoutNode>
+          </dgm:if>
+          <dgm:else name="Name13"/>
+        </dgm:choose>
+      </dgm:layoutNode>
+      <dgm:forEach name="Name14" axis="followSib" ptType="sibTrans" cnt="1">
+        <dgm:layoutNode name="sp">
+          <dgm:alg type="sp"/>
+          <dgm:shape xmlns:r="http://schemas.openxmlformats.org/officeDocument/2006/relationships" r:blip="">
+            <dgm:adjLst/>
+          </dgm:shape>
+          <dgm:presOf/>
+          <dgm:constrLst/>
+          <dgm:ruleLst/>
+        </dgm:layoutNode>
+      </dgm:forEach>
+    </dgm:forEach>
+  </dgm:layoutNode>
+</dgm:layoutDef>
+</file>
+
 <file path=ppt/diagrams/quickStyle1.xml><?xml version="1.0" encoding="utf-8"?>
 <dgm:styleDef xmlns:dgm="http://schemas.openxmlformats.org/drawingml/2006/diagram" xmlns:a="http://schemas.openxmlformats.org/drawingml/2006/main" uniqueId="urn:microsoft.com/office/officeart/2005/8/quickstyle/3d2">
   <dgm:title val=""/>
@@ -13626,6 +15027,1040 @@
 </file>
 
 <file path=ppt/diagrams/quickStyle4.xml><?xml version="1.0" encoding="utf-8"?>
+<dgm:styleDef xmlns:dgm="http://schemas.openxmlformats.org/drawingml/2006/diagram" xmlns:a="http://schemas.openxmlformats.org/drawingml/2006/main" uniqueId="urn:microsoft.com/office/officeart/2005/8/quickstyle/simple1">
+  <dgm:title val=""/>
+  <dgm:desc val=""/>
+  <dgm:catLst>
+    <dgm:cat type="simple" pri="10100"/>
+  </dgm:catLst>
+  <dgm:scene3d>
+    <a:camera prst="orthographicFront"/>
+    <a:lightRig rig="threePt" dir="t"/>
+  </dgm:scene3d>
+  <dgm:styleLbl name="node0">
+    <dgm:scene3d>
+      <a:camera prst="orthographicFront"/>
+      <a:lightRig rig="threePt" dir="t"/>
+    </dgm:scene3d>
+    <dgm:sp3d/>
+    <dgm:txPr/>
+    <dgm:style>
+      <a:lnRef idx="2">
+        <a:scrgbClr r="0" g="0" b="0"/>
+      </a:lnRef>
+      <a:fillRef idx="1">
+        <a:scrgbClr r="0" g="0" b="0"/>
+      </a:fillRef>
+      <a:effectRef idx="0">
+        <a:scrgbClr r="0" g="0" b="0"/>
+      </a:effectRef>
+      <a:fontRef idx="minor">
+        <a:schemeClr val="lt1"/>
+      </a:fontRef>
+    </dgm:style>
+  </dgm:styleLbl>
+  <dgm:styleLbl name="lnNode1">
+    <dgm:scene3d>
+      <a:camera prst="orthographicFront"/>
+      <a:lightRig rig="threePt" dir="t"/>
+    </dgm:scene3d>
+    <dgm:sp3d/>
+    <dgm:txPr/>
+    <dgm:style>
+      <a:lnRef idx="2">
+        <a:scrgbClr r="0" g="0" b="0"/>
+      </a:lnRef>
+      <a:fillRef idx="1">
+        <a:scrgbClr r="0" g="0" b="0"/>
+      </a:fillRef>
+      <a:effectRef idx="0">
+        <a:scrgbClr r="0" g="0" b="0"/>
+      </a:effectRef>
+      <a:fontRef idx="minor">
+        <a:schemeClr val="lt1"/>
+      </a:fontRef>
+    </dgm:style>
+  </dgm:styleLbl>
+  <dgm:styleLbl name="vennNode1">
+    <dgm:scene3d>
+      <a:camera prst="orthographicFront"/>
+      <a:lightRig rig="threePt" dir="t"/>
+    </dgm:scene3d>
+    <dgm:sp3d/>
+    <dgm:txPr/>
+    <dgm:style>
+      <a:lnRef idx="2">
+        <a:scrgbClr r="0" g="0" b="0"/>
+      </a:lnRef>
+      <a:fillRef idx="1">
+        <a:scrgbClr r="0" g="0" b="0"/>
+      </a:fillRef>
+      <a:effectRef idx="0">
+        <a:scrgbClr r="0" g="0" b="0"/>
+      </a:effectRef>
+      <a:fontRef idx="minor">
+        <a:schemeClr val="tx1"/>
+      </a:fontRef>
+    </dgm:style>
+  </dgm:styleLbl>
+  <dgm:styleLbl name="alignNode1">
+    <dgm:scene3d>
+      <a:camera prst="orthographicFront"/>
+      <a:lightRig rig="threePt" dir="t"/>
+    </dgm:scene3d>
+    <dgm:sp3d/>
+    <dgm:txPr/>
+    <dgm:style>
+      <a:lnRef idx="2">
+        <a:scrgbClr r="0" g="0" b="0"/>
+      </a:lnRef>
+      <a:fillRef idx="1">
+        <a:scrgbClr r="0" g="0" b="0"/>
+      </a:fillRef>
+      <a:effectRef idx="0">
+        <a:scrgbClr r="0" g="0" b="0"/>
+      </a:effectRef>
+      <a:fontRef idx="minor">
+        <a:schemeClr val="lt1"/>
+      </a:fontRef>
+    </dgm:style>
+  </dgm:styleLbl>
+  <dgm:styleLbl name="node1">
+    <dgm:scene3d>
+      <a:camera prst="orthographicFront"/>
+      <a:lightRig rig="threePt" dir="t"/>
+    </dgm:scene3d>
+    <dgm:sp3d/>
+    <dgm:txPr/>
+    <dgm:style>
+      <a:lnRef idx="2">
+        <a:scrgbClr r="0" g="0" b="0"/>
+      </a:lnRef>
+      <a:fillRef idx="1">
+        <a:scrgbClr r="0" g="0" b="0"/>
+      </a:fillRef>
+      <a:effectRef idx="0">
+        <a:scrgbClr r="0" g="0" b="0"/>
+      </a:effectRef>
+      <a:fontRef idx="minor">
+        <a:schemeClr val="lt1"/>
+      </a:fontRef>
+    </dgm:style>
+  </dgm:styleLbl>
+  <dgm:styleLbl name="node2">
+    <dgm:scene3d>
+      <a:camera prst="orthographicFront"/>
+      <a:lightRig rig="threePt" dir="t"/>
+    </dgm:scene3d>
+    <dgm:sp3d/>
+    <dgm:txPr/>
+    <dgm:style>
+      <a:lnRef idx="2">
+        <a:scrgbClr r="0" g="0" b="0"/>
+      </a:lnRef>
+      <a:fillRef idx="1">
+        <a:scrgbClr r="0" g="0" b="0"/>
+      </a:fillRef>
+      <a:effectRef idx="0">
+        <a:scrgbClr r="0" g="0" b="0"/>
+      </a:effectRef>
+      <a:fontRef idx="minor">
+        <a:schemeClr val="lt1"/>
+      </a:fontRef>
+    </dgm:style>
+  </dgm:styleLbl>
+  <dgm:styleLbl name="node3">
+    <dgm:scene3d>
+      <a:camera prst="orthographicFront"/>
+      <a:lightRig rig="threePt" dir="t"/>
+    </dgm:scene3d>
+    <dgm:sp3d/>
+    <dgm:txPr/>
+    <dgm:style>
+      <a:lnRef idx="2">
+        <a:scrgbClr r="0" g="0" b="0"/>
+      </a:lnRef>
+      <a:fillRef idx="1">
+        <a:scrgbClr r="0" g="0" b="0"/>
+      </a:fillRef>
+      <a:effectRef idx="0">
+        <a:scrgbClr r="0" g="0" b="0"/>
+      </a:effectRef>
+      <a:fontRef idx="minor">
+        <a:schemeClr val="lt1"/>
+      </a:fontRef>
+    </dgm:style>
+  </dgm:styleLbl>
+  <dgm:styleLbl name="node4">
+    <dgm:scene3d>
+      <a:camera prst="orthographicFront"/>
+      <a:lightRig rig="threePt" dir="t"/>
+    </dgm:scene3d>
+    <dgm:sp3d/>
+    <dgm:txPr/>
+    <dgm:style>
+      <a:lnRef idx="2">
+        <a:scrgbClr r="0" g="0" b="0"/>
+      </a:lnRef>
+      <a:fillRef idx="1">
+        <a:scrgbClr r="0" g="0" b="0"/>
+      </a:fillRef>
+      <a:effectRef idx="0">
+        <a:scrgbClr r="0" g="0" b="0"/>
+      </a:effectRef>
+      <a:fontRef idx="minor">
+        <a:schemeClr val="lt1"/>
+      </a:fontRef>
+    </dgm:style>
+  </dgm:styleLbl>
+  <dgm:styleLbl name="fgImgPlace1">
+    <dgm:scene3d>
+      <a:camera prst="orthographicFront"/>
+      <a:lightRig rig="threePt" dir="t"/>
+    </dgm:scene3d>
+    <dgm:sp3d/>
+    <dgm:txPr/>
+    <dgm:style>
+      <a:lnRef idx="2">
+        <a:scrgbClr r="0" g="0" b="0"/>
+      </a:lnRef>
+      <a:fillRef idx="1">
+        <a:scrgbClr r="0" g="0" b="0"/>
+      </a:fillRef>
+      <a:effectRef idx="0">
+        <a:scrgbClr r="0" g="0" b="0"/>
+      </a:effectRef>
+      <a:fontRef idx="minor"/>
+    </dgm:style>
+  </dgm:styleLbl>
+  <dgm:styleLbl name="alignImgPlace1">
+    <dgm:scene3d>
+      <a:camera prst="orthographicFront"/>
+      <a:lightRig rig="threePt" dir="t"/>
+    </dgm:scene3d>
+    <dgm:sp3d/>
+    <dgm:txPr/>
+    <dgm:style>
+      <a:lnRef idx="2">
+        <a:scrgbClr r="0" g="0" b="0"/>
+      </a:lnRef>
+      <a:fillRef idx="1">
+        <a:scrgbClr r="0" g="0" b="0"/>
+      </a:fillRef>
+      <a:effectRef idx="0">
+        <a:scrgbClr r="0" g="0" b="0"/>
+      </a:effectRef>
+      <a:fontRef idx="minor"/>
+    </dgm:style>
+  </dgm:styleLbl>
+  <dgm:styleLbl name="bgImgPlace1">
+    <dgm:scene3d>
+      <a:camera prst="orthographicFront"/>
+      <a:lightRig rig="threePt" dir="t"/>
+    </dgm:scene3d>
+    <dgm:sp3d/>
+    <dgm:txPr/>
+    <dgm:style>
+      <a:lnRef idx="2">
+        <a:scrgbClr r="0" g="0" b="0"/>
+      </a:lnRef>
+      <a:fillRef idx="1">
+        <a:scrgbClr r="0" g="0" b="0"/>
+      </a:fillRef>
+      <a:effectRef idx="0">
+        <a:scrgbClr r="0" g="0" b="0"/>
+      </a:effectRef>
+      <a:fontRef idx="minor"/>
+    </dgm:style>
+  </dgm:styleLbl>
+  <dgm:styleLbl name="sibTrans2D1">
+    <dgm:scene3d>
+      <a:camera prst="orthographicFront"/>
+      <a:lightRig rig="threePt" dir="t"/>
+    </dgm:scene3d>
+    <dgm:sp3d/>
+    <dgm:txPr/>
+    <dgm:style>
+      <a:lnRef idx="0">
+        <a:scrgbClr r="0" g="0" b="0"/>
+      </a:lnRef>
+      <a:fillRef idx="1">
+        <a:scrgbClr r="0" g="0" b="0"/>
+      </a:fillRef>
+      <a:effectRef idx="0">
+        <a:scrgbClr r="0" g="0" b="0"/>
+      </a:effectRef>
+      <a:fontRef idx="minor">
+        <a:schemeClr val="lt1"/>
+      </a:fontRef>
+    </dgm:style>
+  </dgm:styleLbl>
+  <dgm:styleLbl name="fgSibTrans2D1">
+    <dgm:scene3d>
+      <a:camera prst="orthographicFront"/>
+      <a:lightRig rig="threePt" dir="t"/>
+    </dgm:scene3d>
+    <dgm:sp3d/>
+    <dgm:txPr/>
+    <dgm:style>
+      <a:lnRef idx="0">
+        <a:scrgbClr r="0" g="0" b="0"/>
+      </a:lnRef>
+      <a:fillRef idx="1">
+        <a:scrgbClr r="0" g="0" b="0"/>
+      </a:fillRef>
+      <a:effectRef idx="0">
+        <a:scrgbClr r="0" g="0" b="0"/>
+      </a:effectRef>
+      <a:fontRef idx="minor">
+        <a:schemeClr val="lt1"/>
+      </a:fontRef>
+    </dgm:style>
+  </dgm:styleLbl>
+  <dgm:styleLbl name="bgSibTrans2D1">
+    <dgm:scene3d>
+      <a:camera prst="orthographicFront"/>
+      <a:lightRig rig="threePt" dir="t"/>
+    </dgm:scene3d>
+    <dgm:sp3d/>
+    <dgm:txPr/>
+    <dgm:style>
+      <a:lnRef idx="0">
+        <a:scrgbClr r="0" g="0" b="0"/>
+      </a:lnRef>
+      <a:fillRef idx="1">
+        <a:scrgbClr r="0" g="0" b="0"/>
+      </a:fillRef>
+      <a:effectRef idx="0">
+        <a:scrgbClr r="0" g="0" b="0"/>
+      </a:effectRef>
+      <a:fontRef idx="minor">
+        <a:schemeClr val="lt1"/>
+      </a:fontRef>
+    </dgm:style>
+  </dgm:styleLbl>
+  <dgm:styleLbl name="sibTrans1D1">
+    <dgm:scene3d>
+      <a:camera prst="orthographicFront"/>
+      <a:lightRig rig="threePt" dir="t"/>
+    </dgm:scene3d>
+    <dgm:sp3d/>
+    <dgm:txPr/>
+    <dgm:style>
+      <a:lnRef idx="1">
+        <a:scrgbClr r="0" g="0" b="0"/>
+      </a:lnRef>
+      <a:fillRef idx="0">
+        <a:scrgbClr r="0" g="0" b="0"/>
+      </a:fillRef>
+      <a:effectRef idx="0">
+        <a:scrgbClr r="0" g="0" b="0"/>
+      </a:effectRef>
+      <a:fontRef idx="minor"/>
+    </dgm:style>
+  </dgm:styleLbl>
+  <dgm:styleLbl name="callout">
+    <dgm:scene3d>
+      <a:camera prst="orthographicFront"/>
+      <a:lightRig rig="threePt" dir="t"/>
+    </dgm:scene3d>
+    <dgm:sp3d/>
+    <dgm:txPr/>
+    <dgm:style>
+      <a:lnRef idx="2">
+        <a:scrgbClr r="0" g="0" b="0"/>
+      </a:lnRef>
+      <a:fillRef idx="1">
+        <a:scrgbClr r="0" g="0" b="0"/>
+      </a:fillRef>
+      <a:effectRef idx="0">
+        <a:scrgbClr r="0" g="0" b="0"/>
+      </a:effectRef>
+      <a:fontRef idx="minor"/>
+    </dgm:style>
+  </dgm:styleLbl>
+  <dgm:styleLbl name="asst0">
+    <dgm:scene3d>
+      <a:camera prst="orthographicFront"/>
+      <a:lightRig rig="threePt" dir="t"/>
+    </dgm:scene3d>
+    <dgm:sp3d/>
+    <dgm:txPr/>
+    <dgm:style>
+      <a:lnRef idx="2">
+        <a:scrgbClr r="0" g="0" b="0"/>
+      </a:lnRef>
+      <a:fillRef idx="1">
+        <a:scrgbClr r="0" g="0" b="0"/>
+      </a:fillRef>
+      <a:effectRef idx="0">
+        <a:scrgbClr r="0" g="0" b="0"/>
+      </a:effectRef>
+      <a:fontRef idx="minor">
+        <a:schemeClr val="lt1"/>
+      </a:fontRef>
+    </dgm:style>
+  </dgm:styleLbl>
+  <dgm:styleLbl name="asst1">
+    <dgm:scene3d>
+      <a:camera prst="orthographicFront"/>
+      <a:lightRig rig="threePt" dir="t"/>
+    </dgm:scene3d>
+    <dgm:sp3d/>
+    <dgm:txPr/>
+    <dgm:style>
+      <a:lnRef idx="2">
+        <a:scrgbClr r="0" g="0" b="0"/>
+      </a:lnRef>
+      <a:fillRef idx="1">
+        <a:scrgbClr r="0" g="0" b="0"/>
+      </a:fillRef>
+      <a:effectRef idx="0">
+        <a:scrgbClr r="0" g="0" b="0"/>
+      </a:effectRef>
+      <a:fontRef idx="minor">
+        <a:schemeClr val="lt1"/>
+      </a:fontRef>
+    </dgm:style>
+  </dgm:styleLbl>
+  <dgm:styleLbl name="asst2">
+    <dgm:scene3d>
+      <a:camera prst="orthographicFront"/>
+      <a:lightRig rig="threePt" dir="t"/>
+    </dgm:scene3d>
+    <dgm:sp3d/>
+    <dgm:txPr/>
+    <dgm:style>
+      <a:lnRef idx="2">
+        <a:scrgbClr r="0" g="0" b="0"/>
+      </a:lnRef>
+      <a:fillRef idx="1">
+        <a:scrgbClr r="0" g="0" b="0"/>
+      </a:fillRef>
+      <a:effectRef idx="0">
+        <a:scrgbClr r="0" g="0" b="0"/>
+      </a:effectRef>
+      <a:fontRef idx="minor">
+        <a:schemeClr val="lt1"/>
+      </a:fontRef>
+    </dgm:style>
+  </dgm:styleLbl>
+  <dgm:styleLbl name="asst3">
+    <dgm:scene3d>
+      <a:camera prst="orthographicFront"/>
+      <a:lightRig rig="threePt" dir="t"/>
+    </dgm:scene3d>
+    <dgm:sp3d/>
+    <dgm:txPr/>
+    <dgm:style>
+      <a:lnRef idx="2">
+        <a:scrgbClr r="0" g="0" b="0"/>
+      </a:lnRef>
+      <a:fillRef idx="1">
+        <a:scrgbClr r="0" g="0" b="0"/>
+      </a:fillRef>
+      <a:effectRef idx="0">
+        <a:scrgbClr r="0" g="0" b="0"/>
+      </a:effectRef>
+      <a:fontRef idx="minor">
+        <a:schemeClr val="lt1"/>
+      </a:fontRef>
+    </dgm:style>
+  </dgm:styleLbl>
+  <dgm:styleLbl name="asst4">
+    <dgm:scene3d>
+      <a:camera prst="orthographicFront"/>
+      <a:lightRig rig="threePt" dir="t"/>
+    </dgm:scene3d>
+    <dgm:sp3d/>
+    <dgm:txPr/>
+    <dgm:style>
+      <a:lnRef idx="2">
+        <a:scrgbClr r="0" g="0" b="0"/>
+      </a:lnRef>
+      <a:fillRef idx="1">
+        <a:scrgbClr r="0" g="0" b="0"/>
+      </a:fillRef>
+      <a:effectRef idx="0">
+        <a:scrgbClr r="0" g="0" b="0"/>
+      </a:effectRef>
+      <a:fontRef idx="minor">
+        <a:schemeClr val="lt1"/>
+      </a:fontRef>
+    </dgm:style>
+  </dgm:styleLbl>
+  <dgm:styleLbl name="parChTrans2D1">
+    <dgm:scene3d>
+      <a:camera prst="orthographicFront"/>
+      <a:lightRig rig="threePt" dir="t"/>
+    </dgm:scene3d>
+    <dgm:sp3d/>
+    <dgm:txPr/>
+    <dgm:style>
+      <a:lnRef idx="2">
+        <a:scrgbClr r="0" g="0" b="0"/>
+      </a:lnRef>
+      <a:fillRef idx="1">
+        <a:scrgbClr r="0" g="0" b="0"/>
+      </a:fillRef>
+      <a:effectRef idx="0">
+        <a:scrgbClr r="0" g="0" b="0"/>
+      </a:effectRef>
+      <a:fontRef idx="minor">
+        <a:schemeClr val="lt1"/>
+      </a:fontRef>
+    </dgm:style>
+  </dgm:styleLbl>
+  <dgm:styleLbl name="parChTrans2D2">
+    <dgm:scene3d>
+      <a:camera prst="orthographicFront"/>
+      <a:lightRig rig="threePt" dir="t"/>
+    </dgm:scene3d>
+    <dgm:sp3d/>
+    <dgm:txPr/>
+    <dgm:style>
+      <a:lnRef idx="2">
+        <a:scrgbClr r="0" g="0" b="0"/>
+      </a:lnRef>
+      <a:fillRef idx="1">
+        <a:scrgbClr r="0" g="0" b="0"/>
+      </a:fillRef>
+      <a:effectRef idx="0">
+        <a:scrgbClr r="0" g="0" b="0"/>
+      </a:effectRef>
+      <a:fontRef idx="minor">
+        <a:schemeClr val="lt1"/>
+      </a:fontRef>
+    </dgm:style>
+  </dgm:styleLbl>
+  <dgm:styleLbl name="parChTrans2D3">
+    <dgm:scene3d>
+      <a:camera prst="orthographicFront"/>
+      <a:lightRig rig="threePt" dir="t"/>
+    </dgm:scene3d>
+    <dgm:sp3d/>
+    <dgm:txPr/>
+    <dgm:style>
+      <a:lnRef idx="2">
+        <a:scrgbClr r="0" g="0" b="0"/>
+      </a:lnRef>
+      <a:fillRef idx="1">
+        <a:scrgbClr r="0" g="0" b="0"/>
+      </a:fillRef>
+      <a:effectRef idx="0">
+        <a:scrgbClr r="0" g="0" b="0"/>
+      </a:effectRef>
+      <a:fontRef idx="minor">
+        <a:schemeClr val="lt1"/>
+      </a:fontRef>
+    </dgm:style>
+  </dgm:styleLbl>
+  <dgm:styleLbl name="parChTrans2D4">
+    <dgm:scene3d>
+      <a:camera prst="orthographicFront"/>
+      <a:lightRig rig="threePt" dir="t"/>
+    </dgm:scene3d>
+    <dgm:sp3d/>
+    <dgm:txPr/>
+    <dgm:style>
+      <a:lnRef idx="2">
+        <a:scrgbClr r="0" g="0" b="0"/>
+      </a:lnRef>
+      <a:fillRef idx="1">
+        <a:scrgbClr r="0" g="0" b="0"/>
+      </a:fillRef>
+      <a:effectRef idx="0">
+        <a:scrgbClr r="0" g="0" b="0"/>
+      </a:effectRef>
+      <a:fontRef idx="minor">
+        <a:schemeClr val="lt1"/>
+      </a:fontRef>
+    </dgm:style>
+  </dgm:styleLbl>
+  <dgm:styleLbl name="parChTrans1D1">
+    <dgm:scene3d>
+      <a:camera prst="orthographicFront"/>
+      <a:lightRig rig="threePt" dir="t"/>
+    </dgm:scene3d>
+    <dgm:sp3d/>
+    <dgm:txPr/>
+    <dgm:style>
+      <a:lnRef idx="2">
+        <a:scrgbClr r="0" g="0" b="0"/>
+      </a:lnRef>
+      <a:fillRef idx="0">
+        <a:scrgbClr r="0" g="0" b="0"/>
+      </a:fillRef>
+      <a:effectRef idx="0">
+        <a:scrgbClr r="0" g="0" b="0"/>
+      </a:effectRef>
+      <a:fontRef idx="minor"/>
+    </dgm:style>
+  </dgm:styleLbl>
+  <dgm:styleLbl name="parChTrans1D2">
+    <dgm:scene3d>
+      <a:camera prst="orthographicFront"/>
+      <a:lightRig rig="threePt" dir="t"/>
+    </dgm:scene3d>
+    <dgm:sp3d/>
+    <dgm:txPr/>
+    <dgm:style>
+      <a:lnRef idx="2">
+        <a:scrgbClr r="0" g="0" b="0"/>
+      </a:lnRef>
+      <a:fillRef idx="0">
+        <a:scrgbClr r="0" g="0" b="0"/>
+      </a:fillRef>
+      <a:effectRef idx="0">
+        <a:scrgbClr r="0" g="0" b="0"/>
+      </a:effectRef>
+      <a:fontRef idx="minor"/>
+    </dgm:style>
+  </dgm:styleLbl>
+  <dgm:styleLbl name="parChTrans1D3">
+    <dgm:scene3d>
+      <a:camera prst="orthographicFront"/>
+      <a:lightRig rig="threePt" dir="t"/>
+    </dgm:scene3d>
+    <dgm:sp3d/>
+    <dgm:txPr/>
+    <dgm:style>
+      <a:lnRef idx="2">
+        <a:scrgbClr r="0" g="0" b="0"/>
+      </a:lnRef>
+      <a:fillRef idx="0">
+        <a:scrgbClr r="0" g="0" b="0"/>
+      </a:fillRef>
+      <a:effectRef idx="0">
+        <a:scrgbClr r="0" g="0" b="0"/>
+      </a:effectRef>
+      <a:fontRef idx="minor"/>
+    </dgm:style>
+  </dgm:styleLbl>
+  <dgm:styleLbl name="parChTrans1D4">
+    <dgm:scene3d>
+      <a:camera prst="orthographicFront"/>
+      <a:lightRig rig="threePt" dir="t"/>
+    </dgm:scene3d>
+    <dgm:sp3d/>
+    <dgm:txPr/>
+    <dgm:style>
+      <a:lnRef idx="2">
+        <a:scrgbClr r="0" g="0" b="0"/>
+      </a:lnRef>
+      <a:fillRef idx="0">
+        <a:scrgbClr r="0" g="0" b="0"/>
+      </a:fillRef>
+      <a:effectRef idx="0">
+        <a:scrgbClr r="0" g="0" b="0"/>
+      </a:effectRef>
+      <a:fontRef idx="minor"/>
+    </dgm:style>
+  </dgm:styleLbl>
+  <dgm:styleLbl name="fgAcc1">
+    <dgm:scene3d>
+      <a:camera prst="orthographicFront"/>
+      <a:lightRig rig="threePt" dir="t"/>
+    </dgm:scene3d>
+    <dgm:sp3d/>
+    <dgm:txPr/>
+    <dgm:style>
+      <a:lnRef idx="2">
+        <a:scrgbClr r="0" g="0" b="0"/>
+      </a:lnRef>
+      <a:fillRef idx="1">
+        <a:scrgbClr r="0" g="0" b="0"/>
+      </a:fillRef>
+      <a:effectRef idx="0">
+        <a:scrgbClr r="0" g="0" b="0"/>
+      </a:effectRef>
+      <a:fontRef idx="minor"/>
+    </dgm:style>
+  </dgm:styleLbl>
+  <dgm:styleLbl name="conFgAcc1">
+    <dgm:scene3d>
+      <a:camera prst="orthographicFront"/>
+      <a:lightRig rig="threePt" dir="t"/>
+    </dgm:scene3d>
+    <dgm:sp3d/>
+    <dgm:txPr/>
+    <dgm:style>
+      <a:lnRef idx="2">
+        <a:scrgbClr r="0" g="0" b="0"/>
+      </a:lnRef>
+      <a:fillRef idx="1">
+        <a:scrgbClr r="0" g="0" b="0"/>
+      </a:fillRef>
+      <a:effectRef idx="0">
+        <a:scrgbClr r="0" g="0" b="0"/>
+      </a:effectRef>
+      <a:fontRef idx="minor"/>
+    </dgm:style>
+  </dgm:styleLbl>
+  <dgm:styleLbl name="alignAcc1">
+    <dgm:scene3d>
+      <a:camera prst="orthographicFront"/>
+      <a:lightRig rig="threePt" dir="t"/>
+    </dgm:scene3d>
+    <dgm:sp3d/>
+    <dgm:txPr/>
+    <dgm:style>
+      <a:lnRef idx="2">
+        <a:scrgbClr r="0" g="0" b="0"/>
+      </a:lnRef>
+      <a:fillRef idx="1">
+        <a:scrgbClr r="0" g="0" b="0"/>
+      </a:fillRef>
+      <a:effectRef idx="0">
+        <a:scrgbClr r="0" g="0" b="0"/>
+      </a:effectRef>
+      <a:fontRef idx="minor"/>
+    </dgm:style>
+  </dgm:styleLbl>
+  <dgm:styleLbl name="trAlignAcc1">
+    <dgm:scene3d>
+      <a:camera prst="orthographicFront"/>
+      <a:lightRig rig="threePt" dir="t"/>
+    </dgm:scene3d>
+    <dgm:sp3d/>
+    <dgm:txPr/>
+    <dgm:style>
+      <a:lnRef idx="1">
+        <a:scrgbClr r="0" g="0" b="0"/>
+      </a:lnRef>
+      <a:fillRef idx="1">
+        <a:scrgbClr r="0" g="0" b="0"/>
+      </a:fillRef>
+      <a:effectRef idx="0">
+        <a:scrgbClr r="0" g="0" b="0"/>
+      </a:effectRef>
+      <a:fontRef idx="minor"/>
+    </dgm:style>
+  </dgm:styleLbl>
+  <dgm:styleLbl name="bgAcc1">
+    <dgm:scene3d>
+      <a:camera prst="orthographicFront"/>
+      <a:lightRig rig="threePt" dir="t"/>
+    </dgm:scene3d>
+    <dgm:sp3d/>
+    <dgm:txPr/>
+    <dgm:style>
+      <a:lnRef idx="2">
+        <a:scrgbClr r="0" g="0" b="0"/>
+      </a:lnRef>
+      <a:fillRef idx="1">
+        <a:scrgbClr r="0" g="0" b="0"/>
+      </a:fillRef>
+      <a:effectRef idx="0">
+        <a:scrgbClr r="0" g="0" b="0"/>
+      </a:effectRef>
+      <a:fontRef idx="minor"/>
+    </dgm:style>
+  </dgm:styleLbl>
+  <dgm:styleLbl name="solidFgAcc1">
+    <dgm:scene3d>
+      <a:camera prst="orthographicFront"/>
+      <a:lightRig rig="threePt" dir="t"/>
+    </dgm:scene3d>
+    <dgm:sp3d/>
+    <dgm:txPr/>
+    <dgm:style>
+      <a:lnRef idx="2">
+        <a:scrgbClr r="0" g="0" b="0"/>
+      </a:lnRef>
+      <a:fillRef idx="1">
+        <a:scrgbClr r="0" g="0" b="0"/>
+      </a:fillRef>
+      <a:effectRef idx="0">
+        <a:scrgbClr r="0" g="0" b="0"/>
+      </a:effectRef>
+      <a:fontRef idx="minor"/>
+    </dgm:style>
+  </dgm:styleLbl>
+  <dgm:styleLbl name="solidAlignAcc1">
+    <dgm:scene3d>
+      <a:camera prst="orthographicFront"/>
+      <a:lightRig rig="threePt" dir="t"/>
+    </dgm:scene3d>
+    <dgm:sp3d/>
+    <dgm:txPr/>
+    <dgm:style>
+      <a:lnRef idx="2">
+        <a:scrgbClr r="0" g="0" b="0"/>
+      </a:lnRef>
+      <a:fillRef idx="1">
+        <a:scrgbClr r="0" g="0" b="0"/>
+      </a:fillRef>
+      <a:effectRef idx="0">
+        <a:scrgbClr r="0" g="0" b="0"/>
+      </a:effectRef>
+      <a:fontRef idx="minor"/>
+    </dgm:style>
+  </dgm:styleLbl>
+  <dgm:styleLbl name="solidBgAcc1">
+    <dgm:scene3d>
+      <a:camera prst="orthographicFront"/>
+      <a:lightRig rig="threePt" dir="t"/>
+    </dgm:scene3d>
+    <dgm:sp3d/>
+    <dgm:txPr/>
+    <dgm:style>
+      <a:lnRef idx="2">
+        <a:scrgbClr r="0" g="0" b="0"/>
+      </a:lnRef>
+      <a:fillRef idx="1">
+        <a:scrgbClr r="0" g="0" b="0"/>
+      </a:fillRef>
+      <a:effectRef idx="0">
+        <a:scrgbClr r="0" g="0" b="0"/>
+      </a:effectRef>
+      <a:fontRef idx="minor"/>
+    </dgm:style>
+  </dgm:styleLbl>
+  <dgm:styleLbl name="fgAccFollowNode1">
+    <dgm:scene3d>
+      <a:camera prst="orthographicFront"/>
+      <a:lightRig rig="threePt" dir="t"/>
+    </dgm:scene3d>
+    <dgm:sp3d/>
+    <dgm:txPr/>
+    <dgm:style>
+      <a:lnRef idx="2">
+        <a:scrgbClr r="0" g="0" b="0"/>
+      </a:lnRef>
+      <a:fillRef idx="1">
+        <a:scrgbClr r="0" g="0" b="0"/>
+      </a:fillRef>
+      <a:effectRef idx="0">
+        <a:scrgbClr r="0" g="0" b="0"/>
+      </a:effectRef>
+      <a:fontRef idx="minor"/>
+    </dgm:style>
+  </dgm:styleLbl>
+  <dgm:styleLbl name="alignAccFollowNode1">
+    <dgm:scene3d>
+      <a:camera prst="orthographicFront"/>
+      <a:lightRig rig="threePt" dir="t"/>
+    </dgm:scene3d>
+    <dgm:sp3d/>
+    <dgm:txPr/>
+    <dgm:style>
+      <a:lnRef idx="2">
+        <a:scrgbClr r="0" g="0" b="0"/>
+      </a:lnRef>
+      <a:fillRef idx="1">
+        <a:scrgbClr r="0" g="0" b="0"/>
+      </a:fillRef>
+      <a:effectRef idx="0">
+        <a:scrgbClr r="0" g="0" b="0"/>
+      </a:effectRef>
+      <a:fontRef idx="minor"/>
+    </dgm:style>
+  </dgm:styleLbl>
+  <dgm:styleLbl name="bgAccFollowNode1">
+    <dgm:scene3d>
+      <a:camera prst="orthographicFront"/>
+      <a:lightRig rig="threePt" dir="t"/>
+    </dgm:scene3d>
+    <dgm:sp3d/>
+    <dgm:txPr/>
+    <dgm:style>
+      <a:lnRef idx="2">
+        <a:scrgbClr r="0" g="0" b="0"/>
+      </a:lnRef>
+      <a:fillRef idx="1">
+        <a:scrgbClr r="0" g="0" b="0"/>
+      </a:fillRef>
+      <a:effectRef idx="0">
+        <a:scrgbClr r="0" g="0" b="0"/>
+      </a:effectRef>
+      <a:fontRef idx="minor"/>
+    </dgm:style>
+  </dgm:styleLbl>
+  <dgm:styleLbl name="fgAcc0">
+    <dgm:scene3d>
+      <a:camera prst="orthographicFront"/>
+      <a:lightRig rig="threePt" dir="t"/>
+    </dgm:scene3d>
+    <dgm:sp3d/>
+    <dgm:txPr/>
+    <dgm:style>
+      <a:lnRef idx="2">
+        <a:scrgbClr r="0" g="0" b="0"/>
+      </a:lnRef>
+      <a:fillRef idx="1">
+        <a:scrgbClr r="0" g="0" b="0"/>
+      </a:fillRef>
+      <a:effectRef idx="0">
+        <a:scrgbClr r="0" g="0" b="0"/>
+      </a:effectRef>
+      <a:fontRef idx="minor"/>
+    </dgm:style>
+  </dgm:styleLbl>
+  <dgm:styleLbl name="fgAcc2">
+    <dgm:scene3d>
+      <a:camera prst="orthographicFront"/>
+      <a:lightRig rig="threePt" dir="t"/>
+    </dgm:scene3d>
+    <dgm:sp3d/>
+    <dgm:txPr/>
+    <dgm:style>
+      <a:lnRef idx="2">
+        <a:scrgbClr r="0" g="0" b="0"/>
+      </a:lnRef>
+      <a:fillRef idx="1">
+        <a:scrgbClr r="0" g="0" b="0"/>
+      </a:fillRef>
+      <a:effectRef idx="0">
+        <a:scrgbClr r="0" g="0" b="0"/>
+      </a:effectRef>
+      <a:fontRef idx="minor"/>
+    </dgm:style>
+  </dgm:styleLbl>
+  <dgm:styleLbl name="fgAcc3">
+    <dgm:scene3d>
+      <a:camera prst="orthographicFront"/>
+      <a:lightRig rig="threePt" dir="t"/>
+    </dgm:scene3d>
+    <dgm:sp3d/>
+    <dgm:txPr/>
+    <dgm:style>
+      <a:lnRef idx="2">
+        <a:scrgbClr r="0" g="0" b="0"/>
+      </a:lnRef>
+      <a:fillRef idx="1">
+        <a:scrgbClr r="0" g="0" b="0"/>
+      </a:fillRef>
+      <a:effectRef idx="0">
+        <a:scrgbClr r="0" g="0" b="0"/>
+      </a:effectRef>
+      <a:fontRef idx="minor"/>
+    </dgm:style>
+  </dgm:styleLbl>
+  <dgm:styleLbl name="fgAcc4">
+    <dgm:scene3d>
+      <a:camera prst="orthographicFront"/>
+      <a:lightRig rig="threePt" dir="t"/>
+    </dgm:scene3d>
+    <dgm:sp3d/>
+    <dgm:txPr/>
+    <dgm:style>
+      <a:lnRef idx="2">
+        <a:scrgbClr r="0" g="0" b="0"/>
+      </a:lnRef>
+      <a:fillRef idx="1">
+        <a:scrgbClr r="0" g="0" b="0"/>
+      </a:fillRef>
+      <a:effectRef idx="0">
+        <a:scrgbClr r="0" g="0" b="0"/>
+      </a:effectRef>
+      <a:fontRef idx="minor"/>
+    </dgm:style>
+  </dgm:styleLbl>
+  <dgm:styleLbl name="bgShp">
+    <dgm:scene3d>
+      <a:camera prst="orthographicFront"/>
+      <a:lightRig rig="threePt" dir="t"/>
+    </dgm:scene3d>
+    <dgm:sp3d/>
+    <dgm:txPr/>
+    <dgm:style>
+      <a:lnRef idx="0">
+        <a:scrgbClr r="0" g="0" b="0"/>
+      </a:lnRef>
+      <a:fillRef idx="1">
+        <a:scrgbClr r="0" g="0" b="0"/>
+      </a:fillRef>
+      <a:effectRef idx="0">
+        <a:scrgbClr r="0" g="0" b="0"/>
+      </a:effectRef>
+      <a:fontRef idx="minor"/>
+    </dgm:style>
+  </dgm:styleLbl>
+  <dgm:styleLbl name="dkBgShp">
+    <dgm:scene3d>
+      <a:camera prst="orthographicFront"/>
+      <a:lightRig rig="threePt" dir="t"/>
+    </dgm:scene3d>
+    <dgm:sp3d/>
+    <dgm:txPr/>
+    <dgm:style>
+      <a:lnRef idx="0">
+        <a:scrgbClr r="0" g="0" b="0"/>
+      </a:lnRef>
+      <a:fillRef idx="1">
+        <a:scrgbClr r="0" g="0" b="0"/>
+      </a:fillRef>
+      <a:effectRef idx="0">
+        <a:scrgbClr r="0" g="0" b="0"/>
+      </a:effectRef>
+      <a:fontRef idx="minor"/>
+    </dgm:style>
+  </dgm:styleLbl>
+  <dgm:styleLbl name="trBgShp">
+    <dgm:scene3d>
+      <a:camera prst="orthographicFront"/>
+      <a:lightRig rig="threePt" dir="t"/>
+    </dgm:scene3d>
+    <dgm:sp3d/>
+    <dgm:txPr/>
+    <dgm:style>
+      <a:lnRef idx="0">
+        <a:scrgbClr r="0" g="0" b="0"/>
+      </a:lnRef>
+      <a:fillRef idx="1">
+        <a:scrgbClr r="0" g="0" b="0"/>
+      </a:fillRef>
+      <a:effectRef idx="0">
+        <a:scrgbClr r="0" g="0" b="0"/>
+      </a:effectRef>
+      <a:fontRef idx="minor"/>
+    </dgm:style>
+  </dgm:styleLbl>
+  <dgm:styleLbl name="fgShp">
+    <dgm:scene3d>
+      <a:camera prst="orthographicFront"/>
+      <a:lightRig rig="threePt" dir="t"/>
+    </dgm:scene3d>
+    <dgm:sp3d/>
+    <dgm:txPr/>
+    <dgm:style>
+      <a:lnRef idx="2">
+        <a:scrgbClr r="0" g="0" b="0"/>
+      </a:lnRef>
+      <a:fillRef idx="1">
+        <a:scrgbClr r="0" g="0" b="0"/>
+      </a:fillRef>
+      <a:effectRef idx="0">
+        <a:scrgbClr r="0" g="0" b="0"/>
+      </a:effectRef>
+      <a:fontRef idx="minor"/>
+    </dgm:style>
+  </dgm:styleLbl>
+  <dgm:styleLbl name="revTx">
+    <dgm:scene3d>
+      <a:camera prst="orthographicFront"/>
+      <a:lightRig rig="threePt" dir="t"/>
+    </dgm:scene3d>
+    <dgm:sp3d/>
+    <dgm:txPr/>
+    <dgm:style>
+      <a:lnRef idx="0">
+        <a:scrgbClr r="0" g="0" b="0"/>
+      </a:lnRef>
+      <a:fillRef idx="0">
+        <a:scrgbClr r="0" g="0" b="0"/>
+      </a:fillRef>
+      <a:effectRef idx="0">
+        <a:scrgbClr r="0" g="0" b="0"/>
+      </a:effectRef>
+      <a:fontRef idx="minor"/>
+    </dgm:style>
+  </dgm:styleLbl>
+</dgm:styleDef>
+</file>
+
+<file path=ppt/diagrams/quickStyle5.xml><?xml version="1.0" encoding="utf-8"?>
 <dgm:styleDef xmlns:dgm="http://schemas.openxmlformats.org/drawingml/2006/diagram" xmlns:a="http://schemas.openxmlformats.org/drawingml/2006/main" uniqueId="urn:microsoft.com/office/officeart/2005/8/quickstyle/simple1">
   <dgm:title val=""/>
   <dgm:desc val=""/>
@@ -14741,7 +17176,7 @@
           <a:p>
             <a:fld id="{18320935-7879-4FC8-A6C9-17BE08BC5BEB}" type="datetimeFigureOut">
               <a:rPr lang="pt-BR" smtClean="0"/>
-              <a:t>22/05/2025</a:t>
+              <a:t>26/05/2025</a:t>
             </a:fld>
             <a:endParaRPr lang="pt-BR"/>
           </a:p>
@@ -15155,7 +17590,7 @@
           <a:p>
             <a:fld id="{055D9AF5-8B02-462A-998E-086C6BD146E3}" type="datetime1">
               <a:rPr lang="pt-BR" smtClean="0"/>
-              <a:t>22/05/2025</a:t>
+              <a:t>26/05/2025</a:t>
             </a:fld>
             <a:endParaRPr lang="pt-BR"/>
           </a:p>
@@ -15353,7 +17788,7 @@
           <a:p>
             <a:fld id="{258448AC-78A4-411F-B30C-72E16663FB27}" type="datetime1">
               <a:rPr lang="pt-BR" smtClean="0"/>
-              <a:t>22/05/2025</a:t>
+              <a:t>26/05/2025</a:t>
             </a:fld>
             <a:endParaRPr lang="pt-BR"/>
           </a:p>
@@ -15561,7 +17996,7 @@
           <a:p>
             <a:fld id="{9F1F3115-DB14-4321-8D36-A5960E5A90C2}" type="datetime1">
               <a:rPr lang="pt-BR" smtClean="0"/>
-              <a:t>22/05/2025</a:t>
+              <a:t>26/05/2025</a:t>
             </a:fld>
             <a:endParaRPr lang="pt-BR"/>
           </a:p>
@@ -15759,7 +18194,7 @@
           <a:p>
             <a:fld id="{D8C6E8C3-9067-43B2-BEF6-C1F5787FC74D}" type="datetime1">
               <a:rPr lang="pt-BR" smtClean="0"/>
-              <a:t>22/05/2025</a:t>
+              <a:t>26/05/2025</a:t>
             </a:fld>
             <a:endParaRPr lang="pt-BR"/>
           </a:p>
@@ -16034,7 +18469,7 @@
           <a:p>
             <a:fld id="{AEDAA854-EDC2-459C-AF0A-0D60AE43886D}" type="datetime1">
               <a:rPr lang="pt-BR" smtClean="0"/>
-              <a:t>22/05/2025</a:t>
+              <a:t>26/05/2025</a:t>
             </a:fld>
             <a:endParaRPr lang="pt-BR"/>
           </a:p>
@@ -16299,7 +18734,7 @@
           <a:p>
             <a:fld id="{5D91D852-DAA6-48D5-92B2-C187B4D9E703}" type="datetime1">
               <a:rPr lang="pt-BR" smtClean="0"/>
-              <a:t>22/05/2025</a:t>
+              <a:t>26/05/2025</a:t>
             </a:fld>
             <a:endParaRPr lang="pt-BR"/>
           </a:p>
@@ -16711,7 +19146,7 @@
           <a:p>
             <a:fld id="{CDC3A4EE-7EB3-49B0-B009-2BF3B4DB4BF7}" type="datetime1">
               <a:rPr lang="pt-BR" smtClean="0"/>
-              <a:t>22/05/2025</a:t>
+              <a:t>26/05/2025</a:t>
             </a:fld>
             <a:endParaRPr lang="pt-BR"/>
           </a:p>
@@ -16852,7 +19287,7 @@
           <a:p>
             <a:fld id="{224C9A1C-CA50-4622-B615-0639F6347B1D}" type="datetime1">
               <a:rPr lang="pt-BR" smtClean="0"/>
-              <a:t>22/05/2025</a:t>
+              <a:t>26/05/2025</a:t>
             </a:fld>
             <a:endParaRPr lang="pt-BR"/>
           </a:p>
@@ -16965,7 +19400,7 @@
           <a:p>
             <a:fld id="{3D6C1E11-059F-430B-ACAB-308983ADDB72}" type="datetime1">
               <a:rPr lang="pt-BR" smtClean="0"/>
-              <a:t>22/05/2025</a:t>
+              <a:t>26/05/2025</a:t>
             </a:fld>
             <a:endParaRPr lang="pt-BR"/>
           </a:p>
@@ -17276,7 +19711,7 @@
           <a:p>
             <a:fld id="{D818A351-4929-4117-9E02-9240FA4BEF66}" type="datetime1">
               <a:rPr lang="pt-BR" smtClean="0"/>
-              <a:t>22/05/2025</a:t>
+              <a:t>26/05/2025</a:t>
             </a:fld>
             <a:endParaRPr lang="pt-BR"/>
           </a:p>
@@ -17564,7 +19999,7 @@
           <a:p>
             <a:fld id="{0717CE0E-0A9C-4DE7-9D3C-C334C624287A}" type="datetime1">
               <a:rPr lang="pt-BR" smtClean="0"/>
-              <a:t>22/05/2025</a:t>
+              <a:t>26/05/2025</a:t>
             </a:fld>
             <a:endParaRPr lang="pt-BR"/>
           </a:p>
@@ -17805,7 +20240,7 @@
           <a:p>
             <a:fld id="{8DEF6C12-3CCD-4BA5-AA5A-B9FCBFB668F7}" type="datetime1">
               <a:rPr lang="pt-BR" smtClean="0"/>
-              <a:t>22/05/2025</a:t>
+              <a:t>26/05/2025</a:t>
             </a:fld>
             <a:endParaRPr lang="pt-BR"/>
           </a:p>
@@ -18417,6 +20852,249 @@
   <p:cSld>
     <p:spTree>
       <p:nvGrpSpPr>
+        <p:cNvPr id="1" name="">
+          <a:extLst>
+            <a:ext uri="{FF2B5EF4-FFF2-40B4-BE49-F238E27FC236}">
+              <a16:creationId xmlns:a16="http://schemas.microsoft.com/office/drawing/2014/main" id="{0A850B17-B98A-1D8C-C610-E88FFA6D4CF6}"/>
+            </a:ext>
+          </a:extLst>
+        </p:cNvPr>
+        <p:cNvGrpSpPr/>
+        <p:nvPr/>
+      </p:nvGrpSpPr>
+      <p:grpSpPr>
+        <a:xfrm>
+          <a:off x="0" y="0"/>
+          <a:ext cx="0" cy="0"/>
+          <a:chOff x="0" y="0"/>
+          <a:chExt cx="0" cy="0"/>
+        </a:xfrm>
+      </p:grpSpPr>
+      <p:sp>
+        <p:nvSpPr>
+          <p:cNvPr id="3" name="Subtítulo 2">
+            <a:extLst>
+              <a:ext uri="{FF2B5EF4-FFF2-40B4-BE49-F238E27FC236}">
+                <a16:creationId xmlns:a16="http://schemas.microsoft.com/office/drawing/2014/main" id="{D2CF158D-A03D-2A3A-60A0-023DB6C50F98}"/>
+              </a:ext>
+            </a:extLst>
+          </p:cNvPr>
+          <p:cNvSpPr>
+            <a:spLocks noGrp="1"/>
+          </p:cNvSpPr>
+          <p:nvPr>
+            <p:ph type="subTitle" idx="1"/>
+          </p:nvPr>
+        </p:nvSpPr>
+        <p:spPr>
+          <a:xfrm>
+            <a:off x="1580113" y="2590453"/>
+            <a:ext cx="9750495" cy="2766000"/>
+          </a:xfrm>
+        </p:spPr>
+        <p:txBody>
+          <a:bodyPr>
+            <a:normAutofit lnSpcReduction="10000"/>
+          </a:bodyPr>
+          <a:lstStyle/>
+          <a:p>
+            <a:pPr marL="457200" indent="-457200" algn="l">
+              <a:buFontTx/>
+              <a:buChar char="-"/>
+            </a:pPr>
+            <a:r>
+              <a:rPr lang="pt-BR" sz="2800" b="1" dirty="0"/>
+              <a:t>Local</a:t>
+            </a:r>
+            <a:r>
+              <a:rPr lang="pt-BR" sz="2800" dirty="0"/>
+              <a:t>:</a:t>
+            </a:r>
+            <a:br>
+              <a:rPr lang="pt-BR" sz="2000" dirty="0"/>
+            </a:br>
+            <a:r>
+              <a:rPr lang="pt-BR" sz="2000" dirty="0"/>
+              <a:t>Liceu Santista (Santos/SP) — laboratórios de informática e salas de aula.</a:t>
+            </a:r>
+          </a:p>
+          <a:p>
+            <a:pPr marL="457200" indent="-457200" algn="l">
+              <a:buFontTx/>
+              <a:buChar char="-"/>
+            </a:pPr>
+            <a:r>
+              <a:rPr lang="pt-BR" sz="2800" b="1" dirty="0"/>
+              <a:t>Participantes:</a:t>
+            </a:r>
+            <a:br>
+              <a:rPr lang="pt-BR" sz="2800" dirty="0"/>
+            </a:br>
+            <a:r>
+              <a:rPr lang="pt-BR" sz="2000" dirty="0"/>
+              <a:t>Alunos: turma-piloto de 2ª série 10 alunos, selecionados por conveniência.</a:t>
+            </a:r>
+          </a:p>
+          <a:p>
+            <a:pPr marL="457200" indent="-457200" algn="l">
+              <a:buFontTx/>
+              <a:buChar char="-"/>
+            </a:pPr>
+            <a:r>
+              <a:rPr lang="pt-BR" sz="3000" b="1" dirty="0"/>
+              <a:t>Período:</a:t>
+            </a:r>
+            <a:br>
+              <a:rPr lang="pt-BR" sz="2000" dirty="0"/>
+            </a:br>
+            <a:r>
+              <a:rPr lang="pt-BR" sz="2000" dirty="0"/>
+              <a:t>Dia 28 de maio de 2025, durante o período da tarde, teste em laboratório de informática</a:t>
+            </a:r>
+          </a:p>
+          <a:p>
+            <a:pPr algn="l"/>
+            <a:r>
+              <a:rPr lang="pt-BR" sz="2000" dirty="0"/>
+              <a:t>	</a:t>
+            </a:r>
+            <a:endParaRPr lang="pt-BR" sz="2800" dirty="0"/>
+          </a:p>
+        </p:txBody>
+      </p:sp>
+      <p:pic>
+        <p:nvPicPr>
+          <p:cNvPr id="4" name="Imagem 3">
+            <a:extLst>
+              <a:ext uri="{FF2B5EF4-FFF2-40B4-BE49-F238E27FC236}">
+                <a16:creationId xmlns:a16="http://schemas.microsoft.com/office/drawing/2014/main" id="{5A2928C0-B3A7-E388-2948-1D0702AC38AF}"/>
+              </a:ext>
+            </a:extLst>
+          </p:cNvPr>
+          <p:cNvPicPr/>
+          <p:nvPr/>
+        </p:nvPicPr>
+        <p:blipFill>
+          <a:blip r:embed="rId2">
+            <a:extLst>
+              <a:ext uri="{28A0092B-C50C-407E-A947-70E740481C1C}">
+                <a14:useLocalDpi xmlns:a14="http://schemas.microsoft.com/office/drawing/2010/main" val="0"/>
+              </a:ext>
+            </a:extLst>
+          </a:blip>
+          <a:srcRect/>
+          <a:stretch>
+            <a:fillRect/>
+          </a:stretch>
+        </p:blipFill>
+        <p:spPr bwMode="auto">
+          <a:xfrm>
+            <a:off x="901148" y="207031"/>
+            <a:ext cx="1958215" cy="977900"/>
+          </a:xfrm>
+          <a:prstGeom prst="rect">
+            <a:avLst/>
+          </a:prstGeom>
+          <a:noFill/>
+          <a:ln>
+            <a:noFill/>
+          </a:ln>
+        </p:spPr>
+      </p:pic>
+      <p:pic>
+        <p:nvPicPr>
+          <p:cNvPr id="5" name="Imagem 4">
+            <a:extLst>
+              <a:ext uri="{FF2B5EF4-FFF2-40B4-BE49-F238E27FC236}">
+                <a16:creationId xmlns:a16="http://schemas.microsoft.com/office/drawing/2014/main" id="{7396E38A-7803-6EC0-67C0-4E8ED4C1CFFF}"/>
+              </a:ext>
+            </a:extLst>
+          </p:cNvPr>
+          <p:cNvPicPr/>
+          <p:nvPr/>
+        </p:nvPicPr>
+        <p:blipFill>
+          <a:blip r:embed="rId3">
+            <a:extLst>
+              <a:ext uri="{28A0092B-C50C-407E-A947-70E740481C1C}">
+                <a14:useLocalDpi xmlns:a14="http://schemas.microsoft.com/office/drawing/2010/main" val="0"/>
+              </a:ext>
+            </a:extLst>
+          </a:blip>
+          <a:stretch>
+            <a:fillRect/>
+          </a:stretch>
+        </p:blipFill>
+        <p:spPr>
+          <a:xfrm>
+            <a:off x="8481392" y="273982"/>
+            <a:ext cx="3142076" cy="852210"/>
+          </a:xfrm>
+          <a:prstGeom prst="rect">
+            <a:avLst/>
+          </a:prstGeom>
+        </p:spPr>
+      </p:pic>
+      <p:sp>
+        <p:nvSpPr>
+          <p:cNvPr id="10" name="Título 1">
+            <a:extLst>
+              <a:ext uri="{FF2B5EF4-FFF2-40B4-BE49-F238E27FC236}">
+                <a16:creationId xmlns:a16="http://schemas.microsoft.com/office/drawing/2014/main" id="{D99723A4-E2AD-4487-9668-BE2BACCE30A6}"/>
+              </a:ext>
+            </a:extLst>
+          </p:cNvPr>
+          <p:cNvSpPr>
+            <a:spLocks noGrp="1"/>
+          </p:cNvSpPr>
+          <p:nvPr>
+            <p:ph type="ctrTitle"/>
+          </p:nvPr>
+        </p:nvSpPr>
+        <p:spPr>
+          <a:xfrm>
+            <a:off x="1098134" y="952856"/>
+            <a:ext cx="9995731" cy="1573316"/>
+          </a:xfrm>
+        </p:spPr>
+        <p:txBody>
+          <a:bodyPr>
+            <a:normAutofit fontScale="90000"/>
+          </a:bodyPr>
+          <a:lstStyle/>
+          <a:p>
+            <a:r>
+              <a:rPr lang="pt-BR" dirty="0"/>
+              <a:t>METODOLOGIA </a:t>
+            </a:r>
+            <a:br>
+              <a:rPr lang="pt-BR" dirty="0"/>
+            </a:br>
+            <a:r>
+              <a:rPr lang="pt-BR" sz="5300" dirty="0"/>
+              <a:t>Experimento</a:t>
+            </a:r>
+          </a:p>
+        </p:txBody>
+      </p:sp>
+    </p:spTree>
+    <p:extLst>
+      <p:ext uri="{BB962C8B-B14F-4D97-AF65-F5344CB8AC3E}">
+        <p14:creationId xmlns:p14="http://schemas.microsoft.com/office/powerpoint/2010/main" val="221259457"/>
+      </p:ext>
+    </p:extLst>
+  </p:cSld>
+  <p:clrMapOvr>
+    <a:masterClrMapping/>
+  </p:clrMapOvr>
+</p:sld>
+</file>
+
+<file path=ppt/slides/slide11.xml><?xml version="1.0" encoding="utf-8"?>
+<p:sld xmlns:a="http://schemas.openxmlformats.org/drawingml/2006/main" xmlns:r="http://schemas.openxmlformats.org/officeDocument/2006/relationships" xmlns:p="http://schemas.openxmlformats.org/presentationml/2006/main">
+  <p:cSld>
+    <p:spTree>
+      <p:nvGrpSpPr>
         <p:cNvPr id="1" name=""/>
         <p:cNvGrpSpPr/>
         <p:nvPr/>
@@ -18585,7 +21263,7 @@
 </p:sld>
 </file>
 
-<file path=ppt/slides/slide11.xml><?xml version="1.0" encoding="utf-8"?>
+<file path=ppt/slides/slide12.xml><?xml version="1.0" encoding="utf-8"?>
 <p:sld xmlns:a="http://schemas.openxmlformats.org/drawingml/2006/main" xmlns:r="http://schemas.openxmlformats.org/officeDocument/2006/relationships" xmlns:p="http://schemas.openxmlformats.org/presentationml/2006/main">
   <p:cSld>
     <p:spTree>
@@ -18803,7 +21481,7 @@
 </p:sld>
 </file>
 
-<file path=ppt/slides/slide12.xml><?xml version="1.0" encoding="utf-8"?>
+<file path=ppt/slides/slide13.xml><?xml version="1.0" encoding="utf-8"?>
 <p:sld xmlns:a="http://schemas.openxmlformats.org/drawingml/2006/main" xmlns:r="http://schemas.openxmlformats.org/officeDocument/2006/relationships" xmlns:p="http://schemas.openxmlformats.org/presentationml/2006/main">
   <p:cSld>
     <p:spTree>
@@ -19040,7 +21718,7 @@
 </p:sld>
 </file>
 
-<file path=ppt/slides/slide13.xml><?xml version="1.0" encoding="utf-8"?>
+<file path=ppt/slides/slide14.xml><?xml version="1.0" encoding="utf-8"?>
 <p:sld xmlns:a="http://schemas.openxmlformats.org/drawingml/2006/main" xmlns:r="http://schemas.openxmlformats.org/officeDocument/2006/relationships" xmlns:p="http://schemas.openxmlformats.org/presentationml/2006/main">
   <p:cSld>
     <p:spTree>
@@ -19291,7 +21969,7 @@
 </p:sld>
 </file>
 
-<file path=ppt/slides/slide14.xml><?xml version="1.0" encoding="utf-8"?>
+<file path=ppt/slides/slide15.xml><?xml version="1.0" encoding="utf-8"?>
 <p:sld xmlns:a="http://schemas.openxmlformats.org/drawingml/2006/main" xmlns:r="http://schemas.openxmlformats.org/officeDocument/2006/relationships" xmlns:p="http://schemas.openxmlformats.org/presentationml/2006/main">
   <p:cSld>
     <p:spTree>
@@ -19724,7 +22402,7 @@
 </p:sld>
 </file>
 
-<file path=ppt/slides/slide15.xml><?xml version="1.0" encoding="utf-8"?>
+<file path=ppt/slides/slide16.xml><?xml version="1.0" encoding="utf-8"?>
 <p:sld xmlns:a="http://schemas.openxmlformats.org/drawingml/2006/main" xmlns:r="http://schemas.openxmlformats.org/officeDocument/2006/relationships" xmlns:p="http://schemas.openxmlformats.org/presentationml/2006/main">
   <p:cSld>
     <p:spTree>
@@ -19993,7 +22671,7 @@
 </p:sld>
 </file>
 
-<file path=ppt/slides/slide16.xml><?xml version="1.0" encoding="utf-8"?>
+<file path=ppt/slides/slide17.xml><?xml version="1.0" encoding="utf-8"?>
 <p:sld xmlns:a="http://schemas.openxmlformats.org/drawingml/2006/main" xmlns:r="http://schemas.openxmlformats.org/officeDocument/2006/relationships" xmlns:p="http://schemas.openxmlformats.org/presentationml/2006/main">
   <p:cSld>
     <p:spTree>
@@ -20210,7 +22888,7 @@
 </p:sld>
 </file>
 
-<file path=ppt/slides/slide17.xml><?xml version="1.0" encoding="utf-8"?>
+<file path=ppt/slides/slide18.xml><?xml version="1.0" encoding="utf-8"?>
 <p:sld xmlns:a="http://schemas.openxmlformats.org/drawingml/2006/main" xmlns:r="http://schemas.openxmlformats.org/officeDocument/2006/relationships" xmlns:p="http://schemas.openxmlformats.org/presentationml/2006/main">
   <p:cSld>
     <p:spTree>
@@ -20498,7 +23176,7 @@
 </p:sld>
 </file>
 
-<file path=ppt/slides/slide18.xml><?xml version="1.0" encoding="utf-8"?>
+<file path=ppt/slides/slide19.xml><?xml version="1.0" encoding="utf-8"?>
 <p:sld xmlns:a="http://schemas.openxmlformats.org/drawingml/2006/main" xmlns:r="http://schemas.openxmlformats.org/officeDocument/2006/relationships" xmlns:p="http://schemas.openxmlformats.org/presentationml/2006/main">
   <p:cSld>
     <p:spTree>
@@ -20786,7 +23464,7 @@
 </p:sld>
 </file>
 
-<file path=ppt/slides/slide19.xml><?xml version="1.0" encoding="utf-8"?>
+<file path=ppt/slides/slide2.xml><?xml version="1.0" encoding="utf-8"?>
 <p:sld xmlns:a="http://schemas.openxmlformats.org/drawingml/2006/main" xmlns:r="http://schemas.openxmlformats.org/officeDocument/2006/relationships" xmlns:p="http://schemas.openxmlformats.org/presentationml/2006/main">
   <p:cSld>
     <p:spTree>
@@ -20821,19 +23499,19 @@
         </p:nvSpPr>
         <p:spPr>
           <a:xfrm>
-            <a:off x="1580113" y="2024615"/>
+            <a:off x="1524000" y="1122535"/>
             <a:ext cx="9144000" cy="852211"/>
           </a:xfrm>
         </p:spPr>
         <p:txBody>
           <a:bodyPr>
-            <a:noAutofit/>
+            <a:normAutofit fontScale="90000"/>
           </a:bodyPr>
           <a:lstStyle/>
           <a:p>
             <a:r>
-              <a:rPr lang="pt-BR" sz="4800" dirty="0"/>
-              <a:t>DISCUSSÃO</a:t>
+              <a:rPr lang="pt-BR" sz="6000" dirty="0"/>
+              <a:t> Agenda</a:t>
             </a:r>
           </a:p>
         </p:txBody>
@@ -20856,13 +23534,13 @@
         </p:nvSpPr>
         <p:spPr>
           <a:xfrm>
-            <a:off x="1580113" y="3139144"/>
-            <a:ext cx="9750495" cy="1896681"/>
+            <a:off x="1114494" y="2100435"/>
+            <a:ext cx="10508974" cy="4260607"/>
           </a:xfrm>
         </p:spPr>
         <p:txBody>
           <a:bodyPr>
-            <a:normAutofit/>
+            <a:normAutofit fontScale="32500" lnSpcReduction="20000"/>
           </a:bodyPr>
           <a:lstStyle/>
           <a:p>
@@ -20871,8 +23549,8 @@
               <a:buChar char="-"/>
             </a:pPr>
             <a:r>
-              <a:rPr lang="pt-BR" sz="3200" dirty="0"/>
-              <a:t>COMPARAÇÃO DOS RESULTADOS COM A TEORIA</a:t>
+              <a:rPr lang="pt-BR" sz="8000" dirty="0"/>
+              <a:t>Introdução</a:t>
             </a:r>
           </a:p>
           <a:p>
@@ -20881,9 +23559,97 @@
               <a:buChar char="-"/>
             </a:pPr>
             <a:r>
-              <a:rPr lang="pt-BR" sz="3200" dirty="0"/>
-              <a:t>O QUE FOI DESCOBERTO OU CONSTRUÍDO</a:t>
+              <a:rPr lang="pt-BR" sz="8000" dirty="0"/>
+              <a:t>Evasão escolar</a:t>
             </a:r>
+          </a:p>
+          <a:p>
+            <a:pPr marL="457200" indent="-457200" algn="l">
+              <a:buFontTx/>
+              <a:buChar char="-"/>
+            </a:pPr>
+            <a:r>
+              <a:rPr lang="pt-BR" sz="8000" dirty="0" err="1"/>
+              <a:t>Gameficação</a:t>
+            </a:r>
+            <a:endParaRPr lang="pt-BR" sz="8000" dirty="0"/>
+          </a:p>
+          <a:p>
+            <a:pPr marL="457200" indent="-457200" algn="l">
+              <a:buFontTx/>
+              <a:buChar char="-"/>
+            </a:pPr>
+            <a:r>
+              <a:rPr lang="pt-BR" sz="8000" dirty="0"/>
+              <a:t>Atores</a:t>
+            </a:r>
+          </a:p>
+          <a:p>
+            <a:pPr marL="457200" indent="-457200" algn="l">
+              <a:buFontTx/>
+              <a:buChar char="-"/>
+            </a:pPr>
+            <a:r>
+              <a:rPr lang="pt-BR" sz="8000" dirty="0"/>
+              <a:t>Diagrama de Classe</a:t>
+            </a:r>
+          </a:p>
+          <a:p>
+            <a:pPr marL="457200" indent="-457200" algn="l">
+              <a:buFontTx/>
+              <a:buChar char="-"/>
+            </a:pPr>
+            <a:r>
+              <a:rPr lang="pt-BR" sz="8000" dirty="0"/>
+              <a:t>Diagrama de Caso de Uso</a:t>
+            </a:r>
+          </a:p>
+          <a:p>
+            <a:pPr marL="457200" indent="-457200" algn="l">
+              <a:buFontTx/>
+              <a:buChar char="-"/>
+            </a:pPr>
+            <a:r>
+              <a:rPr lang="pt-BR" sz="8000" dirty="0"/>
+              <a:t>Sistema de Elo</a:t>
+            </a:r>
+          </a:p>
+          <a:p>
+            <a:pPr marL="457200" indent="-457200" algn="l">
+              <a:buFontTx/>
+              <a:buChar char="-"/>
+            </a:pPr>
+            <a:r>
+              <a:rPr lang="pt-BR" sz="8000" dirty="0"/>
+              <a:t>Sistema de Salas</a:t>
+            </a:r>
+          </a:p>
+          <a:p>
+            <a:pPr marL="457200" indent="-457200" algn="l">
+              <a:buFontTx/>
+              <a:buChar char="-"/>
+            </a:pPr>
+            <a:r>
+              <a:rPr lang="pt-BR" sz="8000" dirty="0"/>
+              <a:t>Discussão </a:t>
+            </a:r>
+          </a:p>
+          <a:p>
+            <a:pPr marL="457200" indent="-457200" algn="l">
+              <a:buFontTx/>
+              <a:buChar char="-"/>
+            </a:pPr>
+            <a:r>
+              <a:rPr lang="pt-BR" sz="8000" dirty="0"/>
+              <a:t>Conclusão</a:t>
+            </a:r>
+          </a:p>
+          <a:p>
+            <a:pPr marL="457200" indent="-457200" algn="l">
+              <a:buFontTx/>
+              <a:buChar char="-"/>
+            </a:pPr>
+            <a:endParaRPr lang="pt-BR" sz="3200" dirty="0"/>
           </a:p>
         </p:txBody>
       </p:sp>
@@ -20963,7 +23729,7 @@
     </p:spTree>
     <p:extLst>
       <p:ext uri="{BB962C8B-B14F-4D97-AF65-F5344CB8AC3E}">
-        <p14:creationId xmlns:p14="http://schemas.microsoft.com/office/powerpoint/2010/main" val="4104907513"/>
+        <p14:creationId xmlns:p14="http://schemas.microsoft.com/office/powerpoint/2010/main" val="2113396967"/>
       </p:ext>
     </p:extLst>
   </p:cSld>
@@ -20973,7 +23739,7 @@
 </p:sld>
 </file>
 
-<file path=ppt/slides/slide2.xml><?xml version="1.0" encoding="utf-8"?>
+<file path=ppt/slides/slide20.xml><?xml version="1.0" encoding="utf-8"?>
 <p:sld xmlns:a="http://schemas.openxmlformats.org/drawingml/2006/main" xmlns:r="http://schemas.openxmlformats.org/officeDocument/2006/relationships" xmlns:p="http://schemas.openxmlformats.org/presentationml/2006/main">
   <p:cSld>
     <p:spTree>
@@ -21008,23 +23774,51 @@
         </p:nvSpPr>
         <p:spPr>
           <a:xfrm>
-            <a:off x="1524000" y="1077049"/>
+            <a:off x="1580113" y="1184931"/>
             <a:ext cx="9144000" cy="852211"/>
           </a:xfrm>
         </p:spPr>
         <p:txBody>
           <a:bodyPr>
-            <a:normAutofit fontScale="90000"/>
+            <a:noAutofit/>
           </a:bodyPr>
           <a:lstStyle/>
           <a:p>
             <a:r>
-              <a:rPr lang="pt-BR" dirty="0"/>
-              <a:t>INTRODUÇÃO</a:t>
+              <a:rPr lang="pt-BR" sz="4800" dirty="0"/>
+              <a:t>DISCUSSÃO</a:t>
             </a:r>
           </a:p>
         </p:txBody>
       </p:sp>
+      <p:graphicFrame>
+        <p:nvGraphicFramePr>
+          <p:cNvPr id="6" name="Diagrama 5">
+            <a:extLst>
+              <a:ext uri="{FF2B5EF4-FFF2-40B4-BE49-F238E27FC236}">
+                <a16:creationId xmlns:a16="http://schemas.microsoft.com/office/drawing/2014/main" id="{36121765-E3D6-4389-ADA2-A6D705D2B3D5}"/>
+              </a:ext>
+            </a:extLst>
+          </p:cNvPr>
+          <p:cNvGraphicFramePr/>
+          <p:nvPr>
+            <p:extLst>
+              <p:ext uri="{D42A27DB-BD31-4B8C-83A1-F6EECF244321}">
+                <p14:modId xmlns:p14="http://schemas.microsoft.com/office/powerpoint/2010/main" val="1301456990"/>
+              </p:ext>
+            </p:extLst>
+          </p:nvPr>
+        </p:nvGraphicFramePr>
+        <p:xfrm>
+          <a:off x="1220752" y="2825439"/>
+          <a:ext cx="9750495" cy="1896681"/>
+        </p:xfrm>
+        <a:graphic>
+          <a:graphicData uri="http://schemas.openxmlformats.org/drawingml/2006/diagram">
+            <dgm:relIds xmlns:dgm="http://schemas.openxmlformats.org/drawingml/2006/diagram" xmlns:r="http://schemas.openxmlformats.org/officeDocument/2006/relationships" r:dm="rId2" r:lo="rId3" r:qs="rId4" r:cs="rId5"/>
+          </a:graphicData>
+        </a:graphic>
+      </p:graphicFrame>
       <p:pic>
         <p:nvPicPr>
           <p:cNvPr id="4" name="Imagem 3">
@@ -21038,7 +23832,7 @@
           <p:nvPr/>
         </p:nvPicPr>
         <p:blipFill>
-          <a:blip r:embed="rId2">
+          <a:blip r:embed="rId7">
             <a:extLst>
               <a:ext uri="{28A0092B-C50C-407E-A947-70E740481C1C}">
                 <a14:useLocalDpi xmlns:a14="http://schemas.microsoft.com/office/drawing/2010/main" val="0"/>
@@ -21077,7 +23871,7 @@
           <p:nvPr/>
         </p:nvPicPr>
         <p:blipFill>
-          <a:blip r:embed="rId3">
+          <a:blip r:embed="rId8">
             <a:extLst>
               <a:ext uri="{28A0092B-C50C-407E-A947-70E740481C1C}">
                 <a14:useLocalDpi xmlns:a14="http://schemas.microsoft.com/office/drawing/2010/main" val="0"/>
@@ -21098,38 +23892,10 @@
           </a:prstGeom>
         </p:spPr>
       </p:pic>
-      <p:graphicFrame>
-        <p:nvGraphicFramePr>
-          <p:cNvPr id="6" name="Diagrama 5">
-            <a:extLst>
-              <a:ext uri="{FF2B5EF4-FFF2-40B4-BE49-F238E27FC236}">
-                <a16:creationId xmlns:a16="http://schemas.microsoft.com/office/drawing/2014/main" id="{DD6C80D9-9AD5-4B0A-AFAD-4EE57619E8B6}"/>
-              </a:ext>
-            </a:extLst>
-          </p:cNvPr>
-          <p:cNvGraphicFramePr/>
-          <p:nvPr>
-            <p:extLst>
-              <p:ext uri="{D42A27DB-BD31-4B8C-83A1-F6EECF244321}">
-                <p14:modId xmlns:p14="http://schemas.microsoft.com/office/powerpoint/2010/main" val="2580229501"/>
-              </p:ext>
-            </p:extLst>
-          </p:nvPr>
-        </p:nvGraphicFramePr>
-        <p:xfrm>
-          <a:off x="2027582" y="1929260"/>
-          <a:ext cx="8309113" cy="4283698"/>
-        </p:xfrm>
-        <a:graphic>
-          <a:graphicData uri="http://schemas.openxmlformats.org/drawingml/2006/diagram">
-            <dgm:relIds xmlns:dgm="http://schemas.openxmlformats.org/drawingml/2006/diagram" xmlns:r="http://schemas.openxmlformats.org/officeDocument/2006/relationships" r:dm="rId4" r:lo="rId5" r:qs="rId6" r:cs="rId7"/>
-          </a:graphicData>
-        </a:graphic>
-      </p:graphicFrame>
     </p:spTree>
     <p:extLst>
       <p:ext uri="{BB962C8B-B14F-4D97-AF65-F5344CB8AC3E}">
-        <p14:creationId xmlns:p14="http://schemas.microsoft.com/office/powerpoint/2010/main" val="284917026"/>
+        <p14:creationId xmlns:p14="http://schemas.microsoft.com/office/powerpoint/2010/main" val="4104907513"/>
       </p:ext>
     </p:extLst>
   </p:cSld>
@@ -21139,7 +23905,7 @@
 </p:sld>
 </file>
 
-<file path=ppt/slides/slide20.xml><?xml version="1.0" encoding="utf-8"?>
+<file path=ppt/slides/slide21.xml><?xml version="1.0" encoding="utf-8"?>
 <p:sld xmlns:a="http://schemas.openxmlformats.org/drawingml/2006/main" xmlns:r="http://schemas.openxmlformats.org/officeDocument/2006/relationships" xmlns:p="http://schemas.openxmlformats.org/presentationml/2006/main">
   <p:cSld>
     <p:spTree>
@@ -21326,7 +24092,7 @@
 </p:sld>
 </file>
 
-<file path=ppt/slides/slide21.xml><?xml version="1.0" encoding="utf-8"?>
+<file path=ppt/slides/slide22.xml><?xml version="1.0" encoding="utf-8"?>
 <p:sld xmlns:a="http://schemas.openxmlformats.org/drawingml/2006/main" xmlns:r="http://schemas.openxmlformats.org/officeDocument/2006/relationships" xmlns:p="http://schemas.openxmlformats.org/presentationml/2006/main">
   <p:cSld>
     <p:spTree>
@@ -21537,7 +24303,7 @@
 </p:sld>
 </file>
 
-<file path=ppt/slides/slide22.xml><?xml version="1.0" encoding="utf-8"?>
+<file path=ppt/slides/slide23.xml><?xml version="1.0" encoding="utf-8"?>
 <p:sld xmlns:a="http://schemas.openxmlformats.org/drawingml/2006/main" xmlns:r="http://schemas.openxmlformats.org/officeDocument/2006/relationships" xmlns:p="http://schemas.openxmlformats.org/presentationml/2006/main">
   <p:cSld>
     <p:spTree>
@@ -21714,7 +24480,7 @@
 </p:sld>
 </file>
 
-<file path=ppt/slides/slide23.xml><?xml version="1.0" encoding="utf-8"?>
+<file path=ppt/slides/slide24.xml><?xml version="1.0" encoding="utf-8"?>
 <p:sld xmlns:a="http://schemas.openxmlformats.org/drawingml/2006/main" xmlns:r="http://schemas.openxmlformats.org/officeDocument/2006/relationships" xmlns:p="http://schemas.openxmlformats.org/presentationml/2006/main">
   <p:cSld>
     <p:spTree>
@@ -21927,6 +24693,172 @@
         </p:nvSpPr>
         <p:spPr>
           <a:xfrm>
+            <a:off x="1524000" y="1077049"/>
+            <a:ext cx="9144000" cy="852211"/>
+          </a:xfrm>
+        </p:spPr>
+        <p:txBody>
+          <a:bodyPr>
+            <a:normAutofit fontScale="90000"/>
+          </a:bodyPr>
+          <a:lstStyle/>
+          <a:p>
+            <a:r>
+              <a:rPr lang="pt-BR" dirty="0"/>
+              <a:t>INTRODUÇÃO</a:t>
+            </a:r>
+          </a:p>
+        </p:txBody>
+      </p:sp>
+      <p:pic>
+        <p:nvPicPr>
+          <p:cNvPr id="4" name="Imagem 3">
+            <a:extLst>
+              <a:ext uri="{FF2B5EF4-FFF2-40B4-BE49-F238E27FC236}">
+                <a16:creationId xmlns:a16="http://schemas.microsoft.com/office/drawing/2014/main" id="{4DE49855-8442-4D60-81FD-DFE2DB045AC2}"/>
+              </a:ext>
+            </a:extLst>
+          </p:cNvPr>
+          <p:cNvPicPr/>
+          <p:nvPr/>
+        </p:nvPicPr>
+        <p:blipFill>
+          <a:blip r:embed="rId2">
+            <a:extLst>
+              <a:ext uri="{28A0092B-C50C-407E-A947-70E740481C1C}">
+                <a14:useLocalDpi xmlns:a14="http://schemas.microsoft.com/office/drawing/2010/main" val="0"/>
+              </a:ext>
+            </a:extLst>
+          </a:blip>
+          <a:srcRect/>
+          <a:stretch>
+            <a:fillRect/>
+          </a:stretch>
+        </p:blipFill>
+        <p:spPr bwMode="auto">
+          <a:xfrm>
+            <a:off x="901148" y="207031"/>
+            <a:ext cx="1958215" cy="977900"/>
+          </a:xfrm>
+          <a:prstGeom prst="rect">
+            <a:avLst/>
+          </a:prstGeom>
+          <a:noFill/>
+          <a:ln>
+            <a:noFill/>
+          </a:ln>
+        </p:spPr>
+      </p:pic>
+      <p:pic>
+        <p:nvPicPr>
+          <p:cNvPr id="5" name="Imagem 4">
+            <a:extLst>
+              <a:ext uri="{FF2B5EF4-FFF2-40B4-BE49-F238E27FC236}">
+                <a16:creationId xmlns:a16="http://schemas.microsoft.com/office/drawing/2014/main" id="{00EB44F1-66E6-49A0-94D9-09FA009430BD}"/>
+              </a:ext>
+            </a:extLst>
+          </p:cNvPr>
+          <p:cNvPicPr/>
+          <p:nvPr/>
+        </p:nvPicPr>
+        <p:blipFill>
+          <a:blip r:embed="rId3">
+            <a:extLst>
+              <a:ext uri="{28A0092B-C50C-407E-A947-70E740481C1C}">
+                <a14:useLocalDpi xmlns:a14="http://schemas.microsoft.com/office/drawing/2010/main" val="0"/>
+              </a:ext>
+            </a:extLst>
+          </a:blip>
+          <a:stretch>
+            <a:fillRect/>
+          </a:stretch>
+        </p:blipFill>
+        <p:spPr>
+          <a:xfrm>
+            <a:off x="8481392" y="273982"/>
+            <a:ext cx="3142076" cy="852210"/>
+          </a:xfrm>
+          <a:prstGeom prst="rect">
+            <a:avLst/>
+          </a:prstGeom>
+        </p:spPr>
+      </p:pic>
+      <p:graphicFrame>
+        <p:nvGraphicFramePr>
+          <p:cNvPr id="6" name="Diagrama 5">
+            <a:extLst>
+              <a:ext uri="{FF2B5EF4-FFF2-40B4-BE49-F238E27FC236}">
+                <a16:creationId xmlns:a16="http://schemas.microsoft.com/office/drawing/2014/main" id="{DD6C80D9-9AD5-4B0A-AFAD-4EE57619E8B6}"/>
+              </a:ext>
+            </a:extLst>
+          </p:cNvPr>
+          <p:cNvGraphicFramePr/>
+          <p:nvPr>
+            <p:extLst>
+              <p:ext uri="{D42A27DB-BD31-4B8C-83A1-F6EECF244321}">
+                <p14:modId xmlns:p14="http://schemas.microsoft.com/office/powerpoint/2010/main" val="2580229501"/>
+              </p:ext>
+            </p:extLst>
+          </p:nvPr>
+        </p:nvGraphicFramePr>
+        <p:xfrm>
+          <a:off x="2027582" y="1929260"/>
+          <a:ext cx="8309113" cy="4283698"/>
+        </p:xfrm>
+        <a:graphic>
+          <a:graphicData uri="http://schemas.openxmlformats.org/drawingml/2006/diagram">
+            <dgm:relIds xmlns:dgm="http://schemas.openxmlformats.org/drawingml/2006/diagram" xmlns:r="http://schemas.openxmlformats.org/officeDocument/2006/relationships" r:dm="rId4" r:lo="rId5" r:qs="rId6" r:cs="rId7"/>
+          </a:graphicData>
+        </a:graphic>
+      </p:graphicFrame>
+    </p:spTree>
+    <p:extLst>
+      <p:ext uri="{BB962C8B-B14F-4D97-AF65-F5344CB8AC3E}">
+        <p14:creationId xmlns:p14="http://schemas.microsoft.com/office/powerpoint/2010/main" val="284917026"/>
+      </p:ext>
+    </p:extLst>
+  </p:cSld>
+  <p:clrMapOvr>
+    <a:masterClrMapping/>
+  </p:clrMapOvr>
+</p:sld>
+</file>
+
+<file path=ppt/slides/slide4.xml><?xml version="1.0" encoding="utf-8"?>
+<p:sld xmlns:a="http://schemas.openxmlformats.org/drawingml/2006/main" xmlns:r="http://schemas.openxmlformats.org/officeDocument/2006/relationships" xmlns:p="http://schemas.openxmlformats.org/presentationml/2006/main">
+  <p:cSld>
+    <p:spTree>
+      <p:nvGrpSpPr>
+        <p:cNvPr id="1" name=""/>
+        <p:cNvGrpSpPr/>
+        <p:nvPr/>
+      </p:nvGrpSpPr>
+      <p:grpSpPr>
+        <a:xfrm>
+          <a:off x="0" y="0"/>
+          <a:ext cx="0" cy="0"/>
+          <a:chOff x="0" y="0"/>
+          <a:chExt cx="0" cy="0"/>
+        </a:xfrm>
+      </p:grpSpPr>
+      <p:sp>
+        <p:nvSpPr>
+          <p:cNvPr id="2" name="Título 1">
+            <a:extLst>
+              <a:ext uri="{FF2B5EF4-FFF2-40B4-BE49-F238E27FC236}">
+                <a16:creationId xmlns:a16="http://schemas.microsoft.com/office/drawing/2014/main" id="{5E447ACB-E7DF-4BBE-AC44-A1AC9F22CAC8}"/>
+              </a:ext>
+            </a:extLst>
+          </p:cNvPr>
+          <p:cNvSpPr>
+            <a:spLocks noGrp="1"/>
+          </p:cNvSpPr>
+          <p:nvPr>
+            <p:ph type="ctrTitle"/>
+          </p:nvPr>
+        </p:nvSpPr>
+        <p:spPr>
+          <a:xfrm>
             <a:off x="1580114" y="1706563"/>
             <a:ext cx="9144000" cy="852211"/>
           </a:xfrm>
@@ -22079,7 +25011,7 @@
 </p:sld>
 </file>
 
-<file path=ppt/slides/slide4.xml><?xml version="1.0" encoding="utf-8"?>
+<file path=ppt/slides/slide5.xml><?xml version="1.0" encoding="utf-8"?>
 <p:sld xmlns:a="http://schemas.openxmlformats.org/drawingml/2006/main" xmlns:r="http://schemas.openxmlformats.org/officeDocument/2006/relationships" xmlns:p="http://schemas.openxmlformats.org/presentationml/2006/main">
   <p:cSld>
     <p:spTree>
@@ -22217,7 +25149,7 @@
           <p:nvPr>
             <p:extLst>
               <p:ext uri="{D42A27DB-BD31-4B8C-83A1-F6EECF244321}">
-                <p14:modId xmlns:p14="http://schemas.microsoft.com/office/powerpoint/2010/main" val="99433895"/>
+                <p14:modId xmlns:p14="http://schemas.microsoft.com/office/powerpoint/2010/main" val="1952952965"/>
               </p:ext>
             </p:extLst>
           </p:nvPr>
@@ -22245,7 +25177,7 @@
 </p:sld>
 </file>
 
-<file path=ppt/slides/slide5.xml><?xml version="1.0" encoding="utf-8"?>
+<file path=ppt/slides/slide6.xml><?xml version="1.0" encoding="utf-8"?>
 <p:sld xmlns:a="http://schemas.openxmlformats.org/drawingml/2006/main" xmlns:r="http://schemas.openxmlformats.org/officeDocument/2006/relationships" xmlns:p="http://schemas.openxmlformats.org/presentationml/2006/main">
   <p:cSld>
     <p:spTree>
@@ -22470,7 +25402,7 @@
 </p:sld>
 </file>
 
-<file path=ppt/slides/slide6.xml><?xml version="1.0" encoding="utf-8"?>
+<file path=ppt/slides/slide7.xml><?xml version="1.0" encoding="utf-8"?>
 <p:sld xmlns:a="http://schemas.openxmlformats.org/drawingml/2006/main" xmlns:r="http://schemas.openxmlformats.org/officeDocument/2006/relationships" xmlns:p="http://schemas.openxmlformats.org/presentationml/2006/main">
   <p:cSld>
     <p:spTree>
@@ -22636,7 +25568,7 @@
 </p:sld>
 </file>
 
-<file path=ppt/slides/slide7.xml><?xml version="1.0" encoding="utf-8"?>
+<file path=ppt/slides/slide8.xml><?xml version="1.0" encoding="utf-8"?>
 <p:sld xmlns:a="http://schemas.openxmlformats.org/drawingml/2006/main" xmlns:r="http://schemas.openxmlformats.org/officeDocument/2006/relationships" xmlns:p="http://schemas.openxmlformats.org/presentationml/2006/main">
   <p:cSld>
     <p:spTree>
@@ -22861,7 +25793,7 @@
 </p:sld>
 </file>
 
-<file path=ppt/slides/slide8.xml><?xml version="1.0" encoding="utf-8"?>
+<file path=ppt/slides/slide9.xml><?xml version="1.0" encoding="utf-8"?>
 <p:sld xmlns:a="http://schemas.openxmlformats.org/drawingml/2006/main" xmlns:r="http://schemas.openxmlformats.org/officeDocument/2006/relationships" xmlns:p="http://schemas.openxmlformats.org/presentationml/2006/main">
   <p:cSld>
     <p:spTree>
@@ -23109,249 +26041,6 @@
     <p:extLst>
       <p:ext uri="{BB962C8B-B14F-4D97-AF65-F5344CB8AC3E}">
         <p14:creationId xmlns:p14="http://schemas.microsoft.com/office/powerpoint/2010/main" val="3620024156"/>
-      </p:ext>
-    </p:extLst>
-  </p:cSld>
-  <p:clrMapOvr>
-    <a:masterClrMapping/>
-  </p:clrMapOvr>
-</p:sld>
-</file>
-
-<file path=ppt/slides/slide9.xml><?xml version="1.0" encoding="utf-8"?>
-<p:sld xmlns:a="http://schemas.openxmlformats.org/drawingml/2006/main" xmlns:r="http://schemas.openxmlformats.org/officeDocument/2006/relationships" xmlns:p="http://schemas.openxmlformats.org/presentationml/2006/main">
-  <p:cSld>
-    <p:spTree>
-      <p:nvGrpSpPr>
-        <p:cNvPr id="1" name="">
-          <a:extLst>
-            <a:ext uri="{FF2B5EF4-FFF2-40B4-BE49-F238E27FC236}">
-              <a16:creationId xmlns:a16="http://schemas.microsoft.com/office/drawing/2014/main" id="{0A850B17-B98A-1D8C-C610-E88FFA6D4CF6}"/>
-            </a:ext>
-          </a:extLst>
-        </p:cNvPr>
-        <p:cNvGrpSpPr/>
-        <p:nvPr/>
-      </p:nvGrpSpPr>
-      <p:grpSpPr>
-        <a:xfrm>
-          <a:off x="0" y="0"/>
-          <a:ext cx="0" cy="0"/>
-          <a:chOff x="0" y="0"/>
-          <a:chExt cx="0" cy="0"/>
-        </a:xfrm>
-      </p:grpSpPr>
-      <p:sp>
-        <p:nvSpPr>
-          <p:cNvPr id="3" name="Subtítulo 2">
-            <a:extLst>
-              <a:ext uri="{FF2B5EF4-FFF2-40B4-BE49-F238E27FC236}">
-                <a16:creationId xmlns:a16="http://schemas.microsoft.com/office/drawing/2014/main" id="{D2CF158D-A03D-2A3A-60A0-023DB6C50F98}"/>
-              </a:ext>
-            </a:extLst>
-          </p:cNvPr>
-          <p:cNvSpPr>
-            <a:spLocks noGrp="1"/>
-          </p:cNvSpPr>
-          <p:nvPr>
-            <p:ph type="subTitle" idx="1"/>
-          </p:nvPr>
-        </p:nvSpPr>
-        <p:spPr>
-          <a:xfrm>
-            <a:off x="1580113" y="2590453"/>
-            <a:ext cx="9750495" cy="2766000"/>
-          </a:xfrm>
-        </p:spPr>
-        <p:txBody>
-          <a:bodyPr>
-            <a:normAutofit lnSpcReduction="10000"/>
-          </a:bodyPr>
-          <a:lstStyle/>
-          <a:p>
-            <a:pPr marL="457200" indent="-457200" algn="l">
-              <a:buFontTx/>
-              <a:buChar char="-"/>
-            </a:pPr>
-            <a:r>
-              <a:rPr lang="pt-BR" sz="2800" b="1" dirty="0"/>
-              <a:t>Local</a:t>
-            </a:r>
-            <a:r>
-              <a:rPr lang="pt-BR" sz="2800" dirty="0"/>
-              <a:t>:</a:t>
-            </a:r>
-            <a:br>
-              <a:rPr lang="pt-BR" sz="2000" dirty="0"/>
-            </a:br>
-            <a:r>
-              <a:rPr lang="pt-BR" sz="2000" dirty="0"/>
-              <a:t>Liceu Santista (Santos/SP) — laboratórios de informática e salas de aula.</a:t>
-            </a:r>
-          </a:p>
-          <a:p>
-            <a:pPr marL="457200" indent="-457200" algn="l">
-              <a:buFontTx/>
-              <a:buChar char="-"/>
-            </a:pPr>
-            <a:r>
-              <a:rPr lang="pt-BR" sz="2800" b="1" dirty="0"/>
-              <a:t>Participantes:</a:t>
-            </a:r>
-            <a:br>
-              <a:rPr lang="pt-BR" sz="2800" dirty="0"/>
-            </a:br>
-            <a:r>
-              <a:rPr lang="pt-BR" sz="2000" dirty="0"/>
-              <a:t>Alunos: turma-piloto de 2ª série 10 alunos, selecionados por conveniência.</a:t>
-            </a:r>
-          </a:p>
-          <a:p>
-            <a:pPr marL="457200" indent="-457200" algn="l">
-              <a:buFontTx/>
-              <a:buChar char="-"/>
-            </a:pPr>
-            <a:r>
-              <a:rPr lang="pt-BR" sz="3000" b="1" dirty="0"/>
-              <a:t>Período:</a:t>
-            </a:r>
-            <a:br>
-              <a:rPr lang="pt-BR" sz="2000" dirty="0"/>
-            </a:br>
-            <a:r>
-              <a:rPr lang="pt-BR" sz="2000" dirty="0"/>
-              <a:t>Dia 28 de maio de 2025, durante o período da tarde, teste em laboratório de informática</a:t>
-            </a:r>
-          </a:p>
-          <a:p>
-            <a:pPr algn="l"/>
-            <a:r>
-              <a:rPr lang="pt-BR" sz="2000" dirty="0"/>
-              <a:t>	</a:t>
-            </a:r>
-            <a:endParaRPr lang="pt-BR" sz="2800" dirty="0"/>
-          </a:p>
-        </p:txBody>
-      </p:sp>
-      <p:pic>
-        <p:nvPicPr>
-          <p:cNvPr id="4" name="Imagem 3">
-            <a:extLst>
-              <a:ext uri="{FF2B5EF4-FFF2-40B4-BE49-F238E27FC236}">
-                <a16:creationId xmlns:a16="http://schemas.microsoft.com/office/drawing/2014/main" id="{5A2928C0-B3A7-E388-2948-1D0702AC38AF}"/>
-              </a:ext>
-            </a:extLst>
-          </p:cNvPr>
-          <p:cNvPicPr/>
-          <p:nvPr/>
-        </p:nvPicPr>
-        <p:blipFill>
-          <a:blip r:embed="rId2">
-            <a:extLst>
-              <a:ext uri="{28A0092B-C50C-407E-A947-70E740481C1C}">
-                <a14:useLocalDpi xmlns:a14="http://schemas.microsoft.com/office/drawing/2010/main" val="0"/>
-              </a:ext>
-            </a:extLst>
-          </a:blip>
-          <a:srcRect/>
-          <a:stretch>
-            <a:fillRect/>
-          </a:stretch>
-        </p:blipFill>
-        <p:spPr bwMode="auto">
-          <a:xfrm>
-            <a:off x="901148" y="207031"/>
-            <a:ext cx="1958215" cy="977900"/>
-          </a:xfrm>
-          <a:prstGeom prst="rect">
-            <a:avLst/>
-          </a:prstGeom>
-          <a:noFill/>
-          <a:ln>
-            <a:noFill/>
-          </a:ln>
-        </p:spPr>
-      </p:pic>
-      <p:pic>
-        <p:nvPicPr>
-          <p:cNvPr id="5" name="Imagem 4">
-            <a:extLst>
-              <a:ext uri="{FF2B5EF4-FFF2-40B4-BE49-F238E27FC236}">
-                <a16:creationId xmlns:a16="http://schemas.microsoft.com/office/drawing/2014/main" id="{7396E38A-7803-6EC0-67C0-4E8ED4C1CFFF}"/>
-              </a:ext>
-            </a:extLst>
-          </p:cNvPr>
-          <p:cNvPicPr/>
-          <p:nvPr/>
-        </p:nvPicPr>
-        <p:blipFill>
-          <a:blip r:embed="rId3">
-            <a:extLst>
-              <a:ext uri="{28A0092B-C50C-407E-A947-70E740481C1C}">
-                <a14:useLocalDpi xmlns:a14="http://schemas.microsoft.com/office/drawing/2010/main" val="0"/>
-              </a:ext>
-            </a:extLst>
-          </a:blip>
-          <a:stretch>
-            <a:fillRect/>
-          </a:stretch>
-        </p:blipFill>
-        <p:spPr>
-          <a:xfrm>
-            <a:off x="8481392" y="273982"/>
-            <a:ext cx="3142076" cy="852210"/>
-          </a:xfrm>
-          <a:prstGeom prst="rect">
-            <a:avLst/>
-          </a:prstGeom>
-        </p:spPr>
-      </p:pic>
-      <p:sp>
-        <p:nvSpPr>
-          <p:cNvPr id="10" name="Título 1">
-            <a:extLst>
-              <a:ext uri="{FF2B5EF4-FFF2-40B4-BE49-F238E27FC236}">
-                <a16:creationId xmlns:a16="http://schemas.microsoft.com/office/drawing/2014/main" id="{D99723A4-E2AD-4487-9668-BE2BACCE30A6}"/>
-              </a:ext>
-            </a:extLst>
-          </p:cNvPr>
-          <p:cNvSpPr>
-            <a:spLocks noGrp="1"/>
-          </p:cNvSpPr>
-          <p:nvPr>
-            <p:ph type="ctrTitle"/>
-          </p:nvPr>
-        </p:nvSpPr>
-        <p:spPr>
-          <a:xfrm>
-            <a:off x="1098134" y="952856"/>
-            <a:ext cx="9995731" cy="1573316"/>
-          </a:xfrm>
-        </p:spPr>
-        <p:txBody>
-          <a:bodyPr>
-            <a:normAutofit fontScale="90000"/>
-          </a:bodyPr>
-          <a:lstStyle/>
-          <a:p>
-            <a:r>
-              <a:rPr lang="pt-BR" dirty="0"/>
-              <a:t>METODOLOGIA </a:t>
-            </a:r>
-            <a:br>
-              <a:rPr lang="pt-BR" dirty="0"/>
-            </a:br>
-            <a:r>
-              <a:rPr lang="pt-BR" sz="5300" dirty="0"/>
-              <a:t>Experimento</a:t>
-            </a:r>
-          </a:p>
-        </p:txBody>
-      </p:sp>
-    </p:spTree>
-    <p:extLst>
-      <p:ext uri="{BB962C8B-B14F-4D97-AF65-F5344CB8AC3E}">
-        <p14:creationId xmlns:p14="http://schemas.microsoft.com/office/powerpoint/2010/main" val="221259457"/>
       </p:ext>
     </p:extLst>
   </p:cSld>

--- a/liceu/3semestre/projeto integrador/tcc slide.pptx
+++ b/liceu/3semestre/projeto integrador/tcc slide.pptx
@@ -3139,6 +3139,1500 @@
 </file>
 
 <file path=ppt/diagrams/colors5.xml><?xml version="1.0" encoding="utf-8"?>
+<dgm:colorsDef xmlns:dgm="http://schemas.openxmlformats.org/drawingml/2006/diagram" xmlns:a="http://schemas.openxmlformats.org/drawingml/2006/main" uniqueId="urn:microsoft.com/office/officeart/2005/8/colors/accent1_2">
+  <dgm:title val=""/>
+  <dgm:desc val=""/>
+  <dgm:catLst>
+    <dgm:cat type="accent1" pri="11200"/>
+  </dgm:catLst>
+  <dgm:styleLbl name="node0">
+    <dgm:fillClrLst meth="repeat">
+      <a:schemeClr val="accent1"/>
+    </dgm:fillClrLst>
+    <dgm:linClrLst meth="repeat">
+      <a:schemeClr val="lt1"/>
+    </dgm:linClrLst>
+    <dgm:effectClrLst/>
+    <dgm:txLinClrLst/>
+    <dgm:txFillClrLst/>
+    <dgm:txEffectClrLst/>
+  </dgm:styleLbl>
+  <dgm:styleLbl name="alignNode1">
+    <dgm:fillClrLst meth="repeat">
+      <a:schemeClr val="accent1"/>
+    </dgm:fillClrLst>
+    <dgm:linClrLst meth="repeat">
+      <a:schemeClr val="accent1"/>
+    </dgm:linClrLst>
+    <dgm:effectClrLst/>
+    <dgm:txLinClrLst/>
+    <dgm:txFillClrLst/>
+    <dgm:txEffectClrLst/>
+  </dgm:styleLbl>
+  <dgm:styleLbl name="node1">
+    <dgm:fillClrLst meth="repeat">
+      <a:schemeClr val="accent1"/>
+    </dgm:fillClrLst>
+    <dgm:linClrLst meth="repeat">
+      <a:schemeClr val="lt1"/>
+    </dgm:linClrLst>
+    <dgm:effectClrLst/>
+    <dgm:txLinClrLst/>
+    <dgm:txFillClrLst/>
+    <dgm:txEffectClrLst/>
+  </dgm:styleLbl>
+  <dgm:styleLbl name="lnNode1">
+    <dgm:fillClrLst meth="repeat">
+      <a:schemeClr val="accent1"/>
+    </dgm:fillClrLst>
+    <dgm:linClrLst meth="repeat">
+      <a:schemeClr val="lt1"/>
+    </dgm:linClrLst>
+    <dgm:effectClrLst/>
+    <dgm:txLinClrLst/>
+    <dgm:txFillClrLst/>
+    <dgm:txEffectClrLst/>
+  </dgm:styleLbl>
+  <dgm:styleLbl name="vennNode1">
+    <dgm:fillClrLst meth="repeat">
+      <a:schemeClr val="accent1">
+        <a:alpha val="50000"/>
+      </a:schemeClr>
+    </dgm:fillClrLst>
+    <dgm:linClrLst meth="repeat">
+      <a:schemeClr val="lt1"/>
+    </dgm:linClrLst>
+    <dgm:effectClrLst/>
+    <dgm:txLinClrLst/>
+    <dgm:txFillClrLst/>
+    <dgm:txEffectClrLst/>
+  </dgm:styleLbl>
+  <dgm:styleLbl name="node2">
+    <dgm:fillClrLst meth="repeat">
+      <a:schemeClr val="accent1"/>
+    </dgm:fillClrLst>
+    <dgm:linClrLst meth="repeat">
+      <a:schemeClr val="lt1"/>
+    </dgm:linClrLst>
+    <dgm:effectClrLst/>
+    <dgm:txLinClrLst/>
+    <dgm:txFillClrLst/>
+    <dgm:txEffectClrLst/>
+  </dgm:styleLbl>
+  <dgm:styleLbl name="node3">
+    <dgm:fillClrLst meth="repeat">
+      <a:schemeClr val="accent1"/>
+    </dgm:fillClrLst>
+    <dgm:linClrLst meth="repeat">
+      <a:schemeClr val="lt1"/>
+    </dgm:linClrLst>
+    <dgm:effectClrLst/>
+    <dgm:txLinClrLst/>
+    <dgm:txFillClrLst/>
+    <dgm:txEffectClrLst/>
+  </dgm:styleLbl>
+  <dgm:styleLbl name="node4">
+    <dgm:fillClrLst meth="repeat">
+      <a:schemeClr val="accent1"/>
+    </dgm:fillClrLst>
+    <dgm:linClrLst meth="repeat">
+      <a:schemeClr val="lt1"/>
+    </dgm:linClrLst>
+    <dgm:effectClrLst/>
+    <dgm:txLinClrLst/>
+    <dgm:txFillClrLst/>
+    <dgm:txEffectClrLst/>
+  </dgm:styleLbl>
+  <dgm:styleLbl name="fgImgPlace1">
+    <dgm:fillClrLst meth="repeat">
+      <a:schemeClr val="accent1">
+        <a:tint val="50000"/>
+      </a:schemeClr>
+    </dgm:fillClrLst>
+    <dgm:linClrLst meth="repeat">
+      <a:schemeClr val="lt1"/>
+    </dgm:linClrLst>
+    <dgm:effectClrLst/>
+    <dgm:txLinClrLst/>
+    <dgm:txFillClrLst meth="repeat">
+      <a:schemeClr val="lt1"/>
+    </dgm:txFillClrLst>
+    <dgm:txEffectClrLst/>
+  </dgm:styleLbl>
+  <dgm:styleLbl name="alignImgPlace1">
+    <dgm:fillClrLst meth="repeat">
+      <a:schemeClr val="accent1">
+        <a:tint val="50000"/>
+      </a:schemeClr>
+    </dgm:fillClrLst>
+    <dgm:linClrLst meth="repeat">
+      <a:schemeClr val="lt1"/>
+    </dgm:linClrLst>
+    <dgm:effectClrLst/>
+    <dgm:txLinClrLst/>
+    <dgm:txFillClrLst meth="repeat">
+      <a:schemeClr val="lt1"/>
+    </dgm:txFillClrLst>
+    <dgm:txEffectClrLst/>
+  </dgm:styleLbl>
+  <dgm:styleLbl name="bgImgPlace1">
+    <dgm:fillClrLst meth="repeat">
+      <a:schemeClr val="accent1">
+        <a:tint val="50000"/>
+      </a:schemeClr>
+    </dgm:fillClrLst>
+    <dgm:linClrLst meth="repeat">
+      <a:schemeClr val="lt1"/>
+    </dgm:linClrLst>
+    <dgm:effectClrLst/>
+    <dgm:txLinClrLst/>
+    <dgm:txFillClrLst meth="repeat">
+      <a:schemeClr val="lt1"/>
+    </dgm:txFillClrLst>
+    <dgm:txEffectClrLst/>
+  </dgm:styleLbl>
+  <dgm:styleLbl name="sibTrans2D1">
+    <dgm:fillClrLst meth="repeat">
+      <a:schemeClr val="accent1">
+        <a:tint val="60000"/>
+      </a:schemeClr>
+    </dgm:fillClrLst>
+    <dgm:linClrLst meth="repeat">
+      <a:schemeClr val="accent1">
+        <a:tint val="60000"/>
+      </a:schemeClr>
+    </dgm:linClrLst>
+    <dgm:effectClrLst/>
+    <dgm:txLinClrLst/>
+    <dgm:txFillClrLst/>
+    <dgm:txEffectClrLst/>
+  </dgm:styleLbl>
+  <dgm:styleLbl name="fgSibTrans2D1">
+    <dgm:fillClrLst meth="repeat">
+      <a:schemeClr val="accent1">
+        <a:tint val="60000"/>
+      </a:schemeClr>
+    </dgm:fillClrLst>
+    <dgm:linClrLst meth="repeat">
+      <a:schemeClr val="accent1">
+        <a:tint val="60000"/>
+      </a:schemeClr>
+    </dgm:linClrLst>
+    <dgm:effectClrLst/>
+    <dgm:txLinClrLst/>
+    <dgm:txFillClrLst/>
+    <dgm:txEffectClrLst/>
+  </dgm:styleLbl>
+  <dgm:styleLbl name="bgSibTrans2D1">
+    <dgm:fillClrLst meth="repeat">
+      <a:schemeClr val="accent1">
+        <a:tint val="60000"/>
+      </a:schemeClr>
+    </dgm:fillClrLst>
+    <dgm:linClrLst meth="repeat">
+      <a:schemeClr val="accent1">
+        <a:tint val="60000"/>
+      </a:schemeClr>
+    </dgm:linClrLst>
+    <dgm:effectClrLst/>
+    <dgm:txLinClrLst/>
+    <dgm:txFillClrLst/>
+    <dgm:txEffectClrLst/>
+  </dgm:styleLbl>
+  <dgm:styleLbl name="sibTrans1D1">
+    <dgm:fillClrLst meth="repeat">
+      <a:schemeClr val="accent1"/>
+    </dgm:fillClrLst>
+    <dgm:linClrLst meth="repeat">
+      <a:schemeClr val="accent1"/>
+    </dgm:linClrLst>
+    <dgm:effectClrLst/>
+    <dgm:txLinClrLst/>
+    <dgm:txFillClrLst meth="repeat">
+      <a:schemeClr val="tx1"/>
+    </dgm:txFillClrLst>
+    <dgm:txEffectClrLst/>
+  </dgm:styleLbl>
+  <dgm:styleLbl name="callout">
+    <dgm:fillClrLst meth="repeat">
+      <a:schemeClr val="accent1"/>
+    </dgm:fillClrLst>
+    <dgm:linClrLst meth="repeat">
+      <a:schemeClr val="accent1">
+        <a:tint val="50000"/>
+      </a:schemeClr>
+    </dgm:linClrLst>
+    <dgm:effectClrLst/>
+    <dgm:txLinClrLst/>
+    <dgm:txFillClrLst meth="repeat">
+      <a:schemeClr val="tx1"/>
+    </dgm:txFillClrLst>
+    <dgm:txEffectClrLst/>
+  </dgm:styleLbl>
+  <dgm:styleLbl name="asst0">
+    <dgm:fillClrLst meth="repeat">
+      <a:schemeClr val="accent1"/>
+    </dgm:fillClrLst>
+    <dgm:linClrLst meth="repeat">
+      <a:schemeClr val="lt1"/>
+    </dgm:linClrLst>
+    <dgm:effectClrLst/>
+    <dgm:txLinClrLst/>
+    <dgm:txFillClrLst/>
+    <dgm:txEffectClrLst/>
+  </dgm:styleLbl>
+  <dgm:styleLbl name="asst1">
+    <dgm:fillClrLst meth="repeat">
+      <a:schemeClr val="accent1"/>
+    </dgm:fillClrLst>
+    <dgm:linClrLst meth="repeat">
+      <a:schemeClr val="lt1"/>
+    </dgm:linClrLst>
+    <dgm:effectClrLst/>
+    <dgm:txLinClrLst/>
+    <dgm:txFillClrLst/>
+    <dgm:txEffectClrLst/>
+  </dgm:styleLbl>
+  <dgm:styleLbl name="asst2">
+    <dgm:fillClrLst meth="repeat">
+      <a:schemeClr val="accent1"/>
+    </dgm:fillClrLst>
+    <dgm:linClrLst meth="repeat">
+      <a:schemeClr val="lt1"/>
+    </dgm:linClrLst>
+    <dgm:effectClrLst/>
+    <dgm:txLinClrLst/>
+    <dgm:txFillClrLst/>
+    <dgm:txEffectClrLst/>
+  </dgm:styleLbl>
+  <dgm:styleLbl name="asst3">
+    <dgm:fillClrLst meth="repeat">
+      <a:schemeClr val="accent1"/>
+    </dgm:fillClrLst>
+    <dgm:linClrLst meth="repeat">
+      <a:schemeClr val="lt1"/>
+    </dgm:linClrLst>
+    <dgm:effectClrLst/>
+    <dgm:txLinClrLst/>
+    <dgm:txFillClrLst/>
+    <dgm:txEffectClrLst/>
+  </dgm:styleLbl>
+  <dgm:styleLbl name="asst4">
+    <dgm:fillClrLst meth="repeat">
+      <a:schemeClr val="accent1"/>
+    </dgm:fillClrLst>
+    <dgm:linClrLst meth="repeat">
+      <a:schemeClr val="lt1"/>
+    </dgm:linClrLst>
+    <dgm:effectClrLst/>
+    <dgm:txLinClrLst/>
+    <dgm:txFillClrLst/>
+    <dgm:txEffectClrLst/>
+  </dgm:styleLbl>
+  <dgm:styleLbl name="parChTrans2D1">
+    <dgm:fillClrLst meth="repeat">
+      <a:schemeClr val="accent1">
+        <a:tint val="60000"/>
+      </a:schemeClr>
+    </dgm:fillClrLst>
+    <dgm:linClrLst meth="repeat">
+      <a:schemeClr val="accent1">
+        <a:tint val="60000"/>
+      </a:schemeClr>
+    </dgm:linClrLst>
+    <dgm:effectClrLst/>
+    <dgm:txLinClrLst/>
+    <dgm:txFillClrLst meth="repeat">
+      <a:schemeClr val="lt1"/>
+    </dgm:txFillClrLst>
+    <dgm:txEffectClrLst/>
+  </dgm:styleLbl>
+  <dgm:styleLbl name="parChTrans2D2">
+    <dgm:fillClrLst meth="repeat">
+      <a:schemeClr val="accent1"/>
+    </dgm:fillClrLst>
+    <dgm:linClrLst meth="repeat">
+      <a:schemeClr val="accent1"/>
+    </dgm:linClrLst>
+    <dgm:effectClrLst/>
+    <dgm:txLinClrLst/>
+    <dgm:txFillClrLst meth="repeat">
+      <a:schemeClr val="lt1"/>
+    </dgm:txFillClrLst>
+    <dgm:txEffectClrLst/>
+  </dgm:styleLbl>
+  <dgm:styleLbl name="parChTrans2D3">
+    <dgm:fillClrLst meth="repeat">
+      <a:schemeClr val="accent1"/>
+    </dgm:fillClrLst>
+    <dgm:linClrLst meth="repeat">
+      <a:schemeClr val="accent1"/>
+    </dgm:linClrLst>
+    <dgm:effectClrLst/>
+    <dgm:txLinClrLst/>
+    <dgm:txFillClrLst meth="repeat">
+      <a:schemeClr val="lt1"/>
+    </dgm:txFillClrLst>
+    <dgm:txEffectClrLst/>
+  </dgm:styleLbl>
+  <dgm:styleLbl name="parChTrans2D4">
+    <dgm:fillClrLst meth="repeat">
+      <a:schemeClr val="accent1"/>
+    </dgm:fillClrLst>
+    <dgm:linClrLst meth="repeat">
+      <a:schemeClr val="accent1"/>
+    </dgm:linClrLst>
+    <dgm:effectClrLst/>
+    <dgm:txLinClrLst/>
+    <dgm:txFillClrLst meth="repeat">
+      <a:schemeClr val="lt1"/>
+    </dgm:txFillClrLst>
+    <dgm:txEffectClrLst/>
+  </dgm:styleLbl>
+  <dgm:styleLbl name="parChTrans1D1">
+    <dgm:fillClrLst meth="repeat">
+      <a:schemeClr val="accent1"/>
+    </dgm:fillClrLst>
+    <dgm:linClrLst meth="repeat">
+      <a:schemeClr val="accent1">
+        <a:shade val="60000"/>
+      </a:schemeClr>
+    </dgm:linClrLst>
+    <dgm:effectClrLst/>
+    <dgm:txLinClrLst/>
+    <dgm:txFillClrLst meth="repeat">
+      <a:schemeClr val="tx1"/>
+    </dgm:txFillClrLst>
+    <dgm:txEffectClrLst/>
+  </dgm:styleLbl>
+  <dgm:styleLbl name="parChTrans1D2">
+    <dgm:fillClrLst meth="repeat">
+      <a:schemeClr val="accent1"/>
+    </dgm:fillClrLst>
+    <dgm:linClrLst meth="repeat">
+      <a:schemeClr val="accent1">
+        <a:shade val="60000"/>
+      </a:schemeClr>
+    </dgm:linClrLst>
+    <dgm:effectClrLst/>
+    <dgm:txLinClrLst/>
+    <dgm:txFillClrLst meth="repeat">
+      <a:schemeClr val="tx1"/>
+    </dgm:txFillClrLst>
+    <dgm:txEffectClrLst/>
+  </dgm:styleLbl>
+  <dgm:styleLbl name="parChTrans1D3">
+    <dgm:fillClrLst meth="repeat">
+      <a:schemeClr val="accent1"/>
+    </dgm:fillClrLst>
+    <dgm:linClrLst meth="repeat">
+      <a:schemeClr val="accent1">
+        <a:shade val="80000"/>
+      </a:schemeClr>
+    </dgm:linClrLst>
+    <dgm:effectClrLst/>
+    <dgm:txLinClrLst/>
+    <dgm:txFillClrLst meth="repeat">
+      <a:schemeClr val="tx1"/>
+    </dgm:txFillClrLst>
+    <dgm:txEffectClrLst/>
+  </dgm:styleLbl>
+  <dgm:styleLbl name="parChTrans1D4">
+    <dgm:fillClrLst meth="repeat">
+      <a:schemeClr val="accent1"/>
+    </dgm:fillClrLst>
+    <dgm:linClrLst meth="repeat">
+      <a:schemeClr val="accent1">
+        <a:shade val="80000"/>
+      </a:schemeClr>
+    </dgm:linClrLst>
+    <dgm:effectClrLst/>
+    <dgm:txLinClrLst/>
+    <dgm:txFillClrLst meth="repeat">
+      <a:schemeClr val="tx1"/>
+    </dgm:txFillClrLst>
+    <dgm:txEffectClrLst/>
+  </dgm:styleLbl>
+  <dgm:styleLbl name="fgAcc1">
+    <dgm:fillClrLst meth="repeat">
+      <a:schemeClr val="lt1">
+        <a:alpha val="90000"/>
+      </a:schemeClr>
+    </dgm:fillClrLst>
+    <dgm:linClrLst meth="repeat">
+      <a:schemeClr val="accent1"/>
+    </dgm:linClrLst>
+    <dgm:effectClrLst/>
+    <dgm:txLinClrLst/>
+    <dgm:txFillClrLst meth="repeat">
+      <a:schemeClr val="dk1"/>
+    </dgm:txFillClrLst>
+    <dgm:txEffectClrLst/>
+  </dgm:styleLbl>
+  <dgm:styleLbl name="conFgAcc1">
+    <dgm:fillClrLst meth="repeat">
+      <a:schemeClr val="lt1">
+        <a:alpha val="90000"/>
+      </a:schemeClr>
+    </dgm:fillClrLst>
+    <dgm:linClrLst meth="repeat">
+      <a:schemeClr val="accent1"/>
+    </dgm:linClrLst>
+    <dgm:effectClrLst/>
+    <dgm:txLinClrLst/>
+    <dgm:txFillClrLst meth="repeat">
+      <a:schemeClr val="dk1"/>
+    </dgm:txFillClrLst>
+    <dgm:txEffectClrLst/>
+  </dgm:styleLbl>
+  <dgm:styleLbl name="alignAcc1">
+    <dgm:fillClrLst meth="repeat">
+      <a:schemeClr val="lt1">
+        <a:alpha val="90000"/>
+      </a:schemeClr>
+    </dgm:fillClrLst>
+    <dgm:linClrLst meth="repeat">
+      <a:schemeClr val="accent1"/>
+    </dgm:linClrLst>
+    <dgm:effectClrLst/>
+    <dgm:txLinClrLst/>
+    <dgm:txFillClrLst meth="repeat">
+      <a:schemeClr val="dk1"/>
+    </dgm:txFillClrLst>
+    <dgm:txEffectClrLst/>
+  </dgm:styleLbl>
+  <dgm:styleLbl name="trAlignAcc1">
+    <dgm:fillClrLst meth="repeat">
+      <a:schemeClr val="lt1">
+        <a:alpha val="40000"/>
+      </a:schemeClr>
+    </dgm:fillClrLst>
+    <dgm:linClrLst meth="repeat">
+      <a:schemeClr val="accent1"/>
+    </dgm:linClrLst>
+    <dgm:effectClrLst/>
+    <dgm:txLinClrLst/>
+    <dgm:txFillClrLst meth="repeat">
+      <a:schemeClr val="dk1"/>
+    </dgm:txFillClrLst>
+    <dgm:txEffectClrLst/>
+  </dgm:styleLbl>
+  <dgm:styleLbl name="bgAcc1">
+    <dgm:fillClrLst meth="repeat">
+      <a:schemeClr val="lt1">
+        <a:alpha val="90000"/>
+      </a:schemeClr>
+    </dgm:fillClrLst>
+    <dgm:linClrLst meth="repeat">
+      <a:schemeClr val="accent1"/>
+    </dgm:linClrLst>
+    <dgm:effectClrLst/>
+    <dgm:txLinClrLst/>
+    <dgm:txFillClrLst meth="repeat">
+      <a:schemeClr val="dk1"/>
+    </dgm:txFillClrLst>
+    <dgm:txEffectClrLst/>
+  </dgm:styleLbl>
+  <dgm:styleLbl name="solidFgAcc1">
+    <dgm:fillClrLst meth="repeat">
+      <a:schemeClr val="lt1"/>
+    </dgm:fillClrLst>
+    <dgm:linClrLst meth="repeat">
+      <a:schemeClr val="accent1"/>
+    </dgm:linClrLst>
+    <dgm:effectClrLst/>
+    <dgm:txLinClrLst/>
+    <dgm:txFillClrLst meth="repeat">
+      <a:schemeClr val="dk1"/>
+    </dgm:txFillClrLst>
+    <dgm:txEffectClrLst/>
+  </dgm:styleLbl>
+  <dgm:styleLbl name="solidAlignAcc1">
+    <dgm:fillClrLst meth="repeat">
+      <a:schemeClr val="lt1"/>
+    </dgm:fillClrLst>
+    <dgm:linClrLst meth="repeat">
+      <a:schemeClr val="accent1"/>
+    </dgm:linClrLst>
+    <dgm:effectClrLst/>
+    <dgm:txLinClrLst/>
+    <dgm:txFillClrLst meth="repeat">
+      <a:schemeClr val="dk1"/>
+    </dgm:txFillClrLst>
+    <dgm:txEffectClrLst/>
+  </dgm:styleLbl>
+  <dgm:styleLbl name="solidBgAcc1">
+    <dgm:fillClrLst meth="repeat">
+      <a:schemeClr val="lt1"/>
+    </dgm:fillClrLst>
+    <dgm:linClrLst meth="repeat">
+      <a:schemeClr val="accent1"/>
+    </dgm:linClrLst>
+    <dgm:effectClrLst/>
+    <dgm:txLinClrLst/>
+    <dgm:txFillClrLst meth="repeat">
+      <a:schemeClr val="dk1"/>
+    </dgm:txFillClrLst>
+    <dgm:txEffectClrLst/>
+  </dgm:styleLbl>
+  <dgm:styleLbl name="fgAccFollowNode1">
+    <dgm:fillClrLst meth="repeat">
+      <a:schemeClr val="accent1">
+        <a:alpha val="90000"/>
+        <a:tint val="40000"/>
+      </a:schemeClr>
+    </dgm:fillClrLst>
+    <dgm:linClrLst meth="repeat">
+      <a:schemeClr val="accent1">
+        <a:alpha val="90000"/>
+        <a:tint val="40000"/>
+      </a:schemeClr>
+    </dgm:linClrLst>
+    <dgm:effectClrLst/>
+    <dgm:txLinClrLst/>
+    <dgm:txFillClrLst meth="repeat">
+      <a:schemeClr val="dk1"/>
+    </dgm:txFillClrLst>
+    <dgm:txEffectClrLst/>
+  </dgm:styleLbl>
+  <dgm:styleLbl name="alignAccFollowNode1">
+    <dgm:fillClrLst meth="repeat">
+      <a:schemeClr val="accent1">
+        <a:alpha val="90000"/>
+        <a:tint val="40000"/>
+      </a:schemeClr>
+    </dgm:fillClrLst>
+    <dgm:linClrLst meth="repeat">
+      <a:schemeClr val="accent1">
+        <a:alpha val="90000"/>
+        <a:tint val="40000"/>
+      </a:schemeClr>
+    </dgm:linClrLst>
+    <dgm:effectClrLst/>
+    <dgm:txLinClrLst/>
+    <dgm:txFillClrLst meth="repeat">
+      <a:schemeClr val="dk1"/>
+    </dgm:txFillClrLst>
+    <dgm:txEffectClrLst/>
+  </dgm:styleLbl>
+  <dgm:styleLbl name="bgAccFollowNode1">
+    <dgm:fillClrLst meth="repeat">
+      <a:schemeClr val="accent1">
+        <a:alpha val="90000"/>
+        <a:tint val="40000"/>
+      </a:schemeClr>
+    </dgm:fillClrLst>
+    <dgm:linClrLst meth="repeat">
+      <a:schemeClr val="accent1">
+        <a:alpha val="90000"/>
+        <a:tint val="40000"/>
+      </a:schemeClr>
+    </dgm:linClrLst>
+    <dgm:effectClrLst/>
+    <dgm:txLinClrLst/>
+    <dgm:txFillClrLst meth="repeat">
+      <a:schemeClr val="dk1"/>
+    </dgm:txFillClrLst>
+    <dgm:txEffectClrLst/>
+  </dgm:styleLbl>
+  <dgm:styleLbl name="fgAcc0">
+    <dgm:fillClrLst meth="repeat">
+      <a:schemeClr val="lt1">
+        <a:alpha val="90000"/>
+      </a:schemeClr>
+    </dgm:fillClrLst>
+    <dgm:linClrLst meth="repeat">
+      <a:schemeClr val="accent1"/>
+    </dgm:linClrLst>
+    <dgm:effectClrLst/>
+    <dgm:txLinClrLst/>
+    <dgm:txFillClrLst meth="repeat">
+      <a:schemeClr val="dk1"/>
+    </dgm:txFillClrLst>
+    <dgm:txEffectClrLst/>
+  </dgm:styleLbl>
+  <dgm:styleLbl name="fgAcc2">
+    <dgm:fillClrLst meth="repeat">
+      <a:schemeClr val="lt1">
+        <a:alpha val="90000"/>
+      </a:schemeClr>
+    </dgm:fillClrLst>
+    <dgm:linClrLst meth="repeat">
+      <a:schemeClr val="accent1"/>
+    </dgm:linClrLst>
+    <dgm:effectClrLst/>
+    <dgm:txLinClrLst/>
+    <dgm:txFillClrLst meth="repeat">
+      <a:schemeClr val="dk1"/>
+    </dgm:txFillClrLst>
+    <dgm:txEffectClrLst/>
+  </dgm:styleLbl>
+  <dgm:styleLbl name="fgAcc3">
+    <dgm:fillClrLst meth="repeat">
+      <a:schemeClr val="lt1">
+        <a:alpha val="90000"/>
+      </a:schemeClr>
+    </dgm:fillClrLst>
+    <dgm:linClrLst meth="repeat">
+      <a:schemeClr val="accent1"/>
+    </dgm:linClrLst>
+    <dgm:effectClrLst/>
+    <dgm:txLinClrLst/>
+    <dgm:txFillClrLst meth="repeat">
+      <a:schemeClr val="dk1"/>
+    </dgm:txFillClrLst>
+    <dgm:txEffectClrLst/>
+  </dgm:styleLbl>
+  <dgm:styleLbl name="fgAcc4">
+    <dgm:fillClrLst meth="repeat">
+      <a:schemeClr val="lt1">
+        <a:alpha val="90000"/>
+      </a:schemeClr>
+    </dgm:fillClrLst>
+    <dgm:linClrLst meth="repeat">
+      <a:schemeClr val="accent1"/>
+    </dgm:linClrLst>
+    <dgm:effectClrLst/>
+    <dgm:txLinClrLst/>
+    <dgm:txFillClrLst meth="repeat">
+      <a:schemeClr val="dk1"/>
+    </dgm:txFillClrLst>
+    <dgm:txEffectClrLst/>
+  </dgm:styleLbl>
+  <dgm:styleLbl name="bgShp">
+    <dgm:fillClrLst meth="repeat">
+      <a:schemeClr val="accent1">
+        <a:tint val="40000"/>
+      </a:schemeClr>
+    </dgm:fillClrLst>
+    <dgm:linClrLst meth="repeat">
+      <a:schemeClr val="accent1"/>
+    </dgm:linClrLst>
+    <dgm:effectClrLst/>
+    <dgm:txLinClrLst/>
+    <dgm:txFillClrLst meth="repeat">
+      <a:schemeClr val="dk1"/>
+    </dgm:txFillClrLst>
+    <dgm:txEffectClrLst/>
+  </dgm:styleLbl>
+  <dgm:styleLbl name="dkBgShp">
+    <dgm:fillClrLst meth="repeat">
+      <a:schemeClr val="accent1">
+        <a:shade val="80000"/>
+      </a:schemeClr>
+    </dgm:fillClrLst>
+    <dgm:linClrLst meth="repeat">
+      <a:schemeClr val="accent1"/>
+    </dgm:linClrLst>
+    <dgm:effectClrLst/>
+    <dgm:txLinClrLst/>
+    <dgm:txFillClrLst meth="repeat">
+      <a:schemeClr val="lt1"/>
+    </dgm:txFillClrLst>
+    <dgm:txEffectClrLst/>
+  </dgm:styleLbl>
+  <dgm:styleLbl name="trBgShp">
+    <dgm:fillClrLst meth="repeat">
+      <a:schemeClr val="accent1">
+        <a:tint val="50000"/>
+        <a:alpha val="40000"/>
+      </a:schemeClr>
+    </dgm:fillClrLst>
+    <dgm:linClrLst meth="repeat">
+      <a:schemeClr val="accent1"/>
+    </dgm:linClrLst>
+    <dgm:effectClrLst/>
+    <dgm:txLinClrLst/>
+    <dgm:txFillClrLst meth="repeat">
+      <a:schemeClr val="lt1"/>
+    </dgm:txFillClrLst>
+    <dgm:txEffectClrLst/>
+  </dgm:styleLbl>
+  <dgm:styleLbl name="fgShp">
+    <dgm:fillClrLst meth="repeat">
+      <a:schemeClr val="accent1">
+        <a:tint val="60000"/>
+      </a:schemeClr>
+    </dgm:fillClrLst>
+    <dgm:linClrLst meth="repeat">
+      <a:schemeClr val="lt1"/>
+    </dgm:linClrLst>
+    <dgm:effectClrLst/>
+    <dgm:txLinClrLst/>
+    <dgm:txFillClrLst meth="repeat">
+      <a:schemeClr val="dk1"/>
+    </dgm:txFillClrLst>
+    <dgm:txEffectClrLst/>
+  </dgm:styleLbl>
+  <dgm:styleLbl name="revTx">
+    <dgm:fillClrLst meth="repeat">
+      <a:schemeClr val="lt1">
+        <a:alpha val="0"/>
+      </a:schemeClr>
+    </dgm:fillClrLst>
+    <dgm:linClrLst meth="repeat">
+      <a:schemeClr val="dk1">
+        <a:alpha val="0"/>
+      </a:schemeClr>
+    </dgm:linClrLst>
+    <dgm:effectClrLst/>
+    <dgm:txLinClrLst/>
+    <dgm:txFillClrLst meth="repeat">
+      <a:schemeClr val="tx1"/>
+    </dgm:txFillClrLst>
+    <dgm:txEffectClrLst/>
+  </dgm:styleLbl>
+</dgm:colorsDef>
+</file>
+
+<file path=ppt/diagrams/colors6.xml><?xml version="1.0" encoding="utf-8"?>
+<dgm:colorsDef xmlns:dgm="http://schemas.openxmlformats.org/drawingml/2006/diagram" xmlns:a="http://schemas.openxmlformats.org/drawingml/2006/main" uniqueId="urn:microsoft.com/office/officeart/2005/8/colors/accent1_2">
+  <dgm:title val=""/>
+  <dgm:desc val=""/>
+  <dgm:catLst>
+    <dgm:cat type="accent1" pri="11200"/>
+  </dgm:catLst>
+  <dgm:styleLbl name="node0">
+    <dgm:fillClrLst meth="repeat">
+      <a:schemeClr val="accent1"/>
+    </dgm:fillClrLst>
+    <dgm:linClrLst meth="repeat">
+      <a:schemeClr val="lt1"/>
+    </dgm:linClrLst>
+    <dgm:effectClrLst/>
+    <dgm:txLinClrLst/>
+    <dgm:txFillClrLst/>
+    <dgm:txEffectClrLst/>
+  </dgm:styleLbl>
+  <dgm:styleLbl name="alignNode1">
+    <dgm:fillClrLst meth="repeat">
+      <a:schemeClr val="accent1"/>
+    </dgm:fillClrLst>
+    <dgm:linClrLst meth="repeat">
+      <a:schemeClr val="accent1"/>
+    </dgm:linClrLst>
+    <dgm:effectClrLst/>
+    <dgm:txLinClrLst/>
+    <dgm:txFillClrLst/>
+    <dgm:txEffectClrLst/>
+  </dgm:styleLbl>
+  <dgm:styleLbl name="node1">
+    <dgm:fillClrLst meth="repeat">
+      <a:schemeClr val="accent1"/>
+    </dgm:fillClrLst>
+    <dgm:linClrLst meth="repeat">
+      <a:schemeClr val="lt1"/>
+    </dgm:linClrLst>
+    <dgm:effectClrLst/>
+    <dgm:txLinClrLst/>
+    <dgm:txFillClrLst/>
+    <dgm:txEffectClrLst/>
+  </dgm:styleLbl>
+  <dgm:styleLbl name="lnNode1">
+    <dgm:fillClrLst meth="repeat">
+      <a:schemeClr val="accent1"/>
+    </dgm:fillClrLst>
+    <dgm:linClrLst meth="repeat">
+      <a:schemeClr val="lt1"/>
+    </dgm:linClrLst>
+    <dgm:effectClrLst/>
+    <dgm:txLinClrLst/>
+    <dgm:txFillClrLst/>
+    <dgm:txEffectClrLst/>
+  </dgm:styleLbl>
+  <dgm:styleLbl name="vennNode1">
+    <dgm:fillClrLst meth="repeat">
+      <a:schemeClr val="accent1">
+        <a:alpha val="50000"/>
+      </a:schemeClr>
+    </dgm:fillClrLst>
+    <dgm:linClrLst meth="repeat">
+      <a:schemeClr val="lt1"/>
+    </dgm:linClrLst>
+    <dgm:effectClrLst/>
+    <dgm:txLinClrLst/>
+    <dgm:txFillClrLst/>
+    <dgm:txEffectClrLst/>
+  </dgm:styleLbl>
+  <dgm:styleLbl name="node2">
+    <dgm:fillClrLst meth="repeat">
+      <a:schemeClr val="accent1"/>
+    </dgm:fillClrLst>
+    <dgm:linClrLst meth="repeat">
+      <a:schemeClr val="lt1"/>
+    </dgm:linClrLst>
+    <dgm:effectClrLst/>
+    <dgm:txLinClrLst/>
+    <dgm:txFillClrLst/>
+    <dgm:txEffectClrLst/>
+  </dgm:styleLbl>
+  <dgm:styleLbl name="node3">
+    <dgm:fillClrLst meth="repeat">
+      <a:schemeClr val="accent1"/>
+    </dgm:fillClrLst>
+    <dgm:linClrLst meth="repeat">
+      <a:schemeClr val="lt1"/>
+    </dgm:linClrLst>
+    <dgm:effectClrLst/>
+    <dgm:txLinClrLst/>
+    <dgm:txFillClrLst/>
+    <dgm:txEffectClrLst/>
+  </dgm:styleLbl>
+  <dgm:styleLbl name="node4">
+    <dgm:fillClrLst meth="repeat">
+      <a:schemeClr val="accent1"/>
+    </dgm:fillClrLst>
+    <dgm:linClrLst meth="repeat">
+      <a:schemeClr val="lt1"/>
+    </dgm:linClrLst>
+    <dgm:effectClrLst/>
+    <dgm:txLinClrLst/>
+    <dgm:txFillClrLst/>
+    <dgm:txEffectClrLst/>
+  </dgm:styleLbl>
+  <dgm:styleLbl name="fgImgPlace1">
+    <dgm:fillClrLst meth="repeat">
+      <a:schemeClr val="accent1">
+        <a:tint val="50000"/>
+      </a:schemeClr>
+    </dgm:fillClrLst>
+    <dgm:linClrLst meth="repeat">
+      <a:schemeClr val="lt1"/>
+    </dgm:linClrLst>
+    <dgm:effectClrLst/>
+    <dgm:txLinClrLst/>
+    <dgm:txFillClrLst meth="repeat">
+      <a:schemeClr val="lt1"/>
+    </dgm:txFillClrLst>
+    <dgm:txEffectClrLst/>
+  </dgm:styleLbl>
+  <dgm:styleLbl name="alignImgPlace1">
+    <dgm:fillClrLst meth="repeat">
+      <a:schemeClr val="accent1">
+        <a:tint val="50000"/>
+      </a:schemeClr>
+    </dgm:fillClrLst>
+    <dgm:linClrLst meth="repeat">
+      <a:schemeClr val="lt1"/>
+    </dgm:linClrLst>
+    <dgm:effectClrLst/>
+    <dgm:txLinClrLst/>
+    <dgm:txFillClrLst meth="repeat">
+      <a:schemeClr val="lt1"/>
+    </dgm:txFillClrLst>
+    <dgm:txEffectClrLst/>
+  </dgm:styleLbl>
+  <dgm:styleLbl name="bgImgPlace1">
+    <dgm:fillClrLst meth="repeat">
+      <a:schemeClr val="accent1">
+        <a:tint val="50000"/>
+      </a:schemeClr>
+    </dgm:fillClrLst>
+    <dgm:linClrLst meth="repeat">
+      <a:schemeClr val="lt1"/>
+    </dgm:linClrLst>
+    <dgm:effectClrLst/>
+    <dgm:txLinClrLst/>
+    <dgm:txFillClrLst meth="repeat">
+      <a:schemeClr val="lt1"/>
+    </dgm:txFillClrLst>
+    <dgm:txEffectClrLst/>
+  </dgm:styleLbl>
+  <dgm:styleLbl name="sibTrans2D1">
+    <dgm:fillClrLst meth="repeat">
+      <a:schemeClr val="accent1">
+        <a:tint val="60000"/>
+      </a:schemeClr>
+    </dgm:fillClrLst>
+    <dgm:linClrLst meth="repeat">
+      <a:schemeClr val="accent1">
+        <a:tint val="60000"/>
+      </a:schemeClr>
+    </dgm:linClrLst>
+    <dgm:effectClrLst/>
+    <dgm:txLinClrLst/>
+    <dgm:txFillClrLst/>
+    <dgm:txEffectClrLst/>
+  </dgm:styleLbl>
+  <dgm:styleLbl name="fgSibTrans2D1">
+    <dgm:fillClrLst meth="repeat">
+      <a:schemeClr val="accent1">
+        <a:tint val="60000"/>
+      </a:schemeClr>
+    </dgm:fillClrLst>
+    <dgm:linClrLst meth="repeat">
+      <a:schemeClr val="accent1">
+        <a:tint val="60000"/>
+      </a:schemeClr>
+    </dgm:linClrLst>
+    <dgm:effectClrLst/>
+    <dgm:txLinClrLst/>
+    <dgm:txFillClrLst/>
+    <dgm:txEffectClrLst/>
+  </dgm:styleLbl>
+  <dgm:styleLbl name="bgSibTrans2D1">
+    <dgm:fillClrLst meth="repeat">
+      <a:schemeClr val="accent1">
+        <a:tint val="60000"/>
+      </a:schemeClr>
+    </dgm:fillClrLst>
+    <dgm:linClrLst meth="repeat">
+      <a:schemeClr val="accent1">
+        <a:tint val="60000"/>
+      </a:schemeClr>
+    </dgm:linClrLst>
+    <dgm:effectClrLst/>
+    <dgm:txLinClrLst/>
+    <dgm:txFillClrLst/>
+    <dgm:txEffectClrLst/>
+  </dgm:styleLbl>
+  <dgm:styleLbl name="sibTrans1D1">
+    <dgm:fillClrLst meth="repeat">
+      <a:schemeClr val="accent1"/>
+    </dgm:fillClrLst>
+    <dgm:linClrLst meth="repeat">
+      <a:schemeClr val="accent1"/>
+    </dgm:linClrLst>
+    <dgm:effectClrLst/>
+    <dgm:txLinClrLst/>
+    <dgm:txFillClrLst meth="repeat">
+      <a:schemeClr val="tx1"/>
+    </dgm:txFillClrLst>
+    <dgm:txEffectClrLst/>
+  </dgm:styleLbl>
+  <dgm:styleLbl name="callout">
+    <dgm:fillClrLst meth="repeat">
+      <a:schemeClr val="accent1"/>
+    </dgm:fillClrLst>
+    <dgm:linClrLst meth="repeat">
+      <a:schemeClr val="accent1">
+        <a:tint val="50000"/>
+      </a:schemeClr>
+    </dgm:linClrLst>
+    <dgm:effectClrLst/>
+    <dgm:txLinClrLst/>
+    <dgm:txFillClrLst meth="repeat">
+      <a:schemeClr val="tx1"/>
+    </dgm:txFillClrLst>
+    <dgm:txEffectClrLst/>
+  </dgm:styleLbl>
+  <dgm:styleLbl name="asst0">
+    <dgm:fillClrLst meth="repeat">
+      <a:schemeClr val="accent1"/>
+    </dgm:fillClrLst>
+    <dgm:linClrLst meth="repeat">
+      <a:schemeClr val="lt1"/>
+    </dgm:linClrLst>
+    <dgm:effectClrLst/>
+    <dgm:txLinClrLst/>
+    <dgm:txFillClrLst/>
+    <dgm:txEffectClrLst/>
+  </dgm:styleLbl>
+  <dgm:styleLbl name="asst1">
+    <dgm:fillClrLst meth="repeat">
+      <a:schemeClr val="accent1"/>
+    </dgm:fillClrLst>
+    <dgm:linClrLst meth="repeat">
+      <a:schemeClr val="lt1"/>
+    </dgm:linClrLst>
+    <dgm:effectClrLst/>
+    <dgm:txLinClrLst/>
+    <dgm:txFillClrLst/>
+    <dgm:txEffectClrLst/>
+  </dgm:styleLbl>
+  <dgm:styleLbl name="asst2">
+    <dgm:fillClrLst meth="repeat">
+      <a:schemeClr val="accent1"/>
+    </dgm:fillClrLst>
+    <dgm:linClrLst meth="repeat">
+      <a:schemeClr val="lt1"/>
+    </dgm:linClrLst>
+    <dgm:effectClrLst/>
+    <dgm:txLinClrLst/>
+    <dgm:txFillClrLst/>
+    <dgm:txEffectClrLst/>
+  </dgm:styleLbl>
+  <dgm:styleLbl name="asst3">
+    <dgm:fillClrLst meth="repeat">
+      <a:schemeClr val="accent1"/>
+    </dgm:fillClrLst>
+    <dgm:linClrLst meth="repeat">
+      <a:schemeClr val="lt1"/>
+    </dgm:linClrLst>
+    <dgm:effectClrLst/>
+    <dgm:txLinClrLst/>
+    <dgm:txFillClrLst/>
+    <dgm:txEffectClrLst/>
+  </dgm:styleLbl>
+  <dgm:styleLbl name="asst4">
+    <dgm:fillClrLst meth="repeat">
+      <a:schemeClr val="accent1"/>
+    </dgm:fillClrLst>
+    <dgm:linClrLst meth="repeat">
+      <a:schemeClr val="lt1"/>
+    </dgm:linClrLst>
+    <dgm:effectClrLst/>
+    <dgm:txLinClrLst/>
+    <dgm:txFillClrLst/>
+    <dgm:txEffectClrLst/>
+  </dgm:styleLbl>
+  <dgm:styleLbl name="parChTrans2D1">
+    <dgm:fillClrLst meth="repeat">
+      <a:schemeClr val="accent1">
+        <a:tint val="60000"/>
+      </a:schemeClr>
+    </dgm:fillClrLst>
+    <dgm:linClrLst meth="repeat">
+      <a:schemeClr val="accent1">
+        <a:tint val="60000"/>
+      </a:schemeClr>
+    </dgm:linClrLst>
+    <dgm:effectClrLst/>
+    <dgm:txLinClrLst/>
+    <dgm:txFillClrLst meth="repeat">
+      <a:schemeClr val="lt1"/>
+    </dgm:txFillClrLst>
+    <dgm:txEffectClrLst/>
+  </dgm:styleLbl>
+  <dgm:styleLbl name="parChTrans2D2">
+    <dgm:fillClrLst meth="repeat">
+      <a:schemeClr val="accent1"/>
+    </dgm:fillClrLst>
+    <dgm:linClrLst meth="repeat">
+      <a:schemeClr val="accent1"/>
+    </dgm:linClrLst>
+    <dgm:effectClrLst/>
+    <dgm:txLinClrLst/>
+    <dgm:txFillClrLst meth="repeat">
+      <a:schemeClr val="lt1"/>
+    </dgm:txFillClrLst>
+    <dgm:txEffectClrLst/>
+  </dgm:styleLbl>
+  <dgm:styleLbl name="parChTrans2D3">
+    <dgm:fillClrLst meth="repeat">
+      <a:schemeClr val="accent1"/>
+    </dgm:fillClrLst>
+    <dgm:linClrLst meth="repeat">
+      <a:schemeClr val="accent1"/>
+    </dgm:linClrLst>
+    <dgm:effectClrLst/>
+    <dgm:txLinClrLst/>
+    <dgm:txFillClrLst meth="repeat">
+      <a:schemeClr val="lt1"/>
+    </dgm:txFillClrLst>
+    <dgm:txEffectClrLst/>
+  </dgm:styleLbl>
+  <dgm:styleLbl name="parChTrans2D4">
+    <dgm:fillClrLst meth="repeat">
+      <a:schemeClr val="accent1"/>
+    </dgm:fillClrLst>
+    <dgm:linClrLst meth="repeat">
+      <a:schemeClr val="accent1"/>
+    </dgm:linClrLst>
+    <dgm:effectClrLst/>
+    <dgm:txLinClrLst/>
+    <dgm:txFillClrLst meth="repeat">
+      <a:schemeClr val="lt1"/>
+    </dgm:txFillClrLst>
+    <dgm:txEffectClrLst/>
+  </dgm:styleLbl>
+  <dgm:styleLbl name="parChTrans1D1">
+    <dgm:fillClrLst meth="repeat">
+      <a:schemeClr val="accent1"/>
+    </dgm:fillClrLst>
+    <dgm:linClrLst meth="repeat">
+      <a:schemeClr val="accent1">
+        <a:shade val="60000"/>
+      </a:schemeClr>
+    </dgm:linClrLst>
+    <dgm:effectClrLst/>
+    <dgm:txLinClrLst/>
+    <dgm:txFillClrLst meth="repeat">
+      <a:schemeClr val="tx1"/>
+    </dgm:txFillClrLst>
+    <dgm:txEffectClrLst/>
+  </dgm:styleLbl>
+  <dgm:styleLbl name="parChTrans1D2">
+    <dgm:fillClrLst meth="repeat">
+      <a:schemeClr val="accent1"/>
+    </dgm:fillClrLst>
+    <dgm:linClrLst meth="repeat">
+      <a:schemeClr val="accent1">
+        <a:shade val="60000"/>
+      </a:schemeClr>
+    </dgm:linClrLst>
+    <dgm:effectClrLst/>
+    <dgm:txLinClrLst/>
+    <dgm:txFillClrLst meth="repeat">
+      <a:schemeClr val="tx1"/>
+    </dgm:txFillClrLst>
+    <dgm:txEffectClrLst/>
+  </dgm:styleLbl>
+  <dgm:styleLbl name="parChTrans1D3">
+    <dgm:fillClrLst meth="repeat">
+      <a:schemeClr val="accent1"/>
+    </dgm:fillClrLst>
+    <dgm:linClrLst meth="repeat">
+      <a:schemeClr val="accent1">
+        <a:shade val="80000"/>
+      </a:schemeClr>
+    </dgm:linClrLst>
+    <dgm:effectClrLst/>
+    <dgm:txLinClrLst/>
+    <dgm:txFillClrLst meth="repeat">
+      <a:schemeClr val="tx1"/>
+    </dgm:txFillClrLst>
+    <dgm:txEffectClrLst/>
+  </dgm:styleLbl>
+  <dgm:styleLbl name="parChTrans1D4">
+    <dgm:fillClrLst meth="repeat">
+      <a:schemeClr val="accent1"/>
+    </dgm:fillClrLst>
+    <dgm:linClrLst meth="repeat">
+      <a:schemeClr val="accent1">
+        <a:shade val="80000"/>
+      </a:schemeClr>
+    </dgm:linClrLst>
+    <dgm:effectClrLst/>
+    <dgm:txLinClrLst/>
+    <dgm:txFillClrLst meth="repeat">
+      <a:schemeClr val="tx1"/>
+    </dgm:txFillClrLst>
+    <dgm:txEffectClrLst/>
+  </dgm:styleLbl>
+  <dgm:styleLbl name="fgAcc1">
+    <dgm:fillClrLst meth="repeat">
+      <a:schemeClr val="lt1">
+        <a:alpha val="90000"/>
+      </a:schemeClr>
+    </dgm:fillClrLst>
+    <dgm:linClrLst meth="repeat">
+      <a:schemeClr val="accent1"/>
+    </dgm:linClrLst>
+    <dgm:effectClrLst/>
+    <dgm:txLinClrLst/>
+    <dgm:txFillClrLst meth="repeat">
+      <a:schemeClr val="dk1"/>
+    </dgm:txFillClrLst>
+    <dgm:txEffectClrLst/>
+  </dgm:styleLbl>
+  <dgm:styleLbl name="conFgAcc1">
+    <dgm:fillClrLst meth="repeat">
+      <a:schemeClr val="lt1">
+        <a:alpha val="90000"/>
+      </a:schemeClr>
+    </dgm:fillClrLst>
+    <dgm:linClrLst meth="repeat">
+      <a:schemeClr val="accent1"/>
+    </dgm:linClrLst>
+    <dgm:effectClrLst/>
+    <dgm:txLinClrLst/>
+    <dgm:txFillClrLst meth="repeat">
+      <a:schemeClr val="dk1"/>
+    </dgm:txFillClrLst>
+    <dgm:txEffectClrLst/>
+  </dgm:styleLbl>
+  <dgm:styleLbl name="alignAcc1">
+    <dgm:fillClrLst meth="repeat">
+      <a:schemeClr val="lt1">
+        <a:alpha val="90000"/>
+      </a:schemeClr>
+    </dgm:fillClrLst>
+    <dgm:linClrLst meth="repeat">
+      <a:schemeClr val="accent1"/>
+    </dgm:linClrLst>
+    <dgm:effectClrLst/>
+    <dgm:txLinClrLst/>
+    <dgm:txFillClrLst meth="repeat">
+      <a:schemeClr val="dk1"/>
+    </dgm:txFillClrLst>
+    <dgm:txEffectClrLst/>
+  </dgm:styleLbl>
+  <dgm:styleLbl name="trAlignAcc1">
+    <dgm:fillClrLst meth="repeat">
+      <a:schemeClr val="lt1">
+        <a:alpha val="40000"/>
+      </a:schemeClr>
+    </dgm:fillClrLst>
+    <dgm:linClrLst meth="repeat">
+      <a:schemeClr val="accent1"/>
+    </dgm:linClrLst>
+    <dgm:effectClrLst/>
+    <dgm:txLinClrLst/>
+    <dgm:txFillClrLst meth="repeat">
+      <a:schemeClr val="dk1"/>
+    </dgm:txFillClrLst>
+    <dgm:txEffectClrLst/>
+  </dgm:styleLbl>
+  <dgm:styleLbl name="bgAcc1">
+    <dgm:fillClrLst meth="repeat">
+      <a:schemeClr val="lt1">
+        <a:alpha val="90000"/>
+      </a:schemeClr>
+    </dgm:fillClrLst>
+    <dgm:linClrLst meth="repeat">
+      <a:schemeClr val="accent1"/>
+    </dgm:linClrLst>
+    <dgm:effectClrLst/>
+    <dgm:txLinClrLst/>
+    <dgm:txFillClrLst meth="repeat">
+      <a:schemeClr val="dk1"/>
+    </dgm:txFillClrLst>
+    <dgm:txEffectClrLst/>
+  </dgm:styleLbl>
+  <dgm:styleLbl name="solidFgAcc1">
+    <dgm:fillClrLst meth="repeat">
+      <a:schemeClr val="lt1"/>
+    </dgm:fillClrLst>
+    <dgm:linClrLst meth="repeat">
+      <a:schemeClr val="accent1"/>
+    </dgm:linClrLst>
+    <dgm:effectClrLst/>
+    <dgm:txLinClrLst/>
+    <dgm:txFillClrLst meth="repeat">
+      <a:schemeClr val="dk1"/>
+    </dgm:txFillClrLst>
+    <dgm:txEffectClrLst/>
+  </dgm:styleLbl>
+  <dgm:styleLbl name="solidAlignAcc1">
+    <dgm:fillClrLst meth="repeat">
+      <a:schemeClr val="lt1"/>
+    </dgm:fillClrLst>
+    <dgm:linClrLst meth="repeat">
+      <a:schemeClr val="accent1"/>
+    </dgm:linClrLst>
+    <dgm:effectClrLst/>
+    <dgm:txLinClrLst/>
+    <dgm:txFillClrLst meth="repeat">
+      <a:schemeClr val="dk1"/>
+    </dgm:txFillClrLst>
+    <dgm:txEffectClrLst/>
+  </dgm:styleLbl>
+  <dgm:styleLbl name="solidBgAcc1">
+    <dgm:fillClrLst meth="repeat">
+      <a:schemeClr val="lt1"/>
+    </dgm:fillClrLst>
+    <dgm:linClrLst meth="repeat">
+      <a:schemeClr val="accent1"/>
+    </dgm:linClrLst>
+    <dgm:effectClrLst/>
+    <dgm:txLinClrLst/>
+    <dgm:txFillClrLst meth="repeat">
+      <a:schemeClr val="dk1"/>
+    </dgm:txFillClrLst>
+    <dgm:txEffectClrLst/>
+  </dgm:styleLbl>
+  <dgm:styleLbl name="fgAccFollowNode1">
+    <dgm:fillClrLst meth="repeat">
+      <a:schemeClr val="accent1">
+        <a:alpha val="90000"/>
+        <a:tint val="40000"/>
+      </a:schemeClr>
+    </dgm:fillClrLst>
+    <dgm:linClrLst meth="repeat">
+      <a:schemeClr val="accent1">
+        <a:alpha val="90000"/>
+        <a:tint val="40000"/>
+      </a:schemeClr>
+    </dgm:linClrLst>
+    <dgm:effectClrLst/>
+    <dgm:txLinClrLst/>
+    <dgm:txFillClrLst meth="repeat">
+      <a:schemeClr val="dk1"/>
+    </dgm:txFillClrLst>
+    <dgm:txEffectClrLst/>
+  </dgm:styleLbl>
+  <dgm:styleLbl name="alignAccFollowNode1">
+    <dgm:fillClrLst meth="repeat">
+      <a:schemeClr val="accent1">
+        <a:alpha val="90000"/>
+        <a:tint val="40000"/>
+      </a:schemeClr>
+    </dgm:fillClrLst>
+    <dgm:linClrLst meth="repeat">
+      <a:schemeClr val="accent1">
+        <a:alpha val="90000"/>
+        <a:tint val="40000"/>
+      </a:schemeClr>
+    </dgm:linClrLst>
+    <dgm:effectClrLst/>
+    <dgm:txLinClrLst/>
+    <dgm:txFillClrLst meth="repeat">
+      <a:schemeClr val="dk1"/>
+    </dgm:txFillClrLst>
+    <dgm:txEffectClrLst/>
+  </dgm:styleLbl>
+  <dgm:styleLbl name="bgAccFollowNode1">
+    <dgm:fillClrLst meth="repeat">
+      <a:schemeClr val="accent1">
+        <a:alpha val="90000"/>
+        <a:tint val="40000"/>
+      </a:schemeClr>
+    </dgm:fillClrLst>
+    <dgm:linClrLst meth="repeat">
+      <a:schemeClr val="accent1">
+        <a:alpha val="90000"/>
+        <a:tint val="40000"/>
+      </a:schemeClr>
+    </dgm:linClrLst>
+    <dgm:effectClrLst/>
+    <dgm:txLinClrLst/>
+    <dgm:txFillClrLst meth="repeat">
+      <a:schemeClr val="dk1"/>
+    </dgm:txFillClrLst>
+    <dgm:txEffectClrLst/>
+  </dgm:styleLbl>
+  <dgm:styleLbl name="fgAcc0">
+    <dgm:fillClrLst meth="repeat">
+      <a:schemeClr val="lt1">
+        <a:alpha val="90000"/>
+      </a:schemeClr>
+    </dgm:fillClrLst>
+    <dgm:linClrLst meth="repeat">
+      <a:schemeClr val="accent1"/>
+    </dgm:linClrLst>
+    <dgm:effectClrLst/>
+    <dgm:txLinClrLst/>
+    <dgm:txFillClrLst meth="repeat">
+      <a:schemeClr val="dk1"/>
+    </dgm:txFillClrLst>
+    <dgm:txEffectClrLst/>
+  </dgm:styleLbl>
+  <dgm:styleLbl name="fgAcc2">
+    <dgm:fillClrLst meth="repeat">
+      <a:schemeClr val="lt1">
+        <a:alpha val="90000"/>
+      </a:schemeClr>
+    </dgm:fillClrLst>
+    <dgm:linClrLst meth="repeat">
+      <a:schemeClr val="accent1"/>
+    </dgm:linClrLst>
+    <dgm:effectClrLst/>
+    <dgm:txLinClrLst/>
+    <dgm:txFillClrLst meth="repeat">
+      <a:schemeClr val="dk1"/>
+    </dgm:txFillClrLst>
+    <dgm:txEffectClrLst/>
+  </dgm:styleLbl>
+  <dgm:styleLbl name="fgAcc3">
+    <dgm:fillClrLst meth="repeat">
+      <a:schemeClr val="lt1">
+        <a:alpha val="90000"/>
+      </a:schemeClr>
+    </dgm:fillClrLst>
+    <dgm:linClrLst meth="repeat">
+      <a:schemeClr val="accent1"/>
+    </dgm:linClrLst>
+    <dgm:effectClrLst/>
+    <dgm:txLinClrLst/>
+    <dgm:txFillClrLst meth="repeat">
+      <a:schemeClr val="dk1"/>
+    </dgm:txFillClrLst>
+    <dgm:txEffectClrLst/>
+  </dgm:styleLbl>
+  <dgm:styleLbl name="fgAcc4">
+    <dgm:fillClrLst meth="repeat">
+      <a:schemeClr val="lt1">
+        <a:alpha val="90000"/>
+      </a:schemeClr>
+    </dgm:fillClrLst>
+    <dgm:linClrLst meth="repeat">
+      <a:schemeClr val="accent1"/>
+    </dgm:linClrLst>
+    <dgm:effectClrLst/>
+    <dgm:txLinClrLst/>
+    <dgm:txFillClrLst meth="repeat">
+      <a:schemeClr val="dk1"/>
+    </dgm:txFillClrLst>
+    <dgm:txEffectClrLst/>
+  </dgm:styleLbl>
+  <dgm:styleLbl name="bgShp">
+    <dgm:fillClrLst meth="repeat">
+      <a:schemeClr val="accent1">
+        <a:tint val="40000"/>
+      </a:schemeClr>
+    </dgm:fillClrLst>
+    <dgm:linClrLst meth="repeat">
+      <a:schemeClr val="accent1"/>
+    </dgm:linClrLst>
+    <dgm:effectClrLst/>
+    <dgm:txLinClrLst/>
+    <dgm:txFillClrLst meth="repeat">
+      <a:schemeClr val="dk1"/>
+    </dgm:txFillClrLst>
+    <dgm:txEffectClrLst/>
+  </dgm:styleLbl>
+  <dgm:styleLbl name="dkBgShp">
+    <dgm:fillClrLst meth="repeat">
+      <a:schemeClr val="accent1">
+        <a:shade val="80000"/>
+      </a:schemeClr>
+    </dgm:fillClrLst>
+    <dgm:linClrLst meth="repeat">
+      <a:schemeClr val="accent1"/>
+    </dgm:linClrLst>
+    <dgm:effectClrLst/>
+    <dgm:txLinClrLst/>
+    <dgm:txFillClrLst meth="repeat">
+      <a:schemeClr val="lt1"/>
+    </dgm:txFillClrLst>
+    <dgm:txEffectClrLst/>
+  </dgm:styleLbl>
+  <dgm:styleLbl name="trBgShp">
+    <dgm:fillClrLst meth="repeat">
+      <a:schemeClr val="accent1">
+        <a:tint val="50000"/>
+        <a:alpha val="40000"/>
+      </a:schemeClr>
+    </dgm:fillClrLst>
+    <dgm:linClrLst meth="repeat">
+      <a:schemeClr val="accent1"/>
+    </dgm:linClrLst>
+    <dgm:effectClrLst/>
+    <dgm:txLinClrLst/>
+    <dgm:txFillClrLst meth="repeat">
+      <a:schemeClr val="lt1"/>
+    </dgm:txFillClrLst>
+    <dgm:txEffectClrLst/>
+  </dgm:styleLbl>
+  <dgm:styleLbl name="fgShp">
+    <dgm:fillClrLst meth="repeat">
+      <a:schemeClr val="accent1">
+        <a:tint val="60000"/>
+      </a:schemeClr>
+    </dgm:fillClrLst>
+    <dgm:linClrLst meth="repeat">
+      <a:schemeClr val="lt1"/>
+    </dgm:linClrLst>
+    <dgm:effectClrLst/>
+    <dgm:txLinClrLst/>
+    <dgm:txFillClrLst meth="repeat">
+      <a:schemeClr val="dk1"/>
+    </dgm:txFillClrLst>
+    <dgm:txEffectClrLst/>
+  </dgm:styleLbl>
+  <dgm:styleLbl name="revTx">
+    <dgm:fillClrLst meth="repeat">
+      <a:schemeClr val="lt1">
+        <a:alpha val="0"/>
+      </a:schemeClr>
+    </dgm:fillClrLst>
+    <dgm:linClrLst meth="repeat">
+      <a:schemeClr val="dk1">
+        <a:alpha val="0"/>
+      </a:schemeClr>
+    </dgm:linClrLst>
+    <dgm:effectClrLst/>
+    <dgm:txLinClrLst/>
+    <dgm:txFillClrLst meth="repeat">
+      <a:schemeClr val="tx1"/>
+    </dgm:txFillClrLst>
+    <dgm:txEffectClrLst/>
+  </dgm:styleLbl>
+</dgm:colorsDef>
+</file>
+
+<file path=ppt/diagrams/colors7.xml><?xml version="1.0" encoding="utf-8"?>
 <dgm:colorsDef xmlns:dgm="http://schemas.openxmlformats.org/drawingml/2006/diagram" xmlns:a="http://schemas.openxmlformats.org/drawingml/2006/main" uniqueId="urn:microsoft.com/office/officeart/2005/8/colors/accent1_2">
   <dgm:title val=""/>
   <dgm:desc val=""/>
@@ -5124,7 +6618,7 @@
         <a:lstStyle/>
         <a:p>
           <a:r>
-            <a:rPr lang="pt-BR"/>
+            <a:rPr lang="pt-BR" dirty="0"/>
             <a:t>Estudos de gamificação no contexto brasileiro</a:t>
           </a:r>
         </a:p>
@@ -5360,6 +6854,445 @@
 </file>
 
 <file path=ppt/diagrams/data4.xml><?xml version="1.0" encoding="utf-8"?>
+<dgm:dataModel xmlns:dgm="http://schemas.openxmlformats.org/drawingml/2006/diagram" xmlns:a="http://schemas.openxmlformats.org/drawingml/2006/main">
+  <dgm:ptLst>
+    <dgm:pt modelId="{9A1CDD8B-B0DB-4F36-BBC6-73B7CA903C52}" type="doc">
+      <dgm:prSet loTypeId="urn:microsoft.com/office/officeart/2005/8/layout/process1" loCatId="process" qsTypeId="urn:microsoft.com/office/officeart/2005/8/quickstyle/simple1" qsCatId="simple" csTypeId="urn:microsoft.com/office/officeart/2005/8/colors/accent1_2" csCatId="accent1"/>
+      <dgm:spPr/>
+      <dgm:t>
+        <a:bodyPr/>
+        <a:lstStyle/>
+        <a:p>
+          <a:endParaRPr lang="pt-BR"/>
+        </a:p>
+      </dgm:t>
+    </dgm:pt>
+    <dgm:pt modelId="{B91BF90C-97DC-481F-B95B-765C921028BF}">
+      <dgm:prSet/>
+      <dgm:spPr/>
+      <dgm:t>
+        <a:bodyPr/>
+        <a:lstStyle/>
+        <a:p>
+          <a:r>
+            <a:rPr lang="pt-BR" b="1"/>
+            <a:t>Pesquisa Descritiva</a:t>
+          </a:r>
+          <a:br>
+            <a:rPr lang="pt-BR"/>
+          </a:br>
+          <a:r>
+            <a:rPr lang="pt-BR"/>
+            <a:t>Mapeamento das características da plataforma.</a:t>
+          </a:r>
+        </a:p>
+      </dgm:t>
+    </dgm:pt>
+    <dgm:pt modelId="{97518037-3387-4222-9A32-43EDD896A47F}" type="parTrans" cxnId="{D181FB81-4CF0-47A2-8C37-C608467018D2}">
+      <dgm:prSet/>
+      <dgm:spPr/>
+      <dgm:t>
+        <a:bodyPr/>
+        <a:lstStyle/>
+        <a:p>
+          <a:endParaRPr lang="pt-BR"/>
+        </a:p>
+      </dgm:t>
+    </dgm:pt>
+    <dgm:pt modelId="{25681841-A14D-4BD8-9EAE-A0AEC9340D11}" type="sibTrans" cxnId="{D181FB81-4CF0-47A2-8C37-C608467018D2}">
+      <dgm:prSet/>
+      <dgm:spPr/>
+      <dgm:t>
+        <a:bodyPr/>
+        <a:lstStyle/>
+        <a:p>
+          <a:endParaRPr lang="pt-BR"/>
+        </a:p>
+      </dgm:t>
+    </dgm:pt>
+    <dgm:pt modelId="{E861A6CD-2058-4F13-A491-68A8EAE49DB0}">
+      <dgm:prSet/>
+      <dgm:spPr/>
+      <dgm:t>
+        <a:bodyPr/>
+        <a:lstStyle/>
+        <a:p>
+          <a:r>
+            <a:rPr lang="pt-BR" b="1"/>
+            <a:t>Pesquisa Exploratória</a:t>
+          </a:r>
+          <a:br>
+            <a:rPr lang="pt-BR"/>
+          </a:br>
+          <a:r>
+            <a:rPr lang="pt-BR"/>
+            <a:t>Investigação inicial para identificar problemas de evasão e engajamento em materiais teóricos e relatórios do IBGE e Instituto Ayrton Senna.</a:t>
+          </a:r>
+        </a:p>
+      </dgm:t>
+    </dgm:pt>
+    <dgm:pt modelId="{BA00247D-D39A-4E86-85CE-BE02589F35E1}" type="parTrans" cxnId="{242BCDDD-29AB-48C8-8683-1A9326A932D9}">
+      <dgm:prSet/>
+      <dgm:spPr/>
+      <dgm:t>
+        <a:bodyPr/>
+        <a:lstStyle/>
+        <a:p>
+          <a:endParaRPr lang="pt-BR"/>
+        </a:p>
+      </dgm:t>
+    </dgm:pt>
+    <dgm:pt modelId="{A384A546-583A-460A-8163-1BECFB078EDC}" type="sibTrans" cxnId="{242BCDDD-29AB-48C8-8683-1A9326A932D9}">
+      <dgm:prSet/>
+      <dgm:spPr/>
+      <dgm:t>
+        <a:bodyPr/>
+        <a:lstStyle/>
+        <a:p>
+          <a:endParaRPr lang="pt-BR"/>
+        </a:p>
+      </dgm:t>
+    </dgm:pt>
+    <dgm:pt modelId="{788D7EC8-D1D0-46FE-B525-6615843FD92F}">
+      <dgm:prSet/>
+      <dgm:spPr/>
+      <dgm:t>
+        <a:bodyPr/>
+        <a:lstStyle/>
+        <a:p>
+          <a:r>
+            <a:rPr lang="pt-BR" b="1"/>
+            <a:t>Estudo de Caso</a:t>
+          </a:r>
+          <a:br>
+            <a:rPr lang="pt-BR"/>
+          </a:br>
+          <a:r>
+            <a:rPr lang="pt-BR"/>
+            <a:t>Aplicações de gamificação no Ensino Médio.</a:t>
+          </a:r>
+        </a:p>
+      </dgm:t>
+    </dgm:pt>
+    <dgm:pt modelId="{5931D913-4C48-4656-AFDF-2359CE7CE94E}" type="parTrans" cxnId="{D6C04FBB-311A-4504-AE32-69741EA3F97C}">
+      <dgm:prSet/>
+      <dgm:spPr/>
+      <dgm:t>
+        <a:bodyPr/>
+        <a:lstStyle/>
+        <a:p>
+          <a:endParaRPr lang="pt-BR"/>
+        </a:p>
+      </dgm:t>
+    </dgm:pt>
+    <dgm:pt modelId="{9C887A63-AE4D-47D3-9877-35BA008D5F6F}" type="sibTrans" cxnId="{D6C04FBB-311A-4504-AE32-69741EA3F97C}">
+      <dgm:prSet/>
+      <dgm:spPr/>
+      <dgm:t>
+        <a:bodyPr/>
+        <a:lstStyle/>
+        <a:p>
+          <a:endParaRPr lang="pt-BR"/>
+        </a:p>
+      </dgm:t>
+    </dgm:pt>
+    <dgm:pt modelId="{037E0C1C-9480-4199-A648-DF42C67DE8B7}" type="pres">
+      <dgm:prSet presAssocID="{9A1CDD8B-B0DB-4F36-BBC6-73B7CA903C52}" presName="Name0" presStyleCnt="0">
+        <dgm:presLayoutVars>
+          <dgm:dir/>
+          <dgm:resizeHandles val="exact"/>
+        </dgm:presLayoutVars>
+      </dgm:prSet>
+      <dgm:spPr/>
+    </dgm:pt>
+    <dgm:pt modelId="{390B2659-679E-4059-A00A-D66E2311C4C1}" type="pres">
+      <dgm:prSet presAssocID="{B91BF90C-97DC-481F-B95B-765C921028BF}" presName="node" presStyleLbl="node1" presStyleIdx="0" presStyleCnt="3">
+        <dgm:presLayoutVars>
+          <dgm:bulletEnabled val="1"/>
+        </dgm:presLayoutVars>
+      </dgm:prSet>
+      <dgm:spPr/>
+    </dgm:pt>
+    <dgm:pt modelId="{42C7F8D2-E209-4713-98EB-6320715D93E7}" type="pres">
+      <dgm:prSet presAssocID="{25681841-A14D-4BD8-9EAE-A0AEC9340D11}" presName="sibTrans" presStyleLbl="sibTrans2D1" presStyleIdx="0" presStyleCnt="2"/>
+      <dgm:spPr/>
+    </dgm:pt>
+    <dgm:pt modelId="{731CFBDD-3CF6-45BB-91F3-67366EE3B6C5}" type="pres">
+      <dgm:prSet presAssocID="{25681841-A14D-4BD8-9EAE-A0AEC9340D11}" presName="connectorText" presStyleLbl="sibTrans2D1" presStyleIdx="0" presStyleCnt="2"/>
+      <dgm:spPr/>
+    </dgm:pt>
+    <dgm:pt modelId="{C4123E72-D0D9-4AD4-807E-5F7B2B74D8B6}" type="pres">
+      <dgm:prSet presAssocID="{E861A6CD-2058-4F13-A491-68A8EAE49DB0}" presName="node" presStyleLbl="node1" presStyleIdx="1" presStyleCnt="3">
+        <dgm:presLayoutVars>
+          <dgm:bulletEnabled val="1"/>
+        </dgm:presLayoutVars>
+      </dgm:prSet>
+      <dgm:spPr/>
+    </dgm:pt>
+    <dgm:pt modelId="{316772EF-D4AD-467C-AA87-364946632CFE}" type="pres">
+      <dgm:prSet presAssocID="{A384A546-583A-460A-8163-1BECFB078EDC}" presName="sibTrans" presStyleLbl="sibTrans2D1" presStyleIdx="1" presStyleCnt="2"/>
+      <dgm:spPr/>
+    </dgm:pt>
+    <dgm:pt modelId="{C36D3685-0406-47B2-83BA-3A7BE3896C38}" type="pres">
+      <dgm:prSet presAssocID="{A384A546-583A-460A-8163-1BECFB078EDC}" presName="connectorText" presStyleLbl="sibTrans2D1" presStyleIdx="1" presStyleCnt="2"/>
+      <dgm:spPr/>
+    </dgm:pt>
+    <dgm:pt modelId="{EFF7DF56-E5C8-436A-B005-86CD97EFF767}" type="pres">
+      <dgm:prSet presAssocID="{788D7EC8-D1D0-46FE-B525-6615843FD92F}" presName="node" presStyleLbl="node1" presStyleIdx="2" presStyleCnt="3">
+        <dgm:presLayoutVars>
+          <dgm:bulletEnabled val="1"/>
+        </dgm:presLayoutVars>
+      </dgm:prSet>
+      <dgm:spPr/>
+    </dgm:pt>
+  </dgm:ptLst>
+  <dgm:cxnLst>
+    <dgm:cxn modelId="{BD73D325-1128-4C1B-859F-E5AB03108368}" type="presOf" srcId="{25681841-A14D-4BD8-9EAE-A0AEC9340D11}" destId="{42C7F8D2-E209-4713-98EB-6320715D93E7}" srcOrd="0" destOrd="0" presId="urn:microsoft.com/office/officeart/2005/8/layout/process1"/>
+    <dgm:cxn modelId="{19569937-B7AD-41B0-AAA8-7A5C027FD768}" type="presOf" srcId="{E861A6CD-2058-4F13-A491-68A8EAE49DB0}" destId="{C4123E72-D0D9-4AD4-807E-5F7B2B74D8B6}" srcOrd="0" destOrd="0" presId="urn:microsoft.com/office/officeart/2005/8/layout/process1"/>
+    <dgm:cxn modelId="{9E8F784B-8CAB-4397-9EC5-5EFB7AA71448}" type="presOf" srcId="{B91BF90C-97DC-481F-B95B-765C921028BF}" destId="{390B2659-679E-4059-A00A-D66E2311C4C1}" srcOrd="0" destOrd="0" presId="urn:microsoft.com/office/officeart/2005/8/layout/process1"/>
+    <dgm:cxn modelId="{D181FB81-4CF0-47A2-8C37-C608467018D2}" srcId="{9A1CDD8B-B0DB-4F36-BBC6-73B7CA903C52}" destId="{B91BF90C-97DC-481F-B95B-765C921028BF}" srcOrd="0" destOrd="0" parTransId="{97518037-3387-4222-9A32-43EDD896A47F}" sibTransId="{25681841-A14D-4BD8-9EAE-A0AEC9340D11}"/>
+    <dgm:cxn modelId="{A1641988-BEF5-4EF1-8669-12AE05CB5BB4}" type="presOf" srcId="{25681841-A14D-4BD8-9EAE-A0AEC9340D11}" destId="{731CFBDD-3CF6-45BB-91F3-67366EE3B6C5}" srcOrd="1" destOrd="0" presId="urn:microsoft.com/office/officeart/2005/8/layout/process1"/>
+    <dgm:cxn modelId="{555D9F9E-AA26-4E25-8ACA-559EBFA5DDA4}" type="presOf" srcId="{A384A546-583A-460A-8163-1BECFB078EDC}" destId="{C36D3685-0406-47B2-83BA-3A7BE3896C38}" srcOrd="1" destOrd="0" presId="urn:microsoft.com/office/officeart/2005/8/layout/process1"/>
+    <dgm:cxn modelId="{3B41A29E-401A-49D1-91C7-B6A149BAD2D0}" type="presOf" srcId="{A384A546-583A-460A-8163-1BECFB078EDC}" destId="{316772EF-D4AD-467C-AA87-364946632CFE}" srcOrd="0" destOrd="0" presId="urn:microsoft.com/office/officeart/2005/8/layout/process1"/>
+    <dgm:cxn modelId="{D6C04FBB-311A-4504-AE32-69741EA3F97C}" srcId="{9A1CDD8B-B0DB-4F36-BBC6-73B7CA903C52}" destId="{788D7EC8-D1D0-46FE-B525-6615843FD92F}" srcOrd="2" destOrd="0" parTransId="{5931D913-4C48-4656-AFDF-2359CE7CE94E}" sibTransId="{9C887A63-AE4D-47D3-9877-35BA008D5F6F}"/>
+    <dgm:cxn modelId="{13D399DA-FEA8-4DA1-8063-0FD1E0377C24}" type="presOf" srcId="{788D7EC8-D1D0-46FE-B525-6615843FD92F}" destId="{EFF7DF56-E5C8-436A-B005-86CD97EFF767}" srcOrd="0" destOrd="0" presId="urn:microsoft.com/office/officeart/2005/8/layout/process1"/>
+    <dgm:cxn modelId="{A11A34DD-1833-4CA8-A630-1853F304086E}" type="presOf" srcId="{9A1CDD8B-B0DB-4F36-BBC6-73B7CA903C52}" destId="{037E0C1C-9480-4199-A648-DF42C67DE8B7}" srcOrd="0" destOrd="0" presId="urn:microsoft.com/office/officeart/2005/8/layout/process1"/>
+    <dgm:cxn modelId="{242BCDDD-29AB-48C8-8683-1A9326A932D9}" srcId="{9A1CDD8B-B0DB-4F36-BBC6-73B7CA903C52}" destId="{E861A6CD-2058-4F13-A491-68A8EAE49DB0}" srcOrd="1" destOrd="0" parTransId="{BA00247D-D39A-4E86-85CE-BE02589F35E1}" sibTransId="{A384A546-583A-460A-8163-1BECFB078EDC}"/>
+    <dgm:cxn modelId="{00C478A6-AF42-4C84-A099-CCBED7A9472F}" type="presParOf" srcId="{037E0C1C-9480-4199-A648-DF42C67DE8B7}" destId="{390B2659-679E-4059-A00A-D66E2311C4C1}" srcOrd="0" destOrd="0" presId="urn:microsoft.com/office/officeart/2005/8/layout/process1"/>
+    <dgm:cxn modelId="{6E84B8D4-7743-42D6-9813-4D48225002BC}" type="presParOf" srcId="{037E0C1C-9480-4199-A648-DF42C67DE8B7}" destId="{42C7F8D2-E209-4713-98EB-6320715D93E7}" srcOrd="1" destOrd="0" presId="urn:microsoft.com/office/officeart/2005/8/layout/process1"/>
+    <dgm:cxn modelId="{9E1C5FCB-063F-4AF6-8545-33B102BBD64C}" type="presParOf" srcId="{42C7F8D2-E209-4713-98EB-6320715D93E7}" destId="{731CFBDD-3CF6-45BB-91F3-67366EE3B6C5}" srcOrd="0" destOrd="0" presId="urn:microsoft.com/office/officeart/2005/8/layout/process1"/>
+    <dgm:cxn modelId="{49AB3CEE-E990-429C-AD15-095FF31AA071}" type="presParOf" srcId="{037E0C1C-9480-4199-A648-DF42C67DE8B7}" destId="{C4123E72-D0D9-4AD4-807E-5F7B2B74D8B6}" srcOrd="2" destOrd="0" presId="urn:microsoft.com/office/officeart/2005/8/layout/process1"/>
+    <dgm:cxn modelId="{27958894-660E-478C-BED2-EF9E7F9ACCF1}" type="presParOf" srcId="{037E0C1C-9480-4199-A648-DF42C67DE8B7}" destId="{316772EF-D4AD-467C-AA87-364946632CFE}" srcOrd="3" destOrd="0" presId="urn:microsoft.com/office/officeart/2005/8/layout/process1"/>
+    <dgm:cxn modelId="{BC492151-7144-4178-A754-BA3349B9DCED}" type="presParOf" srcId="{316772EF-D4AD-467C-AA87-364946632CFE}" destId="{C36D3685-0406-47B2-83BA-3A7BE3896C38}" srcOrd="0" destOrd="0" presId="urn:microsoft.com/office/officeart/2005/8/layout/process1"/>
+    <dgm:cxn modelId="{365FD7CC-D914-40C7-915D-9490D73E6C92}" type="presParOf" srcId="{037E0C1C-9480-4199-A648-DF42C67DE8B7}" destId="{EFF7DF56-E5C8-436A-B005-86CD97EFF767}" srcOrd="4" destOrd="0" presId="urn:microsoft.com/office/officeart/2005/8/layout/process1"/>
+  </dgm:cxnLst>
+  <dgm:bg/>
+  <dgm:whole/>
+  <dgm:extLst>
+    <a:ext uri="http://schemas.microsoft.com/office/drawing/2008/diagram">
+      <dsp:dataModelExt xmlns:dsp="http://schemas.microsoft.com/office/drawing/2008/diagram" relId="rId6" minVer="http://schemas.openxmlformats.org/drawingml/2006/diagram"/>
+    </a:ext>
+  </dgm:extLst>
+</dgm:dataModel>
+</file>
+
+<file path=ppt/diagrams/data5.xml><?xml version="1.0" encoding="utf-8"?>
+<dgm:dataModel xmlns:dgm="http://schemas.openxmlformats.org/drawingml/2006/diagram" xmlns:a="http://schemas.openxmlformats.org/drawingml/2006/main">
+  <dgm:ptLst>
+    <dgm:pt modelId="{9F1D7DBC-C648-4BF9-B463-9BB5FC7D31C5}" type="doc">
+      <dgm:prSet loTypeId="urn:microsoft.com/office/officeart/2005/8/layout/vList2" loCatId="list" qsTypeId="urn:microsoft.com/office/officeart/2005/8/quickstyle/simple1" qsCatId="simple" csTypeId="urn:microsoft.com/office/officeart/2005/8/colors/accent1_2" csCatId="accent1"/>
+      <dgm:spPr/>
+      <dgm:t>
+        <a:bodyPr/>
+        <a:lstStyle/>
+        <a:p>
+          <a:endParaRPr lang="pt-BR"/>
+        </a:p>
+      </dgm:t>
+    </dgm:pt>
+    <dgm:pt modelId="{C99D5403-2B04-450C-8B7C-9B438C5D122F}">
+      <dgm:prSet/>
+      <dgm:spPr/>
+      <dgm:t>
+        <a:bodyPr/>
+        <a:lstStyle/>
+        <a:p>
+          <a:r>
+            <a:rPr lang="pt-BR" b="1"/>
+            <a:t>Local</a:t>
+          </a:r>
+          <a:r>
+            <a:rPr lang="pt-BR"/>
+            <a:t>:</a:t>
+          </a:r>
+          <a:br>
+            <a:rPr lang="pt-BR"/>
+          </a:br>
+          <a:r>
+            <a:rPr lang="pt-BR"/>
+            <a:t>Liceu Santista (Santos/SP) — laboratórios de informática e salas de aula.</a:t>
+          </a:r>
+        </a:p>
+      </dgm:t>
+    </dgm:pt>
+    <dgm:pt modelId="{1DFF5051-754E-44B7-987C-67DB09DEEA44}" type="parTrans" cxnId="{631418C1-69C3-4FEC-AF59-3005920CFBCE}">
+      <dgm:prSet/>
+      <dgm:spPr/>
+      <dgm:t>
+        <a:bodyPr/>
+        <a:lstStyle/>
+        <a:p>
+          <a:endParaRPr lang="pt-BR"/>
+        </a:p>
+      </dgm:t>
+    </dgm:pt>
+    <dgm:pt modelId="{4ED412A6-E293-4D3D-B889-D1830177DB04}" type="sibTrans" cxnId="{631418C1-69C3-4FEC-AF59-3005920CFBCE}">
+      <dgm:prSet/>
+      <dgm:spPr/>
+      <dgm:t>
+        <a:bodyPr/>
+        <a:lstStyle/>
+        <a:p>
+          <a:endParaRPr lang="pt-BR"/>
+        </a:p>
+      </dgm:t>
+    </dgm:pt>
+    <dgm:pt modelId="{C190F2D5-4FE2-480B-8EE8-8B3853492771}">
+      <dgm:prSet/>
+      <dgm:spPr/>
+      <dgm:t>
+        <a:bodyPr/>
+        <a:lstStyle/>
+        <a:p>
+          <a:r>
+            <a:rPr lang="pt-BR" b="1" dirty="0"/>
+            <a:t>Participantes:</a:t>
+          </a:r>
+          <a:br>
+            <a:rPr lang="pt-BR" dirty="0"/>
+          </a:br>
+          <a:r>
+            <a:rPr lang="pt-BR" dirty="0"/>
+            <a:t>Alunos: turma-piloto de 2ª série 16 alunos, selecionados por conveniência.</a:t>
+          </a:r>
+        </a:p>
+      </dgm:t>
+    </dgm:pt>
+    <dgm:pt modelId="{69C84E87-8367-4566-B511-65050521BA5F}" type="parTrans" cxnId="{88C93B39-781A-4817-BD96-B9C5C26CB419}">
+      <dgm:prSet/>
+      <dgm:spPr/>
+      <dgm:t>
+        <a:bodyPr/>
+        <a:lstStyle/>
+        <a:p>
+          <a:endParaRPr lang="pt-BR"/>
+        </a:p>
+      </dgm:t>
+    </dgm:pt>
+    <dgm:pt modelId="{BE2FB544-384F-4CD7-95F3-90BB97C9B406}" type="sibTrans" cxnId="{88C93B39-781A-4817-BD96-B9C5C26CB419}">
+      <dgm:prSet/>
+      <dgm:spPr/>
+      <dgm:t>
+        <a:bodyPr/>
+        <a:lstStyle/>
+        <a:p>
+          <a:endParaRPr lang="pt-BR"/>
+        </a:p>
+      </dgm:t>
+    </dgm:pt>
+    <dgm:pt modelId="{FD468714-E001-4408-9943-20FD0E7EE9D2}">
+      <dgm:prSet/>
+      <dgm:spPr/>
+      <dgm:t>
+        <a:bodyPr/>
+        <a:lstStyle/>
+        <a:p>
+          <a:r>
+            <a:rPr lang="pt-BR" b="1"/>
+            <a:t>Período:</a:t>
+          </a:r>
+          <a:br>
+            <a:rPr lang="pt-BR"/>
+          </a:br>
+          <a:r>
+            <a:rPr lang="pt-BR"/>
+            <a:t>Dia 29 de maio de 2025, durante o período da tarde, teste em laboratório de informática</a:t>
+          </a:r>
+        </a:p>
+      </dgm:t>
+    </dgm:pt>
+    <dgm:pt modelId="{37A88489-5B00-4627-A9C2-E6A148FE323C}" type="parTrans" cxnId="{89706780-ED08-4606-A405-3119AAF8A8AA}">
+      <dgm:prSet/>
+      <dgm:spPr/>
+      <dgm:t>
+        <a:bodyPr/>
+        <a:lstStyle/>
+        <a:p>
+          <a:endParaRPr lang="pt-BR"/>
+        </a:p>
+      </dgm:t>
+    </dgm:pt>
+    <dgm:pt modelId="{A77BD1E0-F2C5-4955-A4F9-E73FE4567C98}" type="sibTrans" cxnId="{89706780-ED08-4606-A405-3119AAF8A8AA}">
+      <dgm:prSet/>
+      <dgm:spPr/>
+      <dgm:t>
+        <a:bodyPr/>
+        <a:lstStyle/>
+        <a:p>
+          <a:endParaRPr lang="pt-BR"/>
+        </a:p>
+      </dgm:t>
+    </dgm:pt>
+    <dgm:pt modelId="{12270E4E-2A2D-4614-BD42-F73EB8947364}" type="pres">
+      <dgm:prSet presAssocID="{9F1D7DBC-C648-4BF9-B463-9BB5FC7D31C5}" presName="linear" presStyleCnt="0">
+        <dgm:presLayoutVars>
+          <dgm:animLvl val="lvl"/>
+          <dgm:resizeHandles val="exact"/>
+        </dgm:presLayoutVars>
+      </dgm:prSet>
+      <dgm:spPr/>
+    </dgm:pt>
+    <dgm:pt modelId="{7D159695-87EE-4BFB-94F7-23B620A9BFB3}" type="pres">
+      <dgm:prSet presAssocID="{C99D5403-2B04-450C-8B7C-9B438C5D122F}" presName="parentText" presStyleLbl="node1" presStyleIdx="0" presStyleCnt="3">
+        <dgm:presLayoutVars>
+          <dgm:chMax val="0"/>
+          <dgm:bulletEnabled val="1"/>
+        </dgm:presLayoutVars>
+      </dgm:prSet>
+      <dgm:spPr/>
+    </dgm:pt>
+    <dgm:pt modelId="{A3E04AF5-45E7-4F61-A0CD-3140E7E87BF5}" type="pres">
+      <dgm:prSet presAssocID="{4ED412A6-E293-4D3D-B889-D1830177DB04}" presName="spacer" presStyleCnt="0"/>
+      <dgm:spPr/>
+    </dgm:pt>
+    <dgm:pt modelId="{81076F57-CBC2-4EF2-93FA-D339AC2465A5}" type="pres">
+      <dgm:prSet presAssocID="{C190F2D5-4FE2-480B-8EE8-8B3853492771}" presName="parentText" presStyleLbl="node1" presStyleIdx="1" presStyleCnt="3">
+        <dgm:presLayoutVars>
+          <dgm:chMax val="0"/>
+          <dgm:bulletEnabled val="1"/>
+        </dgm:presLayoutVars>
+      </dgm:prSet>
+      <dgm:spPr/>
+    </dgm:pt>
+    <dgm:pt modelId="{933A3A80-A24C-498C-9168-F5577CDAB0F7}" type="pres">
+      <dgm:prSet presAssocID="{BE2FB544-384F-4CD7-95F3-90BB97C9B406}" presName="spacer" presStyleCnt="0"/>
+      <dgm:spPr/>
+    </dgm:pt>
+    <dgm:pt modelId="{9F47FD0E-A45C-44E4-A5BF-CFC269D99FC7}" type="pres">
+      <dgm:prSet presAssocID="{FD468714-E001-4408-9943-20FD0E7EE9D2}" presName="parentText" presStyleLbl="node1" presStyleIdx="2" presStyleCnt="3">
+        <dgm:presLayoutVars>
+          <dgm:chMax val="0"/>
+          <dgm:bulletEnabled val="1"/>
+        </dgm:presLayoutVars>
+      </dgm:prSet>
+      <dgm:spPr/>
+    </dgm:pt>
+  </dgm:ptLst>
+  <dgm:cxnLst>
+    <dgm:cxn modelId="{88C93B39-781A-4817-BD96-B9C5C26CB419}" srcId="{9F1D7DBC-C648-4BF9-B463-9BB5FC7D31C5}" destId="{C190F2D5-4FE2-480B-8EE8-8B3853492771}" srcOrd="1" destOrd="0" parTransId="{69C84E87-8367-4566-B511-65050521BA5F}" sibTransId="{BE2FB544-384F-4CD7-95F3-90BB97C9B406}"/>
+    <dgm:cxn modelId="{8785865E-7B38-4C5D-B987-914CD066EDED}" type="presOf" srcId="{FD468714-E001-4408-9943-20FD0E7EE9D2}" destId="{9F47FD0E-A45C-44E4-A5BF-CFC269D99FC7}" srcOrd="0" destOrd="0" presId="urn:microsoft.com/office/officeart/2005/8/layout/vList2"/>
+    <dgm:cxn modelId="{89706780-ED08-4606-A405-3119AAF8A8AA}" srcId="{9F1D7DBC-C648-4BF9-B463-9BB5FC7D31C5}" destId="{FD468714-E001-4408-9943-20FD0E7EE9D2}" srcOrd="2" destOrd="0" parTransId="{37A88489-5B00-4627-A9C2-E6A148FE323C}" sibTransId="{A77BD1E0-F2C5-4955-A4F9-E73FE4567C98}"/>
+    <dgm:cxn modelId="{07BD1188-0F98-4D76-B70B-EF42FDC357D5}" type="presOf" srcId="{9F1D7DBC-C648-4BF9-B463-9BB5FC7D31C5}" destId="{12270E4E-2A2D-4614-BD42-F73EB8947364}" srcOrd="0" destOrd="0" presId="urn:microsoft.com/office/officeart/2005/8/layout/vList2"/>
+    <dgm:cxn modelId="{1D0B329F-F016-4E02-8A83-AAD1CC08CACB}" type="presOf" srcId="{C99D5403-2B04-450C-8B7C-9B438C5D122F}" destId="{7D159695-87EE-4BFB-94F7-23B620A9BFB3}" srcOrd="0" destOrd="0" presId="urn:microsoft.com/office/officeart/2005/8/layout/vList2"/>
+    <dgm:cxn modelId="{631418C1-69C3-4FEC-AF59-3005920CFBCE}" srcId="{9F1D7DBC-C648-4BF9-B463-9BB5FC7D31C5}" destId="{C99D5403-2B04-450C-8B7C-9B438C5D122F}" srcOrd="0" destOrd="0" parTransId="{1DFF5051-754E-44B7-987C-67DB09DEEA44}" sibTransId="{4ED412A6-E293-4D3D-B889-D1830177DB04}"/>
+    <dgm:cxn modelId="{8C6096E4-12E9-419A-8670-7A74F337AC0A}" type="presOf" srcId="{C190F2D5-4FE2-480B-8EE8-8B3853492771}" destId="{81076F57-CBC2-4EF2-93FA-D339AC2465A5}" srcOrd="0" destOrd="0" presId="urn:microsoft.com/office/officeart/2005/8/layout/vList2"/>
+    <dgm:cxn modelId="{9520930A-D592-4E92-84DC-EC61CF9488E2}" type="presParOf" srcId="{12270E4E-2A2D-4614-BD42-F73EB8947364}" destId="{7D159695-87EE-4BFB-94F7-23B620A9BFB3}" srcOrd="0" destOrd="0" presId="urn:microsoft.com/office/officeart/2005/8/layout/vList2"/>
+    <dgm:cxn modelId="{B3039FFC-67D7-45EB-8F47-C7BD226A2D79}" type="presParOf" srcId="{12270E4E-2A2D-4614-BD42-F73EB8947364}" destId="{A3E04AF5-45E7-4F61-A0CD-3140E7E87BF5}" srcOrd="1" destOrd="0" presId="urn:microsoft.com/office/officeart/2005/8/layout/vList2"/>
+    <dgm:cxn modelId="{85994F00-4F08-4DC7-89A2-8C09072B4F96}" type="presParOf" srcId="{12270E4E-2A2D-4614-BD42-F73EB8947364}" destId="{81076F57-CBC2-4EF2-93FA-D339AC2465A5}" srcOrd="2" destOrd="0" presId="urn:microsoft.com/office/officeart/2005/8/layout/vList2"/>
+    <dgm:cxn modelId="{74A0FE48-2B3B-4A8F-904F-0115C139DCBF}" type="presParOf" srcId="{12270E4E-2A2D-4614-BD42-F73EB8947364}" destId="{933A3A80-A24C-498C-9168-F5577CDAB0F7}" srcOrd="3" destOrd="0" presId="urn:microsoft.com/office/officeart/2005/8/layout/vList2"/>
+    <dgm:cxn modelId="{8885486F-6643-4012-A6D0-CEF03A9EAEC1}" type="presParOf" srcId="{12270E4E-2A2D-4614-BD42-F73EB8947364}" destId="{9F47FD0E-A45C-44E4-A5BF-CFC269D99FC7}" srcOrd="4" destOrd="0" presId="urn:microsoft.com/office/officeart/2005/8/layout/vList2"/>
+  </dgm:cxnLst>
+  <dgm:bg/>
+  <dgm:whole/>
+  <dgm:extLst>
+    <a:ext uri="http://schemas.microsoft.com/office/drawing/2008/diagram">
+      <dsp:dataModelExt xmlns:dsp="http://schemas.microsoft.com/office/drawing/2008/diagram" relId="rId6" minVer="http://schemas.openxmlformats.org/drawingml/2006/diagram"/>
+    </a:ext>
+  </dgm:extLst>
+</dgm:dataModel>
+</file>
+
+<file path=ppt/diagrams/data6.xml><?xml version="1.0" encoding="utf-8"?>
 <dgm:dataModel xmlns:dgm="http://schemas.openxmlformats.org/drawingml/2006/diagram" xmlns:a="http://schemas.openxmlformats.org/drawingml/2006/main">
   <dgm:ptLst>
     <dgm:pt modelId="{0E7166ED-9988-4CE6-AF65-AF3561466F4B}" type="doc">
@@ -5689,11 +7622,11 @@
 </dgm:dataModel>
 </file>
 
-<file path=ppt/diagrams/data5.xml><?xml version="1.0" encoding="utf-8"?>
+<file path=ppt/diagrams/data7.xml><?xml version="1.0" encoding="utf-8"?>
 <dgm:dataModel xmlns:dgm="http://schemas.openxmlformats.org/drawingml/2006/diagram" xmlns:a="http://schemas.openxmlformats.org/drawingml/2006/main">
   <dgm:ptLst>
     <dgm:pt modelId="{C8EED160-62A1-4D69-968C-DBF59FEDCD71}" type="doc">
-      <dgm:prSet loTypeId="urn:microsoft.com/office/officeart/2005/8/layout/vList5" loCatId="list" qsTypeId="urn:microsoft.com/office/officeart/2005/8/quickstyle/simple1" qsCatId="simple" csTypeId="urn:microsoft.com/office/officeart/2005/8/colors/accent1_2" csCatId="accent1"/>
+      <dgm:prSet loTypeId="urn:microsoft.com/office/officeart/2005/8/layout/vList5" loCatId="list" qsTypeId="urn:microsoft.com/office/officeart/2005/8/quickstyle/simple1" qsCatId="simple" csTypeId="urn:microsoft.com/office/officeart/2005/8/colors/accent1_2" csCatId="accent1" phldr="1"/>
       <dgm:spPr/>
       <dgm:t>
         <a:bodyPr/>
@@ -5712,7 +7645,7 @@
         <a:p>
           <a:r>
             <a:rPr lang="pt-BR" dirty="0"/>
-            <a:t>Resultados positivos</a:t>
+            <a:t>Resultados </a:t>
           </a:r>
         </a:p>
       </dgm:t>
@@ -5747,7 +7680,7 @@
         <a:lstStyle/>
         <a:p>
           <a:r>
-            <a:rPr lang="pt-BR"/>
+            <a:rPr lang="pt-BR" dirty="0"/>
             <a:t>Os alunos acharam a abordagem interessante .</a:t>
           </a:r>
         </a:p>
@@ -5783,7 +7716,7 @@
         <a:lstStyle/>
         <a:p>
           <a:r>
-            <a:rPr lang="pt-BR"/>
+            <a:rPr lang="pt-BR" dirty="0"/>
             <a:t>Conseguiram se concentrar mais na matéria.</a:t>
           </a:r>
         </a:p>
@@ -5820,7 +7753,7 @@
         <a:p>
           <a:r>
             <a:rPr lang="pt-BR" dirty="0"/>
-            <a:t>Absorveram mais a matéria.  </a:t>
+            <a:t>Acharam a competitividade saudável.</a:t>
           </a:r>
         </a:p>
       </dgm:t>
@@ -5862,7 +7795,7 @@
       <dgm:spPr/>
     </dgm:pt>
     <dgm:pt modelId="{419BC2E5-1BB7-4BBA-8869-B3876C65181A}" type="pres">
-      <dgm:prSet presAssocID="{7603B033-9D77-4AEA-BD62-925E988AB9E5}" presName="parentText" presStyleLbl="node1" presStyleIdx="0" presStyleCnt="1">
+      <dgm:prSet presAssocID="{7603B033-9D77-4AEA-BD62-925E988AB9E5}" presName="parentText" presStyleLbl="node1" presStyleIdx="0" presStyleCnt="1" custLinFactNeighborX="-3903" custLinFactNeighborY="-844">
         <dgm:presLayoutVars>
           <dgm:chMax val="1"/>
           <dgm:bulletEnabled val="1"/>
@@ -8368,7 +10301,7 @@
             <a:buChar char="•"/>
           </a:pPr>
           <a:r>
-            <a:rPr lang="pt-BR" sz="1100" kern="1200"/>
+            <a:rPr lang="pt-BR" sz="1100" kern="1200" dirty="0"/>
             <a:t>Estudos de gamificação no contexto brasileiro</a:t>
           </a:r>
         </a:p>
@@ -8383,6 +10316,690 @@
 </file>
 
 <file path=ppt/diagrams/drawing4.xml><?xml version="1.0" encoding="utf-8"?>
+<dsp:drawing xmlns:dgm="http://schemas.openxmlformats.org/drawingml/2006/diagram" xmlns:dsp="http://schemas.microsoft.com/office/drawing/2008/diagram" xmlns:a="http://schemas.openxmlformats.org/drawingml/2006/main">
+  <dsp:spTree>
+    <dsp:nvGrpSpPr>
+      <dsp:cNvPr id="0" name=""/>
+      <dsp:cNvGrpSpPr/>
+    </dsp:nvGrpSpPr>
+    <dsp:grpSpPr/>
+    <dsp:sp modelId="{390B2659-679E-4059-A00A-D66E2311C4C1}">
+      <dsp:nvSpPr>
+        <dsp:cNvPr id="0" name=""/>
+        <dsp:cNvSpPr/>
+      </dsp:nvSpPr>
+      <dsp:spPr>
+        <a:xfrm>
+          <a:off x="9069" y="631649"/>
+          <a:ext cx="2710653" cy="2083814"/>
+        </a:xfrm>
+        <a:prstGeom prst="roundRect">
+          <a:avLst>
+            <a:gd name="adj" fmla="val 10000"/>
+          </a:avLst>
+        </a:prstGeom>
+        <a:solidFill>
+          <a:schemeClr val="accent1">
+            <a:hueOff val="0"/>
+            <a:satOff val="0"/>
+            <a:lumOff val="0"/>
+            <a:alphaOff val="0"/>
+          </a:schemeClr>
+        </a:solidFill>
+        <a:ln w="12700" cap="flat" cmpd="sng" algn="ctr">
+          <a:solidFill>
+            <a:schemeClr val="lt1">
+              <a:hueOff val="0"/>
+              <a:satOff val="0"/>
+              <a:lumOff val="0"/>
+              <a:alphaOff val="0"/>
+            </a:schemeClr>
+          </a:solidFill>
+          <a:prstDash val="solid"/>
+          <a:miter lim="800000"/>
+        </a:ln>
+        <a:effectLst/>
+      </dsp:spPr>
+      <dsp:style>
+        <a:lnRef idx="2">
+          <a:scrgbClr r="0" g="0" b="0"/>
+        </a:lnRef>
+        <a:fillRef idx="1">
+          <a:scrgbClr r="0" g="0" b="0"/>
+        </a:fillRef>
+        <a:effectRef idx="0">
+          <a:scrgbClr r="0" g="0" b="0"/>
+        </a:effectRef>
+        <a:fontRef idx="minor">
+          <a:schemeClr val="lt1"/>
+        </a:fontRef>
+      </dsp:style>
+      <dsp:txBody>
+        <a:bodyPr spcFirstLastPara="0" vert="horz" wrap="square" lIns="68580" tIns="68580" rIns="68580" bIns="68580" numCol="1" spcCol="1270" anchor="ctr" anchorCtr="0">
+          <a:noAutofit/>
+        </a:bodyPr>
+        <a:lstStyle/>
+        <a:p>
+          <a:pPr marL="0" lvl="0" indent="0" algn="ctr" defTabSz="800100">
+            <a:lnSpc>
+              <a:spcPct val="90000"/>
+            </a:lnSpc>
+            <a:spcBef>
+              <a:spcPct val="0"/>
+            </a:spcBef>
+            <a:spcAft>
+              <a:spcPct val="35000"/>
+            </a:spcAft>
+            <a:buNone/>
+          </a:pPr>
+          <a:r>
+            <a:rPr lang="pt-BR" sz="1800" b="1" kern="1200"/>
+            <a:t>Pesquisa Descritiva</a:t>
+          </a:r>
+          <a:br>
+            <a:rPr lang="pt-BR" sz="1800" kern="1200"/>
+          </a:br>
+          <a:r>
+            <a:rPr lang="pt-BR" sz="1800" kern="1200"/>
+            <a:t>Mapeamento das características da plataforma.</a:t>
+          </a:r>
+        </a:p>
+      </dsp:txBody>
+      <dsp:txXfrm>
+        <a:off x="70102" y="692682"/>
+        <a:ext cx="2588587" cy="1961748"/>
+      </dsp:txXfrm>
+    </dsp:sp>
+    <dsp:sp modelId="{42C7F8D2-E209-4713-98EB-6320715D93E7}">
+      <dsp:nvSpPr>
+        <dsp:cNvPr id="0" name=""/>
+        <dsp:cNvSpPr/>
+      </dsp:nvSpPr>
+      <dsp:spPr>
+        <a:xfrm>
+          <a:off x="2990787" y="1337435"/>
+          <a:ext cx="574658" cy="672242"/>
+        </a:xfrm>
+        <a:prstGeom prst="rightArrow">
+          <a:avLst>
+            <a:gd name="adj1" fmla="val 60000"/>
+            <a:gd name="adj2" fmla="val 50000"/>
+          </a:avLst>
+        </a:prstGeom>
+        <a:solidFill>
+          <a:schemeClr val="accent1">
+            <a:tint val="60000"/>
+            <a:hueOff val="0"/>
+            <a:satOff val="0"/>
+            <a:lumOff val="0"/>
+            <a:alphaOff val="0"/>
+          </a:schemeClr>
+        </a:solidFill>
+        <a:ln>
+          <a:noFill/>
+        </a:ln>
+        <a:effectLst/>
+      </dsp:spPr>
+      <dsp:style>
+        <a:lnRef idx="0">
+          <a:scrgbClr r="0" g="0" b="0"/>
+        </a:lnRef>
+        <a:fillRef idx="1">
+          <a:scrgbClr r="0" g="0" b="0"/>
+        </a:fillRef>
+        <a:effectRef idx="0">
+          <a:scrgbClr r="0" g="0" b="0"/>
+        </a:effectRef>
+        <a:fontRef idx="minor">
+          <a:schemeClr val="lt1"/>
+        </a:fontRef>
+      </dsp:style>
+      <dsp:txBody>
+        <a:bodyPr spcFirstLastPara="0" vert="horz" wrap="square" lIns="0" tIns="0" rIns="0" bIns="0" numCol="1" spcCol="1270" anchor="ctr" anchorCtr="0">
+          <a:noAutofit/>
+        </a:bodyPr>
+        <a:lstStyle/>
+        <a:p>
+          <a:pPr marL="0" lvl="0" indent="0" algn="ctr" defTabSz="622300">
+            <a:lnSpc>
+              <a:spcPct val="90000"/>
+            </a:lnSpc>
+            <a:spcBef>
+              <a:spcPct val="0"/>
+            </a:spcBef>
+            <a:spcAft>
+              <a:spcPct val="35000"/>
+            </a:spcAft>
+            <a:buNone/>
+          </a:pPr>
+          <a:endParaRPr lang="pt-BR" sz="1400" kern="1200"/>
+        </a:p>
+      </dsp:txBody>
+      <dsp:txXfrm>
+        <a:off x="2990787" y="1471883"/>
+        <a:ext cx="402261" cy="403346"/>
+      </dsp:txXfrm>
+    </dsp:sp>
+    <dsp:sp modelId="{C4123E72-D0D9-4AD4-807E-5F7B2B74D8B6}">
+      <dsp:nvSpPr>
+        <dsp:cNvPr id="0" name=""/>
+        <dsp:cNvSpPr/>
+      </dsp:nvSpPr>
+      <dsp:spPr>
+        <a:xfrm>
+          <a:off x="3803983" y="631649"/>
+          <a:ext cx="2710653" cy="2083814"/>
+        </a:xfrm>
+        <a:prstGeom prst="roundRect">
+          <a:avLst>
+            <a:gd name="adj" fmla="val 10000"/>
+          </a:avLst>
+        </a:prstGeom>
+        <a:solidFill>
+          <a:schemeClr val="accent1">
+            <a:hueOff val="0"/>
+            <a:satOff val="0"/>
+            <a:lumOff val="0"/>
+            <a:alphaOff val="0"/>
+          </a:schemeClr>
+        </a:solidFill>
+        <a:ln w="12700" cap="flat" cmpd="sng" algn="ctr">
+          <a:solidFill>
+            <a:schemeClr val="lt1">
+              <a:hueOff val="0"/>
+              <a:satOff val="0"/>
+              <a:lumOff val="0"/>
+              <a:alphaOff val="0"/>
+            </a:schemeClr>
+          </a:solidFill>
+          <a:prstDash val="solid"/>
+          <a:miter lim="800000"/>
+        </a:ln>
+        <a:effectLst/>
+      </dsp:spPr>
+      <dsp:style>
+        <a:lnRef idx="2">
+          <a:scrgbClr r="0" g="0" b="0"/>
+        </a:lnRef>
+        <a:fillRef idx="1">
+          <a:scrgbClr r="0" g="0" b="0"/>
+        </a:fillRef>
+        <a:effectRef idx="0">
+          <a:scrgbClr r="0" g="0" b="0"/>
+        </a:effectRef>
+        <a:fontRef idx="minor">
+          <a:schemeClr val="lt1"/>
+        </a:fontRef>
+      </dsp:style>
+      <dsp:txBody>
+        <a:bodyPr spcFirstLastPara="0" vert="horz" wrap="square" lIns="68580" tIns="68580" rIns="68580" bIns="68580" numCol="1" spcCol="1270" anchor="ctr" anchorCtr="0">
+          <a:noAutofit/>
+        </a:bodyPr>
+        <a:lstStyle/>
+        <a:p>
+          <a:pPr marL="0" lvl="0" indent="0" algn="ctr" defTabSz="800100">
+            <a:lnSpc>
+              <a:spcPct val="90000"/>
+            </a:lnSpc>
+            <a:spcBef>
+              <a:spcPct val="0"/>
+            </a:spcBef>
+            <a:spcAft>
+              <a:spcPct val="35000"/>
+            </a:spcAft>
+            <a:buNone/>
+          </a:pPr>
+          <a:r>
+            <a:rPr lang="pt-BR" sz="1800" b="1" kern="1200"/>
+            <a:t>Pesquisa Exploratória</a:t>
+          </a:r>
+          <a:br>
+            <a:rPr lang="pt-BR" sz="1800" kern="1200"/>
+          </a:br>
+          <a:r>
+            <a:rPr lang="pt-BR" sz="1800" kern="1200"/>
+            <a:t>Investigação inicial para identificar problemas de evasão e engajamento em materiais teóricos e relatórios do IBGE e Instituto Ayrton Senna.</a:t>
+          </a:r>
+        </a:p>
+      </dsp:txBody>
+      <dsp:txXfrm>
+        <a:off x="3865016" y="692682"/>
+        <a:ext cx="2588587" cy="1961748"/>
+      </dsp:txXfrm>
+    </dsp:sp>
+    <dsp:sp modelId="{316772EF-D4AD-467C-AA87-364946632CFE}">
+      <dsp:nvSpPr>
+        <dsp:cNvPr id="0" name=""/>
+        <dsp:cNvSpPr/>
+      </dsp:nvSpPr>
+      <dsp:spPr>
+        <a:xfrm>
+          <a:off x="6785702" y="1337435"/>
+          <a:ext cx="574658" cy="672242"/>
+        </a:xfrm>
+        <a:prstGeom prst="rightArrow">
+          <a:avLst>
+            <a:gd name="adj1" fmla="val 60000"/>
+            <a:gd name="adj2" fmla="val 50000"/>
+          </a:avLst>
+        </a:prstGeom>
+        <a:solidFill>
+          <a:schemeClr val="accent1">
+            <a:tint val="60000"/>
+            <a:hueOff val="0"/>
+            <a:satOff val="0"/>
+            <a:lumOff val="0"/>
+            <a:alphaOff val="0"/>
+          </a:schemeClr>
+        </a:solidFill>
+        <a:ln>
+          <a:noFill/>
+        </a:ln>
+        <a:effectLst/>
+      </dsp:spPr>
+      <dsp:style>
+        <a:lnRef idx="0">
+          <a:scrgbClr r="0" g="0" b="0"/>
+        </a:lnRef>
+        <a:fillRef idx="1">
+          <a:scrgbClr r="0" g="0" b="0"/>
+        </a:fillRef>
+        <a:effectRef idx="0">
+          <a:scrgbClr r="0" g="0" b="0"/>
+        </a:effectRef>
+        <a:fontRef idx="minor">
+          <a:schemeClr val="lt1"/>
+        </a:fontRef>
+      </dsp:style>
+      <dsp:txBody>
+        <a:bodyPr spcFirstLastPara="0" vert="horz" wrap="square" lIns="0" tIns="0" rIns="0" bIns="0" numCol="1" spcCol="1270" anchor="ctr" anchorCtr="0">
+          <a:noAutofit/>
+        </a:bodyPr>
+        <a:lstStyle/>
+        <a:p>
+          <a:pPr marL="0" lvl="0" indent="0" algn="ctr" defTabSz="622300">
+            <a:lnSpc>
+              <a:spcPct val="90000"/>
+            </a:lnSpc>
+            <a:spcBef>
+              <a:spcPct val="0"/>
+            </a:spcBef>
+            <a:spcAft>
+              <a:spcPct val="35000"/>
+            </a:spcAft>
+            <a:buNone/>
+          </a:pPr>
+          <a:endParaRPr lang="pt-BR" sz="1400" kern="1200"/>
+        </a:p>
+      </dsp:txBody>
+      <dsp:txXfrm>
+        <a:off x="6785702" y="1471883"/>
+        <a:ext cx="402261" cy="403346"/>
+      </dsp:txXfrm>
+    </dsp:sp>
+    <dsp:sp modelId="{EFF7DF56-E5C8-436A-B005-86CD97EFF767}">
+      <dsp:nvSpPr>
+        <dsp:cNvPr id="0" name=""/>
+        <dsp:cNvSpPr/>
+      </dsp:nvSpPr>
+      <dsp:spPr>
+        <a:xfrm>
+          <a:off x="7598898" y="631649"/>
+          <a:ext cx="2710653" cy="2083814"/>
+        </a:xfrm>
+        <a:prstGeom prst="roundRect">
+          <a:avLst>
+            <a:gd name="adj" fmla="val 10000"/>
+          </a:avLst>
+        </a:prstGeom>
+        <a:solidFill>
+          <a:schemeClr val="accent1">
+            <a:hueOff val="0"/>
+            <a:satOff val="0"/>
+            <a:lumOff val="0"/>
+            <a:alphaOff val="0"/>
+          </a:schemeClr>
+        </a:solidFill>
+        <a:ln w="12700" cap="flat" cmpd="sng" algn="ctr">
+          <a:solidFill>
+            <a:schemeClr val="lt1">
+              <a:hueOff val="0"/>
+              <a:satOff val="0"/>
+              <a:lumOff val="0"/>
+              <a:alphaOff val="0"/>
+            </a:schemeClr>
+          </a:solidFill>
+          <a:prstDash val="solid"/>
+          <a:miter lim="800000"/>
+        </a:ln>
+        <a:effectLst/>
+      </dsp:spPr>
+      <dsp:style>
+        <a:lnRef idx="2">
+          <a:scrgbClr r="0" g="0" b="0"/>
+        </a:lnRef>
+        <a:fillRef idx="1">
+          <a:scrgbClr r="0" g="0" b="0"/>
+        </a:fillRef>
+        <a:effectRef idx="0">
+          <a:scrgbClr r="0" g="0" b="0"/>
+        </a:effectRef>
+        <a:fontRef idx="minor">
+          <a:schemeClr val="lt1"/>
+        </a:fontRef>
+      </dsp:style>
+      <dsp:txBody>
+        <a:bodyPr spcFirstLastPara="0" vert="horz" wrap="square" lIns="68580" tIns="68580" rIns="68580" bIns="68580" numCol="1" spcCol="1270" anchor="ctr" anchorCtr="0">
+          <a:noAutofit/>
+        </a:bodyPr>
+        <a:lstStyle/>
+        <a:p>
+          <a:pPr marL="0" lvl="0" indent="0" algn="ctr" defTabSz="800100">
+            <a:lnSpc>
+              <a:spcPct val="90000"/>
+            </a:lnSpc>
+            <a:spcBef>
+              <a:spcPct val="0"/>
+            </a:spcBef>
+            <a:spcAft>
+              <a:spcPct val="35000"/>
+            </a:spcAft>
+            <a:buNone/>
+          </a:pPr>
+          <a:r>
+            <a:rPr lang="pt-BR" sz="1800" b="1" kern="1200"/>
+            <a:t>Estudo de Caso</a:t>
+          </a:r>
+          <a:br>
+            <a:rPr lang="pt-BR" sz="1800" kern="1200"/>
+          </a:br>
+          <a:r>
+            <a:rPr lang="pt-BR" sz="1800" kern="1200"/>
+            <a:t>Aplicações de gamificação no Ensino Médio.</a:t>
+          </a:r>
+        </a:p>
+      </dsp:txBody>
+      <dsp:txXfrm>
+        <a:off x="7659931" y="692682"/>
+        <a:ext cx="2588587" cy="1961748"/>
+      </dsp:txXfrm>
+    </dsp:sp>
+  </dsp:spTree>
+</dsp:drawing>
+</file>
+
+<file path=ppt/diagrams/drawing5.xml><?xml version="1.0" encoding="utf-8"?>
+<dsp:drawing xmlns:dgm="http://schemas.openxmlformats.org/drawingml/2006/diagram" xmlns:dsp="http://schemas.microsoft.com/office/drawing/2008/diagram" xmlns:a="http://schemas.openxmlformats.org/drawingml/2006/main">
+  <dsp:spTree>
+    <dsp:nvGrpSpPr>
+      <dsp:cNvPr id="0" name=""/>
+      <dsp:cNvGrpSpPr/>
+    </dsp:nvGrpSpPr>
+    <dsp:grpSpPr/>
+    <dsp:sp modelId="{7D159695-87EE-4BFB-94F7-23B620A9BFB3}">
+      <dsp:nvSpPr>
+        <dsp:cNvPr id="0" name=""/>
+        <dsp:cNvSpPr/>
+      </dsp:nvSpPr>
+      <dsp:spPr>
+        <a:xfrm>
+          <a:off x="0" y="131999"/>
+          <a:ext cx="9750495" cy="795600"/>
+        </a:xfrm>
+        <a:prstGeom prst="roundRect">
+          <a:avLst/>
+        </a:prstGeom>
+        <a:solidFill>
+          <a:schemeClr val="accent1">
+            <a:hueOff val="0"/>
+            <a:satOff val="0"/>
+            <a:lumOff val="0"/>
+            <a:alphaOff val="0"/>
+          </a:schemeClr>
+        </a:solidFill>
+        <a:ln w="12700" cap="flat" cmpd="sng" algn="ctr">
+          <a:solidFill>
+            <a:schemeClr val="lt1">
+              <a:hueOff val="0"/>
+              <a:satOff val="0"/>
+              <a:lumOff val="0"/>
+              <a:alphaOff val="0"/>
+            </a:schemeClr>
+          </a:solidFill>
+          <a:prstDash val="solid"/>
+          <a:miter lim="800000"/>
+        </a:ln>
+        <a:effectLst/>
+      </dsp:spPr>
+      <dsp:style>
+        <a:lnRef idx="2">
+          <a:scrgbClr r="0" g="0" b="0"/>
+        </a:lnRef>
+        <a:fillRef idx="1">
+          <a:scrgbClr r="0" g="0" b="0"/>
+        </a:fillRef>
+        <a:effectRef idx="0">
+          <a:scrgbClr r="0" g="0" b="0"/>
+        </a:effectRef>
+        <a:fontRef idx="minor">
+          <a:schemeClr val="lt1"/>
+        </a:fontRef>
+      </dsp:style>
+      <dsp:txBody>
+        <a:bodyPr spcFirstLastPara="0" vert="horz" wrap="square" lIns="76200" tIns="76200" rIns="76200" bIns="76200" numCol="1" spcCol="1270" anchor="ctr" anchorCtr="0">
+          <a:noAutofit/>
+        </a:bodyPr>
+        <a:lstStyle/>
+        <a:p>
+          <a:pPr marL="0" lvl="0" indent="0" algn="l" defTabSz="889000">
+            <a:lnSpc>
+              <a:spcPct val="90000"/>
+            </a:lnSpc>
+            <a:spcBef>
+              <a:spcPct val="0"/>
+            </a:spcBef>
+            <a:spcAft>
+              <a:spcPct val="35000"/>
+            </a:spcAft>
+            <a:buNone/>
+          </a:pPr>
+          <a:r>
+            <a:rPr lang="pt-BR" sz="2000" b="1" kern="1200"/>
+            <a:t>Local</a:t>
+          </a:r>
+          <a:r>
+            <a:rPr lang="pt-BR" sz="2000" kern="1200"/>
+            <a:t>:</a:t>
+          </a:r>
+          <a:br>
+            <a:rPr lang="pt-BR" sz="2000" kern="1200"/>
+          </a:br>
+          <a:r>
+            <a:rPr lang="pt-BR" sz="2000" kern="1200"/>
+            <a:t>Liceu Santista (Santos/SP) — laboratórios de informática e salas de aula.</a:t>
+          </a:r>
+        </a:p>
+      </dsp:txBody>
+      <dsp:txXfrm>
+        <a:off x="38838" y="170837"/>
+        <a:ext cx="9672819" cy="717924"/>
+      </dsp:txXfrm>
+    </dsp:sp>
+    <dsp:sp modelId="{81076F57-CBC2-4EF2-93FA-D339AC2465A5}">
+      <dsp:nvSpPr>
+        <dsp:cNvPr id="0" name=""/>
+        <dsp:cNvSpPr/>
+      </dsp:nvSpPr>
+      <dsp:spPr>
+        <a:xfrm>
+          <a:off x="0" y="985200"/>
+          <a:ext cx="9750495" cy="795600"/>
+        </a:xfrm>
+        <a:prstGeom prst="roundRect">
+          <a:avLst/>
+        </a:prstGeom>
+        <a:solidFill>
+          <a:schemeClr val="accent1">
+            <a:hueOff val="0"/>
+            <a:satOff val="0"/>
+            <a:lumOff val="0"/>
+            <a:alphaOff val="0"/>
+          </a:schemeClr>
+        </a:solidFill>
+        <a:ln w="12700" cap="flat" cmpd="sng" algn="ctr">
+          <a:solidFill>
+            <a:schemeClr val="lt1">
+              <a:hueOff val="0"/>
+              <a:satOff val="0"/>
+              <a:lumOff val="0"/>
+              <a:alphaOff val="0"/>
+            </a:schemeClr>
+          </a:solidFill>
+          <a:prstDash val="solid"/>
+          <a:miter lim="800000"/>
+        </a:ln>
+        <a:effectLst/>
+      </dsp:spPr>
+      <dsp:style>
+        <a:lnRef idx="2">
+          <a:scrgbClr r="0" g="0" b="0"/>
+        </a:lnRef>
+        <a:fillRef idx="1">
+          <a:scrgbClr r="0" g="0" b="0"/>
+        </a:fillRef>
+        <a:effectRef idx="0">
+          <a:scrgbClr r="0" g="0" b="0"/>
+        </a:effectRef>
+        <a:fontRef idx="minor">
+          <a:schemeClr val="lt1"/>
+        </a:fontRef>
+      </dsp:style>
+      <dsp:txBody>
+        <a:bodyPr spcFirstLastPara="0" vert="horz" wrap="square" lIns="76200" tIns="76200" rIns="76200" bIns="76200" numCol="1" spcCol="1270" anchor="ctr" anchorCtr="0">
+          <a:noAutofit/>
+        </a:bodyPr>
+        <a:lstStyle/>
+        <a:p>
+          <a:pPr marL="0" lvl="0" indent="0" algn="l" defTabSz="889000">
+            <a:lnSpc>
+              <a:spcPct val="90000"/>
+            </a:lnSpc>
+            <a:spcBef>
+              <a:spcPct val="0"/>
+            </a:spcBef>
+            <a:spcAft>
+              <a:spcPct val="35000"/>
+            </a:spcAft>
+            <a:buNone/>
+          </a:pPr>
+          <a:r>
+            <a:rPr lang="pt-BR" sz="2000" b="1" kern="1200" dirty="0"/>
+            <a:t>Participantes:</a:t>
+          </a:r>
+          <a:br>
+            <a:rPr lang="pt-BR" sz="2000" kern="1200" dirty="0"/>
+          </a:br>
+          <a:r>
+            <a:rPr lang="pt-BR" sz="2000" kern="1200" dirty="0"/>
+            <a:t>Alunos: turma-piloto de 2ª série 16 alunos, selecionados por conveniência.</a:t>
+          </a:r>
+        </a:p>
+      </dsp:txBody>
+      <dsp:txXfrm>
+        <a:off x="38838" y="1024038"/>
+        <a:ext cx="9672819" cy="717924"/>
+      </dsp:txXfrm>
+    </dsp:sp>
+    <dsp:sp modelId="{9F47FD0E-A45C-44E4-A5BF-CFC269D99FC7}">
+      <dsp:nvSpPr>
+        <dsp:cNvPr id="0" name=""/>
+        <dsp:cNvSpPr/>
+      </dsp:nvSpPr>
+      <dsp:spPr>
+        <a:xfrm>
+          <a:off x="0" y="1838400"/>
+          <a:ext cx="9750495" cy="795600"/>
+        </a:xfrm>
+        <a:prstGeom prst="roundRect">
+          <a:avLst/>
+        </a:prstGeom>
+        <a:solidFill>
+          <a:schemeClr val="accent1">
+            <a:hueOff val="0"/>
+            <a:satOff val="0"/>
+            <a:lumOff val="0"/>
+            <a:alphaOff val="0"/>
+          </a:schemeClr>
+        </a:solidFill>
+        <a:ln w="12700" cap="flat" cmpd="sng" algn="ctr">
+          <a:solidFill>
+            <a:schemeClr val="lt1">
+              <a:hueOff val="0"/>
+              <a:satOff val="0"/>
+              <a:lumOff val="0"/>
+              <a:alphaOff val="0"/>
+            </a:schemeClr>
+          </a:solidFill>
+          <a:prstDash val="solid"/>
+          <a:miter lim="800000"/>
+        </a:ln>
+        <a:effectLst/>
+      </dsp:spPr>
+      <dsp:style>
+        <a:lnRef idx="2">
+          <a:scrgbClr r="0" g="0" b="0"/>
+        </a:lnRef>
+        <a:fillRef idx="1">
+          <a:scrgbClr r="0" g="0" b="0"/>
+        </a:fillRef>
+        <a:effectRef idx="0">
+          <a:scrgbClr r="0" g="0" b="0"/>
+        </a:effectRef>
+        <a:fontRef idx="minor">
+          <a:schemeClr val="lt1"/>
+        </a:fontRef>
+      </dsp:style>
+      <dsp:txBody>
+        <a:bodyPr spcFirstLastPara="0" vert="horz" wrap="square" lIns="76200" tIns="76200" rIns="76200" bIns="76200" numCol="1" spcCol="1270" anchor="ctr" anchorCtr="0">
+          <a:noAutofit/>
+        </a:bodyPr>
+        <a:lstStyle/>
+        <a:p>
+          <a:pPr marL="0" lvl="0" indent="0" algn="l" defTabSz="889000">
+            <a:lnSpc>
+              <a:spcPct val="90000"/>
+            </a:lnSpc>
+            <a:spcBef>
+              <a:spcPct val="0"/>
+            </a:spcBef>
+            <a:spcAft>
+              <a:spcPct val="35000"/>
+            </a:spcAft>
+            <a:buNone/>
+          </a:pPr>
+          <a:r>
+            <a:rPr lang="pt-BR" sz="2000" b="1" kern="1200"/>
+            <a:t>Período:</a:t>
+          </a:r>
+          <a:br>
+            <a:rPr lang="pt-BR" sz="2000" kern="1200"/>
+          </a:br>
+          <a:r>
+            <a:rPr lang="pt-BR" sz="2000" kern="1200"/>
+            <a:t>Dia 29 de maio de 2025, durante o período da tarde, teste em laboratório de informática</a:t>
+          </a:r>
+        </a:p>
+      </dsp:txBody>
+      <dsp:txXfrm>
+        <a:off x="38838" y="1877238"/>
+        <a:ext cx="9672819" cy="717924"/>
+      </dsp:txXfrm>
+    </dsp:sp>
+  </dsp:spTree>
+</dsp:drawing>
+</file>
+
+<file path=ppt/diagrams/drawing6.xml><?xml version="1.0" encoding="utf-8"?>
 <dsp:drawing xmlns:dgm="http://schemas.openxmlformats.org/drawingml/2006/diagram" xmlns:dsp="http://schemas.microsoft.com/office/drawing/2008/diagram" xmlns:a="http://schemas.openxmlformats.org/drawingml/2006/main">
   <dsp:spTree>
     <dsp:nvGrpSpPr>
@@ -8912,7 +11529,7 @@
 </dsp:drawing>
 </file>
 
-<file path=ppt/diagrams/drawing5.xml><?xml version="1.0" encoding="utf-8"?>
+<file path=ppt/diagrams/drawing7.xml><?xml version="1.0" encoding="utf-8"?>
 <dsp:drawing xmlns:dgm="http://schemas.openxmlformats.org/drawingml/2006/diagram" xmlns:dsp="http://schemas.microsoft.com/office/drawing/2008/diagram" xmlns:a="http://schemas.openxmlformats.org/drawingml/2006/main">
   <dsp:spTree>
     <dsp:nvGrpSpPr>
@@ -8927,8 +11544,8 @@
       </dsp:nvSpPr>
       <dsp:spPr>
         <a:xfrm rot="5400000">
-          <a:off x="5871664" y="-2171817"/>
-          <a:ext cx="1517344" cy="6240316"/>
+          <a:off x="4427361" y="-1621203"/>
+          <a:ext cx="1186178" cy="4725129"/>
         </a:xfrm>
         <a:prstGeom prst="round2SameRect">
           <a:avLst/>
@@ -8972,12 +11589,12 @@
         <a:fontRef idx="minor"/>
       </dsp:style>
       <dsp:txBody>
-        <a:bodyPr spcFirstLastPara="0" vert="horz" wrap="square" lIns="87630" tIns="43815" rIns="87630" bIns="43815" numCol="1" spcCol="1270" anchor="ctr" anchorCtr="0">
+        <a:bodyPr spcFirstLastPara="0" vert="horz" wrap="square" lIns="68580" tIns="34290" rIns="68580" bIns="34290" numCol="1" spcCol="1270" anchor="ctr" anchorCtr="0">
           <a:noAutofit/>
         </a:bodyPr>
         <a:lstStyle/>
         <a:p>
-          <a:pPr marL="228600" lvl="1" indent="-228600" algn="l" defTabSz="1022350">
+          <a:pPr marL="171450" lvl="1" indent="-171450" algn="l" defTabSz="800100">
             <a:lnSpc>
               <a:spcPct val="90000"/>
             </a:lnSpc>
@@ -8990,12 +11607,12 @@
             <a:buChar char="•"/>
           </a:pPr>
           <a:r>
-            <a:rPr lang="pt-BR" sz="2300" kern="1200"/>
+            <a:rPr lang="pt-BR" sz="1800" kern="1200" dirty="0"/>
             <a:t>Os alunos acharam a abordagem interessante .</a:t>
           </a:r>
         </a:p>
         <a:p>
-          <a:pPr marL="228600" lvl="1" indent="-228600" algn="l" defTabSz="1022350">
+          <a:pPr marL="171450" lvl="1" indent="-171450" algn="l" defTabSz="800100">
             <a:lnSpc>
               <a:spcPct val="90000"/>
             </a:lnSpc>
@@ -9008,12 +11625,12 @@
             <a:buChar char="•"/>
           </a:pPr>
           <a:r>
-            <a:rPr lang="pt-BR" sz="2300" kern="1200"/>
+            <a:rPr lang="pt-BR" sz="1800" kern="1200" dirty="0"/>
             <a:t>Conseguiram se concentrar mais na matéria.</a:t>
           </a:r>
         </a:p>
         <a:p>
-          <a:pPr marL="228600" lvl="1" indent="-228600" algn="l" defTabSz="1022350">
+          <a:pPr marL="171450" lvl="1" indent="-171450" algn="l" defTabSz="800100">
             <a:lnSpc>
               <a:spcPct val="90000"/>
             </a:lnSpc>
@@ -9026,14 +11643,14 @@
             <a:buChar char="•"/>
           </a:pPr>
           <a:r>
-            <a:rPr lang="pt-BR" sz="2300" kern="1200" dirty="0"/>
-            <a:t>Absorveram mais a matéria.  </a:t>
+            <a:rPr lang="pt-BR" sz="1800" kern="1200" dirty="0"/>
+            <a:t>Acharam a competitividade saudável.</a:t>
           </a:r>
         </a:p>
       </dsp:txBody>
       <dsp:txXfrm rot="-5400000">
-        <a:off x="3510179" y="263739"/>
-        <a:ext cx="6166245" cy="1369202"/>
+        <a:off x="2657886" y="206176"/>
+        <a:ext cx="4667225" cy="1070370"/>
       </dsp:txXfrm>
     </dsp:sp>
     <dsp:sp modelId="{419BC2E5-1BB7-4BBA-8869-B3876C65181A}">
@@ -9044,7 +11661,7 @@
       <dsp:spPr>
         <a:xfrm>
           <a:off x="0" y="0"/>
-          <a:ext cx="3510178" cy="1896681"/>
+          <a:ext cx="2657885" cy="1482723"/>
         </a:xfrm>
         <a:prstGeom prst="roundRect">
           <a:avLst/>
@@ -9086,12 +11703,12 @@
         </a:fontRef>
       </dsp:style>
       <dsp:txBody>
-        <a:bodyPr spcFirstLastPara="0" vert="horz" wrap="square" lIns="198120" tIns="99060" rIns="198120" bIns="99060" numCol="1" spcCol="1270" anchor="ctr" anchorCtr="0">
+        <a:bodyPr spcFirstLastPara="0" vert="horz" wrap="square" lIns="148590" tIns="74295" rIns="148590" bIns="74295" numCol="1" spcCol="1270" anchor="ctr" anchorCtr="0">
           <a:noAutofit/>
         </a:bodyPr>
         <a:lstStyle/>
         <a:p>
-          <a:pPr marL="0" lvl="0" indent="0" algn="ctr" defTabSz="2311400">
+          <a:pPr marL="0" lvl="0" indent="0" algn="ctr" defTabSz="1733550">
             <a:lnSpc>
               <a:spcPct val="90000"/>
             </a:lnSpc>
@@ -9104,14 +11721,14 @@
             <a:buNone/>
           </a:pPr>
           <a:r>
-            <a:rPr lang="pt-BR" sz="5200" kern="1200" dirty="0"/>
-            <a:t>Resultados positivos</a:t>
+            <a:rPr lang="pt-BR" sz="3900" kern="1200" dirty="0"/>
+            <a:t>Resultados </a:t>
           </a:r>
         </a:p>
       </dsp:txBody>
       <dsp:txXfrm>
-        <a:off x="92588" y="92588"/>
-        <a:ext cx="3325002" cy="1711505"/>
+        <a:off x="72381" y="72381"/>
+        <a:ext cx="2513123" cy="1337961"/>
       </dsp:txXfrm>
     </dsp:sp>
   </dsp:spTree>
@@ -10777,6 +13394,319 @@
 </file>
 
 <file path=ppt/diagrams/layout4.xml><?xml version="1.0" encoding="utf-8"?>
+<dgm:layoutDef xmlns:dgm="http://schemas.openxmlformats.org/drawingml/2006/diagram" xmlns:a="http://schemas.openxmlformats.org/drawingml/2006/main" uniqueId="urn:microsoft.com/office/officeart/2005/8/layout/process1">
+  <dgm:title val=""/>
+  <dgm:desc val=""/>
+  <dgm:catLst>
+    <dgm:cat type="process" pri="1000"/>
+    <dgm:cat type="convert" pri="15000"/>
+  </dgm:catLst>
+  <dgm:sampData useDef="1">
+    <dgm:dataModel>
+      <dgm:ptLst/>
+      <dgm:bg/>
+      <dgm:whole/>
+    </dgm:dataModel>
+  </dgm:sampData>
+  <dgm:styleData>
+    <dgm:dataModel>
+      <dgm:ptLst>
+        <dgm:pt modelId="0" type="doc"/>
+        <dgm:pt modelId="1"/>
+        <dgm:pt modelId="2"/>
+      </dgm:ptLst>
+      <dgm:cxnLst>
+        <dgm:cxn modelId="3" srcId="0" destId="1" srcOrd="0" destOrd="0"/>
+        <dgm:cxn modelId="4" srcId="0" destId="2" srcOrd="1" destOrd="0"/>
+      </dgm:cxnLst>
+      <dgm:bg/>
+      <dgm:whole/>
+    </dgm:dataModel>
+  </dgm:styleData>
+  <dgm:clrData>
+    <dgm:dataModel>
+      <dgm:ptLst>
+        <dgm:pt modelId="0" type="doc"/>
+        <dgm:pt modelId="1"/>
+        <dgm:pt modelId="2"/>
+        <dgm:pt modelId="3"/>
+        <dgm:pt modelId="4"/>
+      </dgm:ptLst>
+      <dgm:cxnLst>
+        <dgm:cxn modelId="5" srcId="0" destId="1" srcOrd="0" destOrd="0"/>
+        <dgm:cxn modelId="6" srcId="0" destId="2" srcOrd="1" destOrd="0"/>
+        <dgm:cxn modelId="7" srcId="0" destId="3" srcOrd="2" destOrd="0"/>
+        <dgm:cxn modelId="8" srcId="0" destId="4" srcOrd="3" destOrd="0"/>
+      </dgm:cxnLst>
+      <dgm:bg/>
+      <dgm:whole/>
+    </dgm:dataModel>
+  </dgm:clrData>
+  <dgm:layoutNode name="Name0">
+    <dgm:varLst>
+      <dgm:dir/>
+      <dgm:resizeHandles val="exact"/>
+    </dgm:varLst>
+    <dgm:choose name="Name1">
+      <dgm:if name="Name2" func="var" arg="dir" op="equ" val="norm">
+        <dgm:alg type="lin"/>
+      </dgm:if>
+      <dgm:else name="Name3">
+        <dgm:alg type="lin">
+          <dgm:param type="linDir" val="fromR"/>
+        </dgm:alg>
+      </dgm:else>
+    </dgm:choose>
+    <dgm:shape xmlns:r="http://schemas.openxmlformats.org/officeDocument/2006/relationships" r:blip="">
+      <dgm:adjLst/>
+    </dgm:shape>
+    <dgm:presOf/>
+    <dgm:constrLst>
+      <dgm:constr type="w" for="ch" ptType="node" refType="w"/>
+      <dgm:constr type="h" for="ch" ptType="node" op="equ"/>
+      <dgm:constr type="primFontSz" for="ch" ptType="node" op="equ" val="65"/>
+      <dgm:constr type="w" for="ch" ptType="sibTrans" refType="w" refFor="ch" refPtType="node" op="equ" fact="0.4"/>
+      <dgm:constr type="h" for="ch" ptType="sibTrans" op="equ"/>
+      <dgm:constr type="primFontSz" for="des" forName="connectorText" op="equ" val="55"/>
+      <dgm:constr type="primFontSz" for="des" forName="connectorText" refType="primFontSz" refFor="ch" refPtType="node" op="lte" fact="0.8"/>
+    </dgm:constrLst>
+    <dgm:ruleLst/>
+    <dgm:forEach name="nodesForEach" axis="ch" ptType="node">
+      <dgm:layoutNode name="node">
+        <dgm:varLst>
+          <dgm:bulletEnabled val="1"/>
+        </dgm:varLst>
+        <dgm:alg type="tx"/>
+        <dgm:shape xmlns:r="http://schemas.openxmlformats.org/officeDocument/2006/relationships" type="roundRect" r:blip="">
+          <dgm:adjLst>
+            <dgm:adj idx="1" val="0.1"/>
+          </dgm:adjLst>
+        </dgm:shape>
+        <dgm:presOf axis="desOrSelf" ptType="node"/>
+        <dgm:constrLst>
+          <dgm:constr type="h" refType="w" fact="0.6"/>
+          <dgm:constr type="tMarg" refType="primFontSz" fact="0.3"/>
+          <dgm:constr type="bMarg" refType="primFontSz" fact="0.3"/>
+          <dgm:constr type="lMarg" refType="primFontSz" fact="0.3"/>
+          <dgm:constr type="rMarg" refType="primFontSz" fact="0.3"/>
+        </dgm:constrLst>
+        <dgm:ruleLst>
+          <dgm:rule type="primFontSz" val="18" fact="NaN" max="NaN"/>
+          <dgm:rule type="h" val="NaN" fact="1.5" max="NaN"/>
+          <dgm:rule type="primFontSz" val="5" fact="NaN" max="NaN"/>
+          <dgm:rule type="h" val="INF" fact="NaN" max="NaN"/>
+        </dgm:ruleLst>
+      </dgm:layoutNode>
+      <dgm:forEach name="sibTransForEach" axis="followSib" ptType="sibTrans" cnt="1">
+        <dgm:layoutNode name="sibTrans">
+          <dgm:alg type="conn">
+            <dgm:param type="begPts" val="auto"/>
+            <dgm:param type="endPts" val="auto"/>
+          </dgm:alg>
+          <dgm:shape xmlns:r="http://schemas.openxmlformats.org/officeDocument/2006/relationships" type="conn" r:blip="">
+            <dgm:adjLst/>
+          </dgm:shape>
+          <dgm:presOf axis="self"/>
+          <dgm:constrLst>
+            <dgm:constr type="h" refType="w" fact="0.62"/>
+            <dgm:constr type="connDist"/>
+            <dgm:constr type="begPad" refType="connDist" fact="0.25"/>
+            <dgm:constr type="endPad" refType="connDist" fact="0.22"/>
+          </dgm:constrLst>
+          <dgm:ruleLst/>
+          <dgm:layoutNode name="connectorText">
+            <dgm:alg type="tx">
+              <dgm:param type="autoTxRot" val="grav"/>
+            </dgm:alg>
+            <dgm:shape xmlns:r="http://schemas.openxmlformats.org/officeDocument/2006/relationships" type="conn" r:blip="" hideGeom="1">
+              <dgm:adjLst/>
+            </dgm:shape>
+            <dgm:presOf axis="self"/>
+            <dgm:constrLst>
+              <dgm:constr type="lMarg"/>
+              <dgm:constr type="rMarg"/>
+              <dgm:constr type="tMarg"/>
+              <dgm:constr type="bMarg"/>
+            </dgm:constrLst>
+            <dgm:ruleLst>
+              <dgm:rule type="primFontSz" val="5" fact="NaN" max="NaN"/>
+            </dgm:ruleLst>
+          </dgm:layoutNode>
+        </dgm:layoutNode>
+      </dgm:forEach>
+    </dgm:forEach>
+  </dgm:layoutNode>
+</dgm:layoutDef>
+</file>
+
+<file path=ppt/diagrams/layout5.xml><?xml version="1.0" encoding="utf-8"?>
+<dgm:layoutDef xmlns:dgm="http://schemas.openxmlformats.org/drawingml/2006/diagram" xmlns:a="http://schemas.openxmlformats.org/drawingml/2006/main" uniqueId="urn:microsoft.com/office/officeart/2005/8/layout/vList2">
+  <dgm:title val=""/>
+  <dgm:desc val=""/>
+  <dgm:catLst>
+    <dgm:cat type="list" pri="3000"/>
+    <dgm:cat type="convert" pri="1000"/>
+  </dgm:catLst>
+  <dgm:sampData>
+    <dgm:dataModel>
+      <dgm:ptLst>
+        <dgm:pt modelId="0" type="doc"/>
+        <dgm:pt modelId="1">
+          <dgm:prSet phldr="1"/>
+        </dgm:pt>
+        <dgm:pt modelId="11">
+          <dgm:prSet phldr="1"/>
+        </dgm:pt>
+        <dgm:pt modelId="2">
+          <dgm:prSet phldr="1"/>
+        </dgm:pt>
+        <dgm:pt modelId="21">
+          <dgm:prSet phldr="1"/>
+        </dgm:pt>
+      </dgm:ptLst>
+      <dgm:cxnLst>
+        <dgm:cxn modelId="4" srcId="0" destId="1" srcOrd="0" destOrd="0"/>
+        <dgm:cxn modelId="5" srcId="0" destId="2" srcOrd="1" destOrd="0"/>
+        <dgm:cxn modelId="12" srcId="1" destId="11" srcOrd="0" destOrd="0"/>
+        <dgm:cxn modelId="23" srcId="2" destId="21" srcOrd="0" destOrd="0"/>
+      </dgm:cxnLst>
+      <dgm:bg/>
+      <dgm:whole/>
+    </dgm:dataModel>
+  </dgm:sampData>
+  <dgm:styleData>
+    <dgm:dataModel>
+      <dgm:ptLst>
+        <dgm:pt modelId="0" type="doc"/>
+        <dgm:pt modelId="1"/>
+        <dgm:pt modelId="2"/>
+      </dgm:ptLst>
+      <dgm:cxnLst>
+        <dgm:cxn modelId="3" srcId="0" destId="1" srcOrd="0" destOrd="0"/>
+        <dgm:cxn modelId="4" srcId="0" destId="2" srcOrd="1" destOrd="0"/>
+      </dgm:cxnLst>
+      <dgm:bg/>
+      <dgm:whole/>
+    </dgm:dataModel>
+  </dgm:styleData>
+  <dgm:clrData>
+    <dgm:dataModel>
+      <dgm:ptLst>
+        <dgm:pt modelId="0" type="doc"/>
+        <dgm:pt modelId="1"/>
+        <dgm:pt modelId="2"/>
+        <dgm:pt modelId="3"/>
+        <dgm:pt modelId="4"/>
+      </dgm:ptLst>
+      <dgm:cxnLst>
+        <dgm:cxn modelId="5" srcId="0" destId="1" srcOrd="0" destOrd="0"/>
+        <dgm:cxn modelId="6" srcId="0" destId="2" srcOrd="1" destOrd="0"/>
+        <dgm:cxn modelId="7" srcId="0" destId="3" srcOrd="2" destOrd="0"/>
+        <dgm:cxn modelId="8" srcId="0" destId="4" srcOrd="3" destOrd="0"/>
+      </dgm:cxnLst>
+      <dgm:bg/>
+      <dgm:whole/>
+    </dgm:dataModel>
+  </dgm:clrData>
+  <dgm:layoutNode name="linear">
+    <dgm:varLst>
+      <dgm:animLvl val="lvl"/>
+      <dgm:resizeHandles val="exact"/>
+    </dgm:varLst>
+    <dgm:alg type="lin">
+      <dgm:param type="linDir" val="fromT"/>
+      <dgm:param type="vertAlign" val="mid"/>
+    </dgm:alg>
+    <dgm:shape xmlns:r="http://schemas.openxmlformats.org/officeDocument/2006/relationships" r:blip="">
+      <dgm:adjLst/>
+    </dgm:shape>
+    <dgm:presOf/>
+    <dgm:constrLst>
+      <dgm:constr type="w" for="ch" forName="parentText" refType="w"/>
+      <dgm:constr type="h" for="ch" forName="parentText" refType="primFontSz" refFor="ch" refForName="parentText" fact="0.52"/>
+      <dgm:constr type="w" for="ch" forName="childText" refType="w"/>
+      <dgm:constr type="h" for="ch" forName="childText" refType="primFontSz" refFor="ch" refForName="parentText" fact="0.46"/>
+      <dgm:constr type="h" for="ch" forName="parentText" op="equ"/>
+      <dgm:constr type="primFontSz" for="ch" forName="parentText" op="equ" val="65"/>
+      <dgm:constr type="primFontSz" for="ch" forName="childText" refType="primFontSz" refFor="ch" refForName="parentText" op="equ"/>
+      <dgm:constr type="h" for="ch" forName="spacer" refType="primFontSz" refFor="ch" refForName="parentText" fact="0.08"/>
+    </dgm:constrLst>
+    <dgm:ruleLst>
+      <dgm:rule type="primFontSz" for="ch" forName="parentText" val="5" fact="NaN" max="NaN"/>
+    </dgm:ruleLst>
+    <dgm:forEach name="Name0" axis="ch" ptType="node">
+      <dgm:layoutNode name="parentText" styleLbl="node1">
+        <dgm:varLst>
+          <dgm:chMax val="0"/>
+          <dgm:bulletEnabled val="1"/>
+        </dgm:varLst>
+        <dgm:alg type="tx">
+          <dgm:param type="parTxLTRAlign" val="l"/>
+          <dgm:param type="parTxRTLAlign" val="r"/>
+        </dgm:alg>
+        <dgm:shape xmlns:r="http://schemas.openxmlformats.org/officeDocument/2006/relationships" type="roundRect" r:blip="">
+          <dgm:adjLst/>
+        </dgm:shape>
+        <dgm:presOf axis="self"/>
+        <dgm:constrLst>
+          <dgm:constr type="tMarg" refType="primFontSz" fact="0.3"/>
+          <dgm:constr type="bMarg" refType="primFontSz" fact="0.3"/>
+          <dgm:constr type="lMarg" refType="primFontSz" fact="0.3"/>
+          <dgm:constr type="rMarg" refType="primFontSz" fact="0.3"/>
+        </dgm:constrLst>
+        <dgm:ruleLst>
+          <dgm:rule type="h" val="INF" fact="NaN" max="NaN"/>
+        </dgm:ruleLst>
+      </dgm:layoutNode>
+      <dgm:choose name="Name1">
+        <dgm:if name="Name2" axis="ch" ptType="node" func="cnt" op="gte" val="1">
+          <dgm:layoutNode name="childText" styleLbl="revTx">
+            <dgm:varLst>
+              <dgm:bulletEnabled val="1"/>
+            </dgm:varLst>
+            <dgm:alg type="tx">
+              <dgm:param type="stBulletLvl" val="1"/>
+              <dgm:param type="lnSpAfChP" val="20"/>
+            </dgm:alg>
+            <dgm:shape xmlns:r="http://schemas.openxmlformats.org/officeDocument/2006/relationships" type="rect" r:blip="">
+              <dgm:adjLst/>
+            </dgm:shape>
+            <dgm:presOf axis="des" ptType="node"/>
+            <dgm:constrLst>
+              <dgm:constr type="tMarg" refType="primFontSz" fact="0.1"/>
+              <dgm:constr type="bMarg" refType="primFontSz" fact="0.1"/>
+              <dgm:constr type="lMarg" refType="w" fact="0.09"/>
+            </dgm:constrLst>
+            <dgm:ruleLst>
+              <dgm:rule type="h" val="INF" fact="NaN" max="NaN"/>
+            </dgm:ruleLst>
+          </dgm:layoutNode>
+        </dgm:if>
+        <dgm:else name="Name3">
+          <dgm:choose name="Name4">
+            <dgm:if name="Name5" axis="par ch" ptType="doc node" func="cnt" op="gte" val="2">
+              <dgm:forEach name="Name6" axis="followSib" ptType="sibTrans" cnt="1">
+                <dgm:layoutNode name="spacer">
+                  <dgm:alg type="sp"/>
+                  <dgm:shape xmlns:r="http://schemas.openxmlformats.org/officeDocument/2006/relationships" r:blip="">
+                    <dgm:adjLst/>
+                  </dgm:shape>
+                  <dgm:presOf/>
+                  <dgm:constrLst/>
+                  <dgm:ruleLst/>
+                </dgm:layoutNode>
+              </dgm:forEach>
+            </dgm:if>
+            <dgm:else name="Name7"/>
+          </dgm:choose>
+        </dgm:else>
+      </dgm:choose>
+    </dgm:forEach>
+  </dgm:layoutNode>
+</dgm:layoutDef>
+</file>
+
+<file path=ppt/diagrams/layout6.xml><?xml version="1.0" encoding="utf-8"?>
 <dgm:layoutDef xmlns:dgm="http://schemas.openxmlformats.org/drawingml/2006/diagram" xmlns:a="http://schemas.openxmlformats.org/drawingml/2006/main" uniqueId="urn:microsoft.com/office/officeart/2005/8/layout/vList3">
   <dgm:title val=""/>
   <dgm:desc val=""/>
@@ -10939,7 +13869,7 @@
 </dgm:layoutDef>
 </file>
 
-<file path=ppt/diagrams/layout5.xml><?xml version="1.0" encoding="utf-8"?>
+<file path=ppt/diagrams/layout7.xml><?xml version="1.0" encoding="utf-8"?>
 <dgm:layoutDef xmlns:dgm="http://schemas.openxmlformats.org/drawingml/2006/diagram" xmlns:a="http://schemas.openxmlformats.org/drawingml/2006/main" uniqueId="urn:microsoft.com/office/officeart/2005/8/layout/vList5">
   <dgm:title val=""/>
   <dgm:desc val=""/>
@@ -17094,6 +20024,2074 @@
 </dgm:styleDef>
 </file>
 
+<file path=ppt/diagrams/quickStyle6.xml><?xml version="1.0" encoding="utf-8"?>
+<dgm:styleDef xmlns:dgm="http://schemas.openxmlformats.org/drawingml/2006/diagram" xmlns:a="http://schemas.openxmlformats.org/drawingml/2006/main" uniqueId="urn:microsoft.com/office/officeart/2005/8/quickstyle/simple1">
+  <dgm:title val=""/>
+  <dgm:desc val=""/>
+  <dgm:catLst>
+    <dgm:cat type="simple" pri="10100"/>
+  </dgm:catLst>
+  <dgm:scene3d>
+    <a:camera prst="orthographicFront"/>
+    <a:lightRig rig="threePt" dir="t"/>
+  </dgm:scene3d>
+  <dgm:styleLbl name="node0">
+    <dgm:scene3d>
+      <a:camera prst="orthographicFront"/>
+      <a:lightRig rig="threePt" dir="t"/>
+    </dgm:scene3d>
+    <dgm:sp3d/>
+    <dgm:txPr/>
+    <dgm:style>
+      <a:lnRef idx="2">
+        <a:scrgbClr r="0" g="0" b="0"/>
+      </a:lnRef>
+      <a:fillRef idx="1">
+        <a:scrgbClr r="0" g="0" b="0"/>
+      </a:fillRef>
+      <a:effectRef idx="0">
+        <a:scrgbClr r="0" g="0" b="0"/>
+      </a:effectRef>
+      <a:fontRef idx="minor">
+        <a:schemeClr val="lt1"/>
+      </a:fontRef>
+    </dgm:style>
+  </dgm:styleLbl>
+  <dgm:styleLbl name="lnNode1">
+    <dgm:scene3d>
+      <a:camera prst="orthographicFront"/>
+      <a:lightRig rig="threePt" dir="t"/>
+    </dgm:scene3d>
+    <dgm:sp3d/>
+    <dgm:txPr/>
+    <dgm:style>
+      <a:lnRef idx="2">
+        <a:scrgbClr r="0" g="0" b="0"/>
+      </a:lnRef>
+      <a:fillRef idx="1">
+        <a:scrgbClr r="0" g="0" b="0"/>
+      </a:fillRef>
+      <a:effectRef idx="0">
+        <a:scrgbClr r="0" g="0" b="0"/>
+      </a:effectRef>
+      <a:fontRef idx="minor">
+        <a:schemeClr val="lt1"/>
+      </a:fontRef>
+    </dgm:style>
+  </dgm:styleLbl>
+  <dgm:styleLbl name="vennNode1">
+    <dgm:scene3d>
+      <a:camera prst="orthographicFront"/>
+      <a:lightRig rig="threePt" dir="t"/>
+    </dgm:scene3d>
+    <dgm:sp3d/>
+    <dgm:txPr/>
+    <dgm:style>
+      <a:lnRef idx="2">
+        <a:scrgbClr r="0" g="0" b="0"/>
+      </a:lnRef>
+      <a:fillRef idx="1">
+        <a:scrgbClr r="0" g="0" b="0"/>
+      </a:fillRef>
+      <a:effectRef idx="0">
+        <a:scrgbClr r="0" g="0" b="0"/>
+      </a:effectRef>
+      <a:fontRef idx="minor">
+        <a:schemeClr val="tx1"/>
+      </a:fontRef>
+    </dgm:style>
+  </dgm:styleLbl>
+  <dgm:styleLbl name="alignNode1">
+    <dgm:scene3d>
+      <a:camera prst="orthographicFront"/>
+      <a:lightRig rig="threePt" dir="t"/>
+    </dgm:scene3d>
+    <dgm:sp3d/>
+    <dgm:txPr/>
+    <dgm:style>
+      <a:lnRef idx="2">
+        <a:scrgbClr r="0" g="0" b="0"/>
+      </a:lnRef>
+      <a:fillRef idx="1">
+        <a:scrgbClr r="0" g="0" b="0"/>
+      </a:fillRef>
+      <a:effectRef idx="0">
+        <a:scrgbClr r="0" g="0" b="0"/>
+      </a:effectRef>
+      <a:fontRef idx="minor">
+        <a:schemeClr val="lt1"/>
+      </a:fontRef>
+    </dgm:style>
+  </dgm:styleLbl>
+  <dgm:styleLbl name="node1">
+    <dgm:scene3d>
+      <a:camera prst="orthographicFront"/>
+      <a:lightRig rig="threePt" dir="t"/>
+    </dgm:scene3d>
+    <dgm:sp3d/>
+    <dgm:txPr/>
+    <dgm:style>
+      <a:lnRef idx="2">
+        <a:scrgbClr r="0" g="0" b="0"/>
+      </a:lnRef>
+      <a:fillRef idx="1">
+        <a:scrgbClr r="0" g="0" b="0"/>
+      </a:fillRef>
+      <a:effectRef idx="0">
+        <a:scrgbClr r="0" g="0" b="0"/>
+      </a:effectRef>
+      <a:fontRef idx="minor">
+        <a:schemeClr val="lt1"/>
+      </a:fontRef>
+    </dgm:style>
+  </dgm:styleLbl>
+  <dgm:styleLbl name="node2">
+    <dgm:scene3d>
+      <a:camera prst="orthographicFront"/>
+      <a:lightRig rig="threePt" dir="t"/>
+    </dgm:scene3d>
+    <dgm:sp3d/>
+    <dgm:txPr/>
+    <dgm:style>
+      <a:lnRef idx="2">
+        <a:scrgbClr r="0" g="0" b="0"/>
+      </a:lnRef>
+      <a:fillRef idx="1">
+        <a:scrgbClr r="0" g="0" b="0"/>
+      </a:fillRef>
+      <a:effectRef idx="0">
+        <a:scrgbClr r="0" g="0" b="0"/>
+      </a:effectRef>
+      <a:fontRef idx="minor">
+        <a:schemeClr val="lt1"/>
+      </a:fontRef>
+    </dgm:style>
+  </dgm:styleLbl>
+  <dgm:styleLbl name="node3">
+    <dgm:scene3d>
+      <a:camera prst="orthographicFront"/>
+      <a:lightRig rig="threePt" dir="t"/>
+    </dgm:scene3d>
+    <dgm:sp3d/>
+    <dgm:txPr/>
+    <dgm:style>
+      <a:lnRef idx="2">
+        <a:scrgbClr r="0" g="0" b="0"/>
+      </a:lnRef>
+      <a:fillRef idx="1">
+        <a:scrgbClr r="0" g="0" b="0"/>
+      </a:fillRef>
+      <a:effectRef idx="0">
+        <a:scrgbClr r="0" g="0" b="0"/>
+      </a:effectRef>
+      <a:fontRef idx="minor">
+        <a:schemeClr val="lt1"/>
+      </a:fontRef>
+    </dgm:style>
+  </dgm:styleLbl>
+  <dgm:styleLbl name="node4">
+    <dgm:scene3d>
+      <a:camera prst="orthographicFront"/>
+      <a:lightRig rig="threePt" dir="t"/>
+    </dgm:scene3d>
+    <dgm:sp3d/>
+    <dgm:txPr/>
+    <dgm:style>
+      <a:lnRef idx="2">
+        <a:scrgbClr r="0" g="0" b="0"/>
+      </a:lnRef>
+      <a:fillRef idx="1">
+        <a:scrgbClr r="0" g="0" b="0"/>
+      </a:fillRef>
+      <a:effectRef idx="0">
+        <a:scrgbClr r="0" g="0" b="0"/>
+      </a:effectRef>
+      <a:fontRef idx="minor">
+        <a:schemeClr val="lt1"/>
+      </a:fontRef>
+    </dgm:style>
+  </dgm:styleLbl>
+  <dgm:styleLbl name="fgImgPlace1">
+    <dgm:scene3d>
+      <a:camera prst="orthographicFront"/>
+      <a:lightRig rig="threePt" dir="t"/>
+    </dgm:scene3d>
+    <dgm:sp3d/>
+    <dgm:txPr/>
+    <dgm:style>
+      <a:lnRef idx="2">
+        <a:scrgbClr r="0" g="0" b="0"/>
+      </a:lnRef>
+      <a:fillRef idx="1">
+        <a:scrgbClr r="0" g="0" b="0"/>
+      </a:fillRef>
+      <a:effectRef idx="0">
+        <a:scrgbClr r="0" g="0" b="0"/>
+      </a:effectRef>
+      <a:fontRef idx="minor"/>
+    </dgm:style>
+  </dgm:styleLbl>
+  <dgm:styleLbl name="alignImgPlace1">
+    <dgm:scene3d>
+      <a:camera prst="orthographicFront"/>
+      <a:lightRig rig="threePt" dir="t"/>
+    </dgm:scene3d>
+    <dgm:sp3d/>
+    <dgm:txPr/>
+    <dgm:style>
+      <a:lnRef idx="2">
+        <a:scrgbClr r="0" g="0" b="0"/>
+      </a:lnRef>
+      <a:fillRef idx="1">
+        <a:scrgbClr r="0" g="0" b="0"/>
+      </a:fillRef>
+      <a:effectRef idx="0">
+        <a:scrgbClr r="0" g="0" b="0"/>
+      </a:effectRef>
+      <a:fontRef idx="minor"/>
+    </dgm:style>
+  </dgm:styleLbl>
+  <dgm:styleLbl name="bgImgPlace1">
+    <dgm:scene3d>
+      <a:camera prst="orthographicFront"/>
+      <a:lightRig rig="threePt" dir="t"/>
+    </dgm:scene3d>
+    <dgm:sp3d/>
+    <dgm:txPr/>
+    <dgm:style>
+      <a:lnRef idx="2">
+        <a:scrgbClr r="0" g="0" b="0"/>
+      </a:lnRef>
+      <a:fillRef idx="1">
+        <a:scrgbClr r="0" g="0" b="0"/>
+      </a:fillRef>
+      <a:effectRef idx="0">
+        <a:scrgbClr r="0" g="0" b="0"/>
+      </a:effectRef>
+      <a:fontRef idx="minor"/>
+    </dgm:style>
+  </dgm:styleLbl>
+  <dgm:styleLbl name="sibTrans2D1">
+    <dgm:scene3d>
+      <a:camera prst="orthographicFront"/>
+      <a:lightRig rig="threePt" dir="t"/>
+    </dgm:scene3d>
+    <dgm:sp3d/>
+    <dgm:txPr/>
+    <dgm:style>
+      <a:lnRef idx="0">
+        <a:scrgbClr r="0" g="0" b="0"/>
+      </a:lnRef>
+      <a:fillRef idx="1">
+        <a:scrgbClr r="0" g="0" b="0"/>
+      </a:fillRef>
+      <a:effectRef idx="0">
+        <a:scrgbClr r="0" g="0" b="0"/>
+      </a:effectRef>
+      <a:fontRef idx="minor">
+        <a:schemeClr val="lt1"/>
+      </a:fontRef>
+    </dgm:style>
+  </dgm:styleLbl>
+  <dgm:styleLbl name="fgSibTrans2D1">
+    <dgm:scene3d>
+      <a:camera prst="orthographicFront"/>
+      <a:lightRig rig="threePt" dir="t"/>
+    </dgm:scene3d>
+    <dgm:sp3d/>
+    <dgm:txPr/>
+    <dgm:style>
+      <a:lnRef idx="0">
+        <a:scrgbClr r="0" g="0" b="0"/>
+      </a:lnRef>
+      <a:fillRef idx="1">
+        <a:scrgbClr r="0" g="0" b="0"/>
+      </a:fillRef>
+      <a:effectRef idx="0">
+        <a:scrgbClr r="0" g="0" b="0"/>
+      </a:effectRef>
+      <a:fontRef idx="minor">
+        <a:schemeClr val="lt1"/>
+      </a:fontRef>
+    </dgm:style>
+  </dgm:styleLbl>
+  <dgm:styleLbl name="bgSibTrans2D1">
+    <dgm:scene3d>
+      <a:camera prst="orthographicFront"/>
+      <a:lightRig rig="threePt" dir="t"/>
+    </dgm:scene3d>
+    <dgm:sp3d/>
+    <dgm:txPr/>
+    <dgm:style>
+      <a:lnRef idx="0">
+        <a:scrgbClr r="0" g="0" b="0"/>
+      </a:lnRef>
+      <a:fillRef idx="1">
+        <a:scrgbClr r="0" g="0" b="0"/>
+      </a:fillRef>
+      <a:effectRef idx="0">
+        <a:scrgbClr r="0" g="0" b="0"/>
+      </a:effectRef>
+      <a:fontRef idx="minor">
+        <a:schemeClr val="lt1"/>
+      </a:fontRef>
+    </dgm:style>
+  </dgm:styleLbl>
+  <dgm:styleLbl name="sibTrans1D1">
+    <dgm:scene3d>
+      <a:camera prst="orthographicFront"/>
+      <a:lightRig rig="threePt" dir="t"/>
+    </dgm:scene3d>
+    <dgm:sp3d/>
+    <dgm:txPr/>
+    <dgm:style>
+      <a:lnRef idx="1">
+        <a:scrgbClr r="0" g="0" b="0"/>
+      </a:lnRef>
+      <a:fillRef idx="0">
+        <a:scrgbClr r="0" g="0" b="0"/>
+      </a:fillRef>
+      <a:effectRef idx="0">
+        <a:scrgbClr r="0" g="0" b="0"/>
+      </a:effectRef>
+      <a:fontRef idx="minor"/>
+    </dgm:style>
+  </dgm:styleLbl>
+  <dgm:styleLbl name="callout">
+    <dgm:scene3d>
+      <a:camera prst="orthographicFront"/>
+      <a:lightRig rig="threePt" dir="t"/>
+    </dgm:scene3d>
+    <dgm:sp3d/>
+    <dgm:txPr/>
+    <dgm:style>
+      <a:lnRef idx="2">
+        <a:scrgbClr r="0" g="0" b="0"/>
+      </a:lnRef>
+      <a:fillRef idx="1">
+        <a:scrgbClr r="0" g="0" b="0"/>
+      </a:fillRef>
+      <a:effectRef idx="0">
+        <a:scrgbClr r="0" g="0" b="0"/>
+      </a:effectRef>
+      <a:fontRef idx="minor"/>
+    </dgm:style>
+  </dgm:styleLbl>
+  <dgm:styleLbl name="asst0">
+    <dgm:scene3d>
+      <a:camera prst="orthographicFront"/>
+      <a:lightRig rig="threePt" dir="t"/>
+    </dgm:scene3d>
+    <dgm:sp3d/>
+    <dgm:txPr/>
+    <dgm:style>
+      <a:lnRef idx="2">
+        <a:scrgbClr r="0" g="0" b="0"/>
+      </a:lnRef>
+      <a:fillRef idx="1">
+        <a:scrgbClr r="0" g="0" b="0"/>
+      </a:fillRef>
+      <a:effectRef idx="0">
+        <a:scrgbClr r="0" g="0" b="0"/>
+      </a:effectRef>
+      <a:fontRef idx="minor">
+        <a:schemeClr val="lt1"/>
+      </a:fontRef>
+    </dgm:style>
+  </dgm:styleLbl>
+  <dgm:styleLbl name="asst1">
+    <dgm:scene3d>
+      <a:camera prst="orthographicFront"/>
+      <a:lightRig rig="threePt" dir="t"/>
+    </dgm:scene3d>
+    <dgm:sp3d/>
+    <dgm:txPr/>
+    <dgm:style>
+      <a:lnRef idx="2">
+        <a:scrgbClr r="0" g="0" b="0"/>
+      </a:lnRef>
+      <a:fillRef idx="1">
+        <a:scrgbClr r="0" g="0" b="0"/>
+      </a:fillRef>
+      <a:effectRef idx="0">
+        <a:scrgbClr r="0" g="0" b="0"/>
+      </a:effectRef>
+      <a:fontRef idx="minor">
+        <a:schemeClr val="lt1"/>
+      </a:fontRef>
+    </dgm:style>
+  </dgm:styleLbl>
+  <dgm:styleLbl name="asst2">
+    <dgm:scene3d>
+      <a:camera prst="orthographicFront"/>
+      <a:lightRig rig="threePt" dir="t"/>
+    </dgm:scene3d>
+    <dgm:sp3d/>
+    <dgm:txPr/>
+    <dgm:style>
+      <a:lnRef idx="2">
+        <a:scrgbClr r="0" g="0" b="0"/>
+      </a:lnRef>
+      <a:fillRef idx="1">
+        <a:scrgbClr r="0" g="0" b="0"/>
+      </a:fillRef>
+      <a:effectRef idx="0">
+        <a:scrgbClr r="0" g="0" b="0"/>
+      </a:effectRef>
+      <a:fontRef idx="minor">
+        <a:schemeClr val="lt1"/>
+      </a:fontRef>
+    </dgm:style>
+  </dgm:styleLbl>
+  <dgm:styleLbl name="asst3">
+    <dgm:scene3d>
+      <a:camera prst="orthographicFront"/>
+      <a:lightRig rig="threePt" dir="t"/>
+    </dgm:scene3d>
+    <dgm:sp3d/>
+    <dgm:txPr/>
+    <dgm:style>
+      <a:lnRef idx="2">
+        <a:scrgbClr r="0" g="0" b="0"/>
+      </a:lnRef>
+      <a:fillRef idx="1">
+        <a:scrgbClr r="0" g="0" b="0"/>
+      </a:fillRef>
+      <a:effectRef idx="0">
+        <a:scrgbClr r="0" g="0" b="0"/>
+      </a:effectRef>
+      <a:fontRef idx="minor">
+        <a:schemeClr val="lt1"/>
+      </a:fontRef>
+    </dgm:style>
+  </dgm:styleLbl>
+  <dgm:styleLbl name="asst4">
+    <dgm:scene3d>
+      <a:camera prst="orthographicFront"/>
+      <a:lightRig rig="threePt" dir="t"/>
+    </dgm:scene3d>
+    <dgm:sp3d/>
+    <dgm:txPr/>
+    <dgm:style>
+      <a:lnRef idx="2">
+        <a:scrgbClr r="0" g="0" b="0"/>
+      </a:lnRef>
+      <a:fillRef idx="1">
+        <a:scrgbClr r="0" g="0" b="0"/>
+      </a:fillRef>
+      <a:effectRef idx="0">
+        <a:scrgbClr r="0" g="0" b="0"/>
+      </a:effectRef>
+      <a:fontRef idx="minor">
+        <a:schemeClr val="lt1"/>
+      </a:fontRef>
+    </dgm:style>
+  </dgm:styleLbl>
+  <dgm:styleLbl name="parChTrans2D1">
+    <dgm:scene3d>
+      <a:camera prst="orthographicFront"/>
+      <a:lightRig rig="threePt" dir="t"/>
+    </dgm:scene3d>
+    <dgm:sp3d/>
+    <dgm:txPr/>
+    <dgm:style>
+      <a:lnRef idx="2">
+        <a:scrgbClr r="0" g="0" b="0"/>
+      </a:lnRef>
+      <a:fillRef idx="1">
+        <a:scrgbClr r="0" g="0" b="0"/>
+      </a:fillRef>
+      <a:effectRef idx="0">
+        <a:scrgbClr r="0" g="0" b="0"/>
+      </a:effectRef>
+      <a:fontRef idx="minor">
+        <a:schemeClr val="lt1"/>
+      </a:fontRef>
+    </dgm:style>
+  </dgm:styleLbl>
+  <dgm:styleLbl name="parChTrans2D2">
+    <dgm:scene3d>
+      <a:camera prst="orthographicFront"/>
+      <a:lightRig rig="threePt" dir="t"/>
+    </dgm:scene3d>
+    <dgm:sp3d/>
+    <dgm:txPr/>
+    <dgm:style>
+      <a:lnRef idx="2">
+        <a:scrgbClr r="0" g="0" b="0"/>
+      </a:lnRef>
+      <a:fillRef idx="1">
+        <a:scrgbClr r="0" g="0" b="0"/>
+      </a:fillRef>
+      <a:effectRef idx="0">
+        <a:scrgbClr r="0" g="0" b="0"/>
+      </a:effectRef>
+      <a:fontRef idx="minor">
+        <a:schemeClr val="lt1"/>
+      </a:fontRef>
+    </dgm:style>
+  </dgm:styleLbl>
+  <dgm:styleLbl name="parChTrans2D3">
+    <dgm:scene3d>
+      <a:camera prst="orthographicFront"/>
+      <a:lightRig rig="threePt" dir="t"/>
+    </dgm:scene3d>
+    <dgm:sp3d/>
+    <dgm:txPr/>
+    <dgm:style>
+      <a:lnRef idx="2">
+        <a:scrgbClr r="0" g="0" b="0"/>
+      </a:lnRef>
+      <a:fillRef idx="1">
+        <a:scrgbClr r="0" g="0" b="0"/>
+      </a:fillRef>
+      <a:effectRef idx="0">
+        <a:scrgbClr r="0" g="0" b="0"/>
+      </a:effectRef>
+      <a:fontRef idx="minor">
+        <a:schemeClr val="lt1"/>
+      </a:fontRef>
+    </dgm:style>
+  </dgm:styleLbl>
+  <dgm:styleLbl name="parChTrans2D4">
+    <dgm:scene3d>
+      <a:camera prst="orthographicFront"/>
+      <a:lightRig rig="threePt" dir="t"/>
+    </dgm:scene3d>
+    <dgm:sp3d/>
+    <dgm:txPr/>
+    <dgm:style>
+      <a:lnRef idx="2">
+        <a:scrgbClr r="0" g="0" b="0"/>
+      </a:lnRef>
+      <a:fillRef idx="1">
+        <a:scrgbClr r="0" g="0" b="0"/>
+      </a:fillRef>
+      <a:effectRef idx="0">
+        <a:scrgbClr r="0" g="0" b="0"/>
+      </a:effectRef>
+      <a:fontRef idx="minor">
+        <a:schemeClr val="lt1"/>
+      </a:fontRef>
+    </dgm:style>
+  </dgm:styleLbl>
+  <dgm:styleLbl name="parChTrans1D1">
+    <dgm:scene3d>
+      <a:camera prst="orthographicFront"/>
+      <a:lightRig rig="threePt" dir="t"/>
+    </dgm:scene3d>
+    <dgm:sp3d/>
+    <dgm:txPr/>
+    <dgm:style>
+      <a:lnRef idx="2">
+        <a:scrgbClr r="0" g="0" b="0"/>
+      </a:lnRef>
+      <a:fillRef idx="0">
+        <a:scrgbClr r="0" g="0" b="0"/>
+      </a:fillRef>
+      <a:effectRef idx="0">
+        <a:scrgbClr r="0" g="0" b="0"/>
+      </a:effectRef>
+      <a:fontRef idx="minor"/>
+    </dgm:style>
+  </dgm:styleLbl>
+  <dgm:styleLbl name="parChTrans1D2">
+    <dgm:scene3d>
+      <a:camera prst="orthographicFront"/>
+      <a:lightRig rig="threePt" dir="t"/>
+    </dgm:scene3d>
+    <dgm:sp3d/>
+    <dgm:txPr/>
+    <dgm:style>
+      <a:lnRef idx="2">
+        <a:scrgbClr r="0" g="0" b="0"/>
+      </a:lnRef>
+      <a:fillRef idx="0">
+        <a:scrgbClr r="0" g="0" b="0"/>
+      </a:fillRef>
+      <a:effectRef idx="0">
+        <a:scrgbClr r="0" g="0" b="0"/>
+      </a:effectRef>
+      <a:fontRef idx="minor"/>
+    </dgm:style>
+  </dgm:styleLbl>
+  <dgm:styleLbl name="parChTrans1D3">
+    <dgm:scene3d>
+      <a:camera prst="orthographicFront"/>
+      <a:lightRig rig="threePt" dir="t"/>
+    </dgm:scene3d>
+    <dgm:sp3d/>
+    <dgm:txPr/>
+    <dgm:style>
+      <a:lnRef idx="2">
+        <a:scrgbClr r="0" g="0" b="0"/>
+      </a:lnRef>
+      <a:fillRef idx="0">
+        <a:scrgbClr r="0" g="0" b="0"/>
+      </a:fillRef>
+      <a:effectRef idx="0">
+        <a:scrgbClr r="0" g="0" b="0"/>
+      </a:effectRef>
+      <a:fontRef idx="minor"/>
+    </dgm:style>
+  </dgm:styleLbl>
+  <dgm:styleLbl name="parChTrans1D4">
+    <dgm:scene3d>
+      <a:camera prst="orthographicFront"/>
+      <a:lightRig rig="threePt" dir="t"/>
+    </dgm:scene3d>
+    <dgm:sp3d/>
+    <dgm:txPr/>
+    <dgm:style>
+      <a:lnRef idx="2">
+        <a:scrgbClr r="0" g="0" b="0"/>
+      </a:lnRef>
+      <a:fillRef idx="0">
+        <a:scrgbClr r="0" g="0" b="0"/>
+      </a:fillRef>
+      <a:effectRef idx="0">
+        <a:scrgbClr r="0" g="0" b="0"/>
+      </a:effectRef>
+      <a:fontRef idx="minor"/>
+    </dgm:style>
+  </dgm:styleLbl>
+  <dgm:styleLbl name="fgAcc1">
+    <dgm:scene3d>
+      <a:camera prst="orthographicFront"/>
+      <a:lightRig rig="threePt" dir="t"/>
+    </dgm:scene3d>
+    <dgm:sp3d/>
+    <dgm:txPr/>
+    <dgm:style>
+      <a:lnRef idx="2">
+        <a:scrgbClr r="0" g="0" b="0"/>
+      </a:lnRef>
+      <a:fillRef idx="1">
+        <a:scrgbClr r="0" g="0" b="0"/>
+      </a:fillRef>
+      <a:effectRef idx="0">
+        <a:scrgbClr r="0" g="0" b="0"/>
+      </a:effectRef>
+      <a:fontRef idx="minor"/>
+    </dgm:style>
+  </dgm:styleLbl>
+  <dgm:styleLbl name="conFgAcc1">
+    <dgm:scene3d>
+      <a:camera prst="orthographicFront"/>
+      <a:lightRig rig="threePt" dir="t"/>
+    </dgm:scene3d>
+    <dgm:sp3d/>
+    <dgm:txPr/>
+    <dgm:style>
+      <a:lnRef idx="2">
+        <a:scrgbClr r="0" g="0" b="0"/>
+      </a:lnRef>
+      <a:fillRef idx="1">
+        <a:scrgbClr r="0" g="0" b="0"/>
+      </a:fillRef>
+      <a:effectRef idx="0">
+        <a:scrgbClr r="0" g="0" b="0"/>
+      </a:effectRef>
+      <a:fontRef idx="minor"/>
+    </dgm:style>
+  </dgm:styleLbl>
+  <dgm:styleLbl name="alignAcc1">
+    <dgm:scene3d>
+      <a:camera prst="orthographicFront"/>
+      <a:lightRig rig="threePt" dir="t"/>
+    </dgm:scene3d>
+    <dgm:sp3d/>
+    <dgm:txPr/>
+    <dgm:style>
+      <a:lnRef idx="2">
+        <a:scrgbClr r="0" g="0" b="0"/>
+      </a:lnRef>
+      <a:fillRef idx="1">
+        <a:scrgbClr r="0" g="0" b="0"/>
+      </a:fillRef>
+      <a:effectRef idx="0">
+        <a:scrgbClr r="0" g="0" b="0"/>
+      </a:effectRef>
+      <a:fontRef idx="minor"/>
+    </dgm:style>
+  </dgm:styleLbl>
+  <dgm:styleLbl name="trAlignAcc1">
+    <dgm:scene3d>
+      <a:camera prst="orthographicFront"/>
+      <a:lightRig rig="threePt" dir="t"/>
+    </dgm:scene3d>
+    <dgm:sp3d/>
+    <dgm:txPr/>
+    <dgm:style>
+      <a:lnRef idx="1">
+        <a:scrgbClr r="0" g="0" b="0"/>
+      </a:lnRef>
+      <a:fillRef idx="1">
+        <a:scrgbClr r="0" g="0" b="0"/>
+      </a:fillRef>
+      <a:effectRef idx="0">
+        <a:scrgbClr r="0" g="0" b="0"/>
+      </a:effectRef>
+      <a:fontRef idx="minor"/>
+    </dgm:style>
+  </dgm:styleLbl>
+  <dgm:styleLbl name="bgAcc1">
+    <dgm:scene3d>
+      <a:camera prst="orthographicFront"/>
+      <a:lightRig rig="threePt" dir="t"/>
+    </dgm:scene3d>
+    <dgm:sp3d/>
+    <dgm:txPr/>
+    <dgm:style>
+      <a:lnRef idx="2">
+        <a:scrgbClr r="0" g="0" b="0"/>
+      </a:lnRef>
+      <a:fillRef idx="1">
+        <a:scrgbClr r="0" g="0" b="0"/>
+      </a:fillRef>
+      <a:effectRef idx="0">
+        <a:scrgbClr r="0" g="0" b="0"/>
+      </a:effectRef>
+      <a:fontRef idx="minor"/>
+    </dgm:style>
+  </dgm:styleLbl>
+  <dgm:styleLbl name="solidFgAcc1">
+    <dgm:scene3d>
+      <a:camera prst="orthographicFront"/>
+      <a:lightRig rig="threePt" dir="t"/>
+    </dgm:scene3d>
+    <dgm:sp3d/>
+    <dgm:txPr/>
+    <dgm:style>
+      <a:lnRef idx="2">
+        <a:scrgbClr r="0" g="0" b="0"/>
+      </a:lnRef>
+      <a:fillRef idx="1">
+        <a:scrgbClr r="0" g="0" b="0"/>
+      </a:fillRef>
+      <a:effectRef idx="0">
+        <a:scrgbClr r="0" g="0" b="0"/>
+      </a:effectRef>
+      <a:fontRef idx="minor"/>
+    </dgm:style>
+  </dgm:styleLbl>
+  <dgm:styleLbl name="solidAlignAcc1">
+    <dgm:scene3d>
+      <a:camera prst="orthographicFront"/>
+      <a:lightRig rig="threePt" dir="t"/>
+    </dgm:scene3d>
+    <dgm:sp3d/>
+    <dgm:txPr/>
+    <dgm:style>
+      <a:lnRef idx="2">
+        <a:scrgbClr r="0" g="0" b="0"/>
+      </a:lnRef>
+      <a:fillRef idx="1">
+        <a:scrgbClr r="0" g="0" b="0"/>
+      </a:fillRef>
+      <a:effectRef idx="0">
+        <a:scrgbClr r="0" g="0" b="0"/>
+      </a:effectRef>
+      <a:fontRef idx="minor"/>
+    </dgm:style>
+  </dgm:styleLbl>
+  <dgm:styleLbl name="solidBgAcc1">
+    <dgm:scene3d>
+      <a:camera prst="orthographicFront"/>
+      <a:lightRig rig="threePt" dir="t"/>
+    </dgm:scene3d>
+    <dgm:sp3d/>
+    <dgm:txPr/>
+    <dgm:style>
+      <a:lnRef idx="2">
+        <a:scrgbClr r="0" g="0" b="0"/>
+      </a:lnRef>
+      <a:fillRef idx="1">
+        <a:scrgbClr r="0" g="0" b="0"/>
+      </a:fillRef>
+      <a:effectRef idx="0">
+        <a:scrgbClr r="0" g="0" b="0"/>
+      </a:effectRef>
+      <a:fontRef idx="minor"/>
+    </dgm:style>
+  </dgm:styleLbl>
+  <dgm:styleLbl name="fgAccFollowNode1">
+    <dgm:scene3d>
+      <a:camera prst="orthographicFront"/>
+      <a:lightRig rig="threePt" dir="t"/>
+    </dgm:scene3d>
+    <dgm:sp3d/>
+    <dgm:txPr/>
+    <dgm:style>
+      <a:lnRef idx="2">
+        <a:scrgbClr r="0" g="0" b="0"/>
+      </a:lnRef>
+      <a:fillRef idx="1">
+        <a:scrgbClr r="0" g="0" b="0"/>
+      </a:fillRef>
+      <a:effectRef idx="0">
+        <a:scrgbClr r="0" g="0" b="0"/>
+      </a:effectRef>
+      <a:fontRef idx="minor"/>
+    </dgm:style>
+  </dgm:styleLbl>
+  <dgm:styleLbl name="alignAccFollowNode1">
+    <dgm:scene3d>
+      <a:camera prst="orthographicFront"/>
+      <a:lightRig rig="threePt" dir="t"/>
+    </dgm:scene3d>
+    <dgm:sp3d/>
+    <dgm:txPr/>
+    <dgm:style>
+      <a:lnRef idx="2">
+        <a:scrgbClr r="0" g="0" b="0"/>
+      </a:lnRef>
+      <a:fillRef idx="1">
+        <a:scrgbClr r="0" g="0" b="0"/>
+      </a:fillRef>
+      <a:effectRef idx="0">
+        <a:scrgbClr r="0" g="0" b="0"/>
+      </a:effectRef>
+      <a:fontRef idx="minor"/>
+    </dgm:style>
+  </dgm:styleLbl>
+  <dgm:styleLbl name="bgAccFollowNode1">
+    <dgm:scene3d>
+      <a:camera prst="orthographicFront"/>
+      <a:lightRig rig="threePt" dir="t"/>
+    </dgm:scene3d>
+    <dgm:sp3d/>
+    <dgm:txPr/>
+    <dgm:style>
+      <a:lnRef idx="2">
+        <a:scrgbClr r="0" g="0" b="0"/>
+      </a:lnRef>
+      <a:fillRef idx="1">
+        <a:scrgbClr r="0" g="0" b="0"/>
+      </a:fillRef>
+      <a:effectRef idx="0">
+        <a:scrgbClr r="0" g="0" b="0"/>
+      </a:effectRef>
+      <a:fontRef idx="minor"/>
+    </dgm:style>
+  </dgm:styleLbl>
+  <dgm:styleLbl name="fgAcc0">
+    <dgm:scene3d>
+      <a:camera prst="orthographicFront"/>
+      <a:lightRig rig="threePt" dir="t"/>
+    </dgm:scene3d>
+    <dgm:sp3d/>
+    <dgm:txPr/>
+    <dgm:style>
+      <a:lnRef idx="2">
+        <a:scrgbClr r="0" g="0" b="0"/>
+      </a:lnRef>
+      <a:fillRef idx="1">
+        <a:scrgbClr r="0" g="0" b="0"/>
+      </a:fillRef>
+      <a:effectRef idx="0">
+        <a:scrgbClr r="0" g="0" b="0"/>
+      </a:effectRef>
+      <a:fontRef idx="minor"/>
+    </dgm:style>
+  </dgm:styleLbl>
+  <dgm:styleLbl name="fgAcc2">
+    <dgm:scene3d>
+      <a:camera prst="orthographicFront"/>
+      <a:lightRig rig="threePt" dir="t"/>
+    </dgm:scene3d>
+    <dgm:sp3d/>
+    <dgm:txPr/>
+    <dgm:style>
+      <a:lnRef idx="2">
+        <a:scrgbClr r="0" g="0" b="0"/>
+      </a:lnRef>
+      <a:fillRef idx="1">
+        <a:scrgbClr r="0" g="0" b="0"/>
+      </a:fillRef>
+      <a:effectRef idx="0">
+        <a:scrgbClr r="0" g="0" b="0"/>
+      </a:effectRef>
+      <a:fontRef idx="minor"/>
+    </dgm:style>
+  </dgm:styleLbl>
+  <dgm:styleLbl name="fgAcc3">
+    <dgm:scene3d>
+      <a:camera prst="orthographicFront"/>
+      <a:lightRig rig="threePt" dir="t"/>
+    </dgm:scene3d>
+    <dgm:sp3d/>
+    <dgm:txPr/>
+    <dgm:style>
+      <a:lnRef idx="2">
+        <a:scrgbClr r="0" g="0" b="0"/>
+      </a:lnRef>
+      <a:fillRef idx="1">
+        <a:scrgbClr r="0" g="0" b="0"/>
+      </a:fillRef>
+      <a:effectRef idx="0">
+        <a:scrgbClr r="0" g="0" b="0"/>
+      </a:effectRef>
+      <a:fontRef idx="minor"/>
+    </dgm:style>
+  </dgm:styleLbl>
+  <dgm:styleLbl name="fgAcc4">
+    <dgm:scene3d>
+      <a:camera prst="orthographicFront"/>
+      <a:lightRig rig="threePt" dir="t"/>
+    </dgm:scene3d>
+    <dgm:sp3d/>
+    <dgm:txPr/>
+    <dgm:style>
+      <a:lnRef idx="2">
+        <a:scrgbClr r="0" g="0" b="0"/>
+      </a:lnRef>
+      <a:fillRef idx="1">
+        <a:scrgbClr r="0" g="0" b="0"/>
+      </a:fillRef>
+      <a:effectRef idx="0">
+        <a:scrgbClr r="0" g="0" b="0"/>
+      </a:effectRef>
+      <a:fontRef idx="minor"/>
+    </dgm:style>
+  </dgm:styleLbl>
+  <dgm:styleLbl name="bgShp">
+    <dgm:scene3d>
+      <a:camera prst="orthographicFront"/>
+      <a:lightRig rig="threePt" dir="t"/>
+    </dgm:scene3d>
+    <dgm:sp3d/>
+    <dgm:txPr/>
+    <dgm:style>
+      <a:lnRef idx="0">
+        <a:scrgbClr r="0" g="0" b="0"/>
+      </a:lnRef>
+      <a:fillRef idx="1">
+        <a:scrgbClr r="0" g="0" b="0"/>
+      </a:fillRef>
+      <a:effectRef idx="0">
+        <a:scrgbClr r="0" g="0" b="0"/>
+      </a:effectRef>
+      <a:fontRef idx="minor"/>
+    </dgm:style>
+  </dgm:styleLbl>
+  <dgm:styleLbl name="dkBgShp">
+    <dgm:scene3d>
+      <a:camera prst="orthographicFront"/>
+      <a:lightRig rig="threePt" dir="t"/>
+    </dgm:scene3d>
+    <dgm:sp3d/>
+    <dgm:txPr/>
+    <dgm:style>
+      <a:lnRef idx="0">
+        <a:scrgbClr r="0" g="0" b="0"/>
+      </a:lnRef>
+      <a:fillRef idx="1">
+        <a:scrgbClr r="0" g="0" b="0"/>
+      </a:fillRef>
+      <a:effectRef idx="0">
+        <a:scrgbClr r="0" g="0" b="0"/>
+      </a:effectRef>
+      <a:fontRef idx="minor"/>
+    </dgm:style>
+  </dgm:styleLbl>
+  <dgm:styleLbl name="trBgShp">
+    <dgm:scene3d>
+      <a:camera prst="orthographicFront"/>
+      <a:lightRig rig="threePt" dir="t"/>
+    </dgm:scene3d>
+    <dgm:sp3d/>
+    <dgm:txPr/>
+    <dgm:style>
+      <a:lnRef idx="0">
+        <a:scrgbClr r="0" g="0" b="0"/>
+      </a:lnRef>
+      <a:fillRef idx="1">
+        <a:scrgbClr r="0" g="0" b="0"/>
+      </a:fillRef>
+      <a:effectRef idx="0">
+        <a:scrgbClr r="0" g="0" b="0"/>
+      </a:effectRef>
+      <a:fontRef idx="minor"/>
+    </dgm:style>
+  </dgm:styleLbl>
+  <dgm:styleLbl name="fgShp">
+    <dgm:scene3d>
+      <a:camera prst="orthographicFront"/>
+      <a:lightRig rig="threePt" dir="t"/>
+    </dgm:scene3d>
+    <dgm:sp3d/>
+    <dgm:txPr/>
+    <dgm:style>
+      <a:lnRef idx="2">
+        <a:scrgbClr r="0" g="0" b="0"/>
+      </a:lnRef>
+      <a:fillRef idx="1">
+        <a:scrgbClr r="0" g="0" b="0"/>
+      </a:fillRef>
+      <a:effectRef idx="0">
+        <a:scrgbClr r="0" g="0" b="0"/>
+      </a:effectRef>
+      <a:fontRef idx="minor"/>
+    </dgm:style>
+  </dgm:styleLbl>
+  <dgm:styleLbl name="revTx">
+    <dgm:scene3d>
+      <a:camera prst="orthographicFront"/>
+      <a:lightRig rig="threePt" dir="t"/>
+    </dgm:scene3d>
+    <dgm:sp3d/>
+    <dgm:txPr/>
+    <dgm:style>
+      <a:lnRef idx="0">
+        <a:scrgbClr r="0" g="0" b="0"/>
+      </a:lnRef>
+      <a:fillRef idx="0">
+        <a:scrgbClr r="0" g="0" b="0"/>
+      </a:fillRef>
+      <a:effectRef idx="0">
+        <a:scrgbClr r="0" g="0" b="0"/>
+      </a:effectRef>
+      <a:fontRef idx="minor"/>
+    </dgm:style>
+  </dgm:styleLbl>
+</dgm:styleDef>
+</file>
+
+<file path=ppt/diagrams/quickStyle7.xml><?xml version="1.0" encoding="utf-8"?>
+<dgm:styleDef xmlns:dgm="http://schemas.openxmlformats.org/drawingml/2006/diagram" xmlns:a="http://schemas.openxmlformats.org/drawingml/2006/main" uniqueId="urn:microsoft.com/office/officeart/2005/8/quickstyle/simple1">
+  <dgm:title val=""/>
+  <dgm:desc val=""/>
+  <dgm:catLst>
+    <dgm:cat type="simple" pri="10100"/>
+  </dgm:catLst>
+  <dgm:scene3d>
+    <a:camera prst="orthographicFront"/>
+    <a:lightRig rig="threePt" dir="t"/>
+  </dgm:scene3d>
+  <dgm:styleLbl name="node0">
+    <dgm:scene3d>
+      <a:camera prst="orthographicFront"/>
+      <a:lightRig rig="threePt" dir="t"/>
+    </dgm:scene3d>
+    <dgm:sp3d/>
+    <dgm:txPr/>
+    <dgm:style>
+      <a:lnRef idx="2">
+        <a:scrgbClr r="0" g="0" b="0"/>
+      </a:lnRef>
+      <a:fillRef idx="1">
+        <a:scrgbClr r="0" g="0" b="0"/>
+      </a:fillRef>
+      <a:effectRef idx="0">
+        <a:scrgbClr r="0" g="0" b="0"/>
+      </a:effectRef>
+      <a:fontRef idx="minor">
+        <a:schemeClr val="lt1"/>
+      </a:fontRef>
+    </dgm:style>
+  </dgm:styleLbl>
+  <dgm:styleLbl name="lnNode1">
+    <dgm:scene3d>
+      <a:camera prst="orthographicFront"/>
+      <a:lightRig rig="threePt" dir="t"/>
+    </dgm:scene3d>
+    <dgm:sp3d/>
+    <dgm:txPr/>
+    <dgm:style>
+      <a:lnRef idx="2">
+        <a:scrgbClr r="0" g="0" b="0"/>
+      </a:lnRef>
+      <a:fillRef idx="1">
+        <a:scrgbClr r="0" g="0" b="0"/>
+      </a:fillRef>
+      <a:effectRef idx="0">
+        <a:scrgbClr r="0" g="0" b="0"/>
+      </a:effectRef>
+      <a:fontRef idx="minor">
+        <a:schemeClr val="lt1"/>
+      </a:fontRef>
+    </dgm:style>
+  </dgm:styleLbl>
+  <dgm:styleLbl name="vennNode1">
+    <dgm:scene3d>
+      <a:camera prst="orthographicFront"/>
+      <a:lightRig rig="threePt" dir="t"/>
+    </dgm:scene3d>
+    <dgm:sp3d/>
+    <dgm:txPr/>
+    <dgm:style>
+      <a:lnRef idx="2">
+        <a:scrgbClr r="0" g="0" b="0"/>
+      </a:lnRef>
+      <a:fillRef idx="1">
+        <a:scrgbClr r="0" g="0" b="0"/>
+      </a:fillRef>
+      <a:effectRef idx="0">
+        <a:scrgbClr r="0" g="0" b="0"/>
+      </a:effectRef>
+      <a:fontRef idx="minor">
+        <a:schemeClr val="tx1"/>
+      </a:fontRef>
+    </dgm:style>
+  </dgm:styleLbl>
+  <dgm:styleLbl name="alignNode1">
+    <dgm:scene3d>
+      <a:camera prst="orthographicFront"/>
+      <a:lightRig rig="threePt" dir="t"/>
+    </dgm:scene3d>
+    <dgm:sp3d/>
+    <dgm:txPr/>
+    <dgm:style>
+      <a:lnRef idx="2">
+        <a:scrgbClr r="0" g="0" b="0"/>
+      </a:lnRef>
+      <a:fillRef idx="1">
+        <a:scrgbClr r="0" g="0" b="0"/>
+      </a:fillRef>
+      <a:effectRef idx="0">
+        <a:scrgbClr r="0" g="0" b="0"/>
+      </a:effectRef>
+      <a:fontRef idx="minor">
+        <a:schemeClr val="lt1"/>
+      </a:fontRef>
+    </dgm:style>
+  </dgm:styleLbl>
+  <dgm:styleLbl name="node1">
+    <dgm:scene3d>
+      <a:camera prst="orthographicFront"/>
+      <a:lightRig rig="threePt" dir="t"/>
+    </dgm:scene3d>
+    <dgm:sp3d/>
+    <dgm:txPr/>
+    <dgm:style>
+      <a:lnRef idx="2">
+        <a:scrgbClr r="0" g="0" b="0"/>
+      </a:lnRef>
+      <a:fillRef idx="1">
+        <a:scrgbClr r="0" g="0" b="0"/>
+      </a:fillRef>
+      <a:effectRef idx="0">
+        <a:scrgbClr r="0" g="0" b="0"/>
+      </a:effectRef>
+      <a:fontRef idx="minor">
+        <a:schemeClr val="lt1"/>
+      </a:fontRef>
+    </dgm:style>
+  </dgm:styleLbl>
+  <dgm:styleLbl name="node2">
+    <dgm:scene3d>
+      <a:camera prst="orthographicFront"/>
+      <a:lightRig rig="threePt" dir="t"/>
+    </dgm:scene3d>
+    <dgm:sp3d/>
+    <dgm:txPr/>
+    <dgm:style>
+      <a:lnRef idx="2">
+        <a:scrgbClr r="0" g="0" b="0"/>
+      </a:lnRef>
+      <a:fillRef idx="1">
+        <a:scrgbClr r="0" g="0" b="0"/>
+      </a:fillRef>
+      <a:effectRef idx="0">
+        <a:scrgbClr r="0" g="0" b="0"/>
+      </a:effectRef>
+      <a:fontRef idx="minor">
+        <a:schemeClr val="lt1"/>
+      </a:fontRef>
+    </dgm:style>
+  </dgm:styleLbl>
+  <dgm:styleLbl name="node3">
+    <dgm:scene3d>
+      <a:camera prst="orthographicFront"/>
+      <a:lightRig rig="threePt" dir="t"/>
+    </dgm:scene3d>
+    <dgm:sp3d/>
+    <dgm:txPr/>
+    <dgm:style>
+      <a:lnRef idx="2">
+        <a:scrgbClr r="0" g="0" b="0"/>
+      </a:lnRef>
+      <a:fillRef idx="1">
+        <a:scrgbClr r="0" g="0" b="0"/>
+      </a:fillRef>
+      <a:effectRef idx="0">
+        <a:scrgbClr r="0" g="0" b="0"/>
+      </a:effectRef>
+      <a:fontRef idx="minor">
+        <a:schemeClr val="lt1"/>
+      </a:fontRef>
+    </dgm:style>
+  </dgm:styleLbl>
+  <dgm:styleLbl name="node4">
+    <dgm:scene3d>
+      <a:camera prst="orthographicFront"/>
+      <a:lightRig rig="threePt" dir="t"/>
+    </dgm:scene3d>
+    <dgm:sp3d/>
+    <dgm:txPr/>
+    <dgm:style>
+      <a:lnRef idx="2">
+        <a:scrgbClr r="0" g="0" b="0"/>
+      </a:lnRef>
+      <a:fillRef idx="1">
+        <a:scrgbClr r="0" g="0" b="0"/>
+      </a:fillRef>
+      <a:effectRef idx="0">
+        <a:scrgbClr r="0" g="0" b="0"/>
+      </a:effectRef>
+      <a:fontRef idx="minor">
+        <a:schemeClr val="lt1"/>
+      </a:fontRef>
+    </dgm:style>
+  </dgm:styleLbl>
+  <dgm:styleLbl name="fgImgPlace1">
+    <dgm:scene3d>
+      <a:camera prst="orthographicFront"/>
+      <a:lightRig rig="threePt" dir="t"/>
+    </dgm:scene3d>
+    <dgm:sp3d/>
+    <dgm:txPr/>
+    <dgm:style>
+      <a:lnRef idx="2">
+        <a:scrgbClr r="0" g="0" b="0"/>
+      </a:lnRef>
+      <a:fillRef idx="1">
+        <a:scrgbClr r="0" g="0" b="0"/>
+      </a:fillRef>
+      <a:effectRef idx="0">
+        <a:scrgbClr r="0" g="0" b="0"/>
+      </a:effectRef>
+      <a:fontRef idx="minor"/>
+    </dgm:style>
+  </dgm:styleLbl>
+  <dgm:styleLbl name="alignImgPlace1">
+    <dgm:scene3d>
+      <a:camera prst="orthographicFront"/>
+      <a:lightRig rig="threePt" dir="t"/>
+    </dgm:scene3d>
+    <dgm:sp3d/>
+    <dgm:txPr/>
+    <dgm:style>
+      <a:lnRef idx="2">
+        <a:scrgbClr r="0" g="0" b="0"/>
+      </a:lnRef>
+      <a:fillRef idx="1">
+        <a:scrgbClr r="0" g="0" b="0"/>
+      </a:fillRef>
+      <a:effectRef idx="0">
+        <a:scrgbClr r="0" g="0" b="0"/>
+      </a:effectRef>
+      <a:fontRef idx="minor"/>
+    </dgm:style>
+  </dgm:styleLbl>
+  <dgm:styleLbl name="bgImgPlace1">
+    <dgm:scene3d>
+      <a:camera prst="orthographicFront"/>
+      <a:lightRig rig="threePt" dir="t"/>
+    </dgm:scene3d>
+    <dgm:sp3d/>
+    <dgm:txPr/>
+    <dgm:style>
+      <a:lnRef idx="2">
+        <a:scrgbClr r="0" g="0" b="0"/>
+      </a:lnRef>
+      <a:fillRef idx="1">
+        <a:scrgbClr r="0" g="0" b="0"/>
+      </a:fillRef>
+      <a:effectRef idx="0">
+        <a:scrgbClr r="0" g="0" b="0"/>
+      </a:effectRef>
+      <a:fontRef idx="minor"/>
+    </dgm:style>
+  </dgm:styleLbl>
+  <dgm:styleLbl name="sibTrans2D1">
+    <dgm:scene3d>
+      <a:camera prst="orthographicFront"/>
+      <a:lightRig rig="threePt" dir="t"/>
+    </dgm:scene3d>
+    <dgm:sp3d/>
+    <dgm:txPr/>
+    <dgm:style>
+      <a:lnRef idx="0">
+        <a:scrgbClr r="0" g="0" b="0"/>
+      </a:lnRef>
+      <a:fillRef idx="1">
+        <a:scrgbClr r="0" g="0" b="0"/>
+      </a:fillRef>
+      <a:effectRef idx="0">
+        <a:scrgbClr r="0" g="0" b="0"/>
+      </a:effectRef>
+      <a:fontRef idx="minor">
+        <a:schemeClr val="lt1"/>
+      </a:fontRef>
+    </dgm:style>
+  </dgm:styleLbl>
+  <dgm:styleLbl name="fgSibTrans2D1">
+    <dgm:scene3d>
+      <a:camera prst="orthographicFront"/>
+      <a:lightRig rig="threePt" dir="t"/>
+    </dgm:scene3d>
+    <dgm:sp3d/>
+    <dgm:txPr/>
+    <dgm:style>
+      <a:lnRef idx="0">
+        <a:scrgbClr r="0" g="0" b="0"/>
+      </a:lnRef>
+      <a:fillRef idx="1">
+        <a:scrgbClr r="0" g="0" b="0"/>
+      </a:fillRef>
+      <a:effectRef idx="0">
+        <a:scrgbClr r="0" g="0" b="0"/>
+      </a:effectRef>
+      <a:fontRef idx="minor">
+        <a:schemeClr val="lt1"/>
+      </a:fontRef>
+    </dgm:style>
+  </dgm:styleLbl>
+  <dgm:styleLbl name="bgSibTrans2D1">
+    <dgm:scene3d>
+      <a:camera prst="orthographicFront"/>
+      <a:lightRig rig="threePt" dir="t"/>
+    </dgm:scene3d>
+    <dgm:sp3d/>
+    <dgm:txPr/>
+    <dgm:style>
+      <a:lnRef idx="0">
+        <a:scrgbClr r="0" g="0" b="0"/>
+      </a:lnRef>
+      <a:fillRef idx="1">
+        <a:scrgbClr r="0" g="0" b="0"/>
+      </a:fillRef>
+      <a:effectRef idx="0">
+        <a:scrgbClr r="0" g="0" b="0"/>
+      </a:effectRef>
+      <a:fontRef idx="minor">
+        <a:schemeClr val="lt1"/>
+      </a:fontRef>
+    </dgm:style>
+  </dgm:styleLbl>
+  <dgm:styleLbl name="sibTrans1D1">
+    <dgm:scene3d>
+      <a:camera prst="orthographicFront"/>
+      <a:lightRig rig="threePt" dir="t"/>
+    </dgm:scene3d>
+    <dgm:sp3d/>
+    <dgm:txPr/>
+    <dgm:style>
+      <a:lnRef idx="1">
+        <a:scrgbClr r="0" g="0" b="0"/>
+      </a:lnRef>
+      <a:fillRef idx="0">
+        <a:scrgbClr r="0" g="0" b="0"/>
+      </a:fillRef>
+      <a:effectRef idx="0">
+        <a:scrgbClr r="0" g="0" b="0"/>
+      </a:effectRef>
+      <a:fontRef idx="minor"/>
+    </dgm:style>
+  </dgm:styleLbl>
+  <dgm:styleLbl name="callout">
+    <dgm:scene3d>
+      <a:camera prst="orthographicFront"/>
+      <a:lightRig rig="threePt" dir="t"/>
+    </dgm:scene3d>
+    <dgm:sp3d/>
+    <dgm:txPr/>
+    <dgm:style>
+      <a:lnRef idx="2">
+        <a:scrgbClr r="0" g="0" b="0"/>
+      </a:lnRef>
+      <a:fillRef idx="1">
+        <a:scrgbClr r="0" g="0" b="0"/>
+      </a:fillRef>
+      <a:effectRef idx="0">
+        <a:scrgbClr r="0" g="0" b="0"/>
+      </a:effectRef>
+      <a:fontRef idx="minor"/>
+    </dgm:style>
+  </dgm:styleLbl>
+  <dgm:styleLbl name="asst0">
+    <dgm:scene3d>
+      <a:camera prst="orthographicFront"/>
+      <a:lightRig rig="threePt" dir="t"/>
+    </dgm:scene3d>
+    <dgm:sp3d/>
+    <dgm:txPr/>
+    <dgm:style>
+      <a:lnRef idx="2">
+        <a:scrgbClr r="0" g="0" b="0"/>
+      </a:lnRef>
+      <a:fillRef idx="1">
+        <a:scrgbClr r="0" g="0" b="0"/>
+      </a:fillRef>
+      <a:effectRef idx="0">
+        <a:scrgbClr r="0" g="0" b="0"/>
+      </a:effectRef>
+      <a:fontRef idx="minor">
+        <a:schemeClr val="lt1"/>
+      </a:fontRef>
+    </dgm:style>
+  </dgm:styleLbl>
+  <dgm:styleLbl name="asst1">
+    <dgm:scene3d>
+      <a:camera prst="orthographicFront"/>
+      <a:lightRig rig="threePt" dir="t"/>
+    </dgm:scene3d>
+    <dgm:sp3d/>
+    <dgm:txPr/>
+    <dgm:style>
+      <a:lnRef idx="2">
+        <a:scrgbClr r="0" g="0" b="0"/>
+      </a:lnRef>
+      <a:fillRef idx="1">
+        <a:scrgbClr r="0" g="0" b="0"/>
+      </a:fillRef>
+      <a:effectRef idx="0">
+        <a:scrgbClr r="0" g="0" b="0"/>
+      </a:effectRef>
+      <a:fontRef idx="minor">
+        <a:schemeClr val="lt1"/>
+      </a:fontRef>
+    </dgm:style>
+  </dgm:styleLbl>
+  <dgm:styleLbl name="asst2">
+    <dgm:scene3d>
+      <a:camera prst="orthographicFront"/>
+      <a:lightRig rig="threePt" dir="t"/>
+    </dgm:scene3d>
+    <dgm:sp3d/>
+    <dgm:txPr/>
+    <dgm:style>
+      <a:lnRef idx="2">
+        <a:scrgbClr r="0" g="0" b="0"/>
+      </a:lnRef>
+      <a:fillRef idx="1">
+        <a:scrgbClr r="0" g="0" b="0"/>
+      </a:fillRef>
+      <a:effectRef idx="0">
+        <a:scrgbClr r="0" g="0" b="0"/>
+      </a:effectRef>
+      <a:fontRef idx="minor">
+        <a:schemeClr val="lt1"/>
+      </a:fontRef>
+    </dgm:style>
+  </dgm:styleLbl>
+  <dgm:styleLbl name="asst3">
+    <dgm:scene3d>
+      <a:camera prst="orthographicFront"/>
+      <a:lightRig rig="threePt" dir="t"/>
+    </dgm:scene3d>
+    <dgm:sp3d/>
+    <dgm:txPr/>
+    <dgm:style>
+      <a:lnRef idx="2">
+        <a:scrgbClr r="0" g="0" b="0"/>
+      </a:lnRef>
+      <a:fillRef idx="1">
+        <a:scrgbClr r="0" g="0" b="0"/>
+      </a:fillRef>
+      <a:effectRef idx="0">
+        <a:scrgbClr r="0" g="0" b="0"/>
+      </a:effectRef>
+      <a:fontRef idx="minor">
+        <a:schemeClr val="lt1"/>
+      </a:fontRef>
+    </dgm:style>
+  </dgm:styleLbl>
+  <dgm:styleLbl name="asst4">
+    <dgm:scene3d>
+      <a:camera prst="orthographicFront"/>
+      <a:lightRig rig="threePt" dir="t"/>
+    </dgm:scene3d>
+    <dgm:sp3d/>
+    <dgm:txPr/>
+    <dgm:style>
+      <a:lnRef idx="2">
+        <a:scrgbClr r="0" g="0" b="0"/>
+      </a:lnRef>
+      <a:fillRef idx="1">
+        <a:scrgbClr r="0" g="0" b="0"/>
+      </a:fillRef>
+      <a:effectRef idx="0">
+        <a:scrgbClr r="0" g="0" b="0"/>
+      </a:effectRef>
+      <a:fontRef idx="minor">
+        <a:schemeClr val="lt1"/>
+      </a:fontRef>
+    </dgm:style>
+  </dgm:styleLbl>
+  <dgm:styleLbl name="parChTrans2D1">
+    <dgm:scene3d>
+      <a:camera prst="orthographicFront"/>
+      <a:lightRig rig="threePt" dir="t"/>
+    </dgm:scene3d>
+    <dgm:sp3d/>
+    <dgm:txPr/>
+    <dgm:style>
+      <a:lnRef idx="2">
+        <a:scrgbClr r="0" g="0" b="0"/>
+      </a:lnRef>
+      <a:fillRef idx="1">
+        <a:scrgbClr r="0" g="0" b="0"/>
+      </a:fillRef>
+      <a:effectRef idx="0">
+        <a:scrgbClr r="0" g="0" b="0"/>
+      </a:effectRef>
+      <a:fontRef idx="minor">
+        <a:schemeClr val="lt1"/>
+      </a:fontRef>
+    </dgm:style>
+  </dgm:styleLbl>
+  <dgm:styleLbl name="parChTrans2D2">
+    <dgm:scene3d>
+      <a:camera prst="orthographicFront"/>
+      <a:lightRig rig="threePt" dir="t"/>
+    </dgm:scene3d>
+    <dgm:sp3d/>
+    <dgm:txPr/>
+    <dgm:style>
+      <a:lnRef idx="2">
+        <a:scrgbClr r="0" g="0" b="0"/>
+      </a:lnRef>
+      <a:fillRef idx="1">
+        <a:scrgbClr r="0" g="0" b="0"/>
+      </a:fillRef>
+      <a:effectRef idx="0">
+        <a:scrgbClr r="0" g="0" b="0"/>
+      </a:effectRef>
+      <a:fontRef idx="minor">
+        <a:schemeClr val="lt1"/>
+      </a:fontRef>
+    </dgm:style>
+  </dgm:styleLbl>
+  <dgm:styleLbl name="parChTrans2D3">
+    <dgm:scene3d>
+      <a:camera prst="orthographicFront"/>
+      <a:lightRig rig="threePt" dir="t"/>
+    </dgm:scene3d>
+    <dgm:sp3d/>
+    <dgm:txPr/>
+    <dgm:style>
+      <a:lnRef idx="2">
+        <a:scrgbClr r="0" g="0" b="0"/>
+      </a:lnRef>
+      <a:fillRef idx="1">
+        <a:scrgbClr r="0" g="0" b="0"/>
+      </a:fillRef>
+      <a:effectRef idx="0">
+        <a:scrgbClr r="0" g="0" b="0"/>
+      </a:effectRef>
+      <a:fontRef idx="minor">
+        <a:schemeClr val="lt1"/>
+      </a:fontRef>
+    </dgm:style>
+  </dgm:styleLbl>
+  <dgm:styleLbl name="parChTrans2D4">
+    <dgm:scene3d>
+      <a:camera prst="orthographicFront"/>
+      <a:lightRig rig="threePt" dir="t"/>
+    </dgm:scene3d>
+    <dgm:sp3d/>
+    <dgm:txPr/>
+    <dgm:style>
+      <a:lnRef idx="2">
+        <a:scrgbClr r="0" g="0" b="0"/>
+      </a:lnRef>
+      <a:fillRef idx="1">
+        <a:scrgbClr r="0" g="0" b="0"/>
+      </a:fillRef>
+      <a:effectRef idx="0">
+        <a:scrgbClr r="0" g="0" b="0"/>
+      </a:effectRef>
+      <a:fontRef idx="minor">
+        <a:schemeClr val="lt1"/>
+      </a:fontRef>
+    </dgm:style>
+  </dgm:styleLbl>
+  <dgm:styleLbl name="parChTrans1D1">
+    <dgm:scene3d>
+      <a:camera prst="orthographicFront"/>
+      <a:lightRig rig="threePt" dir="t"/>
+    </dgm:scene3d>
+    <dgm:sp3d/>
+    <dgm:txPr/>
+    <dgm:style>
+      <a:lnRef idx="2">
+        <a:scrgbClr r="0" g="0" b="0"/>
+      </a:lnRef>
+      <a:fillRef idx="0">
+        <a:scrgbClr r="0" g="0" b="0"/>
+      </a:fillRef>
+      <a:effectRef idx="0">
+        <a:scrgbClr r="0" g="0" b="0"/>
+      </a:effectRef>
+      <a:fontRef idx="minor"/>
+    </dgm:style>
+  </dgm:styleLbl>
+  <dgm:styleLbl name="parChTrans1D2">
+    <dgm:scene3d>
+      <a:camera prst="orthographicFront"/>
+      <a:lightRig rig="threePt" dir="t"/>
+    </dgm:scene3d>
+    <dgm:sp3d/>
+    <dgm:txPr/>
+    <dgm:style>
+      <a:lnRef idx="2">
+        <a:scrgbClr r="0" g="0" b="0"/>
+      </a:lnRef>
+      <a:fillRef idx="0">
+        <a:scrgbClr r="0" g="0" b="0"/>
+      </a:fillRef>
+      <a:effectRef idx="0">
+        <a:scrgbClr r="0" g="0" b="0"/>
+      </a:effectRef>
+      <a:fontRef idx="minor"/>
+    </dgm:style>
+  </dgm:styleLbl>
+  <dgm:styleLbl name="parChTrans1D3">
+    <dgm:scene3d>
+      <a:camera prst="orthographicFront"/>
+      <a:lightRig rig="threePt" dir="t"/>
+    </dgm:scene3d>
+    <dgm:sp3d/>
+    <dgm:txPr/>
+    <dgm:style>
+      <a:lnRef idx="2">
+        <a:scrgbClr r="0" g="0" b="0"/>
+      </a:lnRef>
+      <a:fillRef idx="0">
+        <a:scrgbClr r="0" g="0" b="0"/>
+      </a:fillRef>
+      <a:effectRef idx="0">
+        <a:scrgbClr r="0" g="0" b="0"/>
+      </a:effectRef>
+      <a:fontRef idx="minor"/>
+    </dgm:style>
+  </dgm:styleLbl>
+  <dgm:styleLbl name="parChTrans1D4">
+    <dgm:scene3d>
+      <a:camera prst="orthographicFront"/>
+      <a:lightRig rig="threePt" dir="t"/>
+    </dgm:scene3d>
+    <dgm:sp3d/>
+    <dgm:txPr/>
+    <dgm:style>
+      <a:lnRef idx="2">
+        <a:scrgbClr r="0" g="0" b="0"/>
+      </a:lnRef>
+      <a:fillRef idx="0">
+        <a:scrgbClr r="0" g="0" b="0"/>
+      </a:fillRef>
+      <a:effectRef idx="0">
+        <a:scrgbClr r="0" g="0" b="0"/>
+      </a:effectRef>
+      <a:fontRef idx="minor"/>
+    </dgm:style>
+  </dgm:styleLbl>
+  <dgm:styleLbl name="fgAcc1">
+    <dgm:scene3d>
+      <a:camera prst="orthographicFront"/>
+      <a:lightRig rig="threePt" dir="t"/>
+    </dgm:scene3d>
+    <dgm:sp3d/>
+    <dgm:txPr/>
+    <dgm:style>
+      <a:lnRef idx="2">
+        <a:scrgbClr r="0" g="0" b="0"/>
+      </a:lnRef>
+      <a:fillRef idx="1">
+        <a:scrgbClr r="0" g="0" b="0"/>
+      </a:fillRef>
+      <a:effectRef idx="0">
+        <a:scrgbClr r="0" g="0" b="0"/>
+      </a:effectRef>
+      <a:fontRef idx="minor"/>
+    </dgm:style>
+  </dgm:styleLbl>
+  <dgm:styleLbl name="conFgAcc1">
+    <dgm:scene3d>
+      <a:camera prst="orthographicFront"/>
+      <a:lightRig rig="threePt" dir="t"/>
+    </dgm:scene3d>
+    <dgm:sp3d/>
+    <dgm:txPr/>
+    <dgm:style>
+      <a:lnRef idx="2">
+        <a:scrgbClr r="0" g="0" b="0"/>
+      </a:lnRef>
+      <a:fillRef idx="1">
+        <a:scrgbClr r="0" g="0" b="0"/>
+      </a:fillRef>
+      <a:effectRef idx="0">
+        <a:scrgbClr r="0" g="0" b="0"/>
+      </a:effectRef>
+      <a:fontRef idx="minor"/>
+    </dgm:style>
+  </dgm:styleLbl>
+  <dgm:styleLbl name="alignAcc1">
+    <dgm:scene3d>
+      <a:camera prst="orthographicFront"/>
+      <a:lightRig rig="threePt" dir="t"/>
+    </dgm:scene3d>
+    <dgm:sp3d/>
+    <dgm:txPr/>
+    <dgm:style>
+      <a:lnRef idx="2">
+        <a:scrgbClr r="0" g="0" b="0"/>
+      </a:lnRef>
+      <a:fillRef idx="1">
+        <a:scrgbClr r="0" g="0" b="0"/>
+      </a:fillRef>
+      <a:effectRef idx="0">
+        <a:scrgbClr r="0" g="0" b="0"/>
+      </a:effectRef>
+      <a:fontRef idx="minor"/>
+    </dgm:style>
+  </dgm:styleLbl>
+  <dgm:styleLbl name="trAlignAcc1">
+    <dgm:scene3d>
+      <a:camera prst="orthographicFront"/>
+      <a:lightRig rig="threePt" dir="t"/>
+    </dgm:scene3d>
+    <dgm:sp3d/>
+    <dgm:txPr/>
+    <dgm:style>
+      <a:lnRef idx="1">
+        <a:scrgbClr r="0" g="0" b="0"/>
+      </a:lnRef>
+      <a:fillRef idx="1">
+        <a:scrgbClr r="0" g="0" b="0"/>
+      </a:fillRef>
+      <a:effectRef idx="0">
+        <a:scrgbClr r="0" g="0" b="0"/>
+      </a:effectRef>
+      <a:fontRef idx="minor"/>
+    </dgm:style>
+  </dgm:styleLbl>
+  <dgm:styleLbl name="bgAcc1">
+    <dgm:scene3d>
+      <a:camera prst="orthographicFront"/>
+      <a:lightRig rig="threePt" dir="t"/>
+    </dgm:scene3d>
+    <dgm:sp3d/>
+    <dgm:txPr/>
+    <dgm:style>
+      <a:lnRef idx="2">
+        <a:scrgbClr r="0" g="0" b="0"/>
+      </a:lnRef>
+      <a:fillRef idx="1">
+        <a:scrgbClr r="0" g="0" b="0"/>
+      </a:fillRef>
+      <a:effectRef idx="0">
+        <a:scrgbClr r="0" g="0" b="0"/>
+      </a:effectRef>
+      <a:fontRef idx="minor"/>
+    </dgm:style>
+  </dgm:styleLbl>
+  <dgm:styleLbl name="solidFgAcc1">
+    <dgm:scene3d>
+      <a:camera prst="orthographicFront"/>
+      <a:lightRig rig="threePt" dir="t"/>
+    </dgm:scene3d>
+    <dgm:sp3d/>
+    <dgm:txPr/>
+    <dgm:style>
+      <a:lnRef idx="2">
+        <a:scrgbClr r="0" g="0" b="0"/>
+      </a:lnRef>
+      <a:fillRef idx="1">
+        <a:scrgbClr r="0" g="0" b="0"/>
+      </a:fillRef>
+      <a:effectRef idx="0">
+        <a:scrgbClr r="0" g="0" b="0"/>
+      </a:effectRef>
+      <a:fontRef idx="minor"/>
+    </dgm:style>
+  </dgm:styleLbl>
+  <dgm:styleLbl name="solidAlignAcc1">
+    <dgm:scene3d>
+      <a:camera prst="orthographicFront"/>
+      <a:lightRig rig="threePt" dir="t"/>
+    </dgm:scene3d>
+    <dgm:sp3d/>
+    <dgm:txPr/>
+    <dgm:style>
+      <a:lnRef idx="2">
+        <a:scrgbClr r="0" g="0" b="0"/>
+      </a:lnRef>
+      <a:fillRef idx="1">
+        <a:scrgbClr r="0" g="0" b="0"/>
+      </a:fillRef>
+      <a:effectRef idx="0">
+        <a:scrgbClr r="0" g="0" b="0"/>
+      </a:effectRef>
+      <a:fontRef idx="minor"/>
+    </dgm:style>
+  </dgm:styleLbl>
+  <dgm:styleLbl name="solidBgAcc1">
+    <dgm:scene3d>
+      <a:camera prst="orthographicFront"/>
+      <a:lightRig rig="threePt" dir="t"/>
+    </dgm:scene3d>
+    <dgm:sp3d/>
+    <dgm:txPr/>
+    <dgm:style>
+      <a:lnRef idx="2">
+        <a:scrgbClr r="0" g="0" b="0"/>
+      </a:lnRef>
+      <a:fillRef idx="1">
+        <a:scrgbClr r="0" g="0" b="0"/>
+      </a:fillRef>
+      <a:effectRef idx="0">
+        <a:scrgbClr r="0" g="0" b="0"/>
+      </a:effectRef>
+      <a:fontRef idx="minor"/>
+    </dgm:style>
+  </dgm:styleLbl>
+  <dgm:styleLbl name="fgAccFollowNode1">
+    <dgm:scene3d>
+      <a:camera prst="orthographicFront"/>
+      <a:lightRig rig="threePt" dir="t"/>
+    </dgm:scene3d>
+    <dgm:sp3d/>
+    <dgm:txPr/>
+    <dgm:style>
+      <a:lnRef idx="2">
+        <a:scrgbClr r="0" g="0" b="0"/>
+      </a:lnRef>
+      <a:fillRef idx="1">
+        <a:scrgbClr r="0" g="0" b="0"/>
+      </a:fillRef>
+      <a:effectRef idx="0">
+        <a:scrgbClr r="0" g="0" b="0"/>
+      </a:effectRef>
+      <a:fontRef idx="minor"/>
+    </dgm:style>
+  </dgm:styleLbl>
+  <dgm:styleLbl name="alignAccFollowNode1">
+    <dgm:scene3d>
+      <a:camera prst="orthographicFront"/>
+      <a:lightRig rig="threePt" dir="t"/>
+    </dgm:scene3d>
+    <dgm:sp3d/>
+    <dgm:txPr/>
+    <dgm:style>
+      <a:lnRef idx="2">
+        <a:scrgbClr r="0" g="0" b="0"/>
+      </a:lnRef>
+      <a:fillRef idx="1">
+        <a:scrgbClr r="0" g="0" b="0"/>
+      </a:fillRef>
+      <a:effectRef idx="0">
+        <a:scrgbClr r="0" g="0" b="0"/>
+      </a:effectRef>
+      <a:fontRef idx="minor"/>
+    </dgm:style>
+  </dgm:styleLbl>
+  <dgm:styleLbl name="bgAccFollowNode1">
+    <dgm:scene3d>
+      <a:camera prst="orthographicFront"/>
+      <a:lightRig rig="threePt" dir="t"/>
+    </dgm:scene3d>
+    <dgm:sp3d/>
+    <dgm:txPr/>
+    <dgm:style>
+      <a:lnRef idx="2">
+        <a:scrgbClr r="0" g="0" b="0"/>
+      </a:lnRef>
+      <a:fillRef idx="1">
+        <a:scrgbClr r="0" g="0" b="0"/>
+      </a:fillRef>
+      <a:effectRef idx="0">
+        <a:scrgbClr r="0" g="0" b="0"/>
+      </a:effectRef>
+      <a:fontRef idx="minor"/>
+    </dgm:style>
+  </dgm:styleLbl>
+  <dgm:styleLbl name="fgAcc0">
+    <dgm:scene3d>
+      <a:camera prst="orthographicFront"/>
+      <a:lightRig rig="threePt" dir="t"/>
+    </dgm:scene3d>
+    <dgm:sp3d/>
+    <dgm:txPr/>
+    <dgm:style>
+      <a:lnRef idx="2">
+        <a:scrgbClr r="0" g="0" b="0"/>
+      </a:lnRef>
+      <a:fillRef idx="1">
+        <a:scrgbClr r="0" g="0" b="0"/>
+      </a:fillRef>
+      <a:effectRef idx="0">
+        <a:scrgbClr r="0" g="0" b="0"/>
+      </a:effectRef>
+      <a:fontRef idx="minor"/>
+    </dgm:style>
+  </dgm:styleLbl>
+  <dgm:styleLbl name="fgAcc2">
+    <dgm:scene3d>
+      <a:camera prst="orthographicFront"/>
+      <a:lightRig rig="threePt" dir="t"/>
+    </dgm:scene3d>
+    <dgm:sp3d/>
+    <dgm:txPr/>
+    <dgm:style>
+      <a:lnRef idx="2">
+        <a:scrgbClr r="0" g="0" b="0"/>
+      </a:lnRef>
+      <a:fillRef idx="1">
+        <a:scrgbClr r="0" g="0" b="0"/>
+      </a:fillRef>
+      <a:effectRef idx="0">
+        <a:scrgbClr r="0" g="0" b="0"/>
+      </a:effectRef>
+      <a:fontRef idx="minor"/>
+    </dgm:style>
+  </dgm:styleLbl>
+  <dgm:styleLbl name="fgAcc3">
+    <dgm:scene3d>
+      <a:camera prst="orthographicFront"/>
+      <a:lightRig rig="threePt" dir="t"/>
+    </dgm:scene3d>
+    <dgm:sp3d/>
+    <dgm:txPr/>
+    <dgm:style>
+      <a:lnRef idx="2">
+        <a:scrgbClr r="0" g="0" b="0"/>
+      </a:lnRef>
+      <a:fillRef idx="1">
+        <a:scrgbClr r="0" g="0" b="0"/>
+      </a:fillRef>
+      <a:effectRef idx="0">
+        <a:scrgbClr r="0" g="0" b="0"/>
+      </a:effectRef>
+      <a:fontRef idx="minor"/>
+    </dgm:style>
+  </dgm:styleLbl>
+  <dgm:styleLbl name="fgAcc4">
+    <dgm:scene3d>
+      <a:camera prst="orthographicFront"/>
+      <a:lightRig rig="threePt" dir="t"/>
+    </dgm:scene3d>
+    <dgm:sp3d/>
+    <dgm:txPr/>
+    <dgm:style>
+      <a:lnRef idx="2">
+        <a:scrgbClr r="0" g="0" b="0"/>
+      </a:lnRef>
+      <a:fillRef idx="1">
+        <a:scrgbClr r="0" g="0" b="0"/>
+      </a:fillRef>
+      <a:effectRef idx="0">
+        <a:scrgbClr r="0" g="0" b="0"/>
+      </a:effectRef>
+      <a:fontRef idx="minor"/>
+    </dgm:style>
+  </dgm:styleLbl>
+  <dgm:styleLbl name="bgShp">
+    <dgm:scene3d>
+      <a:camera prst="orthographicFront"/>
+      <a:lightRig rig="threePt" dir="t"/>
+    </dgm:scene3d>
+    <dgm:sp3d/>
+    <dgm:txPr/>
+    <dgm:style>
+      <a:lnRef idx="0">
+        <a:scrgbClr r="0" g="0" b="0"/>
+      </a:lnRef>
+      <a:fillRef idx="1">
+        <a:scrgbClr r="0" g="0" b="0"/>
+      </a:fillRef>
+      <a:effectRef idx="0">
+        <a:scrgbClr r="0" g="0" b="0"/>
+      </a:effectRef>
+      <a:fontRef idx="minor"/>
+    </dgm:style>
+  </dgm:styleLbl>
+  <dgm:styleLbl name="dkBgShp">
+    <dgm:scene3d>
+      <a:camera prst="orthographicFront"/>
+      <a:lightRig rig="threePt" dir="t"/>
+    </dgm:scene3d>
+    <dgm:sp3d/>
+    <dgm:txPr/>
+    <dgm:style>
+      <a:lnRef idx="0">
+        <a:scrgbClr r="0" g="0" b="0"/>
+      </a:lnRef>
+      <a:fillRef idx="1">
+        <a:scrgbClr r="0" g="0" b="0"/>
+      </a:fillRef>
+      <a:effectRef idx="0">
+        <a:scrgbClr r="0" g="0" b="0"/>
+      </a:effectRef>
+      <a:fontRef idx="minor"/>
+    </dgm:style>
+  </dgm:styleLbl>
+  <dgm:styleLbl name="trBgShp">
+    <dgm:scene3d>
+      <a:camera prst="orthographicFront"/>
+      <a:lightRig rig="threePt" dir="t"/>
+    </dgm:scene3d>
+    <dgm:sp3d/>
+    <dgm:txPr/>
+    <dgm:style>
+      <a:lnRef idx="0">
+        <a:scrgbClr r="0" g="0" b="0"/>
+      </a:lnRef>
+      <a:fillRef idx="1">
+        <a:scrgbClr r="0" g="0" b="0"/>
+      </a:fillRef>
+      <a:effectRef idx="0">
+        <a:scrgbClr r="0" g="0" b="0"/>
+      </a:effectRef>
+      <a:fontRef idx="minor"/>
+    </dgm:style>
+  </dgm:styleLbl>
+  <dgm:styleLbl name="fgShp">
+    <dgm:scene3d>
+      <a:camera prst="orthographicFront"/>
+      <a:lightRig rig="threePt" dir="t"/>
+    </dgm:scene3d>
+    <dgm:sp3d/>
+    <dgm:txPr/>
+    <dgm:style>
+      <a:lnRef idx="2">
+        <a:scrgbClr r="0" g="0" b="0"/>
+      </a:lnRef>
+      <a:fillRef idx="1">
+        <a:scrgbClr r="0" g="0" b="0"/>
+      </a:fillRef>
+      <a:effectRef idx="0">
+        <a:scrgbClr r="0" g="0" b="0"/>
+      </a:effectRef>
+      <a:fontRef idx="minor"/>
+    </dgm:style>
+  </dgm:styleLbl>
+  <dgm:styleLbl name="revTx">
+    <dgm:scene3d>
+      <a:camera prst="orthographicFront"/>
+      <a:lightRig rig="threePt" dir="t"/>
+    </dgm:scene3d>
+    <dgm:sp3d/>
+    <dgm:txPr/>
+    <dgm:style>
+      <a:lnRef idx="0">
+        <a:scrgbClr r="0" g="0" b="0"/>
+      </a:lnRef>
+      <a:fillRef idx="0">
+        <a:scrgbClr r="0" g="0" b="0"/>
+      </a:fillRef>
+      <a:effectRef idx="0">
+        <a:scrgbClr r="0" g="0" b="0"/>
+      </a:effectRef>
+      <a:fontRef idx="minor"/>
+    </dgm:style>
+  </dgm:styleLbl>
+</dgm:styleDef>
+</file>
+
 <file path=ppt/notesMasters/notesMaster1.xml><?xml version="1.0" encoding="utf-8"?>
 <p:notesMaster xmlns:a="http://schemas.openxmlformats.org/drawingml/2006/main" xmlns:r="http://schemas.openxmlformats.org/officeDocument/2006/relationships" xmlns:p="http://schemas.openxmlformats.org/presentationml/2006/main">
   <p:cSld>
@@ -17176,7 +22174,7 @@
           <a:p>
             <a:fld id="{18320935-7879-4FC8-A6C9-17BE08BC5BEB}" type="datetimeFigureOut">
               <a:rPr lang="pt-BR" smtClean="0"/>
-              <a:t>26/05/2025</a:t>
+              <a:t>29/05/2025</a:t>
             </a:fld>
             <a:endParaRPr lang="pt-BR"/>
           </a:p>
@@ -17590,7 +22588,7 @@
           <a:p>
             <a:fld id="{055D9AF5-8B02-462A-998E-086C6BD146E3}" type="datetime1">
               <a:rPr lang="pt-BR" smtClean="0"/>
-              <a:t>26/05/2025</a:t>
+              <a:t>29/05/2025</a:t>
             </a:fld>
             <a:endParaRPr lang="pt-BR"/>
           </a:p>
@@ -17788,7 +22786,7 @@
           <a:p>
             <a:fld id="{258448AC-78A4-411F-B30C-72E16663FB27}" type="datetime1">
               <a:rPr lang="pt-BR" smtClean="0"/>
-              <a:t>26/05/2025</a:t>
+              <a:t>29/05/2025</a:t>
             </a:fld>
             <a:endParaRPr lang="pt-BR"/>
           </a:p>
@@ -17996,7 +22994,7 @@
           <a:p>
             <a:fld id="{9F1F3115-DB14-4321-8D36-A5960E5A90C2}" type="datetime1">
               <a:rPr lang="pt-BR" smtClean="0"/>
-              <a:t>26/05/2025</a:t>
+              <a:t>29/05/2025</a:t>
             </a:fld>
             <a:endParaRPr lang="pt-BR"/>
           </a:p>
@@ -18194,7 +23192,7 @@
           <a:p>
             <a:fld id="{D8C6E8C3-9067-43B2-BEF6-C1F5787FC74D}" type="datetime1">
               <a:rPr lang="pt-BR" smtClean="0"/>
-              <a:t>26/05/2025</a:t>
+              <a:t>29/05/2025</a:t>
             </a:fld>
             <a:endParaRPr lang="pt-BR"/>
           </a:p>
@@ -18469,7 +23467,7 @@
           <a:p>
             <a:fld id="{AEDAA854-EDC2-459C-AF0A-0D60AE43886D}" type="datetime1">
               <a:rPr lang="pt-BR" smtClean="0"/>
-              <a:t>26/05/2025</a:t>
+              <a:t>29/05/2025</a:t>
             </a:fld>
             <a:endParaRPr lang="pt-BR"/>
           </a:p>
@@ -18734,7 +23732,7 @@
           <a:p>
             <a:fld id="{5D91D852-DAA6-48D5-92B2-C187B4D9E703}" type="datetime1">
               <a:rPr lang="pt-BR" smtClean="0"/>
-              <a:t>26/05/2025</a:t>
+              <a:t>29/05/2025</a:t>
             </a:fld>
             <a:endParaRPr lang="pt-BR"/>
           </a:p>
@@ -19146,7 +24144,7 @@
           <a:p>
             <a:fld id="{CDC3A4EE-7EB3-49B0-B009-2BF3B4DB4BF7}" type="datetime1">
               <a:rPr lang="pt-BR" smtClean="0"/>
-              <a:t>26/05/2025</a:t>
+              <a:t>29/05/2025</a:t>
             </a:fld>
             <a:endParaRPr lang="pt-BR"/>
           </a:p>
@@ -19287,7 +24285,7 @@
           <a:p>
             <a:fld id="{224C9A1C-CA50-4622-B615-0639F6347B1D}" type="datetime1">
               <a:rPr lang="pt-BR" smtClean="0"/>
-              <a:t>26/05/2025</a:t>
+              <a:t>29/05/2025</a:t>
             </a:fld>
             <a:endParaRPr lang="pt-BR"/>
           </a:p>
@@ -19400,7 +24398,7 @@
           <a:p>
             <a:fld id="{3D6C1E11-059F-430B-ACAB-308983ADDB72}" type="datetime1">
               <a:rPr lang="pt-BR" smtClean="0"/>
-              <a:t>26/05/2025</a:t>
+              <a:t>29/05/2025</a:t>
             </a:fld>
             <a:endParaRPr lang="pt-BR"/>
           </a:p>
@@ -19711,7 +24709,7 @@
           <a:p>
             <a:fld id="{D818A351-4929-4117-9E02-9240FA4BEF66}" type="datetime1">
               <a:rPr lang="pt-BR" smtClean="0"/>
-              <a:t>26/05/2025</a:t>
+              <a:t>29/05/2025</a:t>
             </a:fld>
             <a:endParaRPr lang="pt-BR"/>
           </a:p>
@@ -19999,7 +24997,7 @@
           <a:p>
             <a:fld id="{0717CE0E-0A9C-4DE7-9D3C-C334C624287A}" type="datetime1">
               <a:rPr lang="pt-BR" smtClean="0"/>
-              <a:t>26/05/2025</a:t>
+              <a:t>29/05/2025</a:t>
             </a:fld>
             <a:endParaRPr lang="pt-BR"/>
           </a:p>
@@ -20240,7 +25238,7 @@
           <a:p>
             <a:fld id="{8DEF6C12-3CCD-4BA5-AA5A-B9FCBFB668F7}" type="datetime1">
               <a:rPr lang="pt-BR" smtClean="0"/>
-              <a:t>26/05/2025</a:t>
+              <a:t>29/05/2025</a:t>
             </a:fld>
             <a:endParaRPr lang="pt-BR"/>
           </a:p>
@@ -20870,98 +25868,34 @@
           <a:chExt cx="0" cy="0"/>
         </a:xfrm>
       </p:grpSpPr>
-      <p:sp>
-        <p:nvSpPr>
-          <p:cNvPr id="3" name="Subtítulo 2">
+      <p:graphicFrame>
+        <p:nvGraphicFramePr>
+          <p:cNvPr id="2" name="Diagrama 1">
             <a:extLst>
               <a:ext uri="{FF2B5EF4-FFF2-40B4-BE49-F238E27FC236}">
-                <a16:creationId xmlns:a16="http://schemas.microsoft.com/office/drawing/2014/main" id="{D2CF158D-A03D-2A3A-60A0-023DB6C50F98}"/>
+                <a16:creationId xmlns:a16="http://schemas.microsoft.com/office/drawing/2014/main" id="{6A6892B3-106F-45C4-BBB0-C1E98040FAA2}"/>
               </a:ext>
             </a:extLst>
           </p:cNvPr>
-          <p:cNvSpPr>
-            <a:spLocks noGrp="1"/>
-          </p:cNvSpPr>
+          <p:cNvGraphicFramePr/>
           <p:nvPr>
-            <p:ph type="subTitle" idx="1"/>
+            <p:extLst>
+              <p:ext uri="{D42A27DB-BD31-4B8C-83A1-F6EECF244321}">
+                <p14:modId xmlns:p14="http://schemas.microsoft.com/office/powerpoint/2010/main" val="442129782"/>
+              </p:ext>
+            </p:extLst>
           </p:nvPr>
-        </p:nvSpPr>
-        <p:spPr>
-          <a:xfrm>
-            <a:off x="1580113" y="2590453"/>
-            <a:ext cx="9750495" cy="2766000"/>
-          </a:xfrm>
-        </p:spPr>
-        <p:txBody>
-          <a:bodyPr>
-            <a:normAutofit lnSpcReduction="10000"/>
-          </a:bodyPr>
-          <a:lstStyle/>
-          <a:p>
-            <a:pPr marL="457200" indent="-457200" algn="l">
-              <a:buFontTx/>
-              <a:buChar char="-"/>
-            </a:pPr>
-            <a:r>
-              <a:rPr lang="pt-BR" sz="2800" b="1" dirty="0"/>
-              <a:t>Local</a:t>
-            </a:r>
-            <a:r>
-              <a:rPr lang="pt-BR" sz="2800" dirty="0"/>
-              <a:t>:</a:t>
-            </a:r>
-            <a:br>
-              <a:rPr lang="pt-BR" sz="2000" dirty="0"/>
-            </a:br>
-            <a:r>
-              <a:rPr lang="pt-BR" sz="2000" dirty="0"/>
-              <a:t>Liceu Santista (Santos/SP) — laboratórios de informática e salas de aula.</a:t>
-            </a:r>
-          </a:p>
-          <a:p>
-            <a:pPr marL="457200" indent="-457200" algn="l">
-              <a:buFontTx/>
-              <a:buChar char="-"/>
-            </a:pPr>
-            <a:r>
-              <a:rPr lang="pt-BR" sz="2800" b="1" dirty="0"/>
-              <a:t>Participantes:</a:t>
-            </a:r>
-            <a:br>
-              <a:rPr lang="pt-BR" sz="2800" dirty="0"/>
-            </a:br>
-            <a:r>
-              <a:rPr lang="pt-BR" sz="2000" dirty="0"/>
-              <a:t>Alunos: turma-piloto de 2ª série 10 alunos, selecionados por conveniência.</a:t>
-            </a:r>
-          </a:p>
-          <a:p>
-            <a:pPr marL="457200" indent="-457200" algn="l">
-              <a:buFontTx/>
-              <a:buChar char="-"/>
-            </a:pPr>
-            <a:r>
-              <a:rPr lang="pt-BR" sz="3000" b="1" dirty="0"/>
-              <a:t>Período:</a:t>
-            </a:r>
-            <a:br>
-              <a:rPr lang="pt-BR" sz="2000" dirty="0"/>
-            </a:br>
-            <a:r>
-              <a:rPr lang="pt-BR" sz="2000" dirty="0"/>
-              <a:t>Dia 28 de maio de 2025, durante o período da tarde, teste em laboratório de informática</a:t>
-            </a:r>
-          </a:p>
-          <a:p>
-            <a:pPr algn="l"/>
-            <a:r>
-              <a:rPr lang="pt-BR" sz="2000" dirty="0"/>
-              <a:t>	</a:t>
-            </a:r>
-            <a:endParaRPr lang="pt-BR" sz="2800" dirty="0"/>
-          </a:p>
-        </p:txBody>
-      </p:sp>
+        </p:nvGraphicFramePr>
+        <p:xfrm>
+          <a:off x="1343370" y="3054638"/>
+          <a:ext cx="9750495" cy="2766000"/>
+        </p:xfrm>
+        <a:graphic>
+          <a:graphicData uri="http://schemas.openxmlformats.org/drawingml/2006/diagram">
+            <dgm:relIds xmlns:dgm="http://schemas.openxmlformats.org/drawingml/2006/diagram" xmlns:r="http://schemas.openxmlformats.org/officeDocument/2006/relationships" r:dm="rId2" r:lo="rId3" r:qs="rId4" r:cs="rId5"/>
+          </a:graphicData>
+        </a:graphic>
+      </p:graphicFrame>
       <p:pic>
         <p:nvPicPr>
           <p:cNvPr id="4" name="Imagem 3">
@@ -20975,7 +25909,7 @@
           <p:nvPr/>
         </p:nvPicPr>
         <p:blipFill>
-          <a:blip r:embed="rId2">
+          <a:blip r:embed="rId7">
             <a:extLst>
               <a:ext uri="{28A0092B-C50C-407E-A947-70E740481C1C}">
                 <a14:useLocalDpi xmlns:a14="http://schemas.microsoft.com/office/drawing/2010/main" val="0"/>
@@ -21014,7 +25948,7 @@
           <p:nvPr/>
         </p:nvPicPr>
         <p:blipFill>
-          <a:blip r:embed="rId3">
+          <a:blip r:embed="rId8">
             <a:extLst>
               <a:ext uri="{28A0092B-C50C-407E-A947-70E740481C1C}">
                 <a14:useLocalDpi xmlns:a14="http://schemas.microsoft.com/office/drawing/2010/main" val="0"/>
@@ -23774,7 +28708,7 @@
         </p:nvSpPr>
         <p:spPr>
           <a:xfrm>
-            <a:off x="1580113" y="1184931"/>
+            <a:off x="1524000" y="495222"/>
             <a:ext cx="9144000" cy="852211"/>
           </a:xfrm>
         </p:spPr>
@@ -23804,14 +28738,14 @@
           <p:nvPr>
             <p:extLst>
               <p:ext uri="{D42A27DB-BD31-4B8C-83A1-F6EECF244321}">
-                <p14:modId xmlns:p14="http://schemas.microsoft.com/office/powerpoint/2010/main" val="1301456990"/>
+                <p14:modId xmlns:p14="http://schemas.microsoft.com/office/powerpoint/2010/main" val="3686452067"/>
               </p:ext>
             </p:extLst>
           </p:nvPr>
         </p:nvGraphicFramePr>
         <p:xfrm>
-          <a:off x="1220752" y="2825439"/>
-          <a:ext cx="9750495" cy="1896681"/>
+          <a:off x="239983" y="1269525"/>
+          <a:ext cx="7383015" cy="1482723"/>
         </p:xfrm>
         <a:graphic>
           <a:graphicData uri="http://schemas.openxmlformats.org/drawingml/2006/diagram">
@@ -23892,6 +28826,126 @@
           </a:prstGeom>
         </p:spPr>
       </p:pic>
+      <p:pic>
+        <p:nvPicPr>
+          <p:cNvPr id="13" name="Imagem 12">
+            <a:extLst>
+              <a:ext uri="{FF2B5EF4-FFF2-40B4-BE49-F238E27FC236}">
+                <a16:creationId xmlns:a16="http://schemas.microsoft.com/office/drawing/2014/main" id="{65CD6972-CB90-4F76-8672-7380CEE68783}"/>
+              </a:ext>
+            </a:extLst>
+          </p:cNvPr>
+          <p:cNvPicPr>
+            <a:picLocks noChangeAspect="1"/>
+          </p:cNvPicPr>
+          <p:nvPr/>
+        </p:nvPicPr>
+        <p:blipFill>
+          <a:blip r:embed="rId9"/>
+          <a:stretch>
+            <a:fillRect/>
+          </a:stretch>
+        </p:blipFill>
+        <p:spPr>
+          <a:xfrm>
+            <a:off x="7807430" y="1374691"/>
+            <a:ext cx="4144587" cy="2351946"/>
+          </a:xfrm>
+          <a:prstGeom prst="rect">
+            <a:avLst/>
+          </a:prstGeom>
+        </p:spPr>
+      </p:pic>
+      <p:pic>
+        <p:nvPicPr>
+          <p:cNvPr id="15" name="Imagem 14">
+            <a:extLst>
+              <a:ext uri="{FF2B5EF4-FFF2-40B4-BE49-F238E27FC236}">
+                <a16:creationId xmlns:a16="http://schemas.microsoft.com/office/drawing/2014/main" id="{19F5B000-8353-4B85-B25C-306D1FF6D346}"/>
+              </a:ext>
+            </a:extLst>
+          </p:cNvPr>
+          <p:cNvPicPr>
+            <a:picLocks noChangeAspect="1"/>
+          </p:cNvPicPr>
+          <p:nvPr/>
+        </p:nvPicPr>
+        <p:blipFill>
+          <a:blip r:embed="rId10"/>
+          <a:stretch>
+            <a:fillRect/>
+          </a:stretch>
+        </p:blipFill>
+        <p:spPr>
+          <a:xfrm>
+            <a:off x="7807430" y="4095486"/>
+            <a:ext cx="4144587" cy="2058196"/>
+          </a:xfrm>
+          <a:prstGeom prst="rect">
+            <a:avLst/>
+          </a:prstGeom>
+        </p:spPr>
+      </p:pic>
+      <p:pic>
+        <p:nvPicPr>
+          <p:cNvPr id="17" name="Imagem 16">
+            <a:extLst>
+              <a:ext uri="{FF2B5EF4-FFF2-40B4-BE49-F238E27FC236}">
+                <a16:creationId xmlns:a16="http://schemas.microsoft.com/office/drawing/2014/main" id="{FD7A77C5-7D0C-401C-9433-305E1F8406F8}"/>
+              </a:ext>
+            </a:extLst>
+          </p:cNvPr>
+          <p:cNvPicPr>
+            <a:picLocks noChangeAspect="1"/>
+          </p:cNvPicPr>
+          <p:nvPr/>
+        </p:nvPicPr>
+        <p:blipFill>
+          <a:blip r:embed="rId11"/>
+          <a:stretch>
+            <a:fillRect/>
+          </a:stretch>
+        </p:blipFill>
+        <p:spPr>
+          <a:xfrm>
+            <a:off x="687936" y="2836843"/>
+            <a:ext cx="5606848" cy="2437110"/>
+          </a:xfrm>
+          <a:prstGeom prst="rect">
+            <a:avLst/>
+          </a:prstGeom>
+        </p:spPr>
+      </p:pic>
+      <p:pic>
+        <p:nvPicPr>
+          <p:cNvPr id="19" name="Imagem 18">
+            <a:extLst>
+              <a:ext uri="{FF2B5EF4-FFF2-40B4-BE49-F238E27FC236}">
+                <a16:creationId xmlns:a16="http://schemas.microsoft.com/office/drawing/2014/main" id="{4CFCFED2-63F7-4D50-8927-F3A1960B7D4D}"/>
+              </a:ext>
+            </a:extLst>
+          </p:cNvPr>
+          <p:cNvPicPr>
+            <a:picLocks noChangeAspect="1"/>
+          </p:cNvPicPr>
+          <p:nvPr/>
+        </p:nvPicPr>
+        <p:blipFill>
+          <a:blip r:embed="rId12"/>
+          <a:stretch>
+            <a:fillRect/>
+          </a:stretch>
+        </p:blipFill>
+        <p:spPr>
+          <a:xfrm>
+            <a:off x="901148" y="4953955"/>
+            <a:ext cx="3753374" cy="1695687"/>
+          </a:xfrm>
+          <a:prstGeom prst="rect">
+            <a:avLst/>
+          </a:prstGeom>
+        </p:spPr>
+      </p:pic>
     </p:spTree>
     <p:extLst>
       <p:ext uri="{BB962C8B-B14F-4D97-AF65-F5344CB8AC3E}">
@@ -23940,7 +28994,7 @@
         </p:nvSpPr>
         <p:spPr>
           <a:xfrm>
-            <a:off x="1580113" y="2024615"/>
+            <a:off x="1524000" y="1411357"/>
             <a:ext cx="9144000" cy="852211"/>
           </a:xfrm>
         </p:spPr>
@@ -23975,7 +29029,7 @@
         </p:nvSpPr>
         <p:spPr>
           <a:xfrm>
-            <a:off x="1580113" y="3139144"/>
+            <a:off x="1220752" y="2489994"/>
             <a:ext cx="9750495" cy="2307499"/>
           </a:xfrm>
         </p:spPr>
@@ -23991,7 +29045,7 @@
             </a:pPr>
             <a:r>
               <a:rPr lang="pt-BR" sz="3200" dirty="0"/>
-              <a:t>RETOMADA DOS OBJETIVOS E SE FORAM ALCANÇADOS</a:t>
+              <a:t>Todos objetivos propostos alcançados. </a:t>
             </a:r>
           </a:p>
           <a:p>
@@ -24001,7 +29055,25 @@
             </a:pPr>
             <a:r>
               <a:rPr lang="pt-BR" sz="3200" dirty="0"/>
-              <a:t>CONSIDERAÇÕES FINAIS</a:t>
+              <a:t>O uso de </a:t>
+            </a:r>
+            <a:r>
+              <a:rPr lang="pt-BR" sz="3200" dirty="0" err="1"/>
+              <a:t>gameficação</a:t>
+            </a:r>
+            <a:r>
+              <a:rPr lang="pt-BR" sz="3200" dirty="0"/>
+              <a:t> é futuro da educação.</a:t>
+            </a:r>
+          </a:p>
+          <a:p>
+            <a:pPr marL="457200" indent="-457200" algn="l">
+              <a:buFontTx/>
+              <a:buChar char="-"/>
+            </a:pPr>
+            <a:r>
+              <a:rPr lang="pt-BR" sz="3200" dirty="0"/>
+              <a:t>Play2Learn pode virar algo muito maior.</a:t>
             </a:r>
           </a:p>
         </p:txBody>
@@ -24338,7 +29410,7 @@
         </p:nvSpPr>
         <p:spPr>
           <a:xfrm>
-            <a:off x="1580113" y="2024615"/>
+            <a:off x="1524000" y="946392"/>
             <a:ext cx="9144000" cy="852211"/>
           </a:xfrm>
         </p:spPr>
@@ -24373,24 +29445,364 @@
         </p:nvSpPr>
         <p:spPr>
           <a:xfrm>
-            <a:off x="1580113" y="3139144"/>
-            <a:ext cx="9750495" cy="1644891"/>
+            <a:off x="351182" y="1924292"/>
+            <a:ext cx="11489635" cy="4632844"/>
           </a:xfrm>
         </p:spPr>
         <p:txBody>
           <a:bodyPr>
-            <a:normAutofit/>
+            <a:normAutofit fontScale="25000" lnSpcReduction="20000"/>
           </a:bodyPr>
           <a:lstStyle/>
           <a:p>
-            <a:pPr marL="457200" indent="-457200" algn="l">
-              <a:buFontTx/>
-              <a:buChar char="-"/>
-            </a:pPr>
+            <a:pPr algn="just"/>
             <a:r>
-              <a:rPr lang="pt-BR" sz="3200" dirty="0"/>
-              <a:t>PRINCIPAIS FONTES UTILIZADAS (FORMATO ABNT)</a:t>
+              <a:rPr lang="pt-BR" sz="5600" dirty="0">
+                <a:effectLst/>
+                <a:latin typeface="Arial" panose="020B0604020202020204" pitchFamily="34" charset="0"/>
+                <a:ea typeface="Calibri" panose="020F0502020204030204" pitchFamily="34" charset="0"/>
+                <a:cs typeface="Times New Roman" panose="02020603050405020304" pitchFamily="18" charset="0"/>
+              </a:rPr>
+              <a:t>BITTENCOURT, I. I.; CAZELLA, P. S.; ISOTANI, S. Design de ambientes de aprendizagem flexíveis e interativos: abordagens inovadoras baseadas em tecnologia. In: SIMPÓSIO BRASILEIRO DE INFORMÁTICA NA EDUCAÇÃO (SBIE), 27., 2016, Uberlândia. Anais… Porto Alegre: Sociedade Brasileira de Computação, 2016.</a:t>
             </a:r>
+            <a:endParaRPr lang="pt-BR" sz="5600" dirty="0">
+              <a:effectLst/>
+              <a:latin typeface="Calibri" panose="020F0502020204030204" pitchFamily="34" charset="0"/>
+              <a:ea typeface="Calibri" panose="020F0502020204030204" pitchFamily="34" charset="0"/>
+              <a:cs typeface="Times New Roman" panose="02020603050405020304" pitchFamily="18" charset="0"/>
+            </a:endParaRPr>
+          </a:p>
+          <a:p>
+            <a:pPr algn="just"/>
+            <a:r>
+              <a:rPr lang="pt-BR" sz="5600" dirty="0">
+                <a:effectLst/>
+                <a:latin typeface="Arial" panose="020B0604020202020204" pitchFamily="34" charset="0"/>
+                <a:ea typeface="Calibri" panose="020F0502020204030204" pitchFamily="34" charset="0"/>
+                <a:cs typeface="Times New Roman" panose="02020603050405020304" pitchFamily="18" charset="0"/>
+              </a:rPr>
+              <a:t>BRASIL. Ministério da Saúde; Comissão Nacional de Incorporação de Tecnologias no Sistema Único de Saúde (CONITEC). Protocolo Clínico e Diretrizes Terapêuticas do Transtorno do Déficit de Atenção com Hiperatividade. Diário Oficial da União, Brasília, 3 ago. 2022. Disponível em: https://www.gov.br/</a:t>
+            </a:r>
+            <a:r>
+              <a:rPr lang="pt-BR" sz="5600" dirty="0" err="1">
+                <a:effectLst/>
+                <a:latin typeface="Arial" panose="020B0604020202020204" pitchFamily="34" charset="0"/>
+                <a:ea typeface="Calibri" panose="020F0502020204030204" pitchFamily="34" charset="0"/>
+                <a:cs typeface="Times New Roman" panose="02020603050405020304" pitchFamily="18" charset="0"/>
+              </a:rPr>
+              <a:t>saude</a:t>
+            </a:r>
+            <a:r>
+              <a:rPr lang="pt-BR" sz="5600" dirty="0">
+                <a:effectLst/>
+                <a:latin typeface="Arial" panose="020B0604020202020204" pitchFamily="34" charset="0"/>
+                <a:ea typeface="Calibri" panose="020F0502020204030204" pitchFamily="34" charset="0"/>
+                <a:cs typeface="Times New Roman" panose="02020603050405020304" pitchFamily="18" charset="0"/>
+              </a:rPr>
+              <a:t>/</a:t>
+            </a:r>
+            <a:r>
+              <a:rPr lang="pt-BR" sz="5600" dirty="0" err="1">
+                <a:effectLst/>
+                <a:latin typeface="Arial" panose="020B0604020202020204" pitchFamily="34" charset="0"/>
+                <a:ea typeface="Calibri" panose="020F0502020204030204" pitchFamily="34" charset="0"/>
+                <a:cs typeface="Times New Roman" panose="02020603050405020304" pitchFamily="18" charset="0"/>
+              </a:rPr>
+              <a:t>pt-br</a:t>
+            </a:r>
+            <a:r>
+              <a:rPr lang="pt-BR" sz="5600" dirty="0">
+                <a:effectLst/>
+                <a:latin typeface="Arial" panose="020B0604020202020204" pitchFamily="34" charset="0"/>
+                <a:ea typeface="Calibri" panose="020F0502020204030204" pitchFamily="34" charset="0"/>
+                <a:cs typeface="Times New Roman" panose="02020603050405020304" pitchFamily="18" charset="0"/>
+              </a:rPr>
+              <a:t>/assuntos/</a:t>
+            </a:r>
+            <a:r>
+              <a:rPr lang="pt-BR" sz="5600" dirty="0" err="1">
+                <a:effectLst/>
+                <a:latin typeface="Arial" panose="020B0604020202020204" pitchFamily="34" charset="0"/>
+                <a:ea typeface="Calibri" panose="020F0502020204030204" pitchFamily="34" charset="0"/>
+                <a:cs typeface="Times New Roman" panose="02020603050405020304" pitchFamily="18" charset="0"/>
+              </a:rPr>
+              <a:t>pcdt</a:t>
+            </a:r>
+            <a:r>
+              <a:rPr lang="pt-BR" sz="5600" dirty="0">
+                <a:effectLst/>
+                <a:latin typeface="Arial" panose="020B0604020202020204" pitchFamily="34" charset="0"/>
+                <a:ea typeface="Calibri" panose="020F0502020204030204" pitchFamily="34" charset="0"/>
+                <a:cs typeface="Times New Roman" panose="02020603050405020304" pitchFamily="18" charset="0"/>
+              </a:rPr>
+              <a:t>/arquivos/2022/portaria-conjunta-no-14-pcdt-transtorno-do-deficite-de-atencao-com-hiperatividade.pdf. Acesso em: 13 maio 2025, 20:00 h.</a:t>
+            </a:r>
+            <a:endParaRPr lang="pt-BR" sz="5600" dirty="0">
+              <a:effectLst/>
+              <a:latin typeface="Calibri" panose="020F0502020204030204" pitchFamily="34" charset="0"/>
+              <a:ea typeface="Calibri" panose="020F0502020204030204" pitchFamily="34" charset="0"/>
+              <a:cs typeface="Times New Roman" panose="02020603050405020304" pitchFamily="18" charset="0"/>
+            </a:endParaRPr>
+          </a:p>
+          <a:p>
+            <a:pPr algn="just"/>
+            <a:r>
+              <a:rPr lang="pt-BR" sz="5600" dirty="0">
+                <a:effectLst/>
+                <a:latin typeface="Arial" panose="020B0604020202020204" pitchFamily="34" charset="0"/>
+                <a:ea typeface="Calibri" panose="020F0502020204030204" pitchFamily="34" charset="0"/>
+                <a:cs typeface="Times New Roman" panose="02020603050405020304" pitchFamily="18" charset="0"/>
+              </a:rPr>
+              <a:t>CARVALHO, R. N. S.; ISHITANI, L. Gamificação e aplicativos móveis para aprendizagem. In: SIMPÓSIO BRASILEIRO DE JOGOS E ENTRETENIMENTO DIGITAL (SB GAMES), 2012, Porto Alegre. </a:t>
+            </a:r>
+            <a:r>
+              <a:rPr lang="en-US" sz="5600" dirty="0">
+                <a:effectLst/>
+                <a:latin typeface="Arial" panose="020B0604020202020204" pitchFamily="34" charset="0"/>
+                <a:ea typeface="Calibri" panose="020F0502020204030204" pitchFamily="34" charset="0"/>
+                <a:cs typeface="Times New Roman" panose="02020603050405020304" pitchFamily="18" charset="0"/>
+              </a:rPr>
+              <a:t>Anais… Porto Alegre: SBC, 2012.</a:t>
+            </a:r>
+            <a:endParaRPr lang="pt-BR" sz="5600" dirty="0">
+              <a:effectLst/>
+              <a:latin typeface="Calibri" panose="020F0502020204030204" pitchFamily="34" charset="0"/>
+              <a:ea typeface="Calibri" panose="020F0502020204030204" pitchFamily="34" charset="0"/>
+              <a:cs typeface="Times New Roman" panose="02020603050405020304" pitchFamily="18" charset="0"/>
+            </a:endParaRPr>
+          </a:p>
+          <a:p>
+            <a:pPr algn="just"/>
+            <a:r>
+              <a:rPr lang="en-US" sz="5600" dirty="0">
+                <a:effectLst/>
+                <a:latin typeface="Arial" panose="020B0604020202020204" pitchFamily="34" charset="0"/>
+                <a:ea typeface="Calibri" panose="020F0502020204030204" pitchFamily="34" charset="0"/>
+                <a:cs typeface="Times New Roman" panose="02020603050405020304" pitchFamily="18" charset="0"/>
+              </a:rPr>
+              <a:t>DOMÍNGUEZ, A. et al. Gamifying learning experiences: Practical implications and outcomes. Computers &amp; Education, v. 63, p. 380–392, 2013. </a:t>
+            </a:r>
+            <a:r>
+              <a:rPr lang="pt-BR" sz="5600" dirty="0">
+                <a:effectLst/>
+                <a:latin typeface="Arial" panose="020B0604020202020204" pitchFamily="34" charset="0"/>
+                <a:ea typeface="Calibri" panose="020F0502020204030204" pitchFamily="34" charset="0"/>
+                <a:cs typeface="Times New Roman" panose="02020603050405020304" pitchFamily="18" charset="0"/>
+              </a:rPr>
+              <a:t>DOI: 10.1016/j.compedu.2012.12.020.</a:t>
+            </a:r>
+            <a:endParaRPr lang="pt-BR" sz="5600" dirty="0">
+              <a:effectLst/>
+              <a:latin typeface="Calibri" panose="020F0502020204030204" pitchFamily="34" charset="0"/>
+              <a:ea typeface="Calibri" panose="020F0502020204030204" pitchFamily="34" charset="0"/>
+              <a:cs typeface="Times New Roman" panose="02020603050405020304" pitchFamily="18" charset="0"/>
+            </a:endParaRPr>
+          </a:p>
+          <a:p>
+            <a:pPr algn="just"/>
+            <a:r>
+              <a:rPr lang="pt-BR" sz="5600" dirty="0">
+                <a:effectLst/>
+                <a:latin typeface="Arial" panose="020B0604020202020204" pitchFamily="34" charset="0"/>
+                <a:ea typeface="Calibri" panose="020F0502020204030204" pitchFamily="34" charset="0"/>
+                <a:cs typeface="Times New Roman" panose="02020603050405020304" pitchFamily="18" charset="0"/>
+              </a:rPr>
+              <a:t>FERNANDES, C. Teorias da aprendizagem: Piaget, </a:t>
+            </a:r>
+            <a:r>
+              <a:rPr lang="pt-BR" sz="5600" dirty="0" err="1">
+                <a:effectLst/>
+                <a:latin typeface="Arial" panose="020B0604020202020204" pitchFamily="34" charset="0"/>
+                <a:ea typeface="Calibri" panose="020F0502020204030204" pitchFamily="34" charset="0"/>
+                <a:cs typeface="Times New Roman" panose="02020603050405020304" pitchFamily="18" charset="0"/>
+              </a:rPr>
+              <a:t>Ausubel</a:t>
+            </a:r>
+            <a:r>
+              <a:rPr lang="pt-BR" sz="5600" dirty="0">
+                <a:effectLst/>
+                <a:latin typeface="Arial" panose="020B0604020202020204" pitchFamily="34" charset="0"/>
+                <a:ea typeface="Calibri" panose="020F0502020204030204" pitchFamily="34" charset="0"/>
+                <a:cs typeface="Times New Roman" panose="02020603050405020304" pitchFamily="18" charset="0"/>
+              </a:rPr>
+              <a:t> e Vygotsky. 4. ed. São Paulo: Loyola, 2010. ISBN 978-85-01-33461-0.</a:t>
+            </a:r>
+            <a:endParaRPr lang="pt-BR" sz="5600" dirty="0">
+              <a:effectLst/>
+              <a:latin typeface="Calibri" panose="020F0502020204030204" pitchFamily="34" charset="0"/>
+              <a:ea typeface="Calibri" panose="020F0502020204030204" pitchFamily="34" charset="0"/>
+              <a:cs typeface="Times New Roman" panose="02020603050405020304" pitchFamily="18" charset="0"/>
+            </a:endParaRPr>
+          </a:p>
+          <a:p>
+            <a:pPr algn="just"/>
+            <a:r>
+              <a:rPr lang="pt-BR" sz="5600" dirty="0">
+                <a:effectLst/>
+                <a:latin typeface="Arial" panose="020B0604020202020204" pitchFamily="34" charset="0"/>
+                <a:ea typeface="Calibri" panose="020F0502020204030204" pitchFamily="34" charset="0"/>
+                <a:cs typeface="Times New Roman" panose="02020603050405020304" pitchFamily="18" charset="0"/>
+              </a:rPr>
+              <a:t>FREIRE, P. Pedagogia da autonomia: saberes necessários à prática educativa. </a:t>
+            </a:r>
+            <a:r>
+              <a:rPr lang="en-US" sz="5600" dirty="0">
+                <a:effectLst/>
+                <a:latin typeface="Arial" panose="020B0604020202020204" pitchFamily="34" charset="0"/>
+                <a:ea typeface="Calibri" panose="020F0502020204030204" pitchFamily="34" charset="0"/>
+                <a:cs typeface="Times New Roman" panose="02020603050405020304" pitchFamily="18" charset="0"/>
+              </a:rPr>
+              <a:t>1. ed. São Paulo: Paz e Terra, 1996. ISBN 978-85-7300-029-5.</a:t>
+            </a:r>
+            <a:endParaRPr lang="pt-BR" sz="5600" dirty="0">
+              <a:effectLst/>
+              <a:latin typeface="Calibri" panose="020F0502020204030204" pitchFamily="34" charset="0"/>
+              <a:ea typeface="Calibri" panose="020F0502020204030204" pitchFamily="34" charset="0"/>
+              <a:cs typeface="Times New Roman" panose="02020603050405020304" pitchFamily="18" charset="0"/>
+            </a:endParaRPr>
+          </a:p>
+          <a:p>
+            <a:pPr algn="just"/>
+            <a:r>
+              <a:rPr lang="en-US" sz="5600" dirty="0">
+                <a:effectLst/>
+                <a:latin typeface="Arial" panose="020B0604020202020204" pitchFamily="34" charset="0"/>
+                <a:ea typeface="Calibri" panose="020F0502020204030204" pitchFamily="34" charset="0"/>
+                <a:cs typeface="Times New Roman" panose="02020603050405020304" pitchFamily="18" charset="0"/>
+              </a:rPr>
+              <a:t>HAMARI, J.; KOIVISTO, J.; SARSA, H. Does gamification work? — A literature review of empirical studies on gamification. In: 2014 47th Hawaii International Conference on System Sciences, 2014. p. 3025–3034. </a:t>
+            </a:r>
+            <a:r>
+              <a:rPr lang="pt-BR" sz="5600" dirty="0">
+                <a:effectLst/>
+                <a:latin typeface="Arial" panose="020B0604020202020204" pitchFamily="34" charset="0"/>
+                <a:ea typeface="Calibri" panose="020F0502020204030204" pitchFamily="34" charset="0"/>
+                <a:cs typeface="Times New Roman" panose="02020603050405020304" pitchFamily="18" charset="0"/>
+              </a:rPr>
+              <a:t>DOI: 10.1109/HICSS.2014.377.</a:t>
+            </a:r>
+            <a:endParaRPr lang="pt-BR" sz="5600" dirty="0">
+              <a:effectLst/>
+              <a:latin typeface="Calibri" panose="020F0502020204030204" pitchFamily="34" charset="0"/>
+              <a:ea typeface="Calibri" panose="020F0502020204030204" pitchFamily="34" charset="0"/>
+              <a:cs typeface="Times New Roman" panose="02020603050405020304" pitchFamily="18" charset="0"/>
+            </a:endParaRPr>
+          </a:p>
+          <a:p>
+            <a:pPr algn="just"/>
+            <a:r>
+              <a:rPr lang="pt-BR" sz="5600" dirty="0">
+                <a:effectLst/>
+                <a:latin typeface="Arial" panose="020B0604020202020204" pitchFamily="34" charset="0"/>
+                <a:ea typeface="Calibri" panose="020F0502020204030204" pitchFamily="34" charset="0"/>
+                <a:cs typeface="Times New Roman" panose="02020603050405020304" pitchFamily="18" charset="0"/>
+              </a:rPr>
+              <a:t>IBGE. Educação infantil cresce em 2023 e retoma patamar </a:t>
+            </a:r>
+            <a:r>
+              <a:rPr lang="pt-BR" sz="5600" dirty="0" err="1">
+                <a:effectLst/>
+                <a:latin typeface="Arial" panose="020B0604020202020204" pitchFamily="34" charset="0"/>
+                <a:ea typeface="Calibri" panose="020F0502020204030204" pitchFamily="34" charset="0"/>
+                <a:cs typeface="Times New Roman" panose="02020603050405020304" pitchFamily="18" charset="0"/>
+              </a:rPr>
+              <a:t>pré</a:t>
+            </a:r>
+            <a:r>
+              <a:rPr lang="pt-BR" sz="5600" dirty="0">
+                <a:effectLst/>
+                <a:latin typeface="Arial" panose="020B0604020202020204" pitchFamily="34" charset="0"/>
+                <a:ea typeface="Calibri" panose="020F0502020204030204" pitchFamily="34" charset="0"/>
+                <a:cs typeface="Times New Roman" panose="02020603050405020304" pitchFamily="18" charset="0"/>
+              </a:rPr>
+              <a:t>-pandemia. Agência de Notícias IBGE, Rio de Janeiro, 04 dez. 2024. Disponível em: https://agenciadenoticias.ibge.gov.br/agencia-noticias/2012-agencia-de-noticias/noticias/42083-educacao-infantil-cresce-em-2023-e-retoma-patamar-pre-pandemia. Acesso em: 13 maio 2025, 20:00 h.</a:t>
+            </a:r>
+            <a:endParaRPr lang="pt-BR" sz="5600" dirty="0">
+              <a:latin typeface="Calibri" panose="020F0502020204030204" pitchFamily="34" charset="0"/>
+              <a:ea typeface="Calibri" panose="020F0502020204030204" pitchFamily="34" charset="0"/>
+              <a:cs typeface="Times New Roman" panose="02020603050405020304" pitchFamily="18" charset="0"/>
+            </a:endParaRPr>
+          </a:p>
+          <a:p>
+            <a:pPr algn="just"/>
+            <a:r>
+              <a:rPr lang="pt-BR" sz="5600" dirty="0">
+                <a:effectLst/>
+                <a:latin typeface="Arial" panose="020B0604020202020204" pitchFamily="34" charset="0"/>
+                <a:ea typeface="Calibri" panose="020F0502020204030204" pitchFamily="34" charset="0"/>
+                <a:cs typeface="Times New Roman" panose="02020603050405020304" pitchFamily="18" charset="0"/>
+              </a:rPr>
+              <a:t>IBGE. Um em cada cinco brasileiros com 15 a 29 anos não estudava e nem estava ocupado em 2022. Agência de Notícias IBGE, Rio de Janeiro, 16 fev. 2023. Disponível em: https://agenciadenoticias.ibge.gov.br/agencia-noticias/2273-agencia-de-noticias/noticias/30651-um-em-cada-cinco-brasileiros-com-15-a-29-anos-nao-estudava-e-nem-estava-ocupado-em-2022. Acesso em: 13 maio 2025, 20:00 h.</a:t>
+            </a:r>
+            <a:endParaRPr lang="pt-BR" sz="5600" dirty="0">
+              <a:effectLst/>
+              <a:latin typeface="Calibri" panose="020F0502020204030204" pitchFamily="34" charset="0"/>
+              <a:ea typeface="Calibri" panose="020F0502020204030204" pitchFamily="34" charset="0"/>
+              <a:cs typeface="Times New Roman" panose="02020603050405020304" pitchFamily="18" charset="0"/>
+            </a:endParaRPr>
+          </a:p>
+          <a:p>
+            <a:pPr algn="just"/>
+            <a:r>
+              <a:rPr lang="pt-BR" sz="5600" dirty="0">
+                <a:effectLst/>
+                <a:latin typeface="Arial" panose="020B0604020202020204" pitchFamily="34" charset="0"/>
+                <a:ea typeface="Calibri" panose="020F0502020204030204" pitchFamily="34" charset="0"/>
+                <a:cs typeface="Times New Roman" panose="02020603050405020304" pitchFamily="18" charset="0"/>
+              </a:rPr>
+              <a:t>INSTITUTO AYRTON SENNA. Relatório Anual 2021. São Paulo: Instituto Ayrton Senna, 2022. Disponível em: https://www.institutoayrtonsenna.org.br/</a:t>
+            </a:r>
+            <a:r>
+              <a:rPr lang="pt-BR" sz="5600" dirty="0" err="1">
+                <a:effectLst/>
+                <a:latin typeface="Arial" panose="020B0604020202020204" pitchFamily="34" charset="0"/>
+                <a:ea typeface="Calibri" panose="020F0502020204030204" pitchFamily="34" charset="0"/>
+                <a:cs typeface="Times New Roman" panose="02020603050405020304" pitchFamily="18" charset="0"/>
+              </a:rPr>
+              <a:t>relatorios</a:t>
+            </a:r>
+            <a:r>
+              <a:rPr lang="pt-BR" sz="5600" dirty="0">
+                <a:effectLst/>
+                <a:latin typeface="Arial" panose="020B0604020202020204" pitchFamily="34" charset="0"/>
+                <a:ea typeface="Calibri" panose="020F0502020204030204" pitchFamily="34" charset="0"/>
+                <a:cs typeface="Times New Roman" panose="02020603050405020304" pitchFamily="18" charset="0"/>
+              </a:rPr>
+              <a:t>/RelatorioAnual2021.pdf. Acesso em: 13 maio 2025, 20:00 h.</a:t>
+            </a:r>
+            <a:endParaRPr lang="pt-BR" sz="5600" dirty="0">
+              <a:effectLst/>
+              <a:latin typeface="Calibri" panose="020F0502020204030204" pitchFamily="34" charset="0"/>
+              <a:ea typeface="Calibri" panose="020F0502020204030204" pitchFamily="34" charset="0"/>
+              <a:cs typeface="Times New Roman" panose="02020603050405020304" pitchFamily="18" charset="0"/>
+            </a:endParaRPr>
+          </a:p>
+          <a:p>
+            <a:pPr algn="just"/>
+            <a:r>
+              <a:rPr lang="pt-BR" sz="5600" dirty="0">
+                <a:effectLst/>
+                <a:latin typeface="Arial" panose="020B0604020202020204" pitchFamily="34" charset="0"/>
+                <a:ea typeface="Calibri" panose="020F0502020204030204" pitchFamily="34" charset="0"/>
+                <a:cs typeface="Times New Roman" panose="02020603050405020304" pitchFamily="18" charset="0"/>
+              </a:rPr>
+              <a:t> </a:t>
+            </a:r>
+            <a:endParaRPr lang="pt-BR" sz="5600" dirty="0">
+              <a:effectLst/>
+              <a:latin typeface="Calibri" panose="020F0502020204030204" pitchFamily="34" charset="0"/>
+              <a:ea typeface="Calibri" panose="020F0502020204030204" pitchFamily="34" charset="0"/>
+              <a:cs typeface="Times New Roman" panose="02020603050405020304" pitchFamily="18" charset="0"/>
+            </a:endParaRPr>
+          </a:p>
+          <a:p>
+            <a:pPr algn="just"/>
+            <a:endParaRPr lang="pt-BR" sz="1800" dirty="0">
+              <a:effectLst/>
+              <a:latin typeface="Calibri" panose="020F0502020204030204" pitchFamily="34" charset="0"/>
+              <a:ea typeface="Calibri" panose="020F0502020204030204" pitchFamily="34" charset="0"/>
+              <a:cs typeface="Times New Roman" panose="02020603050405020304" pitchFamily="18" charset="0"/>
+            </a:endParaRPr>
           </a:p>
         </p:txBody>
       </p:sp>
@@ -25627,86 +31039,34 @@
           </a:p>
         </p:txBody>
       </p:sp>
-      <p:sp>
-        <p:nvSpPr>
-          <p:cNvPr id="3" name="Subtítulo 2">
+      <p:graphicFrame>
+        <p:nvGraphicFramePr>
+          <p:cNvPr id="8" name="Diagrama 7">
             <a:extLst>
               <a:ext uri="{FF2B5EF4-FFF2-40B4-BE49-F238E27FC236}">
-                <a16:creationId xmlns:a16="http://schemas.microsoft.com/office/drawing/2014/main" id="{D925F25B-ABDD-439F-B7AE-9A79A3FDC1CE}"/>
+                <a16:creationId xmlns:a16="http://schemas.microsoft.com/office/drawing/2014/main" id="{08D363BC-245E-4680-ABD9-B140CB378E34}"/>
               </a:ext>
             </a:extLst>
           </p:cNvPr>
-          <p:cNvSpPr>
-            <a:spLocks noGrp="1"/>
-          </p:cNvSpPr>
+          <p:cNvGraphicFramePr/>
           <p:nvPr>
-            <p:ph type="subTitle" idx="1"/>
+            <p:extLst>
+              <p:ext uri="{D42A27DB-BD31-4B8C-83A1-F6EECF244321}">
+                <p14:modId xmlns:p14="http://schemas.microsoft.com/office/powerpoint/2010/main" val="630200328"/>
+              </p:ext>
+            </p:extLst>
           </p:nvPr>
-        </p:nvSpPr>
-        <p:spPr>
-          <a:xfrm>
-            <a:off x="1157762" y="2680480"/>
-            <a:ext cx="9750495" cy="3347114"/>
-          </a:xfrm>
-        </p:spPr>
-        <p:txBody>
-          <a:bodyPr>
-            <a:normAutofit fontScale="92500" lnSpcReduction="10000"/>
-          </a:bodyPr>
-          <a:lstStyle/>
-          <a:p>
-            <a:pPr marL="457200" indent="-457200" algn="l">
-              <a:buFontTx/>
-              <a:buChar char="-"/>
-            </a:pPr>
-            <a:r>
-              <a:rPr lang="pt-BR" sz="2800" b="1" dirty="0"/>
-              <a:t>Pesquisa Descritiva</a:t>
-            </a:r>
-            <a:br>
-              <a:rPr lang="pt-BR" sz="2800" dirty="0"/>
-            </a:br>
-            <a:r>
-              <a:rPr lang="pt-BR" sz="2800" dirty="0"/>
-              <a:t>Mapeamento das características da plataforma (funcionalidades, tecnologia, fluxo de usuário).</a:t>
-            </a:r>
-          </a:p>
-          <a:p>
-            <a:pPr marL="457200" indent="-457200" algn="l">
-              <a:buFontTx/>
-              <a:buChar char="-"/>
-            </a:pPr>
-            <a:r>
-              <a:rPr lang="pt-BR" sz="2800" b="1" dirty="0"/>
-              <a:t>Estudo de Caso</a:t>
-            </a:r>
-            <a:br>
-              <a:rPr lang="pt-BR" sz="2800" dirty="0"/>
-            </a:br>
-            <a:r>
-              <a:rPr lang="pt-BR" sz="2800" dirty="0"/>
-              <a:t>Aplicações de gamificação no Ensino Médio.</a:t>
-            </a:r>
-          </a:p>
-          <a:p>
-            <a:pPr marL="457200" indent="-457200" algn="l">
-              <a:buFontTx/>
-              <a:buChar char="-"/>
-            </a:pPr>
-            <a:r>
-              <a:rPr lang="pt-BR" sz="2800" b="1" dirty="0"/>
-              <a:t>Pesquisa Exploratória</a:t>
-            </a:r>
-            <a:br>
-              <a:rPr lang="pt-BR" sz="2800" dirty="0"/>
-            </a:br>
-            <a:r>
-              <a:rPr lang="pt-BR" sz="2800" dirty="0"/>
-              <a:t>Investigação inicial para identificar problemas de evasão e engajamento em materiais teóricos e relatórios do IBGE e Instituto Ayrton Senna.</a:t>
-            </a:r>
-          </a:p>
-        </p:txBody>
-      </p:sp>
+        </p:nvGraphicFramePr>
+        <p:xfrm>
+          <a:off x="1078936" y="2680480"/>
+          <a:ext cx="10318621" cy="3347114"/>
+        </p:xfrm>
+        <a:graphic>
+          <a:graphicData uri="http://schemas.openxmlformats.org/drawingml/2006/diagram">
+            <dgm:relIds xmlns:dgm="http://schemas.openxmlformats.org/drawingml/2006/diagram" xmlns:r="http://schemas.openxmlformats.org/officeDocument/2006/relationships" r:dm="rId2" r:lo="rId3" r:qs="rId4" r:cs="rId5"/>
+          </a:graphicData>
+        </a:graphic>
+      </p:graphicFrame>
       <p:pic>
         <p:nvPicPr>
           <p:cNvPr id="4" name="Imagem 3">
@@ -25720,7 +31080,7 @@
           <p:nvPr/>
         </p:nvPicPr>
         <p:blipFill>
-          <a:blip r:embed="rId2">
+          <a:blip r:embed="rId7">
             <a:extLst>
               <a:ext uri="{28A0092B-C50C-407E-A947-70E740481C1C}">
                 <a14:useLocalDpi xmlns:a14="http://schemas.microsoft.com/office/drawing/2010/main" val="0"/>
@@ -25759,7 +31119,7 @@
           <p:nvPr/>
         </p:nvPicPr>
         <p:blipFill>
-          <a:blip r:embed="rId3">
+          <a:blip r:embed="rId8">
             <a:extLst>
               <a:ext uri="{28A0092B-C50C-407E-A947-70E740481C1C}">
                 <a14:useLocalDpi xmlns:a14="http://schemas.microsoft.com/office/drawing/2010/main" val="0"/>

--- a/liceu/3semestre/projeto integrador/tcc slide.pptx
+++ b/liceu/3semestre/projeto integrador/tcc slide.pptx
@@ -6793,18 +6793,18 @@
         <a:lstStyle/>
         <a:p>
           <a:r>
-            <a:rPr lang="pt-BR" b="1" dirty="0" err="1">
+            <a:rPr lang="pt-BR" dirty="0">
               <a:latin typeface="Aharoni" panose="02010803020104030203" pitchFamily="2" charset="-79"/>
               <a:cs typeface="Aharoni" panose="02010803020104030203" pitchFamily="2" charset="-79"/>
             </a:rPr>
-            <a:t>Deci</a:t>
+            <a:t>Fernandes</a:t>
           </a:r>
           <a:r>
-            <a:rPr lang="pt-BR" b="1" dirty="0">
+            <a:rPr lang="pt-BR" baseline="0" dirty="0">
               <a:latin typeface="Aharoni" panose="02010803020104030203" pitchFamily="2" charset="-79"/>
               <a:cs typeface="Aharoni" panose="02010803020104030203" pitchFamily="2" charset="-79"/>
             </a:rPr>
-            <a:t> &amp; Ryan (2000) </a:t>
+            <a:t> (2010)</a:t>
           </a:r>
           <a:endParaRPr lang="pt-BR" dirty="0">
             <a:latin typeface="Aharoni" panose="02010803020104030203" pitchFamily="2" charset="-79"/>
@@ -6843,11 +6843,32 @@
         <a:lstStyle/>
         <a:p>
           <a:r>
+            <a:rPr lang="pt-BR">
+              <a:latin typeface="Aharoni" panose="02010803020104030203" pitchFamily="2" charset="-79"/>
+              <a:cs typeface="Aharoni" panose="02010803020104030203" pitchFamily="2" charset="-79"/>
+            </a:rPr>
+            <a:t>Teoria da </a:t>
+          </a:r>
+          <a:r>
             <a:rPr lang="pt-BR" dirty="0">
               <a:latin typeface="Aharoni" panose="02010803020104030203" pitchFamily="2" charset="-79"/>
               <a:cs typeface="Aharoni" panose="02010803020104030203" pitchFamily="2" charset="-79"/>
             </a:rPr>
-            <a:t>Teoria da autodeterminação (autonomia, competência)</a:t>
+            <a:t>aprendizagem: Piaget, </a:t>
+          </a:r>
+          <a:r>
+            <a:rPr lang="pt-BR" dirty="0" err="1">
+              <a:latin typeface="Aharoni" panose="02010803020104030203" pitchFamily="2" charset="-79"/>
+              <a:cs typeface="Aharoni" panose="02010803020104030203" pitchFamily="2" charset="-79"/>
+            </a:rPr>
+            <a:t>Ausubel</a:t>
+          </a:r>
+          <a:r>
+            <a:rPr lang="pt-BR" dirty="0">
+              <a:latin typeface="Aharoni" panose="02010803020104030203" pitchFamily="2" charset="-79"/>
+              <a:cs typeface="Aharoni" panose="02010803020104030203" pitchFamily="2" charset="-79"/>
+            </a:rPr>
+            <a:t> e Vygotsky</a:t>
           </a:r>
         </a:p>
       </dgm:t>
@@ -6882,18 +6903,25 @@
         <a:lstStyle/>
         <a:p>
           <a:r>
+            <a:rPr lang="pt-BR" b="1" dirty="0" err="1">
+              <a:latin typeface="Aharoni" panose="02010803020104030203" pitchFamily="2" charset="-79"/>
+              <a:cs typeface="Aharoni" panose="02010803020104030203" pitchFamily="2" charset="-79"/>
+            </a:rPr>
+            <a:t>Hamari</a:t>
+          </a:r>
+          <a:r>
             <a:rPr lang="pt-BR" b="1" dirty="0">
               <a:latin typeface="Aharoni" panose="02010803020104030203" pitchFamily="2" charset="-79"/>
               <a:cs typeface="Aharoni" panose="02010803020104030203" pitchFamily="2" charset="-79"/>
             </a:rPr>
-            <a:t>Garris, </a:t>
+            <a:t>, </a:t>
           </a:r>
           <a:r>
             <a:rPr lang="pt-BR" b="1" dirty="0" err="1">
               <a:latin typeface="Aharoni" panose="02010803020104030203" pitchFamily="2" charset="-79"/>
               <a:cs typeface="Aharoni" panose="02010803020104030203" pitchFamily="2" charset="-79"/>
             </a:rPr>
-            <a:t>Ahlers</a:t>
+            <a:t>Koivisto</a:t>
           </a:r>
           <a:r>
             <a:rPr lang="pt-BR" b="1" dirty="0">
@@ -6907,14 +6935,14 @@
               <a:latin typeface="Aharoni" panose="02010803020104030203" pitchFamily="2" charset="-79"/>
               <a:cs typeface="Aharoni" panose="02010803020104030203" pitchFamily="2" charset="-79"/>
             </a:rPr>
-            <a:t>Driskell</a:t>
+            <a:t>Sarsa</a:t>
           </a:r>
           <a:r>
             <a:rPr lang="pt-BR" b="1" dirty="0">
               <a:latin typeface="Aharoni" panose="02010803020104030203" pitchFamily="2" charset="-79"/>
               <a:cs typeface="Aharoni" panose="02010803020104030203" pitchFamily="2" charset="-79"/>
             </a:rPr>
-            <a:t> (2002) </a:t>
+            <a:t> (2014) </a:t>
           </a:r>
           <a:endParaRPr lang="pt-BR" dirty="0">
             <a:latin typeface="Aharoni" panose="02010803020104030203" pitchFamily="2" charset="-79"/>
@@ -6957,8 +6985,19 @@
               <a:latin typeface="Aharoni" panose="02010803020104030203" pitchFamily="2" charset="-79"/>
               <a:cs typeface="Aharoni" panose="02010803020104030203" pitchFamily="2" charset="-79"/>
             </a:rPr>
-            <a:t>Modelo CARPE (Feedback em jogos)</a:t>
+            <a:t>Revisão empírica sobre gamificação; motivação e </a:t>
           </a:r>
+          <a:r>
+            <a:rPr lang="pt-BR" dirty="0" err="1">
+              <a:latin typeface="Aharoni" panose="02010803020104030203" pitchFamily="2" charset="-79"/>
+              <a:cs typeface="Aharoni" panose="02010803020104030203" pitchFamily="2" charset="-79"/>
+            </a:rPr>
+            <a:t>resuiltados</a:t>
+          </a:r>
+          <a:endParaRPr lang="pt-BR" dirty="0">
+            <a:latin typeface="Aharoni" panose="02010803020104030203" pitchFamily="2" charset="-79"/>
+            <a:cs typeface="Aharoni" panose="02010803020104030203" pitchFamily="2" charset="-79"/>
+          </a:endParaRPr>
         </a:p>
       </dgm:t>
     </dgm:pt>
@@ -7117,7 +7156,7 @@
         <a:lstStyle/>
         <a:p>
           <a:r>
-            <a:rPr lang="pt-BR">
+            <a:rPr lang="pt-BR" dirty="0">
               <a:latin typeface="Aharoni" panose="02010803020104030203" pitchFamily="2" charset="-79"/>
               <a:cs typeface="Aharoni" panose="02010803020104030203" pitchFamily="2" charset="-79"/>
             </a:rPr>
@@ -7199,7 +7238,7 @@
         <a:lstStyle/>
         <a:p>
           <a:r>
-            <a:rPr lang="pt-BR">
+            <a:rPr lang="pt-BR" dirty="0">
               <a:latin typeface="Aharoni" panose="02010803020104030203" pitchFamily="2" charset="-79"/>
               <a:cs typeface="Aharoni" panose="02010803020104030203" pitchFamily="2" charset="-79"/>
             </a:rPr>
@@ -10137,18 +10176,18 @@
             <a:buNone/>
           </a:pPr>
           <a:r>
-            <a:rPr lang="pt-BR" sz="1500" b="1" kern="1200" dirty="0" err="1">
+            <a:rPr lang="pt-BR" sz="1500" kern="1200" dirty="0">
               <a:latin typeface="Aharoni" panose="02010803020104030203" pitchFamily="2" charset="-79"/>
               <a:cs typeface="Aharoni" panose="02010803020104030203" pitchFamily="2" charset="-79"/>
             </a:rPr>
-            <a:t>Deci</a:t>
+            <a:t>Fernandes</a:t>
           </a:r>
           <a:r>
-            <a:rPr lang="pt-BR" sz="1500" b="1" kern="1200" dirty="0">
+            <a:rPr lang="pt-BR" sz="1500" kern="1200" baseline="0" dirty="0">
               <a:latin typeface="Aharoni" panose="02010803020104030203" pitchFamily="2" charset="-79"/>
               <a:cs typeface="Aharoni" panose="02010803020104030203" pitchFamily="2" charset="-79"/>
             </a:rPr>
-            <a:t> &amp; Ryan (2000) </a:t>
+            <a:t> (2010)</a:t>
           </a:r>
           <a:endParaRPr lang="pt-BR" sz="1500" kern="1200" dirty="0">
             <a:latin typeface="Aharoni" panose="02010803020104030203" pitchFamily="2" charset="-79"/>
@@ -10211,11 +10250,32 @@
             <a:buChar char="•"/>
           </a:pPr>
           <a:r>
+            <a:rPr lang="pt-BR" sz="1200" kern="1200">
+              <a:latin typeface="Aharoni" panose="02010803020104030203" pitchFamily="2" charset="-79"/>
+              <a:cs typeface="Aharoni" panose="02010803020104030203" pitchFamily="2" charset="-79"/>
+            </a:rPr>
+            <a:t>Teoria da </a:t>
+          </a:r>
+          <a:r>
             <a:rPr lang="pt-BR" sz="1200" kern="1200" dirty="0">
               <a:latin typeface="Aharoni" panose="02010803020104030203" pitchFamily="2" charset="-79"/>
               <a:cs typeface="Aharoni" panose="02010803020104030203" pitchFamily="2" charset="-79"/>
             </a:rPr>
-            <a:t>Teoria da autodeterminação (autonomia, competência)</a:t>
+            <a:t>aprendizagem: Piaget, </a:t>
+          </a:r>
+          <a:r>
+            <a:rPr lang="pt-BR" sz="1200" kern="1200" dirty="0" err="1">
+              <a:latin typeface="Aharoni" panose="02010803020104030203" pitchFamily="2" charset="-79"/>
+              <a:cs typeface="Aharoni" panose="02010803020104030203" pitchFamily="2" charset="-79"/>
+            </a:rPr>
+            <a:t>Ausubel</a:t>
+          </a:r>
+          <a:r>
+            <a:rPr lang="pt-BR" sz="1200" kern="1200" dirty="0">
+              <a:latin typeface="Aharoni" panose="02010803020104030203" pitchFamily="2" charset="-79"/>
+              <a:cs typeface="Aharoni" panose="02010803020104030203" pitchFamily="2" charset="-79"/>
+            </a:rPr>
+            <a:t> e Vygotsky</a:t>
           </a:r>
         </a:p>
       </dsp:txBody>
@@ -10292,18 +10352,25 @@
             <a:buNone/>
           </a:pPr>
           <a:r>
+            <a:rPr lang="pt-BR" sz="1500" b="1" kern="1200" dirty="0" err="1">
+              <a:latin typeface="Aharoni" panose="02010803020104030203" pitchFamily="2" charset="-79"/>
+              <a:cs typeface="Aharoni" panose="02010803020104030203" pitchFamily="2" charset="-79"/>
+            </a:rPr>
+            <a:t>Hamari</a:t>
+          </a:r>
+          <a:r>
             <a:rPr lang="pt-BR" sz="1500" b="1" kern="1200" dirty="0">
               <a:latin typeface="Aharoni" panose="02010803020104030203" pitchFamily="2" charset="-79"/>
               <a:cs typeface="Aharoni" panose="02010803020104030203" pitchFamily="2" charset="-79"/>
             </a:rPr>
-            <a:t>Garris, </a:t>
+            <a:t>, </a:t>
           </a:r>
           <a:r>
             <a:rPr lang="pt-BR" sz="1500" b="1" kern="1200" dirty="0" err="1">
               <a:latin typeface="Aharoni" panose="02010803020104030203" pitchFamily="2" charset="-79"/>
               <a:cs typeface="Aharoni" panose="02010803020104030203" pitchFamily="2" charset="-79"/>
             </a:rPr>
-            <a:t>Ahlers</a:t>
+            <a:t>Koivisto</a:t>
           </a:r>
           <a:r>
             <a:rPr lang="pt-BR" sz="1500" b="1" kern="1200" dirty="0">
@@ -10317,14 +10384,14 @@
               <a:latin typeface="Aharoni" panose="02010803020104030203" pitchFamily="2" charset="-79"/>
               <a:cs typeface="Aharoni" panose="02010803020104030203" pitchFamily="2" charset="-79"/>
             </a:rPr>
-            <a:t>Driskell</a:t>
+            <a:t>Sarsa</a:t>
           </a:r>
           <a:r>
             <a:rPr lang="pt-BR" sz="1500" b="1" kern="1200" dirty="0">
               <a:latin typeface="Aharoni" panose="02010803020104030203" pitchFamily="2" charset="-79"/>
               <a:cs typeface="Aharoni" panose="02010803020104030203" pitchFamily="2" charset="-79"/>
             </a:rPr>
-            <a:t> (2002) </a:t>
+            <a:t> (2014) </a:t>
           </a:r>
           <a:endParaRPr lang="pt-BR" sz="1500" kern="1200" dirty="0">
             <a:latin typeface="Aharoni" panose="02010803020104030203" pitchFamily="2" charset="-79"/>
@@ -10391,8 +10458,19 @@
               <a:latin typeface="Aharoni" panose="02010803020104030203" pitchFamily="2" charset="-79"/>
               <a:cs typeface="Aharoni" panose="02010803020104030203" pitchFamily="2" charset="-79"/>
             </a:rPr>
-            <a:t>Modelo CARPE (Feedback em jogos)</a:t>
+            <a:t>Revisão empírica sobre gamificação; motivação e </a:t>
           </a:r>
+          <a:r>
+            <a:rPr lang="pt-BR" sz="1200" kern="1200" dirty="0" err="1">
+              <a:latin typeface="Aharoni" panose="02010803020104030203" pitchFamily="2" charset="-79"/>
+              <a:cs typeface="Aharoni" panose="02010803020104030203" pitchFamily="2" charset="-79"/>
+            </a:rPr>
+            <a:t>resuiltados</a:t>
+          </a:r>
+          <a:endParaRPr lang="pt-BR" sz="1200" kern="1200" dirty="0">
+            <a:latin typeface="Aharoni" panose="02010803020104030203" pitchFamily="2" charset="-79"/>
+            <a:cs typeface="Aharoni" panose="02010803020104030203" pitchFamily="2" charset="-79"/>
+          </a:endParaRPr>
         </a:p>
       </dsp:txBody>
       <dsp:txXfrm>
@@ -10683,7 +10761,7 @@
             <a:buChar char="•"/>
           </a:pPr>
           <a:r>
-            <a:rPr lang="pt-BR" sz="1200" kern="1200">
+            <a:rPr lang="pt-BR" sz="1200" kern="1200" dirty="0">
               <a:latin typeface="Aharoni" panose="02010803020104030203" pitchFamily="2" charset="-79"/>
               <a:cs typeface="Aharoni" panose="02010803020104030203" pitchFamily="2" charset="-79"/>
             </a:rPr>
@@ -10831,7 +10909,7 @@
             <a:buChar char="•"/>
           </a:pPr>
           <a:r>
-            <a:rPr lang="pt-BR" sz="1200" kern="1200">
+            <a:rPr lang="pt-BR" sz="1200" kern="1200" dirty="0">
               <a:latin typeface="Aharoni" panose="02010803020104030203" pitchFamily="2" charset="-79"/>
               <a:cs typeface="Aharoni" panose="02010803020104030203" pitchFamily="2" charset="-79"/>
             </a:rPr>
@@ -23012,7 +23090,7 @@
           <a:p>
             <a:fld id="{18320935-7879-4FC8-A6C9-17BE08BC5BEB}" type="datetimeFigureOut">
               <a:rPr lang="pt-BR" smtClean="0"/>
-              <a:t>04/06/2025</a:t>
+              <a:t>05/06/2025</a:t>
             </a:fld>
             <a:endParaRPr lang="pt-BR"/>
           </a:p>
@@ -23426,7 +23504,7 @@
           <a:p>
             <a:fld id="{055D9AF5-8B02-462A-998E-086C6BD146E3}" type="datetime1">
               <a:rPr lang="pt-BR" smtClean="0"/>
-              <a:t>04/06/2025</a:t>
+              <a:t>05/06/2025</a:t>
             </a:fld>
             <a:endParaRPr lang="pt-BR"/>
           </a:p>
@@ -23624,7 +23702,7 @@
           <a:p>
             <a:fld id="{258448AC-78A4-411F-B30C-72E16663FB27}" type="datetime1">
               <a:rPr lang="pt-BR" smtClean="0"/>
-              <a:t>04/06/2025</a:t>
+              <a:t>05/06/2025</a:t>
             </a:fld>
             <a:endParaRPr lang="pt-BR"/>
           </a:p>
@@ -23832,7 +23910,7 @@
           <a:p>
             <a:fld id="{9F1F3115-DB14-4321-8D36-A5960E5A90C2}" type="datetime1">
               <a:rPr lang="pt-BR" smtClean="0"/>
-              <a:t>04/06/2025</a:t>
+              <a:t>05/06/2025</a:t>
             </a:fld>
             <a:endParaRPr lang="pt-BR"/>
           </a:p>
@@ -24030,7 +24108,7 @@
           <a:p>
             <a:fld id="{D8C6E8C3-9067-43B2-BEF6-C1F5787FC74D}" type="datetime1">
               <a:rPr lang="pt-BR" smtClean="0"/>
-              <a:t>04/06/2025</a:t>
+              <a:t>05/06/2025</a:t>
             </a:fld>
             <a:endParaRPr lang="pt-BR"/>
           </a:p>
@@ -24305,7 +24383,7 @@
           <a:p>
             <a:fld id="{AEDAA854-EDC2-459C-AF0A-0D60AE43886D}" type="datetime1">
               <a:rPr lang="pt-BR" smtClean="0"/>
-              <a:t>04/06/2025</a:t>
+              <a:t>05/06/2025</a:t>
             </a:fld>
             <a:endParaRPr lang="pt-BR"/>
           </a:p>
@@ -24570,7 +24648,7 @@
           <a:p>
             <a:fld id="{5D91D852-DAA6-48D5-92B2-C187B4D9E703}" type="datetime1">
               <a:rPr lang="pt-BR" smtClean="0"/>
-              <a:t>04/06/2025</a:t>
+              <a:t>05/06/2025</a:t>
             </a:fld>
             <a:endParaRPr lang="pt-BR"/>
           </a:p>
@@ -24982,7 +25060,7 @@
           <a:p>
             <a:fld id="{CDC3A4EE-7EB3-49B0-B009-2BF3B4DB4BF7}" type="datetime1">
               <a:rPr lang="pt-BR" smtClean="0"/>
-              <a:t>04/06/2025</a:t>
+              <a:t>05/06/2025</a:t>
             </a:fld>
             <a:endParaRPr lang="pt-BR"/>
           </a:p>
@@ -25123,7 +25201,7 @@
           <a:p>
             <a:fld id="{224C9A1C-CA50-4622-B615-0639F6347B1D}" type="datetime1">
               <a:rPr lang="pt-BR" smtClean="0"/>
-              <a:t>04/06/2025</a:t>
+              <a:t>05/06/2025</a:t>
             </a:fld>
             <a:endParaRPr lang="pt-BR"/>
           </a:p>
@@ -25236,7 +25314,7 @@
           <a:p>
             <a:fld id="{3D6C1E11-059F-430B-ACAB-308983ADDB72}" type="datetime1">
               <a:rPr lang="pt-BR" smtClean="0"/>
-              <a:t>04/06/2025</a:t>
+              <a:t>05/06/2025</a:t>
             </a:fld>
             <a:endParaRPr lang="pt-BR"/>
           </a:p>
@@ -25547,7 +25625,7 @@
           <a:p>
             <a:fld id="{D818A351-4929-4117-9E02-9240FA4BEF66}" type="datetime1">
               <a:rPr lang="pt-BR" smtClean="0"/>
-              <a:t>04/06/2025</a:t>
+              <a:t>05/06/2025</a:t>
             </a:fld>
             <a:endParaRPr lang="pt-BR"/>
           </a:p>
@@ -25835,7 +25913,7 @@
           <a:p>
             <a:fld id="{0717CE0E-0A9C-4DE7-9D3C-C334C624287A}" type="datetime1">
               <a:rPr lang="pt-BR" smtClean="0"/>
-              <a:t>04/06/2025</a:t>
+              <a:t>05/06/2025</a:t>
             </a:fld>
             <a:endParaRPr lang="pt-BR"/>
           </a:p>
@@ -26076,7 +26154,7 @@
           <a:p>
             <a:fld id="{8DEF6C12-3CCD-4BA5-AA5A-B9FCBFB668F7}" type="datetime1">
               <a:rPr lang="pt-BR" smtClean="0"/>
-              <a:t>04/06/2025</a:t>
+              <a:t>05/06/2025</a:t>
             </a:fld>
             <a:endParaRPr lang="pt-BR"/>
           </a:p>
@@ -32838,7 +32916,7 @@
           <p:nvPr>
             <p:extLst>
               <p:ext uri="{D42A27DB-BD31-4B8C-83A1-F6EECF244321}">
-                <p14:modId xmlns:p14="http://schemas.microsoft.com/office/powerpoint/2010/main" val="3943856401"/>
+                <p14:modId xmlns:p14="http://schemas.microsoft.com/office/powerpoint/2010/main" val="3103574563"/>
               </p:ext>
             </p:extLst>
           </p:nvPr>

--- a/liceu/3semestre/projeto integrador/tcc slide.pptx
+++ b/liceu/3semestre/projeto integrador/tcc slide.pptx
@@ -142,15 +142,15 @@
 </file>
 
 <file path=ppt/diagrams/colors1.xml><?xml version="1.0" encoding="utf-8"?>
-<dgm:colorsDef xmlns:dgm="http://schemas.openxmlformats.org/drawingml/2006/diagram" xmlns:a="http://schemas.openxmlformats.org/drawingml/2006/main" uniqueId="urn:microsoft.com/office/officeart/2005/8/colors/accent4_2">
+<dgm:colorsDef xmlns:dgm="http://schemas.openxmlformats.org/drawingml/2006/diagram" xmlns:a="http://schemas.openxmlformats.org/drawingml/2006/main" uniqueId="urn:microsoft.com/office/officeart/2005/8/colors/accent1_2">
   <dgm:title val=""/>
   <dgm:desc val=""/>
   <dgm:catLst>
-    <dgm:cat type="accent4" pri="11200"/>
+    <dgm:cat type="accent1" pri="11200"/>
   </dgm:catLst>
   <dgm:styleLbl name="node0">
     <dgm:fillClrLst meth="repeat">
-      <a:schemeClr val="accent4"/>
+      <a:schemeClr val="accent1"/>
     </dgm:fillClrLst>
     <dgm:linClrLst meth="repeat">
       <a:schemeClr val="lt1"/>
@@ -160,9 +160,21 @@
     <dgm:txFillClrLst/>
     <dgm:txEffectClrLst/>
   </dgm:styleLbl>
+  <dgm:styleLbl name="alignNode1">
+    <dgm:fillClrLst meth="repeat">
+      <a:schemeClr val="accent1"/>
+    </dgm:fillClrLst>
+    <dgm:linClrLst meth="repeat">
+      <a:schemeClr val="accent1"/>
+    </dgm:linClrLst>
+    <dgm:effectClrLst/>
+    <dgm:txLinClrLst/>
+    <dgm:txFillClrLst/>
+    <dgm:txEffectClrLst/>
+  </dgm:styleLbl>
   <dgm:styleLbl name="node1">
     <dgm:fillClrLst meth="repeat">
-      <a:schemeClr val="accent4"/>
+      <a:schemeClr val="accent1"/>
     </dgm:fillClrLst>
     <dgm:linClrLst meth="repeat">
       <a:schemeClr val="lt1"/>
@@ -172,33 +184,21 @@
     <dgm:txFillClrLst/>
     <dgm:txEffectClrLst/>
   </dgm:styleLbl>
-  <dgm:styleLbl name="alignNode1">
-    <dgm:fillClrLst meth="repeat">
-      <a:schemeClr val="accent4"/>
-    </dgm:fillClrLst>
-    <dgm:linClrLst meth="repeat">
-      <a:schemeClr val="accent4"/>
+  <dgm:styleLbl name="lnNode1">
+    <dgm:fillClrLst meth="repeat">
+      <a:schemeClr val="accent1"/>
+    </dgm:fillClrLst>
+    <dgm:linClrLst meth="repeat">
+      <a:schemeClr val="lt1"/>
     </dgm:linClrLst>
     <dgm:effectClrLst/>
     <dgm:txLinClrLst/>
     <dgm:txFillClrLst/>
     <dgm:txEffectClrLst/>
   </dgm:styleLbl>
-  <dgm:styleLbl name="lnNode1">
-    <dgm:fillClrLst meth="repeat">
-      <a:schemeClr val="accent4"/>
-    </dgm:fillClrLst>
-    <dgm:linClrLst meth="repeat">
-      <a:schemeClr val="lt1"/>
-    </dgm:linClrLst>
-    <dgm:effectClrLst/>
-    <dgm:txLinClrLst/>
-    <dgm:txFillClrLst/>
-    <dgm:txEffectClrLst/>
-  </dgm:styleLbl>
   <dgm:styleLbl name="vennNode1">
     <dgm:fillClrLst meth="repeat">
-      <a:schemeClr val="accent4">
+      <a:schemeClr val="accent1">
         <a:alpha val="50000"/>
       </a:schemeClr>
     </dgm:fillClrLst>
@@ -212,7 +212,7 @@
   </dgm:styleLbl>
   <dgm:styleLbl name="node2">
     <dgm:fillClrLst meth="repeat">
-      <a:schemeClr val="accent4"/>
+      <a:schemeClr val="accent1"/>
     </dgm:fillClrLst>
     <dgm:linClrLst meth="repeat">
       <a:schemeClr val="lt1"/>
@@ -224,7 +224,7 @@
   </dgm:styleLbl>
   <dgm:styleLbl name="node3">
     <dgm:fillClrLst meth="repeat">
-      <a:schemeClr val="accent4"/>
+      <a:schemeClr val="accent1"/>
     </dgm:fillClrLst>
     <dgm:linClrLst meth="repeat">
       <a:schemeClr val="lt1"/>
@@ -236,7 +236,7 @@
   </dgm:styleLbl>
   <dgm:styleLbl name="node4">
     <dgm:fillClrLst meth="repeat">
-      <a:schemeClr val="accent4"/>
+      <a:schemeClr val="accent1"/>
     </dgm:fillClrLst>
     <dgm:linClrLst meth="repeat">
       <a:schemeClr val="lt1"/>
@@ -248,7 +248,7 @@
   </dgm:styleLbl>
   <dgm:styleLbl name="fgImgPlace1">
     <dgm:fillClrLst meth="repeat">
-      <a:schemeClr val="accent4">
+      <a:schemeClr val="accent1">
         <a:tint val="50000"/>
       </a:schemeClr>
     </dgm:fillClrLst>
@@ -264,7 +264,7 @@
   </dgm:styleLbl>
   <dgm:styleLbl name="alignImgPlace1">
     <dgm:fillClrLst meth="repeat">
-      <a:schemeClr val="accent4">
+      <a:schemeClr val="accent1">
         <a:tint val="50000"/>
       </a:schemeClr>
     </dgm:fillClrLst>
@@ -280,7 +280,7 @@
   </dgm:styleLbl>
   <dgm:styleLbl name="bgImgPlace1">
     <dgm:fillClrLst meth="repeat">
-      <a:schemeClr val="accent4">
+      <a:schemeClr val="accent1">
         <a:tint val="50000"/>
       </a:schemeClr>
     </dgm:fillClrLst>
@@ -296,12 +296,12 @@
   </dgm:styleLbl>
   <dgm:styleLbl name="sibTrans2D1">
     <dgm:fillClrLst meth="repeat">
-      <a:schemeClr val="accent4">
+      <a:schemeClr val="accent1">
         <a:tint val="60000"/>
       </a:schemeClr>
     </dgm:fillClrLst>
     <dgm:linClrLst meth="repeat">
-      <a:schemeClr val="accent4">
+      <a:schemeClr val="accent1">
         <a:tint val="60000"/>
       </a:schemeClr>
     </dgm:linClrLst>
@@ -312,12 +312,12 @@
   </dgm:styleLbl>
   <dgm:styleLbl name="fgSibTrans2D1">
     <dgm:fillClrLst meth="repeat">
-      <a:schemeClr val="accent4">
+      <a:schemeClr val="accent1">
         <a:tint val="60000"/>
       </a:schemeClr>
     </dgm:fillClrLst>
     <dgm:linClrLst meth="repeat">
-      <a:schemeClr val="accent4">
+      <a:schemeClr val="accent1">
         <a:tint val="60000"/>
       </a:schemeClr>
     </dgm:linClrLst>
@@ -328,12 +328,12 @@
   </dgm:styleLbl>
   <dgm:styleLbl name="bgSibTrans2D1">
     <dgm:fillClrLst meth="repeat">
-      <a:schemeClr val="accent4">
+      <a:schemeClr val="accent1">
         <a:tint val="60000"/>
       </a:schemeClr>
     </dgm:fillClrLst>
     <dgm:linClrLst meth="repeat">
-      <a:schemeClr val="accent4">
+      <a:schemeClr val="accent1">
         <a:tint val="60000"/>
       </a:schemeClr>
     </dgm:linClrLst>
@@ -344,10 +344,10 @@
   </dgm:styleLbl>
   <dgm:styleLbl name="sibTrans1D1">
     <dgm:fillClrLst meth="repeat">
-      <a:schemeClr val="accent4"/>
-    </dgm:fillClrLst>
-    <dgm:linClrLst meth="repeat">
-      <a:schemeClr val="accent4"/>
+      <a:schemeClr val="accent1"/>
+    </dgm:fillClrLst>
+    <dgm:linClrLst meth="repeat">
+      <a:schemeClr val="accent1"/>
     </dgm:linClrLst>
     <dgm:effectClrLst/>
     <dgm:txLinClrLst/>
@@ -358,10 +358,10 @@
   </dgm:styleLbl>
   <dgm:styleLbl name="callout">
     <dgm:fillClrLst meth="repeat">
-      <a:schemeClr val="accent4"/>
-    </dgm:fillClrLst>
-    <dgm:linClrLst meth="repeat">
-      <a:schemeClr val="accent4">
+      <a:schemeClr val="accent1"/>
+    </dgm:fillClrLst>
+    <dgm:linClrLst meth="repeat">
+      <a:schemeClr val="accent1">
         <a:tint val="50000"/>
       </a:schemeClr>
     </dgm:linClrLst>
@@ -374,7 +374,7 @@
   </dgm:styleLbl>
   <dgm:styleLbl name="asst0">
     <dgm:fillClrLst meth="repeat">
-      <a:schemeClr val="accent4"/>
+      <a:schemeClr val="accent1"/>
     </dgm:fillClrLst>
     <dgm:linClrLst meth="repeat">
       <a:schemeClr val="lt1"/>
@@ -386,7 +386,7 @@
   </dgm:styleLbl>
   <dgm:styleLbl name="asst1">
     <dgm:fillClrLst meth="repeat">
-      <a:schemeClr val="accent4"/>
+      <a:schemeClr val="accent1"/>
     </dgm:fillClrLst>
     <dgm:linClrLst meth="repeat">
       <a:schemeClr val="lt1"/>
@@ -398,7 +398,7 @@
   </dgm:styleLbl>
   <dgm:styleLbl name="asst2">
     <dgm:fillClrLst meth="repeat">
-      <a:schemeClr val="accent4"/>
+      <a:schemeClr val="accent1"/>
     </dgm:fillClrLst>
     <dgm:linClrLst meth="repeat">
       <a:schemeClr val="lt1"/>
@@ -410,7 +410,7 @@
   </dgm:styleLbl>
   <dgm:styleLbl name="asst3">
     <dgm:fillClrLst meth="repeat">
-      <a:schemeClr val="accent4"/>
+      <a:schemeClr val="accent1"/>
     </dgm:fillClrLst>
     <dgm:linClrLst meth="repeat">
       <a:schemeClr val="lt1"/>
@@ -422,7 +422,7 @@
   </dgm:styleLbl>
   <dgm:styleLbl name="asst4">
     <dgm:fillClrLst meth="repeat">
-      <a:schemeClr val="accent4"/>
+      <a:schemeClr val="accent1"/>
     </dgm:fillClrLst>
     <dgm:linClrLst meth="repeat">
       <a:schemeClr val="lt1"/>
@@ -434,12 +434,12 @@
   </dgm:styleLbl>
   <dgm:styleLbl name="parChTrans2D1">
     <dgm:fillClrLst meth="repeat">
-      <a:schemeClr val="accent4">
+      <a:schemeClr val="accent1">
         <a:tint val="60000"/>
       </a:schemeClr>
     </dgm:fillClrLst>
     <dgm:linClrLst meth="repeat">
-      <a:schemeClr val="accent4">
+      <a:schemeClr val="accent1">
         <a:tint val="60000"/>
       </a:schemeClr>
     </dgm:linClrLst>
@@ -452,10 +452,10 @@
   </dgm:styleLbl>
   <dgm:styleLbl name="parChTrans2D2">
     <dgm:fillClrLst meth="repeat">
-      <a:schemeClr val="accent4"/>
-    </dgm:fillClrLst>
-    <dgm:linClrLst meth="repeat">
-      <a:schemeClr val="accent4"/>
+      <a:schemeClr val="accent1"/>
+    </dgm:fillClrLst>
+    <dgm:linClrLst meth="repeat">
+      <a:schemeClr val="accent1"/>
     </dgm:linClrLst>
     <dgm:effectClrLst/>
     <dgm:txLinClrLst/>
@@ -466,10 +466,10 @@
   </dgm:styleLbl>
   <dgm:styleLbl name="parChTrans2D3">
     <dgm:fillClrLst meth="repeat">
-      <a:schemeClr val="accent4"/>
-    </dgm:fillClrLst>
-    <dgm:linClrLst meth="repeat">
-      <a:schemeClr val="accent4"/>
+      <a:schemeClr val="accent1"/>
+    </dgm:fillClrLst>
+    <dgm:linClrLst meth="repeat">
+      <a:schemeClr val="accent1"/>
     </dgm:linClrLst>
     <dgm:effectClrLst/>
     <dgm:txLinClrLst/>
@@ -480,10 +480,10 @@
   </dgm:styleLbl>
   <dgm:styleLbl name="parChTrans2D4">
     <dgm:fillClrLst meth="repeat">
-      <a:schemeClr val="accent4"/>
-    </dgm:fillClrLst>
-    <dgm:linClrLst meth="repeat">
-      <a:schemeClr val="accent4"/>
+      <a:schemeClr val="accent1"/>
+    </dgm:fillClrLst>
+    <dgm:linClrLst meth="repeat">
+      <a:schemeClr val="accent1"/>
     </dgm:linClrLst>
     <dgm:effectClrLst/>
     <dgm:txLinClrLst/>
@@ -494,10 +494,10 @@
   </dgm:styleLbl>
   <dgm:styleLbl name="parChTrans1D1">
     <dgm:fillClrLst meth="repeat">
-      <a:schemeClr val="accent4"/>
-    </dgm:fillClrLst>
-    <dgm:linClrLst meth="repeat">
-      <a:schemeClr val="accent4">
+      <a:schemeClr val="accent1"/>
+    </dgm:fillClrLst>
+    <dgm:linClrLst meth="repeat">
+      <a:schemeClr val="accent1">
         <a:shade val="60000"/>
       </a:schemeClr>
     </dgm:linClrLst>
@@ -510,10 +510,10 @@
   </dgm:styleLbl>
   <dgm:styleLbl name="parChTrans1D2">
     <dgm:fillClrLst meth="repeat">
-      <a:schemeClr val="accent4"/>
-    </dgm:fillClrLst>
-    <dgm:linClrLst meth="repeat">
-      <a:schemeClr val="accent4">
+      <a:schemeClr val="accent1"/>
+    </dgm:fillClrLst>
+    <dgm:linClrLst meth="repeat">
+      <a:schemeClr val="accent1">
         <a:shade val="60000"/>
       </a:schemeClr>
     </dgm:linClrLst>
@@ -526,10 +526,10 @@
   </dgm:styleLbl>
   <dgm:styleLbl name="parChTrans1D3">
     <dgm:fillClrLst meth="repeat">
-      <a:schemeClr val="accent4"/>
-    </dgm:fillClrLst>
-    <dgm:linClrLst meth="repeat">
-      <a:schemeClr val="accent4">
+      <a:schemeClr val="accent1"/>
+    </dgm:fillClrLst>
+    <dgm:linClrLst meth="repeat">
+      <a:schemeClr val="accent1">
         <a:shade val="80000"/>
       </a:schemeClr>
     </dgm:linClrLst>
@@ -542,10 +542,10 @@
   </dgm:styleLbl>
   <dgm:styleLbl name="parChTrans1D4">
     <dgm:fillClrLst meth="repeat">
-      <a:schemeClr val="accent4"/>
-    </dgm:fillClrLst>
-    <dgm:linClrLst meth="repeat">
-      <a:schemeClr val="accent4">
+      <a:schemeClr val="accent1"/>
+    </dgm:fillClrLst>
+    <dgm:linClrLst meth="repeat">
+      <a:schemeClr val="accent1">
         <a:shade val="80000"/>
       </a:schemeClr>
     </dgm:linClrLst>
@@ -563,7 +563,7 @@
       </a:schemeClr>
     </dgm:fillClrLst>
     <dgm:linClrLst meth="repeat">
-      <a:schemeClr val="accent4"/>
+      <a:schemeClr val="accent1"/>
     </dgm:linClrLst>
     <dgm:effectClrLst/>
     <dgm:txLinClrLst/>
@@ -579,7 +579,7 @@
       </a:schemeClr>
     </dgm:fillClrLst>
     <dgm:linClrLst meth="repeat">
-      <a:schemeClr val="accent4"/>
+      <a:schemeClr val="accent1"/>
     </dgm:linClrLst>
     <dgm:effectClrLst/>
     <dgm:txLinClrLst/>
@@ -595,7 +595,7 @@
       </a:schemeClr>
     </dgm:fillClrLst>
     <dgm:linClrLst meth="repeat">
-      <a:schemeClr val="accent4"/>
+      <a:schemeClr val="accent1"/>
     </dgm:linClrLst>
     <dgm:effectClrLst/>
     <dgm:txLinClrLst/>
@@ -611,7 +611,7 @@
       </a:schemeClr>
     </dgm:fillClrLst>
     <dgm:linClrLst meth="repeat">
-      <a:schemeClr val="accent4"/>
+      <a:schemeClr val="accent1"/>
     </dgm:linClrLst>
     <dgm:effectClrLst/>
     <dgm:txLinClrLst/>
@@ -627,7 +627,7 @@
       </a:schemeClr>
     </dgm:fillClrLst>
     <dgm:linClrLst meth="repeat">
-      <a:schemeClr val="accent4"/>
+      <a:schemeClr val="accent1"/>
     </dgm:linClrLst>
     <dgm:effectClrLst/>
     <dgm:txLinClrLst/>
@@ -641,7 +641,7 @@
       <a:schemeClr val="lt1"/>
     </dgm:fillClrLst>
     <dgm:linClrLst meth="repeat">
-      <a:schemeClr val="accent4"/>
+      <a:schemeClr val="accent1"/>
     </dgm:linClrLst>
     <dgm:effectClrLst/>
     <dgm:txLinClrLst/>
@@ -655,7 +655,7 @@
       <a:schemeClr val="lt1"/>
     </dgm:fillClrLst>
     <dgm:linClrLst meth="repeat">
-      <a:schemeClr val="accent4"/>
+      <a:schemeClr val="accent1"/>
     </dgm:linClrLst>
     <dgm:effectClrLst/>
     <dgm:txLinClrLst/>
@@ -669,7 +669,7 @@
       <a:schemeClr val="lt1"/>
     </dgm:fillClrLst>
     <dgm:linClrLst meth="repeat">
-      <a:schemeClr val="accent4"/>
+      <a:schemeClr val="accent1"/>
     </dgm:linClrLst>
     <dgm:effectClrLst/>
     <dgm:txLinClrLst/>
@@ -680,13 +680,13 @@
   </dgm:styleLbl>
   <dgm:styleLbl name="fgAccFollowNode1">
     <dgm:fillClrLst meth="repeat">
-      <a:schemeClr val="accent4">
+      <a:schemeClr val="accent1">
         <a:alpha val="90000"/>
         <a:tint val="40000"/>
       </a:schemeClr>
     </dgm:fillClrLst>
     <dgm:linClrLst meth="repeat">
-      <a:schemeClr val="accent4">
+      <a:schemeClr val="accent1">
         <a:alpha val="90000"/>
         <a:tint val="40000"/>
       </a:schemeClr>
@@ -700,13 +700,13 @@
   </dgm:styleLbl>
   <dgm:styleLbl name="alignAccFollowNode1">
     <dgm:fillClrLst meth="repeat">
-      <a:schemeClr val="accent4">
+      <a:schemeClr val="accent1">
         <a:alpha val="90000"/>
         <a:tint val="40000"/>
       </a:schemeClr>
     </dgm:fillClrLst>
     <dgm:linClrLst meth="repeat">
-      <a:schemeClr val="accent4">
+      <a:schemeClr val="accent1">
         <a:alpha val="90000"/>
         <a:tint val="40000"/>
       </a:schemeClr>
@@ -720,13 +720,13 @@
   </dgm:styleLbl>
   <dgm:styleLbl name="bgAccFollowNode1">
     <dgm:fillClrLst meth="repeat">
-      <a:schemeClr val="accent4">
+      <a:schemeClr val="accent1">
         <a:alpha val="90000"/>
         <a:tint val="40000"/>
       </a:schemeClr>
     </dgm:fillClrLst>
     <dgm:linClrLst meth="repeat">
-      <a:schemeClr val="accent4">
+      <a:schemeClr val="accent1">
         <a:alpha val="90000"/>
         <a:tint val="40000"/>
       </a:schemeClr>
@@ -745,7 +745,7 @@
       </a:schemeClr>
     </dgm:fillClrLst>
     <dgm:linClrLst meth="repeat">
-      <a:schemeClr val="accent4"/>
+      <a:schemeClr val="accent1"/>
     </dgm:linClrLst>
     <dgm:effectClrLst/>
     <dgm:txLinClrLst/>
@@ -761,7 +761,7 @@
       </a:schemeClr>
     </dgm:fillClrLst>
     <dgm:linClrLst meth="repeat">
-      <a:schemeClr val="accent4"/>
+      <a:schemeClr val="accent1"/>
     </dgm:linClrLst>
     <dgm:effectClrLst/>
     <dgm:txLinClrLst/>
@@ -777,7 +777,7 @@
       </a:schemeClr>
     </dgm:fillClrLst>
     <dgm:linClrLst meth="repeat">
-      <a:schemeClr val="accent4"/>
+      <a:schemeClr val="accent1"/>
     </dgm:linClrLst>
     <dgm:effectClrLst/>
     <dgm:txLinClrLst/>
@@ -793,7 +793,7 @@
       </a:schemeClr>
     </dgm:fillClrLst>
     <dgm:linClrLst meth="repeat">
-      <a:schemeClr val="accent4"/>
+      <a:schemeClr val="accent1"/>
     </dgm:linClrLst>
     <dgm:effectClrLst/>
     <dgm:txLinClrLst/>
@@ -804,12 +804,12 @@
   </dgm:styleLbl>
   <dgm:styleLbl name="bgShp">
     <dgm:fillClrLst meth="repeat">
-      <a:schemeClr val="accent4">
+      <a:schemeClr val="accent1">
         <a:tint val="40000"/>
       </a:schemeClr>
     </dgm:fillClrLst>
     <dgm:linClrLst meth="repeat">
-      <a:schemeClr val="accent4"/>
+      <a:schemeClr val="accent1"/>
     </dgm:linClrLst>
     <dgm:effectClrLst/>
     <dgm:txLinClrLst/>
@@ -820,12 +820,12 @@
   </dgm:styleLbl>
   <dgm:styleLbl name="dkBgShp">
     <dgm:fillClrLst meth="repeat">
-      <a:schemeClr val="accent4">
+      <a:schemeClr val="accent1">
         <a:shade val="80000"/>
       </a:schemeClr>
     </dgm:fillClrLst>
     <dgm:linClrLst meth="repeat">
-      <a:schemeClr val="accent4"/>
+      <a:schemeClr val="accent1"/>
     </dgm:linClrLst>
     <dgm:effectClrLst/>
     <dgm:txLinClrLst/>
@@ -836,13 +836,13 @@
   </dgm:styleLbl>
   <dgm:styleLbl name="trBgShp">
     <dgm:fillClrLst meth="repeat">
-      <a:schemeClr val="accent4">
+      <a:schemeClr val="accent1">
         <a:tint val="50000"/>
         <a:alpha val="40000"/>
       </a:schemeClr>
     </dgm:fillClrLst>
     <dgm:linClrLst meth="repeat">
-      <a:schemeClr val="accent4"/>
+      <a:schemeClr val="accent1"/>
     </dgm:linClrLst>
     <dgm:effectClrLst/>
     <dgm:txLinClrLst/>
@@ -853,7 +853,7 @@
   </dgm:styleLbl>
   <dgm:styleLbl name="fgShp">
     <dgm:fillClrLst meth="repeat">
-      <a:schemeClr val="accent4">
+      <a:schemeClr val="accent1">
         <a:tint val="60000"/>
       </a:schemeClr>
     </dgm:fillClrLst>
@@ -889,15 +889,15 @@
 </file>
 
 <file path=ppt/diagrams/colors2.xml><?xml version="1.0" encoding="utf-8"?>
-<dgm:colorsDef xmlns:dgm="http://schemas.openxmlformats.org/drawingml/2006/diagram" xmlns:a="http://schemas.openxmlformats.org/drawingml/2006/main" uniqueId="urn:microsoft.com/office/officeart/2005/8/colors/accent4_2">
+<dgm:colorsDef xmlns:dgm="http://schemas.openxmlformats.org/drawingml/2006/diagram" xmlns:a="http://schemas.openxmlformats.org/drawingml/2006/main" uniqueId="urn:microsoft.com/office/officeart/2005/8/colors/accent1_2">
   <dgm:title val=""/>
   <dgm:desc val=""/>
   <dgm:catLst>
-    <dgm:cat type="accent4" pri="11200"/>
+    <dgm:cat type="accent1" pri="11200"/>
   </dgm:catLst>
   <dgm:styleLbl name="node0">
     <dgm:fillClrLst meth="repeat">
-      <a:schemeClr val="accent4"/>
+      <a:schemeClr val="accent1"/>
     </dgm:fillClrLst>
     <dgm:linClrLst meth="repeat">
       <a:schemeClr val="lt1"/>
@@ -907,9 +907,21 @@
     <dgm:txFillClrLst/>
     <dgm:txEffectClrLst/>
   </dgm:styleLbl>
+  <dgm:styleLbl name="alignNode1">
+    <dgm:fillClrLst meth="repeat">
+      <a:schemeClr val="accent1"/>
+    </dgm:fillClrLst>
+    <dgm:linClrLst meth="repeat">
+      <a:schemeClr val="accent1"/>
+    </dgm:linClrLst>
+    <dgm:effectClrLst/>
+    <dgm:txLinClrLst/>
+    <dgm:txFillClrLst/>
+    <dgm:txEffectClrLst/>
+  </dgm:styleLbl>
   <dgm:styleLbl name="node1">
     <dgm:fillClrLst meth="repeat">
-      <a:schemeClr val="accent4"/>
+      <a:schemeClr val="accent1"/>
     </dgm:fillClrLst>
     <dgm:linClrLst meth="repeat">
       <a:schemeClr val="lt1"/>
@@ -919,33 +931,21 @@
     <dgm:txFillClrLst/>
     <dgm:txEffectClrLst/>
   </dgm:styleLbl>
-  <dgm:styleLbl name="alignNode1">
-    <dgm:fillClrLst meth="repeat">
-      <a:schemeClr val="accent4"/>
-    </dgm:fillClrLst>
-    <dgm:linClrLst meth="repeat">
-      <a:schemeClr val="accent4"/>
+  <dgm:styleLbl name="lnNode1">
+    <dgm:fillClrLst meth="repeat">
+      <a:schemeClr val="accent1"/>
+    </dgm:fillClrLst>
+    <dgm:linClrLst meth="repeat">
+      <a:schemeClr val="lt1"/>
     </dgm:linClrLst>
     <dgm:effectClrLst/>
     <dgm:txLinClrLst/>
     <dgm:txFillClrLst/>
     <dgm:txEffectClrLst/>
   </dgm:styleLbl>
-  <dgm:styleLbl name="lnNode1">
-    <dgm:fillClrLst meth="repeat">
-      <a:schemeClr val="accent4"/>
-    </dgm:fillClrLst>
-    <dgm:linClrLst meth="repeat">
-      <a:schemeClr val="lt1"/>
-    </dgm:linClrLst>
-    <dgm:effectClrLst/>
-    <dgm:txLinClrLst/>
-    <dgm:txFillClrLst/>
-    <dgm:txEffectClrLst/>
-  </dgm:styleLbl>
   <dgm:styleLbl name="vennNode1">
     <dgm:fillClrLst meth="repeat">
-      <a:schemeClr val="accent4">
+      <a:schemeClr val="accent1">
         <a:alpha val="50000"/>
       </a:schemeClr>
     </dgm:fillClrLst>
@@ -959,7 +959,7 @@
   </dgm:styleLbl>
   <dgm:styleLbl name="node2">
     <dgm:fillClrLst meth="repeat">
-      <a:schemeClr val="accent4"/>
+      <a:schemeClr val="accent1"/>
     </dgm:fillClrLst>
     <dgm:linClrLst meth="repeat">
       <a:schemeClr val="lt1"/>
@@ -971,7 +971,7 @@
   </dgm:styleLbl>
   <dgm:styleLbl name="node3">
     <dgm:fillClrLst meth="repeat">
-      <a:schemeClr val="accent4"/>
+      <a:schemeClr val="accent1"/>
     </dgm:fillClrLst>
     <dgm:linClrLst meth="repeat">
       <a:schemeClr val="lt1"/>
@@ -983,7 +983,7 @@
   </dgm:styleLbl>
   <dgm:styleLbl name="node4">
     <dgm:fillClrLst meth="repeat">
-      <a:schemeClr val="accent4"/>
+      <a:schemeClr val="accent1"/>
     </dgm:fillClrLst>
     <dgm:linClrLst meth="repeat">
       <a:schemeClr val="lt1"/>
@@ -995,7 +995,7 @@
   </dgm:styleLbl>
   <dgm:styleLbl name="fgImgPlace1">
     <dgm:fillClrLst meth="repeat">
-      <a:schemeClr val="accent4">
+      <a:schemeClr val="accent1">
         <a:tint val="50000"/>
       </a:schemeClr>
     </dgm:fillClrLst>
@@ -1011,7 +1011,7 @@
   </dgm:styleLbl>
   <dgm:styleLbl name="alignImgPlace1">
     <dgm:fillClrLst meth="repeat">
-      <a:schemeClr val="accent4">
+      <a:schemeClr val="accent1">
         <a:tint val="50000"/>
       </a:schemeClr>
     </dgm:fillClrLst>
@@ -1027,7 +1027,7 @@
   </dgm:styleLbl>
   <dgm:styleLbl name="bgImgPlace1">
     <dgm:fillClrLst meth="repeat">
-      <a:schemeClr val="accent4">
+      <a:schemeClr val="accent1">
         <a:tint val="50000"/>
       </a:schemeClr>
     </dgm:fillClrLst>
@@ -1043,12 +1043,12 @@
   </dgm:styleLbl>
   <dgm:styleLbl name="sibTrans2D1">
     <dgm:fillClrLst meth="repeat">
-      <a:schemeClr val="accent4">
+      <a:schemeClr val="accent1">
         <a:tint val="60000"/>
       </a:schemeClr>
     </dgm:fillClrLst>
     <dgm:linClrLst meth="repeat">
-      <a:schemeClr val="accent4">
+      <a:schemeClr val="accent1">
         <a:tint val="60000"/>
       </a:schemeClr>
     </dgm:linClrLst>
@@ -1059,12 +1059,12 @@
   </dgm:styleLbl>
   <dgm:styleLbl name="fgSibTrans2D1">
     <dgm:fillClrLst meth="repeat">
-      <a:schemeClr val="accent4">
+      <a:schemeClr val="accent1">
         <a:tint val="60000"/>
       </a:schemeClr>
     </dgm:fillClrLst>
     <dgm:linClrLst meth="repeat">
-      <a:schemeClr val="accent4">
+      <a:schemeClr val="accent1">
         <a:tint val="60000"/>
       </a:schemeClr>
     </dgm:linClrLst>
@@ -1075,12 +1075,12 @@
   </dgm:styleLbl>
   <dgm:styleLbl name="bgSibTrans2D1">
     <dgm:fillClrLst meth="repeat">
-      <a:schemeClr val="accent4">
+      <a:schemeClr val="accent1">
         <a:tint val="60000"/>
       </a:schemeClr>
     </dgm:fillClrLst>
     <dgm:linClrLst meth="repeat">
-      <a:schemeClr val="accent4">
+      <a:schemeClr val="accent1">
         <a:tint val="60000"/>
       </a:schemeClr>
     </dgm:linClrLst>
@@ -1091,10 +1091,10 @@
   </dgm:styleLbl>
   <dgm:styleLbl name="sibTrans1D1">
     <dgm:fillClrLst meth="repeat">
-      <a:schemeClr val="accent4"/>
-    </dgm:fillClrLst>
-    <dgm:linClrLst meth="repeat">
-      <a:schemeClr val="accent4"/>
+      <a:schemeClr val="accent1"/>
+    </dgm:fillClrLst>
+    <dgm:linClrLst meth="repeat">
+      <a:schemeClr val="accent1"/>
     </dgm:linClrLst>
     <dgm:effectClrLst/>
     <dgm:txLinClrLst/>
@@ -1105,10 +1105,10 @@
   </dgm:styleLbl>
   <dgm:styleLbl name="callout">
     <dgm:fillClrLst meth="repeat">
-      <a:schemeClr val="accent4"/>
-    </dgm:fillClrLst>
-    <dgm:linClrLst meth="repeat">
-      <a:schemeClr val="accent4">
+      <a:schemeClr val="accent1"/>
+    </dgm:fillClrLst>
+    <dgm:linClrLst meth="repeat">
+      <a:schemeClr val="accent1">
         <a:tint val="50000"/>
       </a:schemeClr>
     </dgm:linClrLst>
@@ -1121,7 +1121,7 @@
   </dgm:styleLbl>
   <dgm:styleLbl name="asst0">
     <dgm:fillClrLst meth="repeat">
-      <a:schemeClr val="accent4"/>
+      <a:schemeClr val="accent1"/>
     </dgm:fillClrLst>
     <dgm:linClrLst meth="repeat">
       <a:schemeClr val="lt1"/>
@@ -1133,7 +1133,7 @@
   </dgm:styleLbl>
   <dgm:styleLbl name="asst1">
     <dgm:fillClrLst meth="repeat">
-      <a:schemeClr val="accent4"/>
+      <a:schemeClr val="accent1"/>
     </dgm:fillClrLst>
     <dgm:linClrLst meth="repeat">
       <a:schemeClr val="lt1"/>
@@ -1145,7 +1145,7 @@
   </dgm:styleLbl>
   <dgm:styleLbl name="asst2">
     <dgm:fillClrLst meth="repeat">
-      <a:schemeClr val="accent4"/>
+      <a:schemeClr val="accent1"/>
     </dgm:fillClrLst>
     <dgm:linClrLst meth="repeat">
       <a:schemeClr val="lt1"/>
@@ -1157,7 +1157,7 @@
   </dgm:styleLbl>
   <dgm:styleLbl name="asst3">
     <dgm:fillClrLst meth="repeat">
-      <a:schemeClr val="accent4"/>
+      <a:schemeClr val="accent1"/>
     </dgm:fillClrLst>
     <dgm:linClrLst meth="repeat">
       <a:schemeClr val="lt1"/>
@@ -1169,7 +1169,7 @@
   </dgm:styleLbl>
   <dgm:styleLbl name="asst4">
     <dgm:fillClrLst meth="repeat">
-      <a:schemeClr val="accent4"/>
+      <a:schemeClr val="accent1"/>
     </dgm:fillClrLst>
     <dgm:linClrLst meth="repeat">
       <a:schemeClr val="lt1"/>
@@ -1181,12 +1181,12 @@
   </dgm:styleLbl>
   <dgm:styleLbl name="parChTrans2D1">
     <dgm:fillClrLst meth="repeat">
-      <a:schemeClr val="accent4">
+      <a:schemeClr val="accent1">
         <a:tint val="60000"/>
       </a:schemeClr>
     </dgm:fillClrLst>
     <dgm:linClrLst meth="repeat">
-      <a:schemeClr val="accent4">
+      <a:schemeClr val="accent1">
         <a:tint val="60000"/>
       </a:schemeClr>
     </dgm:linClrLst>
@@ -1199,10 +1199,10 @@
   </dgm:styleLbl>
   <dgm:styleLbl name="parChTrans2D2">
     <dgm:fillClrLst meth="repeat">
-      <a:schemeClr val="accent4"/>
-    </dgm:fillClrLst>
-    <dgm:linClrLst meth="repeat">
-      <a:schemeClr val="accent4"/>
+      <a:schemeClr val="accent1"/>
+    </dgm:fillClrLst>
+    <dgm:linClrLst meth="repeat">
+      <a:schemeClr val="accent1"/>
     </dgm:linClrLst>
     <dgm:effectClrLst/>
     <dgm:txLinClrLst/>
@@ -1213,10 +1213,10 @@
   </dgm:styleLbl>
   <dgm:styleLbl name="parChTrans2D3">
     <dgm:fillClrLst meth="repeat">
-      <a:schemeClr val="accent4"/>
-    </dgm:fillClrLst>
-    <dgm:linClrLst meth="repeat">
-      <a:schemeClr val="accent4"/>
+      <a:schemeClr val="accent1"/>
+    </dgm:fillClrLst>
+    <dgm:linClrLst meth="repeat">
+      <a:schemeClr val="accent1"/>
     </dgm:linClrLst>
     <dgm:effectClrLst/>
     <dgm:txLinClrLst/>
@@ -1227,10 +1227,10 @@
   </dgm:styleLbl>
   <dgm:styleLbl name="parChTrans2D4">
     <dgm:fillClrLst meth="repeat">
-      <a:schemeClr val="accent4"/>
-    </dgm:fillClrLst>
-    <dgm:linClrLst meth="repeat">
-      <a:schemeClr val="accent4"/>
+      <a:schemeClr val="accent1"/>
+    </dgm:fillClrLst>
+    <dgm:linClrLst meth="repeat">
+      <a:schemeClr val="accent1"/>
     </dgm:linClrLst>
     <dgm:effectClrLst/>
     <dgm:txLinClrLst/>
@@ -1241,10 +1241,10 @@
   </dgm:styleLbl>
   <dgm:styleLbl name="parChTrans1D1">
     <dgm:fillClrLst meth="repeat">
-      <a:schemeClr val="accent4"/>
-    </dgm:fillClrLst>
-    <dgm:linClrLst meth="repeat">
-      <a:schemeClr val="accent4">
+      <a:schemeClr val="accent1"/>
+    </dgm:fillClrLst>
+    <dgm:linClrLst meth="repeat">
+      <a:schemeClr val="accent1">
         <a:shade val="60000"/>
       </a:schemeClr>
     </dgm:linClrLst>
@@ -1257,10 +1257,10 @@
   </dgm:styleLbl>
   <dgm:styleLbl name="parChTrans1D2">
     <dgm:fillClrLst meth="repeat">
-      <a:schemeClr val="accent4"/>
-    </dgm:fillClrLst>
-    <dgm:linClrLst meth="repeat">
-      <a:schemeClr val="accent4">
+      <a:schemeClr val="accent1"/>
+    </dgm:fillClrLst>
+    <dgm:linClrLst meth="repeat">
+      <a:schemeClr val="accent1">
         <a:shade val="60000"/>
       </a:schemeClr>
     </dgm:linClrLst>
@@ -1273,10 +1273,10 @@
   </dgm:styleLbl>
   <dgm:styleLbl name="parChTrans1D3">
     <dgm:fillClrLst meth="repeat">
-      <a:schemeClr val="accent4"/>
-    </dgm:fillClrLst>
-    <dgm:linClrLst meth="repeat">
-      <a:schemeClr val="accent4">
+      <a:schemeClr val="accent1"/>
+    </dgm:fillClrLst>
+    <dgm:linClrLst meth="repeat">
+      <a:schemeClr val="accent1">
         <a:shade val="80000"/>
       </a:schemeClr>
     </dgm:linClrLst>
@@ -1289,10 +1289,10 @@
   </dgm:styleLbl>
   <dgm:styleLbl name="parChTrans1D4">
     <dgm:fillClrLst meth="repeat">
-      <a:schemeClr val="accent4"/>
-    </dgm:fillClrLst>
-    <dgm:linClrLst meth="repeat">
-      <a:schemeClr val="accent4">
+      <a:schemeClr val="accent1"/>
+    </dgm:fillClrLst>
+    <dgm:linClrLst meth="repeat">
+      <a:schemeClr val="accent1">
         <a:shade val="80000"/>
       </a:schemeClr>
     </dgm:linClrLst>
@@ -1310,7 +1310,7 @@
       </a:schemeClr>
     </dgm:fillClrLst>
     <dgm:linClrLst meth="repeat">
-      <a:schemeClr val="accent4"/>
+      <a:schemeClr val="accent1"/>
     </dgm:linClrLst>
     <dgm:effectClrLst/>
     <dgm:txLinClrLst/>
@@ -1326,7 +1326,7 @@
       </a:schemeClr>
     </dgm:fillClrLst>
     <dgm:linClrLst meth="repeat">
-      <a:schemeClr val="accent4"/>
+      <a:schemeClr val="accent1"/>
     </dgm:linClrLst>
     <dgm:effectClrLst/>
     <dgm:txLinClrLst/>
@@ -1342,7 +1342,7 @@
       </a:schemeClr>
     </dgm:fillClrLst>
     <dgm:linClrLst meth="repeat">
-      <a:schemeClr val="accent4"/>
+      <a:schemeClr val="accent1"/>
     </dgm:linClrLst>
     <dgm:effectClrLst/>
     <dgm:txLinClrLst/>
@@ -1358,7 +1358,7 @@
       </a:schemeClr>
     </dgm:fillClrLst>
     <dgm:linClrLst meth="repeat">
-      <a:schemeClr val="accent4"/>
+      <a:schemeClr val="accent1"/>
     </dgm:linClrLst>
     <dgm:effectClrLst/>
     <dgm:txLinClrLst/>
@@ -1374,7 +1374,7 @@
       </a:schemeClr>
     </dgm:fillClrLst>
     <dgm:linClrLst meth="repeat">
-      <a:schemeClr val="accent4"/>
+      <a:schemeClr val="accent1"/>
     </dgm:linClrLst>
     <dgm:effectClrLst/>
     <dgm:txLinClrLst/>
@@ -1388,7 +1388,7 @@
       <a:schemeClr val="lt1"/>
     </dgm:fillClrLst>
     <dgm:linClrLst meth="repeat">
-      <a:schemeClr val="accent4"/>
+      <a:schemeClr val="accent1"/>
     </dgm:linClrLst>
     <dgm:effectClrLst/>
     <dgm:txLinClrLst/>
@@ -1402,7 +1402,7 @@
       <a:schemeClr val="lt1"/>
     </dgm:fillClrLst>
     <dgm:linClrLst meth="repeat">
-      <a:schemeClr val="accent4"/>
+      <a:schemeClr val="accent1"/>
     </dgm:linClrLst>
     <dgm:effectClrLst/>
     <dgm:txLinClrLst/>
@@ -1416,7 +1416,7 @@
       <a:schemeClr val="lt1"/>
     </dgm:fillClrLst>
     <dgm:linClrLst meth="repeat">
-      <a:schemeClr val="accent4"/>
+      <a:schemeClr val="accent1"/>
     </dgm:linClrLst>
     <dgm:effectClrLst/>
     <dgm:txLinClrLst/>
@@ -1427,13 +1427,13 @@
   </dgm:styleLbl>
   <dgm:styleLbl name="fgAccFollowNode1">
     <dgm:fillClrLst meth="repeat">
-      <a:schemeClr val="accent4">
+      <a:schemeClr val="accent1">
         <a:alpha val="90000"/>
         <a:tint val="40000"/>
       </a:schemeClr>
     </dgm:fillClrLst>
     <dgm:linClrLst meth="repeat">
-      <a:schemeClr val="accent4">
+      <a:schemeClr val="accent1">
         <a:alpha val="90000"/>
         <a:tint val="40000"/>
       </a:schemeClr>
@@ -1447,13 +1447,13 @@
   </dgm:styleLbl>
   <dgm:styleLbl name="alignAccFollowNode1">
     <dgm:fillClrLst meth="repeat">
-      <a:schemeClr val="accent4">
+      <a:schemeClr val="accent1">
         <a:alpha val="90000"/>
         <a:tint val="40000"/>
       </a:schemeClr>
     </dgm:fillClrLst>
     <dgm:linClrLst meth="repeat">
-      <a:schemeClr val="accent4">
+      <a:schemeClr val="accent1">
         <a:alpha val="90000"/>
         <a:tint val="40000"/>
       </a:schemeClr>
@@ -1467,13 +1467,13 @@
   </dgm:styleLbl>
   <dgm:styleLbl name="bgAccFollowNode1">
     <dgm:fillClrLst meth="repeat">
-      <a:schemeClr val="accent4">
+      <a:schemeClr val="accent1">
         <a:alpha val="90000"/>
         <a:tint val="40000"/>
       </a:schemeClr>
     </dgm:fillClrLst>
     <dgm:linClrLst meth="repeat">
-      <a:schemeClr val="accent4">
+      <a:schemeClr val="accent1">
         <a:alpha val="90000"/>
         <a:tint val="40000"/>
       </a:schemeClr>
@@ -1492,7 +1492,7 @@
       </a:schemeClr>
     </dgm:fillClrLst>
     <dgm:linClrLst meth="repeat">
-      <a:schemeClr val="accent4"/>
+      <a:schemeClr val="accent1"/>
     </dgm:linClrLst>
     <dgm:effectClrLst/>
     <dgm:txLinClrLst/>
@@ -1508,7 +1508,7 @@
       </a:schemeClr>
     </dgm:fillClrLst>
     <dgm:linClrLst meth="repeat">
-      <a:schemeClr val="accent4"/>
+      <a:schemeClr val="accent1"/>
     </dgm:linClrLst>
     <dgm:effectClrLst/>
     <dgm:txLinClrLst/>
@@ -1524,7 +1524,7 @@
       </a:schemeClr>
     </dgm:fillClrLst>
     <dgm:linClrLst meth="repeat">
-      <a:schemeClr val="accent4"/>
+      <a:schemeClr val="accent1"/>
     </dgm:linClrLst>
     <dgm:effectClrLst/>
     <dgm:txLinClrLst/>
@@ -1540,7 +1540,7 @@
       </a:schemeClr>
     </dgm:fillClrLst>
     <dgm:linClrLst meth="repeat">
-      <a:schemeClr val="accent4"/>
+      <a:schemeClr val="accent1"/>
     </dgm:linClrLst>
     <dgm:effectClrLst/>
     <dgm:txLinClrLst/>
@@ -1551,12 +1551,12 @@
   </dgm:styleLbl>
   <dgm:styleLbl name="bgShp">
     <dgm:fillClrLst meth="repeat">
-      <a:schemeClr val="accent4">
+      <a:schemeClr val="accent1">
         <a:tint val="40000"/>
       </a:schemeClr>
     </dgm:fillClrLst>
     <dgm:linClrLst meth="repeat">
-      <a:schemeClr val="accent4"/>
+      <a:schemeClr val="accent1"/>
     </dgm:linClrLst>
     <dgm:effectClrLst/>
     <dgm:txLinClrLst/>
@@ -1567,12 +1567,12 @@
   </dgm:styleLbl>
   <dgm:styleLbl name="dkBgShp">
     <dgm:fillClrLst meth="repeat">
-      <a:schemeClr val="accent4">
+      <a:schemeClr val="accent1">
         <a:shade val="80000"/>
       </a:schemeClr>
     </dgm:fillClrLst>
     <dgm:linClrLst meth="repeat">
-      <a:schemeClr val="accent4"/>
+      <a:schemeClr val="accent1"/>
     </dgm:linClrLst>
     <dgm:effectClrLst/>
     <dgm:txLinClrLst/>
@@ -1583,13 +1583,13 @@
   </dgm:styleLbl>
   <dgm:styleLbl name="trBgShp">
     <dgm:fillClrLst meth="repeat">
-      <a:schemeClr val="accent4">
+      <a:schemeClr val="accent1">
         <a:tint val="50000"/>
         <a:alpha val="40000"/>
       </a:schemeClr>
     </dgm:fillClrLst>
     <dgm:linClrLst meth="repeat">
-      <a:schemeClr val="accent4"/>
+      <a:schemeClr val="accent1"/>
     </dgm:linClrLst>
     <dgm:effectClrLst/>
     <dgm:txLinClrLst/>
@@ -1600,7 +1600,7 @@
   </dgm:styleLbl>
   <dgm:styleLbl name="fgShp">
     <dgm:fillClrLst meth="repeat">
-      <a:schemeClr val="accent4">
+      <a:schemeClr val="accent1">
         <a:tint val="60000"/>
       </a:schemeClr>
     </dgm:fillClrLst>
@@ -1636,15 +1636,15 @@
 </file>
 
 <file path=ppt/diagrams/colors3.xml><?xml version="1.0" encoding="utf-8"?>
-<dgm:colorsDef xmlns:dgm="http://schemas.openxmlformats.org/drawingml/2006/diagram" xmlns:a="http://schemas.openxmlformats.org/drawingml/2006/main" uniqueId="urn:microsoft.com/office/officeart/2005/8/colors/accent4_2">
+<dgm:colorsDef xmlns:dgm="http://schemas.openxmlformats.org/drawingml/2006/diagram" xmlns:a="http://schemas.openxmlformats.org/drawingml/2006/main" uniqueId="urn:microsoft.com/office/officeart/2005/8/colors/accent1_2">
   <dgm:title val=""/>
   <dgm:desc val=""/>
   <dgm:catLst>
-    <dgm:cat type="accent4" pri="11200"/>
+    <dgm:cat type="accent1" pri="11200"/>
   </dgm:catLst>
   <dgm:styleLbl name="node0">
     <dgm:fillClrLst meth="repeat">
-      <a:schemeClr val="accent4"/>
+      <a:schemeClr val="accent1"/>
     </dgm:fillClrLst>
     <dgm:linClrLst meth="repeat">
       <a:schemeClr val="lt1"/>
@@ -1654,9 +1654,21 @@
     <dgm:txFillClrLst/>
     <dgm:txEffectClrLst/>
   </dgm:styleLbl>
+  <dgm:styleLbl name="alignNode1">
+    <dgm:fillClrLst meth="repeat">
+      <a:schemeClr val="accent1"/>
+    </dgm:fillClrLst>
+    <dgm:linClrLst meth="repeat">
+      <a:schemeClr val="accent1"/>
+    </dgm:linClrLst>
+    <dgm:effectClrLst/>
+    <dgm:txLinClrLst/>
+    <dgm:txFillClrLst/>
+    <dgm:txEffectClrLst/>
+  </dgm:styleLbl>
   <dgm:styleLbl name="node1">
     <dgm:fillClrLst meth="repeat">
-      <a:schemeClr val="accent4"/>
+      <a:schemeClr val="accent1"/>
     </dgm:fillClrLst>
     <dgm:linClrLst meth="repeat">
       <a:schemeClr val="lt1"/>
@@ -1666,33 +1678,21 @@
     <dgm:txFillClrLst/>
     <dgm:txEffectClrLst/>
   </dgm:styleLbl>
-  <dgm:styleLbl name="alignNode1">
-    <dgm:fillClrLst meth="repeat">
-      <a:schemeClr val="accent4"/>
-    </dgm:fillClrLst>
-    <dgm:linClrLst meth="repeat">
-      <a:schemeClr val="accent4"/>
+  <dgm:styleLbl name="lnNode1">
+    <dgm:fillClrLst meth="repeat">
+      <a:schemeClr val="accent1"/>
+    </dgm:fillClrLst>
+    <dgm:linClrLst meth="repeat">
+      <a:schemeClr val="lt1"/>
     </dgm:linClrLst>
     <dgm:effectClrLst/>
     <dgm:txLinClrLst/>
     <dgm:txFillClrLst/>
     <dgm:txEffectClrLst/>
   </dgm:styleLbl>
-  <dgm:styleLbl name="lnNode1">
-    <dgm:fillClrLst meth="repeat">
-      <a:schemeClr val="accent4"/>
-    </dgm:fillClrLst>
-    <dgm:linClrLst meth="repeat">
-      <a:schemeClr val="lt1"/>
-    </dgm:linClrLst>
-    <dgm:effectClrLst/>
-    <dgm:txLinClrLst/>
-    <dgm:txFillClrLst/>
-    <dgm:txEffectClrLst/>
-  </dgm:styleLbl>
   <dgm:styleLbl name="vennNode1">
     <dgm:fillClrLst meth="repeat">
-      <a:schemeClr val="accent4">
+      <a:schemeClr val="accent1">
         <a:alpha val="50000"/>
       </a:schemeClr>
     </dgm:fillClrLst>
@@ -1706,7 +1706,7 @@
   </dgm:styleLbl>
   <dgm:styleLbl name="node2">
     <dgm:fillClrLst meth="repeat">
-      <a:schemeClr val="accent4"/>
+      <a:schemeClr val="accent1"/>
     </dgm:fillClrLst>
     <dgm:linClrLst meth="repeat">
       <a:schemeClr val="lt1"/>
@@ -1718,7 +1718,7 @@
   </dgm:styleLbl>
   <dgm:styleLbl name="node3">
     <dgm:fillClrLst meth="repeat">
-      <a:schemeClr val="accent4"/>
+      <a:schemeClr val="accent1"/>
     </dgm:fillClrLst>
     <dgm:linClrLst meth="repeat">
       <a:schemeClr val="lt1"/>
@@ -1730,7 +1730,7 @@
   </dgm:styleLbl>
   <dgm:styleLbl name="node4">
     <dgm:fillClrLst meth="repeat">
-      <a:schemeClr val="accent4"/>
+      <a:schemeClr val="accent1"/>
     </dgm:fillClrLst>
     <dgm:linClrLst meth="repeat">
       <a:schemeClr val="lt1"/>
@@ -1742,7 +1742,7 @@
   </dgm:styleLbl>
   <dgm:styleLbl name="fgImgPlace1">
     <dgm:fillClrLst meth="repeat">
-      <a:schemeClr val="accent4">
+      <a:schemeClr val="accent1">
         <a:tint val="50000"/>
       </a:schemeClr>
     </dgm:fillClrLst>
@@ -1758,7 +1758,7 @@
   </dgm:styleLbl>
   <dgm:styleLbl name="alignImgPlace1">
     <dgm:fillClrLst meth="repeat">
-      <a:schemeClr val="accent4">
+      <a:schemeClr val="accent1">
         <a:tint val="50000"/>
       </a:schemeClr>
     </dgm:fillClrLst>
@@ -1774,7 +1774,7 @@
   </dgm:styleLbl>
   <dgm:styleLbl name="bgImgPlace1">
     <dgm:fillClrLst meth="repeat">
-      <a:schemeClr val="accent4">
+      <a:schemeClr val="accent1">
         <a:tint val="50000"/>
       </a:schemeClr>
     </dgm:fillClrLst>
@@ -1790,12 +1790,12 @@
   </dgm:styleLbl>
   <dgm:styleLbl name="sibTrans2D1">
     <dgm:fillClrLst meth="repeat">
-      <a:schemeClr val="accent4">
+      <a:schemeClr val="accent1">
         <a:tint val="60000"/>
       </a:schemeClr>
     </dgm:fillClrLst>
     <dgm:linClrLst meth="repeat">
-      <a:schemeClr val="accent4">
+      <a:schemeClr val="accent1">
         <a:tint val="60000"/>
       </a:schemeClr>
     </dgm:linClrLst>
@@ -1806,12 +1806,12 @@
   </dgm:styleLbl>
   <dgm:styleLbl name="fgSibTrans2D1">
     <dgm:fillClrLst meth="repeat">
-      <a:schemeClr val="accent4">
+      <a:schemeClr val="accent1">
         <a:tint val="60000"/>
       </a:schemeClr>
     </dgm:fillClrLst>
     <dgm:linClrLst meth="repeat">
-      <a:schemeClr val="accent4">
+      <a:schemeClr val="accent1">
         <a:tint val="60000"/>
       </a:schemeClr>
     </dgm:linClrLst>
@@ -1822,12 +1822,12 @@
   </dgm:styleLbl>
   <dgm:styleLbl name="bgSibTrans2D1">
     <dgm:fillClrLst meth="repeat">
-      <a:schemeClr val="accent4">
+      <a:schemeClr val="accent1">
         <a:tint val="60000"/>
       </a:schemeClr>
     </dgm:fillClrLst>
     <dgm:linClrLst meth="repeat">
-      <a:schemeClr val="accent4">
+      <a:schemeClr val="accent1">
         <a:tint val="60000"/>
       </a:schemeClr>
     </dgm:linClrLst>
@@ -1838,10 +1838,10 @@
   </dgm:styleLbl>
   <dgm:styleLbl name="sibTrans1D1">
     <dgm:fillClrLst meth="repeat">
-      <a:schemeClr val="accent4"/>
-    </dgm:fillClrLst>
-    <dgm:linClrLst meth="repeat">
-      <a:schemeClr val="accent4"/>
+      <a:schemeClr val="accent1"/>
+    </dgm:fillClrLst>
+    <dgm:linClrLst meth="repeat">
+      <a:schemeClr val="accent1"/>
     </dgm:linClrLst>
     <dgm:effectClrLst/>
     <dgm:txLinClrLst/>
@@ -1852,10 +1852,10 @@
   </dgm:styleLbl>
   <dgm:styleLbl name="callout">
     <dgm:fillClrLst meth="repeat">
-      <a:schemeClr val="accent4"/>
-    </dgm:fillClrLst>
-    <dgm:linClrLst meth="repeat">
-      <a:schemeClr val="accent4">
+      <a:schemeClr val="accent1"/>
+    </dgm:fillClrLst>
+    <dgm:linClrLst meth="repeat">
+      <a:schemeClr val="accent1">
         <a:tint val="50000"/>
       </a:schemeClr>
     </dgm:linClrLst>
@@ -1868,7 +1868,7 @@
   </dgm:styleLbl>
   <dgm:styleLbl name="asst0">
     <dgm:fillClrLst meth="repeat">
-      <a:schemeClr val="accent4"/>
+      <a:schemeClr val="accent1"/>
     </dgm:fillClrLst>
     <dgm:linClrLst meth="repeat">
       <a:schemeClr val="lt1"/>
@@ -1880,7 +1880,7 @@
   </dgm:styleLbl>
   <dgm:styleLbl name="asst1">
     <dgm:fillClrLst meth="repeat">
-      <a:schemeClr val="accent4"/>
+      <a:schemeClr val="accent1"/>
     </dgm:fillClrLst>
     <dgm:linClrLst meth="repeat">
       <a:schemeClr val="lt1"/>
@@ -1892,7 +1892,7 @@
   </dgm:styleLbl>
   <dgm:styleLbl name="asst2">
     <dgm:fillClrLst meth="repeat">
-      <a:schemeClr val="accent4"/>
+      <a:schemeClr val="accent1"/>
     </dgm:fillClrLst>
     <dgm:linClrLst meth="repeat">
       <a:schemeClr val="lt1"/>
@@ -1904,7 +1904,7 @@
   </dgm:styleLbl>
   <dgm:styleLbl name="asst3">
     <dgm:fillClrLst meth="repeat">
-      <a:schemeClr val="accent4"/>
+      <a:schemeClr val="accent1"/>
     </dgm:fillClrLst>
     <dgm:linClrLst meth="repeat">
       <a:schemeClr val="lt1"/>
@@ -1916,7 +1916,7 @@
   </dgm:styleLbl>
   <dgm:styleLbl name="asst4">
     <dgm:fillClrLst meth="repeat">
-      <a:schemeClr val="accent4"/>
+      <a:schemeClr val="accent1"/>
     </dgm:fillClrLst>
     <dgm:linClrLst meth="repeat">
       <a:schemeClr val="lt1"/>
@@ -1928,12 +1928,12 @@
   </dgm:styleLbl>
   <dgm:styleLbl name="parChTrans2D1">
     <dgm:fillClrLst meth="repeat">
-      <a:schemeClr val="accent4">
+      <a:schemeClr val="accent1">
         <a:tint val="60000"/>
       </a:schemeClr>
     </dgm:fillClrLst>
     <dgm:linClrLst meth="repeat">
-      <a:schemeClr val="accent4">
+      <a:schemeClr val="accent1">
         <a:tint val="60000"/>
       </a:schemeClr>
     </dgm:linClrLst>
@@ -1946,10 +1946,10 @@
   </dgm:styleLbl>
   <dgm:styleLbl name="parChTrans2D2">
     <dgm:fillClrLst meth="repeat">
-      <a:schemeClr val="accent4"/>
-    </dgm:fillClrLst>
-    <dgm:linClrLst meth="repeat">
-      <a:schemeClr val="accent4"/>
+      <a:schemeClr val="accent1"/>
+    </dgm:fillClrLst>
+    <dgm:linClrLst meth="repeat">
+      <a:schemeClr val="accent1"/>
     </dgm:linClrLst>
     <dgm:effectClrLst/>
     <dgm:txLinClrLst/>
@@ -1960,10 +1960,10 @@
   </dgm:styleLbl>
   <dgm:styleLbl name="parChTrans2D3">
     <dgm:fillClrLst meth="repeat">
-      <a:schemeClr val="accent4"/>
-    </dgm:fillClrLst>
-    <dgm:linClrLst meth="repeat">
-      <a:schemeClr val="accent4"/>
+      <a:schemeClr val="accent1"/>
+    </dgm:fillClrLst>
+    <dgm:linClrLst meth="repeat">
+      <a:schemeClr val="accent1"/>
     </dgm:linClrLst>
     <dgm:effectClrLst/>
     <dgm:txLinClrLst/>
@@ -1974,10 +1974,10 @@
   </dgm:styleLbl>
   <dgm:styleLbl name="parChTrans2D4">
     <dgm:fillClrLst meth="repeat">
-      <a:schemeClr val="accent4"/>
-    </dgm:fillClrLst>
-    <dgm:linClrLst meth="repeat">
-      <a:schemeClr val="accent4"/>
+      <a:schemeClr val="accent1"/>
+    </dgm:fillClrLst>
+    <dgm:linClrLst meth="repeat">
+      <a:schemeClr val="accent1"/>
     </dgm:linClrLst>
     <dgm:effectClrLst/>
     <dgm:txLinClrLst/>
@@ -1988,10 +1988,10 @@
   </dgm:styleLbl>
   <dgm:styleLbl name="parChTrans1D1">
     <dgm:fillClrLst meth="repeat">
-      <a:schemeClr val="accent4"/>
-    </dgm:fillClrLst>
-    <dgm:linClrLst meth="repeat">
-      <a:schemeClr val="accent4">
+      <a:schemeClr val="accent1"/>
+    </dgm:fillClrLst>
+    <dgm:linClrLst meth="repeat">
+      <a:schemeClr val="accent1">
         <a:shade val="60000"/>
       </a:schemeClr>
     </dgm:linClrLst>
@@ -2004,10 +2004,10 @@
   </dgm:styleLbl>
   <dgm:styleLbl name="parChTrans1D2">
     <dgm:fillClrLst meth="repeat">
-      <a:schemeClr val="accent4"/>
-    </dgm:fillClrLst>
-    <dgm:linClrLst meth="repeat">
-      <a:schemeClr val="accent4">
+      <a:schemeClr val="accent1"/>
+    </dgm:fillClrLst>
+    <dgm:linClrLst meth="repeat">
+      <a:schemeClr val="accent1">
         <a:shade val="60000"/>
       </a:schemeClr>
     </dgm:linClrLst>
@@ -2020,10 +2020,10 @@
   </dgm:styleLbl>
   <dgm:styleLbl name="parChTrans1D3">
     <dgm:fillClrLst meth="repeat">
-      <a:schemeClr val="accent4"/>
-    </dgm:fillClrLst>
-    <dgm:linClrLst meth="repeat">
-      <a:schemeClr val="accent4">
+      <a:schemeClr val="accent1"/>
+    </dgm:fillClrLst>
+    <dgm:linClrLst meth="repeat">
+      <a:schemeClr val="accent1">
         <a:shade val="80000"/>
       </a:schemeClr>
     </dgm:linClrLst>
@@ -2036,10 +2036,10 @@
   </dgm:styleLbl>
   <dgm:styleLbl name="parChTrans1D4">
     <dgm:fillClrLst meth="repeat">
-      <a:schemeClr val="accent4"/>
-    </dgm:fillClrLst>
-    <dgm:linClrLst meth="repeat">
-      <a:schemeClr val="accent4">
+      <a:schemeClr val="accent1"/>
+    </dgm:fillClrLst>
+    <dgm:linClrLst meth="repeat">
+      <a:schemeClr val="accent1">
         <a:shade val="80000"/>
       </a:schemeClr>
     </dgm:linClrLst>
@@ -2057,7 +2057,7 @@
       </a:schemeClr>
     </dgm:fillClrLst>
     <dgm:linClrLst meth="repeat">
-      <a:schemeClr val="accent4"/>
+      <a:schemeClr val="accent1"/>
     </dgm:linClrLst>
     <dgm:effectClrLst/>
     <dgm:txLinClrLst/>
@@ -2073,7 +2073,7 @@
       </a:schemeClr>
     </dgm:fillClrLst>
     <dgm:linClrLst meth="repeat">
-      <a:schemeClr val="accent4"/>
+      <a:schemeClr val="accent1"/>
     </dgm:linClrLst>
     <dgm:effectClrLst/>
     <dgm:txLinClrLst/>
@@ -2089,7 +2089,7 @@
       </a:schemeClr>
     </dgm:fillClrLst>
     <dgm:linClrLst meth="repeat">
-      <a:schemeClr val="accent4"/>
+      <a:schemeClr val="accent1"/>
     </dgm:linClrLst>
     <dgm:effectClrLst/>
     <dgm:txLinClrLst/>
@@ -2105,7 +2105,7 @@
       </a:schemeClr>
     </dgm:fillClrLst>
     <dgm:linClrLst meth="repeat">
-      <a:schemeClr val="accent4"/>
+      <a:schemeClr val="accent1"/>
     </dgm:linClrLst>
     <dgm:effectClrLst/>
     <dgm:txLinClrLst/>
@@ -2121,7 +2121,7 @@
       </a:schemeClr>
     </dgm:fillClrLst>
     <dgm:linClrLst meth="repeat">
-      <a:schemeClr val="accent4"/>
+      <a:schemeClr val="accent1"/>
     </dgm:linClrLst>
     <dgm:effectClrLst/>
     <dgm:txLinClrLst/>
@@ -2135,7 +2135,7 @@
       <a:schemeClr val="lt1"/>
     </dgm:fillClrLst>
     <dgm:linClrLst meth="repeat">
-      <a:schemeClr val="accent4"/>
+      <a:schemeClr val="accent1"/>
     </dgm:linClrLst>
     <dgm:effectClrLst/>
     <dgm:txLinClrLst/>
@@ -2149,7 +2149,7 @@
       <a:schemeClr val="lt1"/>
     </dgm:fillClrLst>
     <dgm:linClrLst meth="repeat">
-      <a:schemeClr val="accent4"/>
+      <a:schemeClr val="accent1"/>
     </dgm:linClrLst>
     <dgm:effectClrLst/>
     <dgm:txLinClrLst/>
@@ -2163,7 +2163,7 @@
       <a:schemeClr val="lt1"/>
     </dgm:fillClrLst>
     <dgm:linClrLst meth="repeat">
-      <a:schemeClr val="accent4"/>
+      <a:schemeClr val="accent1"/>
     </dgm:linClrLst>
     <dgm:effectClrLst/>
     <dgm:txLinClrLst/>
@@ -2174,13 +2174,13 @@
   </dgm:styleLbl>
   <dgm:styleLbl name="fgAccFollowNode1">
     <dgm:fillClrLst meth="repeat">
-      <a:schemeClr val="accent4">
+      <a:schemeClr val="accent1">
         <a:alpha val="90000"/>
         <a:tint val="40000"/>
       </a:schemeClr>
     </dgm:fillClrLst>
     <dgm:linClrLst meth="repeat">
-      <a:schemeClr val="accent4">
+      <a:schemeClr val="accent1">
         <a:alpha val="90000"/>
         <a:tint val="40000"/>
       </a:schemeClr>
@@ -2194,13 +2194,13 @@
   </dgm:styleLbl>
   <dgm:styleLbl name="alignAccFollowNode1">
     <dgm:fillClrLst meth="repeat">
-      <a:schemeClr val="accent4">
+      <a:schemeClr val="accent1">
         <a:alpha val="90000"/>
         <a:tint val="40000"/>
       </a:schemeClr>
     </dgm:fillClrLst>
     <dgm:linClrLst meth="repeat">
-      <a:schemeClr val="accent4">
+      <a:schemeClr val="accent1">
         <a:alpha val="90000"/>
         <a:tint val="40000"/>
       </a:schemeClr>
@@ -2214,13 +2214,13 @@
   </dgm:styleLbl>
   <dgm:styleLbl name="bgAccFollowNode1">
     <dgm:fillClrLst meth="repeat">
-      <a:schemeClr val="accent4">
+      <a:schemeClr val="accent1">
         <a:alpha val="90000"/>
         <a:tint val="40000"/>
       </a:schemeClr>
     </dgm:fillClrLst>
     <dgm:linClrLst meth="repeat">
-      <a:schemeClr val="accent4">
+      <a:schemeClr val="accent1">
         <a:alpha val="90000"/>
         <a:tint val="40000"/>
       </a:schemeClr>
@@ -2239,7 +2239,7 @@
       </a:schemeClr>
     </dgm:fillClrLst>
     <dgm:linClrLst meth="repeat">
-      <a:schemeClr val="accent4"/>
+      <a:schemeClr val="accent1"/>
     </dgm:linClrLst>
     <dgm:effectClrLst/>
     <dgm:txLinClrLst/>
@@ -2255,7 +2255,7 @@
       </a:schemeClr>
     </dgm:fillClrLst>
     <dgm:linClrLst meth="repeat">
-      <a:schemeClr val="accent4"/>
+      <a:schemeClr val="accent1"/>
     </dgm:linClrLst>
     <dgm:effectClrLst/>
     <dgm:txLinClrLst/>
@@ -2271,7 +2271,7 @@
       </a:schemeClr>
     </dgm:fillClrLst>
     <dgm:linClrLst meth="repeat">
-      <a:schemeClr val="accent4"/>
+      <a:schemeClr val="accent1"/>
     </dgm:linClrLst>
     <dgm:effectClrLst/>
     <dgm:txLinClrLst/>
@@ -2287,7 +2287,7 @@
       </a:schemeClr>
     </dgm:fillClrLst>
     <dgm:linClrLst meth="repeat">
-      <a:schemeClr val="accent4"/>
+      <a:schemeClr val="accent1"/>
     </dgm:linClrLst>
     <dgm:effectClrLst/>
     <dgm:txLinClrLst/>
@@ -2298,12 +2298,12 @@
   </dgm:styleLbl>
   <dgm:styleLbl name="bgShp">
     <dgm:fillClrLst meth="repeat">
-      <a:schemeClr val="accent4">
+      <a:schemeClr val="accent1">
         <a:tint val="40000"/>
       </a:schemeClr>
     </dgm:fillClrLst>
     <dgm:linClrLst meth="repeat">
-      <a:schemeClr val="accent4"/>
+      <a:schemeClr val="accent1"/>
     </dgm:linClrLst>
     <dgm:effectClrLst/>
     <dgm:txLinClrLst/>
@@ -2314,12 +2314,12 @@
   </dgm:styleLbl>
   <dgm:styleLbl name="dkBgShp">
     <dgm:fillClrLst meth="repeat">
-      <a:schemeClr val="accent4">
+      <a:schemeClr val="accent1">
         <a:shade val="80000"/>
       </a:schemeClr>
     </dgm:fillClrLst>
     <dgm:linClrLst meth="repeat">
-      <a:schemeClr val="accent4"/>
+      <a:schemeClr val="accent1"/>
     </dgm:linClrLst>
     <dgm:effectClrLst/>
     <dgm:txLinClrLst/>
@@ -2330,13 +2330,13 @@
   </dgm:styleLbl>
   <dgm:styleLbl name="trBgShp">
     <dgm:fillClrLst meth="repeat">
-      <a:schemeClr val="accent4">
+      <a:schemeClr val="accent1">
         <a:tint val="50000"/>
         <a:alpha val="40000"/>
       </a:schemeClr>
     </dgm:fillClrLst>
     <dgm:linClrLst meth="repeat">
-      <a:schemeClr val="accent4"/>
+      <a:schemeClr val="accent1"/>
     </dgm:linClrLst>
     <dgm:effectClrLst/>
     <dgm:txLinClrLst/>
@@ -2347,7 +2347,7 @@
   </dgm:styleLbl>
   <dgm:styleLbl name="fgShp">
     <dgm:fillClrLst meth="repeat">
-      <a:schemeClr val="accent4">
+      <a:schemeClr val="accent1">
         <a:tint val="60000"/>
       </a:schemeClr>
     </dgm:fillClrLst>
@@ -2383,15 +2383,15 @@
 </file>
 
 <file path=ppt/diagrams/colors4.xml><?xml version="1.0" encoding="utf-8"?>
-<dgm:colorsDef xmlns:dgm="http://schemas.openxmlformats.org/drawingml/2006/diagram" xmlns:a="http://schemas.openxmlformats.org/drawingml/2006/main" uniqueId="urn:microsoft.com/office/officeart/2005/8/colors/accent4_2">
+<dgm:colorsDef xmlns:dgm="http://schemas.openxmlformats.org/drawingml/2006/diagram" xmlns:a="http://schemas.openxmlformats.org/drawingml/2006/main" uniqueId="urn:microsoft.com/office/officeart/2005/8/colors/accent1_2">
   <dgm:title val=""/>
   <dgm:desc val=""/>
   <dgm:catLst>
-    <dgm:cat type="accent4" pri="11200"/>
+    <dgm:cat type="accent1" pri="11200"/>
   </dgm:catLst>
   <dgm:styleLbl name="node0">
     <dgm:fillClrLst meth="repeat">
-      <a:schemeClr val="accent4"/>
+      <a:schemeClr val="accent1"/>
     </dgm:fillClrLst>
     <dgm:linClrLst meth="repeat">
       <a:schemeClr val="lt1"/>
@@ -2401,9 +2401,21 @@
     <dgm:txFillClrLst/>
     <dgm:txEffectClrLst/>
   </dgm:styleLbl>
+  <dgm:styleLbl name="alignNode1">
+    <dgm:fillClrLst meth="repeat">
+      <a:schemeClr val="accent1"/>
+    </dgm:fillClrLst>
+    <dgm:linClrLst meth="repeat">
+      <a:schemeClr val="accent1"/>
+    </dgm:linClrLst>
+    <dgm:effectClrLst/>
+    <dgm:txLinClrLst/>
+    <dgm:txFillClrLst/>
+    <dgm:txEffectClrLst/>
+  </dgm:styleLbl>
   <dgm:styleLbl name="node1">
     <dgm:fillClrLst meth="repeat">
-      <a:schemeClr val="accent4"/>
+      <a:schemeClr val="accent1"/>
     </dgm:fillClrLst>
     <dgm:linClrLst meth="repeat">
       <a:schemeClr val="lt1"/>
@@ -2413,33 +2425,21 @@
     <dgm:txFillClrLst/>
     <dgm:txEffectClrLst/>
   </dgm:styleLbl>
-  <dgm:styleLbl name="alignNode1">
-    <dgm:fillClrLst meth="repeat">
-      <a:schemeClr val="accent4"/>
-    </dgm:fillClrLst>
-    <dgm:linClrLst meth="repeat">
-      <a:schemeClr val="accent4"/>
+  <dgm:styleLbl name="lnNode1">
+    <dgm:fillClrLst meth="repeat">
+      <a:schemeClr val="accent1"/>
+    </dgm:fillClrLst>
+    <dgm:linClrLst meth="repeat">
+      <a:schemeClr val="lt1"/>
     </dgm:linClrLst>
     <dgm:effectClrLst/>
     <dgm:txLinClrLst/>
     <dgm:txFillClrLst/>
     <dgm:txEffectClrLst/>
   </dgm:styleLbl>
-  <dgm:styleLbl name="lnNode1">
-    <dgm:fillClrLst meth="repeat">
-      <a:schemeClr val="accent4"/>
-    </dgm:fillClrLst>
-    <dgm:linClrLst meth="repeat">
-      <a:schemeClr val="lt1"/>
-    </dgm:linClrLst>
-    <dgm:effectClrLst/>
-    <dgm:txLinClrLst/>
-    <dgm:txFillClrLst/>
-    <dgm:txEffectClrLst/>
-  </dgm:styleLbl>
   <dgm:styleLbl name="vennNode1">
     <dgm:fillClrLst meth="repeat">
-      <a:schemeClr val="accent4">
+      <a:schemeClr val="accent1">
         <a:alpha val="50000"/>
       </a:schemeClr>
     </dgm:fillClrLst>
@@ -2453,7 +2453,7 @@
   </dgm:styleLbl>
   <dgm:styleLbl name="node2">
     <dgm:fillClrLst meth="repeat">
-      <a:schemeClr val="accent4"/>
+      <a:schemeClr val="accent1"/>
     </dgm:fillClrLst>
     <dgm:linClrLst meth="repeat">
       <a:schemeClr val="lt1"/>
@@ -2465,7 +2465,7 @@
   </dgm:styleLbl>
   <dgm:styleLbl name="node3">
     <dgm:fillClrLst meth="repeat">
-      <a:schemeClr val="accent4"/>
+      <a:schemeClr val="accent1"/>
     </dgm:fillClrLst>
     <dgm:linClrLst meth="repeat">
       <a:schemeClr val="lt1"/>
@@ -2477,7 +2477,7 @@
   </dgm:styleLbl>
   <dgm:styleLbl name="node4">
     <dgm:fillClrLst meth="repeat">
-      <a:schemeClr val="accent4"/>
+      <a:schemeClr val="accent1"/>
     </dgm:fillClrLst>
     <dgm:linClrLst meth="repeat">
       <a:schemeClr val="lt1"/>
@@ -2489,7 +2489,7 @@
   </dgm:styleLbl>
   <dgm:styleLbl name="fgImgPlace1">
     <dgm:fillClrLst meth="repeat">
-      <a:schemeClr val="accent4">
+      <a:schemeClr val="accent1">
         <a:tint val="50000"/>
       </a:schemeClr>
     </dgm:fillClrLst>
@@ -2505,7 +2505,7 @@
   </dgm:styleLbl>
   <dgm:styleLbl name="alignImgPlace1">
     <dgm:fillClrLst meth="repeat">
-      <a:schemeClr val="accent4">
+      <a:schemeClr val="accent1">
         <a:tint val="50000"/>
       </a:schemeClr>
     </dgm:fillClrLst>
@@ -2521,7 +2521,7 @@
   </dgm:styleLbl>
   <dgm:styleLbl name="bgImgPlace1">
     <dgm:fillClrLst meth="repeat">
-      <a:schemeClr val="accent4">
+      <a:schemeClr val="accent1">
         <a:tint val="50000"/>
       </a:schemeClr>
     </dgm:fillClrLst>
@@ -2537,12 +2537,12 @@
   </dgm:styleLbl>
   <dgm:styleLbl name="sibTrans2D1">
     <dgm:fillClrLst meth="repeat">
-      <a:schemeClr val="accent4">
+      <a:schemeClr val="accent1">
         <a:tint val="60000"/>
       </a:schemeClr>
     </dgm:fillClrLst>
     <dgm:linClrLst meth="repeat">
-      <a:schemeClr val="accent4">
+      <a:schemeClr val="accent1">
         <a:tint val="60000"/>
       </a:schemeClr>
     </dgm:linClrLst>
@@ -2553,12 +2553,12 @@
   </dgm:styleLbl>
   <dgm:styleLbl name="fgSibTrans2D1">
     <dgm:fillClrLst meth="repeat">
-      <a:schemeClr val="accent4">
+      <a:schemeClr val="accent1">
         <a:tint val="60000"/>
       </a:schemeClr>
     </dgm:fillClrLst>
     <dgm:linClrLst meth="repeat">
-      <a:schemeClr val="accent4">
+      <a:schemeClr val="accent1">
         <a:tint val="60000"/>
       </a:schemeClr>
     </dgm:linClrLst>
@@ -2569,12 +2569,12 @@
   </dgm:styleLbl>
   <dgm:styleLbl name="bgSibTrans2D1">
     <dgm:fillClrLst meth="repeat">
-      <a:schemeClr val="accent4">
+      <a:schemeClr val="accent1">
         <a:tint val="60000"/>
       </a:schemeClr>
     </dgm:fillClrLst>
     <dgm:linClrLst meth="repeat">
-      <a:schemeClr val="accent4">
+      <a:schemeClr val="accent1">
         <a:tint val="60000"/>
       </a:schemeClr>
     </dgm:linClrLst>
@@ -2585,10 +2585,10 @@
   </dgm:styleLbl>
   <dgm:styleLbl name="sibTrans1D1">
     <dgm:fillClrLst meth="repeat">
-      <a:schemeClr val="accent4"/>
-    </dgm:fillClrLst>
-    <dgm:linClrLst meth="repeat">
-      <a:schemeClr val="accent4"/>
+      <a:schemeClr val="accent1"/>
+    </dgm:fillClrLst>
+    <dgm:linClrLst meth="repeat">
+      <a:schemeClr val="accent1"/>
     </dgm:linClrLst>
     <dgm:effectClrLst/>
     <dgm:txLinClrLst/>
@@ -2599,10 +2599,10 @@
   </dgm:styleLbl>
   <dgm:styleLbl name="callout">
     <dgm:fillClrLst meth="repeat">
-      <a:schemeClr val="accent4"/>
-    </dgm:fillClrLst>
-    <dgm:linClrLst meth="repeat">
-      <a:schemeClr val="accent4">
+      <a:schemeClr val="accent1"/>
+    </dgm:fillClrLst>
+    <dgm:linClrLst meth="repeat">
+      <a:schemeClr val="accent1">
         <a:tint val="50000"/>
       </a:schemeClr>
     </dgm:linClrLst>
@@ -2615,7 +2615,7 @@
   </dgm:styleLbl>
   <dgm:styleLbl name="asst0">
     <dgm:fillClrLst meth="repeat">
-      <a:schemeClr val="accent4"/>
+      <a:schemeClr val="accent1"/>
     </dgm:fillClrLst>
     <dgm:linClrLst meth="repeat">
       <a:schemeClr val="lt1"/>
@@ -2627,7 +2627,7 @@
   </dgm:styleLbl>
   <dgm:styleLbl name="asst1">
     <dgm:fillClrLst meth="repeat">
-      <a:schemeClr val="accent4"/>
+      <a:schemeClr val="accent1"/>
     </dgm:fillClrLst>
     <dgm:linClrLst meth="repeat">
       <a:schemeClr val="lt1"/>
@@ -2639,7 +2639,7 @@
   </dgm:styleLbl>
   <dgm:styleLbl name="asst2">
     <dgm:fillClrLst meth="repeat">
-      <a:schemeClr val="accent4"/>
+      <a:schemeClr val="accent1"/>
     </dgm:fillClrLst>
     <dgm:linClrLst meth="repeat">
       <a:schemeClr val="lt1"/>
@@ -2651,7 +2651,7 @@
   </dgm:styleLbl>
   <dgm:styleLbl name="asst3">
     <dgm:fillClrLst meth="repeat">
-      <a:schemeClr val="accent4"/>
+      <a:schemeClr val="accent1"/>
     </dgm:fillClrLst>
     <dgm:linClrLst meth="repeat">
       <a:schemeClr val="lt1"/>
@@ -2663,7 +2663,7 @@
   </dgm:styleLbl>
   <dgm:styleLbl name="asst4">
     <dgm:fillClrLst meth="repeat">
-      <a:schemeClr val="accent4"/>
+      <a:schemeClr val="accent1"/>
     </dgm:fillClrLst>
     <dgm:linClrLst meth="repeat">
       <a:schemeClr val="lt1"/>
@@ -2675,12 +2675,12 @@
   </dgm:styleLbl>
   <dgm:styleLbl name="parChTrans2D1">
     <dgm:fillClrLst meth="repeat">
-      <a:schemeClr val="accent4">
+      <a:schemeClr val="accent1">
         <a:tint val="60000"/>
       </a:schemeClr>
     </dgm:fillClrLst>
     <dgm:linClrLst meth="repeat">
-      <a:schemeClr val="accent4">
+      <a:schemeClr val="accent1">
         <a:tint val="60000"/>
       </a:schemeClr>
     </dgm:linClrLst>
@@ -2693,10 +2693,10 @@
   </dgm:styleLbl>
   <dgm:styleLbl name="parChTrans2D2">
     <dgm:fillClrLst meth="repeat">
-      <a:schemeClr val="accent4"/>
-    </dgm:fillClrLst>
-    <dgm:linClrLst meth="repeat">
-      <a:schemeClr val="accent4"/>
+      <a:schemeClr val="accent1"/>
+    </dgm:fillClrLst>
+    <dgm:linClrLst meth="repeat">
+      <a:schemeClr val="accent1"/>
     </dgm:linClrLst>
     <dgm:effectClrLst/>
     <dgm:txLinClrLst/>
@@ -2707,10 +2707,10 @@
   </dgm:styleLbl>
   <dgm:styleLbl name="parChTrans2D3">
     <dgm:fillClrLst meth="repeat">
-      <a:schemeClr val="accent4"/>
-    </dgm:fillClrLst>
-    <dgm:linClrLst meth="repeat">
-      <a:schemeClr val="accent4"/>
+      <a:schemeClr val="accent1"/>
+    </dgm:fillClrLst>
+    <dgm:linClrLst meth="repeat">
+      <a:schemeClr val="accent1"/>
     </dgm:linClrLst>
     <dgm:effectClrLst/>
     <dgm:txLinClrLst/>
@@ -2721,10 +2721,10 @@
   </dgm:styleLbl>
   <dgm:styleLbl name="parChTrans2D4">
     <dgm:fillClrLst meth="repeat">
-      <a:schemeClr val="accent4"/>
-    </dgm:fillClrLst>
-    <dgm:linClrLst meth="repeat">
-      <a:schemeClr val="accent4"/>
+      <a:schemeClr val="accent1"/>
+    </dgm:fillClrLst>
+    <dgm:linClrLst meth="repeat">
+      <a:schemeClr val="accent1"/>
     </dgm:linClrLst>
     <dgm:effectClrLst/>
     <dgm:txLinClrLst/>
@@ -2735,10 +2735,10 @@
   </dgm:styleLbl>
   <dgm:styleLbl name="parChTrans1D1">
     <dgm:fillClrLst meth="repeat">
-      <a:schemeClr val="accent4"/>
-    </dgm:fillClrLst>
-    <dgm:linClrLst meth="repeat">
-      <a:schemeClr val="accent4">
+      <a:schemeClr val="accent1"/>
+    </dgm:fillClrLst>
+    <dgm:linClrLst meth="repeat">
+      <a:schemeClr val="accent1">
         <a:shade val="60000"/>
       </a:schemeClr>
     </dgm:linClrLst>
@@ -2751,10 +2751,10 @@
   </dgm:styleLbl>
   <dgm:styleLbl name="parChTrans1D2">
     <dgm:fillClrLst meth="repeat">
-      <a:schemeClr val="accent4"/>
-    </dgm:fillClrLst>
-    <dgm:linClrLst meth="repeat">
-      <a:schemeClr val="accent4">
+      <a:schemeClr val="accent1"/>
+    </dgm:fillClrLst>
+    <dgm:linClrLst meth="repeat">
+      <a:schemeClr val="accent1">
         <a:shade val="60000"/>
       </a:schemeClr>
     </dgm:linClrLst>
@@ -2767,10 +2767,10 @@
   </dgm:styleLbl>
   <dgm:styleLbl name="parChTrans1D3">
     <dgm:fillClrLst meth="repeat">
-      <a:schemeClr val="accent4"/>
-    </dgm:fillClrLst>
-    <dgm:linClrLst meth="repeat">
-      <a:schemeClr val="accent4">
+      <a:schemeClr val="accent1"/>
+    </dgm:fillClrLst>
+    <dgm:linClrLst meth="repeat">
+      <a:schemeClr val="accent1">
         <a:shade val="80000"/>
       </a:schemeClr>
     </dgm:linClrLst>
@@ -2783,10 +2783,10 @@
   </dgm:styleLbl>
   <dgm:styleLbl name="parChTrans1D4">
     <dgm:fillClrLst meth="repeat">
-      <a:schemeClr val="accent4"/>
-    </dgm:fillClrLst>
-    <dgm:linClrLst meth="repeat">
-      <a:schemeClr val="accent4">
+      <a:schemeClr val="accent1"/>
+    </dgm:fillClrLst>
+    <dgm:linClrLst meth="repeat">
+      <a:schemeClr val="accent1">
         <a:shade val="80000"/>
       </a:schemeClr>
     </dgm:linClrLst>
@@ -2804,7 +2804,7 @@
       </a:schemeClr>
     </dgm:fillClrLst>
     <dgm:linClrLst meth="repeat">
-      <a:schemeClr val="accent4"/>
+      <a:schemeClr val="accent1"/>
     </dgm:linClrLst>
     <dgm:effectClrLst/>
     <dgm:txLinClrLst/>
@@ -2820,7 +2820,7 @@
       </a:schemeClr>
     </dgm:fillClrLst>
     <dgm:linClrLst meth="repeat">
-      <a:schemeClr val="accent4"/>
+      <a:schemeClr val="accent1"/>
     </dgm:linClrLst>
     <dgm:effectClrLst/>
     <dgm:txLinClrLst/>
@@ -2836,7 +2836,7 @@
       </a:schemeClr>
     </dgm:fillClrLst>
     <dgm:linClrLst meth="repeat">
-      <a:schemeClr val="accent4"/>
+      <a:schemeClr val="accent1"/>
     </dgm:linClrLst>
     <dgm:effectClrLst/>
     <dgm:txLinClrLst/>
@@ -2852,7 +2852,7 @@
       </a:schemeClr>
     </dgm:fillClrLst>
     <dgm:linClrLst meth="repeat">
-      <a:schemeClr val="accent4"/>
+      <a:schemeClr val="accent1"/>
     </dgm:linClrLst>
     <dgm:effectClrLst/>
     <dgm:txLinClrLst/>
@@ -2868,7 +2868,7 @@
       </a:schemeClr>
     </dgm:fillClrLst>
     <dgm:linClrLst meth="repeat">
-      <a:schemeClr val="accent4"/>
+      <a:schemeClr val="accent1"/>
     </dgm:linClrLst>
     <dgm:effectClrLst/>
     <dgm:txLinClrLst/>
@@ -2882,7 +2882,7 @@
       <a:schemeClr val="lt1"/>
     </dgm:fillClrLst>
     <dgm:linClrLst meth="repeat">
-      <a:schemeClr val="accent4"/>
+      <a:schemeClr val="accent1"/>
     </dgm:linClrLst>
     <dgm:effectClrLst/>
     <dgm:txLinClrLst/>
@@ -2896,7 +2896,7 @@
       <a:schemeClr val="lt1"/>
     </dgm:fillClrLst>
     <dgm:linClrLst meth="repeat">
-      <a:schemeClr val="accent4"/>
+      <a:schemeClr val="accent1"/>
     </dgm:linClrLst>
     <dgm:effectClrLst/>
     <dgm:txLinClrLst/>
@@ -2910,7 +2910,7 @@
       <a:schemeClr val="lt1"/>
     </dgm:fillClrLst>
     <dgm:linClrLst meth="repeat">
-      <a:schemeClr val="accent4"/>
+      <a:schemeClr val="accent1"/>
     </dgm:linClrLst>
     <dgm:effectClrLst/>
     <dgm:txLinClrLst/>
@@ -2921,13 +2921,13 @@
   </dgm:styleLbl>
   <dgm:styleLbl name="fgAccFollowNode1">
     <dgm:fillClrLst meth="repeat">
-      <a:schemeClr val="accent4">
+      <a:schemeClr val="accent1">
         <a:alpha val="90000"/>
         <a:tint val="40000"/>
       </a:schemeClr>
     </dgm:fillClrLst>
     <dgm:linClrLst meth="repeat">
-      <a:schemeClr val="accent4">
+      <a:schemeClr val="accent1">
         <a:alpha val="90000"/>
         <a:tint val="40000"/>
       </a:schemeClr>
@@ -2941,13 +2941,13 @@
   </dgm:styleLbl>
   <dgm:styleLbl name="alignAccFollowNode1">
     <dgm:fillClrLst meth="repeat">
-      <a:schemeClr val="accent4">
+      <a:schemeClr val="accent1">
         <a:alpha val="90000"/>
         <a:tint val="40000"/>
       </a:schemeClr>
     </dgm:fillClrLst>
     <dgm:linClrLst meth="repeat">
-      <a:schemeClr val="accent4">
+      <a:schemeClr val="accent1">
         <a:alpha val="90000"/>
         <a:tint val="40000"/>
       </a:schemeClr>
@@ -2961,13 +2961,13 @@
   </dgm:styleLbl>
   <dgm:styleLbl name="bgAccFollowNode1">
     <dgm:fillClrLst meth="repeat">
-      <a:schemeClr val="accent4">
+      <a:schemeClr val="accent1">
         <a:alpha val="90000"/>
         <a:tint val="40000"/>
       </a:schemeClr>
     </dgm:fillClrLst>
     <dgm:linClrLst meth="repeat">
-      <a:schemeClr val="accent4">
+      <a:schemeClr val="accent1">
         <a:alpha val="90000"/>
         <a:tint val="40000"/>
       </a:schemeClr>
@@ -2986,7 +2986,7 @@
       </a:schemeClr>
     </dgm:fillClrLst>
     <dgm:linClrLst meth="repeat">
-      <a:schemeClr val="accent4"/>
+      <a:schemeClr val="accent1"/>
     </dgm:linClrLst>
     <dgm:effectClrLst/>
     <dgm:txLinClrLst/>
@@ -3002,7 +3002,7 @@
       </a:schemeClr>
     </dgm:fillClrLst>
     <dgm:linClrLst meth="repeat">
-      <a:schemeClr val="accent4"/>
+      <a:schemeClr val="accent1"/>
     </dgm:linClrLst>
     <dgm:effectClrLst/>
     <dgm:txLinClrLst/>
@@ -3018,7 +3018,7 @@
       </a:schemeClr>
     </dgm:fillClrLst>
     <dgm:linClrLst meth="repeat">
-      <a:schemeClr val="accent4"/>
+      <a:schemeClr val="accent1"/>
     </dgm:linClrLst>
     <dgm:effectClrLst/>
     <dgm:txLinClrLst/>
@@ -3034,7 +3034,7 @@
       </a:schemeClr>
     </dgm:fillClrLst>
     <dgm:linClrLst meth="repeat">
-      <a:schemeClr val="accent4"/>
+      <a:schemeClr val="accent1"/>
     </dgm:linClrLst>
     <dgm:effectClrLst/>
     <dgm:txLinClrLst/>
@@ -3045,12 +3045,12 @@
   </dgm:styleLbl>
   <dgm:styleLbl name="bgShp">
     <dgm:fillClrLst meth="repeat">
-      <a:schemeClr val="accent4">
+      <a:schemeClr val="accent1">
         <a:tint val="40000"/>
       </a:schemeClr>
     </dgm:fillClrLst>
     <dgm:linClrLst meth="repeat">
-      <a:schemeClr val="accent4"/>
+      <a:schemeClr val="accent1"/>
     </dgm:linClrLst>
     <dgm:effectClrLst/>
     <dgm:txLinClrLst/>
@@ -3061,12 +3061,12 @@
   </dgm:styleLbl>
   <dgm:styleLbl name="dkBgShp">
     <dgm:fillClrLst meth="repeat">
-      <a:schemeClr val="accent4">
+      <a:schemeClr val="accent1">
         <a:shade val="80000"/>
       </a:schemeClr>
     </dgm:fillClrLst>
     <dgm:linClrLst meth="repeat">
-      <a:schemeClr val="accent4"/>
+      <a:schemeClr val="accent1"/>
     </dgm:linClrLst>
     <dgm:effectClrLst/>
     <dgm:txLinClrLst/>
@@ -3077,13 +3077,13 @@
   </dgm:styleLbl>
   <dgm:styleLbl name="trBgShp">
     <dgm:fillClrLst meth="repeat">
-      <a:schemeClr val="accent4">
+      <a:schemeClr val="accent1">
         <a:tint val="50000"/>
         <a:alpha val="40000"/>
       </a:schemeClr>
     </dgm:fillClrLst>
     <dgm:linClrLst meth="repeat">
-      <a:schemeClr val="accent4"/>
+      <a:schemeClr val="accent1"/>
     </dgm:linClrLst>
     <dgm:effectClrLst/>
     <dgm:txLinClrLst/>
@@ -3094,7 +3094,7 @@
   </dgm:styleLbl>
   <dgm:styleLbl name="fgShp">
     <dgm:fillClrLst meth="repeat">
-      <a:schemeClr val="accent4">
+      <a:schemeClr val="accent1">
         <a:tint val="60000"/>
       </a:schemeClr>
     </dgm:fillClrLst>
@@ -3130,15 +3130,15 @@
 </file>
 
 <file path=ppt/diagrams/colors5.xml><?xml version="1.0" encoding="utf-8"?>
-<dgm:colorsDef xmlns:dgm="http://schemas.openxmlformats.org/drawingml/2006/diagram" xmlns:a="http://schemas.openxmlformats.org/drawingml/2006/main" uniqueId="urn:microsoft.com/office/officeart/2005/8/colors/accent4_2">
+<dgm:colorsDef xmlns:dgm="http://schemas.openxmlformats.org/drawingml/2006/diagram" xmlns:a="http://schemas.openxmlformats.org/drawingml/2006/main" uniqueId="urn:microsoft.com/office/officeart/2005/8/colors/accent1_2">
   <dgm:title val=""/>
   <dgm:desc val=""/>
   <dgm:catLst>
-    <dgm:cat type="accent4" pri="11200"/>
+    <dgm:cat type="accent1" pri="11200"/>
   </dgm:catLst>
   <dgm:styleLbl name="node0">
     <dgm:fillClrLst meth="repeat">
-      <a:schemeClr val="accent4"/>
+      <a:schemeClr val="accent1"/>
     </dgm:fillClrLst>
     <dgm:linClrLst meth="repeat">
       <a:schemeClr val="lt1"/>
@@ -3148,9 +3148,21 @@
     <dgm:txFillClrLst/>
     <dgm:txEffectClrLst/>
   </dgm:styleLbl>
+  <dgm:styleLbl name="alignNode1">
+    <dgm:fillClrLst meth="repeat">
+      <a:schemeClr val="accent1"/>
+    </dgm:fillClrLst>
+    <dgm:linClrLst meth="repeat">
+      <a:schemeClr val="accent1"/>
+    </dgm:linClrLst>
+    <dgm:effectClrLst/>
+    <dgm:txLinClrLst/>
+    <dgm:txFillClrLst/>
+    <dgm:txEffectClrLst/>
+  </dgm:styleLbl>
   <dgm:styleLbl name="node1">
     <dgm:fillClrLst meth="repeat">
-      <a:schemeClr val="accent4"/>
+      <a:schemeClr val="accent1"/>
     </dgm:fillClrLst>
     <dgm:linClrLst meth="repeat">
       <a:schemeClr val="lt1"/>
@@ -3160,33 +3172,21 @@
     <dgm:txFillClrLst/>
     <dgm:txEffectClrLst/>
   </dgm:styleLbl>
-  <dgm:styleLbl name="alignNode1">
-    <dgm:fillClrLst meth="repeat">
-      <a:schemeClr val="accent4"/>
-    </dgm:fillClrLst>
-    <dgm:linClrLst meth="repeat">
-      <a:schemeClr val="accent4"/>
+  <dgm:styleLbl name="lnNode1">
+    <dgm:fillClrLst meth="repeat">
+      <a:schemeClr val="accent1"/>
+    </dgm:fillClrLst>
+    <dgm:linClrLst meth="repeat">
+      <a:schemeClr val="lt1"/>
     </dgm:linClrLst>
     <dgm:effectClrLst/>
     <dgm:txLinClrLst/>
     <dgm:txFillClrLst/>
     <dgm:txEffectClrLst/>
   </dgm:styleLbl>
-  <dgm:styleLbl name="lnNode1">
-    <dgm:fillClrLst meth="repeat">
-      <a:schemeClr val="accent4"/>
-    </dgm:fillClrLst>
-    <dgm:linClrLst meth="repeat">
-      <a:schemeClr val="lt1"/>
-    </dgm:linClrLst>
-    <dgm:effectClrLst/>
-    <dgm:txLinClrLst/>
-    <dgm:txFillClrLst/>
-    <dgm:txEffectClrLst/>
-  </dgm:styleLbl>
   <dgm:styleLbl name="vennNode1">
     <dgm:fillClrLst meth="repeat">
-      <a:schemeClr val="accent4">
+      <a:schemeClr val="accent1">
         <a:alpha val="50000"/>
       </a:schemeClr>
     </dgm:fillClrLst>
@@ -3200,7 +3200,7 @@
   </dgm:styleLbl>
   <dgm:styleLbl name="node2">
     <dgm:fillClrLst meth="repeat">
-      <a:schemeClr val="accent4"/>
+      <a:schemeClr val="accent1"/>
     </dgm:fillClrLst>
     <dgm:linClrLst meth="repeat">
       <a:schemeClr val="lt1"/>
@@ -3212,7 +3212,7 @@
   </dgm:styleLbl>
   <dgm:styleLbl name="node3">
     <dgm:fillClrLst meth="repeat">
-      <a:schemeClr val="accent4"/>
+      <a:schemeClr val="accent1"/>
     </dgm:fillClrLst>
     <dgm:linClrLst meth="repeat">
       <a:schemeClr val="lt1"/>
@@ -3224,7 +3224,7 @@
   </dgm:styleLbl>
   <dgm:styleLbl name="node4">
     <dgm:fillClrLst meth="repeat">
-      <a:schemeClr val="accent4"/>
+      <a:schemeClr val="accent1"/>
     </dgm:fillClrLst>
     <dgm:linClrLst meth="repeat">
       <a:schemeClr val="lt1"/>
@@ -3236,7 +3236,7 @@
   </dgm:styleLbl>
   <dgm:styleLbl name="fgImgPlace1">
     <dgm:fillClrLst meth="repeat">
-      <a:schemeClr val="accent4">
+      <a:schemeClr val="accent1">
         <a:tint val="50000"/>
       </a:schemeClr>
     </dgm:fillClrLst>
@@ -3252,7 +3252,7 @@
   </dgm:styleLbl>
   <dgm:styleLbl name="alignImgPlace1">
     <dgm:fillClrLst meth="repeat">
-      <a:schemeClr val="accent4">
+      <a:schemeClr val="accent1">
         <a:tint val="50000"/>
       </a:schemeClr>
     </dgm:fillClrLst>
@@ -3268,7 +3268,7 @@
   </dgm:styleLbl>
   <dgm:styleLbl name="bgImgPlace1">
     <dgm:fillClrLst meth="repeat">
-      <a:schemeClr val="accent4">
+      <a:schemeClr val="accent1">
         <a:tint val="50000"/>
       </a:schemeClr>
     </dgm:fillClrLst>
@@ -3284,12 +3284,12 @@
   </dgm:styleLbl>
   <dgm:styleLbl name="sibTrans2D1">
     <dgm:fillClrLst meth="repeat">
-      <a:schemeClr val="accent4">
+      <a:schemeClr val="accent1">
         <a:tint val="60000"/>
       </a:schemeClr>
     </dgm:fillClrLst>
     <dgm:linClrLst meth="repeat">
-      <a:schemeClr val="accent4">
+      <a:schemeClr val="accent1">
         <a:tint val="60000"/>
       </a:schemeClr>
     </dgm:linClrLst>
@@ -3300,12 +3300,12 @@
   </dgm:styleLbl>
   <dgm:styleLbl name="fgSibTrans2D1">
     <dgm:fillClrLst meth="repeat">
-      <a:schemeClr val="accent4">
+      <a:schemeClr val="accent1">
         <a:tint val="60000"/>
       </a:schemeClr>
     </dgm:fillClrLst>
     <dgm:linClrLst meth="repeat">
-      <a:schemeClr val="accent4">
+      <a:schemeClr val="accent1">
         <a:tint val="60000"/>
       </a:schemeClr>
     </dgm:linClrLst>
@@ -3316,12 +3316,12 @@
   </dgm:styleLbl>
   <dgm:styleLbl name="bgSibTrans2D1">
     <dgm:fillClrLst meth="repeat">
-      <a:schemeClr val="accent4">
+      <a:schemeClr val="accent1">
         <a:tint val="60000"/>
       </a:schemeClr>
     </dgm:fillClrLst>
     <dgm:linClrLst meth="repeat">
-      <a:schemeClr val="accent4">
+      <a:schemeClr val="accent1">
         <a:tint val="60000"/>
       </a:schemeClr>
     </dgm:linClrLst>
@@ -3332,10 +3332,10 @@
   </dgm:styleLbl>
   <dgm:styleLbl name="sibTrans1D1">
     <dgm:fillClrLst meth="repeat">
-      <a:schemeClr val="accent4"/>
-    </dgm:fillClrLst>
-    <dgm:linClrLst meth="repeat">
-      <a:schemeClr val="accent4"/>
+      <a:schemeClr val="accent1"/>
+    </dgm:fillClrLst>
+    <dgm:linClrLst meth="repeat">
+      <a:schemeClr val="accent1"/>
     </dgm:linClrLst>
     <dgm:effectClrLst/>
     <dgm:txLinClrLst/>
@@ -3346,10 +3346,10 @@
   </dgm:styleLbl>
   <dgm:styleLbl name="callout">
     <dgm:fillClrLst meth="repeat">
-      <a:schemeClr val="accent4"/>
-    </dgm:fillClrLst>
-    <dgm:linClrLst meth="repeat">
-      <a:schemeClr val="accent4">
+      <a:schemeClr val="accent1"/>
+    </dgm:fillClrLst>
+    <dgm:linClrLst meth="repeat">
+      <a:schemeClr val="accent1">
         <a:tint val="50000"/>
       </a:schemeClr>
     </dgm:linClrLst>
@@ -3362,7 +3362,7 @@
   </dgm:styleLbl>
   <dgm:styleLbl name="asst0">
     <dgm:fillClrLst meth="repeat">
-      <a:schemeClr val="accent4"/>
+      <a:schemeClr val="accent1"/>
     </dgm:fillClrLst>
     <dgm:linClrLst meth="repeat">
       <a:schemeClr val="lt1"/>
@@ -3374,7 +3374,7 @@
   </dgm:styleLbl>
   <dgm:styleLbl name="asst1">
     <dgm:fillClrLst meth="repeat">
-      <a:schemeClr val="accent4"/>
+      <a:schemeClr val="accent1"/>
     </dgm:fillClrLst>
     <dgm:linClrLst meth="repeat">
       <a:schemeClr val="lt1"/>
@@ -3386,7 +3386,7 @@
   </dgm:styleLbl>
   <dgm:styleLbl name="asst2">
     <dgm:fillClrLst meth="repeat">
-      <a:schemeClr val="accent4"/>
+      <a:schemeClr val="accent1"/>
     </dgm:fillClrLst>
     <dgm:linClrLst meth="repeat">
       <a:schemeClr val="lt1"/>
@@ -3398,7 +3398,7 @@
   </dgm:styleLbl>
   <dgm:styleLbl name="asst3">
     <dgm:fillClrLst meth="repeat">
-      <a:schemeClr val="accent4"/>
+      <a:schemeClr val="accent1"/>
     </dgm:fillClrLst>
     <dgm:linClrLst meth="repeat">
       <a:schemeClr val="lt1"/>
@@ -3410,7 +3410,7 @@
   </dgm:styleLbl>
   <dgm:styleLbl name="asst4">
     <dgm:fillClrLst meth="repeat">
-      <a:schemeClr val="accent4"/>
+      <a:schemeClr val="accent1"/>
     </dgm:fillClrLst>
     <dgm:linClrLst meth="repeat">
       <a:schemeClr val="lt1"/>
@@ -3422,12 +3422,12 @@
   </dgm:styleLbl>
   <dgm:styleLbl name="parChTrans2D1">
     <dgm:fillClrLst meth="repeat">
-      <a:schemeClr val="accent4">
+      <a:schemeClr val="accent1">
         <a:tint val="60000"/>
       </a:schemeClr>
     </dgm:fillClrLst>
     <dgm:linClrLst meth="repeat">
-      <a:schemeClr val="accent4">
+      <a:schemeClr val="accent1">
         <a:tint val="60000"/>
       </a:schemeClr>
     </dgm:linClrLst>
@@ -3440,10 +3440,10 @@
   </dgm:styleLbl>
   <dgm:styleLbl name="parChTrans2D2">
     <dgm:fillClrLst meth="repeat">
-      <a:schemeClr val="accent4"/>
-    </dgm:fillClrLst>
-    <dgm:linClrLst meth="repeat">
-      <a:schemeClr val="accent4"/>
+      <a:schemeClr val="accent1"/>
+    </dgm:fillClrLst>
+    <dgm:linClrLst meth="repeat">
+      <a:schemeClr val="accent1"/>
     </dgm:linClrLst>
     <dgm:effectClrLst/>
     <dgm:txLinClrLst/>
@@ -3454,10 +3454,10 @@
   </dgm:styleLbl>
   <dgm:styleLbl name="parChTrans2D3">
     <dgm:fillClrLst meth="repeat">
-      <a:schemeClr val="accent4"/>
-    </dgm:fillClrLst>
-    <dgm:linClrLst meth="repeat">
-      <a:schemeClr val="accent4"/>
+      <a:schemeClr val="accent1"/>
+    </dgm:fillClrLst>
+    <dgm:linClrLst meth="repeat">
+      <a:schemeClr val="accent1"/>
     </dgm:linClrLst>
     <dgm:effectClrLst/>
     <dgm:txLinClrLst/>
@@ -3468,10 +3468,10 @@
   </dgm:styleLbl>
   <dgm:styleLbl name="parChTrans2D4">
     <dgm:fillClrLst meth="repeat">
-      <a:schemeClr val="accent4"/>
-    </dgm:fillClrLst>
-    <dgm:linClrLst meth="repeat">
-      <a:schemeClr val="accent4"/>
+      <a:schemeClr val="accent1"/>
+    </dgm:fillClrLst>
+    <dgm:linClrLst meth="repeat">
+      <a:schemeClr val="accent1"/>
     </dgm:linClrLst>
     <dgm:effectClrLst/>
     <dgm:txLinClrLst/>
@@ -3482,10 +3482,10 @@
   </dgm:styleLbl>
   <dgm:styleLbl name="parChTrans1D1">
     <dgm:fillClrLst meth="repeat">
-      <a:schemeClr val="accent4"/>
-    </dgm:fillClrLst>
-    <dgm:linClrLst meth="repeat">
-      <a:schemeClr val="accent4">
+      <a:schemeClr val="accent1"/>
+    </dgm:fillClrLst>
+    <dgm:linClrLst meth="repeat">
+      <a:schemeClr val="accent1">
         <a:shade val="60000"/>
       </a:schemeClr>
     </dgm:linClrLst>
@@ -3498,10 +3498,10 @@
   </dgm:styleLbl>
   <dgm:styleLbl name="parChTrans1D2">
     <dgm:fillClrLst meth="repeat">
-      <a:schemeClr val="accent4"/>
-    </dgm:fillClrLst>
-    <dgm:linClrLst meth="repeat">
-      <a:schemeClr val="accent4">
+      <a:schemeClr val="accent1"/>
+    </dgm:fillClrLst>
+    <dgm:linClrLst meth="repeat">
+      <a:schemeClr val="accent1">
         <a:shade val="60000"/>
       </a:schemeClr>
     </dgm:linClrLst>
@@ -3514,10 +3514,10 @@
   </dgm:styleLbl>
   <dgm:styleLbl name="parChTrans1D3">
     <dgm:fillClrLst meth="repeat">
-      <a:schemeClr val="accent4"/>
-    </dgm:fillClrLst>
-    <dgm:linClrLst meth="repeat">
-      <a:schemeClr val="accent4">
+      <a:schemeClr val="accent1"/>
+    </dgm:fillClrLst>
+    <dgm:linClrLst meth="repeat">
+      <a:schemeClr val="accent1">
         <a:shade val="80000"/>
       </a:schemeClr>
     </dgm:linClrLst>
@@ -3530,10 +3530,10 @@
   </dgm:styleLbl>
   <dgm:styleLbl name="parChTrans1D4">
     <dgm:fillClrLst meth="repeat">
-      <a:schemeClr val="accent4"/>
-    </dgm:fillClrLst>
-    <dgm:linClrLst meth="repeat">
-      <a:schemeClr val="accent4">
+      <a:schemeClr val="accent1"/>
+    </dgm:fillClrLst>
+    <dgm:linClrLst meth="repeat">
+      <a:schemeClr val="accent1">
         <a:shade val="80000"/>
       </a:schemeClr>
     </dgm:linClrLst>
@@ -3551,7 +3551,7 @@
       </a:schemeClr>
     </dgm:fillClrLst>
     <dgm:linClrLst meth="repeat">
-      <a:schemeClr val="accent4"/>
+      <a:schemeClr val="accent1"/>
     </dgm:linClrLst>
     <dgm:effectClrLst/>
     <dgm:txLinClrLst/>
@@ -3567,7 +3567,7 @@
       </a:schemeClr>
     </dgm:fillClrLst>
     <dgm:linClrLst meth="repeat">
-      <a:schemeClr val="accent4"/>
+      <a:schemeClr val="accent1"/>
     </dgm:linClrLst>
     <dgm:effectClrLst/>
     <dgm:txLinClrLst/>
@@ -3583,7 +3583,7 @@
       </a:schemeClr>
     </dgm:fillClrLst>
     <dgm:linClrLst meth="repeat">
-      <a:schemeClr val="accent4"/>
+      <a:schemeClr val="accent1"/>
     </dgm:linClrLst>
     <dgm:effectClrLst/>
     <dgm:txLinClrLst/>
@@ -3599,7 +3599,7 @@
       </a:schemeClr>
     </dgm:fillClrLst>
     <dgm:linClrLst meth="repeat">
-      <a:schemeClr val="accent4"/>
+      <a:schemeClr val="accent1"/>
     </dgm:linClrLst>
     <dgm:effectClrLst/>
     <dgm:txLinClrLst/>
@@ -3615,7 +3615,7 @@
       </a:schemeClr>
     </dgm:fillClrLst>
     <dgm:linClrLst meth="repeat">
-      <a:schemeClr val="accent4"/>
+      <a:schemeClr val="accent1"/>
     </dgm:linClrLst>
     <dgm:effectClrLst/>
     <dgm:txLinClrLst/>
@@ -3629,7 +3629,7 @@
       <a:schemeClr val="lt1"/>
     </dgm:fillClrLst>
     <dgm:linClrLst meth="repeat">
-      <a:schemeClr val="accent4"/>
+      <a:schemeClr val="accent1"/>
     </dgm:linClrLst>
     <dgm:effectClrLst/>
     <dgm:txLinClrLst/>
@@ -3643,7 +3643,7 @@
       <a:schemeClr val="lt1"/>
     </dgm:fillClrLst>
     <dgm:linClrLst meth="repeat">
-      <a:schemeClr val="accent4"/>
+      <a:schemeClr val="accent1"/>
     </dgm:linClrLst>
     <dgm:effectClrLst/>
     <dgm:txLinClrLst/>
@@ -3657,7 +3657,7 @@
       <a:schemeClr val="lt1"/>
     </dgm:fillClrLst>
     <dgm:linClrLst meth="repeat">
-      <a:schemeClr val="accent4"/>
+      <a:schemeClr val="accent1"/>
     </dgm:linClrLst>
     <dgm:effectClrLst/>
     <dgm:txLinClrLst/>
@@ -3668,13 +3668,13 @@
   </dgm:styleLbl>
   <dgm:styleLbl name="fgAccFollowNode1">
     <dgm:fillClrLst meth="repeat">
-      <a:schemeClr val="accent4">
+      <a:schemeClr val="accent1">
         <a:alpha val="90000"/>
         <a:tint val="40000"/>
       </a:schemeClr>
     </dgm:fillClrLst>
     <dgm:linClrLst meth="repeat">
-      <a:schemeClr val="accent4">
+      <a:schemeClr val="accent1">
         <a:alpha val="90000"/>
         <a:tint val="40000"/>
       </a:schemeClr>
@@ -3688,13 +3688,13 @@
   </dgm:styleLbl>
   <dgm:styleLbl name="alignAccFollowNode1">
     <dgm:fillClrLst meth="repeat">
-      <a:schemeClr val="accent4">
+      <a:schemeClr val="accent1">
         <a:alpha val="90000"/>
         <a:tint val="40000"/>
       </a:schemeClr>
     </dgm:fillClrLst>
     <dgm:linClrLst meth="repeat">
-      <a:schemeClr val="accent4">
+      <a:schemeClr val="accent1">
         <a:alpha val="90000"/>
         <a:tint val="40000"/>
       </a:schemeClr>
@@ -3708,13 +3708,13 @@
   </dgm:styleLbl>
   <dgm:styleLbl name="bgAccFollowNode1">
     <dgm:fillClrLst meth="repeat">
-      <a:schemeClr val="accent4">
+      <a:schemeClr val="accent1">
         <a:alpha val="90000"/>
         <a:tint val="40000"/>
       </a:schemeClr>
     </dgm:fillClrLst>
     <dgm:linClrLst meth="repeat">
-      <a:schemeClr val="accent4">
+      <a:schemeClr val="accent1">
         <a:alpha val="90000"/>
         <a:tint val="40000"/>
       </a:schemeClr>
@@ -3733,7 +3733,7 @@
       </a:schemeClr>
     </dgm:fillClrLst>
     <dgm:linClrLst meth="repeat">
-      <a:schemeClr val="accent4"/>
+      <a:schemeClr val="accent1"/>
     </dgm:linClrLst>
     <dgm:effectClrLst/>
     <dgm:txLinClrLst/>
@@ -3749,7 +3749,7 @@
       </a:schemeClr>
     </dgm:fillClrLst>
     <dgm:linClrLst meth="repeat">
-      <a:schemeClr val="accent4"/>
+      <a:schemeClr val="accent1"/>
     </dgm:linClrLst>
     <dgm:effectClrLst/>
     <dgm:txLinClrLst/>
@@ -3765,7 +3765,7 @@
       </a:schemeClr>
     </dgm:fillClrLst>
     <dgm:linClrLst meth="repeat">
-      <a:schemeClr val="accent4"/>
+      <a:schemeClr val="accent1"/>
     </dgm:linClrLst>
     <dgm:effectClrLst/>
     <dgm:txLinClrLst/>
@@ -3781,7 +3781,7 @@
       </a:schemeClr>
     </dgm:fillClrLst>
     <dgm:linClrLst meth="repeat">
-      <a:schemeClr val="accent4"/>
+      <a:schemeClr val="accent1"/>
     </dgm:linClrLst>
     <dgm:effectClrLst/>
     <dgm:txLinClrLst/>
@@ -3792,12 +3792,12 @@
   </dgm:styleLbl>
   <dgm:styleLbl name="bgShp">
     <dgm:fillClrLst meth="repeat">
-      <a:schemeClr val="accent4">
+      <a:schemeClr val="accent1">
         <a:tint val="40000"/>
       </a:schemeClr>
     </dgm:fillClrLst>
     <dgm:linClrLst meth="repeat">
-      <a:schemeClr val="accent4"/>
+      <a:schemeClr val="accent1"/>
     </dgm:linClrLst>
     <dgm:effectClrLst/>
     <dgm:txLinClrLst/>
@@ -3808,12 +3808,12 @@
   </dgm:styleLbl>
   <dgm:styleLbl name="dkBgShp">
     <dgm:fillClrLst meth="repeat">
-      <a:schemeClr val="accent4">
+      <a:schemeClr val="accent1">
         <a:shade val="80000"/>
       </a:schemeClr>
     </dgm:fillClrLst>
     <dgm:linClrLst meth="repeat">
-      <a:schemeClr val="accent4"/>
+      <a:schemeClr val="accent1"/>
     </dgm:linClrLst>
     <dgm:effectClrLst/>
     <dgm:txLinClrLst/>
@@ -3824,13 +3824,13 @@
   </dgm:styleLbl>
   <dgm:styleLbl name="trBgShp">
     <dgm:fillClrLst meth="repeat">
-      <a:schemeClr val="accent4">
+      <a:schemeClr val="accent1">
         <a:tint val="50000"/>
         <a:alpha val="40000"/>
       </a:schemeClr>
     </dgm:fillClrLst>
     <dgm:linClrLst meth="repeat">
-      <a:schemeClr val="accent4"/>
+      <a:schemeClr val="accent1"/>
     </dgm:linClrLst>
     <dgm:effectClrLst/>
     <dgm:txLinClrLst/>
@@ -3841,7 +3841,7 @@
   </dgm:styleLbl>
   <dgm:styleLbl name="fgShp">
     <dgm:fillClrLst meth="repeat">
-      <a:schemeClr val="accent4">
+      <a:schemeClr val="accent1">
         <a:tint val="60000"/>
       </a:schemeClr>
     </dgm:fillClrLst>
@@ -3877,15 +3877,15 @@
 </file>
 
 <file path=ppt/diagrams/colors6.xml><?xml version="1.0" encoding="utf-8"?>
-<dgm:colorsDef xmlns:dgm="http://schemas.openxmlformats.org/drawingml/2006/diagram" xmlns:a="http://schemas.openxmlformats.org/drawingml/2006/main" uniqueId="urn:microsoft.com/office/officeart/2005/8/colors/accent4_2">
+<dgm:colorsDef xmlns:dgm="http://schemas.openxmlformats.org/drawingml/2006/diagram" xmlns:a="http://schemas.openxmlformats.org/drawingml/2006/main" uniqueId="urn:microsoft.com/office/officeart/2005/8/colors/accent1_2">
   <dgm:title val=""/>
   <dgm:desc val=""/>
   <dgm:catLst>
-    <dgm:cat type="accent4" pri="11200"/>
+    <dgm:cat type="accent1" pri="11200"/>
   </dgm:catLst>
   <dgm:styleLbl name="node0">
     <dgm:fillClrLst meth="repeat">
-      <a:schemeClr val="accent4"/>
+      <a:schemeClr val="accent1"/>
     </dgm:fillClrLst>
     <dgm:linClrLst meth="repeat">
       <a:schemeClr val="lt1"/>
@@ -3895,9 +3895,21 @@
     <dgm:txFillClrLst/>
     <dgm:txEffectClrLst/>
   </dgm:styleLbl>
+  <dgm:styleLbl name="alignNode1">
+    <dgm:fillClrLst meth="repeat">
+      <a:schemeClr val="accent1"/>
+    </dgm:fillClrLst>
+    <dgm:linClrLst meth="repeat">
+      <a:schemeClr val="accent1"/>
+    </dgm:linClrLst>
+    <dgm:effectClrLst/>
+    <dgm:txLinClrLst/>
+    <dgm:txFillClrLst/>
+    <dgm:txEffectClrLst/>
+  </dgm:styleLbl>
   <dgm:styleLbl name="node1">
     <dgm:fillClrLst meth="repeat">
-      <a:schemeClr val="accent4"/>
+      <a:schemeClr val="accent1"/>
     </dgm:fillClrLst>
     <dgm:linClrLst meth="repeat">
       <a:schemeClr val="lt1"/>
@@ -3907,33 +3919,21 @@
     <dgm:txFillClrLst/>
     <dgm:txEffectClrLst/>
   </dgm:styleLbl>
-  <dgm:styleLbl name="alignNode1">
-    <dgm:fillClrLst meth="repeat">
-      <a:schemeClr val="accent4"/>
-    </dgm:fillClrLst>
-    <dgm:linClrLst meth="repeat">
-      <a:schemeClr val="accent4"/>
+  <dgm:styleLbl name="lnNode1">
+    <dgm:fillClrLst meth="repeat">
+      <a:schemeClr val="accent1"/>
+    </dgm:fillClrLst>
+    <dgm:linClrLst meth="repeat">
+      <a:schemeClr val="lt1"/>
     </dgm:linClrLst>
     <dgm:effectClrLst/>
     <dgm:txLinClrLst/>
     <dgm:txFillClrLst/>
     <dgm:txEffectClrLst/>
   </dgm:styleLbl>
-  <dgm:styleLbl name="lnNode1">
-    <dgm:fillClrLst meth="repeat">
-      <a:schemeClr val="accent4"/>
-    </dgm:fillClrLst>
-    <dgm:linClrLst meth="repeat">
-      <a:schemeClr val="lt1"/>
-    </dgm:linClrLst>
-    <dgm:effectClrLst/>
-    <dgm:txLinClrLst/>
-    <dgm:txFillClrLst/>
-    <dgm:txEffectClrLst/>
-  </dgm:styleLbl>
   <dgm:styleLbl name="vennNode1">
     <dgm:fillClrLst meth="repeat">
-      <a:schemeClr val="accent4">
+      <a:schemeClr val="accent1">
         <a:alpha val="50000"/>
       </a:schemeClr>
     </dgm:fillClrLst>
@@ -3947,7 +3947,7 @@
   </dgm:styleLbl>
   <dgm:styleLbl name="node2">
     <dgm:fillClrLst meth="repeat">
-      <a:schemeClr val="accent4"/>
+      <a:schemeClr val="accent1"/>
     </dgm:fillClrLst>
     <dgm:linClrLst meth="repeat">
       <a:schemeClr val="lt1"/>
@@ -3959,7 +3959,7 @@
   </dgm:styleLbl>
   <dgm:styleLbl name="node3">
     <dgm:fillClrLst meth="repeat">
-      <a:schemeClr val="accent4"/>
+      <a:schemeClr val="accent1"/>
     </dgm:fillClrLst>
     <dgm:linClrLst meth="repeat">
       <a:schemeClr val="lt1"/>
@@ -3971,7 +3971,7 @@
   </dgm:styleLbl>
   <dgm:styleLbl name="node4">
     <dgm:fillClrLst meth="repeat">
-      <a:schemeClr val="accent4"/>
+      <a:schemeClr val="accent1"/>
     </dgm:fillClrLst>
     <dgm:linClrLst meth="repeat">
       <a:schemeClr val="lt1"/>
@@ -3983,7 +3983,7 @@
   </dgm:styleLbl>
   <dgm:styleLbl name="fgImgPlace1">
     <dgm:fillClrLst meth="repeat">
-      <a:schemeClr val="accent4">
+      <a:schemeClr val="accent1">
         <a:tint val="50000"/>
       </a:schemeClr>
     </dgm:fillClrLst>
@@ -3999,7 +3999,7 @@
   </dgm:styleLbl>
   <dgm:styleLbl name="alignImgPlace1">
     <dgm:fillClrLst meth="repeat">
-      <a:schemeClr val="accent4">
+      <a:schemeClr val="accent1">
         <a:tint val="50000"/>
       </a:schemeClr>
     </dgm:fillClrLst>
@@ -4015,7 +4015,7 @@
   </dgm:styleLbl>
   <dgm:styleLbl name="bgImgPlace1">
     <dgm:fillClrLst meth="repeat">
-      <a:schemeClr val="accent4">
+      <a:schemeClr val="accent1">
         <a:tint val="50000"/>
       </a:schemeClr>
     </dgm:fillClrLst>
@@ -4031,12 +4031,12 @@
   </dgm:styleLbl>
   <dgm:styleLbl name="sibTrans2D1">
     <dgm:fillClrLst meth="repeat">
-      <a:schemeClr val="accent4">
+      <a:schemeClr val="accent1">
         <a:tint val="60000"/>
       </a:schemeClr>
     </dgm:fillClrLst>
     <dgm:linClrLst meth="repeat">
-      <a:schemeClr val="accent4">
+      <a:schemeClr val="accent1">
         <a:tint val="60000"/>
       </a:schemeClr>
     </dgm:linClrLst>
@@ -4047,12 +4047,12 @@
   </dgm:styleLbl>
   <dgm:styleLbl name="fgSibTrans2D1">
     <dgm:fillClrLst meth="repeat">
-      <a:schemeClr val="accent4">
+      <a:schemeClr val="accent1">
         <a:tint val="60000"/>
       </a:schemeClr>
     </dgm:fillClrLst>
     <dgm:linClrLst meth="repeat">
-      <a:schemeClr val="accent4">
+      <a:schemeClr val="accent1">
         <a:tint val="60000"/>
       </a:schemeClr>
     </dgm:linClrLst>
@@ -4063,12 +4063,12 @@
   </dgm:styleLbl>
   <dgm:styleLbl name="bgSibTrans2D1">
     <dgm:fillClrLst meth="repeat">
-      <a:schemeClr val="accent4">
+      <a:schemeClr val="accent1">
         <a:tint val="60000"/>
       </a:schemeClr>
     </dgm:fillClrLst>
     <dgm:linClrLst meth="repeat">
-      <a:schemeClr val="accent4">
+      <a:schemeClr val="accent1">
         <a:tint val="60000"/>
       </a:schemeClr>
     </dgm:linClrLst>
@@ -4079,10 +4079,10 @@
   </dgm:styleLbl>
   <dgm:styleLbl name="sibTrans1D1">
     <dgm:fillClrLst meth="repeat">
-      <a:schemeClr val="accent4"/>
-    </dgm:fillClrLst>
-    <dgm:linClrLst meth="repeat">
-      <a:schemeClr val="accent4"/>
+      <a:schemeClr val="accent1"/>
+    </dgm:fillClrLst>
+    <dgm:linClrLst meth="repeat">
+      <a:schemeClr val="accent1"/>
     </dgm:linClrLst>
     <dgm:effectClrLst/>
     <dgm:txLinClrLst/>
@@ -4093,10 +4093,10 @@
   </dgm:styleLbl>
   <dgm:styleLbl name="callout">
     <dgm:fillClrLst meth="repeat">
-      <a:schemeClr val="accent4"/>
-    </dgm:fillClrLst>
-    <dgm:linClrLst meth="repeat">
-      <a:schemeClr val="accent4">
+      <a:schemeClr val="accent1"/>
+    </dgm:fillClrLst>
+    <dgm:linClrLst meth="repeat">
+      <a:schemeClr val="accent1">
         <a:tint val="50000"/>
       </a:schemeClr>
     </dgm:linClrLst>
@@ -4109,7 +4109,7 @@
   </dgm:styleLbl>
   <dgm:styleLbl name="asst0">
     <dgm:fillClrLst meth="repeat">
-      <a:schemeClr val="accent4"/>
+      <a:schemeClr val="accent1"/>
     </dgm:fillClrLst>
     <dgm:linClrLst meth="repeat">
       <a:schemeClr val="lt1"/>
@@ -4121,7 +4121,7 @@
   </dgm:styleLbl>
   <dgm:styleLbl name="asst1">
     <dgm:fillClrLst meth="repeat">
-      <a:schemeClr val="accent4"/>
+      <a:schemeClr val="accent1"/>
     </dgm:fillClrLst>
     <dgm:linClrLst meth="repeat">
       <a:schemeClr val="lt1"/>
@@ -4133,7 +4133,7 @@
   </dgm:styleLbl>
   <dgm:styleLbl name="asst2">
     <dgm:fillClrLst meth="repeat">
-      <a:schemeClr val="accent4"/>
+      <a:schemeClr val="accent1"/>
     </dgm:fillClrLst>
     <dgm:linClrLst meth="repeat">
       <a:schemeClr val="lt1"/>
@@ -4145,7 +4145,7 @@
   </dgm:styleLbl>
   <dgm:styleLbl name="asst3">
     <dgm:fillClrLst meth="repeat">
-      <a:schemeClr val="accent4"/>
+      <a:schemeClr val="accent1"/>
     </dgm:fillClrLst>
     <dgm:linClrLst meth="repeat">
       <a:schemeClr val="lt1"/>
@@ -4157,7 +4157,7 @@
   </dgm:styleLbl>
   <dgm:styleLbl name="asst4">
     <dgm:fillClrLst meth="repeat">
-      <a:schemeClr val="accent4"/>
+      <a:schemeClr val="accent1"/>
     </dgm:fillClrLst>
     <dgm:linClrLst meth="repeat">
       <a:schemeClr val="lt1"/>
@@ -4169,12 +4169,12 @@
   </dgm:styleLbl>
   <dgm:styleLbl name="parChTrans2D1">
     <dgm:fillClrLst meth="repeat">
-      <a:schemeClr val="accent4">
+      <a:schemeClr val="accent1">
         <a:tint val="60000"/>
       </a:schemeClr>
     </dgm:fillClrLst>
     <dgm:linClrLst meth="repeat">
-      <a:schemeClr val="accent4">
+      <a:schemeClr val="accent1">
         <a:tint val="60000"/>
       </a:schemeClr>
     </dgm:linClrLst>
@@ -4187,10 +4187,10 @@
   </dgm:styleLbl>
   <dgm:styleLbl name="parChTrans2D2">
     <dgm:fillClrLst meth="repeat">
-      <a:schemeClr val="accent4"/>
-    </dgm:fillClrLst>
-    <dgm:linClrLst meth="repeat">
-      <a:schemeClr val="accent4"/>
+      <a:schemeClr val="accent1"/>
+    </dgm:fillClrLst>
+    <dgm:linClrLst meth="repeat">
+      <a:schemeClr val="accent1"/>
     </dgm:linClrLst>
     <dgm:effectClrLst/>
     <dgm:txLinClrLst/>
@@ -4201,10 +4201,10 @@
   </dgm:styleLbl>
   <dgm:styleLbl name="parChTrans2D3">
     <dgm:fillClrLst meth="repeat">
-      <a:schemeClr val="accent4"/>
-    </dgm:fillClrLst>
-    <dgm:linClrLst meth="repeat">
-      <a:schemeClr val="accent4"/>
+      <a:schemeClr val="accent1"/>
+    </dgm:fillClrLst>
+    <dgm:linClrLst meth="repeat">
+      <a:schemeClr val="accent1"/>
     </dgm:linClrLst>
     <dgm:effectClrLst/>
     <dgm:txLinClrLst/>
@@ -4215,10 +4215,10 @@
   </dgm:styleLbl>
   <dgm:styleLbl name="parChTrans2D4">
     <dgm:fillClrLst meth="repeat">
-      <a:schemeClr val="accent4"/>
-    </dgm:fillClrLst>
-    <dgm:linClrLst meth="repeat">
-      <a:schemeClr val="accent4"/>
+      <a:schemeClr val="accent1"/>
+    </dgm:fillClrLst>
+    <dgm:linClrLst meth="repeat">
+      <a:schemeClr val="accent1"/>
     </dgm:linClrLst>
     <dgm:effectClrLst/>
     <dgm:txLinClrLst/>
@@ -4229,10 +4229,10 @@
   </dgm:styleLbl>
   <dgm:styleLbl name="parChTrans1D1">
     <dgm:fillClrLst meth="repeat">
-      <a:schemeClr val="accent4"/>
-    </dgm:fillClrLst>
-    <dgm:linClrLst meth="repeat">
-      <a:schemeClr val="accent4">
+      <a:schemeClr val="accent1"/>
+    </dgm:fillClrLst>
+    <dgm:linClrLst meth="repeat">
+      <a:schemeClr val="accent1">
         <a:shade val="60000"/>
       </a:schemeClr>
     </dgm:linClrLst>
@@ -4245,10 +4245,10 @@
   </dgm:styleLbl>
   <dgm:styleLbl name="parChTrans1D2">
     <dgm:fillClrLst meth="repeat">
-      <a:schemeClr val="accent4"/>
-    </dgm:fillClrLst>
-    <dgm:linClrLst meth="repeat">
-      <a:schemeClr val="accent4">
+      <a:schemeClr val="accent1"/>
+    </dgm:fillClrLst>
+    <dgm:linClrLst meth="repeat">
+      <a:schemeClr val="accent1">
         <a:shade val="60000"/>
       </a:schemeClr>
     </dgm:linClrLst>
@@ -4261,10 +4261,10 @@
   </dgm:styleLbl>
   <dgm:styleLbl name="parChTrans1D3">
     <dgm:fillClrLst meth="repeat">
-      <a:schemeClr val="accent4"/>
-    </dgm:fillClrLst>
-    <dgm:linClrLst meth="repeat">
-      <a:schemeClr val="accent4">
+      <a:schemeClr val="accent1"/>
+    </dgm:fillClrLst>
+    <dgm:linClrLst meth="repeat">
+      <a:schemeClr val="accent1">
         <a:shade val="80000"/>
       </a:schemeClr>
     </dgm:linClrLst>
@@ -4277,10 +4277,10 @@
   </dgm:styleLbl>
   <dgm:styleLbl name="parChTrans1D4">
     <dgm:fillClrLst meth="repeat">
-      <a:schemeClr val="accent4"/>
-    </dgm:fillClrLst>
-    <dgm:linClrLst meth="repeat">
-      <a:schemeClr val="accent4">
+      <a:schemeClr val="accent1"/>
+    </dgm:fillClrLst>
+    <dgm:linClrLst meth="repeat">
+      <a:schemeClr val="accent1">
         <a:shade val="80000"/>
       </a:schemeClr>
     </dgm:linClrLst>
@@ -4298,7 +4298,7 @@
       </a:schemeClr>
     </dgm:fillClrLst>
     <dgm:linClrLst meth="repeat">
-      <a:schemeClr val="accent4"/>
+      <a:schemeClr val="accent1"/>
     </dgm:linClrLst>
     <dgm:effectClrLst/>
     <dgm:txLinClrLst/>
@@ -4314,7 +4314,7 @@
       </a:schemeClr>
     </dgm:fillClrLst>
     <dgm:linClrLst meth="repeat">
-      <a:schemeClr val="accent4"/>
+      <a:schemeClr val="accent1"/>
     </dgm:linClrLst>
     <dgm:effectClrLst/>
     <dgm:txLinClrLst/>
@@ -4330,7 +4330,7 @@
       </a:schemeClr>
     </dgm:fillClrLst>
     <dgm:linClrLst meth="repeat">
-      <a:schemeClr val="accent4"/>
+      <a:schemeClr val="accent1"/>
     </dgm:linClrLst>
     <dgm:effectClrLst/>
     <dgm:txLinClrLst/>
@@ -4346,7 +4346,7 @@
       </a:schemeClr>
     </dgm:fillClrLst>
     <dgm:linClrLst meth="repeat">
-      <a:schemeClr val="accent4"/>
+      <a:schemeClr val="accent1"/>
     </dgm:linClrLst>
     <dgm:effectClrLst/>
     <dgm:txLinClrLst/>
@@ -4362,7 +4362,7 @@
       </a:schemeClr>
     </dgm:fillClrLst>
     <dgm:linClrLst meth="repeat">
-      <a:schemeClr val="accent4"/>
+      <a:schemeClr val="accent1"/>
     </dgm:linClrLst>
     <dgm:effectClrLst/>
     <dgm:txLinClrLst/>
@@ -4376,7 +4376,7 @@
       <a:schemeClr val="lt1"/>
     </dgm:fillClrLst>
     <dgm:linClrLst meth="repeat">
-      <a:schemeClr val="accent4"/>
+      <a:schemeClr val="accent1"/>
     </dgm:linClrLst>
     <dgm:effectClrLst/>
     <dgm:txLinClrLst/>
@@ -4390,7 +4390,7 @@
       <a:schemeClr val="lt1"/>
     </dgm:fillClrLst>
     <dgm:linClrLst meth="repeat">
-      <a:schemeClr val="accent4"/>
+      <a:schemeClr val="accent1"/>
     </dgm:linClrLst>
     <dgm:effectClrLst/>
     <dgm:txLinClrLst/>
@@ -4404,7 +4404,7 @@
       <a:schemeClr val="lt1"/>
     </dgm:fillClrLst>
     <dgm:linClrLst meth="repeat">
-      <a:schemeClr val="accent4"/>
+      <a:schemeClr val="accent1"/>
     </dgm:linClrLst>
     <dgm:effectClrLst/>
     <dgm:txLinClrLst/>
@@ -4415,13 +4415,13 @@
   </dgm:styleLbl>
   <dgm:styleLbl name="fgAccFollowNode1">
     <dgm:fillClrLst meth="repeat">
-      <a:schemeClr val="accent4">
+      <a:schemeClr val="accent1">
         <a:alpha val="90000"/>
         <a:tint val="40000"/>
       </a:schemeClr>
     </dgm:fillClrLst>
     <dgm:linClrLst meth="repeat">
-      <a:schemeClr val="accent4">
+      <a:schemeClr val="accent1">
         <a:alpha val="90000"/>
         <a:tint val="40000"/>
       </a:schemeClr>
@@ -4435,13 +4435,13 @@
   </dgm:styleLbl>
   <dgm:styleLbl name="alignAccFollowNode1">
     <dgm:fillClrLst meth="repeat">
-      <a:schemeClr val="accent4">
+      <a:schemeClr val="accent1">
         <a:alpha val="90000"/>
         <a:tint val="40000"/>
       </a:schemeClr>
     </dgm:fillClrLst>
     <dgm:linClrLst meth="repeat">
-      <a:schemeClr val="accent4">
+      <a:schemeClr val="accent1">
         <a:alpha val="90000"/>
         <a:tint val="40000"/>
       </a:schemeClr>
@@ -4455,13 +4455,13 @@
   </dgm:styleLbl>
   <dgm:styleLbl name="bgAccFollowNode1">
     <dgm:fillClrLst meth="repeat">
-      <a:schemeClr val="accent4">
+      <a:schemeClr val="accent1">
         <a:alpha val="90000"/>
         <a:tint val="40000"/>
       </a:schemeClr>
     </dgm:fillClrLst>
     <dgm:linClrLst meth="repeat">
-      <a:schemeClr val="accent4">
+      <a:schemeClr val="accent1">
         <a:alpha val="90000"/>
         <a:tint val="40000"/>
       </a:schemeClr>
@@ -4480,7 +4480,7 @@
       </a:schemeClr>
     </dgm:fillClrLst>
     <dgm:linClrLst meth="repeat">
-      <a:schemeClr val="accent4"/>
+      <a:schemeClr val="accent1"/>
     </dgm:linClrLst>
     <dgm:effectClrLst/>
     <dgm:txLinClrLst/>
@@ -4496,7 +4496,7 @@
       </a:schemeClr>
     </dgm:fillClrLst>
     <dgm:linClrLst meth="repeat">
-      <a:schemeClr val="accent4"/>
+      <a:schemeClr val="accent1"/>
     </dgm:linClrLst>
     <dgm:effectClrLst/>
     <dgm:txLinClrLst/>
@@ -4512,7 +4512,7 @@
       </a:schemeClr>
     </dgm:fillClrLst>
     <dgm:linClrLst meth="repeat">
-      <a:schemeClr val="accent4"/>
+      <a:schemeClr val="accent1"/>
     </dgm:linClrLst>
     <dgm:effectClrLst/>
     <dgm:txLinClrLst/>
@@ -4528,7 +4528,7 @@
       </a:schemeClr>
     </dgm:fillClrLst>
     <dgm:linClrLst meth="repeat">
-      <a:schemeClr val="accent4"/>
+      <a:schemeClr val="accent1"/>
     </dgm:linClrLst>
     <dgm:effectClrLst/>
     <dgm:txLinClrLst/>
@@ -4539,12 +4539,12 @@
   </dgm:styleLbl>
   <dgm:styleLbl name="bgShp">
     <dgm:fillClrLst meth="repeat">
-      <a:schemeClr val="accent4">
+      <a:schemeClr val="accent1">
         <a:tint val="40000"/>
       </a:schemeClr>
     </dgm:fillClrLst>
     <dgm:linClrLst meth="repeat">
-      <a:schemeClr val="accent4"/>
+      <a:schemeClr val="accent1"/>
     </dgm:linClrLst>
     <dgm:effectClrLst/>
     <dgm:txLinClrLst/>
@@ -4555,12 +4555,12 @@
   </dgm:styleLbl>
   <dgm:styleLbl name="dkBgShp">
     <dgm:fillClrLst meth="repeat">
-      <a:schemeClr val="accent4">
+      <a:schemeClr val="accent1">
         <a:shade val="80000"/>
       </a:schemeClr>
     </dgm:fillClrLst>
     <dgm:linClrLst meth="repeat">
-      <a:schemeClr val="accent4"/>
+      <a:schemeClr val="accent1"/>
     </dgm:linClrLst>
     <dgm:effectClrLst/>
     <dgm:txLinClrLst/>
@@ -4571,13 +4571,13 @@
   </dgm:styleLbl>
   <dgm:styleLbl name="trBgShp">
     <dgm:fillClrLst meth="repeat">
-      <a:schemeClr val="accent4">
+      <a:schemeClr val="accent1">
         <a:tint val="50000"/>
         <a:alpha val="40000"/>
       </a:schemeClr>
     </dgm:fillClrLst>
     <dgm:linClrLst meth="repeat">
-      <a:schemeClr val="accent4"/>
+      <a:schemeClr val="accent1"/>
     </dgm:linClrLst>
     <dgm:effectClrLst/>
     <dgm:txLinClrLst/>
@@ -4588,7 +4588,7 @@
   </dgm:styleLbl>
   <dgm:styleLbl name="fgShp">
     <dgm:fillClrLst meth="repeat">
-      <a:schemeClr val="accent4">
+      <a:schemeClr val="accent1">
         <a:tint val="60000"/>
       </a:schemeClr>
     </dgm:fillClrLst>
@@ -5371,15 +5371,15 @@
 </file>
 
 <file path=ppt/diagrams/colors8.xml><?xml version="1.0" encoding="utf-8"?>
-<dgm:colorsDef xmlns:dgm="http://schemas.openxmlformats.org/drawingml/2006/diagram" xmlns:a="http://schemas.openxmlformats.org/drawingml/2006/main" uniqueId="urn:microsoft.com/office/officeart/2005/8/colors/accent4_2">
+<dgm:colorsDef xmlns:dgm="http://schemas.openxmlformats.org/drawingml/2006/diagram" xmlns:a="http://schemas.openxmlformats.org/drawingml/2006/main" uniqueId="urn:microsoft.com/office/officeart/2005/8/colors/accent1_2">
   <dgm:title val=""/>
   <dgm:desc val=""/>
   <dgm:catLst>
-    <dgm:cat type="accent4" pri="11200"/>
+    <dgm:cat type="accent1" pri="11200"/>
   </dgm:catLst>
   <dgm:styleLbl name="node0">
     <dgm:fillClrLst meth="repeat">
-      <a:schemeClr val="accent4"/>
+      <a:schemeClr val="accent1"/>
     </dgm:fillClrLst>
     <dgm:linClrLst meth="repeat">
       <a:schemeClr val="lt1"/>
@@ -5389,9 +5389,21 @@
     <dgm:txFillClrLst/>
     <dgm:txEffectClrLst/>
   </dgm:styleLbl>
+  <dgm:styleLbl name="alignNode1">
+    <dgm:fillClrLst meth="repeat">
+      <a:schemeClr val="accent1"/>
+    </dgm:fillClrLst>
+    <dgm:linClrLst meth="repeat">
+      <a:schemeClr val="accent1"/>
+    </dgm:linClrLst>
+    <dgm:effectClrLst/>
+    <dgm:txLinClrLst/>
+    <dgm:txFillClrLst/>
+    <dgm:txEffectClrLst/>
+  </dgm:styleLbl>
   <dgm:styleLbl name="node1">
     <dgm:fillClrLst meth="repeat">
-      <a:schemeClr val="accent4"/>
+      <a:schemeClr val="accent1"/>
     </dgm:fillClrLst>
     <dgm:linClrLst meth="repeat">
       <a:schemeClr val="lt1"/>
@@ -5401,33 +5413,21 @@
     <dgm:txFillClrLst/>
     <dgm:txEffectClrLst/>
   </dgm:styleLbl>
-  <dgm:styleLbl name="alignNode1">
-    <dgm:fillClrLst meth="repeat">
-      <a:schemeClr val="accent4"/>
-    </dgm:fillClrLst>
-    <dgm:linClrLst meth="repeat">
-      <a:schemeClr val="accent4"/>
+  <dgm:styleLbl name="lnNode1">
+    <dgm:fillClrLst meth="repeat">
+      <a:schemeClr val="accent1"/>
+    </dgm:fillClrLst>
+    <dgm:linClrLst meth="repeat">
+      <a:schemeClr val="lt1"/>
     </dgm:linClrLst>
     <dgm:effectClrLst/>
     <dgm:txLinClrLst/>
     <dgm:txFillClrLst/>
     <dgm:txEffectClrLst/>
   </dgm:styleLbl>
-  <dgm:styleLbl name="lnNode1">
-    <dgm:fillClrLst meth="repeat">
-      <a:schemeClr val="accent4"/>
-    </dgm:fillClrLst>
-    <dgm:linClrLst meth="repeat">
-      <a:schemeClr val="lt1"/>
-    </dgm:linClrLst>
-    <dgm:effectClrLst/>
-    <dgm:txLinClrLst/>
-    <dgm:txFillClrLst/>
-    <dgm:txEffectClrLst/>
-  </dgm:styleLbl>
   <dgm:styleLbl name="vennNode1">
     <dgm:fillClrLst meth="repeat">
-      <a:schemeClr val="accent4">
+      <a:schemeClr val="accent1">
         <a:alpha val="50000"/>
       </a:schemeClr>
     </dgm:fillClrLst>
@@ -5441,7 +5441,7 @@
   </dgm:styleLbl>
   <dgm:styleLbl name="node2">
     <dgm:fillClrLst meth="repeat">
-      <a:schemeClr val="accent4"/>
+      <a:schemeClr val="accent1"/>
     </dgm:fillClrLst>
     <dgm:linClrLst meth="repeat">
       <a:schemeClr val="lt1"/>
@@ -5453,7 +5453,7 @@
   </dgm:styleLbl>
   <dgm:styleLbl name="node3">
     <dgm:fillClrLst meth="repeat">
-      <a:schemeClr val="accent4"/>
+      <a:schemeClr val="accent1"/>
     </dgm:fillClrLst>
     <dgm:linClrLst meth="repeat">
       <a:schemeClr val="lt1"/>
@@ -5465,7 +5465,7 @@
   </dgm:styleLbl>
   <dgm:styleLbl name="node4">
     <dgm:fillClrLst meth="repeat">
-      <a:schemeClr val="accent4"/>
+      <a:schemeClr val="accent1"/>
     </dgm:fillClrLst>
     <dgm:linClrLst meth="repeat">
       <a:schemeClr val="lt1"/>
@@ -5477,7 +5477,7 @@
   </dgm:styleLbl>
   <dgm:styleLbl name="fgImgPlace1">
     <dgm:fillClrLst meth="repeat">
-      <a:schemeClr val="accent4">
+      <a:schemeClr val="accent1">
         <a:tint val="50000"/>
       </a:schemeClr>
     </dgm:fillClrLst>
@@ -5493,7 +5493,7 @@
   </dgm:styleLbl>
   <dgm:styleLbl name="alignImgPlace1">
     <dgm:fillClrLst meth="repeat">
-      <a:schemeClr val="accent4">
+      <a:schemeClr val="accent1">
         <a:tint val="50000"/>
       </a:schemeClr>
     </dgm:fillClrLst>
@@ -5509,7 +5509,7 @@
   </dgm:styleLbl>
   <dgm:styleLbl name="bgImgPlace1">
     <dgm:fillClrLst meth="repeat">
-      <a:schemeClr val="accent4">
+      <a:schemeClr val="accent1">
         <a:tint val="50000"/>
       </a:schemeClr>
     </dgm:fillClrLst>
@@ -5525,12 +5525,12 @@
   </dgm:styleLbl>
   <dgm:styleLbl name="sibTrans2D1">
     <dgm:fillClrLst meth="repeat">
-      <a:schemeClr val="accent4">
+      <a:schemeClr val="accent1">
         <a:tint val="60000"/>
       </a:schemeClr>
     </dgm:fillClrLst>
     <dgm:linClrLst meth="repeat">
-      <a:schemeClr val="accent4">
+      <a:schemeClr val="accent1">
         <a:tint val="60000"/>
       </a:schemeClr>
     </dgm:linClrLst>
@@ -5541,12 +5541,12 @@
   </dgm:styleLbl>
   <dgm:styleLbl name="fgSibTrans2D1">
     <dgm:fillClrLst meth="repeat">
-      <a:schemeClr val="accent4">
+      <a:schemeClr val="accent1">
         <a:tint val="60000"/>
       </a:schemeClr>
     </dgm:fillClrLst>
     <dgm:linClrLst meth="repeat">
-      <a:schemeClr val="accent4">
+      <a:schemeClr val="accent1">
         <a:tint val="60000"/>
       </a:schemeClr>
     </dgm:linClrLst>
@@ -5557,12 +5557,12 @@
   </dgm:styleLbl>
   <dgm:styleLbl name="bgSibTrans2D1">
     <dgm:fillClrLst meth="repeat">
-      <a:schemeClr val="accent4">
+      <a:schemeClr val="accent1">
         <a:tint val="60000"/>
       </a:schemeClr>
     </dgm:fillClrLst>
     <dgm:linClrLst meth="repeat">
-      <a:schemeClr val="accent4">
+      <a:schemeClr val="accent1">
         <a:tint val="60000"/>
       </a:schemeClr>
     </dgm:linClrLst>
@@ -5573,10 +5573,10 @@
   </dgm:styleLbl>
   <dgm:styleLbl name="sibTrans1D1">
     <dgm:fillClrLst meth="repeat">
-      <a:schemeClr val="accent4"/>
-    </dgm:fillClrLst>
-    <dgm:linClrLst meth="repeat">
-      <a:schemeClr val="accent4"/>
+      <a:schemeClr val="accent1"/>
+    </dgm:fillClrLst>
+    <dgm:linClrLst meth="repeat">
+      <a:schemeClr val="accent1"/>
     </dgm:linClrLst>
     <dgm:effectClrLst/>
     <dgm:txLinClrLst/>
@@ -5587,10 +5587,10 @@
   </dgm:styleLbl>
   <dgm:styleLbl name="callout">
     <dgm:fillClrLst meth="repeat">
-      <a:schemeClr val="accent4"/>
-    </dgm:fillClrLst>
-    <dgm:linClrLst meth="repeat">
-      <a:schemeClr val="accent4">
+      <a:schemeClr val="accent1"/>
+    </dgm:fillClrLst>
+    <dgm:linClrLst meth="repeat">
+      <a:schemeClr val="accent1">
         <a:tint val="50000"/>
       </a:schemeClr>
     </dgm:linClrLst>
@@ -5603,7 +5603,7 @@
   </dgm:styleLbl>
   <dgm:styleLbl name="asst0">
     <dgm:fillClrLst meth="repeat">
-      <a:schemeClr val="accent4"/>
+      <a:schemeClr val="accent1"/>
     </dgm:fillClrLst>
     <dgm:linClrLst meth="repeat">
       <a:schemeClr val="lt1"/>
@@ -5615,7 +5615,7 @@
   </dgm:styleLbl>
   <dgm:styleLbl name="asst1">
     <dgm:fillClrLst meth="repeat">
-      <a:schemeClr val="accent4"/>
+      <a:schemeClr val="accent1"/>
     </dgm:fillClrLst>
     <dgm:linClrLst meth="repeat">
       <a:schemeClr val="lt1"/>
@@ -5627,7 +5627,7 @@
   </dgm:styleLbl>
   <dgm:styleLbl name="asst2">
     <dgm:fillClrLst meth="repeat">
-      <a:schemeClr val="accent4"/>
+      <a:schemeClr val="accent1"/>
     </dgm:fillClrLst>
     <dgm:linClrLst meth="repeat">
       <a:schemeClr val="lt1"/>
@@ -5639,7 +5639,7 @@
   </dgm:styleLbl>
   <dgm:styleLbl name="asst3">
     <dgm:fillClrLst meth="repeat">
-      <a:schemeClr val="accent4"/>
+      <a:schemeClr val="accent1"/>
     </dgm:fillClrLst>
     <dgm:linClrLst meth="repeat">
       <a:schemeClr val="lt1"/>
@@ -5651,7 +5651,7 @@
   </dgm:styleLbl>
   <dgm:styleLbl name="asst4">
     <dgm:fillClrLst meth="repeat">
-      <a:schemeClr val="accent4"/>
+      <a:schemeClr val="accent1"/>
     </dgm:fillClrLst>
     <dgm:linClrLst meth="repeat">
       <a:schemeClr val="lt1"/>
@@ -5663,12 +5663,12 @@
   </dgm:styleLbl>
   <dgm:styleLbl name="parChTrans2D1">
     <dgm:fillClrLst meth="repeat">
-      <a:schemeClr val="accent4">
+      <a:schemeClr val="accent1">
         <a:tint val="60000"/>
       </a:schemeClr>
     </dgm:fillClrLst>
     <dgm:linClrLst meth="repeat">
-      <a:schemeClr val="accent4">
+      <a:schemeClr val="accent1">
         <a:tint val="60000"/>
       </a:schemeClr>
     </dgm:linClrLst>
@@ -5681,10 +5681,10 @@
   </dgm:styleLbl>
   <dgm:styleLbl name="parChTrans2D2">
     <dgm:fillClrLst meth="repeat">
-      <a:schemeClr val="accent4"/>
-    </dgm:fillClrLst>
-    <dgm:linClrLst meth="repeat">
-      <a:schemeClr val="accent4"/>
+      <a:schemeClr val="accent1"/>
+    </dgm:fillClrLst>
+    <dgm:linClrLst meth="repeat">
+      <a:schemeClr val="accent1"/>
     </dgm:linClrLst>
     <dgm:effectClrLst/>
     <dgm:txLinClrLst/>
@@ -5695,10 +5695,10 @@
   </dgm:styleLbl>
   <dgm:styleLbl name="parChTrans2D3">
     <dgm:fillClrLst meth="repeat">
-      <a:schemeClr val="accent4"/>
-    </dgm:fillClrLst>
-    <dgm:linClrLst meth="repeat">
-      <a:schemeClr val="accent4"/>
+      <a:schemeClr val="accent1"/>
+    </dgm:fillClrLst>
+    <dgm:linClrLst meth="repeat">
+      <a:schemeClr val="accent1"/>
     </dgm:linClrLst>
     <dgm:effectClrLst/>
     <dgm:txLinClrLst/>
@@ -5709,10 +5709,10 @@
   </dgm:styleLbl>
   <dgm:styleLbl name="parChTrans2D4">
     <dgm:fillClrLst meth="repeat">
-      <a:schemeClr val="accent4"/>
-    </dgm:fillClrLst>
-    <dgm:linClrLst meth="repeat">
-      <a:schemeClr val="accent4"/>
+      <a:schemeClr val="accent1"/>
+    </dgm:fillClrLst>
+    <dgm:linClrLst meth="repeat">
+      <a:schemeClr val="accent1"/>
     </dgm:linClrLst>
     <dgm:effectClrLst/>
     <dgm:txLinClrLst/>
@@ -5723,10 +5723,10 @@
   </dgm:styleLbl>
   <dgm:styleLbl name="parChTrans1D1">
     <dgm:fillClrLst meth="repeat">
-      <a:schemeClr val="accent4"/>
-    </dgm:fillClrLst>
-    <dgm:linClrLst meth="repeat">
-      <a:schemeClr val="accent4">
+      <a:schemeClr val="accent1"/>
+    </dgm:fillClrLst>
+    <dgm:linClrLst meth="repeat">
+      <a:schemeClr val="accent1">
         <a:shade val="60000"/>
       </a:schemeClr>
     </dgm:linClrLst>
@@ -5739,10 +5739,10 @@
   </dgm:styleLbl>
   <dgm:styleLbl name="parChTrans1D2">
     <dgm:fillClrLst meth="repeat">
-      <a:schemeClr val="accent4"/>
-    </dgm:fillClrLst>
-    <dgm:linClrLst meth="repeat">
-      <a:schemeClr val="accent4">
+      <a:schemeClr val="accent1"/>
+    </dgm:fillClrLst>
+    <dgm:linClrLst meth="repeat">
+      <a:schemeClr val="accent1">
         <a:shade val="60000"/>
       </a:schemeClr>
     </dgm:linClrLst>
@@ -5755,10 +5755,10 @@
   </dgm:styleLbl>
   <dgm:styleLbl name="parChTrans1D3">
     <dgm:fillClrLst meth="repeat">
-      <a:schemeClr val="accent4"/>
-    </dgm:fillClrLst>
-    <dgm:linClrLst meth="repeat">
-      <a:schemeClr val="accent4">
+      <a:schemeClr val="accent1"/>
+    </dgm:fillClrLst>
+    <dgm:linClrLst meth="repeat">
+      <a:schemeClr val="accent1">
         <a:shade val="80000"/>
       </a:schemeClr>
     </dgm:linClrLst>
@@ -5771,10 +5771,10 @@
   </dgm:styleLbl>
   <dgm:styleLbl name="parChTrans1D4">
     <dgm:fillClrLst meth="repeat">
-      <a:schemeClr val="accent4"/>
-    </dgm:fillClrLst>
-    <dgm:linClrLst meth="repeat">
-      <a:schemeClr val="accent4">
+      <a:schemeClr val="accent1"/>
+    </dgm:fillClrLst>
+    <dgm:linClrLst meth="repeat">
+      <a:schemeClr val="accent1">
         <a:shade val="80000"/>
       </a:schemeClr>
     </dgm:linClrLst>
@@ -5792,7 +5792,7 @@
       </a:schemeClr>
     </dgm:fillClrLst>
     <dgm:linClrLst meth="repeat">
-      <a:schemeClr val="accent4"/>
+      <a:schemeClr val="accent1"/>
     </dgm:linClrLst>
     <dgm:effectClrLst/>
     <dgm:txLinClrLst/>
@@ -5808,7 +5808,7 @@
       </a:schemeClr>
     </dgm:fillClrLst>
     <dgm:linClrLst meth="repeat">
-      <a:schemeClr val="accent4"/>
+      <a:schemeClr val="accent1"/>
     </dgm:linClrLst>
     <dgm:effectClrLst/>
     <dgm:txLinClrLst/>
@@ -5824,7 +5824,7 @@
       </a:schemeClr>
     </dgm:fillClrLst>
     <dgm:linClrLst meth="repeat">
-      <a:schemeClr val="accent4"/>
+      <a:schemeClr val="accent1"/>
     </dgm:linClrLst>
     <dgm:effectClrLst/>
     <dgm:txLinClrLst/>
@@ -5840,7 +5840,7 @@
       </a:schemeClr>
     </dgm:fillClrLst>
     <dgm:linClrLst meth="repeat">
-      <a:schemeClr val="accent4"/>
+      <a:schemeClr val="accent1"/>
     </dgm:linClrLst>
     <dgm:effectClrLst/>
     <dgm:txLinClrLst/>
@@ -5856,7 +5856,7 @@
       </a:schemeClr>
     </dgm:fillClrLst>
     <dgm:linClrLst meth="repeat">
-      <a:schemeClr val="accent4"/>
+      <a:schemeClr val="accent1"/>
     </dgm:linClrLst>
     <dgm:effectClrLst/>
     <dgm:txLinClrLst/>
@@ -5870,7 +5870,7 @@
       <a:schemeClr val="lt1"/>
     </dgm:fillClrLst>
     <dgm:linClrLst meth="repeat">
-      <a:schemeClr val="accent4"/>
+      <a:schemeClr val="accent1"/>
     </dgm:linClrLst>
     <dgm:effectClrLst/>
     <dgm:txLinClrLst/>
@@ -5884,7 +5884,7 @@
       <a:schemeClr val="lt1"/>
     </dgm:fillClrLst>
     <dgm:linClrLst meth="repeat">
-      <a:schemeClr val="accent4"/>
+      <a:schemeClr val="accent1"/>
     </dgm:linClrLst>
     <dgm:effectClrLst/>
     <dgm:txLinClrLst/>
@@ -5898,7 +5898,7 @@
       <a:schemeClr val="lt1"/>
     </dgm:fillClrLst>
     <dgm:linClrLst meth="repeat">
-      <a:schemeClr val="accent4"/>
+      <a:schemeClr val="accent1"/>
     </dgm:linClrLst>
     <dgm:effectClrLst/>
     <dgm:txLinClrLst/>
@@ -5909,13 +5909,13 @@
   </dgm:styleLbl>
   <dgm:styleLbl name="fgAccFollowNode1">
     <dgm:fillClrLst meth="repeat">
-      <a:schemeClr val="accent4">
+      <a:schemeClr val="accent1">
         <a:alpha val="90000"/>
         <a:tint val="40000"/>
       </a:schemeClr>
     </dgm:fillClrLst>
     <dgm:linClrLst meth="repeat">
-      <a:schemeClr val="accent4">
+      <a:schemeClr val="accent1">
         <a:alpha val="90000"/>
         <a:tint val="40000"/>
       </a:schemeClr>
@@ -5929,13 +5929,13 @@
   </dgm:styleLbl>
   <dgm:styleLbl name="alignAccFollowNode1">
     <dgm:fillClrLst meth="repeat">
-      <a:schemeClr val="accent4">
+      <a:schemeClr val="accent1">
         <a:alpha val="90000"/>
         <a:tint val="40000"/>
       </a:schemeClr>
     </dgm:fillClrLst>
     <dgm:linClrLst meth="repeat">
-      <a:schemeClr val="accent4">
+      <a:schemeClr val="accent1">
         <a:alpha val="90000"/>
         <a:tint val="40000"/>
       </a:schemeClr>
@@ -5949,13 +5949,13 @@
   </dgm:styleLbl>
   <dgm:styleLbl name="bgAccFollowNode1">
     <dgm:fillClrLst meth="repeat">
-      <a:schemeClr val="accent4">
+      <a:schemeClr val="accent1">
         <a:alpha val="90000"/>
         <a:tint val="40000"/>
       </a:schemeClr>
     </dgm:fillClrLst>
     <dgm:linClrLst meth="repeat">
-      <a:schemeClr val="accent4">
+      <a:schemeClr val="accent1">
         <a:alpha val="90000"/>
         <a:tint val="40000"/>
       </a:schemeClr>
@@ -5974,7 +5974,7 @@
       </a:schemeClr>
     </dgm:fillClrLst>
     <dgm:linClrLst meth="repeat">
-      <a:schemeClr val="accent4"/>
+      <a:schemeClr val="accent1"/>
     </dgm:linClrLst>
     <dgm:effectClrLst/>
     <dgm:txLinClrLst/>
@@ -5990,7 +5990,7 @@
       </a:schemeClr>
     </dgm:fillClrLst>
     <dgm:linClrLst meth="repeat">
-      <a:schemeClr val="accent4"/>
+      <a:schemeClr val="accent1"/>
     </dgm:linClrLst>
     <dgm:effectClrLst/>
     <dgm:txLinClrLst/>
@@ -6006,7 +6006,7 @@
       </a:schemeClr>
     </dgm:fillClrLst>
     <dgm:linClrLst meth="repeat">
-      <a:schemeClr val="accent4"/>
+      <a:schemeClr val="accent1"/>
     </dgm:linClrLst>
     <dgm:effectClrLst/>
     <dgm:txLinClrLst/>
@@ -6022,7 +6022,7 @@
       </a:schemeClr>
     </dgm:fillClrLst>
     <dgm:linClrLst meth="repeat">
-      <a:schemeClr val="accent4"/>
+      <a:schemeClr val="accent1"/>
     </dgm:linClrLst>
     <dgm:effectClrLst/>
     <dgm:txLinClrLst/>
@@ -6033,12 +6033,12 @@
   </dgm:styleLbl>
   <dgm:styleLbl name="bgShp">
     <dgm:fillClrLst meth="repeat">
-      <a:schemeClr val="accent4">
+      <a:schemeClr val="accent1">
         <a:tint val="40000"/>
       </a:schemeClr>
     </dgm:fillClrLst>
     <dgm:linClrLst meth="repeat">
-      <a:schemeClr val="accent4"/>
+      <a:schemeClr val="accent1"/>
     </dgm:linClrLst>
     <dgm:effectClrLst/>
     <dgm:txLinClrLst/>
@@ -6049,12 +6049,12 @@
   </dgm:styleLbl>
   <dgm:styleLbl name="dkBgShp">
     <dgm:fillClrLst meth="repeat">
-      <a:schemeClr val="accent4">
+      <a:schemeClr val="accent1">
         <a:shade val="80000"/>
       </a:schemeClr>
     </dgm:fillClrLst>
     <dgm:linClrLst meth="repeat">
-      <a:schemeClr val="accent4"/>
+      <a:schemeClr val="accent1"/>
     </dgm:linClrLst>
     <dgm:effectClrLst/>
     <dgm:txLinClrLst/>
@@ -6065,13 +6065,13 @@
   </dgm:styleLbl>
   <dgm:styleLbl name="trBgShp">
     <dgm:fillClrLst meth="repeat">
-      <a:schemeClr val="accent4">
+      <a:schemeClr val="accent1">
         <a:tint val="50000"/>
         <a:alpha val="40000"/>
       </a:schemeClr>
     </dgm:fillClrLst>
     <dgm:linClrLst meth="repeat">
-      <a:schemeClr val="accent4"/>
+      <a:schemeClr val="accent1"/>
     </dgm:linClrLst>
     <dgm:effectClrLst/>
     <dgm:txLinClrLst/>
@@ -6082,7 +6082,7 @@
   </dgm:styleLbl>
   <dgm:styleLbl name="fgShp">
     <dgm:fillClrLst meth="repeat">
-      <a:schemeClr val="accent4">
+      <a:schemeClr val="accent1">
         <a:tint val="60000"/>
       </a:schemeClr>
     </dgm:fillClrLst>
@@ -6121,7 +6121,7 @@
 <dgm:dataModel xmlns:dgm="http://schemas.openxmlformats.org/drawingml/2006/diagram" xmlns:a="http://schemas.openxmlformats.org/drawingml/2006/main">
   <dgm:ptLst>
     <dgm:pt modelId="{755CD953-0E70-40A8-9888-19BD4615BFD2}" type="doc">
-      <dgm:prSet loTypeId="urn:microsoft.com/office/officeart/2005/8/layout/cycle2" loCatId="cycle" qsTypeId="urn:microsoft.com/office/officeart/2005/8/quickstyle/simple1" qsCatId="simple" csTypeId="urn:microsoft.com/office/officeart/2005/8/colors/accent4_2" csCatId="accent4"/>
+      <dgm:prSet loTypeId="urn:microsoft.com/office/officeart/2005/8/layout/cycle2" loCatId="cycle" qsTypeId="urn:microsoft.com/office/officeart/2005/8/quickstyle/simple1" qsCatId="simple" csTypeId="urn:microsoft.com/office/officeart/2005/8/colors/accent1_2" csCatId="accent1"/>
       <dgm:spPr/>
       <dgm:t>
         <a:bodyPr/>
@@ -6282,7 +6282,7 @@
 <dgm:dataModel xmlns:dgm="http://schemas.openxmlformats.org/drawingml/2006/diagram" xmlns:a="http://schemas.openxmlformats.org/drawingml/2006/main">
   <dgm:ptLst>
     <dgm:pt modelId="{E6DE73EA-507E-4B93-9D6C-1669C40BEF21}" type="doc">
-      <dgm:prSet loTypeId="urn:microsoft.com/office/officeart/2005/8/layout/vList2" loCatId="list" qsTypeId="urn:microsoft.com/office/officeart/2005/8/quickstyle/simple1" qsCatId="simple" csTypeId="urn:microsoft.com/office/officeart/2005/8/colors/accent4_2" csCatId="accent4" phldr="1"/>
+      <dgm:prSet loTypeId="urn:microsoft.com/office/officeart/2005/8/layout/vList2" loCatId="list" qsTypeId="urn:microsoft.com/office/officeart/2005/8/quickstyle/simple1" qsCatId="simple" csTypeId="urn:microsoft.com/office/officeart/2005/8/colors/accent1_2" csCatId="accent1" phldr="1"/>
       <dgm:spPr/>
       <dgm:t>
         <a:bodyPr/>
@@ -6611,7 +6611,7 @@
 <dgm:dataModel xmlns:dgm="http://schemas.openxmlformats.org/drawingml/2006/diagram" xmlns:a="http://schemas.openxmlformats.org/drawingml/2006/main">
   <dgm:ptLst>
     <dgm:pt modelId="{BA2DB83C-765A-4A5C-93CB-A1D491DCE216}" type="doc">
-      <dgm:prSet loTypeId="urn:microsoft.com/office/officeart/2005/8/layout/vList2" loCatId="list" qsTypeId="urn:microsoft.com/office/officeart/2005/8/quickstyle/simple1" qsCatId="simple" csTypeId="urn:microsoft.com/office/officeart/2005/8/colors/accent4_2" csCatId="accent4" phldr="1"/>
+      <dgm:prSet loTypeId="urn:microsoft.com/office/officeart/2005/8/layout/vList2" loCatId="list" qsTypeId="urn:microsoft.com/office/officeart/2005/8/quickstyle/simple1" qsCatId="simple" csTypeId="urn:microsoft.com/office/officeart/2005/8/colors/accent1_2" csCatId="accent1" phldr="1"/>
       <dgm:spPr/>
       <dgm:t>
         <a:bodyPr/>
@@ -7562,7 +7562,7 @@
 <dgm:dataModel xmlns:dgm="http://schemas.openxmlformats.org/drawingml/2006/diagram" xmlns:a="http://schemas.openxmlformats.org/drawingml/2006/main">
   <dgm:ptLst>
     <dgm:pt modelId="{B56D23F4-01ED-4B80-9DB4-ACC835C77F04}" type="doc">
-      <dgm:prSet loTypeId="urn:microsoft.com/office/officeart/2005/8/layout/hList1" loCatId="list" qsTypeId="urn:microsoft.com/office/officeart/2005/8/quickstyle/simple1" qsCatId="simple" csTypeId="urn:microsoft.com/office/officeart/2005/8/colors/accent4_2" csCatId="accent4" phldr="1"/>
+      <dgm:prSet loTypeId="urn:microsoft.com/office/officeart/2005/8/layout/hList1" loCatId="list" qsTypeId="urn:microsoft.com/office/officeart/2005/8/quickstyle/simple1" qsCatId="simple" csTypeId="urn:microsoft.com/office/officeart/2005/8/colors/accent1_2" csCatId="accent1" phldr="1"/>
       <dgm:spPr/>
       <dgm:t>
         <a:bodyPr/>
@@ -7947,7 +7947,7 @@
 <dgm:dataModel xmlns:dgm="http://schemas.openxmlformats.org/drawingml/2006/diagram" xmlns:a="http://schemas.openxmlformats.org/drawingml/2006/main">
   <dgm:ptLst>
     <dgm:pt modelId="{CDFBCE9E-63DA-495E-A4C2-5C138F9A1F9D}" type="doc">
-      <dgm:prSet loTypeId="urn:microsoft.com/office/officeart/2005/8/layout/hList1" loCatId="list" qsTypeId="urn:microsoft.com/office/officeart/2005/8/quickstyle/simple1" qsCatId="simple" csTypeId="urn:microsoft.com/office/officeart/2005/8/colors/accent4_2" csCatId="accent4" phldr="1"/>
+      <dgm:prSet loTypeId="urn:microsoft.com/office/officeart/2005/8/layout/hList1" loCatId="list" qsTypeId="urn:microsoft.com/office/officeart/2005/8/quickstyle/simple1" qsCatId="simple" csTypeId="urn:microsoft.com/office/officeart/2005/8/colors/accent1_2" csCatId="accent1" phldr="1"/>
       <dgm:spPr/>
       <dgm:t>
         <a:bodyPr/>
@@ -8328,7 +8328,7 @@
 <dgm:dataModel xmlns:dgm="http://schemas.openxmlformats.org/drawingml/2006/diagram" xmlns:a="http://schemas.openxmlformats.org/drawingml/2006/main">
   <dgm:ptLst>
     <dgm:pt modelId="{0E7166ED-9988-4CE6-AF65-AF3561466F4B}" type="doc">
-      <dgm:prSet loTypeId="urn:microsoft.com/office/officeart/2005/8/layout/vList3" loCatId="list" qsTypeId="urn:microsoft.com/office/officeart/2005/8/quickstyle/simple1" qsCatId="simple" csTypeId="urn:microsoft.com/office/officeart/2005/8/colors/accent4_2" csCatId="accent4" phldr="1"/>
+      <dgm:prSet loTypeId="urn:microsoft.com/office/officeart/2005/8/layout/vList3" loCatId="list" qsTypeId="urn:microsoft.com/office/officeart/2005/8/quickstyle/simple1" qsCatId="simple" csTypeId="urn:microsoft.com/office/officeart/2005/8/colors/accent1_2" csCatId="accent1" phldr="1"/>
       <dgm:spPr/>
       <dgm:t>
         <a:bodyPr/>
@@ -8918,7 +8918,7 @@
 <dgm:dataModel xmlns:dgm="http://schemas.openxmlformats.org/drawingml/2006/diagram" xmlns:a="http://schemas.openxmlformats.org/drawingml/2006/main">
   <dgm:ptLst>
     <dgm:pt modelId="{C8EED160-62A1-4D69-968C-DBF59FEDCD71}" type="doc">
-      <dgm:prSet loTypeId="urn:microsoft.com/office/officeart/2005/8/layout/vList5" loCatId="list" qsTypeId="urn:microsoft.com/office/officeart/2005/8/quickstyle/simple1" qsCatId="simple" csTypeId="urn:microsoft.com/office/officeart/2005/8/colors/accent4_2" csCatId="accent4" phldr="1"/>
+      <dgm:prSet loTypeId="urn:microsoft.com/office/officeart/2005/8/layout/vList5" loCatId="list" qsTypeId="urn:microsoft.com/office/officeart/2005/8/quickstyle/simple1" qsCatId="simple" csTypeId="urn:microsoft.com/office/officeart/2005/8/colors/accent1_2" csCatId="accent1" phldr="1"/>
       <dgm:spPr/>
       <dgm:t>
         <a:bodyPr/>
@@ -9162,7 +9162,7 @@
           <a:avLst/>
         </a:prstGeom>
         <a:solidFill>
-          <a:schemeClr val="accent4">
+          <a:schemeClr val="accent1">
             <a:hueOff val="0"/>
             <a:satOff val="0"/>
             <a:lumOff val="0"/>
@@ -9246,7 +9246,7 @@
           </a:avLst>
         </a:prstGeom>
         <a:solidFill>
-          <a:schemeClr val="accent4">
+          <a:schemeClr val="accent1">
             <a:tint val="60000"/>
             <a:hueOff val="0"/>
             <a:satOff val="0"/>
@@ -9313,7 +9313,7 @@
           <a:avLst/>
         </a:prstGeom>
         <a:solidFill>
-          <a:schemeClr val="accent4">
+          <a:schemeClr val="accent1">
             <a:hueOff val="0"/>
             <a:satOff val="0"/>
             <a:lumOff val="0"/>
@@ -9397,7 +9397,7 @@
           </a:avLst>
         </a:prstGeom>
         <a:solidFill>
-          <a:schemeClr val="accent4">
+          <a:schemeClr val="accent1">
             <a:tint val="60000"/>
             <a:hueOff val="0"/>
             <a:satOff val="0"/>
@@ -9476,7 +9476,7 @@
           <a:avLst/>
         </a:prstGeom>
         <a:solidFill>
-          <a:schemeClr val="accent4">
+          <a:schemeClr val="accent1">
             <a:hueOff val="0"/>
             <a:satOff val="0"/>
             <a:lumOff val="0"/>
@@ -9624,7 +9624,7 @@
           <a:avLst/>
         </a:prstGeom>
         <a:solidFill>
-          <a:schemeClr val="accent4">
+          <a:schemeClr val="accent1">
             <a:hueOff val="0"/>
             <a:satOff val="0"/>
             <a:lumOff val="0"/>
@@ -9826,7 +9826,7 @@
           <a:avLst/>
         </a:prstGeom>
         <a:solidFill>
-          <a:schemeClr val="accent4">
+          <a:schemeClr val="accent1">
             <a:hueOff val="0"/>
             <a:satOff val="0"/>
             <a:lumOff val="0"/>
@@ -9974,7 +9974,7 @@
           <a:avLst/>
         </a:prstGeom>
         <a:solidFill>
-          <a:schemeClr val="accent4">
+          <a:schemeClr val="accent1">
             <a:hueOff val="0"/>
             <a:satOff val="0"/>
             <a:lumOff val="0"/>
@@ -10122,7 +10122,7 @@
           <a:avLst/>
         </a:prstGeom>
         <a:solidFill>
-          <a:schemeClr val="accent4">
+          <a:schemeClr val="accent1">
             <a:hueOff val="0"/>
             <a:satOff val="0"/>
             <a:lumOff val="0"/>
@@ -10298,7 +10298,7 @@
           <a:avLst/>
         </a:prstGeom>
         <a:solidFill>
-          <a:schemeClr val="accent4">
+          <a:schemeClr val="accent1">
             <a:hueOff val="0"/>
             <a:satOff val="0"/>
             <a:lumOff val="0"/>
@@ -10492,7 +10492,7 @@
           <a:avLst/>
         </a:prstGeom>
         <a:solidFill>
-          <a:schemeClr val="accent4">
+          <a:schemeClr val="accent1">
             <a:hueOff val="0"/>
             <a:satOff val="0"/>
             <a:lumOff val="0"/>
@@ -10640,7 +10640,7 @@
           <a:avLst/>
         </a:prstGeom>
         <a:solidFill>
-          <a:schemeClr val="accent4">
+          <a:schemeClr val="accent1">
             <a:hueOff val="0"/>
             <a:satOff val="0"/>
             <a:lumOff val="0"/>
@@ -10788,7 +10788,7 @@
           <a:avLst/>
         </a:prstGeom>
         <a:solidFill>
-          <a:schemeClr val="accent4">
+          <a:schemeClr val="accent1">
             <a:hueOff val="0"/>
             <a:satOff val="0"/>
             <a:lumOff val="0"/>
@@ -10936,7 +10936,7 @@
           <a:avLst/>
         </a:prstGeom>
         <a:solidFill>
-          <a:schemeClr val="accent4">
+          <a:schemeClr val="accent1">
             <a:hueOff val="0"/>
             <a:satOff val="0"/>
             <a:lumOff val="0"/>
@@ -11096,7 +11096,7 @@
           <a:avLst/>
         </a:prstGeom>
         <a:solidFill>
-          <a:schemeClr val="accent4">
+          <a:schemeClr val="accent1">
             <a:hueOff val="0"/>
             <a:satOff val="0"/>
             <a:lumOff val="0"/>
@@ -11105,7 +11105,7 @@
         </a:solidFill>
         <a:ln w="12700" cap="flat" cmpd="sng" algn="ctr">
           <a:solidFill>
-            <a:schemeClr val="accent4">
+            <a:schemeClr val="accent1">
               <a:hueOff val="0"/>
               <a:satOff val="0"/>
               <a:lumOff val="0"/>
@@ -11181,7 +11181,7 @@
           <a:avLst/>
         </a:prstGeom>
         <a:solidFill>
-          <a:schemeClr val="accent4">
+          <a:schemeClr val="accent1">
             <a:alpha val="90000"/>
             <a:tint val="40000"/>
             <a:hueOff val="0"/>
@@ -11192,7 +11192,7 @@
         </a:solidFill>
         <a:ln w="12700" cap="flat" cmpd="sng" algn="ctr">
           <a:solidFill>
-            <a:schemeClr val="accent4">
+            <a:schemeClr val="accent1">
               <a:alpha val="90000"/>
               <a:tint val="40000"/>
               <a:hueOff val="0"/>
@@ -11264,7 +11264,7 @@
           <a:avLst/>
         </a:prstGeom>
         <a:solidFill>
-          <a:schemeClr val="accent4">
+          <a:schemeClr val="accent1">
             <a:hueOff val="0"/>
             <a:satOff val="0"/>
             <a:lumOff val="0"/>
@@ -11273,7 +11273,7 @@
         </a:solidFill>
         <a:ln w="12700" cap="flat" cmpd="sng" algn="ctr">
           <a:solidFill>
-            <a:schemeClr val="accent4">
+            <a:schemeClr val="accent1">
               <a:hueOff val="0"/>
               <a:satOff val="0"/>
               <a:lumOff val="0"/>
@@ -11349,7 +11349,7 @@
           <a:avLst/>
         </a:prstGeom>
         <a:solidFill>
-          <a:schemeClr val="accent4">
+          <a:schemeClr val="accent1">
             <a:alpha val="90000"/>
             <a:tint val="40000"/>
             <a:hueOff val="0"/>
@@ -11360,7 +11360,7 @@
         </a:solidFill>
         <a:ln w="12700" cap="flat" cmpd="sng" algn="ctr">
           <a:solidFill>
-            <a:schemeClr val="accent4">
+            <a:schemeClr val="accent1">
               <a:alpha val="90000"/>
               <a:tint val="40000"/>
               <a:hueOff val="0"/>
@@ -11432,7 +11432,7 @@
           <a:avLst/>
         </a:prstGeom>
         <a:solidFill>
-          <a:schemeClr val="accent4">
+          <a:schemeClr val="accent1">
             <a:hueOff val="0"/>
             <a:satOff val="0"/>
             <a:lumOff val="0"/>
@@ -11441,7 +11441,7 @@
         </a:solidFill>
         <a:ln w="12700" cap="flat" cmpd="sng" algn="ctr">
           <a:solidFill>
-            <a:schemeClr val="accent4">
+            <a:schemeClr val="accent1">
               <a:hueOff val="0"/>
               <a:satOff val="0"/>
               <a:lumOff val="0"/>
@@ -11517,7 +11517,7 @@
           <a:avLst/>
         </a:prstGeom>
         <a:solidFill>
-          <a:schemeClr val="accent4">
+          <a:schemeClr val="accent1">
             <a:alpha val="90000"/>
             <a:tint val="40000"/>
             <a:hueOff val="0"/>
@@ -11528,7 +11528,7 @@
         </a:solidFill>
         <a:ln w="12700" cap="flat" cmpd="sng" algn="ctr">
           <a:solidFill>
-            <a:schemeClr val="accent4">
+            <a:schemeClr val="accent1">
               <a:alpha val="90000"/>
               <a:tint val="40000"/>
               <a:hueOff val="0"/>
@@ -11616,7 +11616,7 @@
           <a:avLst/>
         </a:prstGeom>
         <a:solidFill>
-          <a:schemeClr val="accent4">
+          <a:schemeClr val="accent1">
             <a:hueOff val="0"/>
             <a:satOff val="0"/>
             <a:lumOff val="0"/>
@@ -11625,7 +11625,7 @@
         </a:solidFill>
         <a:ln w="12700" cap="flat" cmpd="sng" algn="ctr">
           <a:solidFill>
-            <a:schemeClr val="accent4">
+            <a:schemeClr val="accent1">
               <a:hueOff val="0"/>
               <a:satOff val="0"/>
               <a:lumOff val="0"/>
@@ -11701,7 +11701,7 @@
           <a:avLst/>
         </a:prstGeom>
         <a:solidFill>
-          <a:schemeClr val="accent4">
+          <a:schemeClr val="accent1">
             <a:alpha val="90000"/>
             <a:tint val="40000"/>
             <a:hueOff val="0"/>
@@ -11712,7 +11712,7 @@
         </a:solidFill>
         <a:ln w="12700" cap="flat" cmpd="sng" algn="ctr">
           <a:solidFill>
-            <a:schemeClr val="accent4">
+            <a:schemeClr val="accent1">
               <a:alpha val="90000"/>
               <a:tint val="40000"/>
               <a:hueOff val="0"/>
@@ -11784,7 +11784,7 @@
           <a:avLst/>
         </a:prstGeom>
         <a:solidFill>
-          <a:schemeClr val="accent4">
+          <a:schemeClr val="accent1">
             <a:hueOff val="0"/>
             <a:satOff val="0"/>
             <a:lumOff val="0"/>
@@ -11793,7 +11793,7 @@
         </a:solidFill>
         <a:ln w="12700" cap="flat" cmpd="sng" algn="ctr">
           <a:solidFill>
-            <a:schemeClr val="accent4">
+            <a:schemeClr val="accent1">
               <a:hueOff val="0"/>
               <a:satOff val="0"/>
               <a:lumOff val="0"/>
@@ -11869,7 +11869,7 @@
           <a:avLst/>
         </a:prstGeom>
         <a:solidFill>
-          <a:schemeClr val="accent4">
+          <a:schemeClr val="accent1">
             <a:alpha val="90000"/>
             <a:tint val="40000"/>
             <a:hueOff val="0"/>
@@ -11880,7 +11880,7 @@
         </a:solidFill>
         <a:ln w="12700" cap="flat" cmpd="sng" algn="ctr">
           <a:solidFill>
-            <a:schemeClr val="accent4">
+            <a:schemeClr val="accent1">
               <a:alpha val="90000"/>
               <a:tint val="40000"/>
               <a:hueOff val="0"/>
@@ -11952,7 +11952,7 @@
           <a:avLst/>
         </a:prstGeom>
         <a:solidFill>
-          <a:schemeClr val="accent4">
+          <a:schemeClr val="accent1">
             <a:hueOff val="0"/>
             <a:satOff val="0"/>
             <a:lumOff val="0"/>
@@ -11961,7 +11961,7 @@
         </a:solidFill>
         <a:ln w="12700" cap="flat" cmpd="sng" algn="ctr">
           <a:solidFill>
-            <a:schemeClr val="accent4">
+            <a:schemeClr val="accent1">
               <a:hueOff val="0"/>
               <a:satOff val="0"/>
               <a:lumOff val="0"/>
@@ -12037,7 +12037,7 @@
           <a:avLst/>
         </a:prstGeom>
         <a:solidFill>
-          <a:schemeClr val="accent4">
+          <a:schemeClr val="accent1">
             <a:alpha val="90000"/>
             <a:tint val="40000"/>
             <a:hueOff val="0"/>
@@ -12048,7 +12048,7 @@
         </a:solidFill>
         <a:ln w="12700" cap="flat" cmpd="sng" algn="ctr">
           <a:solidFill>
-            <a:schemeClr val="accent4">
+            <a:schemeClr val="accent1">
               <a:alpha val="90000"/>
               <a:tint val="40000"/>
               <a:hueOff val="0"/>
@@ -12132,7 +12132,7 @@
           <a:avLst/>
         </a:prstGeom>
         <a:solidFill>
-          <a:schemeClr val="accent4">
+          <a:schemeClr val="accent1">
             <a:hueOff val="0"/>
             <a:satOff val="0"/>
             <a:lumOff val="0"/>
@@ -12266,7 +12266,7 @@
           <a:avLst/>
         </a:prstGeom>
         <a:solidFill>
-          <a:schemeClr val="accent4">
+          <a:schemeClr val="accent1">
             <a:hueOff val="0"/>
             <a:satOff val="0"/>
             <a:lumOff val="0"/>
@@ -12400,7 +12400,7 @@
           <a:avLst/>
         </a:prstGeom>
         <a:solidFill>
-          <a:schemeClr val="accent4">
+          <a:schemeClr val="accent1">
             <a:hueOff val="0"/>
             <a:satOff val="0"/>
             <a:lumOff val="0"/>
@@ -12528,7 +12528,7 @@
           <a:avLst/>
         </a:prstGeom>
         <a:solidFill>
-          <a:schemeClr val="accent4">
+          <a:schemeClr val="accent1">
             <a:hueOff val="0"/>
             <a:satOff val="0"/>
             <a:lumOff val="0"/>
@@ -12998,7 +12998,7 @@
           <a:avLst/>
         </a:prstGeom>
         <a:solidFill>
-          <a:schemeClr val="accent4">
+          <a:schemeClr val="accent1">
             <a:alpha val="90000"/>
             <a:tint val="40000"/>
             <a:hueOff val="0"/>
@@ -13009,7 +13009,7 @@
         </a:solidFill>
         <a:ln w="12700" cap="flat" cmpd="sng" algn="ctr">
           <a:solidFill>
-            <a:schemeClr val="accent4">
+            <a:schemeClr val="accent1">
               <a:alpha val="90000"/>
               <a:tint val="40000"/>
               <a:hueOff val="0"/>
@@ -13123,7 +13123,7 @@
           <a:avLst/>
         </a:prstGeom>
         <a:solidFill>
-          <a:schemeClr val="accent4">
+          <a:schemeClr val="accent1">
             <a:hueOff val="0"/>
             <a:satOff val="0"/>
             <a:lumOff val="0"/>
@@ -26797,7 +26797,7 @@
           <p:nvPr>
             <p:extLst>
               <p:ext uri="{D42A27DB-BD31-4B8C-83A1-F6EECF244321}">
-                <p14:modId xmlns:p14="http://schemas.microsoft.com/office/powerpoint/2010/main" val="3100979308"/>
+                <p14:modId xmlns:p14="http://schemas.microsoft.com/office/powerpoint/2010/main" val="3144744468"/>
               </p:ext>
             </p:extLst>
           </p:nvPr>
@@ -27116,7 +27116,7 @@
             <a:avLst/>
           </a:prstGeom>
           <a:solidFill>
-            <a:schemeClr val="accent4"/>
+            <a:schemeClr val="accent1"/>
           </a:solidFill>
           <a:ln>
             <a:noFill/>
@@ -27173,13 +27173,13 @@
         </p:spPr>
         <p:style>
           <a:lnRef idx="1">
-            <a:schemeClr val="accent4"/>
+            <a:schemeClr val="accent1"/>
           </a:lnRef>
           <a:fillRef idx="2">
-            <a:schemeClr val="accent4"/>
+            <a:schemeClr val="accent1"/>
           </a:fillRef>
           <a:effectRef idx="1">
-            <a:schemeClr val="accent4"/>
+            <a:schemeClr val="accent1"/>
           </a:effectRef>
           <a:fontRef idx="minor">
             <a:schemeClr val="dk1"/>
@@ -27221,7 +27221,7 @@
             <a:avLst/>
           </a:prstGeom>
           <a:solidFill>
-            <a:schemeClr val="accent4"/>
+            <a:schemeClr val="accent1"/>
           </a:solidFill>
           <a:ln>
             <a:noFill/>
@@ -27278,13 +27278,13 @@
         </p:spPr>
         <p:style>
           <a:lnRef idx="1">
-            <a:schemeClr val="accent4"/>
+            <a:schemeClr val="accent1"/>
           </a:lnRef>
           <a:fillRef idx="2">
-            <a:schemeClr val="accent4"/>
+            <a:schemeClr val="accent1"/>
           </a:fillRef>
           <a:effectRef idx="1">
-            <a:schemeClr val="accent4"/>
+            <a:schemeClr val="accent1"/>
           </a:effectRef>
           <a:fontRef idx="minor">
             <a:schemeClr val="dk1"/>
@@ -27326,7 +27326,7 @@
             <a:avLst/>
           </a:prstGeom>
           <a:solidFill>
-            <a:schemeClr val="accent4"/>
+            <a:schemeClr val="accent1"/>
           </a:solidFill>
           <a:ln>
             <a:noFill/>
@@ -27383,13 +27383,13 @@
         </p:spPr>
         <p:style>
           <a:lnRef idx="1">
-            <a:schemeClr val="accent4"/>
+            <a:schemeClr val="accent1"/>
           </a:lnRef>
           <a:fillRef idx="2">
-            <a:schemeClr val="accent4"/>
+            <a:schemeClr val="accent1"/>
           </a:fillRef>
           <a:effectRef idx="1">
-            <a:schemeClr val="accent4"/>
+            <a:schemeClr val="accent1"/>
           </a:effectRef>
           <a:fontRef idx="minor">
             <a:schemeClr val="dk1"/>
@@ -27420,13 +27420,13 @@
   <p:clrMapOvr>
     <a:masterClrMapping/>
   </p:clrMapOvr>
-  <mc:AlternateContent xmlns:mc="http://schemas.openxmlformats.org/markup-compatibility/2006" xmlns:p14="http://schemas.microsoft.com/office/powerpoint/2010/main">
-    <mc:Choice Requires="p14">
-      <p:transition spd="slow" p14:dur="4000">
-        <p14:vortex dir="r"/>
+  <mc:AlternateContent xmlns:mc="http://schemas.openxmlformats.org/markup-compatibility/2006">
+    <mc:Choice xmlns:p159="http://schemas.microsoft.com/office/powerpoint/2015/09/main" Requires="p159">
+      <p:transition xmlns:p14="http://schemas.microsoft.com/office/powerpoint/2010/main" spd="slow" p14:dur="2000">
+        <p159:morph option="byObject"/>
       </p:transition>
     </mc:Choice>
-    <mc:Fallback xmlns="">
+    <mc:Fallback>
       <p:transition spd="slow">
         <p:fade/>
       </p:transition>
@@ -27607,13 +27607,13 @@
   <p:clrMapOvr>
     <a:masterClrMapping/>
   </p:clrMapOvr>
-  <mc:AlternateContent xmlns:mc="http://schemas.openxmlformats.org/markup-compatibility/2006" xmlns:p15="http://schemas.microsoft.com/office/powerpoint/2012/main">
-    <mc:Choice Requires="p15">
-      <p:transition xmlns:p14="http://schemas.microsoft.com/office/powerpoint/2010/main" spd="slow" p14:dur="6000">
-        <p15:prstTrans prst="curtains"/>
+  <mc:AlternateContent xmlns:mc="http://schemas.openxmlformats.org/markup-compatibility/2006">
+    <mc:Choice xmlns:p159="http://schemas.microsoft.com/office/powerpoint/2015/09/main" Requires="p159">
+      <p:transition xmlns:p14="http://schemas.microsoft.com/office/powerpoint/2010/main" spd="slow" p14:dur="2000">
+        <p159:morph option="byObject"/>
       </p:transition>
     </mc:Choice>
-    <mc:Fallback xmlns="">
+    <mc:Fallback>
       <p:transition spd="slow">
         <p:fade/>
       </p:transition>
@@ -27687,7 +27687,7 @@
           <p:nvPr>
             <p:extLst>
               <p:ext uri="{D42A27DB-BD31-4B8C-83A1-F6EECF244321}">
-                <p14:modId xmlns:p14="http://schemas.microsoft.com/office/powerpoint/2010/main" val="4075811275"/>
+                <p14:modId xmlns:p14="http://schemas.microsoft.com/office/powerpoint/2010/main" val="1431256531"/>
               </p:ext>
             </p:extLst>
           </p:nvPr>
@@ -27785,13 +27785,13 @@
   <p:clrMapOvr>
     <a:masterClrMapping/>
   </p:clrMapOvr>
-  <mc:AlternateContent xmlns:mc="http://schemas.openxmlformats.org/markup-compatibility/2006" xmlns:p14="http://schemas.microsoft.com/office/powerpoint/2010/main">
-    <mc:Choice Requires="p14">
-      <p:transition spd="slow" p14:dur="1600">
-        <p14:prism isInverted="1"/>
+  <mc:AlternateContent xmlns:mc="http://schemas.openxmlformats.org/markup-compatibility/2006">
+    <mc:Choice xmlns:p159="http://schemas.microsoft.com/office/powerpoint/2015/09/main" Requires="p159">
+      <p:transition xmlns:p14="http://schemas.microsoft.com/office/powerpoint/2010/main" spd="slow" p14:dur="2000">
+        <p159:morph option="byObject"/>
       </p:transition>
     </mc:Choice>
-    <mc:Fallback xmlns="">
+    <mc:Fallback>
       <p:transition spd="slow">
         <p:fade/>
       </p:transition>
@@ -27976,13 +27976,13 @@
   <p:clrMapOvr>
     <a:masterClrMapping/>
   </p:clrMapOvr>
-  <mc:AlternateContent xmlns:mc="http://schemas.openxmlformats.org/markup-compatibility/2006" xmlns:p14="http://schemas.microsoft.com/office/powerpoint/2010/main">
-    <mc:Choice Requires="p14">
-      <p:transition spd="slow" p14:dur="4400">
-        <p14:honeycomb/>
+  <mc:AlternateContent xmlns:mc="http://schemas.openxmlformats.org/markup-compatibility/2006">
+    <mc:Choice xmlns:p159="http://schemas.microsoft.com/office/powerpoint/2015/09/main" Requires="p159">
+      <p:transition xmlns:p14="http://schemas.microsoft.com/office/powerpoint/2010/main" spd="slow" p14:dur="2000">
+        <p159:morph option="byObject"/>
       </p:transition>
     </mc:Choice>
-    <mc:Fallback xmlns="">
+    <mc:Fallback>
       <p:transition spd="slow">
         <p:fade/>
       </p:transition>
@@ -28186,13 +28186,13 @@
   <p:clrMapOvr>
     <a:masterClrMapping/>
   </p:clrMapOvr>
-  <mc:AlternateContent xmlns:mc="http://schemas.openxmlformats.org/markup-compatibility/2006" xmlns:p15="http://schemas.microsoft.com/office/powerpoint/2012/main">
-    <mc:Choice Requires="p15">
-      <p:transition xmlns:p14="http://schemas.microsoft.com/office/powerpoint/2010/main" spd="slow" p14:dur="1250">
-        <p15:prstTrans prst="airplane"/>
+  <mc:AlternateContent xmlns:mc="http://schemas.openxmlformats.org/markup-compatibility/2006">
+    <mc:Choice xmlns:p159="http://schemas.microsoft.com/office/powerpoint/2015/09/main" Requires="p159">
+      <p:transition xmlns:p14="http://schemas.microsoft.com/office/powerpoint/2010/main" spd="slow" p14:dur="2000">
+        <p159:morph option="byObject"/>
       </p:transition>
     </mc:Choice>
-    <mc:Fallback xmlns="">
+    <mc:Fallback>
       <p:transition spd="slow">
         <p:fade/>
       </p:transition>
@@ -28410,13 +28410,13 @@
   <p:clrMapOvr>
     <a:masterClrMapping/>
   </p:clrMapOvr>
-  <mc:AlternateContent xmlns:mc="http://schemas.openxmlformats.org/markup-compatibility/2006" xmlns:p15="http://schemas.microsoft.com/office/powerpoint/2012/main">
-    <mc:Choice Requires="p15">
+  <mc:AlternateContent xmlns:mc="http://schemas.openxmlformats.org/markup-compatibility/2006">
+    <mc:Choice xmlns:p159="http://schemas.microsoft.com/office/powerpoint/2015/09/main" Requires="p159">
       <p:transition xmlns:p14="http://schemas.microsoft.com/office/powerpoint/2010/main" spd="slow" p14:dur="2000">
-        <p15:prstTrans prst="fracture"/>
+        <p159:morph option="byObject"/>
       </p:transition>
     </mc:Choice>
-    <mc:Fallback xmlns="">
+    <mc:Fallback>
       <p:transition spd="slow">
         <p:fade/>
       </p:transition>
@@ -28748,13 +28748,13 @@
   <p:clrMapOvr>
     <a:masterClrMapping/>
   </p:clrMapOvr>
-  <mc:AlternateContent xmlns:mc="http://schemas.openxmlformats.org/markup-compatibility/2006" xmlns:p14="http://schemas.microsoft.com/office/powerpoint/2010/main">
-    <mc:Choice Requires="p14">
-      <p:transition spd="slow" p14:dur="1250">
-        <p14:switch dir="r"/>
+  <mc:AlternateContent xmlns:mc="http://schemas.openxmlformats.org/markup-compatibility/2006">
+    <mc:Choice xmlns:p159="http://schemas.microsoft.com/office/powerpoint/2015/09/main" Requires="p159">
+      <p:transition xmlns:p14="http://schemas.microsoft.com/office/powerpoint/2010/main" spd="slow" p14:dur="2000">
+        <p159:morph option="byObject"/>
       </p:transition>
     </mc:Choice>
-    <mc:Fallback xmlns="">
+    <mc:Fallback>
       <p:transition spd="slow">
         <p:fade/>
       </p:transition>
@@ -28986,15 +28986,15 @@
   <p:clrMapOvr>
     <a:masterClrMapping/>
   </p:clrMapOvr>
-  <mc:AlternateContent xmlns:mc="http://schemas.openxmlformats.org/markup-compatibility/2006" xmlns:p14="http://schemas.microsoft.com/office/powerpoint/2010/main">
-    <mc:Choice Requires="p14">
-      <p:transition spd="slow" p14:dur="1500">
-        <p:random/>
+  <mc:AlternateContent xmlns:mc="http://schemas.openxmlformats.org/markup-compatibility/2006">
+    <mc:Choice xmlns:p159="http://schemas.microsoft.com/office/powerpoint/2015/09/main" Requires="p159">
+      <p:transition xmlns:p14="http://schemas.microsoft.com/office/powerpoint/2010/main" spd="slow" p14:dur="2000">
+        <p159:morph option="byObject"/>
       </p:transition>
     </mc:Choice>
-    <mc:Fallback xmlns="">
+    <mc:Fallback>
       <p:transition spd="slow">
-        <p:random/>
+        <p:fade/>
       </p:transition>
     </mc:Fallback>
   </mc:AlternateContent>
@@ -29172,15 +29172,15 @@
   <p:clrMapOvr>
     <a:masterClrMapping/>
   </p:clrMapOvr>
-  <mc:AlternateContent xmlns:mc="http://schemas.openxmlformats.org/markup-compatibility/2006" xmlns:p14="http://schemas.microsoft.com/office/powerpoint/2010/main">
-    <mc:Choice Requires="p14">
-      <p:transition spd="slow" p14:dur="1500">
-        <p:random/>
+  <mc:AlternateContent xmlns:mc="http://schemas.openxmlformats.org/markup-compatibility/2006">
+    <mc:Choice xmlns:p159="http://schemas.microsoft.com/office/powerpoint/2015/09/main" Requires="p159">
+      <p:transition xmlns:p14="http://schemas.microsoft.com/office/powerpoint/2010/main" spd="slow" p14:dur="2000">
+        <p159:morph option="byObject"/>
       </p:transition>
     </mc:Choice>
-    <mc:Fallback xmlns="">
+    <mc:Fallback>
       <p:transition spd="slow">
-        <p:random/>
+        <p:fade/>
       </p:transition>
     </mc:Fallback>
   </mc:AlternateContent>
@@ -29703,15 +29703,15 @@
   <p:clrMapOvr>
     <a:masterClrMapping/>
   </p:clrMapOvr>
-  <mc:AlternateContent xmlns:mc="http://schemas.openxmlformats.org/markup-compatibility/2006" xmlns:p14="http://schemas.microsoft.com/office/powerpoint/2010/main">
-    <mc:Choice Requires="p14">
-      <p:transition spd="slow" p14:dur="1500">
-        <p:random/>
+  <mc:AlternateContent xmlns:mc="http://schemas.openxmlformats.org/markup-compatibility/2006">
+    <mc:Choice xmlns:p159="http://schemas.microsoft.com/office/powerpoint/2015/09/main" Requires="p159">
+      <p:transition xmlns:p14="http://schemas.microsoft.com/office/powerpoint/2010/main" spd="slow" p14:dur="2000">
+        <p159:morph option="byObject"/>
       </p:transition>
     </mc:Choice>
-    <mc:Fallback xmlns="">
+    <mc:Fallback>
       <p:transition spd="slow">
-        <p:random/>
+        <p:fade/>
       </p:transition>
     </mc:Fallback>
   </mc:AlternateContent>
@@ -29960,15 +29960,15 @@
   <p:clrMapOvr>
     <a:masterClrMapping/>
   </p:clrMapOvr>
-  <mc:AlternateContent xmlns:mc="http://schemas.openxmlformats.org/markup-compatibility/2006" xmlns:p14="http://schemas.microsoft.com/office/powerpoint/2010/main">
-    <mc:Choice Requires="p14">
-      <p:transition spd="slow" p14:dur="1500">
-        <p:random/>
+  <mc:AlternateContent xmlns:mc="http://schemas.openxmlformats.org/markup-compatibility/2006">
+    <mc:Choice xmlns:p159="http://schemas.microsoft.com/office/powerpoint/2015/09/main" Requires="p159">
+      <p:transition xmlns:p14="http://schemas.microsoft.com/office/powerpoint/2010/main" spd="slow" p14:dur="2000">
+        <p159:morph option="byObject"/>
       </p:transition>
     </mc:Choice>
-    <mc:Fallback xmlns="">
+    <mc:Fallback>
       <p:transition spd="slow">
-        <p:random/>
+        <p:fade/>
       </p:transition>
     </mc:Fallback>
   </mc:AlternateContent>
@@ -30040,7 +30040,7 @@
           <p:nvPr>
             <p:extLst>
               <p:ext uri="{D42A27DB-BD31-4B8C-83A1-F6EECF244321}">
-                <p14:modId xmlns:p14="http://schemas.microsoft.com/office/powerpoint/2010/main" val="3019340164"/>
+                <p14:modId xmlns:p14="http://schemas.microsoft.com/office/powerpoint/2010/main" val="1305060912"/>
               </p:ext>
             </p:extLst>
           </p:nvPr>
@@ -30168,15 +30168,15 @@
   <p:clrMapOvr>
     <a:masterClrMapping/>
   </p:clrMapOvr>
-  <mc:AlternateContent xmlns:mc="http://schemas.openxmlformats.org/markup-compatibility/2006" xmlns:p14="http://schemas.microsoft.com/office/powerpoint/2010/main">
-    <mc:Choice Requires="p14">
-      <p:transition spd="slow" p14:dur="1500">
-        <p:random/>
+  <mc:AlternateContent xmlns:mc="http://schemas.openxmlformats.org/markup-compatibility/2006">
+    <mc:Choice xmlns:p159="http://schemas.microsoft.com/office/powerpoint/2015/09/main" Requires="p159">
+      <p:transition xmlns:p14="http://schemas.microsoft.com/office/powerpoint/2010/main" spd="slow" p14:dur="2000">
+        <p159:morph option="byObject"/>
       </p:transition>
     </mc:Choice>
-    <mc:Fallback xmlns="">
+    <mc:Fallback>
       <p:transition spd="slow">
-        <p:random/>
+        <p:fade/>
       </p:transition>
     </mc:Fallback>
   </mc:AlternateContent>
@@ -30408,15 +30408,15 @@
   <p:clrMapOvr>
     <a:masterClrMapping/>
   </p:clrMapOvr>
-  <mc:AlternateContent xmlns:mc="http://schemas.openxmlformats.org/markup-compatibility/2006" xmlns:p14="http://schemas.microsoft.com/office/powerpoint/2010/main">
-    <mc:Choice Requires="p14">
-      <p:transition spd="slow" p14:dur="1500">
-        <p:random/>
+  <mc:AlternateContent xmlns:mc="http://schemas.openxmlformats.org/markup-compatibility/2006">
+    <mc:Choice xmlns:p159="http://schemas.microsoft.com/office/powerpoint/2015/09/main" Requires="p159">
+      <p:transition xmlns:p14="http://schemas.microsoft.com/office/powerpoint/2010/main" spd="slow" p14:dur="2000">
+        <p159:morph option="byObject"/>
       </p:transition>
     </mc:Choice>
-    <mc:Fallback xmlns="">
+    <mc:Fallback>
       <p:transition spd="slow">
-        <p:random/>
+        <p:fade/>
       </p:transition>
     </mc:Fallback>
   </mc:AlternateContent>
@@ -30640,15 +30640,15 @@
   <p:clrMapOvr>
     <a:masterClrMapping/>
   </p:clrMapOvr>
-  <mc:AlternateContent xmlns:mc="http://schemas.openxmlformats.org/markup-compatibility/2006" xmlns:p14="http://schemas.microsoft.com/office/powerpoint/2010/main">
-    <mc:Choice Requires="p14">
-      <p:transition spd="slow" p14:dur="1500">
-        <p:random/>
+  <mc:AlternateContent xmlns:mc="http://schemas.openxmlformats.org/markup-compatibility/2006">
+    <mc:Choice xmlns:p159="http://schemas.microsoft.com/office/powerpoint/2015/09/main" Requires="p159">
+      <p:transition xmlns:p14="http://schemas.microsoft.com/office/powerpoint/2010/main" spd="slow" p14:dur="2000">
+        <p159:morph option="byObject"/>
       </p:transition>
     </mc:Choice>
-    <mc:Fallback xmlns="">
+    <mc:Fallback>
       <p:transition spd="slow">
-        <p:random/>
+        <p:fade/>
       </p:transition>
     </mc:Fallback>
   </mc:AlternateContent>
@@ -30878,15 +30878,15 @@
   <p:clrMapOvr>
     <a:masterClrMapping/>
   </p:clrMapOvr>
-  <mc:AlternateContent xmlns:mc="http://schemas.openxmlformats.org/markup-compatibility/2006" xmlns:p14="http://schemas.microsoft.com/office/powerpoint/2010/main">
-    <mc:Choice Requires="p14">
-      <p:transition spd="slow" p14:dur="1500">
-        <p:random/>
+  <mc:AlternateContent xmlns:mc="http://schemas.openxmlformats.org/markup-compatibility/2006">
+    <mc:Choice xmlns:p159="http://schemas.microsoft.com/office/powerpoint/2015/09/main" Requires="p159">
+      <p:transition xmlns:p14="http://schemas.microsoft.com/office/powerpoint/2010/main" spd="slow" p14:dur="2000">
+        <p159:morph option="byObject"/>
       </p:transition>
     </mc:Choice>
-    <mc:Fallback xmlns="">
+    <mc:Fallback>
       <p:transition spd="slow">
-        <p:random/>
+        <p:fade/>
       </p:transition>
     </mc:Fallback>
   </mc:AlternateContent>
@@ -31407,15 +31407,15 @@
   <p:clrMapOvr>
     <a:masterClrMapping/>
   </p:clrMapOvr>
-  <mc:AlternateContent xmlns:mc="http://schemas.openxmlformats.org/markup-compatibility/2006" xmlns:p14="http://schemas.microsoft.com/office/powerpoint/2010/main">
-    <mc:Choice Requires="p14">
-      <p:transition spd="slow" p14:dur="1500">
-        <p:random/>
+  <mc:AlternateContent xmlns:mc="http://schemas.openxmlformats.org/markup-compatibility/2006">
+    <mc:Choice xmlns:p159="http://schemas.microsoft.com/office/powerpoint/2015/09/main" Requires="p159">
+      <p:transition xmlns:p14="http://schemas.microsoft.com/office/powerpoint/2010/main" spd="slow" p14:dur="2000">
+        <p159:morph option="byObject"/>
       </p:transition>
     </mc:Choice>
-    <mc:Fallback xmlns="">
+    <mc:Fallback>
       <p:transition spd="slow">
-        <p:random/>
+        <p:fade/>
       </p:transition>
     </mc:Fallback>
   </mc:AlternateContent>
@@ -31593,15 +31593,15 @@
   <p:clrMapOvr>
     <a:masterClrMapping/>
   </p:clrMapOvr>
-  <mc:AlternateContent xmlns:mc="http://schemas.openxmlformats.org/markup-compatibility/2006" xmlns:p14="http://schemas.microsoft.com/office/powerpoint/2010/main">
-    <mc:Choice Requires="p14">
-      <p:transition spd="slow" p14:dur="1500">
-        <p:random/>
+  <mc:AlternateContent xmlns:mc="http://schemas.openxmlformats.org/markup-compatibility/2006">
+    <mc:Choice xmlns:p159="http://schemas.microsoft.com/office/powerpoint/2015/09/main" Requires="p159">
+      <p:transition xmlns:p14="http://schemas.microsoft.com/office/powerpoint/2010/main" spd="slow" p14:dur="2000">
+        <p159:morph option="byObject"/>
       </p:transition>
     </mc:Choice>
-    <mc:Fallback xmlns="">
+    <mc:Fallback>
       <p:transition spd="slow">
-        <p:random/>
+        <p:fade/>
       </p:transition>
     </mc:Fallback>
   </mc:AlternateContent>
@@ -31756,18 +31756,18 @@
           <a:gradFill flip="none" rotWithShape="1">
             <a:gsLst>
               <a:gs pos="0">
-                <a:schemeClr val="accent4">
+                <a:schemeClr val="accent1">
                   <a:lumMod val="67000"/>
                 </a:schemeClr>
               </a:gs>
               <a:gs pos="48000">
-                <a:schemeClr val="accent4">
+                <a:schemeClr val="accent1">
                   <a:lumMod val="97000"/>
                   <a:lumOff val="3000"/>
                 </a:schemeClr>
               </a:gs>
               <a:gs pos="100000">
-                <a:schemeClr val="accent4">
+                <a:schemeClr val="accent1">
                   <a:lumMod val="60000"/>
                   <a:lumOff val="40000"/>
                 </a:schemeClr>
@@ -31832,18 +31832,18 @@
           <a:gradFill flip="none" rotWithShape="1">
             <a:gsLst>
               <a:gs pos="0">
-                <a:schemeClr val="accent4">
+                <a:schemeClr val="accent1">
                   <a:lumMod val="67000"/>
                 </a:schemeClr>
               </a:gs>
               <a:gs pos="48000">
-                <a:schemeClr val="accent4">
+                <a:schemeClr val="accent1">
                   <a:lumMod val="97000"/>
                   <a:lumOff val="3000"/>
                 </a:schemeClr>
               </a:gs>
               <a:gs pos="100000">
-                <a:schemeClr val="accent4">
+                <a:schemeClr val="accent1">
                   <a:lumMod val="60000"/>
                   <a:lumOff val="40000"/>
                 </a:schemeClr>
@@ -31908,18 +31908,18 @@
           <a:gradFill flip="none" rotWithShape="1">
             <a:gsLst>
               <a:gs pos="0">
-                <a:schemeClr val="accent4">
+                <a:schemeClr val="accent1">
                   <a:lumMod val="67000"/>
                 </a:schemeClr>
               </a:gs>
               <a:gs pos="48000">
-                <a:schemeClr val="accent4">
+                <a:schemeClr val="accent1">
                   <a:lumMod val="97000"/>
                   <a:lumOff val="3000"/>
                 </a:schemeClr>
               </a:gs>
               <a:gs pos="100000">
-                <a:schemeClr val="accent4">
+                <a:schemeClr val="accent1">
                   <a:lumMod val="60000"/>
                   <a:lumOff val="40000"/>
                 </a:schemeClr>
@@ -32051,7 +32051,7 @@
           <p:nvPr>
             <p:extLst>
               <p:ext uri="{D42A27DB-BD31-4B8C-83A1-F6EECF244321}">
-                <p14:modId xmlns:p14="http://schemas.microsoft.com/office/powerpoint/2010/main" val="1492477427"/>
+                <p14:modId xmlns:p14="http://schemas.microsoft.com/office/powerpoint/2010/main" val="437558245"/>
               </p:ext>
             </p:extLst>
           </p:nvPr>
@@ -32149,14 +32149,14 @@
   <p:clrMapOvr>
     <a:masterClrMapping/>
   </p:clrMapOvr>
-  <mc:AlternateContent xmlns:mc="http://schemas.openxmlformats.org/markup-compatibility/2006" xmlns:p14="http://schemas.microsoft.com/office/powerpoint/2010/main">
-    <mc:Choice Requires="p14">
-      <p:transition spd="med" p14:dur="700">
-        <p:fade/>
+  <mc:AlternateContent xmlns:mc="http://schemas.openxmlformats.org/markup-compatibility/2006">
+    <mc:Choice xmlns:p159="http://schemas.microsoft.com/office/powerpoint/2015/09/main" Requires="p159">
+      <p:transition xmlns:p14="http://schemas.microsoft.com/office/powerpoint/2010/main" spd="slow" p14:dur="2000">
+        <p159:morph option="byObject"/>
       </p:transition>
     </mc:Choice>
-    <mc:Fallback xmlns="">
-      <p:transition spd="med">
+    <mc:Fallback>
+      <p:transition spd="slow">
         <p:fade/>
       </p:transition>
     </mc:Fallback>
@@ -32382,18 +32382,18 @@
           <a:gradFill flip="none" rotWithShape="1">
             <a:gsLst>
               <a:gs pos="0">
-                <a:schemeClr val="accent4">
+                <a:schemeClr val="accent1">
                   <a:lumMod val="67000"/>
                 </a:schemeClr>
               </a:gs>
               <a:gs pos="48000">
-                <a:schemeClr val="accent4">
+                <a:schemeClr val="accent1">
                   <a:lumMod val="97000"/>
                   <a:lumOff val="3000"/>
                 </a:schemeClr>
               </a:gs>
               <a:gs pos="100000">
-                <a:schemeClr val="accent4">
+                <a:schemeClr val="accent1">
                   <a:lumMod val="60000"/>
                   <a:lumOff val="40000"/>
                 </a:schemeClr>
@@ -32457,18 +32457,18 @@
           <a:gradFill flip="none" rotWithShape="1">
             <a:gsLst>
               <a:gs pos="0">
-                <a:schemeClr val="accent4">
+                <a:schemeClr val="accent1">
                   <a:lumMod val="67000"/>
                 </a:schemeClr>
               </a:gs>
               <a:gs pos="48000">
-                <a:schemeClr val="accent4">
+                <a:schemeClr val="accent1">
                   <a:lumMod val="97000"/>
                   <a:lumOff val="3000"/>
                 </a:schemeClr>
               </a:gs>
               <a:gs pos="100000">
-                <a:schemeClr val="accent4">
+                <a:schemeClr val="accent1">
                   <a:lumMod val="60000"/>
                   <a:lumOff val="40000"/>
                 </a:schemeClr>
@@ -32532,18 +32532,18 @@
           <a:gradFill flip="none" rotWithShape="1">
             <a:gsLst>
               <a:gs pos="0">
-                <a:schemeClr val="accent4">
+                <a:schemeClr val="accent1">
                   <a:lumMod val="67000"/>
                 </a:schemeClr>
               </a:gs>
               <a:gs pos="48000">
-                <a:schemeClr val="accent4">
+                <a:schemeClr val="accent1">
                   <a:lumMod val="97000"/>
                   <a:lumOff val="3000"/>
                 </a:schemeClr>
               </a:gs>
               <a:gs pos="100000">
-                <a:schemeClr val="accent4">
+                <a:schemeClr val="accent1">
                   <a:lumMod val="60000"/>
                   <a:lumOff val="40000"/>
                 </a:schemeClr>
@@ -32594,9 +32594,18 @@
   <p:clrMapOvr>
     <a:masterClrMapping/>
   </p:clrMapOvr>
-  <p:transition spd="slow">
-    <p:push dir="u"/>
-  </p:transition>
+  <mc:AlternateContent xmlns:mc="http://schemas.openxmlformats.org/markup-compatibility/2006">
+    <mc:Choice xmlns:p159="http://schemas.microsoft.com/office/powerpoint/2015/09/main" Requires="p159">
+      <p:transition xmlns:p14="http://schemas.microsoft.com/office/powerpoint/2010/main" spd="slow" p14:dur="2000">
+        <p159:morph option="byObject"/>
+      </p:transition>
+    </mc:Choice>
+    <mc:Fallback>
+      <p:transition spd="slow">
+        <p:fade/>
+      </p:transition>
+    </mc:Fallback>
+  </mc:AlternateContent>
 </p:sld>
 </file>
 
@@ -32665,7 +32674,7 @@
           <p:nvPr>
             <p:extLst>
               <p:ext uri="{D42A27DB-BD31-4B8C-83A1-F6EECF244321}">
-                <p14:modId xmlns:p14="http://schemas.microsoft.com/office/powerpoint/2010/main" val="3729666564"/>
+                <p14:modId xmlns:p14="http://schemas.microsoft.com/office/powerpoint/2010/main" val="2362941955"/>
               </p:ext>
             </p:extLst>
           </p:nvPr>
@@ -32763,15 +32772,15 @@
   <p:clrMapOvr>
     <a:masterClrMapping/>
   </p:clrMapOvr>
-  <mc:AlternateContent xmlns:mc="http://schemas.openxmlformats.org/markup-compatibility/2006" xmlns:p14="http://schemas.microsoft.com/office/powerpoint/2010/main">
-    <mc:Choice Requires="p14">
-      <p:transition spd="slow" p14:dur="1500">
-        <p:split orient="vert"/>
+  <mc:AlternateContent xmlns:mc="http://schemas.openxmlformats.org/markup-compatibility/2006">
+    <mc:Choice xmlns:p159="http://schemas.microsoft.com/office/powerpoint/2015/09/main" Requires="p159">
+      <p:transition xmlns:p14="http://schemas.microsoft.com/office/powerpoint/2010/main" spd="slow" p14:dur="2000">
+        <p159:morph option="byObject"/>
       </p:transition>
     </mc:Choice>
-    <mc:Fallback xmlns="">
+    <mc:Fallback>
       <p:transition spd="slow">
-        <p:split orient="vert"/>
+        <p:fade/>
       </p:transition>
     </mc:Fallback>
   </mc:AlternateContent>
@@ -32813,7 +32822,7 @@
         </p:nvSpPr>
         <p:spPr>
           <a:xfrm>
-            <a:off x="1524000" y="1126192"/>
+            <a:off x="1524000" y="1127986"/>
             <a:ext cx="9144000" cy="852211"/>
           </a:xfrm>
         </p:spPr>
@@ -32916,7 +32925,7 @@
           <p:nvPr>
             <p:extLst>
               <p:ext uri="{D42A27DB-BD31-4B8C-83A1-F6EECF244321}">
-                <p14:modId xmlns:p14="http://schemas.microsoft.com/office/powerpoint/2010/main" val="3103574563"/>
+                <p14:modId xmlns:p14="http://schemas.microsoft.com/office/powerpoint/2010/main" val="81280937"/>
               </p:ext>
             </p:extLst>
           </p:nvPr>
@@ -32941,9 +32950,18 @@
   <p:clrMapOvr>
     <a:masterClrMapping/>
   </p:clrMapOvr>
-  <p:transition spd="slow">
-    <p:randomBar dir="vert"/>
-  </p:transition>
+  <mc:AlternateContent xmlns:mc="http://schemas.openxmlformats.org/markup-compatibility/2006">
+    <mc:Choice xmlns:p159="http://schemas.microsoft.com/office/powerpoint/2015/09/main" Requires="p159">
+      <p:transition xmlns:p14="http://schemas.microsoft.com/office/powerpoint/2010/main" spd="slow" p14:dur="2000">
+        <p159:morph option="byObject"/>
+      </p:transition>
+    </mc:Choice>
+    <mc:Fallback>
+      <p:transition spd="slow">
+        <p:fade/>
+      </p:transition>
+    </mc:Fallback>
+  </mc:AlternateContent>
 </p:sld>
 </file>
 
@@ -33272,7 +33290,7 @@
           <p:nvPr>
             <p:extLst>
               <p:ext uri="{D42A27DB-BD31-4B8C-83A1-F6EECF244321}">
-                <p14:modId xmlns:p14="http://schemas.microsoft.com/office/powerpoint/2010/main" val="2695961418"/>
+                <p14:modId xmlns:p14="http://schemas.microsoft.com/office/powerpoint/2010/main" val="3607472386"/>
               </p:ext>
             </p:extLst>
           </p:nvPr>
@@ -33297,15 +33315,15 @@
   <p:clrMapOvr>
     <a:masterClrMapping/>
   </p:clrMapOvr>
-  <mc:AlternateContent xmlns:mc="http://schemas.openxmlformats.org/markup-compatibility/2006" xmlns:p14="http://schemas.microsoft.com/office/powerpoint/2010/main">
-    <mc:Choice Requires="p14">
-      <p:transition p14:dur="100">
-        <p:cut/>
+  <mc:AlternateContent xmlns:mc="http://schemas.openxmlformats.org/markup-compatibility/2006">
+    <mc:Choice xmlns:p159="http://schemas.microsoft.com/office/powerpoint/2015/09/main" Requires="p159">
+      <p:transition xmlns:p14="http://schemas.microsoft.com/office/powerpoint/2010/main" spd="slow" p14:dur="2000">
+        <p159:morph option="byObject"/>
       </p:transition>
     </mc:Choice>
-    <mc:Fallback xmlns="">
-      <p:transition>
-        <p:cut/>
+    <mc:Fallback>
+      <p:transition spd="slow">
+        <p:fade/>
       </p:transition>
     </mc:Fallback>
   </mc:AlternateContent>

--- a/liceu/3semestre/projeto integrador/tcc slide.pptx
+++ b/liceu/3semestre/projeto integrador/tcc slide.pptx
@@ -5,7 +5,7 @@
     <p:sldMasterId id="2147483648" r:id="rId1"/>
   </p:sldMasterIdLst>
   <p:notesMasterIdLst>
-    <p:notesMasterId r:id="rId29"/>
+    <p:notesMasterId r:id="rId28"/>
   </p:notesMasterIdLst>
   <p:sldIdLst>
     <p:sldId id="256" r:id="rId2"/>
@@ -21,20 +21,19 @@
     <p:sldId id="278" r:id="rId12"/>
     <p:sldId id="273" r:id="rId13"/>
     <p:sldId id="283" r:id="rId14"/>
-    <p:sldId id="274" r:id="rId15"/>
-    <p:sldId id="275" r:id="rId16"/>
-    <p:sldId id="277" r:id="rId17"/>
-    <p:sldId id="263" r:id="rId18"/>
-    <p:sldId id="269" r:id="rId19"/>
-    <p:sldId id="270" r:id="rId20"/>
-    <p:sldId id="271" r:id="rId21"/>
-    <p:sldId id="272" r:id="rId22"/>
-    <p:sldId id="284" r:id="rId23"/>
-    <p:sldId id="264" r:id="rId24"/>
-    <p:sldId id="265" r:id="rId25"/>
-    <p:sldId id="276" r:id="rId26"/>
-    <p:sldId id="266" r:id="rId27"/>
-    <p:sldId id="267" r:id="rId28"/>
+    <p:sldId id="275" r:id="rId15"/>
+    <p:sldId id="277" r:id="rId16"/>
+    <p:sldId id="263" r:id="rId17"/>
+    <p:sldId id="269" r:id="rId18"/>
+    <p:sldId id="270" r:id="rId19"/>
+    <p:sldId id="271" r:id="rId20"/>
+    <p:sldId id="272" r:id="rId21"/>
+    <p:sldId id="284" r:id="rId22"/>
+    <p:sldId id="264" r:id="rId23"/>
+    <p:sldId id="265" r:id="rId24"/>
+    <p:sldId id="276" r:id="rId25"/>
+    <p:sldId id="266" r:id="rId26"/>
+    <p:sldId id="267" r:id="rId27"/>
   </p:sldIdLst>
   <p:sldSz cx="12192000" cy="6858000"/>
   <p:notesSz cx="6858000" cy="9144000"/>
@@ -6452,88 +6451,6 @@
         </a:p>
       </dgm:t>
     </dgm:pt>
-    <dgm:pt modelId="{6C1FA799-50BD-4012-A2BE-EB337E5B8EDC}">
-      <dgm:prSet custT="1"/>
-      <dgm:spPr/>
-      <dgm:t>
-        <a:bodyPr/>
-        <a:lstStyle/>
-        <a:p>
-          <a:r>
-            <a:rPr lang="pt-BR" sz="2400" dirty="0">
-              <a:latin typeface="Aharoni" panose="02010803020104030203" pitchFamily="2" charset="-79"/>
-              <a:cs typeface="Aharoni" panose="02010803020104030203" pitchFamily="2" charset="-79"/>
-            </a:rPr>
-            <a:t>Desenvolver a plataforma web Play2Learn</a:t>
-          </a:r>
-        </a:p>
-      </dgm:t>
-    </dgm:pt>
-    <dgm:pt modelId="{D6D7C633-43E5-4362-881E-284DF3DC1EC1}" type="parTrans" cxnId="{6419CE4E-2264-4A9C-A772-1C4B178DABF4}">
-      <dgm:prSet/>
-      <dgm:spPr/>
-      <dgm:t>
-        <a:bodyPr/>
-        <a:lstStyle/>
-        <a:p>
-          <a:endParaRPr lang="pt-BR"/>
-        </a:p>
-      </dgm:t>
-    </dgm:pt>
-    <dgm:pt modelId="{F57D0F25-D998-4089-8155-15421AC84AE5}" type="sibTrans" cxnId="{6419CE4E-2264-4A9C-A772-1C4B178DABF4}">
-      <dgm:prSet/>
-      <dgm:spPr/>
-      <dgm:t>
-        <a:bodyPr/>
-        <a:lstStyle/>
-        <a:p>
-          <a:endParaRPr lang="pt-BR"/>
-        </a:p>
-      </dgm:t>
-    </dgm:pt>
-    <dgm:pt modelId="{1680B175-9245-4F97-A04B-26040A0B4C5D}">
-      <dgm:prSet/>
-      <dgm:spPr/>
-      <dgm:t>
-        <a:bodyPr/>
-        <a:lstStyle/>
-        <a:p>
-          <a:r>
-            <a:rPr lang="pt-BR" b="1" dirty="0">
-              <a:latin typeface="Aharoni" panose="02010803020104030203" pitchFamily="2" charset="-79"/>
-              <a:cs typeface="Aharoni" panose="02010803020104030203" pitchFamily="2" charset="-79"/>
-            </a:rPr>
-            <a:t>Geral</a:t>
-          </a:r>
-          <a:endParaRPr lang="pt-BR" dirty="0">
-            <a:latin typeface="Aharoni" panose="02010803020104030203" pitchFamily="2" charset="-79"/>
-            <a:cs typeface="Aharoni" panose="02010803020104030203" pitchFamily="2" charset="-79"/>
-          </a:endParaRPr>
-        </a:p>
-      </dgm:t>
-    </dgm:pt>
-    <dgm:pt modelId="{63EE1113-7340-447E-B9AF-0AC0382EB92B}" type="sibTrans" cxnId="{00B80D8C-F350-47D5-B1FC-DF4C34D749D2}">
-      <dgm:prSet/>
-      <dgm:spPr/>
-      <dgm:t>
-        <a:bodyPr/>
-        <a:lstStyle/>
-        <a:p>
-          <a:endParaRPr lang="pt-BR"/>
-        </a:p>
-      </dgm:t>
-    </dgm:pt>
-    <dgm:pt modelId="{75A4C5C8-94F6-4CC4-9110-587FFFFB74B1}" type="parTrans" cxnId="{00B80D8C-F350-47D5-B1FC-DF4C34D749D2}">
-      <dgm:prSet/>
-      <dgm:spPr/>
-      <dgm:t>
-        <a:bodyPr/>
-        <a:lstStyle/>
-        <a:p>
-          <a:endParaRPr lang="pt-BR"/>
-        </a:p>
-      </dgm:t>
-    </dgm:pt>
     <dgm:pt modelId="{71E31C64-B8D9-4FE3-B79C-C241E3D2BF99}" type="pres">
       <dgm:prSet presAssocID="{E6DE73EA-507E-4B93-9D6C-1669C40BEF21}" presName="linear" presStyleCnt="0">
         <dgm:presLayoutVars>
@@ -6543,25 +6460,8 @@
       </dgm:prSet>
       <dgm:spPr/>
     </dgm:pt>
-    <dgm:pt modelId="{315E5388-652E-4BA7-9495-3CC96EB33F7C}" type="pres">
-      <dgm:prSet presAssocID="{1680B175-9245-4F97-A04B-26040A0B4C5D}" presName="parentText" presStyleLbl="node1" presStyleIdx="0" presStyleCnt="2">
-        <dgm:presLayoutVars>
-          <dgm:chMax val="0"/>
-          <dgm:bulletEnabled val="1"/>
-        </dgm:presLayoutVars>
-      </dgm:prSet>
-      <dgm:spPr/>
-    </dgm:pt>
-    <dgm:pt modelId="{CFE58B41-4959-4618-BCA5-A35395922986}" type="pres">
-      <dgm:prSet presAssocID="{1680B175-9245-4F97-A04B-26040A0B4C5D}" presName="childText" presStyleLbl="revTx" presStyleIdx="0" presStyleCnt="2">
-        <dgm:presLayoutVars>
-          <dgm:bulletEnabled val="1"/>
-        </dgm:presLayoutVars>
-      </dgm:prSet>
-      <dgm:spPr/>
-    </dgm:pt>
     <dgm:pt modelId="{EEFFB985-2B1F-4809-89F4-53A6F4549CF0}" type="pres">
-      <dgm:prSet presAssocID="{DC1EBE2C-9242-461E-9052-6871FF208292}" presName="parentText" presStyleLbl="node1" presStyleIdx="1" presStyleCnt="2">
+      <dgm:prSet presAssocID="{DC1EBE2C-9242-461E-9052-6871FF208292}" presName="parentText" presStyleLbl="node1" presStyleIdx="0" presStyleCnt="1" custLinFactNeighborX="-18192" custLinFactNeighborY="-44644">
         <dgm:presLayoutVars>
           <dgm:chMax val="0"/>
           <dgm:bulletEnabled val="1"/>
@@ -6570,7 +6470,7 @@
       <dgm:spPr/>
     </dgm:pt>
     <dgm:pt modelId="{E9BE541C-66F9-4894-97ED-1BA61C941EAD}" type="pres">
-      <dgm:prSet presAssocID="{DC1EBE2C-9242-461E-9052-6871FF208292}" presName="childText" presStyleLbl="revTx" presStyleIdx="1" presStyleCnt="2">
+      <dgm:prSet presAssocID="{DC1EBE2C-9242-461E-9052-6871FF208292}" presName="childText" presStyleLbl="revTx" presStyleIdx="0" presStyleCnt="1">
         <dgm:presLayoutVars>
           <dgm:bulletEnabled val="1"/>
         </dgm:presLayoutVars>
@@ -6580,22 +6480,16 @@
   </dgm:ptLst>
   <dgm:cxnLst>
     <dgm:cxn modelId="{27AFAD0B-6CD1-43CF-96B6-7C17BC366AB4}" type="presOf" srcId="{E6DE73EA-507E-4B93-9D6C-1669C40BEF21}" destId="{71E31C64-B8D9-4FE3-B79C-C241E3D2BF99}" srcOrd="0" destOrd="0" presId="urn:microsoft.com/office/officeart/2005/8/layout/vList2"/>
-    <dgm:cxn modelId="{0FF82934-6B63-4D58-9489-460D018BCBAD}" srcId="{E6DE73EA-507E-4B93-9D6C-1669C40BEF21}" destId="{DC1EBE2C-9242-461E-9052-6871FF208292}" srcOrd="1" destOrd="0" parTransId="{7D4D65D2-88DF-4318-A232-3C95CD634518}" sibTransId="{0AAA56F4-7B54-47A0-81B6-CC2B35BECE7F}"/>
+    <dgm:cxn modelId="{0FF82934-6B63-4D58-9489-460D018BCBAD}" srcId="{E6DE73EA-507E-4B93-9D6C-1669C40BEF21}" destId="{DC1EBE2C-9242-461E-9052-6871FF208292}" srcOrd="0" destOrd="0" parTransId="{7D4D65D2-88DF-4318-A232-3C95CD634518}" sibTransId="{0AAA56F4-7B54-47A0-81B6-CC2B35BECE7F}"/>
     <dgm:cxn modelId="{5A9B3335-25BF-4741-A00A-907A01BF0C57}" srcId="{DC1EBE2C-9242-461E-9052-6871FF208292}" destId="{C1F670EE-C4A5-4B9C-B8A3-00D937B86244}" srcOrd="2" destOrd="0" parTransId="{CEED9032-4B2B-45F0-B77E-E963291A8976}" sibTransId="{EC3EEA1C-50A9-4F23-AFA4-43642F81608E}"/>
     <dgm:cxn modelId="{D6F8EF5D-00A4-4D0C-A50A-953C76299577}" srcId="{DC1EBE2C-9242-461E-9052-6871FF208292}" destId="{887EDC90-0817-4E4C-B755-E21420AC0A86}" srcOrd="1" destOrd="0" parTransId="{64A8EA1D-3FB6-4B04-A30C-429107B8D9D4}" sibTransId="{04BD60C4-C1D1-4FE0-92EB-4C004FE9D396}"/>
-    <dgm:cxn modelId="{6419CE4E-2264-4A9C-A772-1C4B178DABF4}" srcId="{1680B175-9245-4F97-A04B-26040A0B4C5D}" destId="{6C1FA799-50BD-4012-A2BE-EB337E5B8EDC}" srcOrd="0" destOrd="0" parTransId="{D6D7C633-43E5-4362-881E-284DF3DC1EC1}" sibTransId="{F57D0F25-D998-4089-8155-15421AC84AE5}"/>
     <dgm:cxn modelId="{067C0F77-5BD5-43DF-9850-071FF8745469}" type="presOf" srcId="{887EDC90-0817-4E4C-B755-E21420AC0A86}" destId="{E9BE541C-66F9-4894-97ED-1BA61C941EAD}" srcOrd="0" destOrd="1" presId="urn:microsoft.com/office/officeart/2005/8/layout/vList2"/>
-    <dgm:cxn modelId="{00B80D8C-F350-47D5-B1FC-DF4C34D749D2}" srcId="{E6DE73EA-507E-4B93-9D6C-1669C40BEF21}" destId="{1680B175-9245-4F97-A04B-26040A0B4C5D}" srcOrd="0" destOrd="0" parTransId="{75A4C5C8-94F6-4CC4-9110-587FFFFB74B1}" sibTransId="{63EE1113-7340-447E-B9AF-0AC0382EB92B}"/>
     <dgm:cxn modelId="{95F9EE9C-4211-46E5-9DA1-5C6BAE4D4324}" type="presOf" srcId="{DC1EBE2C-9242-461E-9052-6871FF208292}" destId="{EEFFB985-2B1F-4809-89F4-53A6F4549CF0}" srcOrd="0" destOrd="0" presId="urn:microsoft.com/office/officeart/2005/8/layout/vList2"/>
-    <dgm:cxn modelId="{B784E1B2-CAA3-4285-8011-6D039A609CB4}" type="presOf" srcId="{6C1FA799-50BD-4012-A2BE-EB337E5B8EDC}" destId="{CFE58B41-4959-4618-BCA5-A35395922986}" srcOrd="0" destOrd="0" presId="urn:microsoft.com/office/officeart/2005/8/layout/vList2"/>
     <dgm:cxn modelId="{F27D59CF-7F74-4BFC-84E5-1CF11A73AAF5}" type="presOf" srcId="{C1F670EE-C4A5-4B9C-B8A3-00D937B86244}" destId="{E9BE541C-66F9-4894-97ED-1BA61C941EAD}" srcOrd="0" destOrd="2" presId="urn:microsoft.com/office/officeart/2005/8/layout/vList2"/>
-    <dgm:cxn modelId="{6E457DCF-5738-4CFD-9DA8-605AB40EF04E}" type="presOf" srcId="{1680B175-9245-4F97-A04B-26040A0B4C5D}" destId="{315E5388-652E-4BA7-9495-3CC96EB33F7C}" srcOrd="0" destOrd="0" presId="urn:microsoft.com/office/officeart/2005/8/layout/vList2"/>
     <dgm:cxn modelId="{076678E6-D2BC-4E15-AF6E-505603B3E221}" srcId="{DC1EBE2C-9242-461E-9052-6871FF208292}" destId="{22B8AC3A-FBF7-4ADC-8BB8-FC6263FC6842}" srcOrd="0" destOrd="0" parTransId="{A1A8A933-FA5A-4B32-B73E-349C6DB5E77B}" sibTransId="{3C5E6C49-C518-46EF-BEA1-E50E5668E8BF}"/>
     <dgm:cxn modelId="{A17B3EEF-FD79-4BC3-BEC9-2E24B81DD9D6}" type="presOf" srcId="{22B8AC3A-FBF7-4ADC-8BB8-FC6263FC6842}" destId="{E9BE541C-66F9-4894-97ED-1BA61C941EAD}" srcOrd="0" destOrd="0" presId="urn:microsoft.com/office/officeart/2005/8/layout/vList2"/>
-    <dgm:cxn modelId="{FE379865-2560-41A0-99AC-10E9EE4C0911}" type="presParOf" srcId="{71E31C64-B8D9-4FE3-B79C-C241E3D2BF99}" destId="{315E5388-652E-4BA7-9495-3CC96EB33F7C}" srcOrd="0" destOrd="0" presId="urn:microsoft.com/office/officeart/2005/8/layout/vList2"/>
-    <dgm:cxn modelId="{F37C1467-7BBB-411E-A215-92334B0B2A6D}" type="presParOf" srcId="{71E31C64-B8D9-4FE3-B79C-C241E3D2BF99}" destId="{CFE58B41-4959-4618-BCA5-A35395922986}" srcOrd="1" destOrd="0" presId="urn:microsoft.com/office/officeart/2005/8/layout/vList2"/>
-    <dgm:cxn modelId="{761E48BA-9F39-4242-80BC-E510091340A5}" type="presParOf" srcId="{71E31C64-B8D9-4FE3-B79C-C241E3D2BF99}" destId="{EEFFB985-2B1F-4809-89F4-53A6F4549CF0}" srcOrd="2" destOrd="0" presId="urn:microsoft.com/office/officeart/2005/8/layout/vList2"/>
-    <dgm:cxn modelId="{00FAE50A-A39F-4DBC-BAE0-C2CFFA8C3E44}" type="presParOf" srcId="{71E31C64-B8D9-4FE3-B79C-C241E3D2BF99}" destId="{E9BE541C-66F9-4894-97ED-1BA61C941EAD}" srcOrd="3" destOrd="0" presId="urn:microsoft.com/office/officeart/2005/8/layout/vList2"/>
+    <dgm:cxn modelId="{761E48BA-9F39-4242-80BC-E510091340A5}" type="presParOf" srcId="{71E31C64-B8D9-4FE3-B79C-C241E3D2BF99}" destId="{EEFFB985-2B1F-4809-89F4-53A6F4549CF0}" srcOrd="0" destOrd="0" presId="urn:microsoft.com/office/officeart/2005/8/layout/vList2"/>
+    <dgm:cxn modelId="{00FAE50A-A39F-4DBC-BAE0-C2CFFA8C3E44}" type="presParOf" srcId="{71E31C64-B8D9-4FE3-B79C-C241E3D2BF99}" destId="{E9BE541C-66F9-4894-97ED-1BA61C941EAD}" srcOrd="1" destOrd="0" presId="urn:microsoft.com/office/officeart/2005/8/layout/vList2"/>
   </dgm:cxnLst>
   <dgm:bg/>
   <dgm:whole/>
@@ -6612,88 +6506,6 @@
   <dgm:ptLst>
     <dgm:pt modelId="{BA2DB83C-765A-4A5C-93CB-A1D491DCE216}" type="doc">
       <dgm:prSet loTypeId="urn:microsoft.com/office/officeart/2005/8/layout/vList2" loCatId="list" qsTypeId="urn:microsoft.com/office/officeart/2005/8/quickstyle/simple1" qsCatId="simple" csTypeId="urn:microsoft.com/office/officeart/2005/8/colors/accent1_2" csCatId="accent1" phldr="1"/>
-      <dgm:spPr/>
-      <dgm:t>
-        <a:bodyPr/>
-        <a:lstStyle/>
-        <a:p>
-          <a:endParaRPr lang="pt-BR"/>
-        </a:p>
-      </dgm:t>
-    </dgm:pt>
-    <dgm:pt modelId="{DFED27F9-0743-4BB8-92AC-BD0028A385DF}">
-      <dgm:prSet/>
-      <dgm:spPr/>
-      <dgm:t>
-        <a:bodyPr/>
-        <a:lstStyle/>
-        <a:p>
-          <a:r>
-            <a:rPr lang="pt-BR" b="1" dirty="0">
-              <a:latin typeface="Aharoni" panose="02010803020104030203" pitchFamily="2" charset="-79"/>
-              <a:cs typeface="Aharoni" panose="02010803020104030203" pitchFamily="2" charset="-79"/>
-            </a:rPr>
-            <a:t>Freire (1996) </a:t>
-          </a:r>
-          <a:endParaRPr lang="pt-BR" dirty="0">
-            <a:latin typeface="Aharoni" panose="02010803020104030203" pitchFamily="2" charset="-79"/>
-            <a:cs typeface="Aharoni" panose="02010803020104030203" pitchFamily="2" charset="-79"/>
-          </a:endParaRPr>
-        </a:p>
-      </dgm:t>
-    </dgm:pt>
-    <dgm:pt modelId="{6FDF842A-FAA0-46B4-81F3-39F050C72F75}" type="parTrans" cxnId="{A85DE847-178A-4EEB-AF45-A5CABB025F1F}">
-      <dgm:prSet/>
-      <dgm:spPr/>
-      <dgm:t>
-        <a:bodyPr/>
-        <a:lstStyle/>
-        <a:p>
-          <a:endParaRPr lang="pt-BR"/>
-        </a:p>
-      </dgm:t>
-    </dgm:pt>
-    <dgm:pt modelId="{9BD653B3-E1A0-4947-83DC-D38D7C07CF8A}" type="sibTrans" cxnId="{A85DE847-178A-4EEB-AF45-A5CABB025F1F}">
-      <dgm:prSet/>
-      <dgm:spPr/>
-      <dgm:t>
-        <a:bodyPr/>
-        <a:lstStyle/>
-        <a:p>
-          <a:endParaRPr lang="pt-BR"/>
-        </a:p>
-      </dgm:t>
-    </dgm:pt>
-    <dgm:pt modelId="{23403059-176E-4BDF-95DB-01A7889F7F03}">
-      <dgm:prSet/>
-      <dgm:spPr/>
-      <dgm:t>
-        <a:bodyPr/>
-        <a:lstStyle/>
-        <a:p>
-          <a:r>
-            <a:rPr lang="pt-BR" dirty="0">
-              <a:latin typeface="Aharoni" panose="02010803020104030203" pitchFamily="2" charset="-79"/>
-              <a:cs typeface="Aharoni" panose="02010803020104030203" pitchFamily="2" charset="-79"/>
-            </a:rPr>
-            <a:t>Educação libertadora; protagonismo do estudante</a:t>
-          </a:r>
-        </a:p>
-      </dgm:t>
-    </dgm:pt>
-    <dgm:pt modelId="{31AE9530-49B6-46EE-ABCA-96709E080CB3}" type="parTrans" cxnId="{E3273858-9AFA-42C8-AB28-104CE864C9D2}">
-      <dgm:prSet/>
-      <dgm:spPr/>
-      <dgm:t>
-        <a:bodyPr/>
-        <a:lstStyle/>
-        <a:p>
-          <a:endParaRPr lang="pt-BR"/>
-        </a:p>
-      </dgm:t>
-    </dgm:pt>
-    <dgm:pt modelId="{633CBE3C-E70E-49A0-B8B0-8CFB1C61F7BF}" type="sibTrans" cxnId="{E3273858-9AFA-42C8-AB28-104CE864C9D2}">
-      <dgm:prSet/>
       <dgm:spPr/>
       <dgm:t>
         <a:bodyPr/>
@@ -6775,116 +6587,6 @@
       </dgm:t>
     </dgm:pt>
     <dgm:pt modelId="{908BB682-5559-4C06-9617-4B7F5D26315B}" type="sibTrans" cxnId="{F6FEF3EE-45EC-4B93-A42E-31F506517093}">
-      <dgm:prSet/>
-      <dgm:spPr/>
-      <dgm:t>
-        <a:bodyPr/>
-        <a:lstStyle/>
-        <a:p>
-          <a:endParaRPr lang="pt-BR"/>
-        </a:p>
-      </dgm:t>
-    </dgm:pt>
-    <dgm:pt modelId="{C7A5B72F-53F8-43D8-B4A4-290BE744DCD6}">
-      <dgm:prSet/>
-      <dgm:spPr/>
-      <dgm:t>
-        <a:bodyPr/>
-        <a:lstStyle/>
-        <a:p>
-          <a:r>
-            <a:rPr lang="pt-BR" dirty="0">
-              <a:latin typeface="Aharoni" panose="02010803020104030203" pitchFamily="2" charset="-79"/>
-              <a:cs typeface="Aharoni" panose="02010803020104030203" pitchFamily="2" charset="-79"/>
-            </a:rPr>
-            <a:t>Fernandes</a:t>
-          </a:r>
-          <a:r>
-            <a:rPr lang="pt-BR" baseline="0" dirty="0">
-              <a:latin typeface="Aharoni" panose="02010803020104030203" pitchFamily="2" charset="-79"/>
-              <a:cs typeface="Aharoni" panose="02010803020104030203" pitchFamily="2" charset="-79"/>
-            </a:rPr>
-            <a:t> (2010)</a:t>
-          </a:r>
-          <a:endParaRPr lang="pt-BR" dirty="0">
-            <a:latin typeface="Aharoni" panose="02010803020104030203" pitchFamily="2" charset="-79"/>
-            <a:cs typeface="Aharoni" panose="02010803020104030203" pitchFamily="2" charset="-79"/>
-          </a:endParaRPr>
-        </a:p>
-      </dgm:t>
-    </dgm:pt>
-    <dgm:pt modelId="{9D255028-EE97-4194-B37F-4EC8F165A694}" type="parTrans" cxnId="{5E4DB9ED-03BF-49FC-A860-B8E4EBF073DF}">
-      <dgm:prSet/>
-      <dgm:spPr/>
-      <dgm:t>
-        <a:bodyPr/>
-        <a:lstStyle/>
-        <a:p>
-          <a:endParaRPr lang="pt-BR"/>
-        </a:p>
-      </dgm:t>
-    </dgm:pt>
-    <dgm:pt modelId="{ABECF9C2-3B61-41DC-BCC0-FC54A99FC76A}" type="sibTrans" cxnId="{5E4DB9ED-03BF-49FC-A860-B8E4EBF073DF}">
-      <dgm:prSet/>
-      <dgm:spPr/>
-      <dgm:t>
-        <a:bodyPr/>
-        <a:lstStyle/>
-        <a:p>
-          <a:endParaRPr lang="pt-BR"/>
-        </a:p>
-      </dgm:t>
-    </dgm:pt>
-    <dgm:pt modelId="{82D0158C-A1D0-4A40-8739-749D97C0FFBA}">
-      <dgm:prSet/>
-      <dgm:spPr/>
-      <dgm:t>
-        <a:bodyPr/>
-        <a:lstStyle/>
-        <a:p>
-          <a:r>
-            <a:rPr lang="pt-BR">
-              <a:latin typeface="Aharoni" panose="02010803020104030203" pitchFamily="2" charset="-79"/>
-              <a:cs typeface="Aharoni" panose="02010803020104030203" pitchFamily="2" charset="-79"/>
-            </a:rPr>
-            <a:t>Teoria da </a:t>
-          </a:r>
-          <a:r>
-            <a:rPr lang="pt-BR" dirty="0">
-              <a:latin typeface="Aharoni" panose="02010803020104030203" pitchFamily="2" charset="-79"/>
-              <a:cs typeface="Aharoni" panose="02010803020104030203" pitchFamily="2" charset="-79"/>
-            </a:rPr>
-            <a:t>aprendizagem: Piaget, </a:t>
-          </a:r>
-          <a:r>
-            <a:rPr lang="pt-BR" dirty="0" err="1">
-              <a:latin typeface="Aharoni" panose="02010803020104030203" pitchFamily="2" charset="-79"/>
-              <a:cs typeface="Aharoni" panose="02010803020104030203" pitchFamily="2" charset="-79"/>
-            </a:rPr>
-            <a:t>Ausubel</a:t>
-          </a:r>
-          <a:r>
-            <a:rPr lang="pt-BR" dirty="0">
-              <a:latin typeface="Aharoni" panose="02010803020104030203" pitchFamily="2" charset="-79"/>
-              <a:cs typeface="Aharoni" panose="02010803020104030203" pitchFamily="2" charset="-79"/>
-            </a:rPr>
-            <a:t> e Vygotsky</a:t>
-          </a:r>
-        </a:p>
-      </dgm:t>
-    </dgm:pt>
-    <dgm:pt modelId="{9579D5D1-DF3B-45BB-9E76-F74BDACD9A77}" type="parTrans" cxnId="{70F6982F-3589-4D54-ACAD-55C084E16A01}">
-      <dgm:prSet/>
-      <dgm:spPr/>
-      <dgm:t>
-        <a:bodyPr/>
-        <a:lstStyle/>
-        <a:p>
-          <a:endParaRPr lang="pt-BR"/>
-        </a:p>
-      </dgm:t>
-    </dgm:pt>
-    <dgm:pt modelId="{C42A7083-486A-4430-B61D-592C96CDBB31}" type="sibTrans" cxnId="{70F6982F-3589-4D54-ACAD-55C084E16A01}">
       <dgm:prSet/>
       <dgm:spPr/>
       <dgm:t>
@@ -7023,88 +6725,6 @@
         </a:p>
       </dgm:t>
     </dgm:pt>
-    <dgm:pt modelId="{CE2AC7A1-2CFC-4765-835A-4C1EDA8495EA}">
-      <dgm:prSet/>
-      <dgm:spPr/>
-      <dgm:t>
-        <a:bodyPr/>
-        <a:lstStyle/>
-        <a:p>
-          <a:r>
-            <a:rPr lang="pt-BR" b="1" dirty="0">
-              <a:latin typeface="Aharoni" panose="02010803020104030203" pitchFamily="2" charset="-79"/>
-              <a:cs typeface="Aharoni" panose="02010803020104030203" pitchFamily="2" charset="-79"/>
-            </a:rPr>
-            <a:t>Bittencourt, Cazella &amp; Isotani (2016) </a:t>
-          </a:r>
-          <a:endParaRPr lang="pt-BR" dirty="0">
-            <a:latin typeface="Aharoni" panose="02010803020104030203" pitchFamily="2" charset="-79"/>
-            <a:cs typeface="Aharoni" panose="02010803020104030203" pitchFamily="2" charset="-79"/>
-          </a:endParaRPr>
-        </a:p>
-      </dgm:t>
-    </dgm:pt>
-    <dgm:pt modelId="{81C9A07E-A954-4B22-B2BA-FA05BDB9ACC9}" type="parTrans" cxnId="{A0FFD7B2-1C50-4CDA-940B-39B5DAEFC824}">
-      <dgm:prSet/>
-      <dgm:spPr/>
-      <dgm:t>
-        <a:bodyPr/>
-        <a:lstStyle/>
-        <a:p>
-          <a:endParaRPr lang="pt-BR"/>
-        </a:p>
-      </dgm:t>
-    </dgm:pt>
-    <dgm:pt modelId="{99C127B5-D0C0-417D-A1A4-4E437B986216}" type="sibTrans" cxnId="{A0FFD7B2-1C50-4CDA-940B-39B5DAEFC824}">
-      <dgm:prSet/>
-      <dgm:spPr/>
-      <dgm:t>
-        <a:bodyPr/>
-        <a:lstStyle/>
-        <a:p>
-          <a:endParaRPr lang="pt-BR"/>
-        </a:p>
-      </dgm:t>
-    </dgm:pt>
-    <dgm:pt modelId="{FC40D475-ACFC-42CE-AC52-4CD4B35F434E}">
-      <dgm:prSet/>
-      <dgm:spPr/>
-      <dgm:t>
-        <a:bodyPr/>
-        <a:lstStyle/>
-        <a:p>
-          <a:r>
-            <a:rPr lang="pt-BR" dirty="0">
-              <a:latin typeface="Aharoni" panose="02010803020104030203" pitchFamily="2" charset="-79"/>
-              <a:cs typeface="Aharoni" panose="02010803020104030203" pitchFamily="2" charset="-79"/>
-            </a:rPr>
-            <a:t>Ambientes flexíveis e interativos</a:t>
-          </a:r>
-        </a:p>
-      </dgm:t>
-    </dgm:pt>
-    <dgm:pt modelId="{0E632ED0-8FEB-4CD1-BDD3-7CF926ACD7D7}" type="parTrans" cxnId="{02C37142-DB15-4222-9604-B5C633E00196}">
-      <dgm:prSet/>
-      <dgm:spPr/>
-      <dgm:t>
-        <a:bodyPr/>
-        <a:lstStyle/>
-        <a:p>
-          <a:endParaRPr lang="pt-BR"/>
-        </a:p>
-      </dgm:t>
-    </dgm:pt>
-    <dgm:pt modelId="{00BCF728-5F0A-496E-812A-84521B800588}" type="sibTrans" cxnId="{02C37142-DB15-4222-9604-B5C633E00196}">
-      <dgm:prSet/>
-      <dgm:spPr/>
-      <dgm:t>
-        <a:bodyPr/>
-        <a:lstStyle/>
-        <a:p>
-          <a:endParaRPr lang="pt-BR"/>
-        </a:p>
-      </dgm:t>
-    </dgm:pt>
     <dgm:pt modelId="{2C69FCE9-C3BA-4E13-895F-B90BF6520365}">
       <dgm:prSet/>
       <dgm:spPr/>
@@ -7177,88 +6797,6 @@
       </dgm:t>
     </dgm:pt>
     <dgm:pt modelId="{2E3A7907-3373-46E1-83E1-69B9EA661D17}" type="sibTrans" cxnId="{2AE58739-FB20-426F-B533-972718E0643E}">
-      <dgm:prSet/>
-      <dgm:spPr/>
-      <dgm:t>
-        <a:bodyPr/>
-        <a:lstStyle/>
-        <a:p>
-          <a:endParaRPr lang="pt-BR"/>
-        </a:p>
-      </dgm:t>
-    </dgm:pt>
-    <dgm:pt modelId="{C775ADD2-CE6D-47DB-8921-29DBECAC12BA}">
-      <dgm:prSet/>
-      <dgm:spPr/>
-      <dgm:t>
-        <a:bodyPr/>
-        <a:lstStyle/>
-        <a:p>
-          <a:r>
-            <a:rPr lang="pt-BR" b="1" dirty="0">
-              <a:latin typeface="Aharoni" panose="02010803020104030203" pitchFamily="2" charset="-79"/>
-              <a:cs typeface="Aharoni" panose="02010803020104030203" pitchFamily="2" charset="-79"/>
-            </a:rPr>
-            <a:t>Metaari (2019–2024) </a:t>
-          </a:r>
-          <a:endParaRPr lang="pt-BR" dirty="0">
-            <a:latin typeface="Aharoni" panose="02010803020104030203" pitchFamily="2" charset="-79"/>
-            <a:cs typeface="Aharoni" panose="02010803020104030203" pitchFamily="2" charset="-79"/>
-          </a:endParaRPr>
-        </a:p>
-      </dgm:t>
-    </dgm:pt>
-    <dgm:pt modelId="{D3136C5B-39B9-498F-AD38-CA76E375FDF2}" type="parTrans" cxnId="{344FDD2D-CD94-44FA-8293-1C91B7755C0E}">
-      <dgm:prSet/>
-      <dgm:spPr/>
-      <dgm:t>
-        <a:bodyPr/>
-        <a:lstStyle/>
-        <a:p>
-          <a:endParaRPr lang="pt-BR"/>
-        </a:p>
-      </dgm:t>
-    </dgm:pt>
-    <dgm:pt modelId="{D4949665-830E-4C1E-A1E8-E5F97957977C}" type="sibTrans" cxnId="{344FDD2D-CD94-44FA-8293-1C91B7755C0E}">
-      <dgm:prSet/>
-      <dgm:spPr/>
-      <dgm:t>
-        <a:bodyPr/>
-        <a:lstStyle/>
-        <a:p>
-          <a:endParaRPr lang="pt-BR"/>
-        </a:p>
-      </dgm:t>
-    </dgm:pt>
-    <dgm:pt modelId="{13D35608-5772-4289-9C33-2499D87896B8}">
-      <dgm:prSet/>
-      <dgm:spPr/>
-      <dgm:t>
-        <a:bodyPr/>
-        <a:lstStyle/>
-        <a:p>
-          <a:r>
-            <a:rPr lang="pt-BR" dirty="0">
-              <a:latin typeface="Aharoni" panose="02010803020104030203" pitchFamily="2" charset="-79"/>
-              <a:cs typeface="Aharoni" panose="02010803020104030203" pitchFamily="2" charset="-79"/>
-            </a:rPr>
-            <a:t>Crescimento do mercado de gamificação</a:t>
-          </a:r>
-        </a:p>
-      </dgm:t>
-    </dgm:pt>
-    <dgm:pt modelId="{1E12444C-6B0D-4729-A882-4C4F241CC079}" type="parTrans" cxnId="{170885BF-C252-4C35-BB46-436233E93D0E}">
-      <dgm:prSet/>
-      <dgm:spPr/>
-      <dgm:t>
-        <a:bodyPr/>
-        <a:lstStyle/>
-        <a:p>
-          <a:endParaRPr lang="pt-BR"/>
-        </a:p>
-      </dgm:t>
-    </dgm:pt>
-    <dgm:pt modelId="{1939606C-04B0-4FAC-86FE-243590BD9029}" type="sibTrans" cxnId="{170885BF-C252-4C35-BB46-436233E93D0E}">
       <dgm:prSet/>
       <dgm:spPr/>
       <dgm:t>
@@ -7351,6 +6889,88 @@
         </a:p>
       </dgm:t>
     </dgm:pt>
+    <dgm:pt modelId="{CE2AC7A1-2CFC-4765-835A-4C1EDA8495EA}">
+      <dgm:prSet/>
+      <dgm:spPr/>
+      <dgm:t>
+        <a:bodyPr/>
+        <a:lstStyle/>
+        <a:p>
+          <a:r>
+            <a:rPr lang="pt-BR" b="1" dirty="0">
+              <a:latin typeface="Aharoni" panose="02010803020104030203" pitchFamily="2" charset="-79"/>
+              <a:cs typeface="Aharoni" panose="02010803020104030203" pitchFamily="2" charset="-79"/>
+            </a:rPr>
+            <a:t>Bittencourt, Cazella &amp; Isotani (2016) </a:t>
+          </a:r>
+          <a:endParaRPr lang="pt-BR" dirty="0">
+            <a:latin typeface="Aharoni" panose="02010803020104030203" pitchFamily="2" charset="-79"/>
+            <a:cs typeface="Aharoni" panose="02010803020104030203" pitchFamily="2" charset="-79"/>
+          </a:endParaRPr>
+        </a:p>
+      </dgm:t>
+    </dgm:pt>
+    <dgm:pt modelId="{99C127B5-D0C0-417D-A1A4-4E437B986216}" type="sibTrans" cxnId="{A0FFD7B2-1C50-4CDA-940B-39B5DAEFC824}">
+      <dgm:prSet/>
+      <dgm:spPr/>
+      <dgm:t>
+        <a:bodyPr/>
+        <a:lstStyle/>
+        <a:p>
+          <a:endParaRPr lang="pt-BR"/>
+        </a:p>
+      </dgm:t>
+    </dgm:pt>
+    <dgm:pt modelId="{81C9A07E-A954-4B22-B2BA-FA05BDB9ACC9}" type="parTrans" cxnId="{A0FFD7B2-1C50-4CDA-940B-39B5DAEFC824}">
+      <dgm:prSet/>
+      <dgm:spPr/>
+      <dgm:t>
+        <a:bodyPr/>
+        <a:lstStyle/>
+        <a:p>
+          <a:endParaRPr lang="pt-BR"/>
+        </a:p>
+      </dgm:t>
+    </dgm:pt>
+    <dgm:pt modelId="{FC40D475-ACFC-42CE-AC52-4CD4B35F434E}">
+      <dgm:prSet/>
+      <dgm:spPr/>
+      <dgm:t>
+        <a:bodyPr/>
+        <a:lstStyle/>
+        <a:p>
+          <a:r>
+            <a:rPr lang="pt-BR" dirty="0">
+              <a:latin typeface="Aharoni" panose="02010803020104030203" pitchFamily="2" charset="-79"/>
+              <a:cs typeface="Aharoni" panose="02010803020104030203" pitchFamily="2" charset="-79"/>
+            </a:rPr>
+            <a:t>Ambientes flexíveis e interativos</a:t>
+          </a:r>
+        </a:p>
+      </dgm:t>
+    </dgm:pt>
+    <dgm:pt modelId="{00BCF728-5F0A-496E-812A-84521B800588}" type="sibTrans" cxnId="{02C37142-DB15-4222-9604-B5C633E00196}">
+      <dgm:prSet/>
+      <dgm:spPr/>
+      <dgm:t>
+        <a:bodyPr/>
+        <a:lstStyle/>
+        <a:p>
+          <a:endParaRPr lang="pt-BR"/>
+        </a:p>
+      </dgm:t>
+    </dgm:pt>
+    <dgm:pt modelId="{0E632ED0-8FEB-4CD1-BDD3-7CF926ACD7D7}" type="parTrans" cxnId="{02C37142-DB15-4222-9604-B5C633E00196}">
+      <dgm:prSet/>
+      <dgm:spPr/>
+      <dgm:t>
+        <a:bodyPr/>
+        <a:lstStyle/>
+        <a:p>
+          <a:endParaRPr lang="pt-BR"/>
+        </a:p>
+      </dgm:t>
+    </dgm:pt>
     <dgm:pt modelId="{7B0DE6DA-D1DA-4005-A007-7A58F779D5B2}" type="pres">
       <dgm:prSet presAssocID="{BA2DB83C-765A-4A5C-93CB-A1D491DCE216}" presName="linear" presStyleCnt="0">
         <dgm:presLayoutVars>
@@ -7360,25 +6980,8 @@
       </dgm:prSet>
       <dgm:spPr/>
     </dgm:pt>
-    <dgm:pt modelId="{B6C6DBD6-E027-4B29-8141-43EA2E1C0497}" type="pres">
-      <dgm:prSet presAssocID="{DFED27F9-0743-4BB8-92AC-BD0028A385DF}" presName="parentText" presStyleLbl="node1" presStyleIdx="0" presStyleCnt="8">
-        <dgm:presLayoutVars>
-          <dgm:chMax val="0"/>
-          <dgm:bulletEnabled val="1"/>
-        </dgm:presLayoutVars>
-      </dgm:prSet>
-      <dgm:spPr/>
-    </dgm:pt>
-    <dgm:pt modelId="{FAEF9A9E-5C7F-44CB-9DFE-D1F317AB4558}" type="pres">
-      <dgm:prSet presAssocID="{DFED27F9-0743-4BB8-92AC-BD0028A385DF}" presName="childText" presStyleLbl="revTx" presStyleIdx="0" presStyleCnt="8">
-        <dgm:presLayoutVars>
-          <dgm:bulletEnabled val="1"/>
-        </dgm:presLayoutVars>
-      </dgm:prSet>
-      <dgm:spPr/>
-    </dgm:pt>
     <dgm:pt modelId="{02322442-9ABA-4C08-BBB2-72F9C55E89F9}" type="pres">
-      <dgm:prSet presAssocID="{43259385-EDAF-4B57-860A-0B05D2092181}" presName="parentText" presStyleLbl="node1" presStyleIdx="1" presStyleCnt="8">
+      <dgm:prSet presAssocID="{43259385-EDAF-4B57-860A-0B05D2092181}" presName="parentText" presStyleLbl="node1" presStyleIdx="0" presStyleCnt="5">
         <dgm:presLayoutVars>
           <dgm:chMax val="0"/>
           <dgm:bulletEnabled val="1"/>
@@ -7387,24 +6990,7 @@
       <dgm:spPr/>
     </dgm:pt>
     <dgm:pt modelId="{613D789A-5AF2-4321-ADAF-3685601F44EA}" type="pres">
-      <dgm:prSet presAssocID="{43259385-EDAF-4B57-860A-0B05D2092181}" presName="childText" presStyleLbl="revTx" presStyleIdx="1" presStyleCnt="8">
-        <dgm:presLayoutVars>
-          <dgm:bulletEnabled val="1"/>
-        </dgm:presLayoutVars>
-      </dgm:prSet>
-      <dgm:spPr/>
-    </dgm:pt>
-    <dgm:pt modelId="{3446929A-770E-4F4E-81DC-76CDADDB255B}" type="pres">
-      <dgm:prSet presAssocID="{C7A5B72F-53F8-43D8-B4A4-290BE744DCD6}" presName="parentText" presStyleLbl="node1" presStyleIdx="2" presStyleCnt="8">
-        <dgm:presLayoutVars>
-          <dgm:chMax val="0"/>
-          <dgm:bulletEnabled val="1"/>
-        </dgm:presLayoutVars>
-      </dgm:prSet>
-      <dgm:spPr/>
-    </dgm:pt>
-    <dgm:pt modelId="{44A479C3-C248-4642-8FB7-764C83A4173B}" type="pres">
-      <dgm:prSet presAssocID="{C7A5B72F-53F8-43D8-B4A4-290BE744DCD6}" presName="childText" presStyleLbl="revTx" presStyleIdx="2" presStyleCnt="8">
+      <dgm:prSet presAssocID="{43259385-EDAF-4B57-860A-0B05D2092181}" presName="childText" presStyleLbl="revTx" presStyleIdx="0" presStyleCnt="5">
         <dgm:presLayoutVars>
           <dgm:bulletEnabled val="1"/>
         </dgm:presLayoutVars>
@@ -7412,7 +6998,7 @@
       <dgm:spPr/>
     </dgm:pt>
     <dgm:pt modelId="{94B157B4-8703-4EA0-87F1-FBD70D6ABE7B}" type="pres">
-      <dgm:prSet presAssocID="{C8DB3420-57B7-4BBE-83BF-F086E1C1D71E}" presName="parentText" presStyleLbl="node1" presStyleIdx="3" presStyleCnt="8">
+      <dgm:prSet presAssocID="{C8DB3420-57B7-4BBE-83BF-F086E1C1D71E}" presName="parentText" presStyleLbl="node1" presStyleIdx="1" presStyleCnt="5">
         <dgm:presLayoutVars>
           <dgm:chMax val="0"/>
           <dgm:bulletEnabled val="1"/>
@@ -7421,7 +7007,7 @@
       <dgm:spPr/>
     </dgm:pt>
     <dgm:pt modelId="{527E87C0-2E83-4A82-92A1-04D7FDDC1FD0}" type="pres">
-      <dgm:prSet presAssocID="{C8DB3420-57B7-4BBE-83BF-F086E1C1D71E}" presName="childText" presStyleLbl="revTx" presStyleIdx="3" presStyleCnt="8">
+      <dgm:prSet presAssocID="{C8DB3420-57B7-4BBE-83BF-F086E1C1D71E}" presName="childText" presStyleLbl="revTx" presStyleIdx="1" presStyleCnt="5">
         <dgm:presLayoutVars>
           <dgm:bulletEnabled val="1"/>
         </dgm:presLayoutVars>
@@ -7429,7 +7015,7 @@
       <dgm:spPr/>
     </dgm:pt>
     <dgm:pt modelId="{9B5FADBC-627F-4177-95CD-ED903D658320}" type="pres">
-      <dgm:prSet presAssocID="{CE2AC7A1-2CFC-4765-835A-4C1EDA8495EA}" presName="parentText" presStyleLbl="node1" presStyleIdx="4" presStyleCnt="8">
+      <dgm:prSet presAssocID="{CE2AC7A1-2CFC-4765-835A-4C1EDA8495EA}" presName="parentText" presStyleLbl="node1" presStyleIdx="2" presStyleCnt="5">
         <dgm:presLayoutVars>
           <dgm:chMax val="0"/>
           <dgm:bulletEnabled val="1"/>
@@ -7438,7 +7024,7 @@
       <dgm:spPr/>
     </dgm:pt>
     <dgm:pt modelId="{DDCBAEC6-57BE-4E05-B1DF-5C602CC386C6}" type="pres">
-      <dgm:prSet presAssocID="{CE2AC7A1-2CFC-4765-835A-4C1EDA8495EA}" presName="childText" presStyleLbl="revTx" presStyleIdx="4" presStyleCnt="8">
+      <dgm:prSet presAssocID="{CE2AC7A1-2CFC-4765-835A-4C1EDA8495EA}" presName="childText" presStyleLbl="revTx" presStyleIdx="2" presStyleCnt="5">
         <dgm:presLayoutVars>
           <dgm:bulletEnabled val="1"/>
         </dgm:presLayoutVars>
@@ -7446,7 +7032,7 @@
       <dgm:spPr/>
     </dgm:pt>
     <dgm:pt modelId="{C203FE96-02D3-420D-AEC3-E38322651F06}" type="pres">
-      <dgm:prSet presAssocID="{2C69FCE9-C3BA-4E13-895F-B90BF6520365}" presName="parentText" presStyleLbl="node1" presStyleIdx="5" presStyleCnt="8">
+      <dgm:prSet presAssocID="{2C69FCE9-C3BA-4E13-895F-B90BF6520365}" presName="parentText" presStyleLbl="node1" presStyleIdx="3" presStyleCnt="5">
         <dgm:presLayoutVars>
           <dgm:chMax val="0"/>
           <dgm:bulletEnabled val="1"/>
@@ -7455,24 +7041,7 @@
       <dgm:spPr/>
     </dgm:pt>
     <dgm:pt modelId="{386E56C2-934B-4CEB-90D5-764E950721E9}" type="pres">
-      <dgm:prSet presAssocID="{2C69FCE9-C3BA-4E13-895F-B90BF6520365}" presName="childText" presStyleLbl="revTx" presStyleIdx="5" presStyleCnt="8">
-        <dgm:presLayoutVars>
-          <dgm:bulletEnabled val="1"/>
-        </dgm:presLayoutVars>
-      </dgm:prSet>
-      <dgm:spPr/>
-    </dgm:pt>
-    <dgm:pt modelId="{FDB6B565-1B99-46C5-A11C-CC9A224F3671}" type="pres">
-      <dgm:prSet presAssocID="{C775ADD2-CE6D-47DB-8921-29DBECAC12BA}" presName="parentText" presStyleLbl="node1" presStyleIdx="6" presStyleCnt="8">
-        <dgm:presLayoutVars>
-          <dgm:chMax val="0"/>
-          <dgm:bulletEnabled val="1"/>
-        </dgm:presLayoutVars>
-      </dgm:prSet>
-      <dgm:spPr/>
-    </dgm:pt>
-    <dgm:pt modelId="{801C178A-B34D-4979-9D84-ED1F4A531628}" type="pres">
-      <dgm:prSet presAssocID="{C775ADD2-CE6D-47DB-8921-29DBECAC12BA}" presName="childText" presStyleLbl="revTx" presStyleIdx="6" presStyleCnt="8">
+      <dgm:prSet presAssocID="{2C69FCE9-C3BA-4E13-895F-B90BF6520365}" presName="childText" presStyleLbl="revTx" presStyleIdx="3" presStyleCnt="5">
         <dgm:presLayoutVars>
           <dgm:bulletEnabled val="1"/>
         </dgm:presLayoutVars>
@@ -7480,7 +7049,7 @@
       <dgm:spPr/>
     </dgm:pt>
     <dgm:pt modelId="{126CA103-D39C-4CF7-88D1-6E3C33E525BB}" type="pres">
-      <dgm:prSet presAssocID="{54268FB8-7B2E-4767-89AD-944093463C27}" presName="parentText" presStyleLbl="node1" presStyleIdx="7" presStyleCnt="8">
+      <dgm:prSet presAssocID="{54268FB8-7B2E-4767-89AD-944093463C27}" presName="parentText" presStyleLbl="node1" presStyleIdx="4" presStyleCnt="5">
         <dgm:presLayoutVars>
           <dgm:chMax val="0"/>
           <dgm:bulletEnabled val="1"/>
@@ -7489,7 +7058,7 @@
       <dgm:spPr/>
     </dgm:pt>
     <dgm:pt modelId="{BCA6317D-D010-47C0-9C40-8D6EBA656FF2}" type="pres">
-      <dgm:prSet presAssocID="{54268FB8-7B2E-4767-89AD-944093463C27}" presName="childText" presStyleLbl="revTx" presStyleIdx="7" presStyleCnt="8">
+      <dgm:prSet presAssocID="{54268FB8-7B2E-4767-89AD-944093463C27}" presName="childText" presStyleLbl="revTx" presStyleIdx="4" presStyleCnt="5">
         <dgm:presLayoutVars>
           <dgm:bulletEnabled val="1"/>
         </dgm:presLayoutVars>
@@ -7499,54 +7068,36 @@
   </dgm:ptLst>
   <dgm:cxnLst>
     <dgm:cxn modelId="{9A393F05-8E3C-4866-992B-1DEEC96ED8BF}" type="presOf" srcId="{F8AF945A-CC5E-478E-9BF9-3E4E96FDDA87}" destId="{527E87C0-2E83-4A82-92A1-04D7FDDC1FD0}" srcOrd="0" destOrd="0" presId="urn:microsoft.com/office/officeart/2005/8/layout/vList2"/>
-    <dgm:cxn modelId="{9A0E5812-7210-46E4-BD38-9D831F6ADA16}" type="presOf" srcId="{13D35608-5772-4289-9C33-2499D87896B8}" destId="{801C178A-B34D-4979-9D84-ED1F4A531628}" srcOrd="0" destOrd="0" presId="urn:microsoft.com/office/officeart/2005/8/layout/vList2"/>
     <dgm:cxn modelId="{8C32AE17-F8F2-4945-8B70-A1059087D3DF}" type="presOf" srcId="{A9348D86-F972-4037-B7B6-1461BAF1D6D2}" destId="{386E56C2-934B-4CEB-90D5-764E950721E9}" srcOrd="0" destOrd="0" presId="urn:microsoft.com/office/officeart/2005/8/layout/vList2"/>
     <dgm:cxn modelId="{047FD51B-3124-44BE-8702-9CB4322AEEF1}" type="presOf" srcId="{BA2DB83C-765A-4A5C-93CB-A1D491DCE216}" destId="{7B0DE6DA-D1DA-4005-A007-7A58F779D5B2}" srcOrd="0" destOrd="0" presId="urn:microsoft.com/office/officeart/2005/8/layout/vList2"/>
     <dgm:cxn modelId="{058E1D2B-5AF9-4F05-BEB9-63CE94E055CF}" type="presOf" srcId="{FC40D475-ACFC-42CE-AC52-4CD4B35F434E}" destId="{DDCBAEC6-57BE-4E05-B1DF-5C602CC386C6}" srcOrd="0" destOrd="0" presId="urn:microsoft.com/office/officeart/2005/8/layout/vList2"/>
-    <dgm:cxn modelId="{344FDD2D-CD94-44FA-8293-1C91B7755C0E}" srcId="{BA2DB83C-765A-4A5C-93CB-A1D491DCE216}" destId="{C775ADD2-CE6D-47DB-8921-29DBECAC12BA}" srcOrd="6" destOrd="0" parTransId="{D3136C5B-39B9-498F-AD38-CA76E375FDF2}" sibTransId="{D4949665-830E-4C1E-A1E8-E5F97957977C}"/>
-    <dgm:cxn modelId="{70F6982F-3589-4D54-ACAD-55C084E16A01}" srcId="{C7A5B72F-53F8-43D8-B4A4-290BE744DCD6}" destId="{82D0158C-A1D0-4A40-8739-749D97C0FFBA}" srcOrd="0" destOrd="0" parTransId="{9579D5D1-DF3B-45BB-9E76-F74BDACD9A77}" sibTransId="{C42A7083-486A-4430-B61D-592C96CDBB31}"/>
-    <dgm:cxn modelId="{A0FC0232-4218-4632-8A93-1AA08FFB23B9}" type="presOf" srcId="{23403059-176E-4BDF-95DB-01A7889F7F03}" destId="{FAEF9A9E-5C7F-44CB-9DFE-D1F317AB4558}" srcOrd="0" destOrd="0" presId="urn:microsoft.com/office/officeart/2005/8/layout/vList2"/>
     <dgm:cxn modelId="{2AE58739-FB20-426F-B533-972718E0643E}" srcId="{2C69FCE9-C3BA-4E13-895F-B90BF6520365}" destId="{A9348D86-F972-4037-B7B6-1461BAF1D6D2}" srcOrd="0" destOrd="0" parTransId="{69C90122-1C79-42CD-A467-1E0FDAC26FF6}" sibTransId="{2E3A7907-3373-46E1-83E1-69B9EA661D17}"/>
     <dgm:cxn modelId="{02C37142-DB15-4222-9604-B5C633E00196}" srcId="{CE2AC7A1-2CFC-4765-835A-4C1EDA8495EA}" destId="{FC40D475-ACFC-42CE-AC52-4CD4B35F434E}" srcOrd="0" destOrd="0" parTransId="{0E632ED0-8FEB-4CD1-BDD3-7CF926ACD7D7}" sibTransId="{00BCF728-5F0A-496E-812A-84521B800588}"/>
     <dgm:cxn modelId="{17900043-DF9B-490E-9BBD-7CE07E7687E6}" type="presOf" srcId="{C8DB3420-57B7-4BBE-83BF-F086E1C1D71E}" destId="{94B157B4-8703-4EA0-87F1-FBD70D6ABE7B}" srcOrd="0" destOrd="0" presId="urn:microsoft.com/office/officeart/2005/8/layout/vList2"/>
-    <dgm:cxn modelId="{A85DE847-178A-4EEB-AF45-A5CABB025F1F}" srcId="{BA2DB83C-765A-4A5C-93CB-A1D491DCE216}" destId="{DFED27F9-0743-4BB8-92AC-BD0028A385DF}" srcOrd="0" destOrd="0" parTransId="{6FDF842A-FAA0-46B4-81F3-39F050C72F75}" sibTransId="{9BD653B3-E1A0-4947-83DC-D38D7C07CF8A}"/>
     <dgm:cxn modelId="{A961FA50-BA80-4904-B7A5-A1F9FE7F5232}" type="presOf" srcId="{2C69FCE9-C3BA-4E13-895F-B90BF6520365}" destId="{C203FE96-02D3-420D-AEC3-E38322651F06}" srcOrd="0" destOrd="0" presId="urn:microsoft.com/office/officeart/2005/8/layout/vList2"/>
-    <dgm:cxn modelId="{6101F357-7A71-495A-9E14-E5E7FC211296}" srcId="{BA2DB83C-765A-4A5C-93CB-A1D491DCE216}" destId="{43259385-EDAF-4B57-860A-0B05D2092181}" srcOrd="1" destOrd="0" parTransId="{F4EA8BDD-1DE1-4CCF-96EE-C270D5796D28}" sibTransId="{7F96AD3D-BD56-4B62-A65A-C9E85ADE4563}"/>
-    <dgm:cxn modelId="{E3273858-9AFA-42C8-AB28-104CE864C9D2}" srcId="{DFED27F9-0743-4BB8-92AC-BD0028A385DF}" destId="{23403059-176E-4BDF-95DB-01A7889F7F03}" srcOrd="0" destOrd="0" parTransId="{31AE9530-49B6-46EE-ABCA-96709E080CB3}" sibTransId="{633CBE3C-E70E-49A0-B8B0-8CFB1C61F7BF}"/>
+    <dgm:cxn modelId="{6101F357-7A71-495A-9E14-E5E7FC211296}" srcId="{BA2DB83C-765A-4A5C-93CB-A1D491DCE216}" destId="{43259385-EDAF-4B57-860A-0B05D2092181}" srcOrd="0" destOrd="0" parTransId="{F4EA8BDD-1DE1-4CCF-96EE-C270D5796D28}" sibTransId="{7F96AD3D-BD56-4B62-A65A-C9E85ADE4563}"/>
     <dgm:cxn modelId="{01917E7A-65A3-44F8-AFAE-AF74780D66AC}" type="presOf" srcId="{54268FB8-7B2E-4767-89AD-944093463C27}" destId="{126CA103-D39C-4CF7-88D1-6E3C33E525BB}" srcOrd="0" destOrd="0" presId="urn:microsoft.com/office/officeart/2005/8/layout/vList2"/>
     <dgm:cxn modelId="{B7787087-2B3D-4937-B743-FBEB3449103C}" srcId="{C8DB3420-57B7-4BBE-83BF-F086E1C1D71E}" destId="{F8AF945A-CC5E-478E-9BF9-3E4E96FDDA87}" srcOrd="0" destOrd="0" parTransId="{079255C1-8CB4-47F4-A450-9A550C3B8670}" sibTransId="{CCD7FFC7-36FF-412C-B7C7-3E5F881C4EED}"/>
-    <dgm:cxn modelId="{65EFFF8C-38EC-4604-B213-F7A8EA5CC547}" srcId="{BA2DB83C-765A-4A5C-93CB-A1D491DCE216}" destId="{C8DB3420-57B7-4BBE-83BF-F086E1C1D71E}" srcOrd="3" destOrd="0" parTransId="{F0CBAFB4-52E0-4070-8F98-0CE450DFAEA1}" sibTransId="{E85EBB90-CAB1-4617-9048-F33C3734834E}"/>
-    <dgm:cxn modelId="{D65209AF-26D3-45B5-8718-9F296C6D3151}" type="presOf" srcId="{C7A5B72F-53F8-43D8-B4A4-290BE744DCD6}" destId="{3446929A-770E-4F4E-81DC-76CDADDB255B}" srcOrd="0" destOrd="0" presId="urn:microsoft.com/office/officeart/2005/8/layout/vList2"/>
-    <dgm:cxn modelId="{2C82BFB0-B885-4A41-86DE-6967997E26F5}" type="presOf" srcId="{82D0158C-A1D0-4A40-8739-749D97C0FFBA}" destId="{44A479C3-C248-4642-8FB7-764C83A4173B}" srcOrd="0" destOrd="0" presId="urn:microsoft.com/office/officeart/2005/8/layout/vList2"/>
-    <dgm:cxn modelId="{A0FFD7B2-1C50-4CDA-940B-39B5DAEFC824}" srcId="{BA2DB83C-765A-4A5C-93CB-A1D491DCE216}" destId="{CE2AC7A1-2CFC-4765-835A-4C1EDA8495EA}" srcOrd="4" destOrd="0" parTransId="{81C9A07E-A954-4B22-B2BA-FA05BDB9ACC9}" sibTransId="{99C127B5-D0C0-417D-A1A4-4E437B986216}"/>
-    <dgm:cxn modelId="{AF0AFAB4-B724-44A1-8289-6B26A97BC889}" srcId="{BA2DB83C-765A-4A5C-93CB-A1D491DCE216}" destId="{2C69FCE9-C3BA-4E13-895F-B90BF6520365}" srcOrd="5" destOrd="0" parTransId="{A3BE41FB-DD94-4642-9165-2BA11B31623D}" sibTransId="{21C82324-7C90-4C7A-AF43-F6D013881202}"/>
-    <dgm:cxn modelId="{170885BF-C252-4C35-BB46-436233E93D0E}" srcId="{C775ADD2-CE6D-47DB-8921-29DBECAC12BA}" destId="{13D35608-5772-4289-9C33-2499D87896B8}" srcOrd="0" destOrd="0" parTransId="{1E12444C-6B0D-4729-A882-4C4F241CC079}" sibTransId="{1939606C-04B0-4FAC-86FE-243590BD9029}"/>
+    <dgm:cxn modelId="{65EFFF8C-38EC-4604-B213-F7A8EA5CC547}" srcId="{BA2DB83C-765A-4A5C-93CB-A1D491DCE216}" destId="{C8DB3420-57B7-4BBE-83BF-F086E1C1D71E}" srcOrd="1" destOrd="0" parTransId="{F0CBAFB4-52E0-4070-8F98-0CE450DFAEA1}" sibTransId="{E85EBB90-CAB1-4617-9048-F33C3734834E}"/>
+    <dgm:cxn modelId="{A0FFD7B2-1C50-4CDA-940B-39B5DAEFC824}" srcId="{BA2DB83C-765A-4A5C-93CB-A1D491DCE216}" destId="{CE2AC7A1-2CFC-4765-835A-4C1EDA8495EA}" srcOrd="2" destOrd="0" parTransId="{81C9A07E-A954-4B22-B2BA-FA05BDB9ACC9}" sibTransId="{99C127B5-D0C0-417D-A1A4-4E437B986216}"/>
+    <dgm:cxn modelId="{AF0AFAB4-B724-44A1-8289-6B26A97BC889}" srcId="{BA2DB83C-765A-4A5C-93CB-A1D491DCE216}" destId="{2C69FCE9-C3BA-4E13-895F-B90BF6520365}" srcOrd="3" destOrd="0" parTransId="{A3BE41FB-DD94-4642-9165-2BA11B31623D}" sibTransId="{21C82324-7C90-4C7A-AF43-F6D013881202}"/>
     <dgm:cxn modelId="{597EE9C0-C9CF-446C-9E76-E25E26A696A2}" srcId="{54268FB8-7B2E-4767-89AD-944093463C27}" destId="{820EA8E8-C06B-4AAA-9871-3E49F02E69C1}" srcOrd="0" destOrd="0" parTransId="{789AB8C2-7E30-4E5C-A59F-675B514EC058}" sibTransId="{861A8AE0-C3C5-431E-B109-DEE8B954E3D6}"/>
     <dgm:cxn modelId="{9AE11AD1-3A0B-40A9-84E7-6EE9D648A66F}" type="presOf" srcId="{58C079A2-4CEB-46D1-A6E6-E73A9860A33A}" destId="{613D789A-5AF2-4321-ADAF-3685601F44EA}" srcOrd="0" destOrd="0" presId="urn:microsoft.com/office/officeart/2005/8/layout/vList2"/>
     <dgm:cxn modelId="{A04761DB-B500-4759-A407-3C1975B4587B}" type="presOf" srcId="{43259385-EDAF-4B57-860A-0B05D2092181}" destId="{02322442-9ABA-4C08-BBB2-72F9C55E89F9}" srcOrd="0" destOrd="0" presId="urn:microsoft.com/office/officeart/2005/8/layout/vList2"/>
-    <dgm:cxn modelId="{1DA4C8E4-9F08-4881-9C47-818641808CA1}" type="presOf" srcId="{DFED27F9-0743-4BB8-92AC-BD0028A385DF}" destId="{B6C6DBD6-E027-4B29-8141-43EA2E1C0497}" srcOrd="0" destOrd="0" presId="urn:microsoft.com/office/officeart/2005/8/layout/vList2"/>
-    <dgm:cxn modelId="{C4C7DCE6-0758-488F-BB46-4B776EBF8534}" type="presOf" srcId="{C775ADD2-CE6D-47DB-8921-29DBECAC12BA}" destId="{FDB6B565-1B99-46C5-A11C-CC9A224F3671}" srcOrd="0" destOrd="0" presId="urn:microsoft.com/office/officeart/2005/8/layout/vList2"/>
-    <dgm:cxn modelId="{5E4DB9ED-03BF-49FC-A860-B8E4EBF073DF}" srcId="{BA2DB83C-765A-4A5C-93CB-A1D491DCE216}" destId="{C7A5B72F-53F8-43D8-B4A4-290BE744DCD6}" srcOrd="2" destOrd="0" parTransId="{9D255028-EE97-4194-B37F-4EC8F165A694}" sibTransId="{ABECF9C2-3B61-41DC-BCC0-FC54A99FC76A}"/>
     <dgm:cxn modelId="{F6FEF3EE-45EC-4B93-A42E-31F506517093}" srcId="{43259385-EDAF-4B57-860A-0B05D2092181}" destId="{58C079A2-4CEB-46D1-A6E6-E73A9860A33A}" srcOrd="0" destOrd="0" parTransId="{7C0A3D2A-CB2C-4E73-A3D8-806F7841D215}" sibTransId="{908BB682-5559-4C06-9617-4B7F5D26315B}"/>
     <dgm:cxn modelId="{8D2446EF-98A8-467A-80CD-34144D258903}" type="presOf" srcId="{820EA8E8-C06B-4AAA-9871-3E49F02E69C1}" destId="{BCA6317D-D010-47C0-9C40-8D6EBA656FF2}" srcOrd="0" destOrd="0" presId="urn:microsoft.com/office/officeart/2005/8/layout/vList2"/>
-    <dgm:cxn modelId="{A6E6E7EF-48CA-42B1-8FA9-B017744C0A0C}" srcId="{BA2DB83C-765A-4A5C-93CB-A1D491DCE216}" destId="{54268FB8-7B2E-4767-89AD-944093463C27}" srcOrd="7" destOrd="0" parTransId="{A8240AED-3F6C-4CC7-A048-9ED4DB9215E0}" sibTransId="{5F20E88D-A9DB-4CEF-8993-C3B501DA51F7}"/>
+    <dgm:cxn modelId="{A6E6E7EF-48CA-42B1-8FA9-B017744C0A0C}" srcId="{BA2DB83C-765A-4A5C-93CB-A1D491DCE216}" destId="{54268FB8-7B2E-4767-89AD-944093463C27}" srcOrd="4" destOrd="0" parTransId="{A8240AED-3F6C-4CC7-A048-9ED4DB9215E0}" sibTransId="{5F20E88D-A9DB-4CEF-8993-C3B501DA51F7}"/>
     <dgm:cxn modelId="{2D7A75FE-81BF-43DB-991B-656B25F14988}" type="presOf" srcId="{CE2AC7A1-2CFC-4765-835A-4C1EDA8495EA}" destId="{9B5FADBC-627F-4177-95CD-ED903D658320}" srcOrd="0" destOrd="0" presId="urn:microsoft.com/office/officeart/2005/8/layout/vList2"/>
-    <dgm:cxn modelId="{804C9139-5A24-42E6-9694-5A6DA00D28E8}" type="presParOf" srcId="{7B0DE6DA-D1DA-4005-A007-7A58F779D5B2}" destId="{B6C6DBD6-E027-4B29-8141-43EA2E1C0497}" srcOrd="0" destOrd="0" presId="urn:microsoft.com/office/officeart/2005/8/layout/vList2"/>
-    <dgm:cxn modelId="{99C9E39B-5FDF-489A-8822-4C295B84A8B6}" type="presParOf" srcId="{7B0DE6DA-D1DA-4005-A007-7A58F779D5B2}" destId="{FAEF9A9E-5C7F-44CB-9DFE-D1F317AB4558}" srcOrd="1" destOrd="0" presId="urn:microsoft.com/office/officeart/2005/8/layout/vList2"/>
-    <dgm:cxn modelId="{D364CE5A-589B-48AD-8E9F-7AEA2B39A844}" type="presParOf" srcId="{7B0DE6DA-D1DA-4005-A007-7A58F779D5B2}" destId="{02322442-9ABA-4C08-BBB2-72F9C55E89F9}" srcOrd="2" destOrd="0" presId="urn:microsoft.com/office/officeart/2005/8/layout/vList2"/>
-    <dgm:cxn modelId="{3B6D5696-0756-4705-8272-4AED0D5348EE}" type="presParOf" srcId="{7B0DE6DA-D1DA-4005-A007-7A58F779D5B2}" destId="{613D789A-5AF2-4321-ADAF-3685601F44EA}" srcOrd="3" destOrd="0" presId="urn:microsoft.com/office/officeart/2005/8/layout/vList2"/>
-    <dgm:cxn modelId="{D318DAE5-1F71-44B1-A77E-42E51AB56374}" type="presParOf" srcId="{7B0DE6DA-D1DA-4005-A007-7A58F779D5B2}" destId="{3446929A-770E-4F4E-81DC-76CDADDB255B}" srcOrd="4" destOrd="0" presId="urn:microsoft.com/office/officeart/2005/8/layout/vList2"/>
-    <dgm:cxn modelId="{A011D6BA-E548-4970-8305-9CE3EE743783}" type="presParOf" srcId="{7B0DE6DA-D1DA-4005-A007-7A58F779D5B2}" destId="{44A479C3-C248-4642-8FB7-764C83A4173B}" srcOrd="5" destOrd="0" presId="urn:microsoft.com/office/officeart/2005/8/layout/vList2"/>
-    <dgm:cxn modelId="{B63118EF-2664-49B1-8E08-A2B7D18FD9AA}" type="presParOf" srcId="{7B0DE6DA-D1DA-4005-A007-7A58F779D5B2}" destId="{94B157B4-8703-4EA0-87F1-FBD70D6ABE7B}" srcOrd="6" destOrd="0" presId="urn:microsoft.com/office/officeart/2005/8/layout/vList2"/>
-    <dgm:cxn modelId="{6B92AECD-E7ED-41A8-A92E-A1092F660990}" type="presParOf" srcId="{7B0DE6DA-D1DA-4005-A007-7A58F779D5B2}" destId="{527E87C0-2E83-4A82-92A1-04D7FDDC1FD0}" srcOrd="7" destOrd="0" presId="urn:microsoft.com/office/officeart/2005/8/layout/vList2"/>
-    <dgm:cxn modelId="{6D0BE381-B26B-4039-865A-75663876F926}" type="presParOf" srcId="{7B0DE6DA-D1DA-4005-A007-7A58F779D5B2}" destId="{9B5FADBC-627F-4177-95CD-ED903D658320}" srcOrd="8" destOrd="0" presId="urn:microsoft.com/office/officeart/2005/8/layout/vList2"/>
-    <dgm:cxn modelId="{369F6360-EDCB-4CB6-937D-6FB2B5E0A716}" type="presParOf" srcId="{7B0DE6DA-D1DA-4005-A007-7A58F779D5B2}" destId="{DDCBAEC6-57BE-4E05-B1DF-5C602CC386C6}" srcOrd="9" destOrd="0" presId="urn:microsoft.com/office/officeart/2005/8/layout/vList2"/>
-    <dgm:cxn modelId="{88EA722C-45DE-440C-8C09-09B4A84E4D7A}" type="presParOf" srcId="{7B0DE6DA-D1DA-4005-A007-7A58F779D5B2}" destId="{C203FE96-02D3-420D-AEC3-E38322651F06}" srcOrd="10" destOrd="0" presId="urn:microsoft.com/office/officeart/2005/8/layout/vList2"/>
-    <dgm:cxn modelId="{AC4348FA-D24F-4DB7-A826-71834D96713A}" type="presParOf" srcId="{7B0DE6DA-D1DA-4005-A007-7A58F779D5B2}" destId="{386E56C2-934B-4CEB-90D5-764E950721E9}" srcOrd="11" destOrd="0" presId="urn:microsoft.com/office/officeart/2005/8/layout/vList2"/>
-    <dgm:cxn modelId="{CE494B40-DF0A-42C0-ABF7-A47826364DF2}" type="presParOf" srcId="{7B0DE6DA-D1DA-4005-A007-7A58F779D5B2}" destId="{FDB6B565-1B99-46C5-A11C-CC9A224F3671}" srcOrd="12" destOrd="0" presId="urn:microsoft.com/office/officeart/2005/8/layout/vList2"/>
-    <dgm:cxn modelId="{A10A6805-2F44-4745-BA8B-19CB9495E755}" type="presParOf" srcId="{7B0DE6DA-D1DA-4005-A007-7A58F779D5B2}" destId="{801C178A-B34D-4979-9D84-ED1F4A531628}" srcOrd="13" destOrd="0" presId="urn:microsoft.com/office/officeart/2005/8/layout/vList2"/>
-    <dgm:cxn modelId="{0EB3565C-5205-412D-A0E1-436CCC564C75}" type="presParOf" srcId="{7B0DE6DA-D1DA-4005-A007-7A58F779D5B2}" destId="{126CA103-D39C-4CF7-88D1-6E3C33E525BB}" srcOrd="14" destOrd="0" presId="urn:microsoft.com/office/officeart/2005/8/layout/vList2"/>
-    <dgm:cxn modelId="{DEEC241D-7864-45D8-85B9-470BE8885CE5}" type="presParOf" srcId="{7B0DE6DA-D1DA-4005-A007-7A58F779D5B2}" destId="{BCA6317D-D010-47C0-9C40-8D6EBA656FF2}" srcOrd="15" destOrd="0" presId="urn:microsoft.com/office/officeart/2005/8/layout/vList2"/>
+    <dgm:cxn modelId="{D364CE5A-589B-48AD-8E9F-7AEA2B39A844}" type="presParOf" srcId="{7B0DE6DA-D1DA-4005-A007-7A58F779D5B2}" destId="{02322442-9ABA-4C08-BBB2-72F9C55E89F9}" srcOrd="0" destOrd="0" presId="urn:microsoft.com/office/officeart/2005/8/layout/vList2"/>
+    <dgm:cxn modelId="{3B6D5696-0756-4705-8272-4AED0D5348EE}" type="presParOf" srcId="{7B0DE6DA-D1DA-4005-A007-7A58F779D5B2}" destId="{613D789A-5AF2-4321-ADAF-3685601F44EA}" srcOrd="1" destOrd="0" presId="urn:microsoft.com/office/officeart/2005/8/layout/vList2"/>
+    <dgm:cxn modelId="{B63118EF-2664-49B1-8E08-A2B7D18FD9AA}" type="presParOf" srcId="{7B0DE6DA-D1DA-4005-A007-7A58F779D5B2}" destId="{94B157B4-8703-4EA0-87F1-FBD70D6ABE7B}" srcOrd="2" destOrd="0" presId="urn:microsoft.com/office/officeart/2005/8/layout/vList2"/>
+    <dgm:cxn modelId="{6B92AECD-E7ED-41A8-A92E-A1092F660990}" type="presParOf" srcId="{7B0DE6DA-D1DA-4005-A007-7A58F779D5B2}" destId="{527E87C0-2E83-4A82-92A1-04D7FDDC1FD0}" srcOrd="3" destOrd="0" presId="urn:microsoft.com/office/officeart/2005/8/layout/vList2"/>
+    <dgm:cxn modelId="{6D0BE381-B26B-4039-865A-75663876F926}" type="presParOf" srcId="{7B0DE6DA-D1DA-4005-A007-7A58F779D5B2}" destId="{9B5FADBC-627F-4177-95CD-ED903D658320}" srcOrd="4" destOrd="0" presId="urn:microsoft.com/office/officeart/2005/8/layout/vList2"/>
+    <dgm:cxn modelId="{369F6360-EDCB-4CB6-937D-6FB2B5E0A716}" type="presParOf" srcId="{7B0DE6DA-D1DA-4005-A007-7A58F779D5B2}" destId="{DDCBAEC6-57BE-4E05-B1DF-5C602CC386C6}" srcOrd="5" destOrd="0" presId="urn:microsoft.com/office/officeart/2005/8/layout/vList2"/>
+    <dgm:cxn modelId="{88EA722C-45DE-440C-8C09-09B4A84E4D7A}" type="presParOf" srcId="{7B0DE6DA-D1DA-4005-A007-7A58F779D5B2}" destId="{C203FE96-02D3-420D-AEC3-E38322651F06}" srcOrd="6" destOrd="0" presId="urn:microsoft.com/office/officeart/2005/8/layout/vList2"/>
+    <dgm:cxn modelId="{AC4348FA-D24F-4DB7-A826-71834D96713A}" type="presParOf" srcId="{7B0DE6DA-D1DA-4005-A007-7A58F779D5B2}" destId="{386E56C2-934B-4CEB-90D5-764E950721E9}" srcOrd="7" destOrd="0" presId="urn:microsoft.com/office/officeart/2005/8/layout/vList2"/>
+    <dgm:cxn modelId="{0EB3565C-5205-412D-A0E1-436CCC564C75}" type="presParOf" srcId="{7B0DE6DA-D1DA-4005-A007-7A58F779D5B2}" destId="{126CA103-D39C-4CF7-88D1-6E3C33E525BB}" srcOrd="8" destOrd="0" presId="urn:microsoft.com/office/officeart/2005/8/layout/vList2"/>
+    <dgm:cxn modelId="{DEEC241D-7864-45D8-85B9-470BE8885CE5}" type="presParOf" srcId="{7B0DE6DA-D1DA-4005-A007-7A58F779D5B2}" destId="{BCA6317D-D010-47C0-9C40-8D6EBA656FF2}" srcOrd="9" destOrd="0" presId="urn:microsoft.com/office/officeart/2005/8/layout/vList2"/>
   </dgm:cxnLst>
   <dgm:bg/>
   <dgm:whole/>
@@ -9462,15 +9013,15 @@
       <dsp:cNvGrpSpPr/>
     </dsp:nvGrpSpPr>
     <dsp:grpSpPr/>
-    <dsp:sp modelId="{315E5388-652E-4BA7-9495-3CC96EB33F7C}">
+    <dsp:sp modelId="{EEFFB985-2B1F-4809-89F4-53A6F4549CF0}">
       <dsp:nvSpPr>
         <dsp:cNvPr id="0" name=""/>
         <dsp:cNvSpPr/>
       </dsp:nvSpPr>
       <dsp:spPr>
         <a:xfrm>
-          <a:off x="0" y="27400"/>
-          <a:ext cx="9144000" cy="844155"/>
+          <a:off x="0" y="0"/>
+          <a:ext cx="8541521" cy="1406924"/>
         </a:xfrm>
         <a:prstGeom prst="roundRect">
           <a:avLst/>
@@ -9512,12 +9063,12 @@
         </a:fontRef>
       </dsp:style>
       <dsp:txBody>
-        <a:bodyPr spcFirstLastPara="0" vert="horz" wrap="square" lIns="148590" tIns="148590" rIns="148590" bIns="148590" numCol="1" spcCol="1270" anchor="ctr" anchorCtr="0">
+        <a:bodyPr spcFirstLastPara="0" vert="horz" wrap="square" lIns="247650" tIns="247650" rIns="247650" bIns="247650" numCol="1" spcCol="1270" anchor="ctr" anchorCtr="0">
           <a:noAutofit/>
         </a:bodyPr>
         <a:lstStyle/>
         <a:p>
-          <a:pPr marL="0" lvl="0" indent="0" algn="l" defTabSz="1733550">
+          <a:pPr marL="0" lvl="0" indent="0" algn="l" defTabSz="2889250">
             <a:lnSpc>
               <a:spcPct val="90000"/>
             </a:lnSpc>
@@ -9530,32 +9081,32 @@
             <a:buNone/>
           </a:pPr>
           <a:r>
-            <a:rPr lang="pt-BR" sz="3900" b="1" kern="1200" dirty="0">
+            <a:rPr lang="pt-BR" sz="6500" b="1" kern="1200" dirty="0">
               <a:latin typeface="Aharoni" panose="02010803020104030203" pitchFamily="2" charset="-79"/>
               <a:cs typeface="Aharoni" panose="02010803020104030203" pitchFamily="2" charset="-79"/>
             </a:rPr>
-            <a:t>Geral</a:t>
+            <a:t>Específicos</a:t>
           </a:r>
-          <a:endParaRPr lang="pt-BR" sz="3900" kern="1200" dirty="0">
+          <a:endParaRPr lang="pt-BR" sz="6500" kern="1200" dirty="0">
             <a:latin typeface="Aharoni" panose="02010803020104030203" pitchFamily="2" charset="-79"/>
             <a:cs typeface="Aharoni" panose="02010803020104030203" pitchFamily="2" charset="-79"/>
           </a:endParaRPr>
         </a:p>
       </dsp:txBody>
       <dsp:txXfrm>
-        <a:off x="41208" y="68608"/>
-        <a:ext cx="9061584" cy="761739"/>
+        <a:off x="68680" y="68680"/>
+        <a:ext cx="8404161" cy="1269564"/>
       </dsp:txXfrm>
     </dsp:sp>
-    <dsp:sp modelId="{CFE58B41-4959-4618-BCA5-A35395922986}">
+    <dsp:sp modelId="{E9BE541C-66F9-4894-97ED-1BA61C941EAD}">
       <dsp:nvSpPr>
         <dsp:cNvPr id="0" name=""/>
         <dsp:cNvSpPr/>
       </dsp:nvSpPr>
       <dsp:spPr>
         <a:xfrm>
-          <a:off x="0" y="871556"/>
-          <a:ext cx="9144000" cy="645840"/>
+          <a:off x="0" y="1468155"/>
+          <a:ext cx="8541521" cy="1076400"/>
         </a:xfrm>
         <a:prstGeom prst="rect">
           <a:avLst/>
@@ -9579,155 +9130,7 @@
         <a:fontRef idx="minor"/>
       </dsp:style>
       <dsp:txBody>
-        <a:bodyPr spcFirstLastPara="0" vert="horz" wrap="square" lIns="290322" tIns="30480" rIns="170688" bIns="30480" numCol="1" spcCol="1270" anchor="t" anchorCtr="0">
-          <a:noAutofit/>
-        </a:bodyPr>
-        <a:lstStyle/>
-        <a:p>
-          <a:pPr marL="228600" lvl="1" indent="-228600" algn="l" defTabSz="1066800">
-            <a:lnSpc>
-              <a:spcPct val="90000"/>
-            </a:lnSpc>
-            <a:spcBef>
-              <a:spcPct val="0"/>
-            </a:spcBef>
-            <a:spcAft>
-              <a:spcPct val="20000"/>
-            </a:spcAft>
-            <a:buChar char="•"/>
-          </a:pPr>
-          <a:r>
-            <a:rPr lang="pt-BR" sz="2400" kern="1200" dirty="0">
-              <a:latin typeface="Aharoni" panose="02010803020104030203" pitchFamily="2" charset="-79"/>
-              <a:cs typeface="Aharoni" panose="02010803020104030203" pitchFamily="2" charset="-79"/>
-            </a:rPr>
-            <a:t>Desenvolver a plataforma web Play2Learn</a:t>
-          </a:r>
-        </a:p>
-      </dsp:txBody>
-      <dsp:txXfrm>
-        <a:off x="0" y="871556"/>
-        <a:ext cx="9144000" cy="645840"/>
-      </dsp:txXfrm>
-    </dsp:sp>
-    <dsp:sp modelId="{EEFFB985-2B1F-4809-89F4-53A6F4549CF0}">
-      <dsp:nvSpPr>
-        <dsp:cNvPr id="0" name=""/>
-        <dsp:cNvSpPr/>
-      </dsp:nvSpPr>
-      <dsp:spPr>
-        <a:xfrm>
-          <a:off x="0" y="1517396"/>
-          <a:ext cx="9144000" cy="844155"/>
-        </a:xfrm>
-        <a:prstGeom prst="roundRect">
-          <a:avLst/>
-        </a:prstGeom>
-        <a:solidFill>
-          <a:schemeClr val="accent1">
-            <a:hueOff val="0"/>
-            <a:satOff val="0"/>
-            <a:lumOff val="0"/>
-            <a:alphaOff val="0"/>
-          </a:schemeClr>
-        </a:solidFill>
-        <a:ln w="12700" cap="flat" cmpd="sng" algn="ctr">
-          <a:solidFill>
-            <a:schemeClr val="lt1">
-              <a:hueOff val="0"/>
-              <a:satOff val="0"/>
-              <a:lumOff val="0"/>
-              <a:alphaOff val="0"/>
-            </a:schemeClr>
-          </a:solidFill>
-          <a:prstDash val="solid"/>
-          <a:miter lim="800000"/>
-        </a:ln>
-        <a:effectLst/>
-      </dsp:spPr>
-      <dsp:style>
-        <a:lnRef idx="2">
-          <a:scrgbClr r="0" g="0" b="0"/>
-        </a:lnRef>
-        <a:fillRef idx="1">
-          <a:scrgbClr r="0" g="0" b="0"/>
-        </a:fillRef>
-        <a:effectRef idx="0">
-          <a:scrgbClr r="0" g="0" b="0"/>
-        </a:effectRef>
-        <a:fontRef idx="minor">
-          <a:schemeClr val="lt1"/>
-        </a:fontRef>
-      </dsp:style>
-      <dsp:txBody>
-        <a:bodyPr spcFirstLastPara="0" vert="horz" wrap="square" lIns="148590" tIns="148590" rIns="148590" bIns="148590" numCol="1" spcCol="1270" anchor="ctr" anchorCtr="0">
-          <a:noAutofit/>
-        </a:bodyPr>
-        <a:lstStyle/>
-        <a:p>
-          <a:pPr marL="0" lvl="0" indent="0" algn="l" defTabSz="1733550">
-            <a:lnSpc>
-              <a:spcPct val="90000"/>
-            </a:lnSpc>
-            <a:spcBef>
-              <a:spcPct val="0"/>
-            </a:spcBef>
-            <a:spcAft>
-              <a:spcPct val="35000"/>
-            </a:spcAft>
-            <a:buNone/>
-          </a:pPr>
-          <a:r>
-            <a:rPr lang="pt-BR" sz="3900" b="1" kern="1200" dirty="0">
-              <a:latin typeface="Aharoni" panose="02010803020104030203" pitchFamily="2" charset="-79"/>
-              <a:cs typeface="Aharoni" panose="02010803020104030203" pitchFamily="2" charset="-79"/>
-            </a:rPr>
-            <a:t>Específicos</a:t>
-          </a:r>
-          <a:endParaRPr lang="pt-BR" sz="3900" kern="1200" dirty="0">
-            <a:latin typeface="Aharoni" panose="02010803020104030203" pitchFamily="2" charset="-79"/>
-            <a:cs typeface="Aharoni" panose="02010803020104030203" pitchFamily="2" charset="-79"/>
-          </a:endParaRPr>
-        </a:p>
-      </dsp:txBody>
-      <dsp:txXfrm>
-        <a:off x="41208" y="1558604"/>
-        <a:ext cx="9061584" cy="761739"/>
-      </dsp:txXfrm>
-    </dsp:sp>
-    <dsp:sp modelId="{E9BE541C-66F9-4894-97ED-1BA61C941EAD}">
-      <dsp:nvSpPr>
-        <dsp:cNvPr id="0" name=""/>
-        <dsp:cNvSpPr/>
-      </dsp:nvSpPr>
-      <dsp:spPr>
-        <a:xfrm>
-          <a:off x="0" y="2361551"/>
-          <a:ext cx="9144000" cy="1009125"/>
-        </a:xfrm>
-        <a:prstGeom prst="rect">
-          <a:avLst/>
-        </a:prstGeom>
-        <a:noFill/>
-        <a:ln>
-          <a:noFill/>
-        </a:ln>
-        <a:effectLst/>
-      </dsp:spPr>
-      <dsp:style>
-        <a:lnRef idx="0">
-          <a:scrgbClr r="0" g="0" b="0"/>
-        </a:lnRef>
-        <a:fillRef idx="0">
-          <a:scrgbClr r="0" g="0" b="0"/>
-        </a:fillRef>
-        <a:effectRef idx="0">
-          <a:scrgbClr r="0" g="0" b="0"/>
-        </a:effectRef>
-        <a:fontRef idx="minor"/>
-      </dsp:style>
-      <dsp:txBody>
-        <a:bodyPr spcFirstLastPara="0" vert="horz" wrap="square" lIns="290322" tIns="30480" rIns="170688" bIns="30480" numCol="1" spcCol="1270" anchor="t" anchorCtr="0">
+        <a:bodyPr spcFirstLastPara="0" vert="horz" wrap="square" lIns="271193" tIns="30480" rIns="170688" bIns="30480" numCol="1" spcCol="1270" anchor="t" anchorCtr="0">
           <a:noAutofit/>
         </a:bodyPr>
         <a:lstStyle/>
@@ -9796,8 +9199,8 @@
         </a:p>
       </dsp:txBody>
       <dsp:txXfrm>
-        <a:off x="0" y="2361551"/>
-        <a:ext cx="9144000" cy="1009125"/>
+        <a:off x="0" y="1468155"/>
+        <a:ext cx="8541521" cy="1076400"/>
       </dsp:txXfrm>
     </dsp:sp>
   </dsp:spTree>
@@ -9812,15 +9215,15 @@
       <dsp:cNvGrpSpPr/>
     </dsp:nvGrpSpPr>
     <dsp:grpSpPr/>
-    <dsp:sp modelId="{B6C6DBD6-E027-4B29-8141-43EA2E1C0497}">
+    <dsp:sp modelId="{02322442-9ABA-4C08-BBB2-72F9C55E89F9}">
       <dsp:nvSpPr>
         <dsp:cNvPr id="0" name=""/>
         <dsp:cNvSpPr/>
       </dsp:nvSpPr>
       <dsp:spPr>
         <a:xfrm>
-          <a:off x="0" y="61117"/>
-          <a:ext cx="10841590" cy="324675"/>
+          <a:off x="0" y="61118"/>
+          <a:ext cx="10841590" cy="519479"/>
         </a:xfrm>
         <a:prstGeom prst="roundRect">
           <a:avLst/>
@@ -9862,12 +9265,12 @@
         </a:fontRef>
       </dsp:style>
       <dsp:txBody>
-        <a:bodyPr spcFirstLastPara="0" vert="horz" wrap="square" lIns="57150" tIns="57150" rIns="57150" bIns="57150" numCol="1" spcCol="1270" anchor="ctr" anchorCtr="0">
+        <a:bodyPr spcFirstLastPara="0" vert="horz" wrap="square" lIns="91440" tIns="91440" rIns="91440" bIns="91440" numCol="1" spcCol="1270" anchor="ctr" anchorCtr="0">
           <a:noAutofit/>
         </a:bodyPr>
         <a:lstStyle/>
         <a:p>
-          <a:pPr marL="0" lvl="0" indent="0" algn="l" defTabSz="666750">
+          <a:pPr marL="0" lvl="0" indent="0" algn="l" defTabSz="1066800">
             <a:lnSpc>
               <a:spcPct val="90000"/>
             </a:lnSpc>
@@ -9880,32 +9283,32 @@
             <a:buNone/>
           </a:pPr>
           <a:r>
-            <a:rPr lang="pt-BR" sz="1500" b="1" kern="1200" dirty="0">
+            <a:rPr lang="pt-BR" sz="2400" b="1" kern="1200" dirty="0">
               <a:latin typeface="Aharoni" panose="02010803020104030203" pitchFamily="2" charset="-79"/>
               <a:cs typeface="Aharoni" panose="02010803020104030203" pitchFamily="2" charset="-79"/>
             </a:rPr>
-            <a:t>Freire (1996) </a:t>
+            <a:t>Moran (2015)  </a:t>
           </a:r>
-          <a:endParaRPr lang="pt-BR" sz="1500" kern="1200" dirty="0">
+          <a:endParaRPr lang="pt-BR" sz="2400" kern="1200" dirty="0">
             <a:latin typeface="Aharoni" panose="02010803020104030203" pitchFamily="2" charset="-79"/>
             <a:cs typeface="Aharoni" panose="02010803020104030203" pitchFamily="2" charset="-79"/>
           </a:endParaRPr>
         </a:p>
       </dsp:txBody>
       <dsp:txXfrm>
-        <a:off x="15849" y="76966"/>
-        <a:ext cx="10809892" cy="292977"/>
+        <a:off x="25359" y="86477"/>
+        <a:ext cx="10790872" cy="468761"/>
       </dsp:txXfrm>
     </dsp:sp>
-    <dsp:sp modelId="{FAEF9A9E-5C7F-44CB-9DFE-D1F317AB4558}">
+    <dsp:sp modelId="{613D789A-5AF2-4321-ADAF-3685601F44EA}">
       <dsp:nvSpPr>
         <dsp:cNvPr id="0" name=""/>
         <dsp:cNvSpPr/>
       </dsp:nvSpPr>
       <dsp:spPr>
         <a:xfrm>
-          <a:off x="0" y="385792"/>
-          <a:ext cx="10841590" cy="248400"/>
+          <a:off x="0" y="580598"/>
+          <a:ext cx="10841590" cy="397440"/>
         </a:xfrm>
         <a:prstGeom prst="rect">
           <a:avLst/>
@@ -9929,12 +9332,12 @@
         <a:fontRef idx="minor"/>
       </dsp:style>
       <dsp:txBody>
-        <a:bodyPr spcFirstLastPara="0" vert="horz" wrap="square" lIns="344220" tIns="19050" rIns="106680" bIns="19050" numCol="1" spcCol="1270" anchor="t" anchorCtr="0">
+        <a:bodyPr spcFirstLastPara="0" vert="horz" wrap="square" lIns="344220" tIns="30480" rIns="170688" bIns="30480" numCol="1" spcCol="1270" anchor="t" anchorCtr="0">
           <a:noAutofit/>
         </a:bodyPr>
         <a:lstStyle/>
         <a:p>
-          <a:pPr marL="114300" lvl="1" indent="-114300" algn="l" defTabSz="533400">
+          <a:pPr marL="171450" lvl="1" indent="-171450" algn="l" defTabSz="844550">
             <a:lnSpc>
               <a:spcPct val="90000"/>
             </a:lnSpc>
@@ -9947,28 +9350,28 @@
             <a:buChar char="•"/>
           </a:pPr>
           <a:r>
-            <a:rPr lang="pt-BR" sz="1200" kern="1200" dirty="0">
+            <a:rPr lang="pt-BR" sz="1900" kern="1200" dirty="0">
               <a:latin typeface="Aharoni" panose="02010803020104030203" pitchFamily="2" charset="-79"/>
               <a:cs typeface="Aharoni" panose="02010803020104030203" pitchFamily="2" charset="-79"/>
             </a:rPr>
-            <a:t>Educação libertadora; protagonismo do estudante</a:t>
+            <a:t>Ambiente digital; dinamicidade e hipermídia</a:t>
           </a:r>
         </a:p>
       </dsp:txBody>
       <dsp:txXfrm>
-        <a:off x="0" y="385792"/>
-        <a:ext cx="10841590" cy="248400"/>
+        <a:off x="0" y="580598"/>
+        <a:ext cx="10841590" cy="397440"/>
       </dsp:txXfrm>
     </dsp:sp>
-    <dsp:sp modelId="{02322442-9ABA-4C08-BBB2-72F9C55E89F9}">
+    <dsp:sp modelId="{94B157B4-8703-4EA0-87F1-FBD70D6ABE7B}">
       <dsp:nvSpPr>
         <dsp:cNvPr id="0" name=""/>
         <dsp:cNvSpPr/>
       </dsp:nvSpPr>
       <dsp:spPr>
         <a:xfrm>
-          <a:off x="0" y="634192"/>
-          <a:ext cx="10841590" cy="324675"/>
+          <a:off x="0" y="978038"/>
+          <a:ext cx="10841590" cy="519479"/>
         </a:xfrm>
         <a:prstGeom prst="roundRect">
           <a:avLst/>
@@ -10010,12 +9413,12 @@
         </a:fontRef>
       </dsp:style>
       <dsp:txBody>
-        <a:bodyPr spcFirstLastPara="0" vert="horz" wrap="square" lIns="57150" tIns="57150" rIns="57150" bIns="57150" numCol="1" spcCol="1270" anchor="ctr" anchorCtr="0">
+        <a:bodyPr spcFirstLastPara="0" vert="horz" wrap="square" lIns="91440" tIns="91440" rIns="91440" bIns="91440" numCol="1" spcCol="1270" anchor="ctr" anchorCtr="0">
           <a:noAutofit/>
         </a:bodyPr>
         <a:lstStyle/>
         <a:p>
-          <a:pPr marL="0" lvl="0" indent="0" algn="l" defTabSz="666750">
+          <a:pPr marL="0" lvl="0" indent="0" algn="l" defTabSz="1066800">
             <a:lnSpc>
               <a:spcPct val="90000"/>
             </a:lnSpc>
@@ -10028,32 +9431,67 @@
             <a:buNone/>
           </a:pPr>
           <a:r>
-            <a:rPr lang="pt-BR" sz="1500" b="1" kern="1200" dirty="0">
+            <a:rPr lang="pt-BR" sz="2400" b="1" kern="1200" dirty="0" err="1">
               <a:latin typeface="Aharoni" panose="02010803020104030203" pitchFamily="2" charset="-79"/>
               <a:cs typeface="Aharoni" panose="02010803020104030203" pitchFamily="2" charset="-79"/>
             </a:rPr>
-            <a:t>Moran (2015)  </a:t>
+            <a:t>Hamari</a:t>
           </a:r>
-          <a:endParaRPr lang="pt-BR" sz="1500" kern="1200" dirty="0">
+          <a:r>
+            <a:rPr lang="pt-BR" sz="2400" b="1" kern="1200" dirty="0">
+              <a:latin typeface="Aharoni" panose="02010803020104030203" pitchFamily="2" charset="-79"/>
+              <a:cs typeface="Aharoni" panose="02010803020104030203" pitchFamily="2" charset="-79"/>
+            </a:rPr>
+            <a:t>, </a:t>
+          </a:r>
+          <a:r>
+            <a:rPr lang="pt-BR" sz="2400" b="1" kern="1200" dirty="0" err="1">
+              <a:latin typeface="Aharoni" panose="02010803020104030203" pitchFamily="2" charset="-79"/>
+              <a:cs typeface="Aharoni" panose="02010803020104030203" pitchFamily="2" charset="-79"/>
+            </a:rPr>
+            <a:t>Koivisto</a:t>
+          </a:r>
+          <a:r>
+            <a:rPr lang="pt-BR" sz="2400" b="1" kern="1200" dirty="0">
+              <a:latin typeface="Aharoni" panose="02010803020104030203" pitchFamily="2" charset="-79"/>
+              <a:cs typeface="Aharoni" panose="02010803020104030203" pitchFamily="2" charset="-79"/>
+            </a:rPr>
+            <a:t> &amp; </a:t>
+          </a:r>
+          <a:r>
+            <a:rPr lang="pt-BR" sz="2400" b="1" kern="1200" dirty="0" err="1">
+              <a:latin typeface="Aharoni" panose="02010803020104030203" pitchFamily="2" charset="-79"/>
+              <a:cs typeface="Aharoni" panose="02010803020104030203" pitchFamily="2" charset="-79"/>
+            </a:rPr>
+            <a:t>Sarsa</a:t>
+          </a:r>
+          <a:r>
+            <a:rPr lang="pt-BR" sz="2400" b="1" kern="1200" dirty="0">
+              <a:latin typeface="Aharoni" panose="02010803020104030203" pitchFamily="2" charset="-79"/>
+              <a:cs typeface="Aharoni" panose="02010803020104030203" pitchFamily="2" charset="-79"/>
+            </a:rPr>
+            <a:t> (2014) </a:t>
+          </a:r>
+          <a:endParaRPr lang="pt-BR" sz="2400" kern="1200" dirty="0">
             <a:latin typeface="Aharoni" panose="02010803020104030203" pitchFamily="2" charset="-79"/>
             <a:cs typeface="Aharoni" panose="02010803020104030203" pitchFamily="2" charset="-79"/>
           </a:endParaRPr>
         </a:p>
       </dsp:txBody>
       <dsp:txXfrm>
-        <a:off x="15849" y="650041"/>
-        <a:ext cx="10809892" cy="292977"/>
+        <a:off x="25359" y="1003397"/>
+        <a:ext cx="10790872" cy="468761"/>
       </dsp:txXfrm>
     </dsp:sp>
-    <dsp:sp modelId="{613D789A-5AF2-4321-ADAF-3685601F44EA}">
+    <dsp:sp modelId="{527E87C0-2E83-4A82-92A1-04D7FDDC1FD0}">
       <dsp:nvSpPr>
         <dsp:cNvPr id="0" name=""/>
         <dsp:cNvSpPr/>
       </dsp:nvSpPr>
       <dsp:spPr>
         <a:xfrm>
-          <a:off x="0" y="958867"/>
-          <a:ext cx="10841590" cy="248400"/>
+          <a:off x="0" y="1497517"/>
+          <a:ext cx="10841590" cy="397440"/>
         </a:xfrm>
         <a:prstGeom prst="rect">
           <a:avLst/>
@@ -10077,12 +9515,12 @@
         <a:fontRef idx="minor"/>
       </dsp:style>
       <dsp:txBody>
-        <a:bodyPr spcFirstLastPara="0" vert="horz" wrap="square" lIns="344220" tIns="19050" rIns="106680" bIns="19050" numCol="1" spcCol="1270" anchor="t" anchorCtr="0">
+        <a:bodyPr spcFirstLastPara="0" vert="horz" wrap="square" lIns="344220" tIns="30480" rIns="170688" bIns="30480" numCol="1" spcCol="1270" anchor="t" anchorCtr="0">
           <a:noAutofit/>
         </a:bodyPr>
         <a:lstStyle/>
         <a:p>
-          <a:pPr marL="114300" lvl="1" indent="-114300" algn="l" defTabSz="533400">
+          <a:pPr marL="171450" lvl="1" indent="-171450" algn="l" defTabSz="844550">
             <a:lnSpc>
               <a:spcPct val="90000"/>
             </a:lnSpc>
@@ -10095,28 +9533,39 @@
             <a:buChar char="•"/>
           </a:pPr>
           <a:r>
-            <a:rPr lang="pt-BR" sz="1200" kern="1200" dirty="0">
+            <a:rPr lang="pt-BR" sz="1900" kern="1200" dirty="0">
               <a:latin typeface="Aharoni" panose="02010803020104030203" pitchFamily="2" charset="-79"/>
               <a:cs typeface="Aharoni" panose="02010803020104030203" pitchFamily="2" charset="-79"/>
             </a:rPr>
-            <a:t>Ambiente digital; dinamicidade e hipermídia</a:t>
+            <a:t>Revisão empírica sobre gamificação; motivação e </a:t>
           </a:r>
+          <a:r>
+            <a:rPr lang="pt-BR" sz="1900" kern="1200" dirty="0" err="1">
+              <a:latin typeface="Aharoni" panose="02010803020104030203" pitchFamily="2" charset="-79"/>
+              <a:cs typeface="Aharoni" panose="02010803020104030203" pitchFamily="2" charset="-79"/>
+            </a:rPr>
+            <a:t>resuiltados</a:t>
+          </a:r>
+          <a:endParaRPr lang="pt-BR" sz="1900" kern="1200" dirty="0">
+            <a:latin typeface="Aharoni" panose="02010803020104030203" pitchFamily="2" charset="-79"/>
+            <a:cs typeface="Aharoni" panose="02010803020104030203" pitchFamily="2" charset="-79"/>
+          </a:endParaRPr>
         </a:p>
       </dsp:txBody>
       <dsp:txXfrm>
-        <a:off x="0" y="958867"/>
-        <a:ext cx="10841590" cy="248400"/>
+        <a:off x="0" y="1497517"/>
+        <a:ext cx="10841590" cy="397440"/>
       </dsp:txXfrm>
     </dsp:sp>
-    <dsp:sp modelId="{3446929A-770E-4F4E-81DC-76CDADDB255B}">
+    <dsp:sp modelId="{9B5FADBC-627F-4177-95CD-ED903D658320}">
       <dsp:nvSpPr>
         <dsp:cNvPr id="0" name=""/>
         <dsp:cNvSpPr/>
       </dsp:nvSpPr>
       <dsp:spPr>
         <a:xfrm>
-          <a:off x="0" y="1207267"/>
-          <a:ext cx="10841590" cy="324675"/>
+          <a:off x="0" y="1894957"/>
+          <a:ext cx="10841590" cy="519479"/>
         </a:xfrm>
         <a:prstGeom prst="roundRect">
           <a:avLst/>
@@ -10158,12 +9607,12 @@
         </a:fontRef>
       </dsp:style>
       <dsp:txBody>
-        <a:bodyPr spcFirstLastPara="0" vert="horz" wrap="square" lIns="57150" tIns="57150" rIns="57150" bIns="57150" numCol="1" spcCol="1270" anchor="ctr" anchorCtr="0">
+        <a:bodyPr spcFirstLastPara="0" vert="horz" wrap="square" lIns="91440" tIns="91440" rIns="91440" bIns="91440" numCol="1" spcCol="1270" anchor="ctr" anchorCtr="0">
           <a:noAutofit/>
         </a:bodyPr>
         <a:lstStyle/>
         <a:p>
-          <a:pPr marL="0" lvl="0" indent="0" algn="l" defTabSz="666750">
+          <a:pPr marL="0" lvl="0" indent="0" algn="l" defTabSz="1066800">
             <a:lnSpc>
               <a:spcPct val="90000"/>
             </a:lnSpc>
@@ -10176,39 +9625,32 @@
             <a:buNone/>
           </a:pPr>
           <a:r>
-            <a:rPr lang="pt-BR" sz="1500" kern="1200" dirty="0">
+            <a:rPr lang="pt-BR" sz="2400" b="1" kern="1200" dirty="0">
               <a:latin typeface="Aharoni" panose="02010803020104030203" pitchFamily="2" charset="-79"/>
               <a:cs typeface="Aharoni" panose="02010803020104030203" pitchFamily="2" charset="-79"/>
             </a:rPr>
-            <a:t>Fernandes</a:t>
+            <a:t>Bittencourt, Cazella &amp; Isotani (2016) </a:t>
           </a:r>
-          <a:r>
-            <a:rPr lang="pt-BR" sz="1500" kern="1200" baseline="0" dirty="0">
-              <a:latin typeface="Aharoni" panose="02010803020104030203" pitchFamily="2" charset="-79"/>
-              <a:cs typeface="Aharoni" panose="02010803020104030203" pitchFamily="2" charset="-79"/>
-            </a:rPr>
-            <a:t> (2010)</a:t>
-          </a:r>
-          <a:endParaRPr lang="pt-BR" sz="1500" kern="1200" dirty="0">
+          <a:endParaRPr lang="pt-BR" sz="2400" kern="1200" dirty="0">
             <a:latin typeface="Aharoni" panose="02010803020104030203" pitchFamily="2" charset="-79"/>
             <a:cs typeface="Aharoni" panose="02010803020104030203" pitchFamily="2" charset="-79"/>
           </a:endParaRPr>
         </a:p>
       </dsp:txBody>
       <dsp:txXfrm>
-        <a:off x="15849" y="1223116"/>
-        <a:ext cx="10809892" cy="292977"/>
+        <a:off x="25359" y="1920316"/>
+        <a:ext cx="10790872" cy="468761"/>
       </dsp:txXfrm>
     </dsp:sp>
-    <dsp:sp modelId="{44A479C3-C248-4642-8FB7-764C83A4173B}">
+    <dsp:sp modelId="{DDCBAEC6-57BE-4E05-B1DF-5C602CC386C6}">
       <dsp:nvSpPr>
         <dsp:cNvPr id="0" name=""/>
         <dsp:cNvSpPr/>
       </dsp:nvSpPr>
       <dsp:spPr>
         <a:xfrm>
-          <a:off x="0" y="1531942"/>
-          <a:ext cx="10841590" cy="248400"/>
+          <a:off x="0" y="2414437"/>
+          <a:ext cx="10841590" cy="397440"/>
         </a:xfrm>
         <a:prstGeom prst="rect">
           <a:avLst/>
@@ -10232,12 +9674,12 @@
         <a:fontRef idx="minor"/>
       </dsp:style>
       <dsp:txBody>
-        <a:bodyPr spcFirstLastPara="0" vert="horz" wrap="square" lIns="344220" tIns="19050" rIns="106680" bIns="19050" numCol="1" spcCol="1270" anchor="t" anchorCtr="0">
+        <a:bodyPr spcFirstLastPara="0" vert="horz" wrap="square" lIns="344220" tIns="30480" rIns="170688" bIns="30480" numCol="1" spcCol="1270" anchor="t" anchorCtr="0">
           <a:noAutofit/>
         </a:bodyPr>
         <a:lstStyle/>
         <a:p>
-          <a:pPr marL="114300" lvl="1" indent="-114300" algn="l" defTabSz="533400">
+          <a:pPr marL="171450" lvl="1" indent="-171450" algn="l" defTabSz="844550">
             <a:lnSpc>
               <a:spcPct val="90000"/>
             </a:lnSpc>
@@ -10250,49 +9692,28 @@
             <a:buChar char="•"/>
           </a:pPr>
           <a:r>
-            <a:rPr lang="pt-BR" sz="1200" kern="1200">
+            <a:rPr lang="pt-BR" sz="1900" kern="1200" dirty="0">
               <a:latin typeface="Aharoni" panose="02010803020104030203" pitchFamily="2" charset="-79"/>
               <a:cs typeface="Aharoni" panose="02010803020104030203" pitchFamily="2" charset="-79"/>
             </a:rPr>
-            <a:t>Teoria da </a:t>
-          </a:r>
-          <a:r>
-            <a:rPr lang="pt-BR" sz="1200" kern="1200" dirty="0">
-              <a:latin typeface="Aharoni" panose="02010803020104030203" pitchFamily="2" charset="-79"/>
-              <a:cs typeface="Aharoni" panose="02010803020104030203" pitchFamily="2" charset="-79"/>
-            </a:rPr>
-            <a:t>aprendizagem: Piaget, </a:t>
-          </a:r>
-          <a:r>
-            <a:rPr lang="pt-BR" sz="1200" kern="1200" dirty="0" err="1">
-              <a:latin typeface="Aharoni" panose="02010803020104030203" pitchFamily="2" charset="-79"/>
-              <a:cs typeface="Aharoni" panose="02010803020104030203" pitchFamily="2" charset="-79"/>
-            </a:rPr>
-            <a:t>Ausubel</a:t>
-          </a:r>
-          <a:r>
-            <a:rPr lang="pt-BR" sz="1200" kern="1200" dirty="0">
-              <a:latin typeface="Aharoni" panose="02010803020104030203" pitchFamily="2" charset="-79"/>
-              <a:cs typeface="Aharoni" panose="02010803020104030203" pitchFamily="2" charset="-79"/>
-            </a:rPr>
-            <a:t> e Vygotsky</a:t>
+            <a:t>Ambientes flexíveis e interativos</a:t>
           </a:r>
         </a:p>
       </dsp:txBody>
       <dsp:txXfrm>
-        <a:off x="0" y="1531942"/>
-        <a:ext cx="10841590" cy="248400"/>
+        <a:off x="0" y="2414437"/>
+        <a:ext cx="10841590" cy="397440"/>
       </dsp:txXfrm>
     </dsp:sp>
-    <dsp:sp modelId="{94B157B4-8703-4EA0-87F1-FBD70D6ABE7B}">
+    <dsp:sp modelId="{C203FE96-02D3-420D-AEC3-E38322651F06}">
       <dsp:nvSpPr>
         <dsp:cNvPr id="0" name=""/>
         <dsp:cNvSpPr/>
       </dsp:nvSpPr>
       <dsp:spPr>
         <a:xfrm>
-          <a:off x="0" y="1780342"/>
-          <a:ext cx="10841590" cy="324675"/>
+          <a:off x="0" y="2811878"/>
+          <a:ext cx="10841590" cy="519479"/>
         </a:xfrm>
         <a:prstGeom prst="roundRect">
           <a:avLst/>
@@ -10334,12 +9755,12 @@
         </a:fontRef>
       </dsp:style>
       <dsp:txBody>
-        <a:bodyPr spcFirstLastPara="0" vert="horz" wrap="square" lIns="57150" tIns="57150" rIns="57150" bIns="57150" numCol="1" spcCol="1270" anchor="ctr" anchorCtr="0">
+        <a:bodyPr spcFirstLastPara="0" vert="horz" wrap="square" lIns="91440" tIns="91440" rIns="91440" bIns="91440" numCol="1" spcCol="1270" anchor="ctr" anchorCtr="0">
           <a:noAutofit/>
         </a:bodyPr>
         <a:lstStyle/>
         <a:p>
-          <a:pPr marL="0" lvl="0" indent="0" algn="l" defTabSz="666750">
+          <a:pPr marL="0" lvl="0" indent="0" algn="l" defTabSz="1066800">
             <a:lnSpc>
               <a:spcPct val="90000"/>
             </a:lnSpc>
@@ -10352,67 +9773,32 @@
             <a:buNone/>
           </a:pPr>
           <a:r>
-            <a:rPr lang="pt-BR" sz="1500" b="1" kern="1200" dirty="0" err="1">
+            <a:rPr lang="pt-BR" sz="2400" b="1" kern="1200" dirty="0">
               <a:latin typeface="Aharoni" panose="02010803020104030203" pitchFamily="2" charset="-79"/>
               <a:cs typeface="Aharoni" panose="02010803020104030203" pitchFamily="2" charset="-79"/>
             </a:rPr>
-            <a:t>Hamari</a:t>
+            <a:t>UNESCO (2021) </a:t>
           </a:r>
-          <a:r>
-            <a:rPr lang="pt-BR" sz="1500" b="1" kern="1200" dirty="0">
-              <a:latin typeface="Aharoni" panose="02010803020104030203" pitchFamily="2" charset="-79"/>
-              <a:cs typeface="Aharoni" panose="02010803020104030203" pitchFamily="2" charset="-79"/>
-            </a:rPr>
-            <a:t>, </a:t>
-          </a:r>
-          <a:r>
-            <a:rPr lang="pt-BR" sz="1500" b="1" kern="1200" dirty="0" err="1">
-              <a:latin typeface="Aharoni" panose="02010803020104030203" pitchFamily="2" charset="-79"/>
-              <a:cs typeface="Aharoni" panose="02010803020104030203" pitchFamily="2" charset="-79"/>
-            </a:rPr>
-            <a:t>Koivisto</a:t>
-          </a:r>
-          <a:r>
-            <a:rPr lang="pt-BR" sz="1500" b="1" kern="1200" dirty="0">
-              <a:latin typeface="Aharoni" panose="02010803020104030203" pitchFamily="2" charset="-79"/>
-              <a:cs typeface="Aharoni" panose="02010803020104030203" pitchFamily="2" charset="-79"/>
-            </a:rPr>
-            <a:t> &amp; </a:t>
-          </a:r>
-          <a:r>
-            <a:rPr lang="pt-BR" sz="1500" b="1" kern="1200" dirty="0" err="1">
-              <a:latin typeface="Aharoni" panose="02010803020104030203" pitchFamily="2" charset="-79"/>
-              <a:cs typeface="Aharoni" panose="02010803020104030203" pitchFamily="2" charset="-79"/>
-            </a:rPr>
-            <a:t>Sarsa</a:t>
-          </a:r>
-          <a:r>
-            <a:rPr lang="pt-BR" sz="1500" b="1" kern="1200" dirty="0">
-              <a:latin typeface="Aharoni" panose="02010803020104030203" pitchFamily="2" charset="-79"/>
-              <a:cs typeface="Aharoni" panose="02010803020104030203" pitchFamily="2" charset="-79"/>
-            </a:rPr>
-            <a:t> (2014) </a:t>
-          </a:r>
-          <a:endParaRPr lang="pt-BR" sz="1500" kern="1200" dirty="0">
+          <a:endParaRPr lang="pt-BR" sz="2400" kern="1200" dirty="0">
             <a:latin typeface="Aharoni" panose="02010803020104030203" pitchFamily="2" charset="-79"/>
             <a:cs typeface="Aharoni" panose="02010803020104030203" pitchFamily="2" charset="-79"/>
           </a:endParaRPr>
         </a:p>
       </dsp:txBody>
       <dsp:txXfrm>
-        <a:off x="15849" y="1796191"/>
-        <a:ext cx="10809892" cy="292977"/>
+        <a:off x="25359" y="2837237"/>
+        <a:ext cx="10790872" cy="468761"/>
       </dsp:txXfrm>
     </dsp:sp>
-    <dsp:sp modelId="{527E87C0-2E83-4A82-92A1-04D7FDDC1FD0}">
+    <dsp:sp modelId="{386E56C2-934B-4CEB-90D5-764E950721E9}">
       <dsp:nvSpPr>
         <dsp:cNvPr id="0" name=""/>
         <dsp:cNvSpPr/>
       </dsp:nvSpPr>
       <dsp:spPr>
         <a:xfrm>
-          <a:off x="0" y="2105017"/>
-          <a:ext cx="10841590" cy="248400"/>
+          <a:off x="0" y="3331357"/>
+          <a:ext cx="10841590" cy="397440"/>
         </a:xfrm>
         <a:prstGeom prst="rect">
           <a:avLst/>
@@ -10436,12 +9822,12 @@
         <a:fontRef idx="minor"/>
       </dsp:style>
       <dsp:txBody>
-        <a:bodyPr spcFirstLastPara="0" vert="horz" wrap="square" lIns="344220" tIns="19050" rIns="106680" bIns="19050" numCol="1" spcCol="1270" anchor="t" anchorCtr="0">
+        <a:bodyPr spcFirstLastPara="0" vert="horz" wrap="square" lIns="344220" tIns="30480" rIns="170688" bIns="30480" numCol="1" spcCol="1270" anchor="t" anchorCtr="0">
           <a:noAutofit/>
         </a:bodyPr>
         <a:lstStyle/>
         <a:p>
-          <a:pPr marL="114300" lvl="1" indent="-114300" algn="l" defTabSz="533400">
+          <a:pPr marL="171450" lvl="1" indent="-171450" algn="l" defTabSz="844550">
             <a:lnSpc>
               <a:spcPct val="90000"/>
             </a:lnSpc>
@@ -10454,39 +9840,28 @@
             <a:buChar char="•"/>
           </a:pPr>
           <a:r>
-            <a:rPr lang="pt-BR" sz="1200" kern="1200" dirty="0">
+            <a:rPr lang="pt-BR" sz="1900" kern="1200" dirty="0">
               <a:latin typeface="Aharoni" panose="02010803020104030203" pitchFamily="2" charset="-79"/>
               <a:cs typeface="Aharoni" panose="02010803020104030203" pitchFamily="2" charset="-79"/>
             </a:rPr>
-            <a:t>Revisão empírica sobre gamificação; motivação e </a:t>
+            <a:t>Integração de ferramentas digitais</a:t>
           </a:r>
-          <a:r>
-            <a:rPr lang="pt-BR" sz="1200" kern="1200" dirty="0" err="1">
-              <a:latin typeface="Aharoni" panose="02010803020104030203" pitchFamily="2" charset="-79"/>
-              <a:cs typeface="Aharoni" panose="02010803020104030203" pitchFamily="2" charset="-79"/>
-            </a:rPr>
-            <a:t>resuiltados</a:t>
-          </a:r>
-          <a:endParaRPr lang="pt-BR" sz="1200" kern="1200" dirty="0">
-            <a:latin typeface="Aharoni" panose="02010803020104030203" pitchFamily="2" charset="-79"/>
-            <a:cs typeface="Aharoni" panose="02010803020104030203" pitchFamily="2" charset="-79"/>
-          </a:endParaRPr>
         </a:p>
       </dsp:txBody>
       <dsp:txXfrm>
-        <a:off x="0" y="2105017"/>
-        <a:ext cx="10841590" cy="248400"/>
+        <a:off x="0" y="3331357"/>
+        <a:ext cx="10841590" cy="397440"/>
       </dsp:txXfrm>
     </dsp:sp>
-    <dsp:sp modelId="{9B5FADBC-627F-4177-95CD-ED903D658320}">
+    <dsp:sp modelId="{126CA103-D39C-4CF7-88D1-6E3C33E525BB}">
       <dsp:nvSpPr>
         <dsp:cNvPr id="0" name=""/>
         <dsp:cNvSpPr/>
       </dsp:nvSpPr>
       <dsp:spPr>
         <a:xfrm>
-          <a:off x="0" y="2353418"/>
-          <a:ext cx="10841590" cy="324675"/>
+          <a:off x="0" y="3728798"/>
+          <a:ext cx="10841590" cy="519479"/>
         </a:xfrm>
         <a:prstGeom prst="roundRect">
           <a:avLst/>
@@ -10528,12 +9903,12 @@
         </a:fontRef>
       </dsp:style>
       <dsp:txBody>
-        <a:bodyPr spcFirstLastPara="0" vert="horz" wrap="square" lIns="57150" tIns="57150" rIns="57150" bIns="57150" numCol="1" spcCol="1270" anchor="ctr" anchorCtr="0">
+        <a:bodyPr spcFirstLastPara="0" vert="horz" wrap="square" lIns="91440" tIns="91440" rIns="91440" bIns="91440" numCol="1" spcCol="1270" anchor="ctr" anchorCtr="0">
           <a:noAutofit/>
         </a:bodyPr>
         <a:lstStyle/>
         <a:p>
-          <a:pPr marL="0" lvl="0" indent="0" algn="l" defTabSz="666750">
+          <a:pPr marL="0" lvl="0" indent="0" algn="l" defTabSz="1066800">
             <a:lnSpc>
               <a:spcPct val="90000"/>
             </a:lnSpc>
@@ -10546,32 +9921,32 @@
             <a:buNone/>
           </a:pPr>
           <a:r>
-            <a:rPr lang="pt-BR" sz="1500" b="1" kern="1200" dirty="0">
+            <a:rPr lang="pt-BR" sz="2400" b="1" kern="1200" dirty="0">
               <a:latin typeface="Aharoni" panose="02010803020104030203" pitchFamily="2" charset="-79"/>
               <a:cs typeface="Aharoni" panose="02010803020104030203" pitchFamily="2" charset="-79"/>
             </a:rPr>
-            <a:t>Bittencourt, Cazella &amp; Isotani (2016) </a:t>
+            <a:t>Carvalho &amp; Ishitani (2012) </a:t>
           </a:r>
-          <a:endParaRPr lang="pt-BR" sz="1500" kern="1200" dirty="0">
+          <a:endParaRPr lang="pt-BR" sz="2400" kern="1200" dirty="0">
             <a:latin typeface="Aharoni" panose="02010803020104030203" pitchFamily="2" charset="-79"/>
             <a:cs typeface="Aharoni" panose="02010803020104030203" pitchFamily="2" charset="-79"/>
           </a:endParaRPr>
         </a:p>
       </dsp:txBody>
       <dsp:txXfrm>
-        <a:off x="15849" y="2369267"/>
-        <a:ext cx="10809892" cy="292977"/>
+        <a:off x="25359" y="3754157"/>
+        <a:ext cx="10790872" cy="468761"/>
       </dsp:txXfrm>
     </dsp:sp>
-    <dsp:sp modelId="{DDCBAEC6-57BE-4E05-B1DF-5C602CC386C6}">
+    <dsp:sp modelId="{BCA6317D-D010-47C0-9C40-8D6EBA656FF2}">
       <dsp:nvSpPr>
         <dsp:cNvPr id="0" name=""/>
         <dsp:cNvSpPr/>
       </dsp:nvSpPr>
       <dsp:spPr>
         <a:xfrm>
-          <a:off x="0" y="2678093"/>
-          <a:ext cx="10841590" cy="248400"/>
+          <a:off x="0" y="4248278"/>
+          <a:ext cx="10841590" cy="397440"/>
         </a:xfrm>
         <a:prstGeom prst="rect">
           <a:avLst/>
@@ -10595,12 +9970,12 @@
         <a:fontRef idx="minor"/>
       </dsp:style>
       <dsp:txBody>
-        <a:bodyPr spcFirstLastPara="0" vert="horz" wrap="square" lIns="344220" tIns="19050" rIns="106680" bIns="19050" numCol="1" spcCol="1270" anchor="t" anchorCtr="0">
+        <a:bodyPr spcFirstLastPara="0" vert="horz" wrap="square" lIns="344220" tIns="30480" rIns="170688" bIns="30480" numCol="1" spcCol="1270" anchor="t" anchorCtr="0">
           <a:noAutofit/>
         </a:bodyPr>
         <a:lstStyle/>
         <a:p>
-          <a:pPr marL="114300" lvl="1" indent="-114300" algn="l" defTabSz="533400">
+          <a:pPr marL="171450" lvl="1" indent="-171450" algn="l" defTabSz="844550">
             <a:lnSpc>
               <a:spcPct val="90000"/>
             </a:lnSpc>
@@ -10613,451 +9988,7 @@
             <a:buChar char="•"/>
           </a:pPr>
           <a:r>
-            <a:rPr lang="pt-BR" sz="1200" kern="1200" dirty="0">
-              <a:latin typeface="Aharoni" panose="02010803020104030203" pitchFamily="2" charset="-79"/>
-              <a:cs typeface="Aharoni" panose="02010803020104030203" pitchFamily="2" charset="-79"/>
-            </a:rPr>
-            <a:t>Ambientes flexíveis e interativos</a:t>
-          </a:r>
-        </a:p>
-      </dsp:txBody>
-      <dsp:txXfrm>
-        <a:off x="0" y="2678093"/>
-        <a:ext cx="10841590" cy="248400"/>
-      </dsp:txXfrm>
-    </dsp:sp>
-    <dsp:sp modelId="{C203FE96-02D3-420D-AEC3-E38322651F06}">
-      <dsp:nvSpPr>
-        <dsp:cNvPr id="0" name=""/>
-        <dsp:cNvSpPr/>
-      </dsp:nvSpPr>
-      <dsp:spPr>
-        <a:xfrm>
-          <a:off x="0" y="2926493"/>
-          <a:ext cx="10841590" cy="324675"/>
-        </a:xfrm>
-        <a:prstGeom prst="roundRect">
-          <a:avLst/>
-        </a:prstGeom>
-        <a:solidFill>
-          <a:schemeClr val="accent1">
-            <a:hueOff val="0"/>
-            <a:satOff val="0"/>
-            <a:lumOff val="0"/>
-            <a:alphaOff val="0"/>
-          </a:schemeClr>
-        </a:solidFill>
-        <a:ln w="12700" cap="flat" cmpd="sng" algn="ctr">
-          <a:solidFill>
-            <a:schemeClr val="lt1">
-              <a:hueOff val="0"/>
-              <a:satOff val="0"/>
-              <a:lumOff val="0"/>
-              <a:alphaOff val="0"/>
-            </a:schemeClr>
-          </a:solidFill>
-          <a:prstDash val="solid"/>
-          <a:miter lim="800000"/>
-        </a:ln>
-        <a:effectLst/>
-      </dsp:spPr>
-      <dsp:style>
-        <a:lnRef idx="2">
-          <a:scrgbClr r="0" g="0" b="0"/>
-        </a:lnRef>
-        <a:fillRef idx="1">
-          <a:scrgbClr r="0" g="0" b="0"/>
-        </a:fillRef>
-        <a:effectRef idx="0">
-          <a:scrgbClr r="0" g="0" b="0"/>
-        </a:effectRef>
-        <a:fontRef idx="minor">
-          <a:schemeClr val="lt1"/>
-        </a:fontRef>
-      </dsp:style>
-      <dsp:txBody>
-        <a:bodyPr spcFirstLastPara="0" vert="horz" wrap="square" lIns="57150" tIns="57150" rIns="57150" bIns="57150" numCol="1" spcCol="1270" anchor="ctr" anchorCtr="0">
-          <a:noAutofit/>
-        </a:bodyPr>
-        <a:lstStyle/>
-        <a:p>
-          <a:pPr marL="0" lvl="0" indent="0" algn="l" defTabSz="666750">
-            <a:lnSpc>
-              <a:spcPct val="90000"/>
-            </a:lnSpc>
-            <a:spcBef>
-              <a:spcPct val="0"/>
-            </a:spcBef>
-            <a:spcAft>
-              <a:spcPct val="35000"/>
-            </a:spcAft>
-            <a:buNone/>
-          </a:pPr>
-          <a:r>
-            <a:rPr lang="pt-BR" sz="1500" b="1" kern="1200" dirty="0">
-              <a:latin typeface="Aharoni" panose="02010803020104030203" pitchFamily="2" charset="-79"/>
-              <a:cs typeface="Aharoni" panose="02010803020104030203" pitchFamily="2" charset="-79"/>
-            </a:rPr>
-            <a:t>UNESCO (2021) </a:t>
-          </a:r>
-          <a:endParaRPr lang="pt-BR" sz="1500" kern="1200" dirty="0">
-            <a:latin typeface="Aharoni" panose="02010803020104030203" pitchFamily="2" charset="-79"/>
-            <a:cs typeface="Aharoni" panose="02010803020104030203" pitchFamily="2" charset="-79"/>
-          </a:endParaRPr>
-        </a:p>
-      </dsp:txBody>
-      <dsp:txXfrm>
-        <a:off x="15849" y="2942342"/>
-        <a:ext cx="10809892" cy="292977"/>
-      </dsp:txXfrm>
-    </dsp:sp>
-    <dsp:sp modelId="{386E56C2-934B-4CEB-90D5-764E950721E9}">
-      <dsp:nvSpPr>
-        <dsp:cNvPr id="0" name=""/>
-        <dsp:cNvSpPr/>
-      </dsp:nvSpPr>
-      <dsp:spPr>
-        <a:xfrm>
-          <a:off x="0" y="3251168"/>
-          <a:ext cx="10841590" cy="248400"/>
-        </a:xfrm>
-        <a:prstGeom prst="rect">
-          <a:avLst/>
-        </a:prstGeom>
-        <a:noFill/>
-        <a:ln>
-          <a:noFill/>
-        </a:ln>
-        <a:effectLst/>
-      </dsp:spPr>
-      <dsp:style>
-        <a:lnRef idx="0">
-          <a:scrgbClr r="0" g="0" b="0"/>
-        </a:lnRef>
-        <a:fillRef idx="0">
-          <a:scrgbClr r="0" g="0" b="0"/>
-        </a:fillRef>
-        <a:effectRef idx="0">
-          <a:scrgbClr r="0" g="0" b="0"/>
-        </a:effectRef>
-        <a:fontRef idx="minor"/>
-      </dsp:style>
-      <dsp:txBody>
-        <a:bodyPr spcFirstLastPara="0" vert="horz" wrap="square" lIns="344220" tIns="19050" rIns="106680" bIns="19050" numCol="1" spcCol="1270" anchor="t" anchorCtr="0">
-          <a:noAutofit/>
-        </a:bodyPr>
-        <a:lstStyle/>
-        <a:p>
-          <a:pPr marL="114300" lvl="1" indent="-114300" algn="l" defTabSz="533400">
-            <a:lnSpc>
-              <a:spcPct val="90000"/>
-            </a:lnSpc>
-            <a:spcBef>
-              <a:spcPct val="0"/>
-            </a:spcBef>
-            <a:spcAft>
-              <a:spcPct val="20000"/>
-            </a:spcAft>
-            <a:buChar char="•"/>
-          </a:pPr>
-          <a:r>
-            <a:rPr lang="pt-BR" sz="1200" kern="1200" dirty="0">
-              <a:latin typeface="Aharoni" panose="02010803020104030203" pitchFamily="2" charset="-79"/>
-              <a:cs typeface="Aharoni" panose="02010803020104030203" pitchFamily="2" charset="-79"/>
-            </a:rPr>
-            <a:t>Integração de ferramentas digitais</a:t>
-          </a:r>
-        </a:p>
-      </dsp:txBody>
-      <dsp:txXfrm>
-        <a:off x="0" y="3251168"/>
-        <a:ext cx="10841590" cy="248400"/>
-      </dsp:txXfrm>
-    </dsp:sp>
-    <dsp:sp modelId="{FDB6B565-1B99-46C5-A11C-CC9A224F3671}">
-      <dsp:nvSpPr>
-        <dsp:cNvPr id="0" name=""/>
-        <dsp:cNvSpPr/>
-      </dsp:nvSpPr>
-      <dsp:spPr>
-        <a:xfrm>
-          <a:off x="0" y="3499568"/>
-          <a:ext cx="10841590" cy="324675"/>
-        </a:xfrm>
-        <a:prstGeom prst="roundRect">
-          <a:avLst/>
-        </a:prstGeom>
-        <a:solidFill>
-          <a:schemeClr val="accent1">
-            <a:hueOff val="0"/>
-            <a:satOff val="0"/>
-            <a:lumOff val="0"/>
-            <a:alphaOff val="0"/>
-          </a:schemeClr>
-        </a:solidFill>
-        <a:ln w="12700" cap="flat" cmpd="sng" algn="ctr">
-          <a:solidFill>
-            <a:schemeClr val="lt1">
-              <a:hueOff val="0"/>
-              <a:satOff val="0"/>
-              <a:lumOff val="0"/>
-              <a:alphaOff val="0"/>
-            </a:schemeClr>
-          </a:solidFill>
-          <a:prstDash val="solid"/>
-          <a:miter lim="800000"/>
-        </a:ln>
-        <a:effectLst/>
-      </dsp:spPr>
-      <dsp:style>
-        <a:lnRef idx="2">
-          <a:scrgbClr r="0" g="0" b="0"/>
-        </a:lnRef>
-        <a:fillRef idx="1">
-          <a:scrgbClr r="0" g="0" b="0"/>
-        </a:fillRef>
-        <a:effectRef idx="0">
-          <a:scrgbClr r="0" g="0" b="0"/>
-        </a:effectRef>
-        <a:fontRef idx="minor">
-          <a:schemeClr val="lt1"/>
-        </a:fontRef>
-      </dsp:style>
-      <dsp:txBody>
-        <a:bodyPr spcFirstLastPara="0" vert="horz" wrap="square" lIns="57150" tIns="57150" rIns="57150" bIns="57150" numCol="1" spcCol="1270" anchor="ctr" anchorCtr="0">
-          <a:noAutofit/>
-        </a:bodyPr>
-        <a:lstStyle/>
-        <a:p>
-          <a:pPr marL="0" lvl="0" indent="0" algn="l" defTabSz="666750">
-            <a:lnSpc>
-              <a:spcPct val="90000"/>
-            </a:lnSpc>
-            <a:spcBef>
-              <a:spcPct val="0"/>
-            </a:spcBef>
-            <a:spcAft>
-              <a:spcPct val="35000"/>
-            </a:spcAft>
-            <a:buNone/>
-          </a:pPr>
-          <a:r>
-            <a:rPr lang="pt-BR" sz="1500" b="1" kern="1200" dirty="0">
-              <a:latin typeface="Aharoni" panose="02010803020104030203" pitchFamily="2" charset="-79"/>
-              <a:cs typeface="Aharoni" panose="02010803020104030203" pitchFamily="2" charset="-79"/>
-            </a:rPr>
-            <a:t>Metaari (2019–2024) </a:t>
-          </a:r>
-          <a:endParaRPr lang="pt-BR" sz="1500" kern="1200" dirty="0">
-            <a:latin typeface="Aharoni" panose="02010803020104030203" pitchFamily="2" charset="-79"/>
-            <a:cs typeface="Aharoni" panose="02010803020104030203" pitchFamily="2" charset="-79"/>
-          </a:endParaRPr>
-        </a:p>
-      </dsp:txBody>
-      <dsp:txXfrm>
-        <a:off x="15849" y="3515417"/>
-        <a:ext cx="10809892" cy="292977"/>
-      </dsp:txXfrm>
-    </dsp:sp>
-    <dsp:sp modelId="{801C178A-B34D-4979-9D84-ED1F4A531628}">
-      <dsp:nvSpPr>
-        <dsp:cNvPr id="0" name=""/>
-        <dsp:cNvSpPr/>
-      </dsp:nvSpPr>
-      <dsp:spPr>
-        <a:xfrm>
-          <a:off x="0" y="3824243"/>
-          <a:ext cx="10841590" cy="248400"/>
-        </a:xfrm>
-        <a:prstGeom prst="rect">
-          <a:avLst/>
-        </a:prstGeom>
-        <a:noFill/>
-        <a:ln>
-          <a:noFill/>
-        </a:ln>
-        <a:effectLst/>
-      </dsp:spPr>
-      <dsp:style>
-        <a:lnRef idx="0">
-          <a:scrgbClr r="0" g="0" b="0"/>
-        </a:lnRef>
-        <a:fillRef idx="0">
-          <a:scrgbClr r="0" g="0" b="0"/>
-        </a:fillRef>
-        <a:effectRef idx="0">
-          <a:scrgbClr r="0" g="0" b="0"/>
-        </a:effectRef>
-        <a:fontRef idx="minor"/>
-      </dsp:style>
-      <dsp:txBody>
-        <a:bodyPr spcFirstLastPara="0" vert="horz" wrap="square" lIns="344220" tIns="19050" rIns="106680" bIns="19050" numCol="1" spcCol="1270" anchor="t" anchorCtr="0">
-          <a:noAutofit/>
-        </a:bodyPr>
-        <a:lstStyle/>
-        <a:p>
-          <a:pPr marL="114300" lvl="1" indent="-114300" algn="l" defTabSz="533400">
-            <a:lnSpc>
-              <a:spcPct val="90000"/>
-            </a:lnSpc>
-            <a:spcBef>
-              <a:spcPct val="0"/>
-            </a:spcBef>
-            <a:spcAft>
-              <a:spcPct val="20000"/>
-            </a:spcAft>
-            <a:buChar char="•"/>
-          </a:pPr>
-          <a:r>
-            <a:rPr lang="pt-BR" sz="1200" kern="1200" dirty="0">
-              <a:latin typeface="Aharoni" panose="02010803020104030203" pitchFamily="2" charset="-79"/>
-              <a:cs typeface="Aharoni" panose="02010803020104030203" pitchFamily="2" charset="-79"/>
-            </a:rPr>
-            <a:t>Crescimento do mercado de gamificação</a:t>
-          </a:r>
-        </a:p>
-      </dsp:txBody>
-      <dsp:txXfrm>
-        <a:off x="0" y="3824243"/>
-        <a:ext cx="10841590" cy="248400"/>
-      </dsp:txXfrm>
-    </dsp:sp>
-    <dsp:sp modelId="{126CA103-D39C-4CF7-88D1-6E3C33E525BB}">
-      <dsp:nvSpPr>
-        <dsp:cNvPr id="0" name=""/>
-        <dsp:cNvSpPr/>
-      </dsp:nvSpPr>
-      <dsp:spPr>
-        <a:xfrm>
-          <a:off x="0" y="4072643"/>
-          <a:ext cx="10841590" cy="324675"/>
-        </a:xfrm>
-        <a:prstGeom prst="roundRect">
-          <a:avLst/>
-        </a:prstGeom>
-        <a:solidFill>
-          <a:schemeClr val="accent1">
-            <a:hueOff val="0"/>
-            <a:satOff val="0"/>
-            <a:lumOff val="0"/>
-            <a:alphaOff val="0"/>
-          </a:schemeClr>
-        </a:solidFill>
-        <a:ln w="12700" cap="flat" cmpd="sng" algn="ctr">
-          <a:solidFill>
-            <a:schemeClr val="lt1">
-              <a:hueOff val="0"/>
-              <a:satOff val="0"/>
-              <a:lumOff val="0"/>
-              <a:alphaOff val="0"/>
-            </a:schemeClr>
-          </a:solidFill>
-          <a:prstDash val="solid"/>
-          <a:miter lim="800000"/>
-        </a:ln>
-        <a:effectLst/>
-      </dsp:spPr>
-      <dsp:style>
-        <a:lnRef idx="2">
-          <a:scrgbClr r="0" g="0" b="0"/>
-        </a:lnRef>
-        <a:fillRef idx="1">
-          <a:scrgbClr r="0" g="0" b="0"/>
-        </a:fillRef>
-        <a:effectRef idx="0">
-          <a:scrgbClr r="0" g="0" b="0"/>
-        </a:effectRef>
-        <a:fontRef idx="minor">
-          <a:schemeClr val="lt1"/>
-        </a:fontRef>
-      </dsp:style>
-      <dsp:txBody>
-        <a:bodyPr spcFirstLastPara="0" vert="horz" wrap="square" lIns="57150" tIns="57150" rIns="57150" bIns="57150" numCol="1" spcCol="1270" anchor="ctr" anchorCtr="0">
-          <a:noAutofit/>
-        </a:bodyPr>
-        <a:lstStyle/>
-        <a:p>
-          <a:pPr marL="0" lvl="0" indent="0" algn="l" defTabSz="666750">
-            <a:lnSpc>
-              <a:spcPct val="90000"/>
-            </a:lnSpc>
-            <a:spcBef>
-              <a:spcPct val="0"/>
-            </a:spcBef>
-            <a:spcAft>
-              <a:spcPct val="35000"/>
-            </a:spcAft>
-            <a:buNone/>
-          </a:pPr>
-          <a:r>
-            <a:rPr lang="pt-BR" sz="1500" b="1" kern="1200" dirty="0">
-              <a:latin typeface="Aharoni" panose="02010803020104030203" pitchFamily="2" charset="-79"/>
-              <a:cs typeface="Aharoni" panose="02010803020104030203" pitchFamily="2" charset="-79"/>
-            </a:rPr>
-            <a:t>Carvalho &amp; Ishitani (2012) </a:t>
-          </a:r>
-          <a:endParaRPr lang="pt-BR" sz="1500" kern="1200" dirty="0">
-            <a:latin typeface="Aharoni" panose="02010803020104030203" pitchFamily="2" charset="-79"/>
-            <a:cs typeface="Aharoni" panose="02010803020104030203" pitchFamily="2" charset="-79"/>
-          </a:endParaRPr>
-        </a:p>
-      </dsp:txBody>
-      <dsp:txXfrm>
-        <a:off x="15849" y="4088492"/>
-        <a:ext cx="10809892" cy="292977"/>
-      </dsp:txXfrm>
-    </dsp:sp>
-    <dsp:sp modelId="{BCA6317D-D010-47C0-9C40-8D6EBA656FF2}">
-      <dsp:nvSpPr>
-        <dsp:cNvPr id="0" name=""/>
-        <dsp:cNvSpPr/>
-      </dsp:nvSpPr>
-      <dsp:spPr>
-        <a:xfrm>
-          <a:off x="0" y="4397318"/>
-          <a:ext cx="10841590" cy="248400"/>
-        </a:xfrm>
-        <a:prstGeom prst="rect">
-          <a:avLst/>
-        </a:prstGeom>
-        <a:noFill/>
-        <a:ln>
-          <a:noFill/>
-        </a:ln>
-        <a:effectLst/>
-      </dsp:spPr>
-      <dsp:style>
-        <a:lnRef idx="0">
-          <a:scrgbClr r="0" g="0" b="0"/>
-        </a:lnRef>
-        <a:fillRef idx="0">
-          <a:scrgbClr r="0" g="0" b="0"/>
-        </a:fillRef>
-        <a:effectRef idx="0">
-          <a:scrgbClr r="0" g="0" b="0"/>
-        </a:effectRef>
-        <a:fontRef idx="minor"/>
-      </dsp:style>
-      <dsp:txBody>
-        <a:bodyPr spcFirstLastPara="0" vert="horz" wrap="square" lIns="344220" tIns="19050" rIns="106680" bIns="19050" numCol="1" spcCol="1270" anchor="t" anchorCtr="0">
-          <a:noAutofit/>
-        </a:bodyPr>
-        <a:lstStyle/>
-        <a:p>
-          <a:pPr marL="114300" lvl="1" indent="-114300" algn="l" defTabSz="533400">
-            <a:lnSpc>
-              <a:spcPct val="90000"/>
-            </a:lnSpc>
-            <a:spcBef>
-              <a:spcPct val="0"/>
-            </a:spcBef>
-            <a:spcAft>
-              <a:spcPct val="20000"/>
-            </a:spcAft>
-            <a:buChar char="•"/>
-          </a:pPr>
-          <a:r>
-            <a:rPr lang="pt-BR" sz="1200" kern="1200" dirty="0">
+            <a:rPr lang="pt-BR" sz="1900" kern="1200" dirty="0">
               <a:latin typeface="Aharoni" panose="02010803020104030203" pitchFamily="2" charset="-79"/>
               <a:cs typeface="Aharoni" panose="02010803020104030203" pitchFamily="2" charset="-79"/>
             </a:rPr>
@@ -11066,8 +9997,8 @@
         </a:p>
       </dsp:txBody>
       <dsp:txXfrm>
-        <a:off x="0" y="4397318"/>
-        <a:ext cx="10841590" cy="248400"/>
+        <a:off x="0" y="4248278"/>
+        <a:ext cx="10841590" cy="397440"/>
       </dsp:txXfrm>
     </dsp:sp>
   </dsp:spTree>
@@ -26631,20 +25562,29 @@
         </p:spPr>
         <p:txBody>
           <a:bodyPr>
-            <a:normAutofit/>
+            <a:normAutofit fontScale="92500" lnSpcReduction="20000"/>
           </a:bodyPr>
           <a:lstStyle/>
           <a:p>
             <a:pPr algn="l"/>
             <a:r>
               <a:rPr lang="pt-BR" sz="3200" dirty="0"/>
-              <a:t>- Danilo Vaz de Oliveira </a:t>
+              <a:t>- Danilo Vaz de Oliveira Bogue</a:t>
             </a:r>
+          </a:p>
+          <a:p>
+            <a:pPr algn="l"/>
             <a:r>
-              <a:rPr lang="pt-BR" sz="3200" dirty="0" err="1"/>
-              <a:t>Bogue</a:t>
+              <a:rPr lang="pt-BR" sz="3200" dirty="0"/>
+              <a:t>- Orientador: Davi de Carvalho</a:t>
             </a:r>
-            <a:endParaRPr lang="pt-BR" sz="3200" dirty="0"/>
+          </a:p>
+          <a:p>
+            <a:pPr algn="l"/>
+            <a:r>
+              <a:rPr lang="pt-BR" sz="3200" dirty="0"/>
+              <a:t>- Co orientador: Marcus Lopes Fernandes</a:t>
+            </a:r>
           </a:p>
           <a:p>
             <a:pPr algn="l"/>
@@ -27420,13 +26360,13 @@
   <p:clrMapOvr>
     <a:masterClrMapping/>
   </p:clrMapOvr>
-  <mc:AlternateContent xmlns:mc="http://schemas.openxmlformats.org/markup-compatibility/2006">
-    <mc:Choice xmlns:p159="http://schemas.microsoft.com/office/powerpoint/2015/09/main" Requires="p159">
+  <mc:AlternateContent xmlns:mc="http://schemas.openxmlformats.org/markup-compatibility/2006" xmlns:p159="http://schemas.microsoft.com/office/powerpoint/2015/09/main">
+    <mc:Choice Requires="p159">
       <p:transition xmlns:p14="http://schemas.microsoft.com/office/powerpoint/2010/main" spd="slow" p14:dur="2000">
         <p159:morph option="byObject"/>
       </p:transition>
     </mc:Choice>
-    <mc:Fallback>
+    <mc:Fallback xmlns="">
       <p:transition spd="slow">
         <p:fade/>
       </p:transition>
@@ -27607,13 +26547,13 @@
   <p:clrMapOvr>
     <a:masterClrMapping/>
   </p:clrMapOvr>
-  <mc:AlternateContent xmlns:mc="http://schemas.openxmlformats.org/markup-compatibility/2006">
-    <mc:Choice xmlns:p159="http://schemas.microsoft.com/office/powerpoint/2015/09/main" Requires="p159">
+  <mc:AlternateContent xmlns:mc="http://schemas.openxmlformats.org/markup-compatibility/2006" xmlns:p159="http://schemas.microsoft.com/office/powerpoint/2015/09/main">
+    <mc:Choice Requires="p159">
       <p:transition xmlns:p14="http://schemas.microsoft.com/office/powerpoint/2010/main" spd="slow" p14:dur="2000">
         <p159:morph option="byObject"/>
       </p:transition>
     </mc:Choice>
-    <mc:Fallback>
+    <mc:Fallback xmlns="">
       <p:transition spd="slow">
         <p:fade/>
       </p:transition>
@@ -27785,13 +26725,13 @@
   <p:clrMapOvr>
     <a:masterClrMapping/>
   </p:clrMapOvr>
-  <mc:AlternateContent xmlns:mc="http://schemas.openxmlformats.org/markup-compatibility/2006">
-    <mc:Choice xmlns:p159="http://schemas.microsoft.com/office/powerpoint/2015/09/main" Requires="p159">
+  <mc:AlternateContent xmlns:mc="http://schemas.openxmlformats.org/markup-compatibility/2006" xmlns:p159="http://schemas.microsoft.com/office/powerpoint/2015/09/main">
+    <mc:Choice Requires="p159">
       <p:transition xmlns:p14="http://schemas.microsoft.com/office/powerpoint/2010/main" spd="slow" p14:dur="2000">
         <p159:morph option="byObject"/>
       </p:transition>
     </mc:Choice>
-    <mc:Fallback>
+    <mc:Fallback xmlns="">
       <p:transition spd="slow">
         <p:fade/>
       </p:transition>
@@ -27801,197 +26741,6 @@
 </file>
 
 <file path=ppt/slides/slide14.xml><?xml version="1.0" encoding="utf-8"?>
-<p:sld xmlns:a="http://schemas.openxmlformats.org/drawingml/2006/main" xmlns:r="http://schemas.openxmlformats.org/officeDocument/2006/relationships" xmlns:p="http://schemas.openxmlformats.org/presentationml/2006/main">
-  <p:cSld>
-    <p:spTree>
-      <p:nvGrpSpPr>
-        <p:cNvPr id="1" name=""/>
-        <p:cNvGrpSpPr/>
-        <p:nvPr/>
-      </p:nvGrpSpPr>
-      <p:grpSpPr>
-        <a:xfrm>
-          <a:off x="0" y="0"/>
-          <a:ext cx="0" cy="0"/>
-          <a:chOff x="0" y="0"/>
-          <a:chExt cx="0" cy="0"/>
-        </a:xfrm>
-      </p:grpSpPr>
-      <p:sp>
-        <p:nvSpPr>
-          <p:cNvPr id="2" name="Título 1">
-            <a:extLst>
-              <a:ext uri="{FF2B5EF4-FFF2-40B4-BE49-F238E27FC236}">
-                <a16:creationId xmlns:a16="http://schemas.microsoft.com/office/drawing/2014/main" id="{5E447ACB-E7DF-4BBE-AC44-A1AC9F22CAC8}"/>
-              </a:ext>
-            </a:extLst>
-          </p:cNvPr>
-          <p:cNvSpPr>
-            <a:spLocks noGrp="1"/>
-          </p:cNvSpPr>
-          <p:nvPr>
-            <p:ph type="ctrTitle"/>
-          </p:nvPr>
-        </p:nvSpPr>
-        <p:spPr>
-          <a:xfrm>
-            <a:off x="1523999" y="695981"/>
-            <a:ext cx="9144000" cy="852211"/>
-          </a:xfrm>
-        </p:spPr>
-        <p:txBody>
-          <a:bodyPr>
-            <a:noAutofit/>
-          </a:bodyPr>
-          <a:lstStyle/>
-          <a:p>
-            <a:r>
-              <a:rPr lang="pt-BR" sz="4800" dirty="0"/>
-              <a:t>Diagrama de Classe</a:t>
-            </a:r>
-          </a:p>
-        </p:txBody>
-      </p:sp>
-      <p:pic>
-        <p:nvPicPr>
-          <p:cNvPr id="4" name="Imagem 3">
-            <a:extLst>
-              <a:ext uri="{FF2B5EF4-FFF2-40B4-BE49-F238E27FC236}">
-                <a16:creationId xmlns:a16="http://schemas.microsoft.com/office/drawing/2014/main" id="{4DE49855-8442-4D60-81FD-DFE2DB045AC2}"/>
-              </a:ext>
-            </a:extLst>
-          </p:cNvPr>
-          <p:cNvPicPr/>
-          <p:nvPr/>
-        </p:nvPicPr>
-        <p:blipFill>
-          <a:blip r:embed="rId2">
-            <a:extLst>
-              <a:ext uri="{28A0092B-C50C-407E-A947-70E740481C1C}">
-                <a14:useLocalDpi xmlns:a14="http://schemas.microsoft.com/office/drawing/2010/main" val="0"/>
-              </a:ext>
-            </a:extLst>
-          </a:blip>
-          <a:srcRect/>
-          <a:stretch>
-            <a:fillRect/>
-          </a:stretch>
-        </p:blipFill>
-        <p:spPr bwMode="auto">
-          <a:xfrm>
-            <a:off x="901148" y="207031"/>
-            <a:ext cx="1958215" cy="977900"/>
-          </a:xfrm>
-          <a:prstGeom prst="rect">
-            <a:avLst/>
-          </a:prstGeom>
-          <a:noFill/>
-          <a:ln>
-            <a:noFill/>
-          </a:ln>
-        </p:spPr>
-      </p:pic>
-      <p:pic>
-        <p:nvPicPr>
-          <p:cNvPr id="5" name="Imagem 4">
-            <a:extLst>
-              <a:ext uri="{FF2B5EF4-FFF2-40B4-BE49-F238E27FC236}">
-                <a16:creationId xmlns:a16="http://schemas.microsoft.com/office/drawing/2014/main" id="{00EB44F1-66E6-49A0-94D9-09FA009430BD}"/>
-              </a:ext>
-            </a:extLst>
-          </p:cNvPr>
-          <p:cNvPicPr/>
-          <p:nvPr/>
-        </p:nvPicPr>
-        <p:blipFill>
-          <a:blip r:embed="rId3">
-            <a:extLst>
-              <a:ext uri="{28A0092B-C50C-407E-A947-70E740481C1C}">
-                <a14:useLocalDpi xmlns:a14="http://schemas.microsoft.com/office/drawing/2010/main" val="0"/>
-              </a:ext>
-            </a:extLst>
-          </a:blip>
-          <a:stretch>
-            <a:fillRect/>
-          </a:stretch>
-        </p:blipFill>
-        <p:spPr>
-          <a:xfrm>
-            <a:off x="8481392" y="273982"/>
-            <a:ext cx="3142076" cy="852210"/>
-          </a:xfrm>
-          <a:prstGeom prst="rect">
-            <a:avLst/>
-          </a:prstGeom>
-        </p:spPr>
-      </p:pic>
-      <p:pic>
-        <p:nvPicPr>
-          <p:cNvPr id="6" name="Imagem 5" descr="Diagrama, Desenho técnico&#10;&#10;O conteúdo gerado por IA pode estar incorreto.">
-            <a:extLst>
-              <a:ext uri="{FF2B5EF4-FFF2-40B4-BE49-F238E27FC236}">
-                <a16:creationId xmlns:a16="http://schemas.microsoft.com/office/drawing/2014/main" id="{B550CFC9-D36F-B621-311A-377D52F54910}"/>
-              </a:ext>
-            </a:extLst>
-          </p:cNvPr>
-          <p:cNvPicPr>
-            <a:picLocks noChangeAspect="1"/>
-          </p:cNvPicPr>
-          <p:nvPr/>
-        </p:nvPicPr>
-        <p:blipFill>
-          <a:blip r:embed="rId4">
-            <a:extLst>
-              <a:ext uri="{28A0092B-C50C-407E-A947-70E740481C1C}">
-                <a14:useLocalDpi xmlns:a14="http://schemas.microsoft.com/office/drawing/2010/main" val="0"/>
-              </a:ext>
-            </a:extLst>
-          </a:blip>
-          <a:srcRect/>
-          <a:stretch>
-            <a:fillRect/>
-          </a:stretch>
-        </p:blipFill>
-        <p:spPr bwMode="auto">
-          <a:xfrm>
-            <a:off x="3511997" y="1548191"/>
-            <a:ext cx="5168005" cy="5095658"/>
-          </a:xfrm>
-          <a:prstGeom prst="rect">
-            <a:avLst/>
-          </a:prstGeom>
-          <a:noFill/>
-          <a:ln>
-            <a:noFill/>
-          </a:ln>
-        </p:spPr>
-      </p:pic>
-    </p:spTree>
-    <p:extLst>
-      <p:ext uri="{BB962C8B-B14F-4D97-AF65-F5344CB8AC3E}">
-        <p14:creationId xmlns:p14="http://schemas.microsoft.com/office/powerpoint/2010/main" val="686589215"/>
-      </p:ext>
-    </p:extLst>
-  </p:cSld>
-  <p:clrMapOvr>
-    <a:masterClrMapping/>
-  </p:clrMapOvr>
-  <mc:AlternateContent xmlns:mc="http://schemas.openxmlformats.org/markup-compatibility/2006">
-    <mc:Choice xmlns:p159="http://schemas.microsoft.com/office/powerpoint/2015/09/main" Requires="p159">
-      <p:transition xmlns:p14="http://schemas.microsoft.com/office/powerpoint/2010/main" spd="slow" p14:dur="2000">
-        <p159:morph option="byObject"/>
-      </p:transition>
-    </mc:Choice>
-    <mc:Fallback>
-      <p:transition spd="slow">
-        <p:fade/>
-      </p:transition>
-    </mc:Fallback>
-  </mc:AlternateContent>
-</p:sld>
-</file>
-
-<file path=ppt/slides/slide15.xml><?xml version="1.0" encoding="utf-8"?>
 <p:sld xmlns:a="http://schemas.openxmlformats.org/drawingml/2006/main" xmlns:r="http://schemas.openxmlformats.org/officeDocument/2006/relationships" xmlns:p="http://schemas.openxmlformats.org/presentationml/2006/main">
   <p:cSld>
     <p:spTree>
@@ -28186,13 +26935,13 @@
   <p:clrMapOvr>
     <a:masterClrMapping/>
   </p:clrMapOvr>
-  <mc:AlternateContent xmlns:mc="http://schemas.openxmlformats.org/markup-compatibility/2006">
-    <mc:Choice xmlns:p159="http://schemas.microsoft.com/office/powerpoint/2015/09/main" Requires="p159">
+  <mc:AlternateContent xmlns:mc="http://schemas.openxmlformats.org/markup-compatibility/2006" xmlns:p159="http://schemas.microsoft.com/office/powerpoint/2015/09/main">
+    <mc:Choice Requires="p159">
       <p:transition xmlns:p14="http://schemas.microsoft.com/office/powerpoint/2010/main" spd="slow" p14:dur="2000">
         <p159:morph option="byObject"/>
       </p:transition>
     </mc:Choice>
-    <mc:Fallback>
+    <mc:Fallback xmlns="">
       <p:transition spd="slow">
         <p:fade/>
       </p:transition>
@@ -28201,7 +26950,7 @@
 </p:sld>
 </file>
 
-<file path=ppt/slides/slide16.xml><?xml version="1.0" encoding="utf-8"?>
+<file path=ppt/slides/slide15.xml><?xml version="1.0" encoding="utf-8"?>
 <p:sld xmlns:a="http://schemas.openxmlformats.org/drawingml/2006/main" xmlns:r="http://schemas.openxmlformats.org/officeDocument/2006/relationships" xmlns:p="http://schemas.openxmlformats.org/presentationml/2006/main">
   <p:cSld>
     <p:spTree>
@@ -28410,13 +27159,13 @@
   <p:clrMapOvr>
     <a:masterClrMapping/>
   </p:clrMapOvr>
-  <mc:AlternateContent xmlns:mc="http://schemas.openxmlformats.org/markup-compatibility/2006">
-    <mc:Choice xmlns:p159="http://schemas.microsoft.com/office/powerpoint/2015/09/main" Requires="p159">
+  <mc:AlternateContent xmlns:mc="http://schemas.openxmlformats.org/markup-compatibility/2006" xmlns:p159="http://schemas.microsoft.com/office/powerpoint/2015/09/main">
+    <mc:Choice Requires="p159">
       <p:transition xmlns:p14="http://schemas.microsoft.com/office/powerpoint/2010/main" spd="slow" p14:dur="2000">
         <p159:morph option="byObject"/>
       </p:transition>
     </mc:Choice>
-    <mc:Fallback>
+    <mc:Fallback xmlns="">
       <p:transition spd="slow">
         <p:fade/>
       </p:transition>
@@ -28425,7 +27174,7 @@
 </p:sld>
 </file>
 
-<file path=ppt/slides/slide17.xml><?xml version="1.0" encoding="utf-8"?>
+<file path=ppt/slides/slide16.xml><?xml version="1.0" encoding="utf-8"?>
 <p:sld xmlns:a="http://schemas.openxmlformats.org/drawingml/2006/main" xmlns:r="http://schemas.openxmlformats.org/officeDocument/2006/relationships" xmlns:p="http://schemas.openxmlformats.org/presentationml/2006/main">
   <p:cSld>
     <p:spTree>
@@ -28748,13 +27497,13 @@
   <p:clrMapOvr>
     <a:masterClrMapping/>
   </p:clrMapOvr>
-  <mc:AlternateContent xmlns:mc="http://schemas.openxmlformats.org/markup-compatibility/2006">
-    <mc:Choice xmlns:p159="http://schemas.microsoft.com/office/powerpoint/2015/09/main" Requires="p159">
+  <mc:AlternateContent xmlns:mc="http://schemas.openxmlformats.org/markup-compatibility/2006" xmlns:p159="http://schemas.microsoft.com/office/powerpoint/2015/09/main">
+    <mc:Choice Requires="p159">
       <p:transition xmlns:p14="http://schemas.microsoft.com/office/powerpoint/2010/main" spd="slow" p14:dur="2000">
         <p159:morph option="byObject"/>
       </p:transition>
     </mc:Choice>
-    <mc:Fallback>
+    <mc:Fallback xmlns="">
       <p:transition spd="slow">
         <p:fade/>
       </p:transition>
@@ -28763,7 +27512,7 @@
 </p:sld>
 </file>
 
-<file path=ppt/slides/slide18.xml><?xml version="1.0" encoding="utf-8"?>
+<file path=ppt/slides/slide17.xml><?xml version="1.0" encoding="utf-8"?>
 <p:sld xmlns:a="http://schemas.openxmlformats.org/drawingml/2006/main" xmlns:r="http://schemas.openxmlformats.org/officeDocument/2006/relationships" xmlns:p="http://schemas.openxmlformats.org/presentationml/2006/main">
   <p:cSld>
     <p:spTree>
@@ -28986,13 +27735,13 @@
   <p:clrMapOvr>
     <a:masterClrMapping/>
   </p:clrMapOvr>
-  <mc:AlternateContent xmlns:mc="http://schemas.openxmlformats.org/markup-compatibility/2006">
-    <mc:Choice xmlns:p159="http://schemas.microsoft.com/office/powerpoint/2015/09/main" Requires="p159">
+  <mc:AlternateContent xmlns:mc="http://schemas.openxmlformats.org/markup-compatibility/2006" xmlns:p159="http://schemas.microsoft.com/office/powerpoint/2015/09/main">
+    <mc:Choice Requires="p159">
       <p:transition xmlns:p14="http://schemas.microsoft.com/office/powerpoint/2010/main" spd="slow" p14:dur="2000">
         <p159:morph option="byObject"/>
       </p:transition>
     </mc:Choice>
-    <mc:Fallback>
+    <mc:Fallback xmlns="">
       <p:transition spd="slow">
         <p:fade/>
       </p:transition>
@@ -29001,7 +27750,7 @@
 </p:sld>
 </file>
 
-<file path=ppt/slides/slide19.xml><?xml version="1.0" encoding="utf-8"?>
+<file path=ppt/slides/slide18.xml><?xml version="1.0" encoding="utf-8"?>
 <p:sld xmlns:a="http://schemas.openxmlformats.org/drawingml/2006/main" xmlns:r="http://schemas.openxmlformats.org/officeDocument/2006/relationships" xmlns:p="http://schemas.openxmlformats.org/presentationml/2006/main">
   <p:cSld>
     <p:spTree>
@@ -29172,13 +27921,13 @@
   <p:clrMapOvr>
     <a:masterClrMapping/>
   </p:clrMapOvr>
-  <mc:AlternateContent xmlns:mc="http://schemas.openxmlformats.org/markup-compatibility/2006">
-    <mc:Choice xmlns:p159="http://schemas.microsoft.com/office/powerpoint/2015/09/main" Requires="p159">
+  <mc:AlternateContent xmlns:mc="http://schemas.openxmlformats.org/markup-compatibility/2006" xmlns:p159="http://schemas.microsoft.com/office/powerpoint/2015/09/main">
+    <mc:Choice Requires="p159">
       <p:transition xmlns:p14="http://schemas.microsoft.com/office/powerpoint/2010/main" spd="slow" p14:dur="2000">
         <p159:morph option="byObject"/>
       </p:transition>
     </mc:Choice>
-    <mc:Fallback>
+    <mc:Fallback xmlns="">
       <p:transition spd="slow">
         <p:fade/>
       </p:transition>
@@ -29187,281 +27936,7 @@
 </p:sld>
 </file>
 
-<file path=ppt/slides/slide2.xml><?xml version="1.0" encoding="utf-8"?>
-<p:sld xmlns:a="http://schemas.openxmlformats.org/drawingml/2006/main" xmlns:r="http://schemas.openxmlformats.org/officeDocument/2006/relationships" xmlns:p="http://schemas.openxmlformats.org/presentationml/2006/main">
-  <p:cSld>
-    <p:spTree>
-      <p:nvGrpSpPr>
-        <p:cNvPr id="1" name=""/>
-        <p:cNvGrpSpPr/>
-        <p:nvPr/>
-      </p:nvGrpSpPr>
-      <p:grpSpPr>
-        <a:xfrm>
-          <a:off x="0" y="0"/>
-          <a:ext cx="0" cy="0"/>
-          <a:chOff x="0" y="0"/>
-          <a:chExt cx="0" cy="0"/>
-        </a:xfrm>
-      </p:grpSpPr>
-      <p:sp>
-        <p:nvSpPr>
-          <p:cNvPr id="2" name="Título 1">
-            <a:extLst>
-              <a:ext uri="{FF2B5EF4-FFF2-40B4-BE49-F238E27FC236}">
-                <a16:creationId xmlns:a16="http://schemas.microsoft.com/office/drawing/2014/main" id="{5E447ACB-E7DF-4BBE-AC44-A1AC9F22CAC8}"/>
-              </a:ext>
-            </a:extLst>
-          </p:cNvPr>
-          <p:cNvSpPr>
-            <a:spLocks noGrp="1"/>
-          </p:cNvSpPr>
-          <p:nvPr>
-            <p:ph type="ctrTitle"/>
-          </p:nvPr>
-        </p:nvSpPr>
-        <p:spPr>
-          <a:xfrm>
-            <a:off x="1524000" y="1122535"/>
-            <a:ext cx="9144000" cy="852211"/>
-          </a:xfrm>
-        </p:spPr>
-        <p:txBody>
-          <a:bodyPr>
-            <a:normAutofit fontScale="90000"/>
-          </a:bodyPr>
-          <a:lstStyle/>
-          <a:p>
-            <a:r>
-              <a:rPr lang="pt-BR" sz="6000" dirty="0"/>
-              <a:t> Agenda</a:t>
-            </a:r>
-          </a:p>
-        </p:txBody>
-      </p:sp>
-      <p:sp>
-        <p:nvSpPr>
-          <p:cNvPr id="3" name="Subtítulo 2">
-            <a:extLst>
-              <a:ext uri="{FF2B5EF4-FFF2-40B4-BE49-F238E27FC236}">
-                <a16:creationId xmlns:a16="http://schemas.microsoft.com/office/drawing/2014/main" id="{D925F25B-ABDD-439F-B7AE-9A79A3FDC1CE}"/>
-              </a:ext>
-            </a:extLst>
-          </p:cNvPr>
-          <p:cNvSpPr>
-            <a:spLocks noGrp="1"/>
-          </p:cNvSpPr>
-          <p:nvPr>
-            <p:ph type="subTitle" idx="1"/>
-          </p:nvPr>
-        </p:nvSpPr>
-        <p:spPr>
-          <a:xfrm>
-            <a:off x="1114494" y="2100435"/>
-            <a:ext cx="10508974" cy="4260607"/>
-          </a:xfrm>
-        </p:spPr>
-        <p:txBody>
-          <a:bodyPr>
-            <a:normAutofit fontScale="32500" lnSpcReduction="20000"/>
-          </a:bodyPr>
-          <a:lstStyle/>
-          <a:p>
-            <a:pPr marL="457200" indent="-457200" algn="l">
-              <a:buFontTx/>
-              <a:buChar char="-"/>
-            </a:pPr>
-            <a:r>
-              <a:rPr lang="pt-BR" sz="8000" dirty="0"/>
-              <a:t>Introdução</a:t>
-            </a:r>
-          </a:p>
-          <a:p>
-            <a:pPr marL="457200" indent="-457200" algn="l">
-              <a:buFontTx/>
-              <a:buChar char="-"/>
-            </a:pPr>
-            <a:r>
-              <a:rPr lang="pt-BR" sz="8000" dirty="0"/>
-              <a:t>Evasão escolar</a:t>
-            </a:r>
-          </a:p>
-          <a:p>
-            <a:pPr marL="457200" indent="-457200" algn="l">
-              <a:buFontTx/>
-              <a:buChar char="-"/>
-            </a:pPr>
-            <a:r>
-              <a:rPr lang="pt-BR" sz="8000" dirty="0"/>
-              <a:t>Gamificação</a:t>
-            </a:r>
-          </a:p>
-          <a:p>
-            <a:pPr marL="457200" indent="-457200" algn="l">
-              <a:buFontTx/>
-              <a:buChar char="-"/>
-            </a:pPr>
-            <a:r>
-              <a:rPr lang="pt-BR" sz="8000" dirty="0"/>
-              <a:t>Atores</a:t>
-            </a:r>
-          </a:p>
-          <a:p>
-            <a:pPr marL="457200" indent="-457200" algn="l">
-              <a:buFontTx/>
-              <a:buChar char="-"/>
-            </a:pPr>
-            <a:r>
-              <a:rPr lang="pt-BR" sz="8000" dirty="0"/>
-              <a:t>Diagrama de Classe</a:t>
-            </a:r>
-          </a:p>
-          <a:p>
-            <a:pPr marL="457200" indent="-457200" algn="l">
-              <a:buFontTx/>
-              <a:buChar char="-"/>
-            </a:pPr>
-            <a:r>
-              <a:rPr lang="pt-BR" sz="8000" dirty="0"/>
-              <a:t>Diagrama de Caso de Uso</a:t>
-            </a:r>
-          </a:p>
-          <a:p>
-            <a:pPr marL="457200" indent="-457200" algn="l">
-              <a:buFontTx/>
-              <a:buChar char="-"/>
-            </a:pPr>
-            <a:r>
-              <a:rPr lang="pt-BR" sz="8000" dirty="0"/>
-              <a:t>Sistema de Elo</a:t>
-            </a:r>
-          </a:p>
-          <a:p>
-            <a:pPr marL="457200" indent="-457200" algn="l">
-              <a:buFontTx/>
-              <a:buChar char="-"/>
-            </a:pPr>
-            <a:r>
-              <a:rPr lang="pt-BR" sz="8000" dirty="0"/>
-              <a:t>Sistema de Salas</a:t>
-            </a:r>
-          </a:p>
-          <a:p>
-            <a:pPr marL="457200" indent="-457200" algn="l">
-              <a:buFontTx/>
-              <a:buChar char="-"/>
-            </a:pPr>
-            <a:r>
-              <a:rPr lang="pt-BR" sz="8000" dirty="0"/>
-              <a:t>Discussão </a:t>
-            </a:r>
-          </a:p>
-          <a:p>
-            <a:pPr marL="457200" indent="-457200" algn="l">
-              <a:buFontTx/>
-              <a:buChar char="-"/>
-            </a:pPr>
-            <a:r>
-              <a:rPr lang="pt-BR" sz="8000" dirty="0"/>
-              <a:t>Conclusão</a:t>
-            </a:r>
-          </a:p>
-          <a:p>
-            <a:pPr marL="457200" indent="-457200" algn="l">
-              <a:buFontTx/>
-              <a:buChar char="-"/>
-            </a:pPr>
-            <a:endParaRPr lang="pt-BR" sz="3200" dirty="0"/>
-          </a:p>
-        </p:txBody>
-      </p:sp>
-      <p:pic>
-        <p:nvPicPr>
-          <p:cNvPr id="4" name="Imagem 3">
-            <a:extLst>
-              <a:ext uri="{FF2B5EF4-FFF2-40B4-BE49-F238E27FC236}">
-                <a16:creationId xmlns:a16="http://schemas.microsoft.com/office/drawing/2014/main" id="{4DE49855-8442-4D60-81FD-DFE2DB045AC2}"/>
-              </a:ext>
-            </a:extLst>
-          </p:cNvPr>
-          <p:cNvPicPr/>
-          <p:nvPr/>
-        </p:nvPicPr>
-        <p:blipFill>
-          <a:blip r:embed="rId2">
-            <a:extLst>
-              <a:ext uri="{28A0092B-C50C-407E-A947-70E740481C1C}">
-                <a14:useLocalDpi xmlns:a14="http://schemas.microsoft.com/office/drawing/2010/main" val="0"/>
-              </a:ext>
-            </a:extLst>
-          </a:blip>
-          <a:srcRect/>
-          <a:stretch>
-            <a:fillRect/>
-          </a:stretch>
-        </p:blipFill>
-        <p:spPr bwMode="auto">
-          <a:xfrm>
-            <a:off x="901148" y="207031"/>
-            <a:ext cx="1958215" cy="977900"/>
-          </a:xfrm>
-          <a:prstGeom prst="rect">
-            <a:avLst/>
-          </a:prstGeom>
-          <a:noFill/>
-          <a:ln>
-            <a:noFill/>
-          </a:ln>
-        </p:spPr>
-      </p:pic>
-      <p:pic>
-        <p:nvPicPr>
-          <p:cNvPr id="5" name="Imagem 4">
-            <a:extLst>
-              <a:ext uri="{FF2B5EF4-FFF2-40B4-BE49-F238E27FC236}">
-                <a16:creationId xmlns:a16="http://schemas.microsoft.com/office/drawing/2014/main" id="{00EB44F1-66E6-49A0-94D9-09FA009430BD}"/>
-              </a:ext>
-            </a:extLst>
-          </p:cNvPr>
-          <p:cNvPicPr/>
-          <p:nvPr/>
-        </p:nvPicPr>
-        <p:blipFill>
-          <a:blip r:embed="rId3">
-            <a:extLst>
-              <a:ext uri="{28A0092B-C50C-407E-A947-70E740481C1C}">
-                <a14:useLocalDpi xmlns:a14="http://schemas.microsoft.com/office/drawing/2010/main" val="0"/>
-              </a:ext>
-            </a:extLst>
-          </a:blip>
-          <a:stretch>
-            <a:fillRect/>
-          </a:stretch>
-        </p:blipFill>
-        <p:spPr>
-          <a:xfrm>
-            <a:off x="8481392" y="273982"/>
-            <a:ext cx="3142076" cy="852210"/>
-          </a:xfrm>
-          <a:prstGeom prst="rect">
-            <a:avLst/>
-          </a:prstGeom>
-        </p:spPr>
-      </p:pic>
-    </p:spTree>
-    <p:extLst>
-      <p:ext uri="{BB962C8B-B14F-4D97-AF65-F5344CB8AC3E}">
-        <p14:creationId xmlns:p14="http://schemas.microsoft.com/office/powerpoint/2010/main" val="2113396967"/>
-      </p:ext>
-    </p:extLst>
-  </p:cSld>
-  <p:clrMapOvr>
-    <a:masterClrMapping/>
-  </p:clrMapOvr>
-</p:sld>
-</file>
-
-<file path=ppt/slides/slide20.xml><?xml version="1.0" encoding="utf-8"?>
+<file path=ppt/slides/slide19.xml><?xml version="1.0" encoding="utf-8"?>
 <p:sld xmlns:a="http://schemas.openxmlformats.org/drawingml/2006/main" xmlns:r="http://schemas.openxmlformats.org/officeDocument/2006/relationships" xmlns:p="http://schemas.openxmlformats.org/presentationml/2006/main">
   <p:cSld>
     <p:spTree>
@@ -29703,13 +28178,13 @@
   <p:clrMapOvr>
     <a:masterClrMapping/>
   </p:clrMapOvr>
-  <mc:AlternateContent xmlns:mc="http://schemas.openxmlformats.org/markup-compatibility/2006">
-    <mc:Choice xmlns:p159="http://schemas.microsoft.com/office/powerpoint/2015/09/main" Requires="p159">
+  <mc:AlternateContent xmlns:mc="http://schemas.openxmlformats.org/markup-compatibility/2006" xmlns:p159="http://schemas.microsoft.com/office/powerpoint/2015/09/main">
+    <mc:Choice Requires="p159">
       <p:transition xmlns:p14="http://schemas.microsoft.com/office/powerpoint/2010/main" spd="slow" p14:dur="2000">
         <p159:morph option="byObject"/>
       </p:transition>
     </mc:Choice>
-    <mc:Fallback>
+    <mc:Fallback xmlns="">
       <p:transition spd="slow">
         <p:fade/>
       </p:transition>
@@ -29718,7 +28193,271 @@
 </p:sld>
 </file>
 
-<file path=ppt/slides/slide21.xml><?xml version="1.0" encoding="utf-8"?>
+<file path=ppt/slides/slide2.xml><?xml version="1.0" encoding="utf-8"?>
+<p:sld xmlns:a="http://schemas.openxmlformats.org/drawingml/2006/main" xmlns:r="http://schemas.openxmlformats.org/officeDocument/2006/relationships" xmlns:p="http://schemas.openxmlformats.org/presentationml/2006/main">
+  <p:cSld>
+    <p:spTree>
+      <p:nvGrpSpPr>
+        <p:cNvPr id="1" name=""/>
+        <p:cNvGrpSpPr/>
+        <p:nvPr/>
+      </p:nvGrpSpPr>
+      <p:grpSpPr>
+        <a:xfrm>
+          <a:off x="0" y="0"/>
+          <a:ext cx="0" cy="0"/>
+          <a:chOff x="0" y="0"/>
+          <a:chExt cx="0" cy="0"/>
+        </a:xfrm>
+      </p:grpSpPr>
+      <p:sp>
+        <p:nvSpPr>
+          <p:cNvPr id="2" name="Título 1">
+            <a:extLst>
+              <a:ext uri="{FF2B5EF4-FFF2-40B4-BE49-F238E27FC236}">
+                <a16:creationId xmlns:a16="http://schemas.microsoft.com/office/drawing/2014/main" id="{5E447ACB-E7DF-4BBE-AC44-A1AC9F22CAC8}"/>
+              </a:ext>
+            </a:extLst>
+          </p:cNvPr>
+          <p:cNvSpPr>
+            <a:spLocks noGrp="1"/>
+          </p:cNvSpPr>
+          <p:nvPr>
+            <p:ph type="ctrTitle"/>
+          </p:nvPr>
+        </p:nvSpPr>
+        <p:spPr>
+          <a:xfrm>
+            <a:off x="1524000" y="1122535"/>
+            <a:ext cx="9144000" cy="852211"/>
+          </a:xfrm>
+        </p:spPr>
+        <p:txBody>
+          <a:bodyPr>
+            <a:normAutofit fontScale="90000"/>
+          </a:bodyPr>
+          <a:lstStyle/>
+          <a:p>
+            <a:r>
+              <a:rPr lang="pt-BR" sz="6000" dirty="0"/>
+              <a:t> Agenda</a:t>
+            </a:r>
+          </a:p>
+        </p:txBody>
+      </p:sp>
+      <p:sp>
+        <p:nvSpPr>
+          <p:cNvPr id="3" name="Subtítulo 2">
+            <a:extLst>
+              <a:ext uri="{FF2B5EF4-FFF2-40B4-BE49-F238E27FC236}">
+                <a16:creationId xmlns:a16="http://schemas.microsoft.com/office/drawing/2014/main" id="{D925F25B-ABDD-439F-B7AE-9A79A3FDC1CE}"/>
+              </a:ext>
+            </a:extLst>
+          </p:cNvPr>
+          <p:cNvSpPr>
+            <a:spLocks noGrp="1"/>
+          </p:cNvSpPr>
+          <p:nvPr>
+            <p:ph type="subTitle" idx="1"/>
+          </p:nvPr>
+        </p:nvSpPr>
+        <p:spPr>
+          <a:xfrm>
+            <a:off x="1114494" y="2100435"/>
+            <a:ext cx="10508974" cy="4260607"/>
+          </a:xfrm>
+        </p:spPr>
+        <p:txBody>
+          <a:bodyPr>
+            <a:normAutofit fontScale="40000" lnSpcReduction="20000"/>
+          </a:bodyPr>
+          <a:lstStyle/>
+          <a:p>
+            <a:pPr marL="457200" indent="-457200" algn="l">
+              <a:buFontTx/>
+              <a:buChar char="-"/>
+            </a:pPr>
+            <a:r>
+              <a:rPr lang="pt-BR" sz="8000" dirty="0"/>
+              <a:t>Introdução</a:t>
+            </a:r>
+          </a:p>
+          <a:p>
+            <a:pPr marL="457200" indent="-457200" algn="l">
+              <a:buFontTx/>
+              <a:buChar char="-"/>
+            </a:pPr>
+            <a:r>
+              <a:rPr lang="pt-BR" sz="8000" dirty="0"/>
+              <a:t>Evasão escolar</a:t>
+            </a:r>
+          </a:p>
+          <a:p>
+            <a:pPr marL="457200" indent="-457200" algn="l">
+              <a:buFontTx/>
+              <a:buChar char="-"/>
+            </a:pPr>
+            <a:r>
+              <a:rPr lang="pt-BR" sz="8000" dirty="0"/>
+              <a:t>Gamificação</a:t>
+            </a:r>
+          </a:p>
+          <a:p>
+            <a:pPr marL="457200" indent="-457200" algn="l">
+              <a:buFontTx/>
+              <a:buChar char="-"/>
+            </a:pPr>
+            <a:r>
+              <a:rPr lang="pt-BR" sz="8000" dirty="0"/>
+              <a:t>Atores</a:t>
+            </a:r>
+          </a:p>
+          <a:p>
+            <a:pPr marL="457200" indent="-457200" algn="l">
+              <a:buFontTx/>
+              <a:buChar char="-"/>
+            </a:pPr>
+            <a:r>
+              <a:rPr lang="pt-BR" sz="8000" dirty="0"/>
+              <a:t>Diagrama de Caso de Uso</a:t>
+            </a:r>
+          </a:p>
+          <a:p>
+            <a:pPr marL="457200" indent="-457200" algn="l">
+              <a:buFontTx/>
+              <a:buChar char="-"/>
+            </a:pPr>
+            <a:r>
+              <a:rPr lang="pt-BR" sz="8000" dirty="0"/>
+              <a:t>Sistema de Elo</a:t>
+            </a:r>
+          </a:p>
+          <a:p>
+            <a:pPr marL="457200" indent="-457200" algn="l">
+              <a:buFontTx/>
+              <a:buChar char="-"/>
+            </a:pPr>
+            <a:r>
+              <a:rPr lang="pt-BR" sz="8000" dirty="0"/>
+              <a:t>Sistema de Salas</a:t>
+            </a:r>
+          </a:p>
+          <a:p>
+            <a:pPr marL="457200" indent="-457200" algn="l">
+              <a:buFontTx/>
+              <a:buChar char="-"/>
+            </a:pPr>
+            <a:r>
+              <a:rPr lang="pt-BR" sz="8000" dirty="0"/>
+              <a:t>Discussão </a:t>
+            </a:r>
+          </a:p>
+          <a:p>
+            <a:pPr marL="457200" indent="-457200" algn="l">
+              <a:buFontTx/>
+              <a:buChar char="-"/>
+            </a:pPr>
+            <a:r>
+              <a:rPr lang="pt-BR" sz="8000" dirty="0"/>
+              <a:t>Conclusão</a:t>
+            </a:r>
+          </a:p>
+          <a:p>
+            <a:pPr marL="457200" indent="-457200" algn="l">
+              <a:buFontTx/>
+              <a:buChar char="-"/>
+            </a:pPr>
+            <a:endParaRPr lang="pt-BR" sz="3200" dirty="0"/>
+          </a:p>
+        </p:txBody>
+      </p:sp>
+      <p:pic>
+        <p:nvPicPr>
+          <p:cNvPr id="4" name="Imagem 3">
+            <a:extLst>
+              <a:ext uri="{FF2B5EF4-FFF2-40B4-BE49-F238E27FC236}">
+                <a16:creationId xmlns:a16="http://schemas.microsoft.com/office/drawing/2014/main" id="{4DE49855-8442-4D60-81FD-DFE2DB045AC2}"/>
+              </a:ext>
+            </a:extLst>
+          </p:cNvPr>
+          <p:cNvPicPr/>
+          <p:nvPr/>
+        </p:nvPicPr>
+        <p:blipFill>
+          <a:blip r:embed="rId2">
+            <a:extLst>
+              <a:ext uri="{28A0092B-C50C-407E-A947-70E740481C1C}">
+                <a14:useLocalDpi xmlns:a14="http://schemas.microsoft.com/office/drawing/2010/main" val="0"/>
+              </a:ext>
+            </a:extLst>
+          </a:blip>
+          <a:srcRect/>
+          <a:stretch>
+            <a:fillRect/>
+          </a:stretch>
+        </p:blipFill>
+        <p:spPr bwMode="auto">
+          <a:xfrm>
+            <a:off x="901148" y="207031"/>
+            <a:ext cx="1958215" cy="977900"/>
+          </a:xfrm>
+          <a:prstGeom prst="rect">
+            <a:avLst/>
+          </a:prstGeom>
+          <a:noFill/>
+          <a:ln>
+            <a:noFill/>
+          </a:ln>
+        </p:spPr>
+      </p:pic>
+      <p:pic>
+        <p:nvPicPr>
+          <p:cNvPr id="5" name="Imagem 4">
+            <a:extLst>
+              <a:ext uri="{FF2B5EF4-FFF2-40B4-BE49-F238E27FC236}">
+                <a16:creationId xmlns:a16="http://schemas.microsoft.com/office/drawing/2014/main" id="{00EB44F1-66E6-49A0-94D9-09FA009430BD}"/>
+              </a:ext>
+            </a:extLst>
+          </p:cNvPr>
+          <p:cNvPicPr/>
+          <p:nvPr/>
+        </p:nvPicPr>
+        <p:blipFill>
+          <a:blip r:embed="rId3">
+            <a:extLst>
+              <a:ext uri="{28A0092B-C50C-407E-A947-70E740481C1C}">
+                <a14:useLocalDpi xmlns:a14="http://schemas.microsoft.com/office/drawing/2010/main" val="0"/>
+              </a:ext>
+            </a:extLst>
+          </a:blip>
+          <a:stretch>
+            <a:fillRect/>
+          </a:stretch>
+        </p:blipFill>
+        <p:spPr>
+          <a:xfrm>
+            <a:off x="8481392" y="273982"/>
+            <a:ext cx="3142076" cy="852210"/>
+          </a:xfrm>
+          <a:prstGeom prst="rect">
+            <a:avLst/>
+          </a:prstGeom>
+        </p:spPr>
+      </p:pic>
+    </p:spTree>
+    <p:extLst>
+      <p:ext uri="{BB962C8B-B14F-4D97-AF65-F5344CB8AC3E}">
+        <p14:creationId xmlns:p14="http://schemas.microsoft.com/office/powerpoint/2010/main" val="2113396967"/>
+      </p:ext>
+    </p:extLst>
+  </p:cSld>
+  <p:clrMapOvr>
+    <a:masterClrMapping/>
+  </p:clrMapOvr>
+</p:sld>
+</file>
+
+<file path=ppt/slides/slide20.xml><?xml version="1.0" encoding="utf-8"?>
 <p:sld xmlns:a="http://schemas.openxmlformats.org/drawingml/2006/main" xmlns:r="http://schemas.openxmlformats.org/officeDocument/2006/relationships" xmlns:p="http://schemas.openxmlformats.org/presentationml/2006/main">
   <p:cSld>
     <p:spTree>
@@ -29960,13 +28699,13 @@
   <p:clrMapOvr>
     <a:masterClrMapping/>
   </p:clrMapOvr>
-  <mc:AlternateContent xmlns:mc="http://schemas.openxmlformats.org/markup-compatibility/2006">
-    <mc:Choice xmlns:p159="http://schemas.microsoft.com/office/powerpoint/2015/09/main" Requires="p159">
+  <mc:AlternateContent xmlns:mc="http://schemas.openxmlformats.org/markup-compatibility/2006" xmlns:p159="http://schemas.microsoft.com/office/powerpoint/2015/09/main">
+    <mc:Choice Requires="p159">
       <p:transition xmlns:p14="http://schemas.microsoft.com/office/powerpoint/2010/main" spd="slow" p14:dur="2000">
         <p159:morph option="byObject"/>
       </p:transition>
     </mc:Choice>
-    <mc:Fallback>
+    <mc:Fallback xmlns="">
       <p:transition spd="slow">
         <p:fade/>
       </p:transition>
@@ -29975,7 +28714,7 @@
 </p:sld>
 </file>
 
-<file path=ppt/slides/slide22.xml><?xml version="1.0" encoding="utf-8"?>
+<file path=ppt/slides/slide21.xml><?xml version="1.0" encoding="utf-8"?>
 <p:sld xmlns:a="http://schemas.openxmlformats.org/drawingml/2006/main" xmlns:r="http://schemas.openxmlformats.org/officeDocument/2006/relationships" xmlns:p="http://schemas.openxmlformats.org/presentationml/2006/main">
   <p:cSld>
     <p:spTree>
@@ -30168,13 +28907,13 @@
   <p:clrMapOvr>
     <a:masterClrMapping/>
   </p:clrMapOvr>
-  <mc:AlternateContent xmlns:mc="http://schemas.openxmlformats.org/markup-compatibility/2006">
-    <mc:Choice xmlns:p159="http://schemas.microsoft.com/office/powerpoint/2015/09/main" Requires="p159">
+  <mc:AlternateContent xmlns:mc="http://schemas.openxmlformats.org/markup-compatibility/2006" xmlns:p159="http://schemas.microsoft.com/office/powerpoint/2015/09/main">
+    <mc:Choice Requires="p159">
       <p:transition xmlns:p14="http://schemas.microsoft.com/office/powerpoint/2010/main" spd="slow" p14:dur="2000">
         <p159:morph option="byObject"/>
       </p:transition>
     </mc:Choice>
-    <mc:Fallback>
+    <mc:Fallback xmlns="">
       <p:transition spd="slow">
         <p:fade/>
       </p:transition>
@@ -30183,7 +28922,7 @@
 </p:sld>
 </file>
 
-<file path=ppt/slides/slide23.xml><?xml version="1.0" encoding="utf-8"?>
+<file path=ppt/slides/slide22.xml><?xml version="1.0" encoding="utf-8"?>
 <p:sld xmlns:a="http://schemas.openxmlformats.org/drawingml/2006/main" xmlns:r="http://schemas.openxmlformats.org/officeDocument/2006/relationships" xmlns:p="http://schemas.openxmlformats.org/presentationml/2006/main">
   <p:cSld>
     <p:spTree>
@@ -30408,13 +29147,13 @@
   <p:clrMapOvr>
     <a:masterClrMapping/>
   </p:clrMapOvr>
-  <mc:AlternateContent xmlns:mc="http://schemas.openxmlformats.org/markup-compatibility/2006">
-    <mc:Choice xmlns:p159="http://schemas.microsoft.com/office/powerpoint/2015/09/main" Requires="p159">
+  <mc:AlternateContent xmlns:mc="http://schemas.openxmlformats.org/markup-compatibility/2006" xmlns:p159="http://schemas.microsoft.com/office/powerpoint/2015/09/main">
+    <mc:Choice Requires="p159">
       <p:transition xmlns:p14="http://schemas.microsoft.com/office/powerpoint/2010/main" spd="slow" p14:dur="2000">
         <p159:morph option="byObject"/>
       </p:transition>
     </mc:Choice>
-    <mc:Fallback>
+    <mc:Fallback xmlns="">
       <p:transition spd="slow">
         <p:fade/>
       </p:transition>
@@ -30423,7 +29162,7 @@
 </p:sld>
 </file>
 
-<file path=ppt/slides/slide24.xml><?xml version="1.0" encoding="utf-8"?>
+<file path=ppt/slides/slide23.xml><?xml version="1.0" encoding="utf-8"?>
 <p:sld xmlns:a="http://schemas.openxmlformats.org/drawingml/2006/main" xmlns:r="http://schemas.openxmlformats.org/officeDocument/2006/relationships" xmlns:p="http://schemas.openxmlformats.org/presentationml/2006/main">
   <p:cSld>
     <p:spTree>
@@ -30640,13 +29379,13 @@
   <p:clrMapOvr>
     <a:masterClrMapping/>
   </p:clrMapOvr>
-  <mc:AlternateContent xmlns:mc="http://schemas.openxmlformats.org/markup-compatibility/2006">
-    <mc:Choice xmlns:p159="http://schemas.microsoft.com/office/powerpoint/2015/09/main" Requires="p159">
+  <mc:AlternateContent xmlns:mc="http://schemas.openxmlformats.org/markup-compatibility/2006" xmlns:p159="http://schemas.microsoft.com/office/powerpoint/2015/09/main">
+    <mc:Choice Requires="p159">
       <p:transition xmlns:p14="http://schemas.microsoft.com/office/powerpoint/2010/main" spd="slow" p14:dur="2000">
         <p159:morph option="byObject"/>
       </p:transition>
     </mc:Choice>
-    <mc:Fallback>
+    <mc:Fallback xmlns="">
       <p:transition spd="slow">
         <p:fade/>
       </p:transition>
@@ -30655,7 +29394,7 @@
 </p:sld>
 </file>
 
-<file path=ppt/slides/slide25.xml><?xml version="1.0" encoding="utf-8"?>
+<file path=ppt/slides/slide24.xml><?xml version="1.0" encoding="utf-8"?>
 <p:sld xmlns:a="http://schemas.openxmlformats.org/drawingml/2006/main" xmlns:r="http://schemas.openxmlformats.org/officeDocument/2006/relationships" xmlns:p="http://schemas.openxmlformats.org/presentationml/2006/main">
   <p:cSld>
     <p:spTree>
@@ -30878,13 +29617,13 @@
   <p:clrMapOvr>
     <a:masterClrMapping/>
   </p:clrMapOvr>
-  <mc:AlternateContent xmlns:mc="http://schemas.openxmlformats.org/markup-compatibility/2006">
-    <mc:Choice xmlns:p159="http://schemas.microsoft.com/office/powerpoint/2015/09/main" Requires="p159">
+  <mc:AlternateContent xmlns:mc="http://schemas.openxmlformats.org/markup-compatibility/2006" xmlns:p159="http://schemas.microsoft.com/office/powerpoint/2015/09/main">
+    <mc:Choice Requires="p159">
       <p:transition xmlns:p14="http://schemas.microsoft.com/office/powerpoint/2010/main" spd="slow" p14:dur="2000">
         <p159:morph option="byObject"/>
       </p:transition>
     </mc:Choice>
-    <mc:Fallback>
+    <mc:Fallback xmlns="">
       <p:transition spd="slow">
         <p:fade/>
       </p:transition>
@@ -30893,7 +29632,7 @@
 </p:sld>
 </file>
 
-<file path=ppt/slides/slide26.xml><?xml version="1.0" encoding="utf-8"?>
+<file path=ppt/slides/slide25.xml><?xml version="1.0" encoding="utf-8"?>
 <p:sld xmlns:a="http://schemas.openxmlformats.org/drawingml/2006/main" xmlns:r="http://schemas.openxmlformats.org/officeDocument/2006/relationships" xmlns:p="http://schemas.openxmlformats.org/presentationml/2006/main">
   <p:cSld>
     <p:spTree>
@@ -31407,13 +30146,13 @@
   <p:clrMapOvr>
     <a:masterClrMapping/>
   </p:clrMapOvr>
-  <mc:AlternateContent xmlns:mc="http://schemas.openxmlformats.org/markup-compatibility/2006">
-    <mc:Choice xmlns:p159="http://schemas.microsoft.com/office/powerpoint/2015/09/main" Requires="p159">
+  <mc:AlternateContent xmlns:mc="http://schemas.openxmlformats.org/markup-compatibility/2006" xmlns:p159="http://schemas.microsoft.com/office/powerpoint/2015/09/main">
+    <mc:Choice Requires="p159">
       <p:transition xmlns:p14="http://schemas.microsoft.com/office/powerpoint/2010/main" spd="slow" p14:dur="2000">
         <p159:morph option="byObject"/>
       </p:transition>
     </mc:Choice>
-    <mc:Fallback>
+    <mc:Fallback xmlns="">
       <p:transition spd="slow">
         <p:fade/>
       </p:transition>
@@ -31422,7 +30161,7 @@
 </p:sld>
 </file>
 
-<file path=ppt/slides/slide27.xml><?xml version="1.0" encoding="utf-8"?>
+<file path=ppt/slides/slide26.xml><?xml version="1.0" encoding="utf-8"?>
 <p:sld xmlns:a="http://schemas.openxmlformats.org/drawingml/2006/main" xmlns:r="http://schemas.openxmlformats.org/officeDocument/2006/relationships" xmlns:p="http://schemas.openxmlformats.org/presentationml/2006/main">
   <p:cSld>
     <p:spTree>
@@ -31593,13 +30332,13 @@
   <p:clrMapOvr>
     <a:masterClrMapping/>
   </p:clrMapOvr>
-  <mc:AlternateContent xmlns:mc="http://schemas.openxmlformats.org/markup-compatibility/2006">
-    <mc:Choice xmlns:p159="http://schemas.microsoft.com/office/powerpoint/2015/09/main" Requires="p159">
+  <mc:AlternateContent xmlns:mc="http://schemas.openxmlformats.org/markup-compatibility/2006" xmlns:p159="http://schemas.microsoft.com/office/powerpoint/2015/09/main">
+    <mc:Choice Requires="p159">
       <p:transition xmlns:p14="http://schemas.microsoft.com/office/powerpoint/2010/main" spd="slow" p14:dur="2000">
         <p159:morph option="byObject"/>
       </p:transition>
     </mc:Choice>
-    <mc:Fallback>
+    <mc:Fallback xmlns="">
       <p:transition spd="slow">
         <p:fade/>
       </p:transition>
@@ -32149,13 +30888,13 @@
   <p:clrMapOvr>
     <a:masterClrMapping/>
   </p:clrMapOvr>
-  <mc:AlternateContent xmlns:mc="http://schemas.openxmlformats.org/markup-compatibility/2006">
-    <mc:Choice xmlns:p159="http://schemas.microsoft.com/office/powerpoint/2015/09/main" Requires="p159">
+  <mc:AlternateContent xmlns:mc="http://schemas.openxmlformats.org/markup-compatibility/2006" xmlns:p159="http://schemas.microsoft.com/office/powerpoint/2015/09/main">
+    <mc:Choice Requires="p159">
       <p:transition xmlns:p14="http://schemas.microsoft.com/office/powerpoint/2010/main" spd="slow" p14:dur="2000">
         <p159:morph option="byObject"/>
       </p:transition>
     </mc:Choice>
-    <mc:Fallback>
+    <mc:Fallback xmlns="">
       <p:transition spd="slow">
         <p:fade/>
       </p:transition>
@@ -32594,13 +31333,13 @@
   <p:clrMapOvr>
     <a:masterClrMapping/>
   </p:clrMapOvr>
-  <mc:AlternateContent xmlns:mc="http://schemas.openxmlformats.org/markup-compatibility/2006">
-    <mc:Choice xmlns:p159="http://schemas.microsoft.com/office/powerpoint/2015/09/main" Requires="p159">
+  <mc:AlternateContent xmlns:mc="http://schemas.openxmlformats.org/markup-compatibility/2006" xmlns:p159="http://schemas.microsoft.com/office/powerpoint/2015/09/main">
+    <mc:Choice Requires="p159">
       <p:transition xmlns:p14="http://schemas.microsoft.com/office/powerpoint/2010/main" spd="slow" p14:dur="2000">
         <p159:morph option="byObject"/>
       </p:transition>
     </mc:Choice>
-    <mc:Fallback>
+    <mc:Fallback xmlns="">
       <p:transition spd="slow">
         <p:fade/>
       </p:transition>
@@ -32644,7 +31383,7 @@
         </p:nvSpPr>
         <p:spPr>
           <a:xfrm>
-            <a:off x="1524000" y="1308998"/>
+            <a:off x="1277776" y="1184931"/>
             <a:ext cx="9144000" cy="852211"/>
           </a:xfrm>
         </p:spPr>
@@ -32674,14 +31413,14 @@
           <p:nvPr>
             <p:extLst>
               <p:ext uri="{D42A27DB-BD31-4B8C-83A1-F6EECF244321}">
-                <p14:modId xmlns:p14="http://schemas.microsoft.com/office/powerpoint/2010/main" val="2362941955"/>
+                <p14:modId xmlns:p14="http://schemas.microsoft.com/office/powerpoint/2010/main" val="1586030489"/>
               </p:ext>
             </p:extLst>
           </p:nvPr>
         </p:nvGraphicFramePr>
         <p:xfrm>
-          <a:off x="1524000" y="2344015"/>
-          <a:ext cx="9144000" cy="3398077"/>
+          <a:off x="1880255" y="2546647"/>
+          <a:ext cx="8541521" cy="2605785"/>
         </p:xfrm>
         <a:graphic>
           <a:graphicData uri="http://schemas.openxmlformats.org/drawingml/2006/diagram">
@@ -32772,13 +31511,13 @@
   <p:clrMapOvr>
     <a:masterClrMapping/>
   </p:clrMapOvr>
-  <mc:AlternateContent xmlns:mc="http://schemas.openxmlformats.org/markup-compatibility/2006">
-    <mc:Choice xmlns:p159="http://schemas.microsoft.com/office/powerpoint/2015/09/main" Requires="p159">
+  <mc:AlternateContent xmlns:mc="http://schemas.openxmlformats.org/markup-compatibility/2006" xmlns:p159="http://schemas.microsoft.com/office/powerpoint/2015/09/main">
+    <mc:Choice Requires="p159">
       <p:transition xmlns:p14="http://schemas.microsoft.com/office/powerpoint/2010/main" spd="slow" p14:dur="2000">
         <p159:morph option="byObject"/>
       </p:transition>
     </mc:Choice>
-    <mc:Fallback>
+    <mc:Fallback xmlns="">
       <p:transition spd="slow">
         <p:fade/>
       </p:transition>
@@ -32925,7 +31664,7 @@
           <p:nvPr>
             <p:extLst>
               <p:ext uri="{D42A27DB-BD31-4B8C-83A1-F6EECF244321}">
-                <p14:modId xmlns:p14="http://schemas.microsoft.com/office/powerpoint/2010/main" val="81280937"/>
+                <p14:modId xmlns:p14="http://schemas.microsoft.com/office/powerpoint/2010/main" val="3454978574"/>
               </p:ext>
             </p:extLst>
           </p:nvPr>
@@ -32950,13 +31689,13 @@
   <p:clrMapOvr>
     <a:masterClrMapping/>
   </p:clrMapOvr>
-  <mc:AlternateContent xmlns:mc="http://schemas.openxmlformats.org/markup-compatibility/2006">
-    <mc:Choice xmlns:p159="http://schemas.microsoft.com/office/powerpoint/2015/09/main" Requires="p159">
+  <mc:AlternateContent xmlns:mc="http://schemas.openxmlformats.org/markup-compatibility/2006" xmlns:p159="http://schemas.microsoft.com/office/powerpoint/2015/09/main">
+    <mc:Choice Requires="p159">
       <p:transition xmlns:p14="http://schemas.microsoft.com/office/powerpoint/2010/main" spd="slow" p14:dur="2000">
         <p159:morph option="byObject"/>
       </p:transition>
     </mc:Choice>
-    <mc:Fallback>
+    <mc:Fallback xmlns="">
       <p:transition spd="slow">
         <p:fade/>
       </p:transition>
@@ -33315,13 +32054,13 @@
   <p:clrMapOvr>
     <a:masterClrMapping/>
   </p:clrMapOvr>
-  <mc:AlternateContent xmlns:mc="http://schemas.openxmlformats.org/markup-compatibility/2006">
-    <mc:Choice xmlns:p159="http://schemas.microsoft.com/office/powerpoint/2015/09/main" Requires="p159">
+  <mc:AlternateContent xmlns:mc="http://schemas.openxmlformats.org/markup-compatibility/2006" xmlns:p159="http://schemas.microsoft.com/office/powerpoint/2015/09/main">
+    <mc:Choice Requires="p159">
       <p:transition xmlns:p14="http://schemas.microsoft.com/office/powerpoint/2010/main" spd="slow" p14:dur="2000">
         <p159:morph option="byObject"/>
       </p:transition>
     </mc:Choice>
-    <mc:Fallback>
+    <mc:Fallback xmlns="">
       <p:transition spd="slow">
         <p:fade/>
       </p:transition>

--- a/liceu/3semestre/projeto integrador/tcc slide.pptx
+++ b/liceu/3semestre/projeto integrador/tcc slide.pptx
@@ -22021,7 +22021,7 @@
           <a:p>
             <a:fld id="{18320935-7879-4FC8-A6C9-17BE08BC5BEB}" type="datetimeFigureOut">
               <a:rPr lang="pt-BR" smtClean="0"/>
-              <a:t>05/06/2025</a:t>
+              <a:t>06/06/2025</a:t>
             </a:fld>
             <a:endParaRPr lang="pt-BR"/>
           </a:p>
@@ -22435,7 +22435,7 @@
           <a:p>
             <a:fld id="{055D9AF5-8B02-462A-998E-086C6BD146E3}" type="datetime1">
               <a:rPr lang="pt-BR" smtClean="0"/>
-              <a:t>05/06/2025</a:t>
+              <a:t>06/06/2025</a:t>
             </a:fld>
             <a:endParaRPr lang="pt-BR"/>
           </a:p>
@@ -22633,7 +22633,7 @@
           <a:p>
             <a:fld id="{258448AC-78A4-411F-B30C-72E16663FB27}" type="datetime1">
               <a:rPr lang="pt-BR" smtClean="0"/>
-              <a:t>05/06/2025</a:t>
+              <a:t>06/06/2025</a:t>
             </a:fld>
             <a:endParaRPr lang="pt-BR"/>
           </a:p>
@@ -22841,7 +22841,7 @@
           <a:p>
             <a:fld id="{9F1F3115-DB14-4321-8D36-A5960E5A90C2}" type="datetime1">
               <a:rPr lang="pt-BR" smtClean="0"/>
-              <a:t>05/06/2025</a:t>
+              <a:t>06/06/2025</a:t>
             </a:fld>
             <a:endParaRPr lang="pt-BR"/>
           </a:p>
@@ -23039,7 +23039,7 @@
           <a:p>
             <a:fld id="{D8C6E8C3-9067-43B2-BEF6-C1F5787FC74D}" type="datetime1">
               <a:rPr lang="pt-BR" smtClean="0"/>
-              <a:t>05/06/2025</a:t>
+              <a:t>06/06/2025</a:t>
             </a:fld>
             <a:endParaRPr lang="pt-BR"/>
           </a:p>
@@ -23314,7 +23314,7 @@
           <a:p>
             <a:fld id="{AEDAA854-EDC2-459C-AF0A-0D60AE43886D}" type="datetime1">
               <a:rPr lang="pt-BR" smtClean="0"/>
-              <a:t>05/06/2025</a:t>
+              <a:t>06/06/2025</a:t>
             </a:fld>
             <a:endParaRPr lang="pt-BR"/>
           </a:p>
@@ -23579,7 +23579,7 @@
           <a:p>
             <a:fld id="{5D91D852-DAA6-48D5-92B2-C187B4D9E703}" type="datetime1">
               <a:rPr lang="pt-BR" smtClean="0"/>
-              <a:t>05/06/2025</a:t>
+              <a:t>06/06/2025</a:t>
             </a:fld>
             <a:endParaRPr lang="pt-BR"/>
           </a:p>
@@ -23991,7 +23991,7 @@
           <a:p>
             <a:fld id="{CDC3A4EE-7EB3-49B0-B009-2BF3B4DB4BF7}" type="datetime1">
               <a:rPr lang="pt-BR" smtClean="0"/>
-              <a:t>05/06/2025</a:t>
+              <a:t>06/06/2025</a:t>
             </a:fld>
             <a:endParaRPr lang="pt-BR"/>
           </a:p>
@@ -24132,7 +24132,7 @@
           <a:p>
             <a:fld id="{224C9A1C-CA50-4622-B615-0639F6347B1D}" type="datetime1">
               <a:rPr lang="pt-BR" smtClean="0"/>
-              <a:t>05/06/2025</a:t>
+              <a:t>06/06/2025</a:t>
             </a:fld>
             <a:endParaRPr lang="pt-BR"/>
           </a:p>
@@ -24245,7 +24245,7 @@
           <a:p>
             <a:fld id="{3D6C1E11-059F-430B-ACAB-308983ADDB72}" type="datetime1">
               <a:rPr lang="pt-BR" smtClean="0"/>
-              <a:t>05/06/2025</a:t>
+              <a:t>06/06/2025</a:t>
             </a:fld>
             <a:endParaRPr lang="pt-BR"/>
           </a:p>
@@ -24556,7 +24556,7 @@
           <a:p>
             <a:fld id="{D818A351-4929-4117-9E02-9240FA4BEF66}" type="datetime1">
               <a:rPr lang="pt-BR" smtClean="0"/>
-              <a:t>05/06/2025</a:t>
+              <a:t>06/06/2025</a:t>
             </a:fld>
             <a:endParaRPr lang="pt-BR"/>
           </a:p>
@@ -24844,7 +24844,7 @@
           <a:p>
             <a:fld id="{0717CE0E-0A9C-4DE7-9D3C-C334C624287A}" type="datetime1">
               <a:rPr lang="pt-BR" smtClean="0"/>
-              <a:t>05/06/2025</a:t>
+              <a:t>06/06/2025</a:t>
             </a:fld>
             <a:endParaRPr lang="pt-BR"/>
           </a:p>
@@ -25085,7 +25085,7 @@
           <a:p>
             <a:fld id="{8DEF6C12-3CCD-4BA5-AA5A-B9FCBFB668F7}" type="datetime1">
               <a:rPr lang="pt-BR" smtClean="0"/>
-              <a:t>05/06/2025</a:t>
+              <a:t>06/06/2025</a:t>
             </a:fld>
             <a:endParaRPr lang="pt-BR"/>
           </a:p>
@@ -26259,7 +26259,7 @@
         </p:nvSpPr>
         <p:spPr>
           <a:xfrm>
-            <a:off x="1449090" y="4959547"/>
+            <a:off x="1449088" y="4959547"/>
             <a:ext cx="2324672" cy="532955"/>
           </a:xfrm>
           <a:prstGeom prst="snip1Rect">
@@ -26295,7 +26295,7 @@
                 <a:latin typeface="Aharoni" panose="02010803020104030203" pitchFamily="2" charset="-79"/>
                 <a:cs typeface="Aharoni" panose="02010803020104030203" pitchFamily="2" charset="-79"/>
               </a:rPr>
-              <a:t>Período</a:t>
+              <a:t>Data</a:t>
             </a:r>
           </a:p>
         </p:txBody>
@@ -29264,21 +29264,21 @@
                 <a:latin typeface="Aharoni" panose="02010803020104030203" pitchFamily="2" charset="-79"/>
                 <a:cs typeface="Aharoni" panose="02010803020104030203" pitchFamily="2" charset="-79"/>
               </a:rPr>
-              <a:t>O uso de </a:t>
+              <a:t>O uso de gamificação pode ser o </a:t>
             </a:r>
             <a:r>
               <a:rPr lang="pt-BR" sz="3200" dirty="0" err="1">
                 <a:latin typeface="Aharoni" panose="02010803020104030203" pitchFamily="2" charset="-79"/>
                 <a:cs typeface="Aharoni" panose="02010803020104030203" pitchFamily="2" charset="-79"/>
               </a:rPr>
-              <a:t>gameficação</a:t>
+              <a:t>futudo</a:t>
             </a:r>
             <a:r>
               <a:rPr lang="pt-BR" sz="3200" dirty="0">
                 <a:latin typeface="Aharoni" panose="02010803020104030203" pitchFamily="2" charset="-79"/>
                 <a:cs typeface="Aharoni" panose="02010803020104030203" pitchFamily="2" charset="-79"/>
               </a:rPr>
-              <a:t> é futuro da educação.</a:t>
+              <a:t> da educação.</a:t>
             </a:r>
           </a:p>
           <a:p>
